--- a/Elasticsearch.pptx
+++ b/Elasticsearch.pptx
@@ -5,51 +5,54 @@
     <p:sldMasterId id="2147483672" r:id="rId4"/>
   </p:sldMasterIdLst>
   <p:notesMasterIdLst>
-    <p:notesMasterId r:id="rId47"/>
+    <p:notesMasterId r:id="rId50"/>
   </p:notesMasterIdLst>
   <p:sldIdLst>
     <p:sldId id="295" r:id="rId5"/>
-    <p:sldId id="261" r:id="rId6"/>
-    <p:sldId id="314" r:id="rId7"/>
-    <p:sldId id="315" r:id="rId8"/>
-    <p:sldId id="316" r:id="rId9"/>
-    <p:sldId id="317" r:id="rId10"/>
-    <p:sldId id="318" r:id="rId11"/>
-    <p:sldId id="319" r:id="rId12"/>
-    <p:sldId id="320" r:id="rId13"/>
-    <p:sldId id="321" r:id="rId14"/>
-    <p:sldId id="322" r:id="rId15"/>
-    <p:sldId id="323" r:id="rId16"/>
-    <p:sldId id="324" r:id="rId17"/>
-    <p:sldId id="325" r:id="rId18"/>
-    <p:sldId id="326" r:id="rId19"/>
-    <p:sldId id="327" r:id="rId20"/>
-    <p:sldId id="328" r:id="rId21"/>
-    <p:sldId id="329" r:id="rId22"/>
-    <p:sldId id="330" r:id="rId23"/>
-    <p:sldId id="331" r:id="rId24"/>
-    <p:sldId id="332" r:id="rId25"/>
-    <p:sldId id="260" r:id="rId26"/>
-    <p:sldId id="296" r:id="rId27"/>
-    <p:sldId id="297" r:id="rId28"/>
-    <p:sldId id="298" r:id="rId29"/>
-    <p:sldId id="299" r:id="rId30"/>
-    <p:sldId id="300" r:id="rId31"/>
-    <p:sldId id="301" r:id="rId32"/>
-    <p:sldId id="302" r:id="rId33"/>
-    <p:sldId id="303" r:id="rId34"/>
-    <p:sldId id="305" r:id="rId35"/>
-    <p:sldId id="304" r:id="rId36"/>
-    <p:sldId id="306" r:id="rId37"/>
-    <p:sldId id="307" r:id="rId38"/>
-    <p:sldId id="308" r:id="rId39"/>
-    <p:sldId id="309" r:id="rId40"/>
-    <p:sldId id="310" r:id="rId41"/>
-    <p:sldId id="311" r:id="rId42"/>
-    <p:sldId id="312" r:id="rId43"/>
-    <p:sldId id="313" r:id="rId44"/>
-    <p:sldId id="278" r:id="rId45"/>
-    <p:sldId id="280" r:id="rId46"/>
+    <p:sldId id="334" r:id="rId6"/>
+    <p:sldId id="261" r:id="rId7"/>
+    <p:sldId id="333" r:id="rId8"/>
+    <p:sldId id="335" r:id="rId9"/>
+    <p:sldId id="314" r:id="rId10"/>
+    <p:sldId id="315" r:id="rId11"/>
+    <p:sldId id="316" r:id="rId12"/>
+    <p:sldId id="317" r:id="rId13"/>
+    <p:sldId id="318" r:id="rId14"/>
+    <p:sldId id="319" r:id="rId15"/>
+    <p:sldId id="320" r:id="rId16"/>
+    <p:sldId id="321" r:id="rId17"/>
+    <p:sldId id="322" r:id="rId18"/>
+    <p:sldId id="323" r:id="rId19"/>
+    <p:sldId id="324" r:id="rId20"/>
+    <p:sldId id="325" r:id="rId21"/>
+    <p:sldId id="326" r:id="rId22"/>
+    <p:sldId id="327" r:id="rId23"/>
+    <p:sldId id="328" r:id="rId24"/>
+    <p:sldId id="329" r:id="rId25"/>
+    <p:sldId id="330" r:id="rId26"/>
+    <p:sldId id="331" r:id="rId27"/>
+    <p:sldId id="332" r:id="rId28"/>
+    <p:sldId id="260" r:id="rId29"/>
+    <p:sldId id="296" r:id="rId30"/>
+    <p:sldId id="297" r:id="rId31"/>
+    <p:sldId id="298" r:id="rId32"/>
+    <p:sldId id="299" r:id="rId33"/>
+    <p:sldId id="300" r:id="rId34"/>
+    <p:sldId id="301" r:id="rId35"/>
+    <p:sldId id="302" r:id="rId36"/>
+    <p:sldId id="303" r:id="rId37"/>
+    <p:sldId id="305" r:id="rId38"/>
+    <p:sldId id="304" r:id="rId39"/>
+    <p:sldId id="306" r:id="rId40"/>
+    <p:sldId id="307" r:id="rId41"/>
+    <p:sldId id="308" r:id="rId42"/>
+    <p:sldId id="309" r:id="rId43"/>
+    <p:sldId id="310" r:id="rId44"/>
+    <p:sldId id="311" r:id="rId45"/>
+    <p:sldId id="312" r:id="rId46"/>
+    <p:sldId id="313" r:id="rId47"/>
+    <p:sldId id="278" r:id="rId48"/>
+    <p:sldId id="280" r:id="rId49"/>
   </p:sldIdLst>
   <p:sldSz cx="9144000" cy="5143500" type="screen16x9"/>
   <p:notesSz cx="6858000" cy="9144000"/>
@@ -1228,7 +1231,7 @@
           <a:p>
             <a:fld id="{CDFB967C-E8DF-AF4B-9B57-A68D256EEC90}" type="slidenum">
               <a:rPr lang="nl-NL" smtClean="0"/>
-              <a:t>5</a:t>
+              <a:t>8</a:t>
             </a:fld>
             <a:endParaRPr lang="nl-NL"/>
           </a:p>
@@ -1312,7 +1315,7 @@
           <a:p>
             <a:fld id="{CDFB967C-E8DF-AF4B-9B57-A68D256EEC90}" type="slidenum">
               <a:rPr lang="nl-NL" smtClean="0"/>
-              <a:t>16</a:t>
+              <a:t>19</a:t>
             </a:fld>
             <a:endParaRPr lang="nl-NL"/>
           </a:p>
@@ -1396,7 +1399,7 @@
           <a:p>
             <a:fld id="{CDFB967C-E8DF-AF4B-9B57-A68D256EEC90}" type="slidenum">
               <a:rPr lang="nl-NL" smtClean="0"/>
-              <a:t>17</a:t>
+              <a:t>20</a:t>
             </a:fld>
             <a:endParaRPr lang="nl-NL"/>
           </a:p>
@@ -1480,7 +1483,7 @@
           <a:p>
             <a:fld id="{CDFB967C-E8DF-AF4B-9B57-A68D256EEC90}" type="slidenum">
               <a:rPr lang="nl-NL" smtClean="0"/>
-              <a:t>6</a:t>
+              <a:t>9</a:t>
             </a:fld>
             <a:endParaRPr lang="nl-NL"/>
           </a:p>
@@ -1564,7 +1567,7 @@
           <a:p>
             <a:fld id="{CDFB967C-E8DF-AF4B-9B57-A68D256EEC90}" type="slidenum">
               <a:rPr lang="nl-NL" smtClean="0"/>
-              <a:t>7</a:t>
+              <a:t>10</a:t>
             </a:fld>
             <a:endParaRPr lang="nl-NL"/>
           </a:p>
@@ -1648,7 +1651,7 @@
           <a:p>
             <a:fld id="{CDFB967C-E8DF-AF4B-9B57-A68D256EEC90}" type="slidenum">
               <a:rPr lang="nl-NL" smtClean="0"/>
-              <a:t>8</a:t>
+              <a:t>11</a:t>
             </a:fld>
             <a:endParaRPr lang="nl-NL"/>
           </a:p>
@@ -1732,7 +1735,7 @@
           <a:p>
             <a:fld id="{CDFB967C-E8DF-AF4B-9B57-A68D256EEC90}" type="slidenum">
               <a:rPr lang="nl-NL" smtClean="0"/>
-              <a:t>9</a:t>
+              <a:t>12</a:t>
             </a:fld>
             <a:endParaRPr lang="nl-NL"/>
           </a:p>
@@ -1816,7 +1819,7 @@
           <a:p>
             <a:fld id="{CDFB967C-E8DF-AF4B-9B57-A68D256EEC90}" type="slidenum">
               <a:rPr lang="nl-NL" smtClean="0"/>
-              <a:t>10</a:t>
+              <a:t>13</a:t>
             </a:fld>
             <a:endParaRPr lang="nl-NL"/>
           </a:p>
@@ -1900,7 +1903,7 @@
           <a:p>
             <a:fld id="{CDFB967C-E8DF-AF4B-9B57-A68D256EEC90}" type="slidenum">
               <a:rPr lang="nl-NL" smtClean="0"/>
-              <a:t>11</a:t>
+              <a:t>14</a:t>
             </a:fld>
             <a:endParaRPr lang="nl-NL"/>
           </a:p>
@@ -1984,7 +1987,7 @@
           <a:p>
             <a:fld id="{CDFB967C-E8DF-AF4B-9B57-A68D256EEC90}" type="slidenum">
               <a:rPr lang="nl-NL" smtClean="0"/>
-              <a:t>12</a:t>
+              <a:t>15</a:t>
             </a:fld>
             <a:endParaRPr lang="nl-NL"/>
           </a:p>
@@ -2068,7 +2071,7 @@
           <a:p>
             <a:fld id="{CDFB967C-E8DF-AF4B-9B57-A68D256EEC90}" type="slidenum">
               <a:rPr lang="nl-NL" smtClean="0"/>
-              <a:t>13</a:t>
+              <a:t>16</a:t>
             </a:fld>
             <a:endParaRPr lang="nl-NL"/>
           </a:p>
@@ -2437,7 +2440,7 @@
           <a:bodyPr/>
           <a:lstStyle/>
           <a:p>
-            <a:fld id="{B382B580-1EE9-4EC9-BB27-58E161E815C2}" type="datetime1">
+            <a:fld id="{E8E3D916-ACBF-4FE0-8C69-93E6D8AAD662}" type="datetime1">
               <a:rPr lang="en-US" noProof="0" smtClean="0"/>
               <a:t>5/11/2020</a:t>
             </a:fld>
@@ -2823,7 +2826,7 @@
           <a:bodyPr/>
           <a:lstStyle/>
           <a:p>
-            <a:fld id="{BD6B9157-D68A-4EFF-96E0-880EAE4CC280}" type="datetime1">
+            <a:fld id="{24923D33-0607-4471-92AB-87D7B932E4F5}" type="datetime1">
               <a:rPr lang="en-US" smtClean="0"/>
               <a:t>5/11/2020</a:t>
             </a:fld>
@@ -3241,7 +3244,7 @@
           <a:bodyPr/>
           <a:lstStyle/>
           <a:p>
-            <a:fld id="{EBB5D333-EBC9-472F-87F2-9EDE48E51638}" type="datetime1">
+            <a:fld id="{1F076E73-A7F2-48BA-9D14-CF574BEA09A4}" type="datetime1">
               <a:rPr lang="en-US" smtClean="0"/>
               <a:t>5/11/2020</a:t>
             </a:fld>
@@ -3600,7 +3603,7 @@
           <a:bodyPr/>
           <a:lstStyle/>
           <a:p>
-            <a:fld id="{1877E8CA-472C-4BAB-B1AE-A6100A8636EA}" type="datetime1">
+            <a:fld id="{1AB64C7B-1C78-4EDC-8334-C910606A37E2}" type="datetime1">
               <a:rPr lang="en-US" smtClean="0"/>
               <a:t>5/11/2020</a:t>
             </a:fld>
@@ -3776,7 +3779,7 @@
           <a:bodyPr/>
           <a:lstStyle/>
           <a:p>
-            <a:fld id="{868453C0-B98E-48E7-910E-42EAE06C45F2}" type="datetime1">
+            <a:fld id="{5438AED8-C3F5-4584-9499-D06298DD82AB}" type="datetime1">
               <a:rPr lang="en-US" smtClean="0"/>
               <a:t>5/11/2020</a:t>
             </a:fld>
@@ -4685,7 +4688,7 @@
           <a:bodyPr/>
           <a:lstStyle/>
           <a:p>
-            <a:fld id="{58078D9E-D76A-464C-B8A0-C2CBAD25C6F2}" type="datetime1">
+            <a:fld id="{3086376D-BF8F-4FB0-BA3A-6118F3B97147}" type="datetime1">
               <a:rPr lang="en-US" smtClean="0"/>
               <a:t>5/11/2020</a:t>
             </a:fld>
@@ -4932,7 +4935,7 @@
           <a:bodyPr/>
           <a:lstStyle/>
           <a:p>
-            <a:fld id="{8B4701D1-A87D-411D-B649-3C5CCE00269F}" type="datetime1">
+            <a:fld id="{B8D31770-EB6A-4A32-B824-DB612DA46BB3}" type="datetime1">
               <a:rPr lang="en-US" smtClean="0"/>
               <a:t>5/11/2020</a:t>
             </a:fld>
@@ -5180,7 +5183,7 @@
           <a:bodyPr/>
           <a:lstStyle/>
           <a:p>
-            <a:fld id="{DD77418C-9AFE-4D44-8FCF-5C207BAA6F1D}" type="datetime1">
+            <a:fld id="{EE9519D9-11FC-4E4C-AB92-51D800F1B74D}" type="datetime1">
               <a:rPr lang="en-US" smtClean="0"/>
               <a:t>5/11/2020</a:t>
             </a:fld>
@@ -5345,7 +5348,7 @@
           <a:bodyPr/>
           <a:lstStyle/>
           <a:p>
-            <a:fld id="{99BA9492-06F4-4EDA-99D6-C088BCB255B9}" type="datetime1">
+            <a:fld id="{EBD39672-96D6-4289-B17F-3AC03B64F325}" type="datetime1">
               <a:rPr lang="en-US" smtClean="0"/>
               <a:t>5/11/2020</a:t>
             </a:fld>
@@ -5806,7 +5809,7 @@
           <a:bodyPr/>
           <a:lstStyle/>
           <a:p>
-            <a:fld id="{0443B9AD-A9AA-4154-8904-08ACC45E4A15}" type="datetime1">
+            <a:fld id="{47CACD11-3D54-4121-84E2-40922414833D}" type="datetime1">
               <a:rPr lang="en-US" smtClean="0"/>
               <a:t>5/11/2020</a:t>
             </a:fld>
@@ -6417,7 +6420,7 @@
           <a:bodyPr/>
           <a:lstStyle/>
           <a:p>
-            <a:fld id="{217686D4-4651-4256-A5D5-94797E9067D4}" type="datetime1">
+            <a:fld id="{D368890A-41A1-4C6B-A321-D1F668F5C54D}" type="datetime1">
               <a:rPr lang="en-US" noProof="0" smtClean="0"/>
               <a:t>5/11/2020</a:t>
             </a:fld>
@@ -6716,7 +6719,7 @@
             </a:lvl1pPr>
           </a:lstStyle>
           <a:p>
-            <a:fld id="{9DF7F753-C782-4E88-8717-CD7F96C48616}" type="datetime1">
+            <a:fld id="{58384117-E61A-49E9-8E3E-01D33DE87B45}" type="datetime1">
               <a:rPr lang="en-US" smtClean="0"/>
               <a:t>5/11/2020</a:t>
             </a:fld>
@@ -7292,8 +7295,93 @@
           <a:p>
             <a:r>
               <a:rPr lang="nl-NL" dirty="0"/>
-              <a:t>Cluster</a:t>
-            </a:r>
+              <a:t>Index Mapping</a:t>
+            </a:r>
+          </a:p>
+        </p:txBody>
+      </p:sp>
+      <p:sp>
+        <p:nvSpPr>
+          <p:cNvPr id="3" name="Content Placeholder 2"/>
+          <p:cNvSpPr>
+            <a:spLocks noGrp="1"/>
+          </p:cNvSpPr>
+          <p:nvPr>
+            <p:ph idx="1"/>
+          </p:nvPr>
+        </p:nvSpPr>
+        <p:spPr>
+          <a:xfrm>
+            <a:off x="720003" y="1224000"/>
+            <a:ext cx="6623999" cy="3491999"/>
+          </a:xfrm>
+        </p:spPr>
+        <p:txBody>
+          <a:bodyPr/>
+          <a:lstStyle/>
+          <a:p>
+            <a:r>
+              <a:rPr lang="nl-NL" dirty="0"/>
+              <a:t>Definition of how a document and the field it contains are stored and indexed.</a:t>
+            </a:r>
+          </a:p>
+          <a:p>
+            <a:r>
+              <a:rPr lang="nl-NL" dirty="0"/>
+              <a:t>Types:</a:t>
+            </a:r>
+          </a:p>
+          <a:p>
+            <a:pPr lvl="1"/>
+            <a:r>
+              <a:rPr lang="en-US" dirty="0"/>
+              <a:t>text, keyword, date, long, double, </a:t>
+            </a:r>
+            <a:r>
+              <a:rPr lang="en-US" dirty="0" err="1"/>
+              <a:t>boolean</a:t>
+            </a:r>
+            <a:r>
+              <a:rPr lang="en-US" dirty="0"/>
+              <a:t>, </a:t>
+            </a:r>
+            <a:r>
+              <a:rPr lang="en-US" dirty="0" err="1"/>
+              <a:t>ip</a:t>
+            </a:r>
+            <a:r>
+              <a:rPr lang="en-US" dirty="0"/>
+              <a:t>.</a:t>
+            </a:r>
+          </a:p>
+          <a:p>
+            <a:pPr lvl="1"/>
+            <a:r>
+              <a:rPr lang="en-US" dirty="0"/>
+              <a:t>hierarchical JSON such as object or nested.</a:t>
+            </a:r>
+          </a:p>
+          <a:p>
+            <a:r>
+              <a:rPr lang="en-US" dirty="0"/>
+              <a:t>Inserted documents are not restricted to those fields only</a:t>
+            </a:r>
+          </a:p>
+          <a:p>
+            <a:r>
+              <a:rPr lang="en-US" dirty="0"/>
+              <a:t>Existing mappings can be extended</a:t>
+            </a:r>
+          </a:p>
+          <a:p>
+            <a:r>
+              <a:rPr lang="en-US" dirty="0"/>
+              <a:t>Types can’t be changed</a:t>
+            </a:r>
+            <a:endParaRPr lang="nl-NL" dirty="0"/>
+          </a:p>
+          <a:p>
+            <a:endParaRPr lang="nl-NL" dirty="0"/>
           </a:p>
         </p:txBody>
       </p:sp>
@@ -7314,7 +7402,7 @@
           <a:p>
             <a:r>
               <a:rPr lang="nl-NL"/>
-              <a:t>Titel van de presentatie</a:t>
+              <a:t>elasticsearch</a:t>
             </a:r>
           </a:p>
         </p:txBody>
@@ -7337,6 +7425,454 @@
             <a:fld id="{14F1411D-0280-154F-AEAC-4C20B7AA46B2}" type="slidenum">
               <a:rPr lang="nl-NL" smtClean="0"/>
               <a:t>10</a:t>
+            </a:fld>
+            <a:endParaRPr lang="nl-NL"/>
+          </a:p>
+        </p:txBody>
+      </p:sp>
+    </p:spTree>
+    <p:extLst>
+      <p:ext uri="{BB962C8B-B14F-4D97-AF65-F5344CB8AC3E}">
+        <p14:creationId xmlns:p14="http://schemas.microsoft.com/office/powerpoint/2010/main" val="3363803786"/>
+      </p:ext>
+    </p:extLst>
+  </p:cSld>
+  <p:clrMapOvr>
+    <a:masterClrMapping/>
+  </p:clrMapOvr>
+</p:sld>
+</file>
+
+<file path=ppt/slides/slide11.xml><?xml version="1.0" encoding="utf-8"?>
+<p:sld xmlns:a="http://schemas.openxmlformats.org/drawingml/2006/main" xmlns:r="http://schemas.openxmlformats.org/officeDocument/2006/relationships" xmlns:p="http://schemas.openxmlformats.org/presentationml/2006/main">
+  <p:cSld>
+    <p:spTree>
+      <p:nvGrpSpPr>
+        <p:cNvPr id="1" name=""/>
+        <p:cNvGrpSpPr/>
+        <p:nvPr/>
+      </p:nvGrpSpPr>
+      <p:grpSpPr>
+        <a:xfrm>
+          <a:off x="0" y="0"/>
+          <a:ext cx="0" cy="0"/>
+          <a:chOff x="0" y="0"/>
+          <a:chExt cx="0" cy="0"/>
+        </a:xfrm>
+      </p:grpSpPr>
+      <p:sp>
+        <p:nvSpPr>
+          <p:cNvPr id="4" name="Footer Placeholder 3"/>
+          <p:cNvSpPr>
+            <a:spLocks noGrp="1"/>
+          </p:cNvSpPr>
+          <p:nvPr>
+            <p:ph type="ftr" sz="quarter" idx="11"/>
+          </p:nvPr>
+        </p:nvSpPr>
+        <p:spPr>
+          <a:xfrm>
+            <a:off x="4968000" y="5004000"/>
+            <a:ext cx="3240000" cy="108000"/>
+          </a:xfrm>
+        </p:spPr>
+        <p:txBody>
+          <a:bodyPr anchor="t">
+            <a:normAutofit/>
+          </a:bodyPr>
+          <a:lstStyle/>
+          <a:p>
+            <a:pPr>
+              <a:spcAft>
+                <a:spcPts val="600"/>
+              </a:spcAft>
+            </a:pPr>
+            <a:r>
+              <a:rPr lang="nl-NL"/>
+              <a:t>elasticsearch</a:t>
+            </a:r>
+          </a:p>
+        </p:txBody>
+      </p:sp>
+      <p:sp>
+        <p:nvSpPr>
+          <p:cNvPr id="5" name="Slide Number Placeholder 4"/>
+          <p:cNvSpPr>
+            <a:spLocks noGrp="1"/>
+          </p:cNvSpPr>
+          <p:nvPr>
+            <p:ph type="sldNum" sz="quarter" idx="12"/>
+          </p:nvPr>
+        </p:nvSpPr>
+        <p:spPr>
+          <a:xfrm>
+            <a:off x="8280000" y="5004000"/>
+            <a:ext cx="144000" cy="108000"/>
+          </a:xfrm>
+        </p:spPr>
+        <p:txBody>
+          <a:bodyPr anchor="t">
+            <a:normAutofit/>
+          </a:bodyPr>
+          <a:lstStyle/>
+          <a:p>
+            <a:pPr>
+              <a:spcAft>
+                <a:spcPts val="600"/>
+              </a:spcAft>
+            </a:pPr>
+            <a:fld id="{14F1411D-0280-154F-AEAC-4C20B7AA46B2}" type="slidenum">
+              <a:rPr lang="nl-NL" smtClean="0"/>
+              <a:pPr>
+                <a:spcAft>
+                  <a:spcPts val="600"/>
+                </a:spcAft>
+              </a:pPr>
+              <a:t>11</a:t>
+            </a:fld>
+            <a:endParaRPr lang="nl-NL"/>
+          </a:p>
+        </p:txBody>
+      </p:sp>
+      <p:sp>
+        <p:nvSpPr>
+          <p:cNvPr id="2" name="Title 1"/>
+          <p:cNvSpPr>
+            <a:spLocks noGrp="1"/>
+          </p:cNvSpPr>
+          <p:nvPr>
+            <p:ph type="title"/>
+          </p:nvPr>
+        </p:nvSpPr>
+        <p:spPr>
+          <a:xfrm>
+            <a:off x="719999" y="288000"/>
+            <a:ext cx="6624000" cy="504000"/>
+          </a:xfrm>
+        </p:spPr>
+        <p:txBody>
+          <a:bodyPr anchor="ctr">
+            <a:normAutofit/>
+          </a:bodyPr>
+          <a:lstStyle/>
+          <a:p>
+            <a:r>
+              <a:rPr lang="nl-NL" dirty="0"/>
+              <a:t>Cluster</a:t>
+            </a:r>
+          </a:p>
+        </p:txBody>
+      </p:sp>
+      <p:sp>
+        <p:nvSpPr>
+          <p:cNvPr id="10" name="Content Placeholder 4">
+            <a:extLst>
+              <a:ext uri="{FF2B5EF4-FFF2-40B4-BE49-F238E27FC236}">
+                <a16:creationId xmlns:a16="http://schemas.microsoft.com/office/drawing/2014/main" id="{ED1053C5-A906-4812-9B6C-F7E2547B0A7F}"/>
+              </a:ext>
+            </a:extLst>
+          </p:cNvPr>
+          <p:cNvSpPr>
+            <a:spLocks noGrp="1"/>
+          </p:cNvSpPr>
+          <p:nvPr>
+            <p:ph idx="1"/>
+          </p:nvPr>
+        </p:nvSpPr>
+        <p:spPr>
+          <a:xfrm>
+            <a:off x="720003" y="1224000"/>
+            <a:ext cx="3744993" cy="3491999"/>
+          </a:xfrm>
+        </p:spPr>
+        <p:txBody>
+          <a:bodyPr/>
+          <a:lstStyle/>
+          <a:p>
+            <a:r>
+              <a:rPr lang="en-US" dirty="0"/>
+              <a:t>Elastic Search always runs in a cluster</a:t>
+            </a:r>
+          </a:p>
+          <a:p>
+            <a:r>
+              <a:rPr lang="en-US" dirty="0"/>
+              <a:t>Cluster is a group of nodes having the same </a:t>
+            </a:r>
+            <a:r>
+              <a:rPr lang="en-US" i="1" dirty="0">
+                <a:latin typeface="Tahoma" panose="020B0604030504040204" pitchFamily="34" charset="0"/>
+                <a:ea typeface="Tahoma" panose="020B0604030504040204" pitchFamily="34" charset="0"/>
+                <a:cs typeface="Tahoma" panose="020B0604030504040204" pitchFamily="34" charset="0"/>
+              </a:rPr>
+              <a:t>cluster.name </a:t>
+            </a:r>
+            <a:r>
+              <a:rPr lang="en-US" dirty="0"/>
+              <a:t>attribute</a:t>
+            </a:r>
+          </a:p>
+          <a:p>
+            <a:r>
+              <a:rPr lang="en-US" dirty="0"/>
+              <a:t>Nodes can be added to/removed from a cluster</a:t>
+            </a:r>
+          </a:p>
+          <a:p>
+            <a:endParaRPr lang="en-US" dirty="0"/>
+          </a:p>
+        </p:txBody>
+      </p:sp>
+      <p:pic>
+        <p:nvPicPr>
+          <p:cNvPr id="3" name="Picture 2">
+            <a:extLst>
+              <a:ext uri="{FF2B5EF4-FFF2-40B4-BE49-F238E27FC236}">
+                <a16:creationId xmlns:a16="http://schemas.microsoft.com/office/drawing/2014/main" id="{E7BD7C94-6B03-49E3-9590-B928FF5A6D50}"/>
+              </a:ext>
+            </a:extLst>
+          </p:cNvPr>
+          <p:cNvPicPr>
+            <a:picLocks noChangeAspect="1"/>
+          </p:cNvPicPr>
+          <p:nvPr/>
+        </p:nvPicPr>
+        <p:blipFill>
+          <a:blip r:embed="rId3"/>
+          <a:stretch>
+            <a:fillRect/>
+          </a:stretch>
+        </p:blipFill>
+        <p:spPr>
+          <a:xfrm>
+            <a:off x="4679007" y="1326158"/>
+            <a:ext cx="3744993" cy="3287683"/>
+          </a:xfrm>
+          <a:prstGeom prst="rect">
+            <a:avLst/>
+          </a:prstGeom>
+          <a:noFill/>
+        </p:spPr>
+      </p:pic>
+    </p:spTree>
+    <p:extLst>
+      <p:ext uri="{BB962C8B-B14F-4D97-AF65-F5344CB8AC3E}">
+        <p14:creationId xmlns:p14="http://schemas.microsoft.com/office/powerpoint/2010/main" val="791809052"/>
+      </p:ext>
+    </p:extLst>
+  </p:cSld>
+  <p:clrMapOvr>
+    <a:masterClrMapping/>
+  </p:clrMapOvr>
+</p:sld>
+</file>
+
+<file path=ppt/slides/slide12.xml><?xml version="1.0" encoding="utf-8"?>
+<p:sld xmlns:a="http://schemas.openxmlformats.org/drawingml/2006/main" xmlns:r="http://schemas.openxmlformats.org/officeDocument/2006/relationships" xmlns:p="http://schemas.openxmlformats.org/presentationml/2006/main">
+  <p:cSld>
+    <p:spTree>
+      <p:nvGrpSpPr>
+        <p:cNvPr id="1" name=""/>
+        <p:cNvGrpSpPr/>
+        <p:nvPr/>
+      </p:nvGrpSpPr>
+      <p:grpSpPr>
+        <a:xfrm>
+          <a:off x="0" y="0"/>
+          <a:ext cx="0" cy="0"/>
+          <a:chOff x="0" y="0"/>
+          <a:chExt cx="0" cy="0"/>
+        </a:xfrm>
+      </p:grpSpPr>
+      <p:sp>
+        <p:nvSpPr>
+          <p:cNvPr id="2" name="Title 1"/>
+          <p:cNvSpPr>
+            <a:spLocks noGrp="1"/>
+          </p:cNvSpPr>
+          <p:nvPr>
+            <p:ph type="title"/>
+          </p:nvPr>
+        </p:nvSpPr>
+        <p:spPr/>
+        <p:txBody>
+          <a:bodyPr/>
+          <a:lstStyle/>
+          <a:p>
+            <a:r>
+              <a:rPr lang="nl-NL" dirty="0"/>
+              <a:t>Cluster</a:t>
+            </a:r>
+          </a:p>
+        </p:txBody>
+      </p:sp>
+      <p:sp>
+        <p:nvSpPr>
+          <p:cNvPr id="4" name="Footer Placeholder 3"/>
+          <p:cNvSpPr>
+            <a:spLocks noGrp="1"/>
+          </p:cNvSpPr>
+          <p:nvPr>
+            <p:ph type="ftr" sz="quarter" idx="11"/>
+          </p:nvPr>
+        </p:nvSpPr>
+        <p:spPr/>
+        <p:txBody>
+          <a:bodyPr/>
+          <a:lstStyle/>
+          <a:p>
+            <a:r>
+              <a:rPr lang="nl-NL"/>
+              <a:t>elasticsearch</a:t>
+            </a:r>
+          </a:p>
+        </p:txBody>
+      </p:sp>
+      <p:sp>
+        <p:nvSpPr>
+          <p:cNvPr id="5" name="Slide Number Placeholder 4"/>
+          <p:cNvSpPr>
+            <a:spLocks noGrp="1"/>
+          </p:cNvSpPr>
+          <p:nvPr>
+            <p:ph type="sldNum" sz="quarter" idx="12"/>
+          </p:nvPr>
+        </p:nvSpPr>
+        <p:spPr/>
+        <p:txBody>
+          <a:bodyPr/>
+          <a:lstStyle/>
+          <a:p>
+            <a:fld id="{14F1411D-0280-154F-AEAC-4C20B7AA46B2}" type="slidenum">
+              <a:rPr lang="nl-NL" smtClean="0"/>
+              <a:t>12</a:t>
+            </a:fld>
+            <a:endParaRPr lang="nl-NL"/>
+          </a:p>
+        </p:txBody>
+      </p:sp>
+      <p:pic>
+        <p:nvPicPr>
+          <p:cNvPr id="3" name="Picture 2">
+            <a:extLst>
+              <a:ext uri="{FF2B5EF4-FFF2-40B4-BE49-F238E27FC236}">
+                <a16:creationId xmlns:a16="http://schemas.microsoft.com/office/drawing/2014/main" id="{D3A919A2-62FE-4150-B186-C2A48569AA01}"/>
+              </a:ext>
+            </a:extLst>
+          </p:cNvPr>
+          <p:cNvPicPr>
+            <a:picLocks noChangeAspect="1"/>
+          </p:cNvPicPr>
+          <p:nvPr/>
+        </p:nvPicPr>
+        <p:blipFill>
+          <a:blip r:embed="rId3"/>
+          <a:stretch>
+            <a:fillRect/>
+          </a:stretch>
+        </p:blipFill>
+        <p:spPr>
+          <a:xfrm>
+            <a:off x="1877104" y="1202872"/>
+            <a:ext cx="4524375" cy="2533650"/>
+          </a:xfrm>
+          <a:prstGeom prst="rect">
+            <a:avLst/>
+          </a:prstGeom>
+        </p:spPr>
+      </p:pic>
+    </p:spTree>
+    <p:extLst>
+      <p:ext uri="{BB962C8B-B14F-4D97-AF65-F5344CB8AC3E}">
+        <p14:creationId xmlns:p14="http://schemas.microsoft.com/office/powerpoint/2010/main" val="3852932830"/>
+      </p:ext>
+    </p:extLst>
+  </p:cSld>
+  <p:clrMapOvr>
+    <a:masterClrMapping/>
+  </p:clrMapOvr>
+</p:sld>
+</file>
+
+<file path=ppt/slides/slide13.xml><?xml version="1.0" encoding="utf-8"?>
+<p:sld xmlns:a="http://schemas.openxmlformats.org/drawingml/2006/main" xmlns:r="http://schemas.openxmlformats.org/officeDocument/2006/relationships" xmlns:p="http://schemas.openxmlformats.org/presentationml/2006/main">
+  <p:cSld>
+    <p:spTree>
+      <p:nvGrpSpPr>
+        <p:cNvPr id="1" name=""/>
+        <p:cNvGrpSpPr/>
+        <p:nvPr/>
+      </p:nvGrpSpPr>
+      <p:grpSpPr>
+        <a:xfrm>
+          <a:off x="0" y="0"/>
+          <a:ext cx="0" cy="0"/>
+          <a:chOff x="0" y="0"/>
+          <a:chExt cx="0" cy="0"/>
+        </a:xfrm>
+      </p:grpSpPr>
+      <p:sp>
+        <p:nvSpPr>
+          <p:cNvPr id="2" name="Title 1"/>
+          <p:cNvSpPr>
+            <a:spLocks noGrp="1"/>
+          </p:cNvSpPr>
+          <p:nvPr>
+            <p:ph type="title"/>
+          </p:nvPr>
+        </p:nvSpPr>
+        <p:spPr/>
+        <p:txBody>
+          <a:bodyPr/>
+          <a:lstStyle/>
+          <a:p>
+            <a:r>
+              <a:rPr lang="nl-NL" dirty="0"/>
+              <a:t>Cluster</a:t>
+            </a:r>
+          </a:p>
+        </p:txBody>
+      </p:sp>
+      <p:sp>
+        <p:nvSpPr>
+          <p:cNvPr id="4" name="Footer Placeholder 3"/>
+          <p:cNvSpPr>
+            <a:spLocks noGrp="1"/>
+          </p:cNvSpPr>
+          <p:nvPr>
+            <p:ph type="ftr" sz="quarter" idx="11"/>
+          </p:nvPr>
+        </p:nvSpPr>
+        <p:spPr/>
+        <p:txBody>
+          <a:bodyPr/>
+          <a:lstStyle/>
+          <a:p>
+            <a:r>
+              <a:rPr lang="nl-NL"/>
+              <a:t>elasticsearch</a:t>
+            </a:r>
+          </a:p>
+        </p:txBody>
+      </p:sp>
+      <p:sp>
+        <p:nvSpPr>
+          <p:cNvPr id="5" name="Slide Number Placeholder 4"/>
+          <p:cNvSpPr>
+            <a:spLocks noGrp="1"/>
+          </p:cNvSpPr>
+          <p:nvPr>
+            <p:ph type="sldNum" sz="quarter" idx="12"/>
+          </p:nvPr>
+        </p:nvSpPr>
+        <p:spPr/>
+        <p:txBody>
+          <a:bodyPr/>
+          <a:lstStyle/>
+          <a:p>
+            <a:fld id="{14F1411D-0280-154F-AEAC-4C20B7AA46B2}" type="slidenum">
+              <a:rPr lang="nl-NL" smtClean="0"/>
+              <a:t>13</a:t>
             </a:fld>
             <a:endParaRPr lang="nl-NL"/>
           </a:p>
@@ -7385,7 +7921,7 @@
 </p:sld>
 </file>
 
-<file path=ppt/slides/slide11.xml><?xml version="1.0" encoding="utf-8"?>
+<file path=ppt/slides/slide14.xml><?xml version="1.0" encoding="utf-8"?>
 <p:sld xmlns:a="http://schemas.openxmlformats.org/drawingml/2006/main" xmlns:r="http://schemas.openxmlformats.org/officeDocument/2006/relationships" xmlns:p="http://schemas.openxmlformats.org/presentationml/2006/main">
   <p:cSld>
     <p:spTree>
@@ -7441,7 +7977,7 @@
           <a:p>
             <a:r>
               <a:rPr lang="nl-NL"/>
-              <a:t>Titel van de presentatie</a:t>
+              <a:t>elasticsearch</a:t>
             </a:r>
           </a:p>
         </p:txBody>
@@ -7463,7 +7999,7 @@
           <a:p>
             <a:fld id="{14F1411D-0280-154F-AEAC-4C20B7AA46B2}" type="slidenum">
               <a:rPr lang="nl-NL" smtClean="0"/>
-              <a:t>11</a:t>
+              <a:t>14</a:t>
             </a:fld>
             <a:endParaRPr lang="nl-NL"/>
           </a:p>
@@ -7512,7 +8048,7 @@
 </p:sld>
 </file>
 
-<file path=ppt/slides/slide12.xml><?xml version="1.0" encoding="utf-8"?>
+<file path=ppt/slides/slide15.xml><?xml version="1.0" encoding="utf-8"?>
 <p:sld xmlns:a="http://schemas.openxmlformats.org/drawingml/2006/main" xmlns:r="http://schemas.openxmlformats.org/officeDocument/2006/relationships" xmlns:p="http://schemas.openxmlformats.org/presentationml/2006/main">
   <p:cSld>
     <p:spTree>
@@ -7881,9 +8417,10 @@
           <a:lstStyle/>
           <a:p>
             <a:r>
-              <a:rPr lang="nl-NL" dirty="0"/>
-              <a:t>Titel van de presentatie</a:t>
-            </a:r>
+              <a:rPr lang="nl-NL"/>
+              <a:t>elasticsearch</a:t>
+            </a:r>
+            <a:endParaRPr lang="nl-NL" dirty="0"/>
           </a:p>
         </p:txBody>
       </p:sp>
@@ -7904,7 +8441,7 @@
           <a:p>
             <a:fld id="{14F1411D-0280-154F-AEAC-4C20B7AA46B2}" type="slidenum">
               <a:rPr lang="nl-NL" smtClean="0"/>
-              <a:t>12</a:t>
+              <a:t>15</a:t>
             </a:fld>
             <a:endParaRPr lang="nl-NL"/>
           </a:p>
@@ -8134,673 +8671,6 @@
 </p:sld>
 </file>
 
-<file path=ppt/slides/slide13.xml><?xml version="1.0" encoding="utf-8"?>
-<p:sld xmlns:a="http://schemas.openxmlformats.org/drawingml/2006/main" xmlns:r="http://schemas.openxmlformats.org/officeDocument/2006/relationships" xmlns:p="http://schemas.openxmlformats.org/presentationml/2006/main">
-  <p:cSld>
-    <p:spTree>
-      <p:nvGrpSpPr>
-        <p:cNvPr id="1" name=""/>
-        <p:cNvGrpSpPr/>
-        <p:nvPr/>
-      </p:nvGrpSpPr>
-      <p:grpSpPr>
-        <a:xfrm>
-          <a:off x="0" y="0"/>
-          <a:ext cx="0" cy="0"/>
-          <a:chOff x="0" y="0"/>
-          <a:chExt cx="0" cy="0"/>
-        </a:xfrm>
-      </p:grpSpPr>
-      <p:sp>
-        <p:nvSpPr>
-          <p:cNvPr id="2" name="Title 1"/>
-          <p:cNvSpPr>
-            <a:spLocks noGrp="1"/>
-          </p:cNvSpPr>
-          <p:nvPr>
-            <p:ph type="title"/>
-          </p:nvPr>
-        </p:nvSpPr>
-        <p:spPr/>
-        <p:txBody>
-          <a:bodyPr/>
-          <a:lstStyle/>
-          <a:p>
-            <a:r>
-              <a:rPr lang="nl-NL" dirty="0"/>
-              <a:t>Analysis</a:t>
-            </a:r>
-          </a:p>
-        </p:txBody>
-      </p:sp>
-      <p:sp>
-        <p:nvSpPr>
-          <p:cNvPr id="3" name="Content Placeholder 2"/>
-          <p:cNvSpPr>
-            <a:spLocks noGrp="1"/>
-          </p:cNvSpPr>
-          <p:nvPr>
-            <p:ph idx="1"/>
-          </p:nvPr>
-        </p:nvSpPr>
-        <p:spPr>
-          <a:xfrm>
-            <a:off x="720003" y="1224000"/>
-            <a:ext cx="6623999" cy="3491999"/>
-          </a:xfrm>
-        </p:spPr>
-        <p:txBody>
-          <a:bodyPr/>
-          <a:lstStyle/>
-          <a:p>
-            <a:pPr marL="0" indent="0">
-              <a:buNone/>
-            </a:pPr>
-            <a:r>
-              <a:rPr lang="nl-NL" dirty="0"/>
-              <a:t>Enables full-text search -&gt; relevant results are returned</a:t>
-            </a:r>
-          </a:p>
-          <a:p>
-            <a:endParaRPr lang="nl-NL" dirty="0"/>
-          </a:p>
-          <a:p>
-            <a:r>
-              <a:rPr lang="nl-NL" dirty="0"/>
-              <a:t>Analysis is used to break down text into terms</a:t>
-            </a:r>
-          </a:p>
-          <a:p>
-            <a:r>
-              <a:rPr lang="nl-NL" dirty="0"/>
-              <a:t>Analysis is used on indexing and on searching</a:t>
-            </a:r>
-          </a:p>
-          <a:p>
-            <a:endParaRPr lang="nl-NL" dirty="0"/>
-          </a:p>
-          <a:p>
-            <a:endParaRPr lang="nl-NL" dirty="0"/>
-          </a:p>
-          <a:p>
-            <a:pPr marL="0" indent="0">
-              <a:buNone/>
-            </a:pPr>
-            <a:r>
-              <a:rPr lang="nl-NL" dirty="0"/>
-              <a:t>	A Quick Brown Fox Jumps Over the Lazy Hedge”</a:t>
-            </a:r>
-          </a:p>
-          <a:p>
-            <a:pPr marL="0" indent="0">
-              <a:buNone/>
-            </a:pPr>
-            <a:endParaRPr lang="nl-NL" dirty="0"/>
-          </a:p>
-          <a:p>
-            <a:pPr marL="0" indent="0">
-              <a:buNone/>
-            </a:pPr>
-            <a:r>
-              <a:rPr lang="nl-NL" dirty="0"/>
-              <a:t>	Produces terms:</a:t>
-            </a:r>
-          </a:p>
-          <a:p>
-            <a:pPr lvl="4"/>
-            <a:r>
-              <a:rPr lang="nl-NL" dirty="0"/>
-              <a:t>a, quick, brown, fox, jumps, over, the, lazy, hedge</a:t>
-            </a:r>
-          </a:p>
-        </p:txBody>
-      </p:sp>
-      <p:sp>
-        <p:nvSpPr>
-          <p:cNvPr id="4" name="Footer Placeholder 3"/>
-          <p:cNvSpPr>
-            <a:spLocks noGrp="1"/>
-          </p:cNvSpPr>
-          <p:nvPr>
-            <p:ph type="ftr" sz="quarter" idx="11"/>
-          </p:nvPr>
-        </p:nvSpPr>
-        <p:spPr/>
-        <p:txBody>
-          <a:bodyPr/>
-          <a:lstStyle/>
-          <a:p>
-            <a:r>
-              <a:rPr lang="nl-NL"/>
-              <a:t>Titel van de presentatie</a:t>
-            </a:r>
-          </a:p>
-        </p:txBody>
-      </p:sp>
-      <p:sp>
-        <p:nvSpPr>
-          <p:cNvPr id="5" name="Slide Number Placeholder 4"/>
-          <p:cNvSpPr>
-            <a:spLocks noGrp="1"/>
-          </p:cNvSpPr>
-          <p:nvPr>
-            <p:ph type="sldNum" sz="quarter" idx="12"/>
-          </p:nvPr>
-        </p:nvSpPr>
-        <p:spPr/>
-        <p:txBody>
-          <a:bodyPr/>
-          <a:lstStyle/>
-          <a:p>
-            <a:fld id="{14F1411D-0280-154F-AEAC-4C20B7AA46B2}" type="slidenum">
-              <a:rPr lang="nl-NL" smtClean="0"/>
-              <a:t>13</a:t>
-            </a:fld>
-            <a:endParaRPr lang="nl-NL"/>
-          </a:p>
-        </p:txBody>
-      </p:sp>
-    </p:spTree>
-    <p:extLst>
-      <p:ext uri="{BB962C8B-B14F-4D97-AF65-F5344CB8AC3E}">
-        <p14:creationId xmlns:p14="http://schemas.microsoft.com/office/powerpoint/2010/main" val="1669633505"/>
-      </p:ext>
-    </p:extLst>
-  </p:cSld>
-  <p:clrMapOvr>
-    <a:masterClrMapping/>
-  </p:clrMapOvr>
-</p:sld>
-</file>
-
-<file path=ppt/slides/slide14.xml><?xml version="1.0" encoding="utf-8"?>
-<p:sld xmlns:a="http://schemas.openxmlformats.org/drawingml/2006/main" xmlns:r="http://schemas.openxmlformats.org/officeDocument/2006/relationships" xmlns:p="http://schemas.openxmlformats.org/presentationml/2006/main">
-  <p:cSld>
-    <p:spTree>
-      <p:nvGrpSpPr>
-        <p:cNvPr id="1" name=""/>
-        <p:cNvGrpSpPr/>
-        <p:nvPr/>
-      </p:nvGrpSpPr>
-      <p:grpSpPr>
-        <a:xfrm>
-          <a:off x="0" y="0"/>
-          <a:ext cx="0" cy="0"/>
-          <a:chOff x="0" y="0"/>
-          <a:chExt cx="0" cy="0"/>
-        </a:xfrm>
-      </p:grpSpPr>
-      <p:sp>
-        <p:nvSpPr>
-          <p:cNvPr id="2" name="Title 1"/>
-          <p:cNvSpPr>
-            <a:spLocks noGrp="1"/>
-          </p:cNvSpPr>
-          <p:nvPr>
-            <p:ph type="title"/>
-          </p:nvPr>
-        </p:nvSpPr>
-        <p:spPr/>
-        <p:txBody>
-          <a:bodyPr/>
-          <a:lstStyle/>
-          <a:p>
-            <a:r>
-              <a:rPr lang="nl-NL" dirty="0"/>
-              <a:t>REST API</a:t>
-            </a:r>
-          </a:p>
-        </p:txBody>
-      </p:sp>
-      <p:sp>
-        <p:nvSpPr>
-          <p:cNvPr id="3" name="Content Placeholder 2"/>
-          <p:cNvSpPr>
-            <a:spLocks noGrp="1"/>
-          </p:cNvSpPr>
-          <p:nvPr>
-            <p:ph idx="1"/>
-          </p:nvPr>
-        </p:nvSpPr>
-        <p:spPr>
-          <a:xfrm>
-            <a:off x="720003" y="1224000"/>
-            <a:ext cx="6623999" cy="2396861"/>
-          </a:xfrm>
-        </p:spPr>
-        <p:txBody>
-          <a:bodyPr/>
-          <a:lstStyle/>
-          <a:p>
-            <a:r>
-              <a:rPr lang="nl-NL" dirty="0"/>
-              <a:t>All communications with Elastic Search is done by issuing HTTP requests using the REST API:</a:t>
-            </a:r>
-          </a:p>
-          <a:p>
-            <a:pPr lvl="1">
-              <a:buFont typeface="Wingdings" panose="05000000000000000000" pitchFamily="2" charset="2"/>
-              <a:buChar char="§"/>
-            </a:pPr>
-            <a:r>
-              <a:rPr lang="nl-NL" dirty="0"/>
-              <a:t>Index/update/delete documents or indices</a:t>
-            </a:r>
-          </a:p>
-          <a:p>
-            <a:pPr lvl="1">
-              <a:buFont typeface="Wingdings" panose="05000000000000000000" pitchFamily="2" charset="2"/>
-              <a:buChar char="§"/>
-            </a:pPr>
-            <a:r>
-              <a:rPr lang="nl-NL" dirty="0"/>
-              <a:t>Searching an index</a:t>
-            </a:r>
-          </a:p>
-          <a:p>
-            <a:pPr lvl="1">
-              <a:buFont typeface="Wingdings" panose="05000000000000000000" pitchFamily="2" charset="2"/>
-              <a:buChar char="§"/>
-            </a:pPr>
-            <a:r>
-              <a:rPr lang="nl-NL" dirty="0"/>
-              <a:t>Monitor cluster</a:t>
-            </a:r>
-          </a:p>
-          <a:p>
-            <a:pPr lvl="1">
-              <a:buFont typeface="Wingdings" panose="05000000000000000000" pitchFamily="2" charset="2"/>
-              <a:buChar char="§"/>
-            </a:pPr>
-            <a:r>
-              <a:rPr lang="nl-NL" dirty="0"/>
-              <a:t>Manage cluster</a:t>
-            </a:r>
-          </a:p>
-          <a:p>
-            <a:pPr lvl="1">
-              <a:buFont typeface="Wingdings" panose="05000000000000000000" pitchFamily="2" charset="2"/>
-              <a:buChar char="§"/>
-            </a:pPr>
-            <a:r>
-              <a:rPr lang="nl-NL" dirty="0"/>
-              <a:t>Manage security</a:t>
-            </a:r>
-          </a:p>
-          <a:p>
-            <a:pPr lvl="1">
-              <a:buFont typeface="Wingdings" panose="05000000000000000000" pitchFamily="2" charset="2"/>
-              <a:buChar char="§"/>
-            </a:pPr>
-            <a:endParaRPr lang="nl-NL" dirty="0"/>
-          </a:p>
-        </p:txBody>
-      </p:sp>
-      <p:sp>
-        <p:nvSpPr>
-          <p:cNvPr id="4" name="Footer Placeholder 3"/>
-          <p:cNvSpPr>
-            <a:spLocks noGrp="1"/>
-          </p:cNvSpPr>
-          <p:nvPr>
-            <p:ph type="ftr" sz="quarter" idx="11"/>
-          </p:nvPr>
-        </p:nvSpPr>
-        <p:spPr/>
-        <p:txBody>
-          <a:bodyPr/>
-          <a:lstStyle/>
-          <a:p>
-            <a:r>
-              <a:rPr lang="nl-NL"/>
-              <a:t>Titel van de presentatie</a:t>
-            </a:r>
-          </a:p>
-        </p:txBody>
-      </p:sp>
-      <p:sp>
-        <p:nvSpPr>
-          <p:cNvPr id="5" name="Slide Number Placeholder 4"/>
-          <p:cNvSpPr>
-            <a:spLocks noGrp="1"/>
-          </p:cNvSpPr>
-          <p:nvPr>
-            <p:ph type="sldNum" sz="quarter" idx="12"/>
-          </p:nvPr>
-        </p:nvSpPr>
-        <p:spPr/>
-        <p:txBody>
-          <a:bodyPr/>
-          <a:lstStyle/>
-          <a:p>
-            <a:fld id="{14F1411D-0280-154F-AEAC-4C20B7AA46B2}" type="slidenum">
-              <a:rPr lang="nl-NL" smtClean="0"/>
-              <a:t>14</a:t>
-            </a:fld>
-            <a:endParaRPr lang="nl-NL"/>
-          </a:p>
-        </p:txBody>
-      </p:sp>
-    </p:spTree>
-    <p:extLst>
-      <p:ext uri="{BB962C8B-B14F-4D97-AF65-F5344CB8AC3E}">
-        <p14:creationId xmlns:p14="http://schemas.microsoft.com/office/powerpoint/2010/main" val="1377839317"/>
-      </p:ext>
-    </p:extLst>
-  </p:cSld>
-  <p:clrMapOvr>
-    <a:masterClrMapping/>
-  </p:clrMapOvr>
-</p:sld>
-</file>
-
-<file path=ppt/slides/slide15.xml><?xml version="1.0" encoding="utf-8"?>
-<p:sld xmlns:a="http://schemas.openxmlformats.org/drawingml/2006/main" xmlns:r="http://schemas.openxmlformats.org/officeDocument/2006/relationships" xmlns:p="http://schemas.openxmlformats.org/presentationml/2006/main">
-  <p:cSld>
-    <p:spTree>
-      <p:nvGrpSpPr>
-        <p:cNvPr id="1" name=""/>
-        <p:cNvGrpSpPr/>
-        <p:nvPr/>
-      </p:nvGrpSpPr>
-      <p:grpSpPr>
-        <a:xfrm>
-          <a:off x="0" y="0"/>
-          <a:ext cx="0" cy="0"/>
-          <a:chOff x="0" y="0"/>
-          <a:chExt cx="0" cy="0"/>
-        </a:xfrm>
-      </p:grpSpPr>
-      <p:sp>
-        <p:nvSpPr>
-          <p:cNvPr id="2" name="Title 1"/>
-          <p:cNvSpPr>
-            <a:spLocks noGrp="1"/>
-          </p:cNvSpPr>
-          <p:nvPr>
-            <p:ph type="title"/>
-          </p:nvPr>
-        </p:nvSpPr>
-        <p:spPr/>
-        <p:txBody>
-          <a:bodyPr/>
-          <a:lstStyle/>
-          <a:p>
-            <a:r>
-              <a:rPr lang="nl-NL" dirty="0"/>
-              <a:t>GET localhost:9200</a:t>
-            </a:r>
-          </a:p>
-        </p:txBody>
-      </p:sp>
-      <p:sp>
-        <p:nvSpPr>
-          <p:cNvPr id="4" name="Footer Placeholder 3"/>
-          <p:cNvSpPr>
-            <a:spLocks noGrp="1"/>
-          </p:cNvSpPr>
-          <p:nvPr>
-            <p:ph type="ftr" sz="quarter" idx="11"/>
-          </p:nvPr>
-        </p:nvSpPr>
-        <p:spPr/>
-        <p:txBody>
-          <a:bodyPr/>
-          <a:lstStyle/>
-          <a:p>
-            <a:r>
-              <a:rPr lang="nl-NL"/>
-              <a:t>Titel van de presentatie</a:t>
-            </a:r>
-          </a:p>
-        </p:txBody>
-      </p:sp>
-      <p:sp>
-        <p:nvSpPr>
-          <p:cNvPr id="5" name="Slide Number Placeholder 4"/>
-          <p:cNvSpPr>
-            <a:spLocks noGrp="1"/>
-          </p:cNvSpPr>
-          <p:nvPr>
-            <p:ph type="sldNum" sz="quarter" idx="12"/>
-          </p:nvPr>
-        </p:nvSpPr>
-        <p:spPr/>
-        <p:txBody>
-          <a:bodyPr/>
-          <a:lstStyle/>
-          <a:p>
-            <a:fld id="{14F1411D-0280-154F-AEAC-4C20B7AA46B2}" type="slidenum">
-              <a:rPr lang="nl-NL" smtClean="0"/>
-              <a:t>15</a:t>
-            </a:fld>
-            <a:endParaRPr lang="nl-NL"/>
-          </a:p>
-        </p:txBody>
-      </p:sp>
-      <p:sp>
-        <p:nvSpPr>
-          <p:cNvPr id="8" name="Rectangle 7">
-            <a:extLst>
-              <a:ext uri="{FF2B5EF4-FFF2-40B4-BE49-F238E27FC236}">
-                <a16:creationId xmlns:a16="http://schemas.microsoft.com/office/drawing/2014/main" id="{6C60F117-E276-476C-BDAE-61B46AB4ABDB}"/>
-              </a:ext>
-            </a:extLst>
-          </p:cNvPr>
-          <p:cNvSpPr/>
-          <p:nvPr/>
-        </p:nvSpPr>
-        <p:spPr>
-          <a:xfrm>
-            <a:off x="902153" y="851784"/>
-            <a:ext cx="7478486" cy="3624069"/>
-          </a:xfrm>
-          <a:prstGeom prst="rect">
-            <a:avLst/>
-          </a:prstGeom>
-        </p:spPr>
-        <p:txBody>
-          <a:bodyPr wrap="square">
-            <a:spAutoFit/>
-          </a:bodyPr>
-          <a:lstStyle/>
-          <a:p>
-            <a:r>
-              <a:rPr lang="en-NL" dirty="0"/>
-              <a:t>{</a:t>
-            </a:r>
-          </a:p>
-          <a:p>
-            <a:r>
-              <a:rPr lang="en-NL" dirty="0"/>
-              <a:t>  "name" : "es01",</a:t>
-            </a:r>
-          </a:p>
-          <a:p>
-            <a:r>
-              <a:rPr lang="en-NL" dirty="0"/>
-              <a:t>  "</a:t>
-            </a:r>
-            <a:r>
-              <a:rPr lang="en-NL" dirty="0" err="1"/>
-              <a:t>cluster_name</a:t>
-            </a:r>
-            <a:r>
-              <a:rPr lang="en-NL" dirty="0"/>
-              <a:t>" : "es-docker-cluster",</a:t>
-            </a:r>
-          </a:p>
-          <a:p>
-            <a:r>
-              <a:rPr lang="en-NL" dirty="0"/>
-              <a:t>  "</a:t>
-            </a:r>
-            <a:r>
-              <a:rPr lang="en-NL" dirty="0" err="1"/>
-              <a:t>cluster_uuid</a:t>
-            </a:r>
-            <a:r>
-              <a:rPr lang="en-NL" dirty="0"/>
-              <a:t>" : "9Ce4263QRLSQV5X1RlR-Gw",</a:t>
-            </a:r>
-          </a:p>
-          <a:p>
-            <a:r>
-              <a:rPr lang="en-NL" dirty="0"/>
-              <a:t>  "version" : {</a:t>
-            </a:r>
-          </a:p>
-          <a:p>
-            <a:r>
-              <a:rPr lang="en-NL" dirty="0"/>
-              <a:t>    "number" : "7.6.1",</a:t>
-            </a:r>
-          </a:p>
-          <a:p>
-            <a:r>
-              <a:rPr lang="en-NL" dirty="0"/>
-              <a:t>    "</a:t>
-            </a:r>
-            <a:r>
-              <a:rPr lang="en-NL" dirty="0" err="1"/>
-              <a:t>build_flavor</a:t>
-            </a:r>
-            <a:r>
-              <a:rPr lang="en-NL" dirty="0"/>
-              <a:t>" : "default",</a:t>
-            </a:r>
-          </a:p>
-          <a:p>
-            <a:r>
-              <a:rPr lang="en-NL" dirty="0"/>
-              <a:t>    "</a:t>
-            </a:r>
-            <a:r>
-              <a:rPr lang="en-NL" dirty="0" err="1"/>
-              <a:t>build_type</a:t>
-            </a:r>
-            <a:r>
-              <a:rPr lang="en-NL" dirty="0"/>
-              <a:t>" : "docker",</a:t>
-            </a:r>
-          </a:p>
-          <a:p>
-            <a:r>
-              <a:rPr lang="en-NL" dirty="0"/>
-              <a:t>    "</a:t>
-            </a:r>
-            <a:r>
-              <a:rPr lang="en-NL" dirty="0" err="1"/>
-              <a:t>build_hash</a:t>
-            </a:r>
-            <a:r>
-              <a:rPr lang="en-NL" dirty="0"/>
-              <a:t>" : "aa751e09be0a5072e8570670309b1f12348f023b",</a:t>
-            </a:r>
-          </a:p>
-          <a:p>
-            <a:r>
-              <a:rPr lang="en-NL" dirty="0"/>
-              <a:t>    "</a:t>
-            </a:r>
-            <a:r>
-              <a:rPr lang="en-NL" dirty="0" err="1"/>
-              <a:t>build_date</a:t>
-            </a:r>
-            <a:r>
-              <a:rPr lang="en-NL" dirty="0"/>
-              <a:t>" : "2020-02-29T00:15:25.529771Z",</a:t>
-            </a:r>
-          </a:p>
-          <a:p>
-            <a:r>
-              <a:rPr lang="en-NL" dirty="0"/>
-              <a:t>    "</a:t>
-            </a:r>
-            <a:r>
-              <a:rPr lang="en-NL" dirty="0" err="1"/>
-              <a:t>build_snapshot</a:t>
-            </a:r>
-            <a:r>
-              <a:rPr lang="en-NL" dirty="0"/>
-              <a:t>" : false,</a:t>
-            </a:r>
-          </a:p>
-          <a:p>
-            <a:r>
-              <a:rPr lang="en-NL" dirty="0"/>
-              <a:t>    "</a:t>
-            </a:r>
-            <a:r>
-              <a:rPr lang="en-NL" dirty="0" err="1"/>
-              <a:t>lucene_version</a:t>
-            </a:r>
-            <a:r>
-              <a:rPr lang="en-NL" dirty="0"/>
-              <a:t>" : "8.4.0",</a:t>
-            </a:r>
-          </a:p>
-          <a:p>
-            <a:r>
-              <a:rPr lang="en-NL" dirty="0"/>
-              <a:t>    "</a:t>
-            </a:r>
-            <a:r>
-              <a:rPr lang="en-NL" dirty="0" err="1"/>
-              <a:t>minimum_wire_compatibility_version</a:t>
-            </a:r>
-            <a:r>
-              <a:rPr lang="en-NL" dirty="0"/>
-              <a:t>" : "6.8.0",</a:t>
-            </a:r>
-          </a:p>
-          <a:p>
-            <a:r>
-              <a:rPr lang="en-NL" dirty="0"/>
-              <a:t>    "</a:t>
-            </a:r>
-            <a:r>
-              <a:rPr lang="en-NL" dirty="0" err="1"/>
-              <a:t>minimum_index_compatibility_version</a:t>
-            </a:r>
-            <a:r>
-              <a:rPr lang="en-NL" dirty="0"/>
-              <a:t>" : "6.0.0-beta1"</a:t>
-            </a:r>
-          </a:p>
-          <a:p>
-            <a:r>
-              <a:rPr lang="en-NL" dirty="0"/>
-              <a:t>  },</a:t>
-            </a:r>
-          </a:p>
-          <a:p>
-            <a:r>
-              <a:rPr lang="en-NL" dirty="0"/>
-              <a:t>  "tagline" : "You Know, for Search"</a:t>
-            </a:r>
-          </a:p>
-          <a:p>
-            <a:r>
-              <a:rPr lang="en-NL" dirty="0"/>
-              <a:t>}</a:t>
-            </a:r>
-          </a:p>
-        </p:txBody>
-      </p:sp>
-    </p:spTree>
-    <p:extLst>
-      <p:ext uri="{BB962C8B-B14F-4D97-AF65-F5344CB8AC3E}">
-        <p14:creationId xmlns:p14="http://schemas.microsoft.com/office/powerpoint/2010/main" val="1545345141"/>
-      </p:ext>
-    </p:extLst>
-  </p:cSld>
-  <p:clrMapOvr>
-    <a:masterClrMapping/>
-  </p:clrMapOvr>
-</p:sld>
-</file>
-
 <file path=ppt/slides/slide16.xml><?xml version="1.0" encoding="utf-8"?>
 <p:sld xmlns:a="http://schemas.openxmlformats.org/drawingml/2006/main" xmlns:r="http://schemas.openxmlformats.org/officeDocument/2006/relationships" xmlns:p="http://schemas.openxmlformats.org/presentationml/2006/main">
   <p:cSld>
@@ -8835,7 +8705,7 @@
           <a:p>
             <a:r>
               <a:rPr lang="nl-NL" dirty="0"/>
-              <a:t>Indexing data</a:t>
+              <a:t>Analysis</a:t>
             </a:r>
           </a:p>
         </p:txBody>
@@ -8860,21 +8730,27 @@
           <a:bodyPr/>
           <a:lstStyle/>
           <a:p>
+            <a:pPr marL="0" indent="0">
+              <a:buNone/>
+            </a:pPr>
             <a:r>
               <a:rPr lang="nl-NL" dirty="0"/>
-              <a:t>Done using the REST API</a:t>
-            </a:r>
+              <a:t>Enables full-text search -&gt; relevant results are returned</a:t>
+            </a:r>
+          </a:p>
+          <a:p>
+            <a:endParaRPr lang="nl-NL" dirty="0"/>
           </a:p>
           <a:p>
             <a:r>
               <a:rPr lang="nl-NL" dirty="0"/>
-              <a:t>Using POST or PUT</a:t>
+              <a:t>Analysis is used to break down text into terms</a:t>
             </a:r>
           </a:p>
           <a:p>
             <a:r>
               <a:rPr lang="nl-NL" dirty="0"/>
-              <a:t>Automatic creation of index with default settings, including index mapping</a:t>
+              <a:t>Analysis is used on indexing and on searching</a:t>
             </a:r>
           </a:p>
           <a:p>
@@ -8883,6 +8759,37 @@
           <a:p>
             <a:endParaRPr lang="nl-NL" dirty="0"/>
           </a:p>
+          <a:p>
+            <a:pPr marL="0" indent="0">
+              <a:buNone/>
+            </a:pPr>
+            <a:r>
+              <a:rPr lang="nl-NL" dirty="0"/>
+              <a:t>	A Quick Brown Fox Jumps Over the Lazy Hedge”</a:t>
+            </a:r>
+          </a:p>
+          <a:p>
+            <a:pPr marL="0" indent="0">
+              <a:buNone/>
+            </a:pPr>
+            <a:endParaRPr lang="nl-NL" dirty="0"/>
+          </a:p>
+          <a:p>
+            <a:pPr marL="0" indent="0">
+              <a:buNone/>
+            </a:pPr>
+            <a:r>
+              <a:rPr lang="nl-NL" dirty="0"/>
+              <a:t>	Produces terms:</a:t>
+            </a:r>
+          </a:p>
+          <a:p>
+            <a:pPr lvl="4"/>
+            <a:r>
+              <a:rPr lang="nl-NL" dirty="0"/>
+              <a:t>a, quick, brown, fox, jumps, over, the, lazy, hedge</a:t>
+            </a:r>
+          </a:p>
         </p:txBody>
       </p:sp>
       <p:sp>
@@ -8902,7 +8809,7 @@
           <a:p>
             <a:r>
               <a:rPr lang="nl-NL"/>
-              <a:t>Titel van de presentatie</a:t>
+              <a:t>elasticsearch</a:t>
             </a:r>
           </a:p>
         </p:txBody>
@@ -8930,212 +8837,10 @@
           </a:p>
         </p:txBody>
       </p:sp>
-      <p:sp>
-        <p:nvSpPr>
-          <p:cNvPr id="6" name="TextBox 5">
-            <a:extLst>
-              <a:ext uri="{FF2B5EF4-FFF2-40B4-BE49-F238E27FC236}">
-                <a16:creationId xmlns:a16="http://schemas.microsoft.com/office/drawing/2014/main" id="{A6A38542-8A35-4C8F-9A7C-7815D679AA82}"/>
-              </a:ext>
-            </a:extLst>
-          </p:cNvPr>
-          <p:cNvSpPr txBox="1"/>
-          <p:nvPr/>
-        </p:nvSpPr>
-        <p:spPr>
-          <a:xfrm>
-            <a:off x="4509404" y="3944736"/>
-            <a:ext cx="1412422" cy="200055"/>
-          </a:xfrm>
-          <a:prstGeom prst="rect">
-            <a:avLst/>
-          </a:prstGeom>
-          <a:noFill/>
-        </p:spPr>
-        <p:txBody>
-          <a:bodyPr wrap="square" lIns="0" tIns="0" rIns="0" bIns="0" rtlCol="0">
-            <a:spAutoFit/>
-          </a:bodyPr>
-          <a:lstStyle/>
-          <a:p>
-            <a:r>
-              <a:rPr lang="en-US" sz="1300" dirty="0" err="1"/>
-              <a:t>indexname</a:t>
-            </a:r>
-            <a:endParaRPr lang="en-NL" sz="1300" dirty="0" err="1"/>
-          </a:p>
-        </p:txBody>
-      </p:sp>
-      <p:sp>
-        <p:nvSpPr>
-          <p:cNvPr id="7" name="Right Brace 6">
-            <a:extLst>
-              <a:ext uri="{FF2B5EF4-FFF2-40B4-BE49-F238E27FC236}">
-                <a16:creationId xmlns:a16="http://schemas.microsoft.com/office/drawing/2014/main" id="{CC61EF7D-51EC-475D-8570-871D2BD6C275}"/>
-              </a:ext>
-            </a:extLst>
-          </p:cNvPr>
-          <p:cNvSpPr/>
-          <p:nvPr/>
-        </p:nvSpPr>
-        <p:spPr>
-          <a:xfrm rot="5400000">
-            <a:off x="4653182" y="3376418"/>
-            <a:ext cx="300274" cy="538843"/>
-          </a:xfrm>
-          <a:prstGeom prst="rightBrace">
-            <a:avLst/>
-          </a:prstGeom>
-        </p:spPr>
-        <p:style>
-          <a:lnRef idx="1">
-            <a:schemeClr val="dk1"/>
-          </a:lnRef>
-          <a:fillRef idx="0">
-            <a:schemeClr val="dk1"/>
-          </a:fillRef>
-          <a:effectRef idx="0">
-            <a:schemeClr val="dk1"/>
-          </a:effectRef>
-          <a:fontRef idx="minor">
-            <a:schemeClr val="tx1"/>
-          </a:fontRef>
-        </p:style>
-        <p:txBody>
-          <a:bodyPr rtlCol="0" anchor="ctr"/>
-          <a:lstStyle/>
-          <a:p>
-            <a:pPr algn="ctr"/>
-            <a:endParaRPr lang="en-NL"/>
-          </a:p>
-        </p:txBody>
-      </p:sp>
-      <p:sp>
-        <p:nvSpPr>
-          <p:cNvPr id="8" name="TextBox 7">
-            <a:extLst>
-              <a:ext uri="{FF2B5EF4-FFF2-40B4-BE49-F238E27FC236}">
-                <a16:creationId xmlns:a16="http://schemas.microsoft.com/office/drawing/2014/main" id="{0BD253CC-F9C4-4336-BADD-C941BBA2C08F}"/>
-              </a:ext>
-            </a:extLst>
-          </p:cNvPr>
-          <p:cNvSpPr txBox="1"/>
-          <p:nvPr/>
-        </p:nvSpPr>
-        <p:spPr>
-          <a:xfrm>
-            <a:off x="5694623" y="2619037"/>
-            <a:ext cx="2261507" cy="200055"/>
-          </a:xfrm>
-          <a:prstGeom prst="rect">
-            <a:avLst/>
-          </a:prstGeom>
-          <a:noFill/>
-        </p:spPr>
-        <p:txBody>
-          <a:bodyPr wrap="square" lIns="0" tIns="0" rIns="0" bIns="0" rtlCol="0">
-            <a:spAutoFit/>
-          </a:bodyPr>
-          <a:lstStyle/>
-          <a:p>
-            <a:r>
-              <a:rPr lang="en-US" sz="1300" dirty="0"/>
-              <a:t>document id</a:t>
-            </a:r>
-            <a:endParaRPr lang="en-NL" sz="1300" dirty="0" err="1"/>
-          </a:p>
-        </p:txBody>
-      </p:sp>
-      <p:sp>
-        <p:nvSpPr>
-          <p:cNvPr id="10" name="TextBox 9">
-            <a:extLst>
-              <a:ext uri="{FF2B5EF4-FFF2-40B4-BE49-F238E27FC236}">
-                <a16:creationId xmlns:a16="http://schemas.microsoft.com/office/drawing/2014/main" id="{2B1A4ACE-2721-4FB3-9131-07ACCB2786D4}"/>
-              </a:ext>
-            </a:extLst>
-          </p:cNvPr>
-          <p:cNvSpPr txBox="1"/>
-          <p:nvPr/>
-        </p:nvSpPr>
-        <p:spPr>
-          <a:xfrm>
-            <a:off x="2311960" y="3220840"/>
-            <a:ext cx="3888815" cy="430887"/>
-          </a:xfrm>
-          <a:prstGeom prst="rect">
-            <a:avLst/>
-          </a:prstGeom>
-          <a:noFill/>
-        </p:spPr>
-        <p:txBody>
-          <a:bodyPr wrap="square" lIns="0" tIns="0" rIns="0" bIns="0" rtlCol="0">
-            <a:spAutoFit/>
-          </a:bodyPr>
-          <a:lstStyle/>
-          <a:p>
-            <a:r>
-              <a:rPr lang="nl-NL" sz="1400" dirty="0">
-                <a:latin typeface="Consolas" panose="020B0609020204030204" pitchFamily="49" charset="0"/>
-              </a:rPr>
-              <a:t>http://localhost:9200/recipes/_doc/213</a:t>
-            </a:r>
-          </a:p>
-          <a:p>
-            <a:endParaRPr lang="en-NL" sz="1400" dirty="0" err="1">
-              <a:latin typeface="Consolas" panose="020B0609020204030204" pitchFamily="49" charset="0"/>
-            </a:endParaRPr>
-          </a:p>
-        </p:txBody>
-      </p:sp>
-      <p:sp>
-        <p:nvSpPr>
-          <p:cNvPr id="11" name="Right Brace 10">
-            <a:extLst>
-              <a:ext uri="{FF2B5EF4-FFF2-40B4-BE49-F238E27FC236}">
-                <a16:creationId xmlns:a16="http://schemas.microsoft.com/office/drawing/2014/main" id="{CB22F3CB-3F0F-45BB-88F9-12DB275D870E}"/>
-              </a:ext>
-            </a:extLst>
-          </p:cNvPr>
-          <p:cNvSpPr/>
-          <p:nvPr/>
-        </p:nvSpPr>
-        <p:spPr>
-          <a:xfrm rot="16200000">
-            <a:off x="5744265" y="2907655"/>
-            <a:ext cx="278926" cy="329293"/>
-          </a:xfrm>
-          <a:prstGeom prst="rightBrace">
-            <a:avLst/>
-          </a:prstGeom>
-        </p:spPr>
-        <p:style>
-          <a:lnRef idx="1">
-            <a:schemeClr val="dk1"/>
-          </a:lnRef>
-          <a:fillRef idx="0">
-            <a:schemeClr val="dk1"/>
-          </a:fillRef>
-          <a:effectRef idx="0">
-            <a:schemeClr val="dk1"/>
-          </a:effectRef>
-          <a:fontRef idx="minor">
-            <a:schemeClr val="tx1"/>
-          </a:fontRef>
-        </p:style>
-        <p:txBody>
-          <a:bodyPr rtlCol="0" anchor="ctr"/>
-          <a:lstStyle/>
-          <a:p>
-            <a:pPr algn="ctr"/>
-            <a:endParaRPr lang="en-NL"/>
-          </a:p>
-        </p:txBody>
-      </p:sp>
     </p:spTree>
     <p:extLst>
       <p:ext uri="{BB962C8B-B14F-4D97-AF65-F5344CB8AC3E}">
-        <p14:creationId xmlns:p14="http://schemas.microsoft.com/office/powerpoint/2010/main" val="1619381989"/>
+        <p14:creationId xmlns:p14="http://schemas.microsoft.com/office/powerpoint/2010/main" val="1669633505"/>
       </p:ext>
     </p:extLst>
   </p:cSld>
@@ -9179,7 +8884,7 @@
           <a:p>
             <a:r>
               <a:rPr lang="nl-NL" dirty="0"/>
-              <a:t>Indexing data</a:t>
+              <a:t>REST API</a:t>
             </a:r>
           </a:p>
         </p:txBody>
@@ -9197,7 +8902,7 @@
         <p:spPr>
           <a:xfrm>
             <a:off x="720003" y="1224000"/>
-            <a:ext cx="6623999" cy="3491999"/>
+            <a:ext cx="6623999" cy="2396861"/>
           </a:xfrm>
         </p:spPr>
         <p:txBody>
@@ -9206,27 +8911,66 @@
           <a:p>
             <a:r>
               <a:rPr lang="nl-NL" dirty="0"/>
-              <a:t>Done using the REST API</a:t>
-            </a:r>
-          </a:p>
-          <a:p>
+              <a:t>All communications with Elastic Search is done by issuing HTTP requests using the REST API:</a:t>
+            </a:r>
+          </a:p>
+          <a:p>
+            <a:pPr lvl="1">
+              <a:buFont typeface="Wingdings" panose="05000000000000000000" pitchFamily="2" charset="2"/>
+              <a:buChar char="§"/>
+            </a:pPr>
             <a:r>
               <a:rPr lang="nl-NL" dirty="0"/>
-              <a:t>Using POST or PUT</a:t>
-            </a:r>
-          </a:p>
-          <a:p>
+              <a:t>Index/update/delete documents or indices</a:t>
+            </a:r>
+          </a:p>
+          <a:p>
+            <a:pPr lvl="1">
+              <a:buFont typeface="Wingdings" panose="05000000000000000000" pitchFamily="2" charset="2"/>
+              <a:buChar char="§"/>
+            </a:pPr>
             <a:r>
               <a:rPr lang="nl-NL" dirty="0"/>
-              <a:t>Automatic creation of index with default settings, including index mapping</a:t>
-            </a:r>
-          </a:p>
-          <a:p>
+              <a:t>Searching an index</a:t>
+            </a:r>
+          </a:p>
+          <a:p>
+            <a:pPr lvl="1">
+              <a:buFont typeface="Wingdings" panose="05000000000000000000" pitchFamily="2" charset="2"/>
+              <a:buChar char="§"/>
+            </a:pPr>
+            <a:r>
+              <a:rPr lang="nl-NL" dirty="0"/>
+              <a:t>Monitor cluster</a:t>
+            </a:r>
+          </a:p>
+          <a:p>
+            <a:pPr lvl="1">
+              <a:buFont typeface="Wingdings" panose="05000000000000000000" pitchFamily="2" charset="2"/>
+              <a:buChar char="§"/>
+            </a:pPr>
+            <a:r>
+              <a:rPr lang="nl-NL" dirty="0"/>
+              <a:t>Manage cluster</a:t>
+            </a:r>
+          </a:p>
+          <a:p>
+            <a:pPr lvl="1">
+              <a:buFont typeface="Wingdings" panose="05000000000000000000" pitchFamily="2" charset="2"/>
+              <a:buChar char="§"/>
+            </a:pPr>
+            <a:r>
+              <a:rPr lang="nl-NL" dirty="0"/>
+              <a:t>Manage security</a:t>
+            </a:r>
+          </a:p>
+          <a:p>
+            <a:pPr lvl="1">
+              <a:buFont typeface="Wingdings" panose="05000000000000000000" pitchFamily="2" charset="2"/>
+              <a:buChar char="§"/>
+            </a:pPr>
             <a:endParaRPr lang="nl-NL" dirty="0"/>
           </a:p>
-          <a:p>
-            <a:endParaRPr lang="nl-NL" dirty="0"/>
-          </a:p>
         </p:txBody>
       </p:sp>
       <p:sp>
@@ -9246,7 +8990,7 @@
           <a:p>
             <a:r>
               <a:rPr lang="nl-NL"/>
-              <a:t>Titel van de presentatie</a:t>
+              <a:t>elasticsearch</a:t>
             </a:r>
           </a:p>
         </p:txBody>
@@ -9274,161 +9018,10 @@
           </a:p>
         </p:txBody>
       </p:sp>
-      <p:sp>
-        <p:nvSpPr>
-          <p:cNvPr id="12" name="TextBox 11">
-            <a:extLst>
-              <a:ext uri="{FF2B5EF4-FFF2-40B4-BE49-F238E27FC236}">
-                <a16:creationId xmlns:a16="http://schemas.microsoft.com/office/drawing/2014/main" id="{FA11F306-87C8-47ED-B7C1-9648CA3068B7}"/>
-              </a:ext>
-            </a:extLst>
-          </p:cNvPr>
-          <p:cNvSpPr txBox="1"/>
-          <p:nvPr/>
-        </p:nvSpPr>
-        <p:spPr>
-          <a:xfrm>
-            <a:off x="1462875" y="2616683"/>
-            <a:ext cx="5027732" cy="1508105"/>
-          </a:xfrm>
-          <a:prstGeom prst="rect">
-            <a:avLst/>
-          </a:prstGeom>
-          <a:noFill/>
-        </p:spPr>
-        <p:txBody>
-          <a:bodyPr wrap="square" lIns="0" tIns="0" rIns="0" bIns="0" rtlCol="0">
-            <a:spAutoFit/>
-          </a:bodyPr>
-          <a:lstStyle/>
-          <a:p>
-            <a:r>
-              <a:rPr lang="en-US" sz="1400" dirty="0">
-                <a:latin typeface="Consolas" panose="020B0609020204030204" pitchFamily="49" charset="0"/>
-                <a:ea typeface="Tahoma" panose="020B0604030504040204" pitchFamily="34" charset="0"/>
-                <a:cs typeface="Tahoma" panose="020B0604030504040204" pitchFamily="34" charset="0"/>
-              </a:rPr>
-              <a:t>PUT </a:t>
-            </a:r>
-            <a:r>
-              <a:rPr lang="nl-NL" sz="1400" dirty="0">
-                <a:latin typeface="Consolas" panose="020B0609020204030204" pitchFamily="49" charset="0"/>
-              </a:rPr>
-              <a:t>http://localhost:9200/recipes</a:t>
-            </a:r>
-            <a:r>
-              <a:rPr lang="en-US" sz="1400" dirty="0">
-                <a:latin typeface="Consolas" panose="020B0609020204030204" pitchFamily="49" charset="0"/>
-                <a:ea typeface="Tahoma" panose="020B0604030504040204" pitchFamily="34" charset="0"/>
-                <a:cs typeface="Tahoma" panose="020B0604030504040204" pitchFamily="34" charset="0"/>
-              </a:rPr>
-              <a:t>/_doc/1234</a:t>
-            </a:r>
-          </a:p>
-          <a:p>
-            <a:endParaRPr lang="en-US" sz="1400" dirty="0">
-              <a:latin typeface="Consolas" panose="020B0609020204030204" pitchFamily="49" charset="0"/>
-              <a:ea typeface="Tahoma" panose="020B0604030504040204" pitchFamily="34" charset="0"/>
-              <a:cs typeface="Tahoma" panose="020B0604030504040204" pitchFamily="34" charset="0"/>
-            </a:endParaRPr>
-          </a:p>
-          <a:p>
-            <a:r>
-              <a:rPr lang="en-US" sz="1400" dirty="0">
-                <a:latin typeface="Consolas" panose="020B0609020204030204" pitchFamily="49" charset="0"/>
-                <a:ea typeface="Tahoma" panose="020B0604030504040204" pitchFamily="34" charset="0"/>
-                <a:cs typeface="Tahoma" panose="020B0604030504040204" pitchFamily="34" charset="0"/>
-              </a:rPr>
-              <a:t>POST </a:t>
-            </a:r>
-            <a:r>
-              <a:rPr lang="nl-NL" sz="1400" dirty="0">
-                <a:latin typeface="Consolas" panose="020B0609020204030204" pitchFamily="49" charset="0"/>
-              </a:rPr>
-              <a:t>http://localhost:9200/recipes/</a:t>
-            </a:r>
-            <a:r>
-              <a:rPr lang="en-US" sz="1400" dirty="0">
-                <a:latin typeface="Consolas" panose="020B0609020204030204" pitchFamily="49" charset="0"/>
-                <a:ea typeface="Tahoma" panose="020B0604030504040204" pitchFamily="34" charset="0"/>
-                <a:cs typeface="Tahoma" panose="020B0604030504040204" pitchFamily="34" charset="0"/>
-              </a:rPr>
-              <a:t>_doc/</a:t>
-            </a:r>
-          </a:p>
-          <a:p>
-            <a:endParaRPr lang="en-US" sz="1400" dirty="0">
-              <a:latin typeface="Consolas" panose="020B0609020204030204" pitchFamily="49" charset="0"/>
-              <a:ea typeface="Tahoma" panose="020B0604030504040204" pitchFamily="34" charset="0"/>
-              <a:cs typeface="Tahoma" panose="020B0604030504040204" pitchFamily="34" charset="0"/>
-            </a:endParaRPr>
-          </a:p>
-          <a:p>
-            <a:r>
-              <a:rPr lang="en-US" sz="1400" dirty="0">
-                <a:latin typeface="Consolas" panose="020B0609020204030204" pitchFamily="49" charset="0"/>
-                <a:ea typeface="Tahoma" panose="020B0604030504040204" pitchFamily="34" charset="0"/>
-                <a:cs typeface="Tahoma" panose="020B0604030504040204" pitchFamily="34" charset="0"/>
-              </a:rPr>
-              <a:t>PUT </a:t>
-            </a:r>
-            <a:r>
-              <a:rPr lang="nl-NL" sz="1400" dirty="0">
-                <a:latin typeface="Consolas" panose="020B0609020204030204" pitchFamily="49" charset="0"/>
-              </a:rPr>
-              <a:t>http://localhost:9200/recipes</a:t>
-            </a:r>
-            <a:r>
-              <a:rPr lang="en-US" sz="1400" dirty="0">
-                <a:latin typeface="Consolas" panose="020B0609020204030204" pitchFamily="49" charset="0"/>
-                <a:ea typeface="Tahoma" panose="020B0604030504040204" pitchFamily="34" charset="0"/>
-                <a:cs typeface="Tahoma" panose="020B0604030504040204" pitchFamily="34" charset="0"/>
-              </a:rPr>
-              <a:t>/_create/1234</a:t>
-            </a:r>
-          </a:p>
-          <a:p>
-            <a:endParaRPr lang="en-US" sz="1400" dirty="0">
-              <a:latin typeface="Consolas" panose="020B0609020204030204" pitchFamily="49" charset="0"/>
-              <a:ea typeface="Tahoma" panose="020B0604030504040204" pitchFamily="34" charset="0"/>
-              <a:cs typeface="Tahoma" panose="020B0604030504040204" pitchFamily="34" charset="0"/>
-            </a:endParaRPr>
-          </a:p>
-          <a:p>
-            <a:r>
-              <a:rPr lang="en-US" sz="1400" dirty="0">
-                <a:latin typeface="Consolas" panose="020B0609020204030204" pitchFamily="49" charset="0"/>
-                <a:ea typeface="Tahoma" panose="020B0604030504040204" pitchFamily="34" charset="0"/>
-                <a:cs typeface="Tahoma" panose="020B0604030504040204" pitchFamily="34" charset="0"/>
-              </a:rPr>
-              <a:t>POST </a:t>
-            </a:r>
-            <a:r>
-              <a:rPr lang="nl-NL" sz="1400" dirty="0">
-                <a:latin typeface="Consolas" panose="020B0609020204030204" pitchFamily="49" charset="0"/>
-              </a:rPr>
-              <a:t>http://localhost:9200 /recipes</a:t>
-            </a:r>
-            <a:r>
-              <a:rPr lang="en-US" sz="1400" dirty="0">
-                <a:latin typeface="Consolas" panose="020B0609020204030204" pitchFamily="49" charset="0"/>
-                <a:ea typeface="Tahoma" panose="020B0604030504040204" pitchFamily="34" charset="0"/>
-                <a:cs typeface="Tahoma" panose="020B0604030504040204" pitchFamily="34" charset="0"/>
-              </a:rPr>
-              <a:t>/_create/1234</a:t>
-            </a:r>
-            <a:endParaRPr lang="en-NL" sz="1400" dirty="0" err="1">
-              <a:latin typeface="Consolas" panose="020B0609020204030204" pitchFamily="49" charset="0"/>
-              <a:ea typeface="Tahoma" panose="020B0604030504040204" pitchFamily="34" charset="0"/>
-              <a:cs typeface="Tahoma" panose="020B0604030504040204" pitchFamily="34" charset="0"/>
-            </a:endParaRPr>
-          </a:p>
-        </p:txBody>
-      </p:sp>
     </p:spTree>
     <p:extLst>
       <p:ext uri="{BB962C8B-B14F-4D97-AF65-F5344CB8AC3E}">
-        <p14:creationId xmlns:p14="http://schemas.microsoft.com/office/powerpoint/2010/main" val="2304971537"/>
+        <p14:creationId xmlns:p14="http://schemas.microsoft.com/office/powerpoint/2010/main" val="1377839317"/>
       </p:ext>
     </p:extLst>
   </p:cSld>
@@ -9472,64 +9065,7 @@
           <a:p>
             <a:r>
               <a:rPr lang="nl-NL" dirty="0"/>
-              <a:t>Manual Index Creation</a:t>
-            </a:r>
-          </a:p>
-        </p:txBody>
-      </p:sp>
-      <p:sp>
-        <p:nvSpPr>
-          <p:cNvPr id="3" name="Content Placeholder 2"/>
-          <p:cNvSpPr>
-            <a:spLocks noGrp="1"/>
-          </p:cNvSpPr>
-          <p:nvPr>
-            <p:ph idx="1"/>
-          </p:nvPr>
-        </p:nvSpPr>
-        <p:spPr>
-          <a:xfrm>
-            <a:off x="720004" y="1224000"/>
-            <a:ext cx="3062288" cy="3491999"/>
-          </a:xfrm>
-        </p:spPr>
-        <p:txBody>
-          <a:bodyPr/>
-          <a:lstStyle/>
-          <a:p>
-            <a:r>
-              <a:rPr lang="nl-NL" dirty="0"/>
-              <a:t>Allows to define </a:t>
-            </a:r>
-          </a:p>
-          <a:p>
-            <a:pPr lvl="1"/>
-            <a:r>
-              <a:rPr lang="nl-NL" dirty="0"/>
-              <a:t>Index mapping</a:t>
-            </a:r>
-          </a:p>
-          <a:p>
-            <a:pPr lvl="1"/>
-            <a:r>
-              <a:rPr lang="nl-NL" dirty="0"/>
-              <a:t>Index settings</a:t>
-            </a:r>
-          </a:p>
-          <a:p>
-            <a:pPr lvl="1"/>
-            <a:r>
-              <a:rPr lang="nl-NL" dirty="0"/>
-              <a:t>Aliases</a:t>
-            </a:r>
-          </a:p>
-          <a:p>
-            <a:endParaRPr lang="nl-NL" dirty="0"/>
-          </a:p>
-          <a:p>
-            <a:r>
-              <a:rPr lang="nl-NL" dirty="0"/>
-              <a:t>Some index settings can be changed on runtime (like number of replicas)</a:t>
+              <a:t>GET localhost:9200</a:t>
             </a:r>
           </a:p>
         </p:txBody>
@@ -9551,7 +9087,7 @@
           <a:p>
             <a:r>
               <a:rPr lang="nl-NL"/>
-              <a:t>Titel van de presentatie</a:t>
+              <a:t>elasticsearch</a:t>
             </a:r>
           </a:p>
         </p:txBody>
@@ -9584,7 +9120,7 @@
           <p:cNvPr id="8" name="Rectangle 7">
             <a:extLst>
               <a:ext uri="{FF2B5EF4-FFF2-40B4-BE49-F238E27FC236}">
-                <a16:creationId xmlns:a16="http://schemas.microsoft.com/office/drawing/2014/main" id="{032B98FD-CE17-4807-897E-58FDA1CD6BC1}"/>
+                <a16:creationId xmlns:a16="http://schemas.microsoft.com/office/drawing/2014/main" id="{6C60F117-E276-476C-BDAE-61B46AB4ABDB}"/>
               </a:ext>
             </a:extLst>
           </p:cNvPr>
@@ -9593,192 +9129,197 @@
         </p:nvSpPr>
         <p:spPr>
           <a:xfrm>
-            <a:off x="4256116" y="1115694"/>
-            <a:ext cx="4572000" cy="3416320"/>
+            <a:off x="902153" y="851784"/>
+            <a:ext cx="7478486" cy="3624069"/>
           </a:xfrm>
           <a:prstGeom prst="rect">
             <a:avLst/>
           </a:prstGeom>
         </p:spPr>
         <p:txBody>
-          <a:bodyPr>
+          <a:bodyPr wrap="square">
             <a:spAutoFit/>
           </a:bodyPr>
           <a:lstStyle/>
           <a:p>
             <a:r>
-              <a:rPr lang="nl-NL" sz="1200" dirty="0">
-                <a:latin typeface="Consolas" panose="020B0609020204030204" pitchFamily="49" charset="0"/>
-              </a:rPr>
-              <a:t>PUT http://localhost:9200/newindex</a:t>
-            </a:r>
-          </a:p>
-          <a:p>
-            <a:endParaRPr lang="nl-NL" sz="1200" dirty="0">
-              <a:latin typeface="Consolas" panose="020B0609020204030204" pitchFamily="49" charset="0"/>
-            </a:endParaRPr>
-          </a:p>
-          <a:p>
-            <a:r>
-              <a:rPr lang="en-US" sz="1200" dirty="0">
-                <a:latin typeface="Consolas" panose="020B0609020204030204" pitchFamily="49" charset="0"/>
-              </a:rPr>
+              <a:rPr lang="en-NL" dirty="0"/>
               <a:t>{</a:t>
             </a:r>
           </a:p>
           <a:p>
             <a:r>
-              <a:rPr lang="en-US" sz="1200" dirty="0">
-                <a:latin typeface="Consolas" panose="020B0609020204030204" pitchFamily="49" charset="0"/>
-              </a:rPr>
-              <a:t>  "settings" : {</a:t>
-            </a:r>
-          </a:p>
-          <a:p>
-            <a:r>
-              <a:rPr lang="en-US" sz="1200" dirty="0">
-                <a:latin typeface="Consolas" panose="020B0609020204030204" pitchFamily="49" charset="0"/>
-              </a:rPr>
+              <a:rPr lang="en-NL" dirty="0"/>
+              <a:t>  "name" : "es01",</a:t>
+            </a:r>
+          </a:p>
+          <a:p>
+            <a:r>
+              <a:rPr lang="en-NL" dirty="0"/>
+              <a:t>  "</a:t>
+            </a:r>
+            <a:r>
+              <a:rPr lang="en-NL" dirty="0" err="1"/>
+              <a:t>cluster_name</a:t>
+            </a:r>
+            <a:r>
+              <a:rPr lang="en-NL" dirty="0"/>
+              <a:t>" : "es-docker-cluster",</a:t>
+            </a:r>
+          </a:p>
+          <a:p>
+            <a:r>
+              <a:rPr lang="en-NL" dirty="0"/>
+              <a:t>  "</a:t>
+            </a:r>
+            <a:r>
+              <a:rPr lang="en-NL" dirty="0" err="1"/>
+              <a:t>cluster_uuid</a:t>
+            </a:r>
+            <a:r>
+              <a:rPr lang="en-NL" dirty="0"/>
+              <a:t>" : "9Ce4263QRLSQV5X1RlR-Gw",</a:t>
+            </a:r>
+          </a:p>
+          <a:p>
+            <a:r>
+              <a:rPr lang="en-NL" dirty="0"/>
+              <a:t>  "version" : {</a:t>
+            </a:r>
+          </a:p>
+          <a:p>
+            <a:r>
+              <a:rPr lang="en-NL" dirty="0"/>
+              <a:t>    "number" : "7.6.1",</a:t>
+            </a:r>
+          </a:p>
+          <a:p>
+            <a:r>
+              <a:rPr lang="en-NL" dirty="0"/>
               <a:t>    "</a:t>
             </a:r>
             <a:r>
-              <a:rPr lang="en-US" sz="1200" dirty="0" err="1">
-                <a:latin typeface="Consolas" panose="020B0609020204030204" pitchFamily="49" charset="0"/>
-              </a:rPr>
-              <a:t>number_of_shards</a:t>
-            </a:r>
-            <a:r>
-              <a:rPr lang="en-US" sz="1200" dirty="0">
-                <a:latin typeface="Consolas" panose="020B0609020204030204" pitchFamily="49" charset="0"/>
-              </a:rPr>
-              <a:t>" : 3, </a:t>
-            </a:r>
-          </a:p>
-          <a:p>
-            <a:r>
-              <a:rPr lang="en-US" sz="1200" dirty="0">
-                <a:latin typeface="Consolas" panose="020B0609020204030204" pitchFamily="49" charset="0"/>
-              </a:rPr>
+              <a:rPr lang="en-NL" dirty="0" err="1"/>
+              <a:t>build_flavor</a:t>
+            </a:r>
+            <a:r>
+              <a:rPr lang="en-NL" dirty="0"/>
+              <a:t>" : "default",</a:t>
+            </a:r>
+          </a:p>
+          <a:p>
+            <a:r>
+              <a:rPr lang="en-NL" dirty="0"/>
               <a:t>    "</a:t>
             </a:r>
             <a:r>
-              <a:rPr lang="en-US" sz="1200" dirty="0" err="1">
-                <a:latin typeface="Consolas" panose="020B0609020204030204" pitchFamily="49" charset="0"/>
-              </a:rPr>
-              <a:t>number_of_replicas</a:t>
-            </a:r>
-            <a:r>
-              <a:rPr lang="en-US" sz="1200" dirty="0">
-                <a:latin typeface="Consolas" panose="020B0609020204030204" pitchFamily="49" charset="0"/>
-              </a:rPr>
-              <a:t>" : 1 </a:t>
-            </a:r>
-          </a:p>
-          <a:p>
-            <a:r>
-              <a:rPr lang="en-US" sz="1200" dirty="0">
-                <a:latin typeface="Consolas" panose="020B0609020204030204" pitchFamily="49" charset="0"/>
-              </a:rPr>
+              <a:rPr lang="en-NL" dirty="0" err="1"/>
+              <a:t>build_type</a:t>
+            </a:r>
+            <a:r>
+              <a:rPr lang="en-NL" dirty="0"/>
+              <a:t>" : "docker",</a:t>
+            </a:r>
+          </a:p>
+          <a:p>
+            <a:r>
+              <a:rPr lang="en-NL" dirty="0"/>
+              <a:t>    "</a:t>
+            </a:r>
+            <a:r>
+              <a:rPr lang="en-NL" dirty="0" err="1"/>
+              <a:t>build_hash</a:t>
+            </a:r>
+            <a:r>
+              <a:rPr lang="en-NL" dirty="0"/>
+              <a:t>" : "aa751e09be0a5072e8570670309b1f12348f023b",</a:t>
+            </a:r>
+          </a:p>
+          <a:p>
+            <a:r>
+              <a:rPr lang="en-NL" dirty="0"/>
+              <a:t>    "</a:t>
+            </a:r>
+            <a:r>
+              <a:rPr lang="en-NL" dirty="0" err="1"/>
+              <a:t>build_date</a:t>
+            </a:r>
+            <a:r>
+              <a:rPr lang="en-NL" dirty="0"/>
+              <a:t>" : "2020-02-29T00:15:25.529771Z",</a:t>
+            </a:r>
+          </a:p>
+          <a:p>
+            <a:r>
+              <a:rPr lang="en-NL" dirty="0"/>
+              <a:t>    "</a:t>
+            </a:r>
+            <a:r>
+              <a:rPr lang="en-NL" dirty="0" err="1"/>
+              <a:t>build_snapshot</a:t>
+            </a:r>
+            <a:r>
+              <a:rPr lang="en-NL" dirty="0"/>
+              <a:t>" : false,</a:t>
+            </a:r>
+          </a:p>
+          <a:p>
+            <a:r>
+              <a:rPr lang="en-NL" dirty="0"/>
+              <a:t>    "</a:t>
+            </a:r>
+            <a:r>
+              <a:rPr lang="en-NL" dirty="0" err="1"/>
+              <a:t>lucene_version</a:t>
+            </a:r>
+            <a:r>
+              <a:rPr lang="en-NL" dirty="0"/>
+              <a:t>" : "8.4.0",</a:t>
+            </a:r>
+          </a:p>
+          <a:p>
+            <a:r>
+              <a:rPr lang="en-NL" dirty="0"/>
+              <a:t>    "</a:t>
+            </a:r>
+            <a:r>
+              <a:rPr lang="en-NL" dirty="0" err="1"/>
+              <a:t>minimum_wire_compatibility_version</a:t>
+            </a:r>
+            <a:r>
+              <a:rPr lang="en-NL" dirty="0"/>
+              <a:t>" : "6.8.0",</a:t>
+            </a:r>
+          </a:p>
+          <a:p>
+            <a:r>
+              <a:rPr lang="en-NL" dirty="0"/>
+              <a:t>    "</a:t>
+            </a:r>
+            <a:r>
+              <a:rPr lang="en-NL" dirty="0" err="1"/>
+              <a:t>minimum_index_compatibility_version</a:t>
+            </a:r>
+            <a:r>
+              <a:rPr lang="en-NL" dirty="0"/>
+              <a:t>" : "6.0.0-beta1"</a:t>
+            </a:r>
+          </a:p>
+          <a:p>
+            <a:r>
+              <a:rPr lang="en-NL" dirty="0"/>
               <a:t>  },</a:t>
             </a:r>
           </a:p>
           <a:p>
             <a:r>
-              <a:rPr lang="en-US" sz="1200" dirty="0">
-                <a:latin typeface="Consolas" panose="020B0609020204030204" pitchFamily="49" charset="0"/>
-              </a:rPr>
-              <a:t>  "aliases": {</a:t>
-            </a:r>
-          </a:p>
-          <a:p>
-            <a:r>
-              <a:rPr lang="en-US" sz="1200" dirty="0">
-                <a:latin typeface="Consolas" panose="020B0609020204030204" pitchFamily="49" charset="0"/>
-              </a:rPr>
-              <a:t>  	"</a:t>
-            </a:r>
-            <a:r>
-              <a:rPr lang="en-US" sz="1200" dirty="0" err="1">
-                <a:latin typeface="Consolas" panose="020B0609020204030204" pitchFamily="49" charset="0"/>
-              </a:rPr>
-              <a:t>myfirstindex</a:t>
-            </a:r>
-            <a:r>
-              <a:rPr lang="en-US" sz="1200" dirty="0">
-                <a:latin typeface="Consolas" panose="020B0609020204030204" pitchFamily="49" charset="0"/>
-              </a:rPr>
-              <a:t>" : {}</a:t>
-            </a:r>
-          </a:p>
-          <a:p>
-            <a:r>
-              <a:rPr lang="en-US" sz="1200" dirty="0">
-                <a:latin typeface="Consolas" panose="020B0609020204030204" pitchFamily="49" charset="0"/>
-              </a:rPr>
-              <a:t>  },</a:t>
-            </a:r>
-          </a:p>
-          <a:p>
-            <a:r>
-              <a:rPr lang="en-US" sz="1200" dirty="0">
-                <a:latin typeface="Consolas" panose="020B0609020204030204" pitchFamily="49" charset="0"/>
-              </a:rPr>
-              <a:t>  "mappings": {</a:t>
-            </a:r>
-          </a:p>
-          <a:p>
-            <a:r>
-              <a:rPr lang="en-US" sz="1200" dirty="0">
-                <a:latin typeface="Consolas" panose="020B0609020204030204" pitchFamily="49" charset="0"/>
-              </a:rPr>
-              <a:t>    "properties": {</a:t>
-            </a:r>
-          </a:p>
-          <a:p>
-            <a:r>
-              <a:rPr lang="en-US" sz="1200" dirty="0">
-                <a:latin typeface="Consolas" panose="020B0609020204030204" pitchFamily="49" charset="0"/>
-              </a:rPr>
-              <a:t>      "age":    { "type": "integer" },</a:t>
-            </a:r>
-          </a:p>
-          <a:p>
-            <a:r>
-              <a:rPr lang="en-US" sz="1200" dirty="0">
-                <a:latin typeface="Consolas" panose="020B0609020204030204" pitchFamily="49" charset="0"/>
-              </a:rPr>
-              <a:t>      "email":  { "type": "keyword"  },</a:t>
-            </a:r>
-          </a:p>
-          <a:p>
-            <a:r>
-              <a:rPr lang="en-US" sz="1200" dirty="0">
-                <a:latin typeface="Consolas" panose="020B0609020204030204" pitchFamily="49" charset="0"/>
-              </a:rPr>
-              <a:t>      "name":   { "type": "text"  }</a:t>
-            </a:r>
-          </a:p>
-          <a:p>
-            <a:r>
-              <a:rPr lang="en-US" sz="1200" dirty="0">
-                <a:latin typeface="Consolas" panose="020B0609020204030204" pitchFamily="49" charset="0"/>
-              </a:rPr>
-              <a:t>    }</a:t>
-            </a:r>
-          </a:p>
-          <a:p>
-            <a:r>
-              <a:rPr lang="en-US" sz="1200" dirty="0">
-                <a:latin typeface="Consolas" panose="020B0609020204030204" pitchFamily="49" charset="0"/>
-              </a:rPr>
-              <a:t>  }</a:t>
-            </a:r>
-          </a:p>
-          <a:p>
-            <a:r>
-              <a:rPr lang="en-US" sz="1200" dirty="0">
-                <a:latin typeface="Consolas" panose="020B0609020204030204" pitchFamily="49" charset="0"/>
-              </a:rPr>
+              <a:rPr lang="en-NL" dirty="0"/>
+              <a:t>  "tagline" : "You Know, for Search"</a:t>
+            </a:r>
+          </a:p>
+          <a:p>
+            <a:r>
+              <a:rPr lang="en-NL" dirty="0"/>
               <a:t>}</a:t>
             </a:r>
           </a:p>
@@ -9787,7 +9328,7 @@
     </p:spTree>
     <p:extLst>
       <p:ext uri="{BB962C8B-B14F-4D97-AF65-F5344CB8AC3E}">
-        <p14:creationId xmlns:p14="http://schemas.microsoft.com/office/powerpoint/2010/main" val="3228397262"/>
+        <p14:creationId xmlns:p14="http://schemas.microsoft.com/office/powerpoint/2010/main" val="1545345141"/>
       </p:ext>
     </p:extLst>
   </p:cSld>
@@ -9831,7 +9372,7 @@
           <a:p>
             <a:r>
               <a:rPr lang="nl-NL" dirty="0"/>
-              <a:t>REST API’s</a:t>
+              <a:t>Indexing data</a:t>
             </a:r>
           </a:p>
         </p:txBody>
@@ -9849,7 +9390,7 @@
         <p:spPr>
           <a:xfrm>
             <a:off x="720003" y="1224000"/>
-            <a:ext cx="6088121" cy="504001"/>
+            <a:ext cx="6623999" cy="3491999"/>
           </a:xfrm>
         </p:spPr>
         <p:txBody>
@@ -9858,8 +9399,26 @@
           <a:p>
             <a:r>
               <a:rPr lang="nl-NL" dirty="0"/>
-              <a:t>Operations are performed on a single document</a:t>
-            </a:r>
+              <a:t>Done using the REST API</a:t>
+            </a:r>
+          </a:p>
+          <a:p>
+            <a:r>
+              <a:rPr lang="nl-NL" dirty="0"/>
+              <a:t>Using POST or PUT</a:t>
+            </a:r>
+          </a:p>
+          <a:p>
+            <a:r>
+              <a:rPr lang="nl-NL" dirty="0"/>
+              <a:t>Automatic creation of index with default settings, including index mapping</a:t>
+            </a:r>
+          </a:p>
+          <a:p>
+            <a:endParaRPr lang="nl-NL" dirty="0"/>
+          </a:p>
+          <a:p>
+            <a:endParaRPr lang="nl-NL" dirty="0"/>
           </a:p>
         </p:txBody>
       </p:sp>
@@ -9880,7 +9439,7 @@
           <a:p>
             <a:r>
               <a:rPr lang="nl-NL"/>
-              <a:t>Titel van de presentatie</a:t>
+              <a:t>elasticsearch</a:t>
             </a:r>
           </a:p>
         </p:txBody>
@@ -9910,10 +9469,10 @@
       </p:sp>
       <p:sp>
         <p:nvSpPr>
-          <p:cNvPr id="12" name="TextBox 11">
+          <p:cNvPr id="6" name="TextBox 5">
             <a:extLst>
               <a:ext uri="{FF2B5EF4-FFF2-40B4-BE49-F238E27FC236}">
-                <a16:creationId xmlns:a16="http://schemas.microsoft.com/office/drawing/2014/main" id="{67F8F9EB-BFA9-4148-8BD3-E19214834DC4}"/>
+                <a16:creationId xmlns:a16="http://schemas.microsoft.com/office/drawing/2014/main" id="{A6A38542-8A35-4C8F-9A7C-7815D679AA82}"/>
               </a:ext>
             </a:extLst>
           </p:cNvPr>
@@ -9922,8 +9481,8 @@
         </p:nvSpPr>
         <p:spPr>
           <a:xfrm>
-            <a:off x="720003" y="1980759"/>
-            <a:ext cx="7559997" cy="2369880"/>
+            <a:off x="4509404" y="3944736"/>
+            <a:ext cx="1412422" cy="200055"/>
           </a:xfrm>
           <a:prstGeom prst="rect">
             <a:avLst/>
@@ -9937,119 +9496,183 @@
           <a:lstStyle/>
           <a:p>
             <a:r>
+              <a:rPr lang="en-US" sz="1300" dirty="0" err="1"/>
+              <a:t>indexname</a:t>
+            </a:r>
+            <a:endParaRPr lang="en-NL" sz="1300" dirty="0" err="1"/>
+          </a:p>
+        </p:txBody>
+      </p:sp>
+      <p:sp>
+        <p:nvSpPr>
+          <p:cNvPr id="7" name="Right Brace 6">
+            <a:extLst>
+              <a:ext uri="{FF2B5EF4-FFF2-40B4-BE49-F238E27FC236}">
+                <a16:creationId xmlns:a16="http://schemas.microsoft.com/office/drawing/2014/main" id="{CC61EF7D-51EC-475D-8570-871D2BD6C275}"/>
+              </a:ext>
+            </a:extLst>
+          </p:cNvPr>
+          <p:cNvSpPr/>
+          <p:nvPr/>
+        </p:nvSpPr>
+        <p:spPr>
+          <a:xfrm rot="5400000">
+            <a:off x="4653182" y="3376418"/>
+            <a:ext cx="300274" cy="538843"/>
+          </a:xfrm>
+          <a:prstGeom prst="rightBrace">
+            <a:avLst/>
+          </a:prstGeom>
+        </p:spPr>
+        <p:style>
+          <a:lnRef idx="1">
+            <a:schemeClr val="dk1"/>
+          </a:lnRef>
+          <a:fillRef idx="0">
+            <a:schemeClr val="dk1"/>
+          </a:fillRef>
+          <a:effectRef idx="0">
+            <a:schemeClr val="dk1"/>
+          </a:effectRef>
+          <a:fontRef idx="minor">
+            <a:schemeClr val="tx1"/>
+          </a:fontRef>
+        </p:style>
+        <p:txBody>
+          <a:bodyPr rtlCol="0" anchor="ctr"/>
+          <a:lstStyle/>
+          <a:p>
+            <a:pPr algn="ctr"/>
+            <a:endParaRPr lang="en-NL"/>
+          </a:p>
+        </p:txBody>
+      </p:sp>
+      <p:sp>
+        <p:nvSpPr>
+          <p:cNvPr id="8" name="TextBox 7">
+            <a:extLst>
+              <a:ext uri="{FF2B5EF4-FFF2-40B4-BE49-F238E27FC236}">
+                <a16:creationId xmlns:a16="http://schemas.microsoft.com/office/drawing/2014/main" id="{0BD253CC-F9C4-4336-BADD-C941BBA2C08F}"/>
+              </a:ext>
+            </a:extLst>
+          </p:cNvPr>
+          <p:cNvSpPr txBox="1"/>
+          <p:nvPr/>
+        </p:nvSpPr>
+        <p:spPr>
+          <a:xfrm>
+            <a:off x="5694623" y="2619037"/>
+            <a:ext cx="2261507" cy="200055"/>
+          </a:xfrm>
+          <a:prstGeom prst="rect">
+            <a:avLst/>
+          </a:prstGeom>
+          <a:noFill/>
+        </p:spPr>
+        <p:txBody>
+          <a:bodyPr wrap="square" lIns="0" tIns="0" rIns="0" bIns="0" rtlCol="0">
+            <a:spAutoFit/>
+          </a:bodyPr>
+          <a:lstStyle/>
+          <a:p>
+            <a:r>
+              <a:rPr lang="en-US" sz="1300" dirty="0"/>
+              <a:t>document id</a:t>
+            </a:r>
+            <a:endParaRPr lang="en-NL" sz="1300" dirty="0" err="1"/>
+          </a:p>
+        </p:txBody>
+      </p:sp>
+      <p:sp>
+        <p:nvSpPr>
+          <p:cNvPr id="10" name="TextBox 9">
+            <a:extLst>
+              <a:ext uri="{FF2B5EF4-FFF2-40B4-BE49-F238E27FC236}">
+                <a16:creationId xmlns:a16="http://schemas.microsoft.com/office/drawing/2014/main" id="{2B1A4ACE-2721-4FB3-9131-07ACCB2786D4}"/>
+              </a:ext>
+            </a:extLst>
+          </p:cNvPr>
+          <p:cNvSpPr txBox="1"/>
+          <p:nvPr/>
+        </p:nvSpPr>
+        <p:spPr>
+          <a:xfrm>
+            <a:off x="2311960" y="3220840"/>
+            <a:ext cx="3888815" cy="430887"/>
+          </a:xfrm>
+          <a:prstGeom prst="rect">
+            <a:avLst/>
+          </a:prstGeom>
+          <a:noFill/>
+        </p:spPr>
+        <p:txBody>
+          <a:bodyPr wrap="square" lIns="0" tIns="0" rIns="0" bIns="0" rtlCol="0">
+            <a:spAutoFit/>
+          </a:bodyPr>
+          <a:lstStyle/>
+          <a:p>
+            <a:r>
               <a:rPr lang="nl-NL" sz="1400" dirty="0">
                 <a:latin typeface="Consolas" panose="020B0609020204030204" pitchFamily="49" charset="0"/>
-                <a:ea typeface="Tahoma" panose="020B0604030504040204" pitchFamily="34" charset="0"/>
-                <a:cs typeface="Tahoma" panose="020B0604030504040204" pitchFamily="34" charset="0"/>
               </a:rPr>
-              <a:t>GET http://localhost:9200/recipes/_doc/213</a:t>
-            </a:r>
-          </a:p>
-          <a:p>
-            <a:endParaRPr lang="nl-NL" sz="1400" dirty="0">
-              <a:latin typeface="Consolas" panose="020B0609020204030204" pitchFamily="49" charset="0"/>
-              <a:ea typeface="Tahoma" panose="020B0604030504040204" pitchFamily="34" charset="0"/>
-              <a:cs typeface="Tahoma" panose="020B0604030504040204" pitchFamily="34" charset="0"/>
-            </a:endParaRPr>
-          </a:p>
-          <a:p>
-            <a:r>
-              <a:rPr lang="nl-NL" sz="1400" dirty="0">
-                <a:latin typeface="Consolas" panose="020B0609020204030204" pitchFamily="49" charset="0"/>
-                <a:ea typeface="Tahoma" panose="020B0604030504040204" pitchFamily="34" charset="0"/>
-                <a:cs typeface="Tahoma" panose="020B0604030504040204" pitchFamily="34" charset="0"/>
-              </a:rPr>
-              <a:t>GET http://localhost:9200/recipes/_doc/213?_source_includes=</a:t>
-            </a:r>
-            <a:r>
-              <a:rPr lang="en-US" dirty="0"/>
-              <a:t>name</a:t>
-            </a:r>
-            <a:endParaRPr lang="nl-NL" sz="1400" dirty="0">
-              <a:latin typeface="Consolas" panose="020B0609020204030204" pitchFamily="49" charset="0"/>
-              <a:ea typeface="Tahoma" panose="020B0604030504040204" pitchFamily="34" charset="0"/>
-              <a:cs typeface="Tahoma" panose="020B0604030504040204" pitchFamily="34" charset="0"/>
-            </a:endParaRPr>
-          </a:p>
-          <a:p>
-            <a:endParaRPr lang="nl-NL" sz="1400" dirty="0">
-              <a:latin typeface="Consolas" panose="020B0609020204030204" pitchFamily="49" charset="0"/>
-              <a:ea typeface="Tahoma" panose="020B0604030504040204" pitchFamily="34" charset="0"/>
-              <a:cs typeface="Tahoma" panose="020B0604030504040204" pitchFamily="34" charset="0"/>
-            </a:endParaRPr>
-          </a:p>
-          <a:p>
-            <a:r>
-              <a:rPr lang="nl-NL" sz="1400" dirty="0">
-                <a:latin typeface="Consolas" panose="020B0609020204030204" pitchFamily="49" charset="0"/>
-                <a:ea typeface="Tahoma" panose="020B0604030504040204" pitchFamily="34" charset="0"/>
-                <a:cs typeface="Tahoma" panose="020B0604030504040204" pitchFamily="34" charset="0"/>
-              </a:rPr>
-              <a:t>HEAD http://localhost:9200/recipes/_doc/213</a:t>
-            </a:r>
-          </a:p>
-          <a:p>
-            <a:endParaRPr lang="en-US" sz="1400" dirty="0">
-              <a:latin typeface="Consolas" panose="020B0609020204030204" pitchFamily="49" charset="0"/>
-              <a:ea typeface="Tahoma" panose="020B0604030504040204" pitchFamily="34" charset="0"/>
-              <a:cs typeface="Tahoma" panose="020B0604030504040204" pitchFamily="34" charset="0"/>
-            </a:endParaRPr>
-          </a:p>
-          <a:p>
-            <a:r>
-              <a:rPr lang="en-US" sz="1400" dirty="0">
-                <a:latin typeface="Consolas" panose="020B0609020204030204" pitchFamily="49" charset="0"/>
-                <a:ea typeface="Tahoma" panose="020B0604030504040204" pitchFamily="34" charset="0"/>
-                <a:cs typeface="Tahoma" panose="020B0604030504040204" pitchFamily="34" charset="0"/>
-              </a:rPr>
-              <a:t>POST </a:t>
-            </a:r>
-            <a:r>
-              <a:rPr lang="nl-NL" sz="1400" dirty="0">
-                <a:latin typeface="Consolas" panose="020B0609020204030204" pitchFamily="49" charset="0"/>
-                <a:ea typeface="Tahoma" panose="020B0604030504040204" pitchFamily="34" charset="0"/>
-                <a:cs typeface="Tahoma" panose="020B0604030504040204" pitchFamily="34" charset="0"/>
-              </a:rPr>
-              <a:t>http://localhost:9200/recipes/_update/213</a:t>
-            </a:r>
-          </a:p>
-          <a:p>
-            <a:endParaRPr lang="en-US" sz="1400" dirty="0">
-              <a:latin typeface="Consolas" panose="020B0609020204030204" pitchFamily="49" charset="0"/>
-              <a:ea typeface="Tahoma" panose="020B0604030504040204" pitchFamily="34" charset="0"/>
-              <a:cs typeface="Tahoma" panose="020B0604030504040204" pitchFamily="34" charset="0"/>
-            </a:endParaRPr>
-          </a:p>
-          <a:p>
-            <a:r>
-              <a:rPr lang="nl-NL" sz="1400" dirty="0">
-                <a:latin typeface="Consolas" panose="020B0609020204030204" pitchFamily="49" charset="0"/>
-                <a:ea typeface="Tahoma" panose="020B0604030504040204" pitchFamily="34" charset="0"/>
-                <a:cs typeface="Tahoma" panose="020B0604030504040204" pitchFamily="34" charset="0"/>
-              </a:rPr>
-              <a:t>DELETE http://localhost:9200/recipes/_doc/213</a:t>
-            </a:r>
-          </a:p>
-          <a:p>
-            <a:endParaRPr lang="en-NL" sz="1400" dirty="0">
-              <a:latin typeface="Consolas" panose="020B0609020204030204" pitchFamily="49" charset="0"/>
-              <a:ea typeface="Tahoma" panose="020B0604030504040204" pitchFamily="34" charset="0"/>
-              <a:cs typeface="Tahoma" panose="020B0604030504040204" pitchFamily="34" charset="0"/>
-            </a:endParaRPr>
+              <a:t>http://localhost:9200/recipes/_doc/213</a:t>
+            </a:r>
           </a:p>
           <a:p>
             <a:endParaRPr lang="en-NL" sz="1400" dirty="0" err="1">
               <a:latin typeface="Consolas" panose="020B0609020204030204" pitchFamily="49" charset="0"/>
-              <a:ea typeface="Tahoma" panose="020B0604030504040204" pitchFamily="34" charset="0"/>
-              <a:cs typeface="Tahoma" panose="020B0604030504040204" pitchFamily="34" charset="0"/>
             </a:endParaRPr>
+          </a:p>
+        </p:txBody>
+      </p:sp>
+      <p:sp>
+        <p:nvSpPr>
+          <p:cNvPr id="11" name="Right Brace 10">
+            <a:extLst>
+              <a:ext uri="{FF2B5EF4-FFF2-40B4-BE49-F238E27FC236}">
+                <a16:creationId xmlns:a16="http://schemas.microsoft.com/office/drawing/2014/main" id="{CB22F3CB-3F0F-45BB-88F9-12DB275D870E}"/>
+              </a:ext>
+            </a:extLst>
+          </p:cNvPr>
+          <p:cNvSpPr/>
+          <p:nvPr/>
+        </p:nvSpPr>
+        <p:spPr>
+          <a:xfrm rot="16200000">
+            <a:off x="5744265" y="2907655"/>
+            <a:ext cx="278926" cy="329293"/>
+          </a:xfrm>
+          <a:prstGeom prst="rightBrace">
+            <a:avLst/>
+          </a:prstGeom>
+        </p:spPr>
+        <p:style>
+          <a:lnRef idx="1">
+            <a:schemeClr val="dk1"/>
+          </a:lnRef>
+          <a:fillRef idx="0">
+            <a:schemeClr val="dk1"/>
+          </a:fillRef>
+          <a:effectRef idx="0">
+            <a:schemeClr val="dk1"/>
+          </a:effectRef>
+          <a:fontRef idx="minor">
+            <a:schemeClr val="tx1"/>
+          </a:fontRef>
+        </p:style>
+        <p:txBody>
+          <a:bodyPr rtlCol="0" anchor="ctr"/>
+          <a:lstStyle/>
+          <a:p>
+            <a:pPr algn="ctr"/>
+            <a:endParaRPr lang="en-NL"/>
           </a:p>
         </p:txBody>
       </p:sp>
     </p:spTree>
     <p:extLst>
       <p:ext uri="{BB962C8B-B14F-4D97-AF65-F5344CB8AC3E}">
-        <p14:creationId xmlns:p14="http://schemas.microsoft.com/office/powerpoint/2010/main" val="2384198298"/>
+        <p14:creationId xmlns:p14="http://schemas.microsoft.com/office/powerpoint/2010/main" val="1619381989"/>
       </p:ext>
     </p:extLst>
   </p:cSld>
@@ -10078,7 +9701,99 @@
       </p:grpSpPr>
       <p:sp>
         <p:nvSpPr>
-          <p:cNvPr id="2" name="Title 1"/>
+          <p:cNvPr id="4" name="Footer Placeholder 3">
+            <a:extLst>
+              <a:ext uri="{FF2B5EF4-FFF2-40B4-BE49-F238E27FC236}">
+                <a16:creationId xmlns:a16="http://schemas.microsoft.com/office/drawing/2014/main" id="{748A3A07-A781-42D8-95AE-D2BDC207EDFE}"/>
+              </a:ext>
+            </a:extLst>
+          </p:cNvPr>
+          <p:cNvSpPr>
+            <a:spLocks noGrp="1"/>
+          </p:cNvSpPr>
+          <p:nvPr>
+            <p:ph type="ftr" sz="quarter" idx="11"/>
+          </p:nvPr>
+        </p:nvSpPr>
+        <p:spPr>
+          <a:xfrm>
+            <a:off x="4968000" y="5004000"/>
+            <a:ext cx="3240000" cy="108000"/>
+          </a:xfrm>
+        </p:spPr>
+        <p:txBody>
+          <a:bodyPr anchor="t">
+            <a:normAutofit/>
+          </a:bodyPr>
+          <a:lstStyle/>
+          <a:p>
+            <a:pPr>
+              <a:spcAft>
+                <a:spcPts val="600"/>
+              </a:spcAft>
+            </a:pPr>
+            <a:r>
+              <a:rPr lang="nl-NL"/>
+              <a:t>elasticsearch</a:t>
+            </a:r>
+          </a:p>
+        </p:txBody>
+      </p:sp>
+      <p:sp>
+        <p:nvSpPr>
+          <p:cNvPr id="5" name="Slide Number Placeholder 4">
+            <a:extLst>
+              <a:ext uri="{FF2B5EF4-FFF2-40B4-BE49-F238E27FC236}">
+                <a16:creationId xmlns:a16="http://schemas.microsoft.com/office/drawing/2014/main" id="{88063AEA-DEA8-46BF-938E-64CE26471BE6}"/>
+              </a:ext>
+            </a:extLst>
+          </p:cNvPr>
+          <p:cNvSpPr>
+            <a:spLocks noGrp="1"/>
+          </p:cNvSpPr>
+          <p:nvPr>
+            <p:ph type="sldNum" sz="quarter" idx="12"/>
+          </p:nvPr>
+        </p:nvSpPr>
+        <p:spPr>
+          <a:xfrm>
+            <a:off x="8280000" y="5004000"/>
+            <a:ext cx="144000" cy="108000"/>
+          </a:xfrm>
+        </p:spPr>
+        <p:txBody>
+          <a:bodyPr anchor="t">
+            <a:normAutofit/>
+          </a:bodyPr>
+          <a:lstStyle/>
+          <a:p>
+            <a:pPr>
+              <a:spcAft>
+                <a:spcPts val="600"/>
+              </a:spcAft>
+            </a:pPr>
+            <a:fld id="{14F1411D-0280-154F-AEAC-4C20B7AA46B2}" type="slidenum">
+              <a:rPr lang="nl-NL" smtClean="0"/>
+              <a:pPr>
+                <a:spcAft>
+                  <a:spcPts val="600"/>
+                </a:spcAft>
+              </a:pPr>
+              <a:t>2</a:t>
+            </a:fld>
+            <a:endParaRPr lang="nl-NL"/>
+          </a:p>
+        </p:txBody>
+      </p:sp>
+      <p:sp>
+        <p:nvSpPr>
+          <p:cNvPr id="2" name="Title 1">
+            <a:extLst>
+              <a:ext uri="{FF2B5EF4-FFF2-40B4-BE49-F238E27FC236}">
+                <a16:creationId xmlns:a16="http://schemas.microsoft.com/office/drawing/2014/main" id="{7D55A85A-570D-4697-936D-2A5554F9FD9D}"/>
+              </a:ext>
+            </a:extLst>
+          </p:cNvPr>
           <p:cNvSpPr>
             <a:spLocks noGrp="1"/>
           </p:cNvSpPr>
@@ -10086,21 +9801,35 @@
             <p:ph type="title"/>
           </p:nvPr>
         </p:nvSpPr>
-        <p:spPr/>
-        <p:txBody>
-          <a:bodyPr/>
-          <a:lstStyle/>
-          <a:p>
-            <a:r>
-              <a:rPr lang="nl-NL" dirty="0"/>
-              <a:t>Intro</a:t>
-            </a:r>
-          </a:p>
-        </p:txBody>
-      </p:sp>
-      <p:sp>
-        <p:nvSpPr>
-          <p:cNvPr id="3" name="Content Placeholder 2"/>
+        <p:spPr>
+          <a:xfrm>
+            <a:off x="719999" y="288000"/>
+            <a:ext cx="6624000" cy="504000"/>
+          </a:xfrm>
+        </p:spPr>
+        <p:txBody>
+          <a:bodyPr anchor="ctr">
+            <a:normAutofit/>
+          </a:bodyPr>
+          <a:lstStyle/>
+          <a:p>
+            <a:r>
+              <a:rPr lang="en-GB" dirty="0"/>
+              <a:t>Overview 14-05-2020</a:t>
+            </a:r>
+            <a:endParaRPr lang="en-NL" dirty="0"/>
+          </a:p>
+        </p:txBody>
+      </p:sp>
+      <p:sp>
+        <p:nvSpPr>
+          <p:cNvPr id="3" name="Content Placeholder 2">
+            <a:extLst>
+              <a:ext uri="{FF2B5EF4-FFF2-40B4-BE49-F238E27FC236}">
+                <a16:creationId xmlns:a16="http://schemas.microsoft.com/office/drawing/2014/main" id="{0136693D-C789-4CAF-976A-C15D0EA6EB7A}"/>
+              </a:ext>
+            </a:extLst>
+          </p:cNvPr>
           <p:cNvSpPr>
             <a:spLocks noGrp="1"/>
           </p:cNvSpPr>
@@ -10111,66 +9840,244 @@
         <p:spPr>
           <a:xfrm>
             <a:off x="720003" y="1224000"/>
-            <a:ext cx="6623999" cy="3491999"/>
+            <a:ext cx="3744993" cy="3491999"/>
           </a:xfrm>
         </p:spPr>
         <p:txBody>
-          <a:bodyPr/>
-          <a:lstStyle/>
-          <a:p>
-            <a:endParaRPr lang="nl-NL" dirty="0"/>
-          </a:p>
-        </p:txBody>
-      </p:sp>
-      <p:sp>
-        <p:nvSpPr>
-          <p:cNvPr id="4" name="Footer Placeholder 3"/>
-          <p:cNvSpPr>
-            <a:spLocks noGrp="1"/>
-          </p:cNvSpPr>
-          <p:nvPr>
-            <p:ph type="ftr" sz="quarter" idx="11"/>
-          </p:nvPr>
-        </p:nvSpPr>
-        <p:spPr/>
-        <p:txBody>
-          <a:bodyPr/>
-          <a:lstStyle/>
-          <a:p>
-            <a:r>
-              <a:rPr lang="nl-NL" dirty="0"/>
-              <a:t>Titel van de presentatie</a:t>
-            </a:r>
-          </a:p>
-        </p:txBody>
-      </p:sp>
-      <p:sp>
-        <p:nvSpPr>
-          <p:cNvPr id="5" name="Slide Number Placeholder 4"/>
-          <p:cNvSpPr>
-            <a:spLocks noGrp="1"/>
-          </p:cNvSpPr>
-          <p:nvPr>
-            <p:ph type="sldNum" sz="quarter" idx="12"/>
-          </p:nvPr>
-        </p:nvSpPr>
-        <p:spPr/>
-        <p:txBody>
-          <a:bodyPr/>
-          <a:lstStyle/>
-          <a:p>
-            <a:fld id="{14F1411D-0280-154F-AEAC-4C20B7AA46B2}" type="slidenum">
-              <a:rPr lang="nl-NL" smtClean="0"/>
-              <a:t>2</a:t>
-            </a:fld>
-            <a:endParaRPr lang="nl-NL"/>
+          <a:bodyPr anchor="t">
+            <a:normAutofit/>
+          </a:bodyPr>
+          <a:lstStyle/>
+          <a:p>
+            <a:pPr>
+              <a:spcAft>
+                <a:spcPts val="600"/>
+              </a:spcAft>
+            </a:pPr>
+            <a:r>
+              <a:rPr lang="en-GB" dirty="0"/>
+              <a:t>Introduction</a:t>
+            </a:r>
+          </a:p>
+          <a:p>
+            <a:pPr>
+              <a:spcAft>
+                <a:spcPts val="600"/>
+              </a:spcAft>
+            </a:pPr>
+            <a:r>
+              <a:rPr lang="en-GB" dirty="0"/>
+              <a:t>Advantages and disadvantages</a:t>
+            </a:r>
+          </a:p>
+          <a:p>
+            <a:pPr>
+              <a:spcAft>
+                <a:spcPts val="600"/>
+              </a:spcAft>
+            </a:pPr>
+            <a:r>
+              <a:rPr lang="en-GB" dirty="0"/>
+              <a:t>…</a:t>
+            </a:r>
+          </a:p>
+          <a:p>
+            <a:pPr>
+              <a:spcAft>
+                <a:spcPts val="600"/>
+              </a:spcAft>
+            </a:pPr>
+            <a:r>
+              <a:rPr lang="en-GB" dirty="0"/>
+              <a:t>Indexing</a:t>
+            </a:r>
+          </a:p>
+          <a:p>
+            <a:pPr>
+              <a:spcAft>
+                <a:spcPts val="600"/>
+              </a:spcAft>
+            </a:pPr>
+            <a:r>
+              <a:rPr lang="en-GB" dirty="0"/>
+              <a:t>Queries </a:t>
+            </a:r>
+          </a:p>
+          <a:p>
+            <a:pPr>
+              <a:spcAft>
+                <a:spcPts val="600"/>
+              </a:spcAft>
+            </a:pPr>
+            <a:r>
+              <a:rPr lang="en-GB" dirty="0"/>
+              <a:t>Scoring</a:t>
+            </a:r>
+          </a:p>
+          <a:p>
+            <a:pPr>
+              <a:spcAft>
+                <a:spcPts val="600"/>
+              </a:spcAft>
+            </a:pPr>
+            <a:r>
+              <a:rPr lang="en-GB" dirty="0"/>
+              <a:t>Aggregations</a:t>
+            </a:r>
+          </a:p>
+          <a:p>
+            <a:pPr>
+              <a:spcAft>
+                <a:spcPts val="600"/>
+              </a:spcAft>
+            </a:pPr>
+            <a:endParaRPr lang="en-GB" dirty="0"/>
+          </a:p>
+          <a:p>
+            <a:pPr lvl="1">
+              <a:spcAft>
+                <a:spcPts val="600"/>
+              </a:spcAft>
+            </a:pPr>
+            <a:endParaRPr lang="en-GB" dirty="0"/>
+          </a:p>
+          <a:p>
+            <a:pPr lvl="1">
+              <a:spcAft>
+                <a:spcPts val="600"/>
+              </a:spcAft>
+            </a:pPr>
+            <a:endParaRPr lang="en-GB" dirty="0"/>
+          </a:p>
+        </p:txBody>
+      </p:sp>
+      <p:sp>
+        <p:nvSpPr>
+          <p:cNvPr id="10" name="Text Placeholder 5">
+            <a:extLst>
+              <a:ext uri="{FF2B5EF4-FFF2-40B4-BE49-F238E27FC236}">
+                <a16:creationId xmlns:a16="http://schemas.microsoft.com/office/drawing/2014/main" id="{0609F21B-5B6B-42F9-BBFB-B4C1AF307B06}"/>
+              </a:ext>
+            </a:extLst>
+          </p:cNvPr>
+          <p:cNvSpPr>
+            <a:spLocks noGrp="1"/>
+          </p:cNvSpPr>
+          <p:nvPr>
+            <p:ph type="body" idx="13"/>
+          </p:nvPr>
+        </p:nvSpPr>
+        <p:spPr>
+          <a:xfrm>
+            <a:off x="719998" y="936000"/>
+            <a:ext cx="3744995" cy="288000"/>
+          </a:xfrm>
+        </p:spPr>
+        <p:txBody>
+          <a:bodyPr/>
+          <a:lstStyle/>
+          <a:p>
+            <a:r>
+              <a:rPr lang="en-US" dirty="0"/>
+              <a:t>Presentation</a:t>
+            </a:r>
+          </a:p>
+        </p:txBody>
+      </p:sp>
+      <p:sp>
+        <p:nvSpPr>
+          <p:cNvPr id="12" name="Content Placeholder 6">
+            <a:extLst>
+              <a:ext uri="{FF2B5EF4-FFF2-40B4-BE49-F238E27FC236}">
+                <a16:creationId xmlns:a16="http://schemas.microsoft.com/office/drawing/2014/main" id="{53029453-9DA4-4FAB-9A72-E8C838B385A9}"/>
+              </a:ext>
+            </a:extLst>
+          </p:cNvPr>
+          <p:cNvSpPr>
+            <a:spLocks noGrp="1"/>
+          </p:cNvSpPr>
+          <p:nvPr>
+            <p:ph idx="14"/>
+          </p:nvPr>
+        </p:nvSpPr>
+        <p:spPr>
+          <a:xfrm>
+            <a:off x="4679007" y="1224000"/>
+            <a:ext cx="3744993" cy="3491999"/>
+          </a:xfrm>
+        </p:spPr>
+        <p:txBody>
+          <a:bodyPr/>
+          <a:lstStyle/>
+          <a:p>
+            <a:r>
+              <a:rPr lang="en-US" dirty="0"/>
+              <a:t>…</a:t>
+            </a:r>
+          </a:p>
+          <a:p>
+            <a:r>
+              <a:rPr lang="en-US" dirty="0"/>
+              <a:t>Queries and aggregations</a:t>
+            </a:r>
+          </a:p>
+          <a:p>
+            <a:r>
+              <a:rPr lang="en-US" dirty="0"/>
+              <a:t>Connecting Node.js to </a:t>
+            </a:r>
+            <a:r>
+              <a:rPr lang="en-US" dirty="0" err="1"/>
+              <a:t>elasticsearch</a:t>
+            </a:r>
+            <a:endParaRPr lang="en-US" dirty="0"/>
+          </a:p>
+        </p:txBody>
+      </p:sp>
+      <p:sp>
+        <p:nvSpPr>
+          <p:cNvPr id="14" name="Text Placeholder 7">
+            <a:extLst>
+              <a:ext uri="{FF2B5EF4-FFF2-40B4-BE49-F238E27FC236}">
+                <a16:creationId xmlns:a16="http://schemas.microsoft.com/office/drawing/2014/main" id="{4B3AF2F9-0043-46A1-BD25-070AB35BC95E}"/>
+              </a:ext>
+            </a:extLst>
+          </p:cNvPr>
+          <p:cNvSpPr>
+            <a:spLocks noGrp="1"/>
+          </p:cNvSpPr>
+          <p:nvPr>
+            <p:ph type="body" idx="15"/>
+          </p:nvPr>
+        </p:nvSpPr>
+        <p:spPr>
+          <a:xfrm>
+            <a:off x="4679004" y="936000"/>
+            <a:ext cx="3744995" cy="288000"/>
+          </a:xfrm>
+        </p:spPr>
+        <p:txBody>
+          <a:bodyPr/>
+          <a:lstStyle/>
+          <a:p>
+            <a:r>
+              <a:rPr lang="en-GB" dirty="0"/>
+              <a:t>Hands-on</a:t>
+            </a:r>
+            <a:endParaRPr lang="en-NL" dirty="0"/>
+          </a:p>
+          <a:p>
+            <a:endParaRPr lang="en-US" dirty="0"/>
+          </a:p>
+          <a:p>
+            <a:endParaRPr lang="en-US" dirty="0"/>
           </a:p>
         </p:txBody>
       </p:sp>
     </p:spTree>
     <p:extLst>
       <p:ext uri="{BB962C8B-B14F-4D97-AF65-F5344CB8AC3E}">
-        <p14:creationId xmlns:p14="http://schemas.microsoft.com/office/powerpoint/2010/main" val="865352661"/>
+        <p14:creationId xmlns:p14="http://schemas.microsoft.com/office/powerpoint/2010/main" val="4255129398"/>
       </p:ext>
     </p:extLst>
   </p:cSld>
@@ -10214,8 +10121,53 @@
           <a:p>
             <a:r>
               <a:rPr lang="nl-NL" dirty="0"/>
-              <a:t>Bulk operations</a:t>
-            </a:r>
+              <a:t>Indexing data</a:t>
+            </a:r>
+          </a:p>
+        </p:txBody>
+      </p:sp>
+      <p:sp>
+        <p:nvSpPr>
+          <p:cNvPr id="3" name="Content Placeholder 2"/>
+          <p:cNvSpPr>
+            <a:spLocks noGrp="1"/>
+          </p:cNvSpPr>
+          <p:nvPr>
+            <p:ph idx="1"/>
+          </p:nvPr>
+        </p:nvSpPr>
+        <p:spPr>
+          <a:xfrm>
+            <a:off x="720003" y="1224000"/>
+            <a:ext cx="6623999" cy="3491999"/>
+          </a:xfrm>
+        </p:spPr>
+        <p:txBody>
+          <a:bodyPr/>
+          <a:lstStyle/>
+          <a:p>
+            <a:r>
+              <a:rPr lang="nl-NL" dirty="0"/>
+              <a:t>Done using the REST API</a:t>
+            </a:r>
+          </a:p>
+          <a:p>
+            <a:r>
+              <a:rPr lang="nl-NL" dirty="0"/>
+              <a:t>Using POST or PUT</a:t>
+            </a:r>
+          </a:p>
+          <a:p>
+            <a:r>
+              <a:rPr lang="nl-NL" dirty="0"/>
+              <a:t>Automatic creation of index with default settings, including index mapping</a:t>
+            </a:r>
+          </a:p>
+          <a:p>
+            <a:endParaRPr lang="nl-NL" dirty="0"/>
+          </a:p>
+          <a:p>
+            <a:endParaRPr lang="nl-NL" dirty="0"/>
           </a:p>
         </p:txBody>
       </p:sp>
@@ -10236,7 +10188,7 @@
           <a:p>
             <a:r>
               <a:rPr lang="nl-NL"/>
-              <a:t>Titel van de presentatie</a:t>
+              <a:t>elasticsearch</a:t>
             </a:r>
           </a:p>
         </p:txBody>
@@ -10269,7 +10221,7 @@
           <p:cNvPr id="12" name="TextBox 11">
             <a:extLst>
               <a:ext uri="{FF2B5EF4-FFF2-40B4-BE49-F238E27FC236}">
-                <a16:creationId xmlns:a16="http://schemas.microsoft.com/office/drawing/2014/main" id="{67F8F9EB-BFA9-4148-8BD3-E19214834DC4}"/>
+                <a16:creationId xmlns:a16="http://schemas.microsoft.com/office/drawing/2014/main" id="{FA11F306-87C8-47ED-B7C1-9648CA3068B7}"/>
               </a:ext>
             </a:extLst>
           </p:cNvPr>
@@ -10278,8 +10230,8 @@
         </p:nvSpPr>
         <p:spPr>
           <a:xfrm>
-            <a:off x="847733" y="1997385"/>
-            <a:ext cx="5586318" cy="2154436"/>
+            <a:off x="1462875" y="2616683"/>
+            <a:ext cx="5027732" cy="1508105"/>
           </a:xfrm>
           <a:prstGeom prst="rect">
             <a:avLst/>
@@ -10293,89 +10245,120 @@
           <a:lstStyle/>
           <a:p>
             <a:r>
-              <a:rPr lang="nl-NL" sz="1400" dirty="0">
+              <a:rPr lang="en-US" sz="1400" dirty="0">
                 <a:latin typeface="Consolas" panose="020B0609020204030204" pitchFamily="49" charset="0"/>
                 <a:ea typeface="Tahoma" panose="020B0604030504040204" pitchFamily="34" charset="0"/>
                 <a:cs typeface="Tahoma" panose="020B0604030504040204" pitchFamily="34" charset="0"/>
               </a:rPr>
-              <a:t>{ "index" : { "_index" : "test", "_id" : "1" } }</a:t>
-            </a:r>
-          </a:p>
-          <a:p>
+              <a:t>PUT </a:t>
+            </a:r>
             <a:r>
               <a:rPr lang="nl-NL" sz="1400" dirty="0">
+                <a:latin typeface="Consolas" panose="020B0609020204030204" pitchFamily="49" charset="0"/>
+              </a:rPr>
+              <a:t>http://localhost:9200/recipes</a:t>
+            </a:r>
+            <a:r>
+              <a:rPr lang="en-US" sz="1400" dirty="0">
                 <a:latin typeface="Consolas" panose="020B0609020204030204" pitchFamily="49" charset="0"/>
                 <a:ea typeface="Tahoma" panose="020B0604030504040204" pitchFamily="34" charset="0"/>
                 <a:cs typeface="Tahoma" panose="020B0604030504040204" pitchFamily="34" charset="0"/>
               </a:rPr>
-              <a:t>{ "field1" : "value1" }</a:t>
-            </a:r>
-          </a:p>
-          <a:p>
-            <a:r>
-              <a:rPr lang="nl-NL" sz="1400" dirty="0">
+              <a:t>/_doc/1234</a:t>
+            </a:r>
+          </a:p>
+          <a:p>
+            <a:endParaRPr lang="en-US" sz="1400" dirty="0">
+              <a:latin typeface="Consolas" panose="020B0609020204030204" pitchFamily="49" charset="0"/>
+              <a:ea typeface="Tahoma" panose="020B0604030504040204" pitchFamily="34" charset="0"/>
+              <a:cs typeface="Tahoma" panose="020B0604030504040204" pitchFamily="34" charset="0"/>
+            </a:endParaRPr>
+          </a:p>
+          <a:p>
+            <a:r>
+              <a:rPr lang="en-US" sz="1400" dirty="0">
                 <a:latin typeface="Consolas" panose="020B0609020204030204" pitchFamily="49" charset="0"/>
                 <a:ea typeface="Tahoma" panose="020B0604030504040204" pitchFamily="34" charset="0"/>
                 <a:cs typeface="Tahoma" panose="020B0604030504040204" pitchFamily="34" charset="0"/>
               </a:rPr>
-              <a:t>{ "delete" : { "_index" : "test", "_id" : "2" } }</a:t>
-            </a:r>
-          </a:p>
-          <a:p>
+              <a:t>POST </a:t>
+            </a:r>
             <a:r>
               <a:rPr lang="nl-NL" sz="1400" dirty="0">
+                <a:latin typeface="Consolas" panose="020B0609020204030204" pitchFamily="49" charset="0"/>
+              </a:rPr>
+              <a:t>http://localhost:9200/recipes/</a:t>
+            </a:r>
+            <a:r>
+              <a:rPr lang="en-US" sz="1400" dirty="0">
                 <a:latin typeface="Consolas" panose="020B0609020204030204" pitchFamily="49" charset="0"/>
                 <a:ea typeface="Tahoma" panose="020B0604030504040204" pitchFamily="34" charset="0"/>
                 <a:cs typeface="Tahoma" panose="020B0604030504040204" pitchFamily="34" charset="0"/>
               </a:rPr>
-              <a:t>{ "create" : { "_index" : "test", "_id" : "3" } }</a:t>
-            </a:r>
-          </a:p>
-          <a:p>
-            <a:r>
-              <a:rPr lang="nl-NL" sz="1400" dirty="0">
+              <a:t>_doc/</a:t>
+            </a:r>
+          </a:p>
+          <a:p>
+            <a:endParaRPr lang="en-US" sz="1400" dirty="0">
+              <a:latin typeface="Consolas" panose="020B0609020204030204" pitchFamily="49" charset="0"/>
+              <a:ea typeface="Tahoma" panose="020B0604030504040204" pitchFamily="34" charset="0"/>
+              <a:cs typeface="Tahoma" panose="020B0604030504040204" pitchFamily="34" charset="0"/>
+            </a:endParaRPr>
+          </a:p>
+          <a:p>
+            <a:r>
+              <a:rPr lang="en-US" sz="1400" dirty="0">
                 <a:latin typeface="Consolas" panose="020B0609020204030204" pitchFamily="49" charset="0"/>
                 <a:ea typeface="Tahoma" panose="020B0604030504040204" pitchFamily="34" charset="0"/>
                 <a:cs typeface="Tahoma" panose="020B0604030504040204" pitchFamily="34" charset="0"/>
               </a:rPr>
-              <a:t>{ "field1" : "value3" }</a:t>
-            </a:r>
-          </a:p>
-          <a:p>
+              <a:t>PUT </a:t>
+            </a:r>
             <a:r>
               <a:rPr lang="nl-NL" sz="1400" dirty="0">
+                <a:latin typeface="Consolas" panose="020B0609020204030204" pitchFamily="49" charset="0"/>
+              </a:rPr>
+              <a:t>http://localhost:9200/recipes</a:t>
+            </a:r>
+            <a:r>
+              <a:rPr lang="en-US" sz="1400" dirty="0">
                 <a:latin typeface="Consolas" panose="020B0609020204030204" pitchFamily="49" charset="0"/>
                 <a:ea typeface="Tahoma" panose="020B0604030504040204" pitchFamily="34" charset="0"/>
                 <a:cs typeface="Tahoma" panose="020B0604030504040204" pitchFamily="34" charset="0"/>
               </a:rPr>
-              <a:t>{ "update" : {"_id" : "1", "_index" : "test"} }</a:t>
-            </a:r>
-          </a:p>
-          <a:p>
-            <a:r>
-              <a:rPr lang="nl-NL" sz="1400" dirty="0">
+              <a:t>/_create/1234</a:t>
+            </a:r>
+          </a:p>
+          <a:p>
+            <a:endParaRPr lang="en-US" sz="1400" dirty="0">
+              <a:latin typeface="Consolas" panose="020B0609020204030204" pitchFamily="49" charset="0"/>
+              <a:ea typeface="Tahoma" panose="020B0604030504040204" pitchFamily="34" charset="0"/>
+              <a:cs typeface="Tahoma" panose="020B0604030504040204" pitchFamily="34" charset="0"/>
+            </a:endParaRPr>
+          </a:p>
+          <a:p>
+            <a:r>
+              <a:rPr lang="en-US" sz="1400" dirty="0">
                 <a:latin typeface="Consolas" panose="020B0609020204030204" pitchFamily="49" charset="0"/>
                 <a:ea typeface="Tahoma" panose="020B0604030504040204" pitchFamily="34" charset="0"/>
                 <a:cs typeface="Tahoma" panose="020B0604030504040204" pitchFamily="34" charset="0"/>
               </a:rPr>
-              <a:t>{ "doc" : {"field2" : "value2"} }</a:t>
-            </a:r>
-          </a:p>
-          <a:p>
-            <a:endParaRPr lang="nl-NL" sz="1400" dirty="0">
-              <a:latin typeface="Consolas" panose="020B0609020204030204" pitchFamily="49" charset="0"/>
-              <a:ea typeface="Tahoma" panose="020B0604030504040204" pitchFamily="34" charset="0"/>
-              <a:cs typeface="Tahoma" panose="020B0604030504040204" pitchFamily="34" charset="0"/>
-            </a:endParaRPr>
-          </a:p>
-          <a:p>
-            <a:endParaRPr lang="en-NL" sz="1400" dirty="0">
-              <a:latin typeface="Consolas" panose="020B0609020204030204" pitchFamily="49" charset="0"/>
-              <a:ea typeface="Tahoma" panose="020B0604030504040204" pitchFamily="34" charset="0"/>
-              <a:cs typeface="Tahoma" panose="020B0604030504040204" pitchFamily="34" charset="0"/>
-            </a:endParaRPr>
-          </a:p>
-          <a:p>
+              <a:t>POST </a:t>
+            </a:r>
+            <a:r>
+              <a:rPr lang="nl-NL" sz="1400" dirty="0">
+                <a:latin typeface="Consolas" panose="020B0609020204030204" pitchFamily="49" charset="0"/>
+              </a:rPr>
+              <a:t>http://localhost:9200 /recipes</a:t>
+            </a:r>
+            <a:r>
+              <a:rPr lang="en-US" sz="1400" dirty="0">
+                <a:latin typeface="Consolas" panose="020B0609020204030204" pitchFamily="49" charset="0"/>
+                <a:ea typeface="Tahoma" panose="020B0604030504040204" pitchFamily="34" charset="0"/>
+                <a:cs typeface="Tahoma" panose="020B0604030504040204" pitchFamily="34" charset="0"/>
+              </a:rPr>
+              <a:t>/_create/1234</a:t>
+            </a:r>
             <a:endParaRPr lang="en-NL" sz="1400" dirty="0" err="1">
               <a:latin typeface="Consolas" panose="020B0609020204030204" pitchFamily="49" charset="0"/>
               <a:ea typeface="Tahoma" panose="020B0604030504040204" pitchFamily="34" charset="0"/>
@@ -10384,63 +10367,10 @@
           </a:p>
         </p:txBody>
       </p:sp>
-      <p:sp>
-        <p:nvSpPr>
-          <p:cNvPr id="7" name="TextBox 6">
-            <a:extLst>
-              <a:ext uri="{FF2B5EF4-FFF2-40B4-BE49-F238E27FC236}">
-                <a16:creationId xmlns:a16="http://schemas.microsoft.com/office/drawing/2014/main" id="{75E53D16-0AA1-4E2A-8D91-FEDB96E48304}"/>
-              </a:ext>
-            </a:extLst>
-          </p:cNvPr>
-          <p:cNvSpPr txBox="1"/>
-          <p:nvPr/>
-        </p:nvSpPr>
-        <p:spPr>
-          <a:xfrm>
-            <a:off x="749098" y="1249239"/>
-            <a:ext cx="7559997" cy="646331"/>
-          </a:xfrm>
-          <a:prstGeom prst="rect">
-            <a:avLst/>
-          </a:prstGeom>
-          <a:noFill/>
-        </p:spPr>
-        <p:txBody>
-          <a:bodyPr wrap="square" lIns="0" tIns="0" rIns="0" bIns="0" rtlCol="0">
-            <a:spAutoFit/>
-          </a:bodyPr>
-          <a:lstStyle/>
-          <a:p>
-            <a:r>
-              <a:rPr lang="nl-NL" sz="1400" dirty="0">
-                <a:latin typeface="Consolas" panose="020B0609020204030204" pitchFamily="49" charset="0"/>
-                <a:ea typeface="Tahoma" panose="020B0604030504040204" pitchFamily="34" charset="0"/>
-                <a:cs typeface="Tahoma" panose="020B0604030504040204" pitchFamily="34" charset="0"/>
-              </a:rPr>
-              <a:t>GET http://localhost:9200/recipes/_bulk</a:t>
-            </a:r>
-          </a:p>
-          <a:p>
-            <a:endParaRPr lang="en-NL" sz="1400" dirty="0">
-              <a:latin typeface="Consolas" panose="020B0609020204030204" pitchFamily="49" charset="0"/>
-              <a:ea typeface="Tahoma" panose="020B0604030504040204" pitchFamily="34" charset="0"/>
-              <a:cs typeface="Tahoma" panose="020B0604030504040204" pitchFamily="34" charset="0"/>
-            </a:endParaRPr>
-          </a:p>
-          <a:p>
-            <a:endParaRPr lang="en-NL" sz="1400" dirty="0" err="1">
-              <a:latin typeface="Consolas" panose="020B0609020204030204" pitchFamily="49" charset="0"/>
-              <a:ea typeface="Tahoma" panose="020B0604030504040204" pitchFamily="34" charset="0"/>
-              <a:cs typeface="Tahoma" panose="020B0604030504040204" pitchFamily="34" charset="0"/>
-            </a:endParaRPr>
-          </a:p>
-        </p:txBody>
-      </p:sp>
     </p:spTree>
     <p:extLst>
       <p:ext uri="{BB962C8B-B14F-4D97-AF65-F5344CB8AC3E}">
-        <p14:creationId xmlns:p14="http://schemas.microsoft.com/office/powerpoint/2010/main" val="2563402049"/>
+        <p14:creationId xmlns:p14="http://schemas.microsoft.com/office/powerpoint/2010/main" val="2304971537"/>
       </p:ext>
     </p:extLst>
   </p:cSld>
@@ -10469,13 +10399,7 @@
       </p:grpSpPr>
       <p:sp>
         <p:nvSpPr>
-          <p:cNvPr id="2" name="Title 1">
-            <a:extLst>
-              <a:ext uri="{FF2B5EF4-FFF2-40B4-BE49-F238E27FC236}">
-                <a16:creationId xmlns:a16="http://schemas.microsoft.com/office/drawing/2014/main" id="{B2539C2F-9CB2-4004-9813-5486C4C02F36}"/>
-              </a:ext>
-            </a:extLst>
-          </p:cNvPr>
+          <p:cNvPr id="2" name="Title 1"/>
           <p:cNvSpPr>
             <a:spLocks noGrp="1"/>
           </p:cNvSpPr>
@@ -10488,19 +10412,16 @@
           <a:bodyPr/>
           <a:lstStyle/>
           <a:p>
-            <a:endParaRPr lang="en-NL"/>
-          </a:p>
-        </p:txBody>
-      </p:sp>
-      <p:sp>
-        <p:nvSpPr>
-          <p:cNvPr id="3" name="Content Placeholder 2">
-            <a:extLst>
-              <a:ext uri="{FF2B5EF4-FFF2-40B4-BE49-F238E27FC236}">
-                <a16:creationId xmlns:a16="http://schemas.microsoft.com/office/drawing/2014/main" id="{11B07F90-0113-4617-9F24-C3492B350E28}"/>
-              </a:ext>
-            </a:extLst>
-          </p:cNvPr>
+            <a:r>
+              <a:rPr lang="nl-NL" dirty="0"/>
+              <a:t>Manual Index Creation</a:t>
+            </a:r>
+          </a:p>
+        </p:txBody>
+      </p:sp>
+      <p:sp>
+        <p:nvSpPr>
+          <p:cNvPr id="3" name="Content Placeholder 2"/>
           <p:cNvSpPr>
             <a:spLocks noGrp="1"/>
           </p:cNvSpPr>
@@ -10508,24 +10429,56 @@
             <p:ph idx="1"/>
           </p:nvPr>
         </p:nvSpPr>
-        <p:spPr/>
-        <p:txBody>
-          <a:bodyPr/>
-          <a:lstStyle/>
-          <a:p>
-            <a:endParaRPr lang="en-NL"/>
-          </a:p>
-        </p:txBody>
-      </p:sp>
-      <p:sp>
-        <p:nvSpPr>
-          <p:cNvPr id="4" name="Footer Placeholder 3">
-            <a:extLst>
-              <a:ext uri="{FF2B5EF4-FFF2-40B4-BE49-F238E27FC236}">
-                <a16:creationId xmlns:a16="http://schemas.microsoft.com/office/drawing/2014/main" id="{4736938F-5FBA-4DCB-ACCB-4E628EC01805}"/>
-              </a:ext>
-            </a:extLst>
-          </p:cNvPr>
+        <p:spPr>
+          <a:xfrm>
+            <a:off x="720004" y="1224000"/>
+            <a:ext cx="3062288" cy="3491999"/>
+          </a:xfrm>
+        </p:spPr>
+        <p:txBody>
+          <a:bodyPr/>
+          <a:lstStyle/>
+          <a:p>
+            <a:r>
+              <a:rPr lang="nl-NL" dirty="0"/>
+              <a:t>Allows to define </a:t>
+            </a:r>
+          </a:p>
+          <a:p>
+            <a:pPr lvl="1"/>
+            <a:r>
+              <a:rPr lang="nl-NL" dirty="0"/>
+              <a:t>Index mapping</a:t>
+            </a:r>
+          </a:p>
+          <a:p>
+            <a:pPr lvl="1"/>
+            <a:r>
+              <a:rPr lang="nl-NL" dirty="0"/>
+              <a:t>Index settings</a:t>
+            </a:r>
+          </a:p>
+          <a:p>
+            <a:pPr lvl="1"/>
+            <a:r>
+              <a:rPr lang="nl-NL" dirty="0"/>
+              <a:t>Aliases</a:t>
+            </a:r>
+          </a:p>
+          <a:p>
+            <a:endParaRPr lang="nl-NL" dirty="0"/>
+          </a:p>
+          <a:p>
+            <a:r>
+              <a:rPr lang="nl-NL" dirty="0"/>
+              <a:t>Some index settings can be changed on runtime (like number of replicas)</a:t>
+            </a:r>
+          </a:p>
+        </p:txBody>
+      </p:sp>
+      <p:sp>
+        <p:nvSpPr>
+          <p:cNvPr id="4" name="Footer Placeholder 3"/>
           <p:cNvSpPr>
             <a:spLocks noGrp="1"/>
           </p:cNvSpPr>
@@ -10547,13 +10500,7 @@
       </p:sp>
       <p:sp>
         <p:nvSpPr>
-          <p:cNvPr id="5" name="Slide Number Placeholder 4">
-            <a:extLst>
-              <a:ext uri="{FF2B5EF4-FFF2-40B4-BE49-F238E27FC236}">
-                <a16:creationId xmlns:a16="http://schemas.microsoft.com/office/drawing/2014/main" id="{8AEF4120-5669-4186-A953-A5327753EF64}"/>
-              </a:ext>
-            </a:extLst>
-          </p:cNvPr>
+          <p:cNvPr id="5" name="Slide Number Placeholder 4"/>
           <p:cNvSpPr>
             <a:spLocks noGrp="1"/>
           </p:cNvSpPr>
@@ -10576,33 +10523,213 @@
       </p:sp>
       <p:sp>
         <p:nvSpPr>
-          <p:cNvPr id="6" name="Text Placeholder 5">
+          <p:cNvPr id="8" name="Rectangle 7">
             <a:extLst>
               <a:ext uri="{FF2B5EF4-FFF2-40B4-BE49-F238E27FC236}">
-                <a16:creationId xmlns:a16="http://schemas.microsoft.com/office/drawing/2014/main" id="{F07795BB-2B65-43B2-98DF-602273C53532}"/>
+                <a16:creationId xmlns:a16="http://schemas.microsoft.com/office/drawing/2014/main" id="{032B98FD-CE17-4807-897E-58FDA1CD6BC1}"/>
               </a:ext>
             </a:extLst>
           </p:cNvPr>
-          <p:cNvSpPr>
-            <a:spLocks noGrp="1"/>
-          </p:cNvSpPr>
-          <p:nvPr>
-            <p:ph type="body" idx="13"/>
-          </p:nvPr>
-        </p:nvSpPr>
-        <p:spPr/>
-        <p:txBody>
-          <a:bodyPr/>
-          <a:lstStyle/>
-          <a:p>
-            <a:endParaRPr lang="en-NL"/>
+          <p:cNvSpPr/>
+          <p:nvPr/>
+        </p:nvSpPr>
+        <p:spPr>
+          <a:xfrm>
+            <a:off x="4256116" y="1115694"/>
+            <a:ext cx="4572000" cy="3416320"/>
+          </a:xfrm>
+          <a:prstGeom prst="rect">
+            <a:avLst/>
+          </a:prstGeom>
+        </p:spPr>
+        <p:txBody>
+          <a:bodyPr>
+            <a:spAutoFit/>
+          </a:bodyPr>
+          <a:lstStyle/>
+          <a:p>
+            <a:r>
+              <a:rPr lang="nl-NL" sz="1200" dirty="0">
+                <a:latin typeface="Consolas" panose="020B0609020204030204" pitchFamily="49" charset="0"/>
+              </a:rPr>
+              <a:t>PUT http://localhost:9200/newindex</a:t>
+            </a:r>
+          </a:p>
+          <a:p>
+            <a:endParaRPr lang="nl-NL" sz="1200" dirty="0">
+              <a:latin typeface="Consolas" panose="020B0609020204030204" pitchFamily="49" charset="0"/>
+            </a:endParaRPr>
+          </a:p>
+          <a:p>
+            <a:r>
+              <a:rPr lang="en-US" sz="1200" dirty="0">
+                <a:latin typeface="Consolas" panose="020B0609020204030204" pitchFamily="49" charset="0"/>
+              </a:rPr>
+              <a:t>{</a:t>
+            </a:r>
+          </a:p>
+          <a:p>
+            <a:r>
+              <a:rPr lang="en-US" sz="1200" dirty="0">
+                <a:latin typeface="Consolas" panose="020B0609020204030204" pitchFamily="49" charset="0"/>
+              </a:rPr>
+              <a:t>  "settings" : {</a:t>
+            </a:r>
+          </a:p>
+          <a:p>
+            <a:r>
+              <a:rPr lang="en-US" sz="1200" dirty="0">
+                <a:latin typeface="Consolas" panose="020B0609020204030204" pitchFamily="49" charset="0"/>
+              </a:rPr>
+              <a:t>    "</a:t>
+            </a:r>
+            <a:r>
+              <a:rPr lang="en-US" sz="1200" dirty="0" err="1">
+                <a:latin typeface="Consolas" panose="020B0609020204030204" pitchFamily="49" charset="0"/>
+              </a:rPr>
+              <a:t>number_of_shards</a:t>
+            </a:r>
+            <a:r>
+              <a:rPr lang="en-US" sz="1200" dirty="0">
+                <a:latin typeface="Consolas" panose="020B0609020204030204" pitchFamily="49" charset="0"/>
+              </a:rPr>
+              <a:t>" : 3, </a:t>
+            </a:r>
+          </a:p>
+          <a:p>
+            <a:r>
+              <a:rPr lang="en-US" sz="1200" dirty="0">
+                <a:latin typeface="Consolas" panose="020B0609020204030204" pitchFamily="49" charset="0"/>
+              </a:rPr>
+              <a:t>    "</a:t>
+            </a:r>
+            <a:r>
+              <a:rPr lang="en-US" sz="1200" dirty="0" err="1">
+                <a:latin typeface="Consolas" panose="020B0609020204030204" pitchFamily="49" charset="0"/>
+              </a:rPr>
+              <a:t>number_of_replicas</a:t>
+            </a:r>
+            <a:r>
+              <a:rPr lang="en-US" sz="1200" dirty="0">
+                <a:latin typeface="Consolas" panose="020B0609020204030204" pitchFamily="49" charset="0"/>
+              </a:rPr>
+              <a:t>" : 1 </a:t>
+            </a:r>
+          </a:p>
+          <a:p>
+            <a:r>
+              <a:rPr lang="en-US" sz="1200" dirty="0">
+                <a:latin typeface="Consolas" panose="020B0609020204030204" pitchFamily="49" charset="0"/>
+              </a:rPr>
+              <a:t>  },</a:t>
+            </a:r>
+          </a:p>
+          <a:p>
+            <a:r>
+              <a:rPr lang="en-US" sz="1200" dirty="0">
+                <a:latin typeface="Consolas" panose="020B0609020204030204" pitchFamily="49" charset="0"/>
+              </a:rPr>
+              <a:t>  "aliases": {</a:t>
+            </a:r>
+          </a:p>
+          <a:p>
+            <a:r>
+              <a:rPr lang="en-US" sz="1200" dirty="0">
+                <a:latin typeface="Consolas" panose="020B0609020204030204" pitchFamily="49" charset="0"/>
+              </a:rPr>
+              <a:t>  	"</a:t>
+            </a:r>
+            <a:r>
+              <a:rPr lang="en-US" sz="1200" dirty="0" err="1">
+                <a:latin typeface="Consolas" panose="020B0609020204030204" pitchFamily="49" charset="0"/>
+              </a:rPr>
+              <a:t>myfirstindex</a:t>
+            </a:r>
+            <a:r>
+              <a:rPr lang="en-US" sz="1200" dirty="0">
+                <a:latin typeface="Consolas" panose="020B0609020204030204" pitchFamily="49" charset="0"/>
+              </a:rPr>
+              <a:t>" : {}</a:t>
+            </a:r>
+          </a:p>
+          <a:p>
+            <a:r>
+              <a:rPr lang="en-US" sz="1200" dirty="0">
+                <a:latin typeface="Consolas" panose="020B0609020204030204" pitchFamily="49" charset="0"/>
+              </a:rPr>
+              <a:t>  },</a:t>
+            </a:r>
+          </a:p>
+          <a:p>
+            <a:r>
+              <a:rPr lang="en-US" sz="1200" dirty="0">
+                <a:latin typeface="Consolas" panose="020B0609020204030204" pitchFamily="49" charset="0"/>
+              </a:rPr>
+              <a:t>  "mappings": {</a:t>
+            </a:r>
+          </a:p>
+          <a:p>
+            <a:r>
+              <a:rPr lang="en-US" sz="1200" dirty="0">
+                <a:latin typeface="Consolas" panose="020B0609020204030204" pitchFamily="49" charset="0"/>
+              </a:rPr>
+              <a:t>    "properties": {</a:t>
+            </a:r>
+          </a:p>
+          <a:p>
+            <a:r>
+              <a:rPr lang="en-US" sz="1200" dirty="0">
+                <a:latin typeface="Consolas" panose="020B0609020204030204" pitchFamily="49" charset="0"/>
+              </a:rPr>
+              <a:t>      "age":    { "type": "integer" },</a:t>
+            </a:r>
+          </a:p>
+          <a:p>
+            <a:r>
+              <a:rPr lang="en-US" sz="1200" dirty="0">
+                <a:latin typeface="Consolas" panose="020B0609020204030204" pitchFamily="49" charset="0"/>
+              </a:rPr>
+              <a:t>      "email":  { "type": "keyword"  },</a:t>
+            </a:r>
+          </a:p>
+          <a:p>
+            <a:r>
+              <a:rPr lang="en-US" sz="1200" dirty="0">
+                <a:latin typeface="Consolas" panose="020B0609020204030204" pitchFamily="49" charset="0"/>
+              </a:rPr>
+              <a:t>      "name":   { "type": "text"  }</a:t>
+            </a:r>
+          </a:p>
+          <a:p>
+            <a:r>
+              <a:rPr lang="en-US" sz="1200" dirty="0">
+                <a:latin typeface="Consolas" panose="020B0609020204030204" pitchFamily="49" charset="0"/>
+              </a:rPr>
+              <a:t>    }</a:t>
+            </a:r>
+          </a:p>
+          <a:p>
+            <a:r>
+              <a:rPr lang="en-US" sz="1200" dirty="0">
+                <a:latin typeface="Consolas" panose="020B0609020204030204" pitchFamily="49" charset="0"/>
+              </a:rPr>
+              <a:t>  }</a:t>
+            </a:r>
+          </a:p>
+          <a:p>
+            <a:r>
+              <a:rPr lang="en-US" sz="1200" dirty="0">
+                <a:latin typeface="Consolas" panose="020B0609020204030204" pitchFamily="49" charset="0"/>
+              </a:rPr>
+              <a:t>}</a:t>
+            </a:r>
           </a:p>
         </p:txBody>
       </p:sp>
     </p:spTree>
     <p:extLst>
       <p:ext uri="{BB962C8B-B14F-4D97-AF65-F5344CB8AC3E}">
-        <p14:creationId xmlns:p14="http://schemas.microsoft.com/office/powerpoint/2010/main" val="688021817"/>
+        <p14:creationId xmlns:p14="http://schemas.microsoft.com/office/powerpoint/2010/main" val="3228397262"/>
       </p:ext>
     </p:extLst>
   </p:cSld>
@@ -10631,7 +10758,7 @@
       </p:grpSpPr>
       <p:sp>
         <p:nvSpPr>
-          <p:cNvPr id="6" name="Title 5"/>
+          <p:cNvPr id="2" name="Title 1"/>
           <p:cNvSpPr>
             <a:spLocks noGrp="1"/>
           </p:cNvSpPr>
@@ -10646,14 +10773,14 @@
           <a:p>
             <a:r>
               <a:rPr lang="nl-NL" dirty="0"/>
-              <a:t>Queries </a:t>
-            </a:r>
-          </a:p>
-        </p:txBody>
-      </p:sp>
-      <p:sp>
-        <p:nvSpPr>
-          <p:cNvPr id="7" name="Content Placeholder 6"/>
+              <a:t>REST API’s</a:t>
+            </a:r>
+          </a:p>
+        </p:txBody>
+      </p:sp>
+      <p:sp>
+        <p:nvSpPr>
+          <p:cNvPr id="3" name="Content Placeholder 2"/>
           <p:cNvSpPr>
             <a:spLocks noGrp="1"/>
           </p:cNvSpPr>
@@ -10661,78 +10788,19 @@
             <p:ph idx="1"/>
           </p:nvPr>
         </p:nvSpPr>
-        <p:spPr/>
+        <p:spPr>
+          <a:xfrm>
+            <a:off x="720003" y="1224000"/>
+            <a:ext cx="6088121" cy="504001"/>
+          </a:xfrm>
+        </p:spPr>
         <p:txBody>
           <a:bodyPr/>
           <a:lstStyle/>
           <a:p>
             <a:r>
               <a:rPr lang="nl-NL" dirty="0"/>
-              <a:t>URL-based or JSON-based requests on the _search REST endpoint</a:t>
-            </a:r>
-          </a:p>
-          <a:p>
-            <a:r>
-              <a:rPr lang="nl-NL" dirty="0"/>
-              <a:t>Search whole cluster or specify index (or type) in the URL</a:t>
-            </a:r>
-          </a:p>
-          <a:p>
-            <a:endParaRPr lang="nl-NL" dirty="0"/>
-          </a:p>
-          <a:p>
-            <a:r>
-              <a:rPr lang="nl-NL" dirty="0"/>
-              <a:t>Common components of request:</a:t>
-            </a:r>
-          </a:p>
-          <a:p>
-            <a:pPr lvl="1"/>
-            <a:r>
-              <a:rPr lang="nl-NL" sz="1400" dirty="0"/>
-              <a:t>query 	- default all</a:t>
-            </a:r>
-          </a:p>
-          <a:p>
-            <a:pPr lvl="1"/>
-            <a:r>
-              <a:rPr lang="nl-NL" sz="1400" dirty="0"/>
-              <a:t>size 	- default 10 </a:t>
-            </a:r>
-          </a:p>
-          <a:p>
-            <a:pPr lvl="1"/>
-            <a:r>
-              <a:rPr lang="nl-NL" sz="1400" dirty="0"/>
-              <a:t>from 	- default 0</a:t>
-            </a:r>
-          </a:p>
-          <a:p>
-            <a:pPr lvl="1"/>
-            <a:r>
-              <a:rPr lang="nl-NL" sz="1400" dirty="0"/>
-              <a:t>_source 	- default all</a:t>
-            </a:r>
-          </a:p>
-          <a:p>
-            <a:pPr lvl="2"/>
-            <a:r>
-              <a:rPr lang="nl-NL" sz="1400" dirty="0"/>
-              <a:t>Specify which fields of the document to return</a:t>
-            </a:r>
-          </a:p>
-          <a:p>
-            <a:pPr lvl="1"/>
-            <a:r>
-              <a:rPr lang="nl-NL" sz="1400" dirty="0"/>
-              <a:t>sort 	- default on score</a:t>
-            </a:r>
-          </a:p>
-          <a:p>
-            <a:pPr lvl="2"/>
-            <a:r>
-              <a:rPr lang="nl-NL" sz="1400" dirty="0"/>
-              <a:t>No score is calculated when score is not included in the sort</a:t>
+              <a:t>Operations are performed on a single document</a:t>
             </a:r>
           </a:p>
         </p:txBody>
@@ -10753,7 +10821,7 @@
           <a:lstStyle/>
           <a:p>
             <a:r>
-              <a:rPr lang="nl-NL" dirty="0"/>
+              <a:rPr lang="nl-NL"/>
               <a:t>elasticsearch</a:t>
             </a:r>
           </a:p>
@@ -10782,10 +10850,148 @@
           </a:p>
         </p:txBody>
       </p:sp>
+      <p:sp>
+        <p:nvSpPr>
+          <p:cNvPr id="12" name="TextBox 11">
+            <a:extLst>
+              <a:ext uri="{FF2B5EF4-FFF2-40B4-BE49-F238E27FC236}">
+                <a16:creationId xmlns:a16="http://schemas.microsoft.com/office/drawing/2014/main" id="{67F8F9EB-BFA9-4148-8BD3-E19214834DC4}"/>
+              </a:ext>
+            </a:extLst>
+          </p:cNvPr>
+          <p:cNvSpPr txBox="1"/>
+          <p:nvPr/>
+        </p:nvSpPr>
+        <p:spPr>
+          <a:xfrm>
+            <a:off x="720003" y="1980759"/>
+            <a:ext cx="7559997" cy="2369880"/>
+          </a:xfrm>
+          <a:prstGeom prst="rect">
+            <a:avLst/>
+          </a:prstGeom>
+          <a:noFill/>
+        </p:spPr>
+        <p:txBody>
+          <a:bodyPr wrap="square" lIns="0" tIns="0" rIns="0" bIns="0" rtlCol="0">
+            <a:spAutoFit/>
+          </a:bodyPr>
+          <a:lstStyle/>
+          <a:p>
+            <a:r>
+              <a:rPr lang="nl-NL" sz="1400" dirty="0">
+                <a:latin typeface="Consolas" panose="020B0609020204030204" pitchFamily="49" charset="0"/>
+                <a:ea typeface="Tahoma" panose="020B0604030504040204" pitchFamily="34" charset="0"/>
+                <a:cs typeface="Tahoma" panose="020B0604030504040204" pitchFamily="34" charset="0"/>
+              </a:rPr>
+              <a:t>GET http://localhost:9200/recipes/_doc/213</a:t>
+            </a:r>
+          </a:p>
+          <a:p>
+            <a:endParaRPr lang="nl-NL" sz="1400" dirty="0">
+              <a:latin typeface="Consolas" panose="020B0609020204030204" pitchFamily="49" charset="0"/>
+              <a:ea typeface="Tahoma" panose="020B0604030504040204" pitchFamily="34" charset="0"/>
+              <a:cs typeface="Tahoma" panose="020B0604030504040204" pitchFamily="34" charset="0"/>
+            </a:endParaRPr>
+          </a:p>
+          <a:p>
+            <a:r>
+              <a:rPr lang="nl-NL" sz="1400" dirty="0">
+                <a:latin typeface="Consolas" panose="020B0609020204030204" pitchFamily="49" charset="0"/>
+                <a:ea typeface="Tahoma" panose="020B0604030504040204" pitchFamily="34" charset="0"/>
+                <a:cs typeface="Tahoma" panose="020B0604030504040204" pitchFamily="34" charset="0"/>
+              </a:rPr>
+              <a:t>GET http://localhost:9200/recipes/_doc/213?_source_includes=</a:t>
+            </a:r>
+            <a:r>
+              <a:rPr lang="en-US" dirty="0"/>
+              <a:t>name</a:t>
+            </a:r>
+            <a:endParaRPr lang="nl-NL" sz="1400" dirty="0">
+              <a:latin typeface="Consolas" panose="020B0609020204030204" pitchFamily="49" charset="0"/>
+              <a:ea typeface="Tahoma" panose="020B0604030504040204" pitchFamily="34" charset="0"/>
+              <a:cs typeface="Tahoma" panose="020B0604030504040204" pitchFamily="34" charset="0"/>
+            </a:endParaRPr>
+          </a:p>
+          <a:p>
+            <a:endParaRPr lang="nl-NL" sz="1400" dirty="0">
+              <a:latin typeface="Consolas" panose="020B0609020204030204" pitchFamily="49" charset="0"/>
+              <a:ea typeface="Tahoma" panose="020B0604030504040204" pitchFamily="34" charset="0"/>
+              <a:cs typeface="Tahoma" panose="020B0604030504040204" pitchFamily="34" charset="0"/>
+            </a:endParaRPr>
+          </a:p>
+          <a:p>
+            <a:r>
+              <a:rPr lang="nl-NL" sz="1400" dirty="0">
+                <a:latin typeface="Consolas" panose="020B0609020204030204" pitchFamily="49" charset="0"/>
+                <a:ea typeface="Tahoma" panose="020B0604030504040204" pitchFamily="34" charset="0"/>
+                <a:cs typeface="Tahoma" panose="020B0604030504040204" pitchFamily="34" charset="0"/>
+              </a:rPr>
+              <a:t>HEAD http://localhost:9200/recipes/_doc/213</a:t>
+            </a:r>
+          </a:p>
+          <a:p>
+            <a:endParaRPr lang="en-US" sz="1400" dirty="0">
+              <a:latin typeface="Consolas" panose="020B0609020204030204" pitchFamily="49" charset="0"/>
+              <a:ea typeface="Tahoma" panose="020B0604030504040204" pitchFamily="34" charset="0"/>
+              <a:cs typeface="Tahoma" panose="020B0604030504040204" pitchFamily="34" charset="0"/>
+            </a:endParaRPr>
+          </a:p>
+          <a:p>
+            <a:r>
+              <a:rPr lang="en-US" sz="1400" dirty="0">
+                <a:latin typeface="Consolas" panose="020B0609020204030204" pitchFamily="49" charset="0"/>
+                <a:ea typeface="Tahoma" panose="020B0604030504040204" pitchFamily="34" charset="0"/>
+                <a:cs typeface="Tahoma" panose="020B0604030504040204" pitchFamily="34" charset="0"/>
+              </a:rPr>
+              <a:t>POST </a:t>
+            </a:r>
+            <a:r>
+              <a:rPr lang="nl-NL" sz="1400" dirty="0">
+                <a:latin typeface="Consolas" panose="020B0609020204030204" pitchFamily="49" charset="0"/>
+                <a:ea typeface="Tahoma" panose="020B0604030504040204" pitchFamily="34" charset="0"/>
+                <a:cs typeface="Tahoma" panose="020B0604030504040204" pitchFamily="34" charset="0"/>
+              </a:rPr>
+              <a:t>http://localhost:9200/recipes/_update/213</a:t>
+            </a:r>
+          </a:p>
+          <a:p>
+            <a:endParaRPr lang="en-US" sz="1400" dirty="0">
+              <a:latin typeface="Consolas" panose="020B0609020204030204" pitchFamily="49" charset="0"/>
+              <a:ea typeface="Tahoma" panose="020B0604030504040204" pitchFamily="34" charset="0"/>
+              <a:cs typeface="Tahoma" panose="020B0604030504040204" pitchFamily="34" charset="0"/>
+            </a:endParaRPr>
+          </a:p>
+          <a:p>
+            <a:r>
+              <a:rPr lang="nl-NL" sz="1400" dirty="0">
+                <a:latin typeface="Consolas" panose="020B0609020204030204" pitchFamily="49" charset="0"/>
+                <a:ea typeface="Tahoma" panose="020B0604030504040204" pitchFamily="34" charset="0"/>
+                <a:cs typeface="Tahoma" panose="020B0604030504040204" pitchFamily="34" charset="0"/>
+              </a:rPr>
+              <a:t>DELETE http://localhost:9200/recipes/_doc/213</a:t>
+            </a:r>
+          </a:p>
+          <a:p>
+            <a:endParaRPr lang="en-NL" sz="1400" dirty="0">
+              <a:latin typeface="Consolas" panose="020B0609020204030204" pitchFamily="49" charset="0"/>
+              <a:ea typeface="Tahoma" panose="020B0604030504040204" pitchFamily="34" charset="0"/>
+              <a:cs typeface="Tahoma" panose="020B0604030504040204" pitchFamily="34" charset="0"/>
+            </a:endParaRPr>
+          </a:p>
+          <a:p>
+            <a:endParaRPr lang="en-NL" sz="1400" dirty="0" err="1">
+              <a:latin typeface="Consolas" panose="020B0609020204030204" pitchFamily="49" charset="0"/>
+              <a:ea typeface="Tahoma" panose="020B0604030504040204" pitchFamily="34" charset="0"/>
+              <a:cs typeface="Tahoma" panose="020B0604030504040204" pitchFamily="34" charset="0"/>
+            </a:endParaRPr>
+          </a:p>
+        </p:txBody>
+      </p:sp>
     </p:spTree>
     <p:extLst>
       <p:ext uri="{BB962C8B-B14F-4D97-AF65-F5344CB8AC3E}">
-        <p14:creationId xmlns:p14="http://schemas.microsoft.com/office/powerpoint/2010/main" val="683142817"/>
+        <p14:creationId xmlns:p14="http://schemas.microsoft.com/office/powerpoint/2010/main" val="2384198298"/>
       </p:ext>
     </p:extLst>
   </p:cSld>
@@ -10814,6 +11020,621 @@
       </p:grpSpPr>
       <p:sp>
         <p:nvSpPr>
+          <p:cNvPr id="2" name="Title 1"/>
+          <p:cNvSpPr>
+            <a:spLocks noGrp="1"/>
+          </p:cNvSpPr>
+          <p:nvPr>
+            <p:ph type="title"/>
+          </p:nvPr>
+        </p:nvSpPr>
+        <p:spPr/>
+        <p:txBody>
+          <a:bodyPr/>
+          <a:lstStyle/>
+          <a:p>
+            <a:r>
+              <a:rPr lang="nl-NL" dirty="0"/>
+              <a:t>Bulk operations</a:t>
+            </a:r>
+          </a:p>
+        </p:txBody>
+      </p:sp>
+      <p:sp>
+        <p:nvSpPr>
+          <p:cNvPr id="4" name="Footer Placeholder 3"/>
+          <p:cNvSpPr>
+            <a:spLocks noGrp="1"/>
+          </p:cNvSpPr>
+          <p:nvPr>
+            <p:ph type="ftr" sz="quarter" idx="11"/>
+          </p:nvPr>
+        </p:nvSpPr>
+        <p:spPr/>
+        <p:txBody>
+          <a:bodyPr/>
+          <a:lstStyle/>
+          <a:p>
+            <a:r>
+              <a:rPr lang="nl-NL"/>
+              <a:t>elasticsearch</a:t>
+            </a:r>
+          </a:p>
+        </p:txBody>
+      </p:sp>
+      <p:sp>
+        <p:nvSpPr>
+          <p:cNvPr id="5" name="Slide Number Placeholder 4"/>
+          <p:cNvSpPr>
+            <a:spLocks noGrp="1"/>
+          </p:cNvSpPr>
+          <p:nvPr>
+            <p:ph type="sldNum" sz="quarter" idx="12"/>
+          </p:nvPr>
+        </p:nvSpPr>
+        <p:spPr/>
+        <p:txBody>
+          <a:bodyPr/>
+          <a:lstStyle/>
+          <a:p>
+            <a:fld id="{14F1411D-0280-154F-AEAC-4C20B7AA46B2}" type="slidenum">
+              <a:rPr lang="nl-NL" smtClean="0"/>
+              <a:t>23</a:t>
+            </a:fld>
+            <a:endParaRPr lang="nl-NL"/>
+          </a:p>
+        </p:txBody>
+      </p:sp>
+      <p:sp>
+        <p:nvSpPr>
+          <p:cNvPr id="12" name="TextBox 11">
+            <a:extLst>
+              <a:ext uri="{FF2B5EF4-FFF2-40B4-BE49-F238E27FC236}">
+                <a16:creationId xmlns:a16="http://schemas.microsoft.com/office/drawing/2014/main" id="{67F8F9EB-BFA9-4148-8BD3-E19214834DC4}"/>
+              </a:ext>
+            </a:extLst>
+          </p:cNvPr>
+          <p:cNvSpPr txBox="1"/>
+          <p:nvPr/>
+        </p:nvSpPr>
+        <p:spPr>
+          <a:xfrm>
+            <a:off x="847733" y="1997385"/>
+            <a:ext cx="5586318" cy="2154436"/>
+          </a:xfrm>
+          <a:prstGeom prst="rect">
+            <a:avLst/>
+          </a:prstGeom>
+          <a:noFill/>
+        </p:spPr>
+        <p:txBody>
+          <a:bodyPr wrap="square" lIns="0" tIns="0" rIns="0" bIns="0" rtlCol="0">
+            <a:spAutoFit/>
+          </a:bodyPr>
+          <a:lstStyle/>
+          <a:p>
+            <a:r>
+              <a:rPr lang="nl-NL" sz="1400" dirty="0">
+                <a:latin typeface="Consolas" panose="020B0609020204030204" pitchFamily="49" charset="0"/>
+                <a:ea typeface="Tahoma" panose="020B0604030504040204" pitchFamily="34" charset="0"/>
+                <a:cs typeface="Tahoma" panose="020B0604030504040204" pitchFamily="34" charset="0"/>
+              </a:rPr>
+              <a:t>{ "index" : { "_index" : "test", "_id" : "1" } }</a:t>
+            </a:r>
+          </a:p>
+          <a:p>
+            <a:r>
+              <a:rPr lang="nl-NL" sz="1400" dirty="0">
+                <a:latin typeface="Consolas" panose="020B0609020204030204" pitchFamily="49" charset="0"/>
+                <a:ea typeface="Tahoma" panose="020B0604030504040204" pitchFamily="34" charset="0"/>
+                <a:cs typeface="Tahoma" panose="020B0604030504040204" pitchFamily="34" charset="0"/>
+              </a:rPr>
+              <a:t>{ "field1" : "value1" }</a:t>
+            </a:r>
+          </a:p>
+          <a:p>
+            <a:r>
+              <a:rPr lang="nl-NL" sz="1400" dirty="0">
+                <a:latin typeface="Consolas" panose="020B0609020204030204" pitchFamily="49" charset="0"/>
+                <a:ea typeface="Tahoma" panose="020B0604030504040204" pitchFamily="34" charset="0"/>
+                <a:cs typeface="Tahoma" panose="020B0604030504040204" pitchFamily="34" charset="0"/>
+              </a:rPr>
+              <a:t>{ "delete" : { "_index" : "test", "_id" : "2" } }</a:t>
+            </a:r>
+          </a:p>
+          <a:p>
+            <a:r>
+              <a:rPr lang="nl-NL" sz="1400" dirty="0">
+                <a:latin typeface="Consolas" panose="020B0609020204030204" pitchFamily="49" charset="0"/>
+                <a:ea typeface="Tahoma" panose="020B0604030504040204" pitchFamily="34" charset="0"/>
+                <a:cs typeface="Tahoma" panose="020B0604030504040204" pitchFamily="34" charset="0"/>
+              </a:rPr>
+              <a:t>{ "create" : { "_index" : "test", "_id" : "3" } }</a:t>
+            </a:r>
+          </a:p>
+          <a:p>
+            <a:r>
+              <a:rPr lang="nl-NL" sz="1400" dirty="0">
+                <a:latin typeface="Consolas" panose="020B0609020204030204" pitchFamily="49" charset="0"/>
+                <a:ea typeface="Tahoma" panose="020B0604030504040204" pitchFamily="34" charset="0"/>
+                <a:cs typeface="Tahoma" panose="020B0604030504040204" pitchFamily="34" charset="0"/>
+              </a:rPr>
+              <a:t>{ "field1" : "value3" }</a:t>
+            </a:r>
+          </a:p>
+          <a:p>
+            <a:r>
+              <a:rPr lang="nl-NL" sz="1400" dirty="0">
+                <a:latin typeface="Consolas" panose="020B0609020204030204" pitchFamily="49" charset="0"/>
+                <a:ea typeface="Tahoma" panose="020B0604030504040204" pitchFamily="34" charset="0"/>
+                <a:cs typeface="Tahoma" panose="020B0604030504040204" pitchFamily="34" charset="0"/>
+              </a:rPr>
+              <a:t>{ "update" : {"_id" : "1", "_index" : "test"} }</a:t>
+            </a:r>
+          </a:p>
+          <a:p>
+            <a:r>
+              <a:rPr lang="nl-NL" sz="1400" dirty="0">
+                <a:latin typeface="Consolas" panose="020B0609020204030204" pitchFamily="49" charset="0"/>
+                <a:ea typeface="Tahoma" panose="020B0604030504040204" pitchFamily="34" charset="0"/>
+                <a:cs typeface="Tahoma" panose="020B0604030504040204" pitchFamily="34" charset="0"/>
+              </a:rPr>
+              <a:t>{ "doc" : {"field2" : "value2"} }</a:t>
+            </a:r>
+          </a:p>
+          <a:p>
+            <a:endParaRPr lang="nl-NL" sz="1400" dirty="0">
+              <a:latin typeface="Consolas" panose="020B0609020204030204" pitchFamily="49" charset="0"/>
+              <a:ea typeface="Tahoma" panose="020B0604030504040204" pitchFamily="34" charset="0"/>
+              <a:cs typeface="Tahoma" panose="020B0604030504040204" pitchFamily="34" charset="0"/>
+            </a:endParaRPr>
+          </a:p>
+          <a:p>
+            <a:endParaRPr lang="en-NL" sz="1400" dirty="0">
+              <a:latin typeface="Consolas" panose="020B0609020204030204" pitchFamily="49" charset="0"/>
+              <a:ea typeface="Tahoma" panose="020B0604030504040204" pitchFamily="34" charset="0"/>
+              <a:cs typeface="Tahoma" panose="020B0604030504040204" pitchFamily="34" charset="0"/>
+            </a:endParaRPr>
+          </a:p>
+          <a:p>
+            <a:endParaRPr lang="en-NL" sz="1400" dirty="0" err="1">
+              <a:latin typeface="Consolas" panose="020B0609020204030204" pitchFamily="49" charset="0"/>
+              <a:ea typeface="Tahoma" panose="020B0604030504040204" pitchFamily="34" charset="0"/>
+              <a:cs typeface="Tahoma" panose="020B0604030504040204" pitchFamily="34" charset="0"/>
+            </a:endParaRPr>
+          </a:p>
+        </p:txBody>
+      </p:sp>
+      <p:sp>
+        <p:nvSpPr>
+          <p:cNvPr id="7" name="TextBox 6">
+            <a:extLst>
+              <a:ext uri="{FF2B5EF4-FFF2-40B4-BE49-F238E27FC236}">
+                <a16:creationId xmlns:a16="http://schemas.microsoft.com/office/drawing/2014/main" id="{75E53D16-0AA1-4E2A-8D91-FEDB96E48304}"/>
+              </a:ext>
+            </a:extLst>
+          </p:cNvPr>
+          <p:cNvSpPr txBox="1"/>
+          <p:nvPr/>
+        </p:nvSpPr>
+        <p:spPr>
+          <a:xfrm>
+            <a:off x="749098" y="1249239"/>
+            <a:ext cx="7559997" cy="646331"/>
+          </a:xfrm>
+          <a:prstGeom prst="rect">
+            <a:avLst/>
+          </a:prstGeom>
+          <a:noFill/>
+        </p:spPr>
+        <p:txBody>
+          <a:bodyPr wrap="square" lIns="0" tIns="0" rIns="0" bIns="0" rtlCol="0">
+            <a:spAutoFit/>
+          </a:bodyPr>
+          <a:lstStyle/>
+          <a:p>
+            <a:r>
+              <a:rPr lang="nl-NL" sz="1400" dirty="0">
+                <a:latin typeface="Consolas" panose="020B0609020204030204" pitchFamily="49" charset="0"/>
+                <a:ea typeface="Tahoma" panose="020B0604030504040204" pitchFamily="34" charset="0"/>
+                <a:cs typeface="Tahoma" panose="020B0604030504040204" pitchFamily="34" charset="0"/>
+              </a:rPr>
+              <a:t>GET http://localhost:9200/recipes/_bulk</a:t>
+            </a:r>
+          </a:p>
+          <a:p>
+            <a:endParaRPr lang="en-NL" sz="1400" dirty="0">
+              <a:latin typeface="Consolas" panose="020B0609020204030204" pitchFamily="49" charset="0"/>
+              <a:ea typeface="Tahoma" panose="020B0604030504040204" pitchFamily="34" charset="0"/>
+              <a:cs typeface="Tahoma" panose="020B0604030504040204" pitchFamily="34" charset="0"/>
+            </a:endParaRPr>
+          </a:p>
+          <a:p>
+            <a:endParaRPr lang="en-NL" sz="1400" dirty="0" err="1">
+              <a:latin typeface="Consolas" panose="020B0609020204030204" pitchFamily="49" charset="0"/>
+              <a:ea typeface="Tahoma" panose="020B0604030504040204" pitchFamily="34" charset="0"/>
+              <a:cs typeface="Tahoma" panose="020B0604030504040204" pitchFamily="34" charset="0"/>
+            </a:endParaRPr>
+          </a:p>
+        </p:txBody>
+      </p:sp>
+    </p:spTree>
+    <p:extLst>
+      <p:ext uri="{BB962C8B-B14F-4D97-AF65-F5344CB8AC3E}">
+        <p14:creationId xmlns:p14="http://schemas.microsoft.com/office/powerpoint/2010/main" val="2563402049"/>
+      </p:ext>
+    </p:extLst>
+  </p:cSld>
+  <p:clrMapOvr>
+    <a:masterClrMapping/>
+  </p:clrMapOvr>
+</p:sld>
+</file>
+
+<file path=ppt/slides/slide24.xml><?xml version="1.0" encoding="utf-8"?>
+<p:sld xmlns:a="http://schemas.openxmlformats.org/drawingml/2006/main" xmlns:r="http://schemas.openxmlformats.org/officeDocument/2006/relationships" xmlns:p="http://schemas.openxmlformats.org/presentationml/2006/main">
+  <p:cSld>
+    <p:spTree>
+      <p:nvGrpSpPr>
+        <p:cNvPr id="1" name=""/>
+        <p:cNvGrpSpPr/>
+        <p:nvPr/>
+      </p:nvGrpSpPr>
+      <p:grpSpPr>
+        <a:xfrm>
+          <a:off x="0" y="0"/>
+          <a:ext cx="0" cy="0"/>
+          <a:chOff x="0" y="0"/>
+          <a:chExt cx="0" cy="0"/>
+        </a:xfrm>
+      </p:grpSpPr>
+      <p:sp>
+        <p:nvSpPr>
+          <p:cNvPr id="2" name="Title 1">
+            <a:extLst>
+              <a:ext uri="{FF2B5EF4-FFF2-40B4-BE49-F238E27FC236}">
+                <a16:creationId xmlns:a16="http://schemas.microsoft.com/office/drawing/2014/main" id="{B2539C2F-9CB2-4004-9813-5486C4C02F36}"/>
+              </a:ext>
+            </a:extLst>
+          </p:cNvPr>
+          <p:cNvSpPr>
+            <a:spLocks noGrp="1"/>
+          </p:cNvSpPr>
+          <p:nvPr>
+            <p:ph type="title"/>
+          </p:nvPr>
+        </p:nvSpPr>
+        <p:spPr/>
+        <p:txBody>
+          <a:bodyPr/>
+          <a:lstStyle/>
+          <a:p>
+            <a:endParaRPr lang="en-NL"/>
+          </a:p>
+        </p:txBody>
+      </p:sp>
+      <p:sp>
+        <p:nvSpPr>
+          <p:cNvPr id="3" name="Content Placeholder 2">
+            <a:extLst>
+              <a:ext uri="{FF2B5EF4-FFF2-40B4-BE49-F238E27FC236}">
+                <a16:creationId xmlns:a16="http://schemas.microsoft.com/office/drawing/2014/main" id="{11B07F90-0113-4617-9F24-C3492B350E28}"/>
+              </a:ext>
+            </a:extLst>
+          </p:cNvPr>
+          <p:cNvSpPr>
+            <a:spLocks noGrp="1"/>
+          </p:cNvSpPr>
+          <p:nvPr>
+            <p:ph idx="1"/>
+          </p:nvPr>
+        </p:nvSpPr>
+        <p:spPr/>
+        <p:txBody>
+          <a:bodyPr/>
+          <a:lstStyle/>
+          <a:p>
+            <a:endParaRPr lang="en-NL"/>
+          </a:p>
+        </p:txBody>
+      </p:sp>
+      <p:sp>
+        <p:nvSpPr>
+          <p:cNvPr id="4" name="Footer Placeholder 3">
+            <a:extLst>
+              <a:ext uri="{FF2B5EF4-FFF2-40B4-BE49-F238E27FC236}">
+                <a16:creationId xmlns:a16="http://schemas.microsoft.com/office/drawing/2014/main" id="{4736938F-5FBA-4DCB-ACCB-4E628EC01805}"/>
+              </a:ext>
+            </a:extLst>
+          </p:cNvPr>
+          <p:cNvSpPr>
+            <a:spLocks noGrp="1"/>
+          </p:cNvSpPr>
+          <p:nvPr>
+            <p:ph type="ftr" sz="quarter" idx="11"/>
+          </p:nvPr>
+        </p:nvSpPr>
+        <p:spPr/>
+        <p:txBody>
+          <a:bodyPr/>
+          <a:lstStyle/>
+          <a:p>
+            <a:r>
+              <a:rPr lang="nl-NL"/>
+              <a:t>elasticsearch</a:t>
+            </a:r>
+          </a:p>
+        </p:txBody>
+      </p:sp>
+      <p:sp>
+        <p:nvSpPr>
+          <p:cNvPr id="5" name="Slide Number Placeholder 4">
+            <a:extLst>
+              <a:ext uri="{FF2B5EF4-FFF2-40B4-BE49-F238E27FC236}">
+                <a16:creationId xmlns:a16="http://schemas.microsoft.com/office/drawing/2014/main" id="{8AEF4120-5669-4186-A953-A5327753EF64}"/>
+              </a:ext>
+            </a:extLst>
+          </p:cNvPr>
+          <p:cNvSpPr>
+            <a:spLocks noGrp="1"/>
+          </p:cNvSpPr>
+          <p:nvPr>
+            <p:ph type="sldNum" sz="quarter" idx="12"/>
+          </p:nvPr>
+        </p:nvSpPr>
+        <p:spPr/>
+        <p:txBody>
+          <a:bodyPr/>
+          <a:lstStyle/>
+          <a:p>
+            <a:fld id="{14F1411D-0280-154F-AEAC-4C20B7AA46B2}" type="slidenum">
+              <a:rPr lang="nl-NL" smtClean="0"/>
+              <a:t>24</a:t>
+            </a:fld>
+            <a:endParaRPr lang="nl-NL"/>
+          </a:p>
+        </p:txBody>
+      </p:sp>
+      <p:sp>
+        <p:nvSpPr>
+          <p:cNvPr id="6" name="Text Placeholder 5">
+            <a:extLst>
+              <a:ext uri="{FF2B5EF4-FFF2-40B4-BE49-F238E27FC236}">
+                <a16:creationId xmlns:a16="http://schemas.microsoft.com/office/drawing/2014/main" id="{F07795BB-2B65-43B2-98DF-602273C53532}"/>
+              </a:ext>
+            </a:extLst>
+          </p:cNvPr>
+          <p:cNvSpPr>
+            <a:spLocks noGrp="1"/>
+          </p:cNvSpPr>
+          <p:nvPr>
+            <p:ph type="body" idx="13"/>
+          </p:nvPr>
+        </p:nvSpPr>
+        <p:spPr/>
+        <p:txBody>
+          <a:bodyPr/>
+          <a:lstStyle/>
+          <a:p>
+            <a:endParaRPr lang="en-NL"/>
+          </a:p>
+        </p:txBody>
+      </p:sp>
+    </p:spTree>
+    <p:extLst>
+      <p:ext uri="{BB962C8B-B14F-4D97-AF65-F5344CB8AC3E}">
+        <p14:creationId xmlns:p14="http://schemas.microsoft.com/office/powerpoint/2010/main" val="688021817"/>
+      </p:ext>
+    </p:extLst>
+  </p:cSld>
+  <p:clrMapOvr>
+    <a:masterClrMapping/>
+  </p:clrMapOvr>
+</p:sld>
+</file>
+
+<file path=ppt/slides/slide25.xml><?xml version="1.0" encoding="utf-8"?>
+<p:sld xmlns:a="http://schemas.openxmlformats.org/drawingml/2006/main" xmlns:r="http://schemas.openxmlformats.org/officeDocument/2006/relationships" xmlns:p="http://schemas.openxmlformats.org/presentationml/2006/main">
+  <p:cSld>
+    <p:spTree>
+      <p:nvGrpSpPr>
+        <p:cNvPr id="1" name=""/>
+        <p:cNvGrpSpPr/>
+        <p:nvPr/>
+      </p:nvGrpSpPr>
+      <p:grpSpPr>
+        <a:xfrm>
+          <a:off x="0" y="0"/>
+          <a:ext cx="0" cy="0"/>
+          <a:chOff x="0" y="0"/>
+          <a:chExt cx="0" cy="0"/>
+        </a:xfrm>
+      </p:grpSpPr>
+      <p:sp>
+        <p:nvSpPr>
+          <p:cNvPr id="6" name="Title 5"/>
+          <p:cNvSpPr>
+            <a:spLocks noGrp="1"/>
+          </p:cNvSpPr>
+          <p:nvPr>
+            <p:ph type="title"/>
+          </p:nvPr>
+        </p:nvSpPr>
+        <p:spPr/>
+        <p:txBody>
+          <a:bodyPr/>
+          <a:lstStyle/>
+          <a:p>
+            <a:r>
+              <a:rPr lang="nl-NL" dirty="0"/>
+              <a:t>Queries </a:t>
+            </a:r>
+          </a:p>
+        </p:txBody>
+      </p:sp>
+      <p:sp>
+        <p:nvSpPr>
+          <p:cNvPr id="7" name="Content Placeholder 6"/>
+          <p:cNvSpPr>
+            <a:spLocks noGrp="1"/>
+          </p:cNvSpPr>
+          <p:nvPr>
+            <p:ph idx="1"/>
+          </p:nvPr>
+        </p:nvSpPr>
+        <p:spPr/>
+        <p:txBody>
+          <a:bodyPr/>
+          <a:lstStyle/>
+          <a:p>
+            <a:r>
+              <a:rPr lang="nl-NL" dirty="0"/>
+              <a:t>URL-based or JSON-based requests on the _search REST endpoint</a:t>
+            </a:r>
+          </a:p>
+          <a:p>
+            <a:r>
+              <a:rPr lang="nl-NL" dirty="0"/>
+              <a:t>Search whole cluster or specify index (or type) in the URL</a:t>
+            </a:r>
+          </a:p>
+          <a:p>
+            <a:endParaRPr lang="nl-NL" dirty="0"/>
+          </a:p>
+          <a:p>
+            <a:r>
+              <a:rPr lang="nl-NL" dirty="0"/>
+              <a:t>Common components of request:</a:t>
+            </a:r>
+          </a:p>
+          <a:p>
+            <a:pPr lvl="1"/>
+            <a:r>
+              <a:rPr lang="nl-NL" sz="1400" dirty="0"/>
+              <a:t>query 	- default all</a:t>
+            </a:r>
+          </a:p>
+          <a:p>
+            <a:pPr lvl="1"/>
+            <a:r>
+              <a:rPr lang="nl-NL" sz="1400" dirty="0"/>
+              <a:t>size 	- default 10 </a:t>
+            </a:r>
+          </a:p>
+          <a:p>
+            <a:pPr lvl="1"/>
+            <a:r>
+              <a:rPr lang="nl-NL" sz="1400" dirty="0"/>
+              <a:t>from 	- default 0</a:t>
+            </a:r>
+          </a:p>
+          <a:p>
+            <a:pPr lvl="1"/>
+            <a:r>
+              <a:rPr lang="nl-NL" sz="1400" dirty="0"/>
+              <a:t>_source 	- default all</a:t>
+            </a:r>
+          </a:p>
+          <a:p>
+            <a:pPr lvl="2"/>
+            <a:r>
+              <a:rPr lang="nl-NL" sz="1400" dirty="0"/>
+              <a:t>Specify which fields of the document to return</a:t>
+            </a:r>
+          </a:p>
+          <a:p>
+            <a:pPr lvl="1"/>
+            <a:r>
+              <a:rPr lang="nl-NL" sz="1400" dirty="0"/>
+              <a:t>sort 	- default on score</a:t>
+            </a:r>
+          </a:p>
+          <a:p>
+            <a:pPr lvl="2"/>
+            <a:r>
+              <a:rPr lang="nl-NL" sz="1400" dirty="0"/>
+              <a:t>No score is calculated when score is not included in the sort</a:t>
+            </a:r>
+          </a:p>
+        </p:txBody>
+      </p:sp>
+      <p:sp>
+        <p:nvSpPr>
+          <p:cNvPr id="4" name="Footer Placeholder 3"/>
+          <p:cNvSpPr>
+            <a:spLocks noGrp="1"/>
+          </p:cNvSpPr>
+          <p:nvPr>
+            <p:ph type="ftr" sz="quarter" idx="11"/>
+          </p:nvPr>
+        </p:nvSpPr>
+        <p:spPr/>
+        <p:txBody>
+          <a:bodyPr/>
+          <a:lstStyle/>
+          <a:p>
+            <a:r>
+              <a:rPr lang="nl-NL" dirty="0"/>
+              <a:t>elasticsearch</a:t>
+            </a:r>
+          </a:p>
+        </p:txBody>
+      </p:sp>
+      <p:sp>
+        <p:nvSpPr>
+          <p:cNvPr id="5" name="Slide Number Placeholder 4"/>
+          <p:cNvSpPr>
+            <a:spLocks noGrp="1"/>
+          </p:cNvSpPr>
+          <p:nvPr>
+            <p:ph type="sldNum" sz="quarter" idx="12"/>
+          </p:nvPr>
+        </p:nvSpPr>
+        <p:spPr/>
+        <p:txBody>
+          <a:bodyPr/>
+          <a:lstStyle/>
+          <a:p>
+            <a:fld id="{14F1411D-0280-154F-AEAC-4C20B7AA46B2}" type="slidenum">
+              <a:rPr lang="nl-NL" smtClean="0"/>
+              <a:t>25</a:t>
+            </a:fld>
+            <a:endParaRPr lang="nl-NL"/>
+          </a:p>
+        </p:txBody>
+      </p:sp>
+    </p:spTree>
+    <p:extLst>
+      <p:ext uri="{BB962C8B-B14F-4D97-AF65-F5344CB8AC3E}">
+        <p14:creationId xmlns:p14="http://schemas.microsoft.com/office/powerpoint/2010/main" val="683142817"/>
+      </p:ext>
+    </p:extLst>
+  </p:cSld>
+  <p:clrMapOvr>
+    <a:masterClrMapping/>
+  </p:clrMapOvr>
+</p:sld>
+</file>
+
+<file path=ppt/slides/slide26.xml><?xml version="1.0" encoding="utf-8"?>
+<p:sld xmlns:a="http://schemas.openxmlformats.org/drawingml/2006/main" xmlns:r="http://schemas.openxmlformats.org/officeDocument/2006/relationships" xmlns:p="http://schemas.openxmlformats.org/presentationml/2006/main">
+  <p:cSld>
+    <p:spTree>
+      <p:nvGrpSpPr>
+        <p:cNvPr id="1" name=""/>
+        <p:cNvGrpSpPr/>
+        <p:nvPr/>
+      </p:nvGrpSpPr>
+      <p:grpSpPr>
+        <a:xfrm>
+          <a:off x="0" y="0"/>
+          <a:ext cx="0" cy="0"/>
+          <a:chOff x="0" y="0"/>
+          <a:chExt cx="0" cy="0"/>
+        </a:xfrm>
+      </p:grpSpPr>
+      <p:sp>
+        <p:nvSpPr>
           <p:cNvPr id="2" name="Title 1">
             <a:extLst>
               <a:ext uri="{FF2B5EF4-FFF2-40B4-BE49-F238E27FC236}">
@@ -11000,7 +11821,7 @@
           <a:p>
             <a:fld id="{14F1411D-0280-154F-AEAC-4C20B7AA46B2}" type="slidenum">
               <a:rPr lang="nl-NL" smtClean="0"/>
-              <a:t>23</a:t>
+              <a:t>26</a:t>
             </a:fld>
             <a:endParaRPr lang="nl-NL"/>
           </a:p>
@@ -11049,7 +11870,7 @@
 </p:sld>
 </file>
 
-<file path=ppt/slides/slide24.xml><?xml version="1.0" encoding="utf-8"?>
+<file path=ppt/slides/slide27.xml><?xml version="1.0" encoding="utf-8"?>
 <p:sld xmlns:a="http://schemas.openxmlformats.org/drawingml/2006/main" xmlns:r="http://schemas.openxmlformats.org/officeDocument/2006/relationships" xmlns:p="http://schemas.openxmlformats.org/presentationml/2006/main">
   <p:cSld>
     <p:spTree>
@@ -11233,7 +12054,7 @@
           <a:p>
             <a:fld id="{14F1411D-0280-154F-AEAC-4C20B7AA46B2}" type="slidenum">
               <a:rPr lang="nl-NL" smtClean="0"/>
-              <a:t>24</a:t>
+              <a:t>27</a:t>
             </a:fld>
             <a:endParaRPr lang="nl-NL"/>
           </a:p>
@@ -11282,7 +12103,7 @@
 </p:sld>
 </file>
 
-<file path=ppt/slides/slide25.xml><?xml version="1.0" encoding="utf-8"?>
+<file path=ppt/slides/slide28.xml><?xml version="1.0" encoding="utf-8"?>
 <p:sld xmlns:a="http://schemas.openxmlformats.org/drawingml/2006/main" xmlns:r="http://schemas.openxmlformats.org/officeDocument/2006/relationships" xmlns:p="http://schemas.openxmlformats.org/presentationml/2006/main">
   <p:cSld>
     <p:spTree>
@@ -11476,7 +12297,7 @@
           <a:p>
             <a:fld id="{14F1411D-0280-154F-AEAC-4C20B7AA46B2}" type="slidenum">
               <a:rPr lang="nl-NL" smtClean="0"/>
-              <a:t>25</a:t>
+              <a:t>28</a:t>
             </a:fld>
             <a:endParaRPr lang="nl-NL"/>
           </a:p>
@@ -11553,7 +12374,7 @@
 </p:sld>
 </file>
 
-<file path=ppt/slides/slide26.xml><?xml version="1.0" encoding="utf-8"?>
+<file path=ppt/slides/slide29.xml><?xml version="1.0" encoding="utf-8"?>
 <p:sld xmlns:a="http://schemas.openxmlformats.org/drawingml/2006/main" xmlns:r="http://schemas.openxmlformats.org/officeDocument/2006/relationships" xmlns:p="http://schemas.openxmlformats.org/presentationml/2006/main">
   <p:cSld>
     <p:spTree>
@@ -11757,7 +12578,7 @@
           <a:p>
             <a:fld id="{14F1411D-0280-154F-AEAC-4C20B7AA46B2}" type="slidenum">
               <a:rPr lang="nl-NL" smtClean="0"/>
-              <a:t>26</a:t>
+              <a:t>29</a:t>
             </a:fld>
             <a:endParaRPr lang="nl-NL"/>
           </a:p>
@@ -11776,7 +12597,7 @@
 </p:sld>
 </file>
 
-<file path=ppt/slides/slide27.xml><?xml version="1.0" encoding="utf-8"?>
+<file path=ppt/slides/slide3.xml><?xml version="1.0" encoding="utf-8"?>
 <p:sld xmlns:a="http://schemas.openxmlformats.org/drawingml/2006/main" xmlns:r="http://schemas.openxmlformats.org/officeDocument/2006/relationships" xmlns:p="http://schemas.openxmlformats.org/presentationml/2006/main">
   <p:cSld>
     <p:spTree>
@@ -11795,6 +12616,184 @@
       </p:grpSpPr>
       <p:sp>
         <p:nvSpPr>
+          <p:cNvPr id="2" name="Title 1"/>
+          <p:cNvSpPr>
+            <a:spLocks noGrp="1"/>
+          </p:cNvSpPr>
+          <p:nvPr>
+            <p:ph type="title"/>
+          </p:nvPr>
+        </p:nvSpPr>
+        <p:spPr/>
+        <p:txBody>
+          <a:bodyPr/>
+          <a:lstStyle/>
+          <a:p>
+            <a:r>
+              <a:rPr lang="nl-NL" dirty="0"/>
+              <a:t>Elasticsearch</a:t>
+            </a:r>
+          </a:p>
+        </p:txBody>
+      </p:sp>
+      <p:sp>
+        <p:nvSpPr>
+          <p:cNvPr id="3" name="Content Placeholder 2"/>
+          <p:cNvSpPr>
+            <a:spLocks noGrp="1"/>
+          </p:cNvSpPr>
+          <p:nvPr>
+            <p:ph idx="1"/>
+          </p:nvPr>
+        </p:nvSpPr>
+        <p:spPr>
+          <a:xfrm>
+            <a:off x="720003" y="907420"/>
+            <a:ext cx="6623999" cy="3808579"/>
+          </a:xfrm>
+        </p:spPr>
+        <p:txBody>
+          <a:bodyPr/>
+          <a:lstStyle/>
+          <a:p>
+            <a:r>
+              <a:rPr lang="nl-NL" dirty="0"/>
+              <a:t>A noSQL search engine for: </a:t>
+            </a:r>
+          </a:p>
+          <a:p>
+            <a:pPr lvl="1"/>
+            <a:r>
+              <a:rPr lang="nl-NL" sz="1400" dirty="0"/>
+              <a:t>Prioritizing data</a:t>
+            </a:r>
+          </a:p>
+          <a:p>
+            <a:pPr lvl="1"/>
+            <a:r>
+              <a:rPr lang="nl-NL" sz="1400" dirty="0"/>
+              <a:t>Searching through (a lot of) data</a:t>
+            </a:r>
+          </a:p>
+          <a:p>
+            <a:pPr lvl="1"/>
+            <a:r>
+              <a:rPr lang="nl-NL" sz="1400" dirty="0"/>
+              <a:t>Filtering data</a:t>
+            </a:r>
+          </a:p>
+          <a:p>
+            <a:pPr lvl="1"/>
+            <a:endParaRPr lang="nl-NL" dirty="0"/>
+          </a:p>
+          <a:p>
+            <a:r>
+              <a:rPr lang="nl-NL" dirty="0"/>
+              <a:t>Can be used as primary storage, but often a different noSQL or SQL database is used</a:t>
+            </a:r>
+          </a:p>
+          <a:p>
+            <a:endParaRPr lang="nl-NL" dirty="0"/>
+          </a:p>
+          <a:p>
+            <a:r>
+              <a:rPr lang="nl-NL" dirty="0"/>
+              <a:t>Part of the ELK stack:</a:t>
+            </a:r>
+          </a:p>
+          <a:p>
+            <a:pPr lvl="1"/>
+            <a:r>
+              <a:rPr lang="nl-NL" sz="1400" dirty="0"/>
+              <a:t>Logstash – for pushing data to elasticsearch</a:t>
+            </a:r>
+          </a:p>
+          <a:p>
+            <a:pPr lvl="1"/>
+            <a:r>
+              <a:rPr lang="nl-NL" sz="1400" dirty="0"/>
+              <a:t>Kibana – webUI for visualizing data</a:t>
+            </a:r>
+          </a:p>
+        </p:txBody>
+      </p:sp>
+      <p:sp>
+        <p:nvSpPr>
+          <p:cNvPr id="4" name="Footer Placeholder 3"/>
+          <p:cNvSpPr>
+            <a:spLocks noGrp="1"/>
+          </p:cNvSpPr>
+          <p:nvPr>
+            <p:ph type="ftr" sz="quarter" idx="11"/>
+          </p:nvPr>
+        </p:nvSpPr>
+        <p:spPr/>
+        <p:txBody>
+          <a:bodyPr/>
+          <a:lstStyle/>
+          <a:p>
+            <a:r>
+              <a:rPr lang="nl-NL" dirty="0"/>
+              <a:t>elasticsearch</a:t>
+            </a:r>
+          </a:p>
+        </p:txBody>
+      </p:sp>
+      <p:sp>
+        <p:nvSpPr>
+          <p:cNvPr id="5" name="Slide Number Placeholder 4"/>
+          <p:cNvSpPr>
+            <a:spLocks noGrp="1"/>
+          </p:cNvSpPr>
+          <p:nvPr>
+            <p:ph type="sldNum" sz="quarter" idx="12"/>
+          </p:nvPr>
+        </p:nvSpPr>
+        <p:spPr/>
+        <p:txBody>
+          <a:bodyPr/>
+          <a:lstStyle/>
+          <a:p>
+            <a:fld id="{14F1411D-0280-154F-AEAC-4C20B7AA46B2}" type="slidenum">
+              <a:rPr lang="nl-NL" smtClean="0"/>
+              <a:t>3</a:t>
+            </a:fld>
+            <a:endParaRPr lang="nl-NL"/>
+          </a:p>
+        </p:txBody>
+      </p:sp>
+    </p:spTree>
+    <p:extLst>
+      <p:ext uri="{BB962C8B-B14F-4D97-AF65-F5344CB8AC3E}">
+        <p14:creationId xmlns:p14="http://schemas.microsoft.com/office/powerpoint/2010/main" val="865352661"/>
+      </p:ext>
+    </p:extLst>
+  </p:cSld>
+  <p:clrMapOvr>
+    <a:masterClrMapping/>
+  </p:clrMapOvr>
+</p:sld>
+</file>
+
+<file path=ppt/slides/slide30.xml><?xml version="1.0" encoding="utf-8"?>
+<p:sld xmlns:a="http://schemas.openxmlformats.org/drawingml/2006/main" xmlns:r="http://schemas.openxmlformats.org/officeDocument/2006/relationships" xmlns:p="http://schemas.openxmlformats.org/presentationml/2006/main">
+  <p:cSld>
+    <p:spTree>
+      <p:nvGrpSpPr>
+        <p:cNvPr id="1" name=""/>
+        <p:cNvGrpSpPr/>
+        <p:nvPr/>
+      </p:nvGrpSpPr>
+      <p:grpSpPr>
+        <a:xfrm>
+          <a:off x="0" y="0"/>
+          <a:ext cx="0" cy="0"/>
+          <a:chOff x="0" y="0"/>
+          <a:chExt cx="0" cy="0"/>
+        </a:xfrm>
+      </p:grpSpPr>
+      <p:sp>
+        <p:nvSpPr>
           <p:cNvPr id="2" name="Title 1">
             <a:extLst>
               <a:ext uri="{FF2B5EF4-FFF2-40B4-BE49-F238E27FC236}">
@@ -11912,7 +12911,7 @@
           <a:p>
             <a:fld id="{14F1411D-0280-154F-AEAC-4C20B7AA46B2}" type="slidenum">
               <a:rPr lang="nl-NL" smtClean="0"/>
-              <a:t>27</a:t>
+              <a:t>30</a:t>
             </a:fld>
             <a:endParaRPr lang="nl-NL"/>
           </a:p>
@@ -11989,7 +12988,7 @@
 </p:sld>
 </file>
 
-<file path=ppt/slides/slide28.xml><?xml version="1.0" encoding="utf-8"?>
+<file path=ppt/slides/slide31.xml><?xml version="1.0" encoding="utf-8"?>
 <p:sld xmlns:a="http://schemas.openxmlformats.org/drawingml/2006/main" xmlns:r="http://schemas.openxmlformats.org/officeDocument/2006/relationships" xmlns:p="http://schemas.openxmlformats.org/presentationml/2006/main">
   <p:cSld>
     <p:spTree>
@@ -12187,7 +13186,7 @@
           <a:p>
             <a:fld id="{14F1411D-0280-154F-AEAC-4C20B7AA46B2}" type="slidenum">
               <a:rPr lang="nl-NL" smtClean="0"/>
-              <a:t>28</a:t>
+              <a:t>31</a:t>
             </a:fld>
             <a:endParaRPr lang="nl-NL"/>
           </a:p>
@@ -12206,7 +13205,7 @@
 </p:sld>
 </file>
 
-<file path=ppt/slides/slide29.xml><?xml version="1.0" encoding="utf-8"?>
+<file path=ppt/slides/slide32.xml><?xml version="1.0" encoding="utf-8"?>
 <p:sld xmlns:a="http://schemas.openxmlformats.org/drawingml/2006/main" xmlns:r="http://schemas.openxmlformats.org/officeDocument/2006/relationships" xmlns:p="http://schemas.openxmlformats.org/presentationml/2006/main">
   <p:cSld>
     <p:spTree>
@@ -12415,7 +13414,7 @@
           <a:p>
             <a:fld id="{14F1411D-0280-154F-AEAC-4C20B7AA46B2}" type="slidenum">
               <a:rPr lang="nl-NL" smtClean="0"/>
-              <a:t>29</a:t>
+              <a:t>32</a:t>
             </a:fld>
             <a:endParaRPr lang="nl-NL"/>
           </a:p>
@@ -12434,7 +13433,7 @@
 </p:sld>
 </file>
 
-<file path=ppt/slides/slide3.xml><?xml version="1.0" encoding="utf-8"?>
+<file path=ppt/slides/slide33.xml><?xml version="1.0" encoding="utf-8"?>
 <p:sld xmlns:a="http://schemas.openxmlformats.org/drawingml/2006/main" xmlns:r="http://schemas.openxmlformats.org/officeDocument/2006/relationships" xmlns:p="http://schemas.openxmlformats.org/presentationml/2006/main">
   <p:cSld>
     <p:spTree>
@@ -12453,130 +13452,6 @@
       </p:grpSpPr>
       <p:sp>
         <p:nvSpPr>
-          <p:cNvPr id="2" name="Title 1"/>
-          <p:cNvSpPr>
-            <a:spLocks noGrp="1"/>
-          </p:cNvSpPr>
-          <p:nvPr>
-            <p:ph type="title"/>
-          </p:nvPr>
-        </p:nvSpPr>
-        <p:spPr/>
-        <p:txBody>
-          <a:bodyPr/>
-          <a:lstStyle/>
-          <a:p>
-            <a:r>
-              <a:rPr lang="nl-NL" dirty="0"/>
-              <a:t>NoSQL</a:t>
-            </a:r>
-          </a:p>
-        </p:txBody>
-      </p:sp>
-      <p:sp>
-        <p:nvSpPr>
-          <p:cNvPr id="3" name="Content Placeholder 2"/>
-          <p:cNvSpPr>
-            <a:spLocks noGrp="1"/>
-          </p:cNvSpPr>
-          <p:nvPr>
-            <p:ph idx="1"/>
-          </p:nvPr>
-        </p:nvSpPr>
-        <p:spPr>
-          <a:xfrm>
-            <a:off x="720003" y="1224000"/>
-            <a:ext cx="6623999" cy="3491999"/>
-          </a:xfrm>
-        </p:spPr>
-        <p:txBody>
-          <a:bodyPr/>
-          <a:lstStyle/>
-          <a:p>
-            <a:r>
-              <a:rPr lang="nl-NL" dirty="0"/>
-              <a:t>Document store</a:t>
-            </a:r>
-          </a:p>
-        </p:txBody>
-      </p:sp>
-      <p:sp>
-        <p:nvSpPr>
-          <p:cNvPr id="4" name="Footer Placeholder 3"/>
-          <p:cNvSpPr>
-            <a:spLocks noGrp="1"/>
-          </p:cNvSpPr>
-          <p:nvPr>
-            <p:ph type="ftr" sz="quarter" idx="11"/>
-          </p:nvPr>
-        </p:nvSpPr>
-        <p:spPr/>
-        <p:txBody>
-          <a:bodyPr/>
-          <a:lstStyle/>
-          <a:p>
-            <a:r>
-              <a:rPr lang="nl-NL" dirty="0"/>
-              <a:t>Titel van de presentatie</a:t>
-            </a:r>
-          </a:p>
-        </p:txBody>
-      </p:sp>
-      <p:sp>
-        <p:nvSpPr>
-          <p:cNvPr id="5" name="Slide Number Placeholder 4"/>
-          <p:cNvSpPr>
-            <a:spLocks noGrp="1"/>
-          </p:cNvSpPr>
-          <p:nvPr>
-            <p:ph type="sldNum" sz="quarter" idx="12"/>
-          </p:nvPr>
-        </p:nvSpPr>
-        <p:spPr/>
-        <p:txBody>
-          <a:bodyPr/>
-          <a:lstStyle/>
-          <a:p>
-            <a:fld id="{14F1411D-0280-154F-AEAC-4C20B7AA46B2}" type="slidenum">
-              <a:rPr lang="nl-NL" smtClean="0"/>
-              <a:t>3</a:t>
-            </a:fld>
-            <a:endParaRPr lang="nl-NL"/>
-          </a:p>
-        </p:txBody>
-      </p:sp>
-    </p:spTree>
-    <p:extLst>
-      <p:ext uri="{BB962C8B-B14F-4D97-AF65-F5344CB8AC3E}">
-        <p14:creationId xmlns:p14="http://schemas.microsoft.com/office/powerpoint/2010/main" val="685382415"/>
-      </p:ext>
-    </p:extLst>
-  </p:cSld>
-  <p:clrMapOvr>
-    <a:masterClrMapping/>
-  </p:clrMapOvr>
-</p:sld>
-</file>
-
-<file path=ppt/slides/slide30.xml><?xml version="1.0" encoding="utf-8"?>
-<p:sld xmlns:a="http://schemas.openxmlformats.org/drawingml/2006/main" xmlns:r="http://schemas.openxmlformats.org/officeDocument/2006/relationships" xmlns:p="http://schemas.openxmlformats.org/presentationml/2006/main">
-  <p:cSld>
-    <p:spTree>
-      <p:nvGrpSpPr>
-        <p:cNvPr id="1" name=""/>
-        <p:cNvGrpSpPr/>
-        <p:nvPr/>
-      </p:nvGrpSpPr>
-      <p:grpSpPr>
-        <a:xfrm>
-          <a:off x="0" y="0"/>
-          <a:ext cx="0" cy="0"/>
-          <a:chOff x="0" y="0"/>
-          <a:chExt cx="0" cy="0"/>
-        </a:xfrm>
-      </p:grpSpPr>
-      <p:sp>
-        <p:nvSpPr>
           <p:cNvPr id="2" name="Title 1">
             <a:extLst>
               <a:ext uri="{FF2B5EF4-FFF2-40B4-BE49-F238E27FC236}">
@@ -12764,7 +13639,7 @@
           <a:p>
             <a:fld id="{14F1411D-0280-154F-AEAC-4C20B7AA46B2}" type="slidenum">
               <a:rPr lang="nl-NL" smtClean="0"/>
-              <a:t>30</a:t>
+              <a:t>33</a:t>
             </a:fld>
             <a:endParaRPr lang="nl-NL"/>
           </a:p>
@@ -12815,7 +13690,7 @@
 </p:sld>
 </file>
 
-<file path=ppt/slides/slide31.xml><?xml version="1.0" encoding="utf-8"?>
+<file path=ppt/slides/slide34.xml><?xml version="1.0" encoding="utf-8"?>
 <p:sld xmlns:a="http://schemas.openxmlformats.org/drawingml/2006/main" xmlns:r="http://schemas.openxmlformats.org/officeDocument/2006/relationships" xmlns:p="http://schemas.openxmlformats.org/presentationml/2006/main">
   <p:cSld>
     <p:spTree>
@@ -12991,7 +13866,7 @@
           <a:p>
             <a:fld id="{14F1411D-0280-154F-AEAC-4C20B7AA46B2}" type="slidenum">
               <a:rPr lang="nl-NL" smtClean="0"/>
-              <a:t>31</a:t>
+              <a:t>34</a:t>
             </a:fld>
             <a:endParaRPr lang="nl-NL"/>
           </a:p>
@@ -13010,7 +13885,7 @@
 </p:sld>
 </file>
 
-<file path=ppt/slides/slide32.xml><?xml version="1.0" encoding="utf-8"?>
+<file path=ppt/slides/slide35.xml><?xml version="1.0" encoding="utf-8"?>
 <p:sld xmlns:a="http://schemas.openxmlformats.org/drawingml/2006/main" xmlns:r="http://schemas.openxmlformats.org/officeDocument/2006/relationships" xmlns:p="http://schemas.openxmlformats.org/presentationml/2006/main">
   <p:cSld>
     <p:spTree>
@@ -13138,7 +14013,7 @@
           <a:p>
             <a:fld id="{14F1411D-0280-154F-AEAC-4C20B7AA46B2}" type="slidenum">
               <a:rPr lang="nl-NL" smtClean="0"/>
-              <a:t>32</a:t>
+              <a:t>35</a:t>
             </a:fld>
             <a:endParaRPr lang="nl-NL"/>
           </a:p>
@@ -13440,585 +14315,6 @@
 </p:sld>
 </file>
 
-<file path=ppt/slides/slide33.xml><?xml version="1.0" encoding="utf-8"?>
-<p:sld xmlns:a="http://schemas.openxmlformats.org/drawingml/2006/main" xmlns:r="http://schemas.openxmlformats.org/officeDocument/2006/relationships" xmlns:p="http://schemas.openxmlformats.org/presentationml/2006/main">
-  <p:cSld>
-    <p:spTree>
-      <p:nvGrpSpPr>
-        <p:cNvPr id="1" name=""/>
-        <p:cNvGrpSpPr/>
-        <p:nvPr/>
-      </p:nvGrpSpPr>
-      <p:grpSpPr>
-        <a:xfrm>
-          <a:off x="0" y="0"/>
-          <a:ext cx="0" cy="0"/>
-          <a:chOff x="0" y="0"/>
-          <a:chExt cx="0" cy="0"/>
-        </a:xfrm>
-      </p:grpSpPr>
-      <p:sp>
-        <p:nvSpPr>
-          <p:cNvPr id="2" name="Title 1">
-            <a:extLst>
-              <a:ext uri="{FF2B5EF4-FFF2-40B4-BE49-F238E27FC236}">
-                <a16:creationId xmlns:a16="http://schemas.microsoft.com/office/drawing/2014/main" id="{8602A742-0C15-489F-9A77-2ECA0F11429F}"/>
-              </a:ext>
-            </a:extLst>
-          </p:cNvPr>
-          <p:cNvSpPr>
-            <a:spLocks noGrp="1"/>
-          </p:cNvSpPr>
-          <p:nvPr>
-            <p:ph type="title"/>
-          </p:nvPr>
-        </p:nvSpPr>
-        <p:spPr/>
-        <p:txBody>
-          <a:bodyPr/>
-          <a:lstStyle/>
-          <a:p>
-            <a:r>
-              <a:rPr lang="en-GB" dirty="0"/>
-              <a:t>Scoring</a:t>
-            </a:r>
-            <a:endParaRPr lang="en-NL" dirty="0"/>
-          </a:p>
-        </p:txBody>
-      </p:sp>
-      <p:sp>
-        <p:nvSpPr>
-          <p:cNvPr id="3" name="Content Placeholder 2">
-            <a:extLst>
-              <a:ext uri="{FF2B5EF4-FFF2-40B4-BE49-F238E27FC236}">
-                <a16:creationId xmlns:a16="http://schemas.microsoft.com/office/drawing/2014/main" id="{6D38AB44-3548-461E-8441-ECD089D829F1}"/>
-              </a:ext>
-            </a:extLst>
-          </p:cNvPr>
-          <p:cNvSpPr>
-            <a:spLocks noGrp="1"/>
-          </p:cNvSpPr>
-          <p:nvPr>
-            <p:ph idx="1"/>
-          </p:nvPr>
-        </p:nvSpPr>
-        <p:spPr/>
-        <p:txBody>
-          <a:bodyPr/>
-          <a:lstStyle/>
-          <a:p>
-            <a:r>
-              <a:rPr lang="en-GB" dirty="0"/>
-              <a:t>The score indicates the relevance of a result</a:t>
-            </a:r>
-          </a:p>
-          <a:p>
-            <a:r>
-              <a:rPr lang="en-GB" dirty="0"/>
-              <a:t>Default scoring: how often a term occurs in the document (term frequency or TF) compared to how often it occurs in all documents (inverse document frequency or IDF)</a:t>
-            </a:r>
-          </a:p>
-          <a:p>
-            <a:r>
-              <a:rPr lang="en-GB" dirty="0"/>
-              <a:t>Can use other scoring method for whole cluster or for just one field</a:t>
-            </a:r>
-          </a:p>
-          <a:p>
-            <a:endParaRPr lang="en-GB" dirty="0"/>
-          </a:p>
-          <a:p>
-            <a:r>
-              <a:rPr lang="en-GB" dirty="0"/>
-              <a:t>Rescoring: resource intensive scoring calculations</a:t>
-            </a:r>
-          </a:p>
-          <a:p>
-            <a:pPr lvl="1"/>
-            <a:r>
-              <a:rPr lang="en-GB" dirty="0"/>
-              <a:t>Only applied to top results, after initial scoring is done</a:t>
-            </a:r>
-          </a:p>
-          <a:p>
-            <a:pPr lvl="1"/>
-            <a:r>
-              <a:rPr lang="en-GB" dirty="0"/>
-              <a:t>Add “rescore” to JSON body with </a:t>
-            </a:r>
-            <a:r>
-              <a:rPr lang="en-GB" dirty="0" err="1"/>
-              <a:t>window_size</a:t>
-            </a:r>
-            <a:r>
-              <a:rPr lang="en-GB" dirty="0"/>
-              <a:t>, query, </a:t>
-            </a:r>
-            <a:r>
-              <a:rPr lang="en-GB" dirty="0" err="1"/>
-              <a:t>query_weight</a:t>
-            </a:r>
-            <a:r>
-              <a:rPr lang="en-GB" dirty="0"/>
-              <a:t> and </a:t>
-            </a:r>
-            <a:r>
-              <a:rPr lang="en-GB" dirty="0" err="1"/>
-              <a:t>rescore_weight</a:t>
-            </a:r>
-            <a:endParaRPr lang="en-GB" dirty="0"/>
-          </a:p>
-          <a:p>
-            <a:pPr lvl="2"/>
-            <a:r>
-              <a:rPr lang="en-GB" sz="1400" dirty="0"/>
-              <a:t>Window size determines on how many of the top documents a rescore is applied</a:t>
-            </a:r>
-          </a:p>
-          <a:p>
-            <a:pPr lvl="2"/>
-            <a:r>
-              <a:rPr lang="en-GB" sz="1400" dirty="0"/>
-              <a:t>The relative importance of the original score and rescore can be controller with </a:t>
-            </a:r>
-            <a:r>
-              <a:rPr lang="en-GB" sz="1400" dirty="0" err="1"/>
-              <a:t>query_weight</a:t>
-            </a:r>
-            <a:r>
-              <a:rPr lang="en-GB" sz="1400" dirty="0"/>
-              <a:t> and </a:t>
-            </a:r>
-            <a:r>
-              <a:rPr lang="en-GB" sz="1400" dirty="0" err="1"/>
-              <a:t>rescore_weight</a:t>
-            </a:r>
-            <a:endParaRPr lang="en-NL" sz="1400" dirty="0"/>
-          </a:p>
-          <a:p>
-            <a:pPr lvl="1"/>
-            <a:endParaRPr lang="en-GB" dirty="0"/>
-          </a:p>
-        </p:txBody>
-      </p:sp>
-      <p:sp>
-        <p:nvSpPr>
-          <p:cNvPr id="4" name="Footer Placeholder 3">
-            <a:extLst>
-              <a:ext uri="{FF2B5EF4-FFF2-40B4-BE49-F238E27FC236}">
-                <a16:creationId xmlns:a16="http://schemas.microsoft.com/office/drawing/2014/main" id="{91853CB0-BCD0-4B16-9D4D-9ECAA1C9E561}"/>
-              </a:ext>
-            </a:extLst>
-          </p:cNvPr>
-          <p:cNvSpPr>
-            <a:spLocks noGrp="1"/>
-          </p:cNvSpPr>
-          <p:nvPr>
-            <p:ph type="ftr" sz="quarter" idx="11"/>
-          </p:nvPr>
-        </p:nvSpPr>
-        <p:spPr/>
-        <p:txBody>
-          <a:bodyPr/>
-          <a:lstStyle/>
-          <a:p>
-            <a:r>
-              <a:rPr lang="nl-NL"/>
-              <a:t>elasticsearch</a:t>
-            </a:r>
-          </a:p>
-        </p:txBody>
-      </p:sp>
-      <p:sp>
-        <p:nvSpPr>
-          <p:cNvPr id="5" name="Slide Number Placeholder 4">
-            <a:extLst>
-              <a:ext uri="{FF2B5EF4-FFF2-40B4-BE49-F238E27FC236}">
-                <a16:creationId xmlns:a16="http://schemas.microsoft.com/office/drawing/2014/main" id="{1ED320EF-EAEE-489F-A386-BA38AB71ECE2}"/>
-              </a:ext>
-            </a:extLst>
-          </p:cNvPr>
-          <p:cNvSpPr>
-            <a:spLocks noGrp="1"/>
-          </p:cNvSpPr>
-          <p:nvPr>
-            <p:ph type="sldNum" sz="quarter" idx="12"/>
-          </p:nvPr>
-        </p:nvSpPr>
-        <p:spPr/>
-        <p:txBody>
-          <a:bodyPr/>
-          <a:lstStyle/>
-          <a:p>
-            <a:fld id="{14F1411D-0280-154F-AEAC-4C20B7AA46B2}" type="slidenum">
-              <a:rPr lang="nl-NL" smtClean="0"/>
-              <a:t>33</a:t>
-            </a:fld>
-            <a:endParaRPr lang="nl-NL"/>
-          </a:p>
-        </p:txBody>
-      </p:sp>
-    </p:spTree>
-    <p:extLst>
-      <p:ext uri="{BB962C8B-B14F-4D97-AF65-F5344CB8AC3E}">
-        <p14:creationId xmlns:p14="http://schemas.microsoft.com/office/powerpoint/2010/main" val="2815328155"/>
-      </p:ext>
-    </p:extLst>
-  </p:cSld>
-  <p:clrMapOvr>
-    <a:masterClrMapping/>
-  </p:clrMapOvr>
-</p:sld>
-</file>
-
-<file path=ppt/slides/slide34.xml><?xml version="1.0" encoding="utf-8"?>
-<p:sld xmlns:a="http://schemas.openxmlformats.org/drawingml/2006/main" xmlns:r="http://schemas.openxmlformats.org/officeDocument/2006/relationships" xmlns:p="http://schemas.openxmlformats.org/presentationml/2006/main">
-  <p:cSld>
-    <p:spTree>
-      <p:nvGrpSpPr>
-        <p:cNvPr id="1" name=""/>
-        <p:cNvGrpSpPr/>
-        <p:nvPr/>
-      </p:nvGrpSpPr>
-      <p:grpSpPr>
-        <a:xfrm>
-          <a:off x="0" y="0"/>
-          <a:ext cx="0" cy="0"/>
-          <a:chOff x="0" y="0"/>
-          <a:chExt cx="0" cy="0"/>
-        </a:xfrm>
-      </p:grpSpPr>
-      <p:sp>
-        <p:nvSpPr>
-          <p:cNvPr id="2" name="Title 1">
-            <a:extLst>
-              <a:ext uri="{FF2B5EF4-FFF2-40B4-BE49-F238E27FC236}">
-                <a16:creationId xmlns:a16="http://schemas.microsoft.com/office/drawing/2014/main" id="{0C661C5B-F171-4F19-B641-29A0C774C0EA}"/>
-              </a:ext>
-            </a:extLst>
-          </p:cNvPr>
-          <p:cNvSpPr>
-            <a:spLocks noGrp="1"/>
-          </p:cNvSpPr>
-          <p:nvPr>
-            <p:ph type="title"/>
-          </p:nvPr>
-        </p:nvSpPr>
-        <p:spPr/>
-        <p:txBody>
-          <a:bodyPr/>
-          <a:lstStyle/>
-          <a:p>
-            <a:r>
-              <a:rPr lang="en-GB" dirty="0"/>
-              <a:t>Boosting(1)</a:t>
-            </a:r>
-            <a:endParaRPr lang="en-NL" dirty="0"/>
-          </a:p>
-        </p:txBody>
-      </p:sp>
-      <p:sp>
-        <p:nvSpPr>
-          <p:cNvPr id="3" name="Content Placeholder 2">
-            <a:extLst>
-              <a:ext uri="{FF2B5EF4-FFF2-40B4-BE49-F238E27FC236}">
-                <a16:creationId xmlns:a16="http://schemas.microsoft.com/office/drawing/2014/main" id="{025E9466-CE9D-445D-AC79-0BE72AF44377}"/>
-              </a:ext>
-            </a:extLst>
-          </p:cNvPr>
-          <p:cNvSpPr>
-            <a:spLocks noGrp="1"/>
-          </p:cNvSpPr>
-          <p:nvPr>
-            <p:ph idx="1"/>
-          </p:nvPr>
-        </p:nvSpPr>
-        <p:spPr/>
-        <p:txBody>
-          <a:bodyPr/>
-          <a:lstStyle/>
-          <a:p>
-            <a:r>
-              <a:rPr lang="en-GB" dirty="0"/>
-              <a:t>Boosting: change relevance (score) of documents</a:t>
-            </a:r>
-          </a:p>
-          <a:p>
-            <a:pPr lvl="1"/>
-            <a:r>
-              <a:rPr lang="en-GB" sz="1400" dirty="0"/>
-              <a:t>When indexing (deprecated): can only be altered by re-indexing </a:t>
-            </a:r>
-          </a:p>
-          <a:p>
-            <a:pPr lvl="1"/>
-            <a:r>
-              <a:rPr lang="en-GB" sz="1400" dirty="0"/>
-              <a:t>When querying</a:t>
-            </a:r>
-          </a:p>
-          <a:p>
-            <a:r>
-              <a:rPr lang="en-GB" dirty="0"/>
-              <a:t>Boosting is relative</a:t>
-            </a:r>
-          </a:p>
-          <a:p>
-            <a:r>
-              <a:rPr lang="en-GB" dirty="0"/>
-              <a:t>By adding </a:t>
-            </a:r>
-            <a:r>
-              <a:rPr lang="nl-NL" dirty="0"/>
-              <a:t>“explain”: true to a query an _explanation is added to the result where the TF and IDF and boosting factors can be found</a:t>
-            </a:r>
-          </a:p>
-          <a:p>
-            <a:pPr lvl="1"/>
-            <a:r>
-              <a:rPr lang="nl-NL" sz="1400" dirty="0"/>
-              <a:t>Resource intensive, use only for debugging</a:t>
-            </a:r>
-          </a:p>
-          <a:p>
-            <a:endParaRPr lang="nl-NL" dirty="0"/>
-          </a:p>
-          <a:p>
-            <a:r>
-              <a:rPr lang="nl-NL" dirty="0"/>
-              <a:t>Can be done in most term-level and full-text queries and all compound queries</a:t>
-            </a:r>
-          </a:p>
-          <a:p>
-            <a:pPr lvl="1"/>
-            <a:r>
-              <a:rPr lang="nl-NL" sz="1400" dirty="0"/>
-              <a:t>Only relevant when combining queries or searching multiple fields</a:t>
-            </a:r>
-            <a:endParaRPr lang="en-GB" sz="1400" dirty="0"/>
-          </a:p>
-          <a:p>
-            <a:endParaRPr lang="en-NL" dirty="0"/>
-          </a:p>
-        </p:txBody>
-      </p:sp>
-      <p:sp>
-        <p:nvSpPr>
-          <p:cNvPr id="4" name="Footer Placeholder 3">
-            <a:extLst>
-              <a:ext uri="{FF2B5EF4-FFF2-40B4-BE49-F238E27FC236}">
-                <a16:creationId xmlns:a16="http://schemas.microsoft.com/office/drawing/2014/main" id="{3F21F476-6764-4B0D-8AB6-FBFF16A8E2B1}"/>
-              </a:ext>
-            </a:extLst>
-          </p:cNvPr>
-          <p:cNvSpPr>
-            <a:spLocks noGrp="1"/>
-          </p:cNvSpPr>
-          <p:nvPr>
-            <p:ph type="ftr" sz="quarter" idx="11"/>
-          </p:nvPr>
-        </p:nvSpPr>
-        <p:spPr/>
-        <p:txBody>
-          <a:bodyPr/>
-          <a:lstStyle/>
-          <a:p>
-            <a:r>
-              <a:rPr lang="nl-NL"/>
-              <a:t>elasticsearch</a:t>
-            </a:r>
-          </a:p>
-        </p:txBody>
-      </p:sp>
-      <p:sp>
-        <p:nvSpPr>
-          <p:cNvPr id="5" name="Slide Number Placeholder 4">
-            <a:extLst>
-              <a:ext uri="{FF2B5EF4-FFF2-40B4-BE49-F238E27FC236}">
-                <a16:creationId xmlns:a16="http://schemas.microsoft.com/office/drawing/2014/main" id="{356553CF-D343-4477-9A21-25B90ECD052F}"/>
-              </a:ext>
-            </a:extLst>
-          </p:cNvPr>
-          <p:cNvSpPr>
-            <a:spLocks noGrp="1"/>
-          </p:cNvSpPr>
-          <p:nvPr>
-            <p:ph type="sldNum" sz="quarter" idx="12"/>
-          </p:nvPr>
-        </p:nvSpPr>
-        <p:spPr/>
-        <p:txBody>
-          <a:bodyPr/>
-          <a:lstStyle/>
-          <a:p>
-            <a:fld id="{14F1411D-0280-154F-AEAC-4C20B7AA46B2}" type="slidenum">
-              <a:rPr lang="nl-NL" smtClean="0"/>
-              <a:t>34</a:t>
-            </a:fld>
-            <a:endParaRPr lang="nl-NL"/>
-          </a:p>
-        </p:txBody>
-      </p:sp>
-    </p:spTree>
-    <p:extLst>
-      <p:ext uri="{BB962C8B-B14F-4D97-AF65-F5344CB8AC3E}">
-        <p14:creationId xmlns:p14="http://schemas.microsoft.com/office/powerpoint/2010/main" val="2772075307"/>
-      </p:ext>
-    </p:extLst>
-  </p:cSld>
-  <p:clrMapOvr>
-    <a:masterClrMapping/>
-  </p:clrMapOvr>
-</p:sld>
-</file>
-
-<file path=ppt/slides/slide35.xml><?xml version="1.0" encoding="utf-8"?>
-<p:sld xmlns:a="http://schemas.openxmlformats.org/drawingml/2006/main" xmlns:r="http://schemas.openxmlformats.org/officeDocument/2006/relationships" xmlns:p="http://schemas.openxmlformats.org/presentationml/2006/main">
-  <p:cSld>
-    <p:spTree>
-      <p:nvGrpSpPr>
-        <p:cNvPr id="1" name=""/>
-        <p:cNvGrpSpPr/>
-        <p:nvPr/>
-      </p:nvGrpSpPr>
-      <p:grpSpPr>
-        <a:xfrm>
-          <a:off x="0" y="0"/>
-          <a:ext cx="0" cy="0"/>
-          <a:chOff x="0" y="0"/>
-          <a:chExt cx="0" cy="0"/>
-        </a:xfrm>
-      </p:grpSpPr>
-      <p:sp>
-        <p:nvSpPr>
-          <p:cNvPr id="2" name="Title 1">
-            <a:extLst>
-              <a:ext uri="{FF2B5EF4-FFF2-40B4-BE49-F238E27FC236}">
-                <a16:creationId xmlns:a16="http://schemas.microsoft.com/office/drawing/2014/main" id="{55A1B8A9-4134-4893-B9C3-DBC4CA9A639C}"/>
-              </a:ext>
-            </a:extLst>
-          </p:cNvPr>
-          <p:cNvSpPr>
-            <a:spLocks noGrp="1"/>
-          </p:cNvSpPr>
-          <p:nvPr>
-            <p:ph type="title"/>
-          </p:nvPr>
-        </p:nvSpPr>
-        <p:spPr/>
-        <p:txBody>
-          <a:bodyPr/>
-          <a:lstStyle/>
-          <a:p>
-            <a:r>
-              <a:rPr lang="en-GB" dirty="0"/>
-              <a:t>Boosting(2)</a:t>
-            </a:r>
-            <a:endParaRPr lang="en-NL" dirty="0"/>
-          </a:p>
-        </p:txBody>
-      </p:sp>
-      <p:pic>
-        <p:nvPicPr>
-          <p:cNvPr id="7" name="Content Placeholder 6">
-            <a:extLst>
-              <a:ext uri="{FF2B5EF4-FFF2-40B4-BE49-F238E27FC236}">
-                <a16:creationId xmlns:a16="http://schemas.microsoft.com/office/drawing/2014/main" id="{9F6A3342-4366-416A-A010-A71799ADF02A}"/>
-              </a:ext>
-              <a:ext uri="{C183D7F6-B498-43B3-948B-1728B52AA6E4}">
-                <adec:decorative xmlns:adec="http://schemas.microsoft.com/office/drawing/2017/decorative" val="1"/>
-              </a:ext>
-            </a:extLst>
-          </p:cNvPr>
-          <p:cNvPicPr>
-            <a:picLocks noGrp="1" noChangeAspect="1"/>
-          </p:cNvPicPr>
-          <p:nvPr>
-            <p:ph idx="1"/>
-          </p:nvPr>
-        </p:nvPicPr>
-        <p:blipFill rotWithShape="1">
-          <a:blip r:embed="rId2"/>
-          <a:srcRect t="3330" r="24450" b="2670"/>
-          <a:stretch/>
-        </p:blipFill>
-        <p:spPr>
-          <a:xfrm>
-            <a:off x="719999" y="975360"/>
-            <a:ext cx="4454352" cy="3553098"/>
-          </a:xfrm>
-        </p:spPr>
-      </p:pic>
-      <p:sp>
-        <p:nvSpPr>
-          <p:cNvPr id="4" name="Footer Placeholder 3">
-            <a:extLst>
-              <a:ext uri="{FF2B5EF4-FFF2-40B4-BE49-F238E27FC236}">
-                <a16:creationId xmlns:a16="http://schemas.microsoft.com/office/drawing/2014/main" id="{2BF3F9E7-7E86-444B-A68A-F81792B95DFF}"/>
-              </a:ext>
-            </a:extLst>
-          </p:cNvPr>
-          <p:cNvSpPr>
-            <a:spLocks noGrp="1"/>
-          </p:cNvSpPr>
-          <p:nvPr>
-            <p:ph type="ftr" sz="quarter" idx="11"/>
-          </p:nvPr>
-        </p:nvSpPr>
-        <p:spPr/>
-        <p:txBody>
-          <a:bodyPr/>
-          <a:lstStyle/>
-          <a:p>
-            <a:r>
-              <a:rPr lang="nl-NL"/>
-              <a:t>elasticsearch</a:t>
-            </a:r>
-          </a:p>
-        </p:txBody>
-      </p:sp>
-      <p:sp>
-        <p:nvSpPr>
-          <p:cNvPr id="5" name="Slide Number Placeholder 4">
-            <a:extLst>
-              <a:ext uri="{FF2B5EF4-FFF2-40B4-BE49-F238E27FC236}">
-                <a16:creationId xmlns:a16="http://schemas.microsoft.com/office/drawing/2014/main" id="{4AD1042B-6ED7-46E1-858B-6E374DFF8BEF}"/>
-              </a:ext>
-            </a:extLst>
-          </p:cNvPr>
-          <p:cNvSpPr>
-            <a:spLocks noGrp="1"/>
-          </p:cNvSpPr>
-          <p:nvPr>
-            <p:ph type="sldNum" sz="quarter" idx="12"/>
-          </p:nvPr>
-        </p:nvSpPr>
-        <p:spPr/>
-        <p:txBody>
-          <a:bodyPr/>
-          <a:lstStyle/>
-          <a:p>
-            <a:fld id="{14F1411D-0280-154F-AEAC-4C20B7AA46B2}" type="slidenum">
-              <a:rPr lang="nl-NL" smtClean="0"/>
-              <a:t>35</a:t>
-            </a:fld>
-            <a:endParaRPr lang="nl-NL"/>
-          </a:p>
-        </p:txBody>
-      </p:sp>
-    </p:spTree>
-    <p:extLst>
-      <p:ext uri="{BB962C8B-B14F-4D97-AF65-F5344CB8AC3E}">
-        <p14:creationId xmlns:p14="http://schemas.microsoft.com/office/powerpoint/2010/main" val="4294700896"/>
-      </p:ext>
-    </p:extLst>
-  </p:cSld>
-  <p:clrMapOvr>
-    <a:masterClrMapping/>
-  </p:clrMapOvr>
-</p:sld>
-</file>
-
 <file path=ppt/slides/slide36.xml><?xml version="1.0" encoding="utf-8"?>
 <p:sld xmlns:a="http://schemas.openxmlformats.org/drawingml/2006/main" xmlns:r="http://schemas.openxmlformats.org/officeDocument/2006/relationships" xmlns:p="http://schemas.openxmlformats.org/presentationml/2006/main">
   <p:cSld>
@@ -14041,6 +14337,585 @@
           <p:cNvPr id="2" name="Title 1">
             <a:extLst>
               <a:ext uri="{FF2B5EF4-FFF2-40B4-BE49-F238E27FC236}">
+                <a16:creationId xmlns:a16="http://schemas.microsoft.com/office/drawing/2014/main" id="{8602A742-0C15-489F-9A77-2ECA0F11429F}"/>
+              </a:ext>
+            </a:extLst>
+          </p:cNvPr>
+          <p:cNvSpPr>
+            <a:spLocks noGrp="1"/>
+          </p:cNvSpPr>
+          <p:nvPr>
+            <p:ph type="title"/>
+          </p:nvPr>
+        </p:nvSpPr>
+        <p:spPr/>
+        <p:txBody>
+          <a:bodyPr/>
+          <a:lstStyle/>
+          <a:p>
+            <a:r>
+              <a:rPr lang="en-GB" dirty="0"/>
+              <a:t>Scoring</a:t>
+            </a:r>
+            <a:endParaRPr lang="en-NL" dirty="0"/>
+          </a:p>
+        </p:txBody>
+      </p:sp>
+      <p:sp>
+        <p:nvSpPr>
+          <p:cNvPr id="3" name="Content Placeholder 2">
+            <a:extLst>
+              <a:ext uri="{FF2B5EF4-FFF2-40B4-BE49-F238E27FC236}">
+                <a16:creationId xmlns:a16="http://schemas.microsoft.com/office/drawing/2014/main" id="{6D38AB44-3548-461E-8441-ECD089D829F1}"/>
+              </a:ext>
+            </a:extLst>
+          </p:cNvPr>
+          <p:cNvSpPr>
+            <a:spLocks noGrp="1"/>
+          </p:cNvSpPr>
+          <p:nvPr>
+            <p:ph idx="1"/>
+          </p:nvPr>
+        </p:nvSpPr>
+        <p:spPr/>
+        <p:txBody>
+          <a:bodyPr/>
+          <a:lstStyle/>
+          <a:p>
+            <a:r>
+              <a:rPr lang="en-GB" dirty="0"/>
+              <a:t>The score indicates the relevance of a result</a:t>
+            </a:r>
+          </a:p>
+          <a:p>
+            <a:r>
+              <a:rPr lang="en-GB" dirty="0"/>
+              <a:t>Default scoring: how often a term occurs in the document (term frequency or TF) compared to how often it occurs in all documents (inverse document frequency or IDF)</a:t>
+            </a:r>
+          </a:p>
+          <a:p>
+            <a:r>
+              <a:rPr lang="en-GB" dirty="0"/>
+              <a:t>Can use other scoring method for whole cluster or for just one field</a:t>
+            </a:r>
+          </a:p>
+          <a:p>
+            <a:endParaRPr lang="en-GB" dirty="0"/>
+          </a:p>
+          <a:p>
+            <a:r>
+              <a:rPr lang="en-GB" dirty="0"/>
+              <a:t>Rescoring: resource intensive scoring calculations</a:t>
+            </a:r>
+          </a:p>
+          <a:p>
+            <a:pPr lvl="1"/>
+            <a:r>
+              <a:rPr lang="en-GB" dirty="0"/>
+              <a:t>Only applied to top results, after initial scoring is done</a:t>
+            </a:r>
+          </a:p>
+          <a:p>
+            <a:pPr lvl="1"/>
+            <a:r>
+              <a:rPr lang="en-GB" dirty="0"/>
+              <a:t>Add “rescore” to JSON body with </a:t>
+            </a:r>
+            <a:r>
+              <a:rPr lang="en-GB" dirty="0" err="1"/>
+              <a:t>window_size</a:t>
+            </a:r>
+            <a:r>
+              <a:rPr lang="en-GB" dirty="0"/>
+              <a:t>, query, </a:t>
+            </a:r>
+            <a:r>
+              <a:rPr lang="en-GB" dirty="0" err="1"/>
+              <a:t>query_weight</a:t>
+            </a:r>
+            <a:r>
+              <a:rPr lang="en-GB" dirty="0"/>
+              <a:t> and </a:t>
+            </a:r>
+            <a:r>
+              <a:rPr lang="en-GB" dirty="0" err="1"/>
+              <a:t>rescore_weight</a:t>
+            </a:r>
+            <a:endParaRPr lang="en-GB" dirty="0"/>
+          </a:p>
+          <a:p>
+            <a:pPr lvl="2"/>
+            <a:r>
+              <a:rPr lang="en-GB" sz="1400" dirty="0"/>
+              <a:t>Window size determines on how many of the top documents a rescore is applied</a:t>
+            </a:r>
+          </a:p>
+          <a:p>
+            <a:pPr lvl="2"/>
+            <a:r>
+              <a:rPr lang="en-GB" sz="1400" dirty="0"/>
+              <a:t>The relative importance of the original score and rescore can be controller with </a:t>
+            </a:r>
+            <a:r>
+              <a:rPr lang="en-GB" sz="1400" dirty="0" err="1"/>
+              <a:t>query_weight</a:t>
+            </a:r>
+            <a:r>
+              <a:rPr lang="en-GB" sz="1400" dirty="0"/>
+              <a:t> and </a:t>
+            </a:r>
+            <a:r>
+              <a:rPr lang="en-GB" sz="1400" dirty="0" err="1"/>
+              <a:t>rescore_weight</a:t>
+            </a:r>
+            <a:endParaRPr lang="en-NL" sz="1400" dirty="0"/>
+          </a:p>
+          <a:p>
+            <a:pPr lvl="1"/>
+            <a:endParaRPr lang="en-GB" dirty="0"/>
+          </a:p>
+        </p:txBody>
+      </p:sp>
+      <p:sp>
+        <p:nvSpPr>
+          <p:cNvPr id="4" name="Footer Placeholder 3">
+            <a:extLst>
+              <a:ext uri="{FF2B5EF4-FFF2-40B4-BE49-F238E27FC236}">
+                <a16:creationId xmlns:a16="http://schemas.microsoft.com/office/drawing/2014/main" id="{91853CB0-BCD0-4B16-9D4D-9ECAA1C9E561}"/>
+              </a:ext>
+            </a:extLst>
+          </p:cNvPr>
+          <p:cNvSpPr>
+            <a:spLocks noGrp="1"/>
+          </p:cNvSpPr>
+          <p:nvPr>
+            <p:ph type="ftr" sz="quarter" idx="11"/>
+          </p:nvPr>
+        </p:nvSpPr>
+        <p:spPr/>
+        <p:txBody>
+          <a:bodyPr/>
+          <a:lstStyle/>
+          <a:p>
+            <a:r>
+              <a:rPr lang="nl-NL"/>
+              <a:t>elasticsearch</a:t>
+            </a:r>
+          </a:p>
+        </p:txBody>
+      </p:sp>
+      <p:sp>
+        <p:nvSpPr>
+          <p:cNvPr id="5" name="Slide Number Placeholder 4">
+            <a:extLst>
+              <a:ext uri="{FF2B5EF4-FFF2-40B4-BE49-F238E27FC236}">
+                <a16:creationId xmlns:a16="http://schemas.microsoft.com/office/drawing/2014/main" id="{1ED320EF-EAEE-489F-A386-BA38AB71ECE2}"/>
+              </a:ext>
+            </a:extLst>
+          </p:cNvPr>
+          <p:cNvSpPr>
+            <a:spLocks noGrp="1"/>
+          </p:cNvSpPr>
+          <p:nvPr>
+            <p:ph type="sldNum" sz="quarter" idx="12"/>
+          </p:nvPr>
+        </p:nvSpPr>
+        <p:spPr/>
+        <p:txBody>
+          <a:bodyPr/>
+          <a:lstStyle/>
+          <a:p>
+            <a:fld id="{14F1411D-0280-154F-AEAC-4C20B7AA46B2}" type="slidenum">
+              <a:rPr lang="nl-NL" smtClean="0"/>
+              <a:t>36</a:t>
+            </a:fld>
+            <a:endParaRPr lang="nl-NL"/>
+          </a:p>
+        </p:txBody>
+      </p:sp>
+    </p:spTree>
+    <p:extLst>
+      <p:ext uri="{BB962C8B-B14F-4D97-AF65-F5344CB8AC3E}">
+        <p14:creationId xmlns:p14="http://schemas.microsoft.com/office/powerpoint/2010/main" val="2815328155"/>
+      </p:ext>
+    </p:extLst>
+  </p:cSld>
+  <p:clrMapOvr>
+    <a:masterClrMapping/>
+  </p:clrMapOvr>
+</p:sld>
+</file>
+
+<file path=ppt/slides/slide37.xml><?xml version="1.0" encoding="utf-8"?>
+<p:sld xmlns:a="http://schemas.openxmlformats.org/drawingml/2006/main" xmlns:r="http://schemas.openxmlformats.org/officeDocument/2006/relationships" xmlns:p="http://schemas.openxmlformats.org/presentationml/2006/main">
+  <p:cSld>
+    <p:spTree>
+      <p:nvGrpSpPr>
+        <p:cNvPr id="1" name=""/>
+        <p:cNvGrpSpPr/>
+        <p:nvPr/>
+      </p:nvGrpSpPr>
+      <p:grpSpPr>
+        <a:xfrm>
+          <a:off x="0" y="0"/>
+          <a:ext cx="0" cy="0"/>
+          <a:chOff x="0" y="0"/>
+          <a:chExt cx="0" cy="0"/>
+        </a:xfrm>
+      </p:grpSpPr>
+      <p:sp>
+        <p:nvSpPr>
+          <p:cNvPr id="2" name="Title 1">
+            <a:extLst>
+              <a:ext uri="{FF2B5EF4-FFF2-40B4-BE49-F238E27FC236}">
+                <a16:creationId xmlns:a16="http://schemas.microsoft.com/office/drawing/2014/main" id="{0C661C5B-F171-4F19-B641-29A0C774C0EA}"/>
+              </a:ext>
+            </a:extLst>
+          </p:cNvPr>
+          <p:cNvSpPr>
+            <a:spLocks noGrp="1"/>
+          </p:cNvSpPr>
+          <p:nvPr>
+            <p:ph type="title"/>
+          </p:nvPr>
+        </p:nvSpPr>
+        <p:spPr/>
+        <p:txBody>
+          <a:bodyPr/>
+          <a:lstStyle/>
+          <a:p>
+            <a:r>
+              <a:rPr lang="en-GB" dirty="0"/>
+              <a:t>Boosting(1)</a:t>
+            </a:r>
+            <a:endParaRPr lang="en-NL" dirty="0"/>
+          </a:p>
+        </p:txBody>
+      </p:sp>
+      <p:sp>
+        <p:nvSpPr>
+          <p:cNvPr id="3" name="Content Placeholder 2">
+            <a:extLst>
+              <a:ext uri="{FF2B5EF4-FFF2-40B4-BE49-F238E27FC236}">
+                <a16:creationId xmlns:a16="http://schemas.microsoft.com/office/drawing/2014/main" id="{025E9466-CE9D-445D-AC79-0BE72AF44377}"/>
+              </a:ext>
+            </a:extLst>
+          </p:cNvPr>
+          <p:cNvSpPr>
+            <a:spLocks noGrp="1"/>
+          </p:cNvSpPr>
+          <p:nvPr>
+            <p:ph idx="1"/>
+          </p:nvPr>
+        </p:nvSpPr>
+        <p:spPr/>
+        <p:txBody>
+          <a:bodyPr/>
+          <a:lstStyle/>
+          <a:p>
+            <a:r>
+              <a:rPr lang="en-GB" dirty="0"/>
+              <a:t>Boosting: change relevance (score) of documents</a:t>
+            </a:r>
+          </a:p>
+          <a:p>
+            <a:pPr lvl="1"/>
+            <a:r>
+              <a:rPr lang="en-GB" sz="1400" dirty="0"/>
+              <a:t>When indexing (deprecated): can only be altered by re-indexing </a:t>
+            </a:r>
+          </a:p>
+          <a:p>
+            <a:pPr lvl="1"/>
+            <a:r>
+              <a:rPr lang="en-GB" sz="1400" dirty="0"/>
+              <a:t>When querying</a:t>
+            </a:r>
+          </a:p>
+          <a:p>
+            <a:r>
+              <a:rPr lang="en-GB" dirty="0"/>
+              <a:t>Boosting is relative</a:t>
+            </a:r>
+          </a:p>
+          <a:p>
+            <a:r>
+              <a:rPr lang="en-GB" dirty="0"/>
+              <a:t>By adding </a:t>
+            </a:r>
+            <a:r>
+              <a:rPr lang="nl-NL" dirty="0"/>
+              <a:t>“explain”: true to a query an _explanation is added to the result where the TF and IDF and boosting factors can be found</a:t>
+            </a:r>
+          </a:p>
+          <a:p>
+            <a:pPr lvl="1"/>
+            <a:r>
+              <a:rPr lang="nl-NL" sz="1400" dirty="0"/>
+              <a:t>Resource intensive, use only for debugging</a:t>
+            </a:r>
+          </a:p>
+          <a:p>
+            <a:endParaRPr lang="nl-NL" dirty="0"/>
+          </a:p>
+          <a:p>
+            <a:r>
+              <a:rPr lang="nl-NL" dirty="0"/>
+              <a:t>Can be done in most term-level and full-text queries and all compound queries</a:t>
+            </a:r>
+          </a:p>
+          <a:p>
+            <a:pPr lvl="1"/>
+            <a:r>
+              <a:rPr lang="nl-NL" sz="1400" dirty="0"/>
+              <a:t>Only relevant when combining queries or searching multiple fields</a:t>
+            </a:r>
+            <a:endParaRPr lang="en-GB" sz="1400" dirty="0"/>
+          </a:p>
+          <a:p>
+            <a:endParaRPr lang="en-NL" dirty="0"/>
+          </a:p>
+        </p:txBody>
+      </p:sp>
+      <p:sp>
+        <p:nvSpPr>
+          <p:cNvPr id="4" name="Footer Placeholder 3">
+            <a:extLst>
+              <a:ext uri="{FF2B5EF4-FFF2-40B4-BE49-F238E27FC236}">
+                <a16:creationId xmlns:a16="http://schemas.microsoft.com/office/drawing/2014/main" id="{3F21F476-6764-4B0D-8AB6-FBFF16A8E2B1}"/>
+              </a:ext>
+            </a:extLst>
+          </p:cNvPr>
+          <p:cNvSpPr>
+            <a:spLocks noGrp="1"/>
+          </p:cNvSpPr>
+          <p:nvPr>
+            <p:ph type="ftr" sz="quarter" idx="11"/>
+          </p:nvPr>
+        </p:nvSpPr>
+        <p:spPr/>
+        <p:txBody>
+          <a:bodyPr/>
+          <a:lstStyle/>
+          <a:p>
+            <a:r>
+              <a:rPr lang="nl-NL"/>
+              <a:t>elasticsearch</a:t>
+            </a:r>
+          </a:p>
+        </p:txBody>
+      </p:sp>
+      <p:sp>
+        <p:nvSpPr>
+          <p:cNvPr id="5" name="Slide Number Placeholder 4">
+            <a:extLst>
+              <a:ext uri="{FF2B5EF4-FFF2-40B4-BE49-F238E27FC236}">
+                <a16:creationId xmlns:a16="http://schemas.microsoft.com/office/drawing/2014/main" id="{356553CF-D343-4477-9A21-25B90ECD052F}"/>
+              </a:ext>
+            </a:extLst>
+          </p:cNvPr>
+          <p:cNvSpPr>
+            <a:spLocks noGrp="1"/>
+          </p:cNvSpPr>
+          <p:nvPr>
+            <p:ph type="sldNum" sz="quarter" idx="12"/>
+          </p:nvPr>
+        </p:nvSpPr>
+        <p:spPr/>
+        <p:txBody>
+          <a:bodyPr/>
+          <a:lstStyle/>
+          <a:p>
+            <a:fld id="{14F1411D-0280-154F-AEAC-4C20B7AA46B2}" type="slidenum">
+              <a:rPr lang="nl-NL" smtClean="0"/>
+              <a:t>37</a:t>
+            </a:fld>
+            <a:endParaRPr lang="nl-NL"/>
+          </a:p>
+        </p:txBody>
+      </p:sp>
+    </p:spTree>
+    <p:extLst>
+      <p:ext uri="{BB962C8B-B14F-4D97-AF65-F5344CB8AC3E}">
+        <p14:creationId xmlns:p14="http://schemas.microsoft.com/office/powerpoint/2010/main" val="2772075307"/>
+      </p:ext>
+    </p:extLst>
+  </p:cSld>
+  <p:clrMapOvr>
+    <a:masterClrMapping/>
+  </p:clrMapOvr>
+</p:sld>
+</file>
+
+<file path=ppt/slides/slide38.xml><?xml version="1.0" encoding="utf-8"?>
+<p:sld xmlns:a="http://schemas.openxmlformats.org/drawingml/2006/main" xmlns:r="http://schemas.openxmlformats.org/officeDocument/2006/relationships" xmlns:p="http://schemas.openxmlformats.org/presentationml/2006/main">
+  <p:cSld>
+    <p:spTree>
+      <p:nvGrpSpPr>
+        <p:cNvPr id="1" name=""/>
+        <p:cNvGrpSpPr/>
+        <p:nvPr/>
+      </p:nvGrpSpPr>
+      <p:grpSpPr>
+        <a:xfrm>
+          <a:off x="0" y="0"/>
+          <a:ext cx="0" cy="0"/>
+          <a:chOff x="0" y="0"/>
+          <a:chExt cx="0" cy="0"/>
+        </a:xfrm>
+      </p:grpSpPr>
+      <p:sp>
+        <p:nvSpPr>
+          <p:cNvPr id="2" name="Title 1">
+            <a:extLst>
+              <a:ext uri="{FF2B5EF4-FFF2-40B4-BE49-F238E27FC236}">
+                <a16:creationId xmlns:a16="http://schemas.microsoft.com/office/drawing/2014/main" id="{55A1B8A9-4134-4893-B9C3-DBC4CA9A639C}"/>
+              </a:ext>
+            </a:extLst>
+          </p:cNvPr>
+          <p:cNvSpPr>
+            <a:spLocks noGrp="1"/>
+          </p:cNvSpPr>
+          <p:nvPr>
+            <p:ph type="title"/>
+          </p:nvPr>
+        </p:nvSpPr>
+        <p:spPr/>
+        <p:txBody>
+          <a:bodyPr/>
+          <a:lstStyle/>
+          <a:p>
+            <a:r>
+              <a:rPr lang="en-GB" dirty="0"/>
+              <a:t>Boosting(2)</a:t>
+            </a:r>
+            <a:endParaRPr lang="en-NL" dirty="0"/>
+          </a:p>
+        </p:txBody>
+      </p:sp>
+      <p:pic>
+        <p:nvPicPr>
+          <p:cNvPr id="7" name="Content Placeholder 6">
+            <a:extLst>
+              <a:ext uri="{FF2B5EF4-FFF2-40B4-BE49-F238E27FC236}">
+                <a16:creationId xmlns:a16="http://schemas.microsoft.com/office/drawing/2014/main" id="{9F6A3342-4366-416A-A010-A71799ADF02A}"/>
+              </a:ext>
+              <a:ext uri="{C183D7F6-B498-43B3-948B-1728B52AA6E4}">
+                <adec:decorative xmlns:adec="http://schemas.microsoft.com/office/drawing/2017/decorative" val="1"/>
+              </a:ext>
+            </a:extLst>
+          </p:cNvPr>
+          <p:cNvPicPr>
+            <a:picLocks noGrp="1" noChangeAspect="1"/>
+          </p:cNvPicPr>
+          <p:nvPr>
+            <p:ph idx="1"/>
+          </p:nvPr>
+        </p:nvPicPr>
+        <p:blipFill rotWithShape="1">
+          <a:blip r:embed="rId2"/>
+          <a:srcRect t="3330" r="24450" b="2670"/>
+          <a:stretch/>
+        </p:blipFill>
+        <p:spPr>
+          <a:xfrm>
+            <a:off x="719999" y="975360"/>
+            <a:ext cx="4454352" cy="3553098"/>
+          </a:xfrm>
+        </p:spPr>
+      </p:pic>
+      <p:sp>
+        <p:nvSpPr>
+          <p:cNvPr id="4" name="Footer Placeholder 3">
+            <a:extLst>
+              <a:ext uri="{FF2B5EF4-FFF2-40B4-BE49-F238E27FC236}">
+                <a16:creationId xmlns:a16="http://schemas.microsoft.com/office/drawing/2014/main" id="{2BF3F9E7-7E86-444B-A68A-F81792B95DFF}"/>
+              </a:ext>
+            </a:extLst>
+          </p:cNvPr>
+          <p:cNvSpPr>
+            <a:spLocks noGrp="1"/>
+          </p:cNvSpPr>
+          <p:nvPr>
+            <p:ph type="ftr" sz="quarter" idx="11"/>
+          </p:nvPr>
+        </p:nvSpPr>
+        <p:spPr/>
+        <p:txBody>
+          <a:bodyPr/>
+          <a:lstStyle/>
+          <a:p>
+            <a:r>
+              <a:rPr lang="nl-NL"/>
+              <a:t>elasticsearch</a:t>
+            </a:r>
+          </a:p>
+        </p:txBody>
+      </p:sp>
+      <p:sp>
+        <p:nvSpPr>
+          <p:cNvPr id="5" name="Slide Number Placeholder 4">
+            <a:extLst>
+              <a:ext uri="{FF2B5EF4-FFF2-40B4-BE49-F238E27FC236}">
+                <a16:creationId xmlns:a16="http://schemas.microsoft.com/office/drawing/2014/main" id="{4AD1042B-6ED7-46E1-858B-6E374DFF8BEF}"/>
+              </a:ext>
+            </a:extLst>
+          </p:cNvPr>
+          <p:cNvSpPr>
+            <a:spLocks noGrp="1"/>
+          </p:cNvSpPr>
+          <p:nvPr>
+            <p:ph type="sldNum" sz="quarter" idx="12"/>
+          </p:nvPr>
+        </p:nvSpPr>
+        <p:spPr/>
+        <p:txBody>
+          <a:bodyPr/>
+          <a:lstStyle/>
+          <a:p>
+            <a:fld id="{14F1411D-0280-154F-AEAC-4C20B7AA46B2}" type="slidenum">
+              <a:rPr lang="nl-NL" smtClean="0"/>
+              <a:t>38</a:t>
+            </a:fld>
+            <a:endParaRPr lang="nl-NL"/>
+          </a:p>
+        </p:txBody>
+      </p:sp>
+    </p:spTree>
+    <p:extLst>
+      <p:ext uri="{BB962C8B-B14F-4D97-AF65-F5344CB8AC3E}">
+        <p14:creationId xmlns:p14="http://schemas.microsoft.com/office/powerpoint/2010/main" val="4294700896"/>
+      </p:ext>
+    </p:extLst>
+  </p:cSld>
+  <p:clrMapOvr>
+    <a:masterClrMapping/>
+  </p:clrMapOvr>
+</p:sld>
+</file>
+
+<file path=ppt/slides/slide39.xml><?xml version="1.0" encoding="utf-8"?>
+<p:sld xmlns:a="http://schemas.openxmlformats.org/drawingml/2006/main" xmlns:r="http://schemas.openxmlformats.org/officeDocument/2006/relationships" xmlns:p="http://schemas.openxmlformats.org/presentationml/2006/main">
+  <p:cSld>
+    <p:spTree>
+      <p:nvGrpSpPr>
+        <p:cNvPr id="1" name=""/>
+        <p:cNvGrpSpPr/>
+        <p:nvPr/>
+      </p:nvGrpSpPr>
+      <p:grpSpPr>
+        <a:xfrm>
+          <a:off x="0" y="0"/>
+          <a:ext cx="0" cy="0"/>
+          <a:chOff x="0" y="0"/>
+          <a:chExt cx="0" cy="0"/>
+        </a:xfrm>
+      </p:grpSpPr>
+      <p:sp>
+        <p:nvSpPr>
+          <p:cNvPr id="2" name="Title 1">
+            <a:extLst>
+              <a:ext uri="{FF2B5EF4-FFF2-40B4-BE49-F238E27FC236}">
                 <a16:creationId xmlns:a16="http://schemas.microsoft.com/office/drawing/2014/main" id="{2F06F964-04B2-41AD-BD1A-F7ECBD43EA37}"/>
               </a:ext>
             </a:extLst>
@@ -14235,7 +15110,7 @@
           <a:p>
             <a:fld id="{14F1411D-0280-154F-AEAC-4C20B7AA46B2}" type="slidenum">
               <a:rPr lang="nl-NL" smtClean="0"/>
-              <a:t>36</a:t>
+              <a:t>39</a:t>
             </a:fld>
             <a:endParaRPr lang="nl-NL"/>
           </a:p>
@@ -14283,7 +15158,7 @@
 </p:sld>
 </file>
 
-<file path=ppt/slides/slide37.xml><?xml version="1.0" encoding="utf-8"?>
+<file path=ppt/slides/slide4.xml><?xml version="1.0" encoding="utf-8"?>
 <p:sld xmlns:a="http://schemas.openxmlformats.org/drawingml/2006/main" xmlns:r="http://schemas.openxmlformats.org/officeDocument/2006/relationships" xmlns:p="http://schemas.openxmlformats.org/presentationml/2006/main">
   <p:cSld>
     <p:spTree>
@@ -14302,10 +15177,96 @@
       </p:grpSpPr>
       <p:sp>
         <p:nvSpPr>
+          <p:cNvPr id="4" name="Footer Placeholder 3">
+            <a:extLst>
+              <a:ext uri="{FF2B5EF4-FFF2-40B4-BE49-F238E27FC236}">
+                <a16:creationId xmlns:a16="http://schemas.microsoft.com/office/drawing/2014/main" id="{6F58536D-8C0A-49D6-A955-755810636955}"/>
+              </a:ext>
+            </a:extLst>
+          </p:cNvPr>
+          <p:cNvSpPr>
+            <a:spLocks noGrp="1"/>
+          </p:cNvSpPr>
+          <p:nvPr>
+            <p:ph type="ftr" sz="quarter" idx="11"/>
+          </p:nvPr>
+        </p:nvSpPr>
+        <p:spPr>
+          <a:xfrm>
+            <a:off x="4968000" y="5004000"/>
+            <a:ext cx="3240000" cy="108000"/>
+          </a:xfrm>
+        </p:spPr>
+        <p:txBody>
+          <a:bodyPr anchor="t">
+            <a:normAutofit/>
+          </a:bodyPr>
+          <a:lstStyle/>
+          <a:p>
+            <a:pPr>
+              <a:spcAft>
+                <a:spcPts val="600"/>
+              </a:spcAft>
+            </a:pPr>
+            <a:r>
+              <a:rPr lang="nl-NL"/>
+              <a:t>elasticsearch</a:t>
+            </a:r>
+          </a:p>
+        </p:txBody>
+      </p:sp>
+      <p:sp>
+        <p:nvSpPr>
+          <p:cNvPr id="5" name="Slide Number Placeholder 4">
+            <a:extLst>
+              <a:ext uri="{FF2B5EF4-FFF2-40B4-BE49-F238E27FC236}">
+                <a16:creationId xmlns:a16="http://schemas.microsoft.com/office/drawing/2014/main" id="{E8C2995E-923F-4DB6-9ABB-F11BCF2949B1}"/>
+              </a:ext>
+            </a:extLst>
+          </p:cNvPr>
+          <p:cNvSpPr>
+            <a:spLocks noGrp="1"/>
+          </p:cNvSpPr>
+          <p:nvPr>
+            <p:ph type="sldNum" sz="quarter" idx="12"/>
+          </p:nvPr>
+        </p:nvSpPr>
+        <p:spPr>
+          <a:xfrm>
+            <a:off x="8280000" y="5004000"/>
+            <a:ext cx="144000" cy="108000"/>
+          </a:xfrm>
+        </p:spPr>
+        <p:txBody>
+          <a:bodyPr anchor="t">
+            <a:normAutofit/>
+          </a:bodyPr>
+          <a:lstStyle/>
+          <a:p>
+            <a:pPr>
+              <a:spcAft>
+                <a:spcPts val="600"/>
+              </a:spcAft>
+            </a:pPr>
+            <a:fld id="{14F1411D-0280-154F-AEAC-4C20B7AA46B2}" type="slidenum">
+              <a:rPr lang="nl-NL" smtClean="0"/>
+              <a:pPr>
+                <a:spcAft>
+                  <a:spcPts val="600"/>
+                </a:spcAft>
+              </a:pPr>
+              <a:t>4</a:t>
+            </a:fld>
+            <a:endParaRPr lang="nl-NL"/>
+          </a:p>
+        </p:txBody>
+      </p:sp>
+      <p:sp>
+        <p:nvSpPr>
           <p:cNvPr id="2" name="Title 1">
             <a:extLst>
               <a:ext uri="{FF2B5EF4-FFF2-40B4-BE49-F238E27FC236}">
-                <a16:creationId xmlns:a16="http://schemas.microsoft.com/office/drawing/2014/main" id="{0FBBD13C-9B5E-4189-9E78-238477EC36AB}"/>
+                <a16:creationId xmlns:a16="http://schemas.microsoft.com/office/drawing/2014/main" id="{4BD4825D-FA67-4C25-82CD-0C507000932B}"/>
               </a:ext>
             </a:extLst>
           </p:cNvPr>
@@ -14316,14 +15277,21 @@
             <p:ph type="title"/>
           </p:nvPr>
         </p:nvSpPr>
-        <p:spPr/>
-        <p:txBody>
-          <a:bodyPr/>
+        <p:spPr>
+          <a:xfrm>
+            <a:off x="719999" y="288000"/>
+            <a:ext cx="6624000" cy="504000"/>
+          </a:xfrm>
+        </p:spPr>
+        <p:txBody>
+          <a:bodyPr anchor="ctr">
+            <a:normAutofit/>
+          </a:bodyPr>
           <a:lstStyle/>
           <a:p>
             <a:r>
               <a:rPr lang="en-GB" dirty="0"/>
-              <a:t>Aggregations(2)</a:t>
+              <a:t>Advantages and disadvantages</a:t>
             </a:r>
             <a:endParaRPr lang="en-NL" dirty="0"/>
           </a:p>
@@ -14334,7 +15302,7 @@
           <p:cNvPr id="3" name="Content Placeholder 2">
             <a:extLst>
               <a:ext uri="{FF2B5EF4-FFF2-40B4-BE49-F238E27FC236}">
-                <a16:creationId xmlns:a16="http://schemas.microsoft.com/office/drawing/2014/main" id="{E75347B0-CAEC-4097-9892-E6AB2B41EFBA}"/>
+                <a16:creationId xmlns:a16="http://schemas.microsoft.com/office/drawing/2014/main" id="{797DA23D-AC0E-4F5C-AD50-F75A088F9E04}"/>
               </a:ext>
             </a:extLst>
           </p:cNvPr>
@@ -14347,91 +15315,129 @@
         </p:nvSpPr>
         <p:spPr>
           <a:xfrm>
-            <a:off x="720003" y="936000"/>
-            <a:ext cx="6246854" cy="3780000"/>
+            <a:off x="720003" y="1224000"/>
+            <a:ext cx="3744993" cy="3491999"/>
           </a:xfrm>
         </p:spPr>
         <p:txBody>
-          <a:bodyPr/>
-          <a:lstStyle/>
-          <a:p>
+          <a:bodyPr anchor="t">
+            <a:normAutofit/>
+          </a:bodyPr>
+          <a:lstStyle/>
+          <a:p>
+            <a:pPr>
+              <a:spcAft>
+                <a:spcPts val="600"/>
+              </a:spcAft>
+            </a:pPr>
             <a:r>
               <a:rPr lang="en-GB" dirty="0"/>
-              <a:t>Values used for aggregations can be extracted by setting a field key or by defining a script to generate the values</a:t>
-            </a:r>
-          </a:p>
-          <a:p>
+              <a:t>Fast searching of big data sets</a:t>
+            </a:r>
+          </a:p>
+          <a:p>
+            <a:pPr>
+              <a:spcAft>
+                <a:spcPts val="600"/>
+              </a:spcAft>
+            </a:pPr>
             <a:r>
               <a:rPr lang="en-GB" dirty="0"/>
-              <a:t>Aggregations can be nested</a:t>
-            </a:r>
-          </a:p>
-          <a:p>
+              <a:t>Full-text search</a:t>
+            </a:r>
+          </a:p>
+          <a:p>
+            <a:pPr>
+              <a:spcAft>
+                <a:spcPts val="600"/>
+              </a:spcAft>
+            </a:pPr>
+            <a:r>
+              <a:rPr lang="en-GB" dirty="0"/>
+              <a:t>Fuzzy searching</a:t>
+            </a:r>
+          </a:p>
+          <a:p>
+            <a:pPr>
+              <a:spcAft>
+                <a:spcPts val="600"/>
+              </a:spcAft>
+            </a:pPr>
+            <a:r>
+              <a:rPr lang="en-GB" dirty="0"/>
+              <a:t>Aggregations of data</a:t>
+            </a:r>
+          </a:p>
+          <a:p>
+            <a:pPr>
+              <a:spcAft>
+                <a:spcPts val="600"/>
+              </a:spcAft>
+            </a:pPr>
+            <a:r>
+              <a:rPr lang="en-GB" dirty="0"/>
+              <a:t>Easy to index</a:t>
+            </a:r>
+          </a:p>
+          <a:p>
+            <a:pPr>
+              <a:spcAft>
+                <a:spcPts val="600"/>
+              </a:spcAft>
+            </a:pPr>
+            <a:r>
+              <a:rPr lang="en-GB" dirty="0"/>
+              <a:t>Easily scalable</a:t>
+            </a:r>
+          </a:p>
+          <a:p>
+            <a:pPr>
+              <a:spcAft>
+                <a:spcPts val="600"/>
+              </a:spcAft>
+            </a:pPr>
             <a:endParaRPr lang="en-GB" dirty="0"/>
           </a:p>
           <a:p>
-            <a:r>
-              <a:rPr lang="en-GB" dirty="0"/>
-              <a:t>The results are shown below the query results</a:t>
-            </a:r>
-          </a:p>
-          <a:p>
-            <a:pPr lvl="1"/>
-            <a:r>
-              <a:rPr lang="en-GB" sz="1400" dirty="0"/>
-              <a:t>Set size to 0 to only get aggregation results</a:t>
-            </a:r>
-          </a:p>
-          <a:p>
+            <a:pPr lvl="1">
+              <a:spcAft>
+                <a:spcPts val="600"/>
+              </a:spcAft>
+            </a:pPr>
             <a:endParaRPr lang="en-GB" dirty="0"/>
           </a:p>
           <a:p>
-            <a:r>
-              <a:rPr lang="en-GB" dirty="0"/>
-              <a:t>Results are approximate for values above 2^53</a:t>
-            </a:r>
-          </a:p>
-          <a:p>
+            <a:pPr lvl="1">
+              <a:spcAft>
+                <a:spcPts val="600"/>
+              </a:spcAft>
+            </a:pPr>
             <a:endParaRPr lang="en-GB" dirty="0"/>
           </a:p>
           <a:p>
+            <a:pPr lvl="1">
+              <a:spcAft>
+                <a:spcPts val="600"/>
+              </a:spcAft>
+            </a:pPr>
             <a:endParaRPr lang="en-GB" dirty="0"/>
           </a:p>
           <a:p>
-            <a:endParaRPr lang="en-GB" dirty="0"/>
-          </a:p>
-          <a:p>
-            <a:endParaRPr lang="en-GB" dirty="0"/>
-          </a:p>
-          <a:p>
-            <a:endParaRPr lang="en-GB" dirty="0"/>
-          </a:p>
-          <a:p>
-            <a:endParaRPr lang="en-GB" dirty="0"/>
-          </a:p>
-          <a:p>
-            <a:r>
-              <a:rPr lang="nl-NL" sz="1100" dirty="0">
-                <a:hlinkClick r:id="rId2"/>
-              </a:rPr>
-              <a:t>https://www.elastic.co/guide/en/elasticsearch/reference/current/search-aggregations.html</a:t>
-            </a:r>
-            <a:endParaRPr lang="en-GB" sz="1100" dirty="0"/>
-          </a:p>
-          <a:p>
-            <a:endParaRPr lang="en-GB" dirty="0"/>
-          </a:p>
-          <a:p>
+            <a:pPr>
+              <a:spcAft>
+                <a:spcPts val="600"/>
+              </a:spcAft>
+            </a:pPr>
             <a:endParaRPr lang="en-NL" dirty="0"/>
           </a:p>
         </p:txBody>
       </p:sp>
       <p:sp>
         <p:nvSpPr>
-          <p:cNvPr id="4" name="Footer Placeholder 3">
+          <p:cNvPr id="10" name="Text Placeholder 5">
             <a:extLst>
               <a:ext uri="{FF2B5EF4-FFF2-40B4-BE49-F238E27FC236}">
-                <a16:creationId xmlns:a16="http://schemas.microsoft.com/office/drawing/2014/main" id="{AD9E54D0-315F-488F-94D2-D6051BE52582}"/>
+                <a16:creationId xmlns:a16="http://schemas.microsoft.com/office/drawing/2014/main" id="{C941C9D8-1DC1-464B-AAF3-DC82E2B25AD5}"/>
               </a:ext>
             </a:extLst>
           </p:cNvPr>
@@ -14439,27 +15445,33 @@
             <a:spLocks noGrp="1"/>
           </p:cNvSpPr>
           <p:nvPr>
-            <p:ph type="ftr" sz="quarter" idx="11"/>
-          </p:nvPr>
-        </p:nvSpPr>
-        <p:spPr/>
-        <p:txBody>
-          <a:bodyPr/>
-          <a:lstStyle/>
-          <a:p>
-            <a:r>
-              <a:rPr lang="nl-NL"/>
-              <a:t>elasticsearch</a:t>
-            </a:r>
-          </a:p>
-        </p:txBody>
-      </p:sp>
-      <p:sp>
-        <p:nvSpPr>
-          <p:cNvPr id="5" name="Slide Number Placeholder 4">
+            <p:ph type="body" idx="13"/>
+          </p:nvPr>
+        </p:nvSpPr>
+        <p:spPr>
+          <a:xfrm>
+            <a:off x="719998" y="936000"/>
+            <a:ext cx="3744995" cy="288000"/>
+          </a:xfrm>
+        </p:spPr>
+        <p:txBody>
+          <a:bodyPr/>
+          <a:lstStyle/>
+          <a:p>
+            <a:r>
+              <a:rPr lang="en-GB" dirty="0"/>
+              <a:t>Advantages</a:t>
+            </a:r>
+            <a:endParaRPr lang="en-US" dirty="0"/>
+          </a:p>
+        </p:txBody>
+      </p:sp>
+      <p:sp>
+        <p:nvSpPr>
+          <p:cNvPr id="12" name="Content Placeholder 6">
             <a:extLst>
               <a:ext uri="{FF2B5EF4-FFF2-40B4-BE49-F238E27FC236}">
-                <a16:creationId xmlns:a16="http://schemas.microsoft.com/office/drawing/2014/main" id="{44EC881E-E8A2-4D6D-8DC0-9AC56DCB7966}"/>
+                <a16:creationId xmlns:a16="http://schemas.microsoft.com/office/drawing/2014/main" id="{9A0E28AF-E1E4-4D60-89A3-4EC60970E223}"/>
               </a:ext>
             </a:extLst>
           </p:cNvPr>
@@ -14467,26 +15479,88 @@
             <a:spLocks noGrp="1"/>
           </p:cNvSpPr>
           <p:nvPr>
-            <p:ph type="sldNum" sz="quarter" idx="12"/>
-          </p:nvPr>
-        </p:nvSpPr>
-        <p:spPr/>
-        <p:txBody>
-          <a:bodyPr/>
-          <a:lstStyle/>
-          <a:p>
-            <a:fld id="{14F1411D-0280-154F-AEAC-4C20B7AA46B2}" type="slidenum">
-              <a:rPr lang="nl-NL" smtClean="0"/>
-              <a:t>37</a:t>
-            </a:fld>
-            <a:endParaRPr lang="nl-NL"/>
+            <p:ph idx="14"/>
+          </p:nvPr>
+        </p:nvSpPr>
+        <p:spPr>
+          <a:xfrm>
+            <a:off x="4679007" y="1224000"/>
+            <a:ext cx="3744993" cy="3491999"/>
+          </a:xfrm>
+        </p:spPr>
+        <p:txBody>
+          <a:bodyPr/>
+          <a:lstStyle/>
+          <a:p>
+            <a:r>
+              <a:rPr lang="en-US" dirty="0"/>
+              <a:t>Relatively slow at adding new data</a:t>
+            </a:r>
+          </a:p>
+          <a:p>
+            <a:r>
+              <a:rPr lang="en-US" dirty="0"/>
+              <a:t>No “blocking” of transactions</a:t>
+            </a:r>
+          </a:p>
+          <a:p>
+            <a:r>
+              <a:rPr lang="en-US" dirty="0"/>
+              <a:t>No feature for authorization or authentication</a:t>
+            </a:r>
+          </a:p>
+          <a:p>
+            <a:r>
+              <a:rPr lang="en-US" dirty="0"/>
+              <a:t>Cluster can become irrecoverable after hardware failure or power outage resulting in data loss -&gt; use other database as primary</a:t>
+            </a:r>
+          </a:p>
+          <a:p>
+            <a:r>
+              <a:rPr lang="en-US" dirty="0"/>
+              <a:t>“Complex” query mechanism</a:t>
+            </a:r>
+          </a:p>
+        </p:txBody>
+      </p:sp>
+      <p:sp>
+        <p:nvSpPr>
+          <p:cNvPr id="14" name="Text Placeholder 7">
+            <a:extLst>
+              <a:ext uri="{FF2B5EF4-FFF2-40B4-BE49-F238E27FC236}">
+                <a16:creationId xmlns:a16="http://schemas.microsoft.com/office/drawing/2014/main" id="{05B8CDAC-55A7-424C-BA47-2F6F425C2922}"/>
+              </a:ext>
+            </a:extLst>
+          </p:cNvPr>
+          <p:cNvSpPr>
+            <a:spLocks noGrp="1"/>
+          </p:cNvSpPr>
+          <p:nvPr>
+            <p:ph type="body" idx="15"/>
+          </p:nvPr>
+        </p:nvSpPr>
+        <p:spPr>
+          <a:xfrm>
+            <a:off x="4679004" y="936000"/>
+            <a:ext cx="3744995" cy="288000"/>
+          </a:xfrm>
+        </p:spPr>
+        <p:txBody>
+          <a:bodyPr/>
+          <a:lstStyle/>
+          <a:p>
+            <a:r>
+              <a:rPr lang="en-GB" dirty="0"/>
+              <a:t>Disadvantages</a:t>
+            </a:r>
+            <a:endParaRPr lang="en-US" dirty="0"/>
           </a:p>
         </p:txBody>
       </p:sp>
     </p:spTree>
     <p:extLst>
       <p:ext uri="{BB962C8B-B14F-4D97-AF65-F5344CB8AC3E}">
-        <p14:creationId xmlns:p14="http://schemas.microsoft.com/office/powerpoint/2010/main" val="2742430367"/>
+        <p14:creationId xmlns:p14="http://schemas.microsoft.com/office/powerpoint/2010/main" val="1189262961"/>
       </p:ext>
     </p:extLst>
   </p:cSld>
@@ -14496,7 +15570,7 @@
 </p:sld>
 </file>
 
-<file path=ppt/slides/slide38.xml><?xml version="1.0" encoding="utf-8"?>
+<file path=ppt/slides/slide40.xml><?xml version="1.0" encoding="utf-8"?>
 <p:sld xmlns:a="http://schemas.openxmlformats.org/drawingml/2006/main" xmlns:r="http://schemas.openxmlformats.org/officeDocument/2006/relationships" xmlns:p="http://schemas.openxmlformats.org/presentationml/2006/main">
   <p:cSld>
     <p:spTree>
@@ -14518,6 +15592,219 @@
           <p:cNvPr id="2" name="Title 1">
             <a:extLst>
               <a:ext uri="{FF2B5EF4-FFF2-40B4-BE49-F238E27FC236}">
+                <a16:creationId xmlns:a16="http://schemas.microsoft.com/office/drawing/2014/main" id="{0FBBD13C-9B5E-4189-9E78-238477EC36AB}"/>
+              </a:ext>
+            </a:extLst>
+          </p:cNvPr>
+          <p:cNvSpPr>
+            <a:spLocks noGrp="1"/>
+          </p:cNvSpPr>
+          <p:nvPr>
+            <p:ph type="title"/>
+          </p:nvPr>
+        </p:nvSpPr>
+        <p:spPr/>
+        <p:txBody>
+          <a:bodyPr/>
+          <a:lstStyle/>
+          <a:p>
+            <a:r>
+              <a:rPr lang="en-GB" dirty="0"/>
+              <a:t>Aggregations(2)</a:t>
+            </a:r>
+            <a:endParaRPr lang="en-NL" dirty="0"/>
+          </a:p>
+        </p:txBody>
+      </p:sp>
+      <p:sp>
+        <p:nvSpPr>
+          <p:cNvPr id="3" name="Content Placeholder 2">
+            <a:extLst>
+              <a:ext uri="{FF2B5EF4-FFF2-40B4-BE49-F238E27FC236}">
+                <a16:creationId xmlns:a16="http://schemas.microsoft.com/office/drawing/2014/main" id="{E75347B0-CAEC-4097-9892-E6AB2B41EFBA}"/>
+              </a:ext>
+            </a:extLst>
+          </p:cNvPr>
+          <p:cNvSpPr>
+            <a:spLocks noGrp="1"/>
+          </p:cNvSpPr>
+          <p:nvPr>
+            <p:ph idx="1"/>
+          </p:nvPr>
+        </p:nvSpPr>
+        <p:spPr>
+          <a:xfrm>
+            <a:off x="720003" y="936000"/>
+            <a:ext cx="6246854" cy="3780000"/>
+          </a:xfrm>
+        </p:spPr>
+        <p:txBody>
+          <a:bodyPr/>
+          <a:lstStyle/>
+          <a:p>
+            <a:r>
+              <a:rPr lang="en-GB" dirty="0"/>
+              <a:t>Values used for aggregations can be extracted by setting a field key or by defining a script to generate the values</a:t>
+            </a:r>
+          </a:p>
+          <a:p>
+            <a:r>
+              <a:rPr lang="en-GB" dirty="0"/>
+              <a:t>Aggregations can be nested</a:t>
+            </a:r>
+          </a:p>
+          <a:p>
+            <a:endParaRPr lang="en-GB" dirty="0"/>
+          </a:p>
+          <a:p>
+            <a:r>
+              <a:rPr lang="en-GB" dirty="0"/>
+              <a:t>The results are shown below the query results</a:t>
+            </a:r>
+          </a:p>
+          <a:p>
+            <a:pPr lvl="1"/>
+            <a:r>
+              <a:rPr lang="en-GB" sz="1400" dirty="0"/>
+              <a:t>Set size to 0 to only get aggregation results</a:t>
+            </a:r>
+          </a:p>
+          <a:p>
+            <a:endParaRPr lang="en-GB" dirty="0"/>
+          </a:p>
+          <a:p>
+            <a:r>
+              <a:rPr lang="en-GB" dirty="0"/>
+              <a:t>Results are approximate for values above 2^53</a:t>
+            </a:r>
+          </a:p>
+          <a:p>
+            <a:endParaRPr lang="en-GB" dirty="0"/>
+          </a:p>
+          <a:p>
+            <a:endParaRPr lang="en-GB" dirty="0"/>
+          </a:p>
+          <a:p>
+            <a:endParaRPr lang="en-GB" dirty="0"/>
+          </a:p>
+          <a:p>
+            <a:endParaRPr lang="en-GB" dirty="0"/>
+          </a:p>
+          <a:p>
+            <a:endParaRPr lang="en-GB" dirty="0"/>
+          </a:p>
+          <a:p>
+            <a:endParaRPr lang="en-GB" dirty="0"/>
+          </a:p>
+          <a:p>
+            <a:r>
+              <a:rPr lang="nl-NL" sz="1100" dirty="0">
+                <a:hlinkClick r:id="rId2"/>
+              </a:rPr>
+              <a:t>https://www.elastic.co/guide/en/elasticsearch/reference/current/search-aggregations.html</a:t>
+            </a:r>
+            <a:endParaRPr lang="en-GB" sz="1100" dirty="0"/>
+          </a:p>
+          <a:p>
+            <a:endParaRPr lang="en-GB" dirty="0"/>
+          </a:p>
+          <a:p>
+            <a:endParaRPr lang="en-NL" dirty="0"/>
+          </a:p>
+        </p:txBody>
+      </p:sp>
+      <p:sp>
+        <p:nvSpPr>
+          <p:cNvPr id="4" name="Footer Placeholder 3">
+            <a:extLst>
+              <a:ext uri="{FF2B5EF4-FFF2-40B4-BE49-F238E27FC236}">
+                <a16:creationId xmlns:a16="http://schemas.microsoft.com/office/drawing/2014/main" id="{AD9E54D0-315F-488F-94D2-D6051BE52582}"/>
+              </a:ext>
+            </a:extLst>
+          </p:cNvPr>
+          <p:cNvSpPr>
+            <a:spLocks noGrp="1"/>
+          </p:cNvSpPr>
+          <p:nvPr>
+            <p:ph type="ftr" sz="quarter" idx="11"/>
+          </p:nvPr>
+        </p:nvSpPr>
+        <p:spPr/>
+        <p:txBody>
+          <a:bodyPr/>
+          <a:lstStyle/>
+          <a:p>
+            <a:r>
+              <a:rPr lang="nl-NL"/>
+              <a:t>elasticsearch</a:t>
+            </a:r>
+          </a:p>
+        </p:txBody>
+      </p:sp>
+      <p:sp>
+        <p:nvSpPr>
+          <p:cNvPr id="5" name="Slide Number Placeholder 4">
+            <a:extLst>
+              <a:ext uri="{FF2B5EF4-FFF2-40B4-BE49-F238E27FC236}">
+                <a16:creationId xmlns:a16="http://schemas.microsoft.com/office/drawing/2014/main" id="{44EC881E-E8A2-4D6D-8DC0-9AC56DCB7966}"/>
+              </a:ext>
+            </a:extLst>
+          </p:cNvPr>
+          <p:cNvSpPr>
+            <a:spLocks noGrp="1"/>
+          </p:cNvSpPr>
+          <p:nvPr>
+            <p:ph type="sldNum" sz="quarter" idx="12"/>
+          </p:nvPr>
+        </p:nvSpPr>
+        <p:spPr/>
+        <p:txBody>
+          <a:bodyPr/>
+          <a:lstStyle/>
+          <a:p>
+            <a:fld id="{14F1411D-0280-154F-AEAC-4C20B7AA46B2}" type="slidenum">
+              <a:rPr lang="nl-NL" smtClean="0"/>
+              <a:t>40</a:t>
+            </a:fld>
+            <a:endParaRPr lang="nl-NL"/>
+          </a:p>
+        </p:txBody>
+      </p:sp>
+    </p:spTree>
+    <p:extLst>
+      <p:ext uri="{BB962C8B-B14F-4D97-AF65-F5344CB8AC3E}">
+        <p14:creationId xmlns:p14="http://schemas.microsoft.com/office/powerpoint/2010/main" val="2742430367"/>
+      </p:ext>
+    </p:extLst>
+  </p:cSld>
+  <p:clrMapOvr>
+    <a:masterClrMapping/>
+  </p:clrMapOvr>
+</p:sld>
+</file>
+
+<file path=ppt/slides/slide41.xml><?xml version="1.0" encoding="utf-8"?>
+<p:sld xmlns:a="http://schemas.openxmlformats.org/drawingml/2006/main" xmlns:r="http://schemas.openxmlformats.org/officeDocument/2006/relationships" xmlns:p="http://schemas.openxmlformats.org/presentationml/2006/main">
+  <p:cSld>
+    <p:spTree>
+      <p:nvGrpSpPr>
+        <p:cNvPr id="1" name=""/>
+        <p:cNvGrpSpPr/>
+        <p:nvPr/>
+      </p:nvGrpSpPr>
+      <p:grpSpPr>
+        <a:xfrm>
+          <a:off x="0" y="0"/>
+          <a:ext cx="0" cy="0"/>
+          <a:chOff x="0" y="0"/>
+          <a:chExt cx="0" cy="0"/>
+        </a:xfrm>
+      </p:grpSpPr>
+      <p:sp>
+        <p:nvSpPr>
+          <p:cNvPr id="2" name="Title 1">
+            <a:extLst>
+              <a:ext uri="{FF2B5EF4-FFF2-40B4-BE49-F238E27FC236}">
                 <a16:creationId xmlns:a16="http://schemas.microsoft.com/office/drawing/2014/main" id="{3DE75532-20F6-410C-B18D-9F4325408632}"/>
               </a:ext>
             </a:extLst>
@@ -14679,7 +15966,7 @@
           <a:p>
             <a:fld id="{14F1411D-0280-154F-AEAC-4C20B7AA46B2}" type="slidenum">
               <a:rPr lang="nl-NL" smtClean="0"/>
-              <a:t>38</a:t>
+              <a:t>41</a:t>
             </a:fld>
             <a:endParaRPr lang="nl-NL"/>
           </a:p>
@@ -14756,7 +16043,7 @@
 </p:sld>
 </file>
 
-<file path=ppt/slides/slide39.xml><?xml version="1.0" encoding="utf-8"?>
+<file path=ppt/slides/slide42.xml><?xml version="1.0" encoding="utf-8"?>
 <p:sld xmlns:a="http://schemas.openxmlformats.org/drawingml/2006/main" xmlns:r="http://schemas.openxmlformats.org/officeDocument/2006/relationships" xmlns:p="http://schemas.openxmlformats.org/presentationml/2006/main">
   <p:cSld>
     <p:spTree>
@@ -14904,12 +16191,10 @@
           <a:bodyPr/>
           <a:lstStyle/>
           <a:p>
-            <a:endParaRPr lang="nl-NL" dirty="0"/>
-          </a:p>
-          <a:p>
-            <a:endParaRPr lang="nl-NL" dirty="0"/>
-          </a:p>
-          <a:p>
+            <a:r>
+              <a:rPr lang="nl-NL"/>
+              <a:t>elasticsearch</a:t>
+            </a:r>
             <a:endParaRPr lang="nl-NL" dirty="0"/>
           </a:p>
         </p:txBody>
@@ -14937,7 +16222,7 @@
           <a:p>
             <a:fld id="{14F1411D-0280-154F-AEAC-4C20B7AA46B2}" type="slidenum">
               <a:rPr lang="nl-NL" smtClean="0"/>
-              <a:t>39</a:t>
+              <a:t>42</a:t>
             </a:fld>
             <a:endParaRPr lang="nl-NL"/>
           </a:p>
@@ -15014,7 +16299,7 @@
 </p:sld>
 </file>
 
-<file path=ppt/slides/slide4.xml><?xml version="1.0" encoding="utf-8"?>
+<file path=ppt/slides/slide43.xml><?xml version="1.0" encoding="utf-8"?>
 <p:sld xmlns:a="http://schemas.openxmlformats.org/drawingml/2006/main" xmlns:r="http://schemas.openxmlformats.org/officeDocument/2006/relationships" xmlns:p="http://schemas.openxmlformats.org/presentationml/2006/main">
   <p:cSld>
     <p:spTree>
@@ -15033,142 +16318,6 @@
       </p:grpSpPr>
       <p:sp>
         <p:nvSpPr>
-          <p:cNvPr id="2" name="Title 1"/>
-          <p:cNvSpPr>
-            <a:spLocks noGrp="1"/>
-          </p:cNvSpPr>
-          <p:nvPr>
-            <p:ph type="title"/>
-          </p:nvPr>
-        </p:nvSpPr>
-        <p:spPr/>
-        <p:txBody>
-          <a:bodyPr/>
-          <a:lstStyle/>
-          <a:p>
-            <a:r>
-              <a:rPr lang="nl-NL" dirty="0"/>
-              <a:t>Key Features</a:t>
-            </a:r>
-          </a:p>
-        </p:txBody>
-      </p:sp>
-      <p:sp>
-        <p:nvSpPr>
-          <p:cNvPr id="3" name="Content Placeholder 2"/>
-          <p:cNvSpPr>
-            <a:spLocks noGrp="1"/>
-          </p:cNvSpPr>
-          <p:nvPr>
-            <p:ph idx="1"/>
-          </p:nvPr>
-        </p:nvSpPr>
-        <p:spPr>
-          <a:xfrm>
-            <a:off x="720003" y="1224000"/>
-            <a:ext cx="6623999" cy="3491999"/>
-          </a:xfrm>
-        </p:spPr>
-        <p:txBody>
-          <a:bodyPr/>
-          <a:lstStyle/>
-          <a:p>
-            <a:r>
-              <a:rPr lang="nl-NL" dirty="0"/>
-              <a:t>Horizontal scalable</a:t>
-            </a:r>
-          </a:p>
-          <a:p>
-            <a:r>
-              <a:rPr lang="nl-NL" dirty="0"/>
-              <a:t>Fast searching</a:t>
-            </a:r>
-          </a:p>
-          <a:p>
-            <a:r>
-              <a:rPr lang="nl-NL" dirty="0"/>
-              <a:t>High resilience</a:t>
-            </a:r>
-          </a:p>
-        </p:txBody>
-      </p:sp>
-      <p:sp>
-        <p:nvSpPr>
-          <p:cNvPr id="4" name="Footer Placeholder 3"/>
-          <p:cNvSpPr>
-            <a:spLocks noGrp="1"/>
-          </p:cNvSpPr>
-          <p:nvPr>
-            <p:ph type="ftr" sz="quarter" idx="11"/>
-          </p:nvPr>
-        </p:nvSpPr>
-        <p:spPr/>
-        <p:txBody>
-          <a:bodyPr/>
-          <a:lstStyle/>
-          <a:p>
-            <a:r>
-              <a:rPr lang="nl-NL" dirty="0"/>
-              <a:t>Titel van de presentatie</a:t>
-            </a:r>
-          </a:p>
-        </p:txBody>
-      </p:sp>
-      <p:sp>
-        <p:nvSpPr>
-          <p:cNvPr id="5" name="Slide Number Placeholder 4"/>
-          <p:cNvSpPr>
-            <a:spLocks noGrp="1"/>
-          </p:cNvSpPr>
-          <p:nvPr>
-            <p:ph type="sldNum" sz="quarter" idx="12"/>
-          </p:nvPr>
-        </p:nvSpPr>
-        <p:spPr/>
-        <p:txBody>
-          <a:bodyPr/>
-          <a:lstStyle/>
-          <a:p>
-            <a:fld id="{14F1411D-0280-154F-AEAC-4C20B7AA46B2}" type="slidenum">
-              <a:rPr lang="nl-NL" smtClean="0"/>
-              <a:t>4</a:t>
-            </a:fld>
-            <a:endParaRPr lang="nl-NL"/>
-          </a:p>
-        </p:txBody>
-      </p:sp>
-    </p:spTree>
-    <p:extLst>
-      <p:ext uri="{BB962C8B-B14F-4D97-AF65-F5344CB8AC3E}">
-        <p14:creationId xmlns:p14="http://schemas.microsoft.com/office/powerpoint/2010/main" val="684213934"/>
-      </p:ext>
-    </p:extLst>
-  </p:cSld>
-  <p:clrMapOvr>
-    <a:masterClrMapping/>
-  </p:clrMapOvr>
-</p:sld>
-</file>
-
-<file path=ppt/slides/slide40.xml><?xml version="1.0" encoding="utf-8"?>
-<p:sld xmlns:a="http://schemas.openxmlformats.org/drawingml/2006/main" xmlns:r="http://schemas.openxmlformats.org/officeDocument/2006/relationships" xmlns:p="http://schemas.openxmlformats.org/presentationml/2006/main">
-  <p:cSld>
-    <p:spTree>
-      <p:nvGrpSpPr>
-        <p:cNvPr id="1" name=""/>
-        <p:cNvGrpSpPr/>
-        <p:nvPr/>
-      </p:nvGrpSpPr>
-      <p:grpSpPr>
-        <a:xfrm>
-          <a:off x="0" y="0"/>
-          <a:ext cx="0" cy="0"/>
-          <a:chOff x="0" y="0"/>
-          <a:chExt cx="0" cy="0"/>
-        </a:xfrm>
-      </p:grpSpPr>
-      <p:sp>
-        <p:nvSpPr>
           <p:cNvPr id="2" name="Title 1">
             <a:extLst>
               <a:ext uri="{FF2B5EF4-FFF2-40B4-BE49-F238E27FC236}">
@@ -15338,7 +16487,7 @@
           <a:p>
             <a:fld id="{14F1411D-0280-154F-AEAC-4C20B7AA46B2}" type="slidenum">
               <a:rPr lang="nl-NL" smtClean="0"/>
-              <a:t>40</a:t>
+              <a:t>43</a:t>
             </a:fld>
             <a:endParaRPr lang="nl-NL"/>
           </a:p>
@@ -15488,7 +16637,7 @@
 </p:sld>
 </file>
 
-<file path=ppt/slides/slide41.xml><?xml version="1.0" encoding="utf-8"?>
+<file path=ppt/slides/slide44.xml><?xml version="1.0" encoding="utf-8"?>
 <p:sld xmlns:a="http://schemas.openxmlformats.org/drawingml/2006/main" xmlns:r="http://schemas.openxmlformats.org/officeDocument/2006/relationships" xmlns:p="http://schemas.openxmlformats.org/presentationml/2006/main">
   <p:cSld>
     <p:spTree>
@@ -15520,7 +16669,10 @@
           <a:bodyPr/>
           <a:lstStyle/>
           <a:p>
-            <a:endParaRPr lang="nl-NL"/>
+            <a:r>
+              <a:rPr lang="nl-NL" dirty="0"/>
+              <a:t>Hands-on</a:t>
+            </a:r>
           </a:p>
         </p:txBody>
       </p:sp>
@@ -15539,7 +16691,78 @@
           <a:bodyPr/>
           <a:lstStyle/>
           <a:p>
-            <a:endParaRPr lang="nl-NL"/>
+            <a:r>
+              <a:rPr lang="nl-NL" dirty="0">
+                <a:hlinkClick r:id="rId2">
+                  <a:extLst>
+                    <a:ext uri="{A12FA001-AC4F-418D-AE19-62706E023703}">
+                      <ahyp:hlinkClr xmlns:ahyp="http://schemas.microsoft.com/office/drawing/2018/hyperlinkcolor" val="tx"/>
+                    </a:ext>
+                  </a:extLst>
+                </a:hlinkClick>
+              </a:rPr>
+              <a:t>https://github.com/AMIS-Services/sig-elasticsearch-may2020</a:t>
+            </a:r>
+            <a:endParaRPr lang="nl-NL" dirty="0"/>
+          </a:p>
+          <a:p>
+            <a:endParaRPr lang="nl-NL" dirty="0"/>
+          </a:p>
+          <a:p>
+            <a:r>
+              <a:rPr lang="nl-NL" dirty="0"/>
+              <a:t>Running elasticsearch in docker</a:t>
+            </a:r>
+          </a:p>
+          <a:p>
+            <a:r>
+              <a:rPr lang="nl-NL" dirty="0"/>
+              <a:t>Use of recipes data from </a:t>
+            </a:r>
+            <a:r>
+              <a:rPr lang="nl-NL" dirty="0">
+                <a:hlinkClick r:id="rId3">
+                  <a:extLst>
+                    <a:ext uri="{A12FA001-AC4F-418D-AE19-62706E023703}">
+                      <ahyp:hlinkClr xmlns:ahyp="http://schemas.microsoft.com/office/drawing/2018/hyperlinkcolor" val="tx"/>
+                    </a:ext>
+                  </a:extLst>
+                </a:hlinkClick>
+              </a:rPr>
+              <a:t>https://openrecip.es/</a:t>
+            </a:r>
+            <a:endParaRPr lang="nl-NL" dirty="0"/>
+          </a:p>
+          <a:p>
+            <a:endParaRPr lang="nl-NL" dirty="0"/>
+          </a:p>
+          <a:p>
+            <a:r>
+              <a:rPr lang="nl-NL" dirty="0"/>
+              <a:t>Topics:</a:t>
+            </a:r>
+          </a:p>
+          <a:p>
+            <a:pPr lvl="1"/>
+            <a:r>
+              <a:rPr lang="en-US" sz="1400" dirty="0"/>
+              <a:t>Queries and aggregations</a:t>
+            </a:r>
+          </a:p>
+          <a:p>
+            <a:pPr lvl="1"/>
+            <a:r>
+              <a:rPr lang="en-US" sz="1400" dirty="0"/>
+              <a:t>Connecting Node.js to </a:t>
+            </a:r>
+            <a:r>
+              <a:rPr lang="en-US" sz="1400" dirty="0" err="1"/>
+              <a:t>elasticsearch</a:t>
+            </a:r>
+            <a:endParaRPr lang="en-US" sz="1400" dirty="0"/>
+          </a:p>
+          <a:p>
+            <a:endParaRPr lang="nl-NL" dirty="0"/>
           </a:p>
         </p:txBody>
       </p:sp>
@@ -15582,7 +16805,7 @@
           <a:p>
             <a:fld id="{14F1411D-0280-154F-AEAC-4C20B7AA46B2}" type="slidenum">
               <a:rPr lang="nl-NL" smtClean="0"/>
-              <a:t>41</a:t>
+              <a:t>44</a:t>
             </a:fld>
             <a:endParaRPr lang="nl-NL"/>
           </a:p>
@@ -15599,7 +16822,7 @@
           </p:nvPr>
         </p:nvPicPr>
         <p:blipFill>
-          <a:blip r:embed="rId2">
+          <a:blip r:embed="rId4">
             <a:extLst>
               <a:ext uri="{28A0092B-C50C-407E-A947-70E740481C1C}">
                 <a14:useLocalDpi xmlns:a14="http://schemas.microsoft.com/office/drawing/2010/main" val="0"/>
@@ -15626,7 +16849,7 @@
 </p:sld>
 </file>
 
-<file path=ppt/slides/slide42.xml><?xml version="1.0" encoding="utf-8"?>
+<file path=ppt/slides/slide45.xml><?xml version="1.0" encoding="utf-8"?>
 <p:sld xmlns:a="http://schemas.openxmlformats.org/drawingml/2006/main" xmlns:r="http://schemas.openxmlformats.org/officeDocument/2006/relationships" xmlns:p="http://schemas.openxmlformats.org/presentationml/2006/main">
   <p:cSld>
     <p:spTree>
@@ -15682,7 +16905,7 @@
           <a:p>
             <a:fld id="{14F1411D-0280-154F-AEAC-4C20B7AA46B2}" type="slidenum">
               <a:rPr lang="nl-NL" smtClean="0"/>
-              <a:t>42</a:t>
+              <a:t>45</a:t>
             </a:fld>
             <a:endParaRPr lang="nl-NL"/>
           </a:p>
@@ -15764,7 +16987,13 @@
       </p:grpSpPr>
       <p:sp>
         <p:nvSpPr>
-          <p:cNvPr id="2" name="Title 1"/>
+          <p:cNvPr id="2" name="Title 1">
+            <a:extLst>
+              <a:ext uri="{FF2B5EF4-FFF2-40B4-BE49-F238E27FC236}">
+                <a16:creationId xmlns:a16="http://schemas.microsoft.com/office/drawing/2014/main" id="{C5B8F576-6FC4-4D3E-AC9B-406B68D8BBCC}"/>
+              </a:ext>
+            </a:extLst>
+          </p:cNvPr>
           <p:cNvSpPr>
             <a:spLocks noGrp="1"/>
           </p:cNvSpPr>
@@ -15778,15 +17007,22 @@
           <a:lstStyle/>
           <a:p>
             <a:r>
-              <a:rPr lang="nl-NL" dirty="0"/>
-              <a:t>Document</a:t>
-            </a:r>
-          </a:p>
-        </p:txBody>
-      </p:sp>
-      <p:sp>
-        <p:nvSpPr>
-          <p:cNvPr id="3" name="Content Placeholder 2"/>
+              <a:rPr lang="en-GB" dirty="0"/>
+              <a:t>Elasticsearch use cases</a:t>
+            </a:r>
+            <a:endParaRPr lang="en-NL" dirty="0"/>
+          </a:p>
+        </p:txBody>
+      </p:sp>
+      <p:sp>
+        <p:nvSpPr>
+          <p:cNvPr id="3" name="Content Placeholder 2">
+            <a:extLst>
+              <a:ext uri="{FF2B5EF4-FFF2-40B4-BE49-F238E27FC236}">
+                <a16:creationId xmlns:a16="http://schemas.microsoft.com/office/drawing/2014/main" id="{68F2B384-7270-404E-949E-BF80DB4D13A8}"/>
+              </a:ext>
+            </a:extLst>
+          </p:cNvPr>
           <p:cNvSpPr>
             <a:spLocks noGrp="1"/>
           </p:cNvSpPr>
@@ -15794,47 +17030,72 @@
             <p:ph idx="1"/>
           </p:nvPr>
         </p:nvSpPr>
-        <p:spPr>
-          <a:xfrm>
-            <a:off x="720003" y="1224000"/>
-            <a:ext cx="6623999" cy="3491999"/>
-          </a:xfrm>
-        </p:spPr>
-        <p:txBody>
-          <a:bodyPr/>
-          <a:lstStyle/>
-          <a:p>
-            <a:r>
-              <a:rPr lang="nl-NL" dirty="0"/>
-              <a:t>Smallest unit of data</a:t>
-            </a:r>
-          </a:p>
-          <a:p>
-            <a:r>
-              <a:rPr lang="nl-NL" dirty="0"/>
-              <a:t>Self contained</a:t>
-            </a:r>
-          </a:p>
-          <a:p>
-            <a:r>
-              <a:rPr lang="nl-NL" dirty="0"/>
-              <a:t>Can be hierarchical</a:t>
-            </a:r>
-          </a:p>
-          <a:p>
-            <a:r>
-              <a:rPr lang="nl-NL" dirty="0"/>
-              <a:t>Flexible structure (JSON)</a:t>
-            </a:r>
-          </a:p>
-          <a:p>
-            <a:endParaRPr lang="nl-NL" dirty="0"/>
-          </a:p>
-        </p:txBody>
-      </p:sp>
-      <p:sp>
-        <p:nvSpPr>
-          <p:cNvPr id="4" name="Footer Placeholder 3"/>
+        <p:spPr/>
+        <p:txBody>
+          <a:bodyPr/>
+          <a:lstStyle/>
+          <a:p>
+            <a:r>
+              <a:rPr lang="en-GB" dirty="0"/>
+              <a:t>Textual search of large texts</a:t>
+            </a:r>
+          </a:p>
+          <a:p>
+            <a:r>
+              <a:rPr lang="en-GB" dirty="0"/>
+              <a:t>Fast property search</a:t>
+            </a:r>
+          </a:p>
+          <a:p>
+            <a:r>
+              <a:rPr lang="en-GB" dirty="0"/>
+              <a:t>Auto-suggest or auto-complete</a:t>
+            </a:r>
+          </a:p>
+          <a:p>
+            <a:r>
+              <a:rPr lang="en-GB" dirty="0"/>
+              <a:t>Saving and analysing logging of applications</a:t>
+            </a:r>
+          </a:p>
+          <a:p>
+            <a:r>
+              <a:rPr lang="en-GB" dirty="0"/>
+              <a:t>Metrics of events and real-time data</a:t>
+            </a:r>
+          </a:p>
+          <a:p>
+            <a:r>
+              <a:rPr lang="en-GB" dirty="0"/>
+              <a:t>Geo-searching</a:t>
+            </a:r>
+          </a:p>
+          <a:p>
+            <a:r>
+              <a:rPr lang="en-GB" dirty="0"/>
+              <a:t>Aggregate data</a:t>
+            </a:r>
+          </a:p>
+          <a:p>
+            <a:pPr marL="0" indent="0">
+              <a:buNone/>
+            </a:pPr>
+            <a:endParaRPr lang="en-GB" dirty="0"/>
+          </a:p>
+          <a:p>
+            <a:endParaRPr lang="en-NL" dirty="0"/>
+          </a:p>
+        </p:txBody>
+      </p:sp>
+      <p:sp>
+        <p:nvSpPr>
+          <p:cNvPr id="4" name="Footer Placeholder 3">
+            <a:extLst>
+              <a:ext uri="{FF2B5EF4-FFF2-40B4-BE49-F238E27FC236}">
+                <a16:creationId xmlns:a16="http://schemas.microsoft.com/office/drawing/2014/main" id="{CEA30691-C6D6-4603-A029-FCB8188DE6C7}"/>
+              </a:ext>
+            </a:extLst>
+          </p:cNvPr>
           <p:cNvSpPr>
             <a:spLocks noGrp="1"/>
           </p:cNvSpPr>
@@ -15849,14 +17110,20 @@
           <a:p>
             <a:r>
               <a:rPr lang="nl-NL"/>
-              <a:t>Titel van de presentatie</a:t>
-            </a:r>
-          </a:p>
-        </p:txBody>
-      </p:sp>
-      <p:sp>
-        <p:nvSpPr>
-          <p:cNvPr id="5" name="Slide Number Placeholder 4"/>
+              <a:t>elasticsearch</a:t>
+            </a:r>
+          </a:p>
+        </p:txBody>
+      </p:sp>
+      <p:sp>
+        <p:nvSpPr>
+          <p:cNvPr id="5" name="Slide Number Placeholder 4">
+            <a:extLst>
+              <a:ext uri="{FF2B5EF4-FFF2-40B4-BE49-F238E27FC236}">
+                <a16:creationId xmlns:a16="http://schemas.microsoft.com/office/drawing/2014/main" id="{9F6CC1EE-E89F-4D28-83DD-55C7F722838E}"/>
+              </a:ext>
+            </a:extLst>
+          </p:cNvPr>
           <p:cNvSpPr>
             <a:spLocks noGrp="1"/>
           </p:cNvSpPr>
@@ -15877,135 +17144,10 @@
           </a:p>
         </p:txBody>
       </p:sp>
-      <p:sp>
-        <p:nvSpPr>
-          <p:cNvPr id="6" name="Rectangle 5">
-            <a:extLst>
-              <a:ext uri="{FF2B5EF4-FFF2-40B4-BE49-F238E27FC236}">
-                <a16:creationId xmlns:a16="http://schemas.microsoft.com/office/drawing/2014/main" id="{6BAC7E01-8402-4402-A5AD-0FBD7A77A7F8}"/>
-              </a:ext>
-            </a:extLst>
-          </p:cNvPr>
-          <p:cNvSpPr/>
-          <p:nvPr/>
-        </p:nvSpPr>
-        <p:spPr>
-          <a:xfrm>
-            <a:off x="1034374" y="2430533"/>
-            <a:ext cx="4572000" cy="2169825"/>
-          </a:xfrm>
-          <a:prstGeom prst="rect">
-            <a:avLst/>
-          </a:prstGeom>
-        </p:spPr>
-        <p:txBody>
-          <a:bodyPr>
-            <a:spAutoFit/>
-          </a:bodyPr>
-          <a:lstStyle/>
-          <a:p>
-            <a:r>
-              <a:rPr lang="en-NL" dirty="0"/>
-              <a:t>{</a:t>
-            </a:r>
-          </a:p>
-          <a:p>
-            <a:r>
-              <a:rPr lang="en-NL" dirty="0"/>
-              <a:t>	"name": "Farm Henk",</a:t>
-            </a:r>
-          </a:p>
-          <a:p>
-            <a:r>
-              <a:rPr lang="en-NL" dirty="0"/>
-              <a:t>	"</a:t>
-            </a:r>
-            <a:r>
-              <a:rPr lang="en-US" dirty="0" err="1"/>
-              <a:t>foundingDate</a:t>
-            </a:r>
-            <a:r>
-              <a:rPr lang="en-NL" dirty="0"/>
-              <a:t>": "1922-03-11",</a:t>
-            </a:r>
-          </a:p>
-          <a:p>
-            <a:r>
-              <a:rPr lang="en-NL" dirty="0"/>
-              <a:t>	"location": {</a:t>
-            </a:r>
-          </a:p>
-          <a:p>
-            <a:r>
-              <a:rPr lang="en-NL" dirty="0"/>
-              <a:t>		"name": "Utrecht",</a:t>
-            </a:r>
-          </a:p>
-          <a:p>
-            <a:r>
-              <a:rPr lang="en-NL" dirty="0"/>
-              <a:t>		“</a:t>
-            </a:r>
-            <a:r>
-              <a:rPr lang="en-US" dirty="0"/>
-              <a:t>street</a:t>
-            </a:r>
-            <a:r>
-              <a:rPr lang="en-NL" dirty="0"/>
-              <a:t>": “</a:t>
-            </a:r>
-            <a:r>
-              <a:rPr lang="en-US" dirty="0" err="1"/>
-              <a:t>Dorpstraat</a:t>
-            </a:r>
-            <a:r>
-              <a:rPr lang="en-NL" dirty="0"/>
-              <a:t>“</a:t>
-            </a:r>
-            <a:r>
-              <a:rPr lang="en-US" dirty="0"/>
-              <a:t>,</a:t>
-            </a:r>
-          </a:p>
-          <a:p>
-            <a:r>
-              <a:rPr lang="en-US" dirty="0"/>
-              <a:t>		“</a:t>
-            </a:r>
-            <a:r>
-              <a:rPr lang="en-US" dirty="0" err="1"/>
-              <a:t>numbe</a:t>
-            </a:r>
-            <a:r>
-              <a:rPr lang="en-US" dirty="0"/>
-              <a:t>”: “22”</a:t>
-            </a:r>
-            <a:endParaRPr lang="en-NL" dirty="0"/>
-          </a:p>
-          <a:p>
-            <a:r>
-              <a:rPr lang="en-NL" dirty="0"/>
-              <a:t>	},</a:t>
-            </a:r>
-          </a:p>
-          <a:p>
-            <a:r>
-              <a:rPr lang="en-NL" dirty="0"/>
-              <a:t>	"animals": ["Pigs", "Cows", "Chickens"]</a:t>
-            </a:r>
-          </a:p>
-          <a:p>
-            <a:r>
-              <a:rPr lang="en-NL" dirty="0"/>
-              <a:t>}</a:t>
-            </a:r>
-          </a:p>
-        </p:txBody>
-      </p:sp>
     </p:spTree>
     <p:extLst>
       <p:ext uri="{BB962C8B-B14F-4D97-AF65-F5344CB8AC3E}">
-        <p14:creationId xmlns:p14="http://schemas.microsoft.com/office/powerpoint/2010/main" val="354750810"/>
+        <p14:creationId xmlns:p14="http://schemas.microsoft.com/office/powerpoint/2010/main" val="813060447"/>
       </p:ext>
     </p:extLst>
   </p:cSld>
@@ -16049,7 +17191,7 @@
           <a:p>
             <a:r>
               <a:rPr lang="nl-NL" dirty="0"/>
-              <a:t>Index</a:t>
+              <a:t>NoSQL</a:t>
             </a:r>
           </a:p>
         </p:txBody>
@@ -16076,25 +17218,7 @@
           <a:p>
             <a:r>
               <a:rPr lang="nl-NL" dirty="0"/>
-              <a:t>Container of documents</a:t>
-            </a:r>
-          </a:p>
-          <a:p>
-            <a:r>
-              <a:rPr lang="nl-NL" dirty="0"/>
-              <a:t>Index mapping</a:t>
-            </a:r>
-          </a:p>
-          <a:p>
-            <a:r>
-              <a:rPr lang="nl-NL" dirty="0"/>
-              <a:t>Settings such as refresh interval, number of shards, number of replica’s</a:t>
-            </a:r>
-          </a:p>
-          <a:p>
-            <a:r>
-              <a:rPr lang="nl-NL" dirty="0"/>
-              <a:t>Index is divided into shards</a:t>
+              <a:t>Document store</a:t>
             </a:r>
           </a:p>
         </p:txBody>
@@ -16116,8 +17240,9 @@
           <a:p>
             <a:r>
               <a:rPr lang="nl-NL"/>
-              <a:t>Titel van de presentatie</a:t>
-            </a:r>
+              <a:t>elasticsearch</a:t>
+            </a:r>
+            <a:endParaRPr lang="nl-NL" dirty="0"/>
           </a:p>
         </p:txBody>
       </p:sp>
@@ -16147,7 +17272,7 @@
     </p:spTree>
     <p:extLst>
       <p:ext uri="{BB962C8B-B14F-4D97-AF65-F5344CB8AC3E}">
-        <p14:creationId xmlns:p14="http://schemas.microsoft.com/office/powerpoint/2010/main" val="3036050789"/>
+        <p14:creationId xmlns:p14="http://schemas.microsoft.com/office/powerpoint/2010/main" val="685382415"/>
       </p:ext>
     </p:extLst>
   </p:cSld>
@@ -16191,7 +17316,7 @@
           <a:p>
             <a:r>
               <a:rPr lang="nl-NL" dirty="0"/>
-              <a:t>Index Mapping</a:t>
+              <a:t>Key Features</a:t>
             </a:r>
           </a:p>
         </p:txBody>
@@ -16218,88 +17343,43 @@
           <a:p>
             <a:r>
               <a:rPr lang="nl-NL" dirty="0"/>
-              <a:t>Definition of how a document and the field it contains are stored and indexed.</a:t>
+              <a:t>Horizontal scalable</a:t>
             </a:r>
           </a:p>
           <a:p>
             <a:r>
               <a:rPr lang="nl-NL" dirty="0"/>
-              <a:t>Types:</a:t>
-            </a:r>
-          </a:p>
-          <a:p>
-            <a:pPr lvl="1"/>
-            <a:r>
-              <a:rPr lang="en-US" dirty="0"/>
-              <a:t>text, keyword, date, long, double, </a:t>
-            </a:r>
-            <a:r>
-              <a:rPr lang="en-US" dirty="0" err="1"/>
-              <a:t>boolean</a:t>
-            </a:r>
-            <a:r>
-              <a:rPr lang="en-US" dirty="0"/>
-              <a:t>, </a:t>
-            </a:r>
-            <a:r>
-              <a:rPr lang="en-US" dirty="0" err="1"/>
-              <a:t>ip</a:t>
-            </a:r>
-            <a:r>
-              <a:rPr lang="en-US" dirty="0"/>
-              <a:t>.</a:t>
-            </a:r>
-          </a:p>
-          <a:p>
-            <a:pPr lvl="1"/>
-            <a:r>
-              <a:rPr lang="en-US" dirty="0"/>
-              <a:t>hierarchical JSON such as object or nested.</a:t>
-            </a:r>
-          </a:p>
-          <a:p>
-            <a:r>
-              <a:rPr lang="en-US" dirty="0"/>
-              <a:t>Inserted documents are not restricted to those fields only</a:t>
-            </a:r>
-          </a:p>
-          <a:p>
-            <a:r>
-              <a:rPr lang="en-US" dirty="0"/>
-              <a:t>Existing mappings can be extended</a:t>
-            </a:r>
-          </a:p>
-          <a:p>
-            <a:r>
-              <a:rPr lang="en-US" dirty="0"/>
-              <a:t>Types can’t be changed</a:t>
+              <a:t>Fast searching</a:t>
+            </a:r>
+          </a:p>
+          <a:p>
+            <a:r>
+              <a:rPr lang="nl-NL" dirty="0"/>
+              <a:t>High resilience</a:t>
+            </a:r>
+          </a:p>
+        </p:txBody>
+      </p:sp>
+      <p:sp>
+        <p:nvSpPr>
+          <p:cNvPr id="4" name="Footer Placeholder 3"/>
+          <p:cNvSpPr>
+            <a:spLocks noGrp="1"/>
+          </p:cNvSpPr>
+          <p:nvPr>
+            <p:ph type="ftr" sz="quarter" idx="11"/>
+          </p:nvPr>
+        </p:nvSpPr>
+        <p:spPr/>
+        <p:txBody>
+          <a:bodyPr/>
+          <a:lstStyle/>
+          <a:p>
+            <a:r>
+              <a:rPr lang="nl-NL"/>
+              <a:t>elasticsearch</a:t>
             </a:r>
             <a:endParaRPr lang="nl-NL" dirty="0"/>
-          </a:p>
-          <a:p>
-            <a:endParaRPr lang="nl-NL" dirty="0"/>
-          </a:p>
-        </p:txBody>
-      </p:sp>
-      <p:sp>
-        <p:nvSpPr>
-          <p:cNvPr id="4" name="Footer Placeholder 3"/>
-          <p:cNvSpPr>
-            <a:spLocks noGrp="1"/>
-          </p:cNvSpPr>
-          <p:nvPr>
-            <p:ph type="ftr" sz="quarter" idx="11"/>
-          </p:nvPr>
-        </p:nvSpPr>
-        <p:spPr/>
-        <p:txBody>
-          <a:bodyPr/>
-          <a:lstStyle/>
-          <a:p>
-            <a:r>
-              <a:rPr lang="nl-NL"/>
-              <a:t>Titel van de presentatie</a:t>
-            </a:r>
           </a:p>
         </p:txBody>
       </p:sp>
@@ -16329,7 +17409,7 @@
     </p:spTree>
     <p:extLst>
       <p:ext uri="{BB962C8B-B14F-4D97-AF65-F5344CB8AC3E}">
-        <p14:creationId xmlns:p14="http://schemas.microsoft.com/office/powerpoint/2010/main" val="3363803786"/>
+        <p14:creationId xmlns:p14="http://schemas.microsoft.com/office/powerpoint/2010/main" val="684213934"/>
       </p:ext>
     </p:extLst>
   </p:cSld>
@@ -16358,34 +17438,92 @@
       </p:grpSpPr>
       <p:sp>
         <p:nvSpPr>
-          <p:cNvPr id="4" name="Footer Placeholder 3"/>
-          <p:cNvSpPr>
-            <a:spLocks noGrp="1"/>
-          </p:cNvSpPr>
-          <p:nvPr>
-            <p:ph type="ftr" sz="quarter" idx="11"/>
+          <p:cNvPr id="2" name="Title 1"/>
+          <p:cNvSpPr>
+            <a:spLocks noGrp="1"/>
+          </p:cNvSpPr>
+          <p:nvPr>
+            <p:ph type="title"/>
+          </p:nvPr>
+        </p:nvSpPr>
+        <p:spPr/>
+        <p:txBody>
+          <a:bodyPr/>
+          <a:lstStyle/>
+          <a:p>
+            <a:r>
+              <a:rPr lang="nl-NL" dirty="0"/>
+              <a:t>Document</a:t>
+            </a:r>
+          </a:p>
+        </p:txBody>
+      </p:sp>
+      <p:sp>
+        <p:nvSpPr>
+          <p:cNvPr id="3" name="Content Placeholder 2"/>
+          <p:cNvSpPr>
+            <a:spLocks noGrp="1"/>
+          </p:cNvSpPr>
+          <p:nvPr>
+            <p:ph idx="1"/>
           </p:nvPr>
         </p:nvSpPr>
         <p:spPr>
           <a:xfrm>
-            <a:off x="4968000" y="5004000"/>
-            <a:ext cx="3240000" cy="108000"/>
+            <a:off x="720003" y="1224000"/>
+            <a:ext cx="6623999" cy="3491999"/>
           </a:xfrm>
         </p:spPr>
         <p:txBody>
-          <a:bodyPr anchor="t">
-            <a:normAutofit/>
-          </a:bodyPr>
-          <a:lstStyle/>
-          <a:p>
-            <a:pPr>
-              <a:spcAft>
-                <a:spcPts val="600"/>
-              </a:spcAft>
-            </a:pPr>
+          <a:bodyPr/>
+          <a:lstStyle/>
+          <a:p>
+            <a:r>
+              <a:rPr lang="nl-NL" dirty="0"/>
+              <a:t>Smallest unit of data</a:t>
+            </a:r>
+          </a:p>
+          <a:p>
+            <a:r>
+              <a:rPr lang="nl-NL" dirty="0"/>
+              <a:t>Self contained</a:t>
+            </a:r>
+          </a:p>
+          <a:p>
+            <a:r>
+              <a:rPr lang="nl-NL" dirty="0"/>
+              <a:t>Can be hierarchical</a:t>
+            </a:r>
+          </a:p>
+          <a:p>
+            <a:r>
+              <a:rPr lang="nl-NL" dirty="0"/>
+              <a:t>Flexible structure (JSON)</a:t>
+            </a:r>
+          </a:p>
+          <a:p>
+            <a:endParaRPr lang="nl-NL" dirty="0"/>
+          </a:p>
+        </p:txBody>
+      </p:sp>
+      <p:sp>
+        <p:nvSpPr>
+          <p:cNvPr id="4" name="Footer Placeholder 3"/>
+          <p:cNvSpPr>
+            <a:spLocks noGrp="1"/>
+          </p:cNvSpPr>
+          <p:nvPr>
+            <p:ph type="ftr" sz="quarter" idx="11"/>
+          </p:nvPr>
+        </p:nvSpPr>
+        <p:spPr/>
+        <p:txBody>
+          <a:bodyPr/>
+          <a:lstStyle/>
+          <a:p>
             <a:r>
               <a:rPr lang="nl-NL"/>
-              <a:t>Titel van de presentatie</a:t>
+              <a:t>elasticsearch</a:t>
             </a:r>
           </a:p>
         </p:txBody>
@@ -16400,30 +17538,13 @@
             <p:ph type="sldNum" sz="quarter" idx="12"/>
           </p:nvPr>
         </p:nvSpPr>
-        <p:spPr>
-          <a:xfrm>
-            <a:off x="8280000" y="5004000"/>
-            <a:ext cx="144000" cy="108000"/>
-          </a:xfrm>
-        </p:spPr>
-        <p:txBody>
-          <a:bodyPr anchor="t">
-            <a:normAutofit/>
-          </a:bodyPr>
-          <a:lstStyle/>
-          <a:p>
-            <a:pPr>
-              <a:spcAft>
-                <a:spcPts val="600"/>
-              </a:spcAft>
-            </a:pPr>
+        <p:spPr/>
+        <p:txBody>
+          <a:bodyPr/>
+          <a:lstStyle/>
+          <a:p>
             <a:fld id="{14F1411D-0280-154F-AEAC-4C20B7AA46B2}" type="slidenum">
               <a:rPr lang="nl-NL" smtClean="0"/>
-              <a:pPr>
-                <a:spcAft>
-                  <a:spcPts val="600"/>
-                </a:spcAft>
-              </a:pPr>
               <a:t>8</a:t>
             </a:fld>
             <a:endParaRPr lang="nl-NL"/>
@@ -16432,128 +17553,133 @@
       </p:sp>
       <p:sp>
         <p:nvSpPr>
-          <p:cNvPr id="2" name="Title 1"/>
-          <p:cNvSpPr>
-            <a:spLocks noGrp="1"/>
-          </p:cNvSpPr>
-          <p:nvPr>
-            <p:ph type="title"/>
-          </p:nvPr>
-        </p:nvSpPr>
-        <p:spPr>
-          <a:xfrm>
-            <a:off x="719999" y="288000"/>
-            <a:ext cx="6624000" cy="504000"/>
-          </a:xfrm>
-        </p:spPr>
-        <p:txBody>
-          <a:bodyPr anchor="ctr">
-            <a:normAutofit/>
-          </a:bodyPr>
-          <a:lstStyle/>
-          <a:p>
-            <a:r>
-              <a:rPr lang="nl-NL" dirty="0"/>
-              <a:t>Cluster</a:t>
-            </a:r>
-          </a:p>
-        </p:txBody>
-      </p:sp>
-      <p:sp>
-        <p:nvSpPr>
-          <p:cNvPr id="10" name="Content Placeholder 4">
+          <p:cNvPr id="6" name="Rectangle 5">
             <a:extLst>
               <a:ext uri="{FF2B5EF4-FFF2-40B4-BE49-F238E27FC236}">
-                <a16:creationId xmlns:a16="http://schemas.microsoft.com/office/drawing/2014/main" id="{ED1053C5-A906-4812-9B6C-F7E2547B0A7F}"/>
+                <a16:creationId xmlns:a16="http://schemas.microsoft.com/office/drawing/2014/main" id="{6BAC7E01-8402-4402-A5AD-0FBD7A77A7F8}"/>
               </a:ext>
             </a:extLst>
           </p:cNvPr>
-          <p:cNvSpPr>
-            <a:spLocks noGrp="1"/>
-          </p:cNvSpPr>
-          <p:nvPr>
-            <p:ph idx="1"/>
-          </p:nvPr>
+          <p:cNvSpPr/>
+          <p:nvPr/>
         </p:nvSpPr>
         <p:spPr>
           <a:xfrm>
-            <a:off x="720003" y="1224000"/>
-            <a:ext cx="3744993" cy="3491999"/>
-          </a:xfrm>
-        </p:spPr>
-        <p:txBody>
-          <a:bodyPr/>
-          <a:lstStyle/>
-          <a:p>
-            <a:r>
-              <a:rPr lang="en-US" dirty="0"/>
-              <a:t>Elastic Search always runs in a cluster</a:t>
-            </a:r>
-          </a:p>
-          <a:p>
-            <a:r>
-              <a:rPr lang="en-US" dirty="0"/>
-              <a:t>Cluster is a group of nodes having the same </a:t>
-            </a:r>
-            <a:r>
-              <a:rPr lang="en-US" i="1" dirty="0">
-                <a:latin typeface="Tahoma" panose="020B0604030504040204" pitchFamily="34" charset="0"/>
-                <a:ea typeface="Tahoma" panose="020B0604030504040204" pitchFamily="34" charset="0"/>
-                <a:cs typeface="Tahoma" panose="020B0604030504040204" pitchFamily="34" charset="0"/>
-              </a:rPr>
-              <a:t>cluster.name </a:t>
-            </a:r>
-            <a:r>
-              <a:rPr lang="en-US" dirty="0"/>
-              <a:t>attribute</a:t>
-            </a:r>
-          </a:p>
-          <a:p>
-            <a:r>
-              <a:rPr lang="en-US" dirty="0"/>
-              <a:t>Nodes can be added to/removed from a cluster</a:t>
-            </a:r>
-          </a:p>
-          <a:p>
-            <a:endParaRPr lang="en-US" dirty="0"/>
-          </a:p>
-        </p:txBody>
-      </p:sp>
-      <p:pic>
-        <p:nvPicPr>
-          <p:cNvPr id="3" name="Picture 2">
-            <a:extLst>
-              <a:ext uri="{FF2B5EF4-FFF2-40B4-BE49-F238E27FC236}">
-                <a16:creationId xmlns:a16="http://schemas.microsoft.com/office/drawing/2014/main" id="{E7BD7C94-6B03-49E3-9590-B928FF5A6D50}"/>
-              </a:ext>
-            </a:extLst>
-          </p:cNvPr>
-          <p:cNvPicPr>
-            <a:picLocks noChangeAspect="1"/>
-          </p:cNvPicPr>
-          <p:nvPr/>
-        </p:nvPicPr>
-        <p:blipFill>
-          <a:blip r:embed="rId3"/>
-          <a:stretch>
-            <a:fillRect/>
-          </a:stretch>
-        </p:blipFill>
-        <p:spPr>
-          <a:xfrm>
-            <a:off x="4679007" y="1326158"/>
-            <a:ext cx="3744993" cy="3287683"/>
+            <a:off x="1034374" y="2430533"/>
+            <a:ext cx="4572000" cy="2169825"/>
           </a:xfrm>
           <a:prstGeom prst="rect">
             <a:avLst/>
           </a:prstGeom>
-          <a:noFill/>
         </p:spPr>
-      </p:pic>
+        <p:txBody>
+          <a:bodyPr>
+            <a:spAutoFit/>
+          </a:bodyPr>
+          <a:lstStyle/>
+          <a:p>
+            <a:r>
+              <a:rPr lang="en-NL" dirty="0"/>
+              <a:t>{</a:t>
+            </a:r>
+          </a:p>
+          <a:p>
+            <a:r>
+              <a:rPr lang="en-NL" dirty="0"/>
+              <a:t>	"name": "Farm Henk",</a:t>
+            </a:r>
+          </a:p>
+          <a:p>
+            <a:r>
+              <a:rPr lang="en-NL" dirty="0"/>
+              <a:t>	"</a:t>
+            </a:r>
+            <a:r>
+              <a:rPr lang="en-US" dirty="0" err="1"/>
+              <a:t>foundingDate</a:t>
+            </a:r>
+            <a:r>
+              <a:rPr lang="en-NL" dirty="0"/>
+              <a:t>": "1922-03-11",</a:t>
+            </a:r>
+          </a:p>
+          <a:p>
+            <a:r>
+              <a:rPr lang="en-NL" dirty="0"/>
+              <a:t>	"location": {</a:t>
+            </a:r>
+          </a:p>
+          <a:p>
+            <a:r>
+              <a:rPr lang="en-NL" dirty="0"/>
+              <a:t>		"name": "Utrecht",</a:t>
+            </a:r>
+          </a:p>
+          <a:p>
+            <a:r>
+              <a:rPr lang="en-NL" dirty="0"/>
+              <a:t>		“</a:t>
+            </a:r>
+            <a:r>
+              <a:rPr lang="en-US" dirty="0"/>
+              <a:t>street</a:t>
+            </a:r>
+            <a:r>
+              <a:rPr lang="en-NL" dirty="0"/>
+              <a:t>": “</a:t>
+            </a:r>
+            <a:r>
+              <a:rPr lang="en-US" dirty="0" err="1"/>
+              <a:t>Dorpstraat</a:t>
+            </a:r>
+            <a:r>
+              <a:rPr lang="en-NL" dirty="0"/>
+              <a:t>“</a:t>
+            </a:r>
+            <a:r>
+              <a:rPr lang="en-US" dirty="0"/>
+              <a:t>,</a:t>
+            </a:r>
+          </a:p>
+          <a:p>
+            <a:r>
+              <a:rPr lang="en-US" dirty="0"/>
+              <a:t>		“</a:t>
+            </a:r>
+            <a:r>
+              <a:rPr lang="en-US" dirty="0" err="1"/>
+              <a:t>numbe</a:t>
+            </a:r>
+            <a:r>
+              <a:rPr lang="en-US" dirty="0"/>
+              <a:t>”: “22”</a:t>
+            </a:r>
+            <a:endParaRPr lang="en-NL" dirty="0"/>
+          </a:p>
+          <a:p>
+            <a:r>
+              <a:rPr lang="en-NL" dirty="0"/>
+              <a:t>	},</a:t>
+            </a:r>
+          </a:p>
+          <a:p>
+            <a:r>
+              <a:rPr lang="en-NL" dirty="0"/>
+              <a:t>	"animals": ["Pigs", "Cows", "Chickens"]</a:t>
+            </a:r>
+          </a:p>
+          <a:p>
+            <a:r>
+              <a:rPr lang="en-NL" dirty="0"/>
+              <a:t>}</a:t>
+            </a:r>
+          </a:p>
+        </p:txBody>
+      </p:sp>
     </p:spTree>
     <p:extLst>
       <p:ext uri="{BB962C8B-B14F-4D97-AF65-F5344CB8AC3E}">
-        <p14:creationId xmlns:p14="http://schemas.microsoft.com/office/powerpoint/2010/main" val="791809052"/>
+        <p14:creationId xmlns:p14="http://schemas.microsoft.com/office/powerpoint/2010/main" val="354750810"/>
       </p:ext>
     </p:extLst>
   </p:cSld>
@@ -16597,7 +17723,52 @@
           <a:p>
             <a:r>
               <a:rPr lang="nl-NL" dirty="0"/>
-              <a:t>Cluster</a:t>
+              <a:t>Index</a:t>
+            </a:r>
+          </a:p>
+        </p:txBody>
+      </p:sp>
+      <p:sp>
+        <p:nvSpPr>
+          <p:cNvPr id="3" name="Content Placeholder 2"/>
+          <p:cNvSpPr>
+            <a:spLocks noGrp="1"/>
+          </p:cNvSpPr>
+          <p:nvPr>
+            <p:ph idx="1"/>
+          </p:nvPr>
+        </p:nvSpPr>
+        <p:spPr>
+          <a:xfrm>
+            <a:off x="720003" y="1224000"/>
+            <a:ext cx="6623999" cy="3491999"/>
+          </a:xfrm>
+        </p:spPr>
+        <p:txBody>
+          <a:bodyPr/>
+          <a:lstStyle/>
+          <a:p>
+            <a:r>
+              <a:rPr lang="nl-NL" dirty="0"/>
+              <a:t>Container of documents</a:t>
+            </a:r>
+          </a:p>
+          <a:p>
+            <a:r>
+              <a:rPr lang="nl-NL" dirty="0"/>
+              <a:t>Index mapping</a:t>
+            </a:r>
+          </a:p>
+          <a:p>
+            <a:r>
+              <a:rPr lang="nl-NL" dirty="0"/>
+              <a:t>Settings such as refresh interval, number of shards, number of replica’s</a:t>
+            </a:r>
+          </a:p>
+          <a:p>
+            <a:r>
+              <a:rPr lang="nl-NL" dirty="0"/>
+              <a:t>Index is divided into shards</a:t>
             </a:r>
           </a:p>
         </p:txBody>
@@ -16619,7 +17790,7 @@
           <a:p>
             <a:r>
               <a:rPr lang="nl-NL"/>
-              <a:t>Titel van de presentatie</a:t>
+              <a:t>elasticsearch</a:t>
             </a:r>
           </a:p>
         </p:txBody>
@@ -16647,40 +17818,10 @@
           </a:p>
         </p:txBody>
       </p:sp>
-      <p:pic>
-        <p:nvPicPr>
-          <p:cNvPr id="3" name="Picture 2">
-            <a:extLst>
-              <a:ext uri="{FF2B5EF4-FFF2-40B4-BE49-F238E27FC236}">
-                <a16:creationId xmlns:a16="http://schemas.microsoft.com/office/drawing/2014/main" id="{D3A919A2-62FE-4150-B186-C2A48569AA01}"/>
-              </a:ext>
-            </a:extLst>
-          </p:cNvPr>
-          <p:cNvPicPr>
-            <a:picLocks noChangeAspect="1"/>
-          </p:cNvPicPr>
-          <p:nvPr/>
-        </p:nvPicPr>
-        <p:blipFill>
-          <a:blip r:embed="rId3"/>
-          <a:stretch>
-            <a:fillRect/>
-          </a:stretch>
-        </p:blipFill>
-        <p:spPr>
-          <a:xfrm>
-            <a:off x="1877104" y="1202872"/>
-            <a:ext cx="4524375" cy="2533650"/>
-          </a:xfrm>
-          <a:prstGeom prst="rect">
-            <a:avLst/>
-          </a:prstGeom>
-        </p:spPr>
-      </p:pic>
     </p:spTree>
     <p:extLst>
       <p:ext uri="{BB962C8B-B14F-4D97-AF65-F5344CB8AC3E}">
-        <p14:creationId xmlns:p14="http://schemas.microsoft.com/office/powerpoint/2010/main" val="3852932830"/>
+        <p14:creationId xmlns:p14="http://schemas.microsoft.com/office/powerpoint/2010/main" val="3036050789"/>
       </p:ext>
     </p:extLst>
   </p:cSld>

--- a/Elasticsearch.pptx
+++ b/Elasticsearch.pptx
@@ -5,7 +5,7 @@
     <p:sldMasterId id="2147483672" r:id="rId4"/>
   </p:sldMasterIdLst>
   <p:notesMasterIdLst>
-    <p:notesMasterId r:id="rId50"/>
+    <p:notesMasterId r:id="rId49"/>
   </p:notesMasterIdLst>
   <p:sldIdLst>
     <p:sldId id="295" r:id="rId5"/>
@@ -13,46 +13,45 @@
     <p:sldId id="261" r:id="rId7"/>
     <p:sldId id="333" r:id="rId8"/>
     <p:sldId id="335" r:id="rId9"/>
-    <p:sldId id="314" r:id="rId10"/>
-    <p:sldId id="315" r:id="rId11"/>
-    <p:sldId id="316" r:id="rId12"/>
-    <p:sldId id="317" r:id="rId13"/>
-    <p:sldId id="318" r:id="rId14"/>
-    <p:sldId id="319" r:id="rId15"/>
-    <p:sldId id="320" r:id="rId16"/>
-    <p:sldId id="321" r:id="rId17"/>
-    <p:sldId id="322" r:id="rId18"/>
-    <p:sldId id="323" r:id="rId19"/>
-    <p:sldId id="324" r:id="rId20"/>
-    <p:sldId id="325" r:id="rId21"/>
-    <p:sldId id="326" r:id="rId22"/>
-    <p:sldId id="327" r:id="rId23"/>
-    <p:sldId id="328" r:id="rId24"/>
-    <p:sldId id="329" r:id="rId25"/>
-    <p:sldId id="330" r:id="rId26"/>
-    <p:sldId id="331" r:id="rId27"/>
-    <p:sldId id="332" r:id="rId28"/>
-    <p:sldId id="260" r:id="rId29"/>
-    <p:sldId id="296" r:id="rId30"/>
-    <p:sldId id="297" r:id="rId31"/>
-    <p:sldId id="298" r:id="rId32"/>
-    <p:sldId id="299" r:id="rId33"/>
-    <p:sldId id="300" r:id="rId34"/>
-    <p:sldId id="301" r:id="rId35"/>
-    <p:sldId id="302" r:id="rId36"/>
-    <p:sldId id="303" r:id="rId37"/>
-    <p:sldId id="305" r:id="rId38"/>
-    <p:sldId id="304" r:id="rId39"/>
-    <p:sldId id="306" r:id="rId40"/>
-    <p:sldId id="307" r:id="rId41"/>
-    <p:sldId id="308" r:id="rId42"/>
-    <p:sldId id="309" r:id="rId43"/>
-    <p:sldId id="310" r:id="rId44"/>
-    <p:sldId id="311" r:id="rId45"/>
-    <p:sldId id="312" r:id="rId46"/>
-    <p:sldId id="313" r:id="rId47"/>
-    <p:sldId id="278" r:id="rId48"/>
-    <p:sldId id="280" r:id="rId49"/>
+    <p:sldId id="316" r:id="rId10"/>
+    <p:sldId id="317" r:id="rId11"/>
+    <p:sldId id="336" r:id="rId12"/>
+    <p:sldId id="318" r:id="rId13"/>
+    <p:sldId id="319" r:id="rId14"/>
+    <p:sldId id="320" r:id="rId15"/>
+    <p:sldId id="321" r:id="rId16"/>
+    <p:sldId id="322" r:id="rId17"/>
+    <p:sldId id="323" r:id="rId18"/>
+    <p:sldId id="324" r:id="rId19"/>
+    <p:sldId id="325" r:id="rId20"/>
+    <p:sldId id="326" r:id="rId21"/>
+    <p:sldId id="327" r:id="rId22"/>
+    <p:sldId id="328" r:id="rId23"/>
+    <p:sldId id="329" r:id="rId24"/>
+    <p:sldId id="330" r:id="rId25"/>
+    <p:sldId id="331" r:id="rId26"/>
+    <p:sldId id="332" r:id="rId27"/>
+    <p:sldId id="260" r:id="rId28"/>
+    <p:sldId id="296" r:id="rId29"/>
+    <p:sldId id="297" r:id="rId30"/>
+    <p:sldId id="298" r:id="rId31"/>
+    <p:sldId id="299" r:id="rId32"/>
+    <p:sldId id="300" r:id="rId33"/>
+    <p:sldId id="301" r:id="rId34"/>
+    <p:sldId id="302" r:id="rId35"/>
+    <p:sldId id="303" r:id="rId36"/>
+    <p:sldId id="305" r:id="rId37"/>
+    <p:sldId id="304" r:id="rId38"/>
+    <p:sldId id="306" r:id="rId39"/>
+    <p:sldId id="307" r:id="rId40"/>
+    <p:sldId id="308" r:id="rId41"/>
+    <p:sldId id="309" r:id="rId42"/>
+    <p:sldId id="310" r:id="rId43"/>
+    <p:sldId id="311" r:id="rId44"/>
+    <p:sldId id="312" r:id="rId45"/>
+    <p:sldId id="313" r:id="rId46"/>
+    <p:sldId id="278" r:id="rId47"/>
+    <p:sldId id="280" r:id="rId48"/>
   </p:sldIdLst>
   <p:sldSz cx="9144000" cy="5143500" type="screen16x9"/>
   <p:notesSz cx="6858000" cy="9144000"/>
@@ -898,7 +897,7 @@
           <a:p>
             <a:fld id="{DDF2FCE7-7AFA-9242-BECB-A61CE0BE95A1}" type="datetimeFigureOut">
               <a:rPr lang="nl-NL" smtClean="0"/>
-              <a:t>11-5-2020</a:t>
+              <a:t>12-5-2020</a:t>
             </a:fld>
             <a:endParaRPr lang="nl-NL"/>
           </a:p>
@@ -1231,7 +1230,7 @@
           <a:p>
             <a:fld id="{CDFB967C-E8DF-AF4B-9B57-A68D256EEC90}" type="slidenum">
               <a:rPr lang="nl-NL" smtClean="0"/>
-              <a:t>8</a:t>
+              <a:t>6</a:t>
             </a:fld>
             <a:endParaRPr lang="nl-NL"/>
           </a:p>
@@ -1315,7 +1314,7 @@
           <a:p>
             <a:fld id="{CDFB967C-E8DF-AF4B-9B57-A68D256EEC90}" type="slidenum">
               <a:rPr lang="nl-NL" smtClean="0"/>
-              <a:t>19</a:t>
+              <a:t>15</a:t>
             </a:fld>
             <a:endParaRPr lang="nl-NL"/>
           </a:p>
@@ -1324,7 +1323,7 @@
     </p:spTree>
     <p:extLst>
       <p:ext uri="{BB962C8B-B14F-4D97-AF65-F5344CB8AC3E}">
-        <p14:creationId xmlns:p14="http://schemas.microsoft.com/office/powerpoint/2010/main" val="3952697355"/>
+        <p14:creationId xmlns:p14="http://schemas.microsoft.com/office/powerpoint/2010/main" val="3100687891"/>
       </p:ext>
     </p:extLst>
   </p:cSld>
@@ -1399,7 +1398,91 @@
           <a:p>
             <a:fld id="{CDFB967C-E8DF-AF4B-9B57-A68D256EEC90}" type="slidenum">
               <a:rPr lang="nl-NL" smtClean="0"/>
-              <a:t>20</a:t>
+              <a:t>18</a:t>
+            </a:fld>
+            <a:endParaRPr lang="nl-NL"/>
+          </a:p>
+        </p:txBody>
+      </p:sp>
+    </p:spTree>
+    <p:extLst>
+      <p:ext uri="{BB962C8B-B14F-4D97-AF65-F5344CB8AC3E}">
+        <p14:creationId xmlns:p14="http://schemas.microsoft.com/office/powerpoint/2010/main" val="3952697355"/>
+      </p:ext>
+    </p:extLst>
+  </p:cSld>
+  <p:clrMapOvr>
+    <a:masterClrMapping/>
+  </p:clrMapOvr>
+</p:notes>
+</file>
+
+<file path=ppt/notesSlides/notesSlide12.xml><?xml version="1.0" encoding="utf-8"?>
+<p:notes xmlns:a="http://schemas.openxmlformats.org/drawingml/2006/main" xmlns:r="http://schemas.openxmlformats.org/officeDocument/2006/relationships" xmlns:p="http://schemas.openxmlformats.org/presentationml/2006/main">
+  <p:cSld>
+    <p:spTree>
+      <p:nvGrpSpPr>
+        <p:cNvPr id="1" name=""/>
+        <p:cNvGrpSpPr/>
+        <p:nvPr/>
+      </p:nvGrpSpPr>
+      <p:grpSpPr>
+        <a:xfrm>
+          <a:off x="0" y="0"/>
+          <a:ext cx="0" cy="0"/>
+          <a:chOff x="0" y="0"/>
+          <a:chExt cx="0" cy="0"/>
+        </a:xfrm>
+      </p:grpSpPr>
+      <p:sp>
+        <p:nvSpPr>
+          <p:cNvPr id="2" name="Slide Image Placeholder 1"/>
+          <p:cNvSpPr>
+            <a:spLocks noGrp="1" noRot="1" noChangeAspect="1"/>
+          </p:cNvSpPr>
+          <p:nvPr>
+            <p:ph type="sldImg"/>
+          </p:nvPr>
+        </p:nvSpPr>
+        <p:spPr/>
+      </p:sp>
+      <p:sp>
+        <p:nvSpPr>
+          <p:cNvPr id="3" name="Notes Placeholder 2"/>
+          <p:cNvSpPr>
+            <a:spLocks noGrp="1"/>
+          </p:cNvSpPr>
+          <p:nvPr>
+            <p:ph type="body" idx="1"/>
+          </p:nvPr>
+        </p:nvSpPr>
+        <p:spPr/>
+        <p:txBody>
+          <a:bodyPr/>
+          <a:lstStyle/>
+          <a:p>
+            <a:endParaRPr lang="en-NL" dirty="0"/>
+          </a:p>
+        </p:txBody>
+      </p:sp>
+      <p:sp>
+        <p:nvSpPr>
+          <p:cNvPr id="4" name="Slide Number Placeholder 3"/>
+          <p:cNvSpPr>
+            <a:spLocks noGrp="1"/>
+          </p:cNvSpPr>
+          <p:nvPr>
+            <p:ph type="sldNum" sz="quarter" idx="5"/>
+          </p:nvPr>
+        </p:nvSpPr>
+        <p:spPr/>
+        <p:txBody>
+          <a:bodyPr/>
+          <a:lstStyle/>
+          <a:p>
+            <a:fld id="{CDFB967C-E8DF-AF4B-9B57-A68D256EEC90}" type="slidenum">
+              <a:rPr lang="nl-NL" smtClean="0"/>
+              <a:t>19</a:t>
             </a:fld>
             <a:endParaRPr lang="nl-NL"/>
           </a:p>
@@ -1483,7 +1566,7 @@
           <a:p>
             <a:fld id="{CDFB967C-E8DF-AF4B-9B57-A68D256EEC90}" type="slidenum">
               <a:rPr lang="nl-NL" smtClean="0"/>
-              <a:t>9</a:t>
+              <a:t>7</a:t>
             </a:fld>
             <a:endParaRPr lang="nl-NL"/>
           </a:p>
@@ -1567,7 +1650,7 @@
           <a:p>
             <a:fld id="{CDFB967C-E8DF-AF4B-9B57-A68D256EEC90}" type="slidenum">
               <a:rPr lang="nl-NL" smtClean="0"/>
-              <a:t>10</a:t>
+              <a:t>8</a:t>
             </a:fld>
             <a:endParaRPr lang="nl-NL"/>
           </a:p>
@@ -1576,7 +1659,7 @@
     </p:spTree>
     <p:extLst>
       <p:ext uri="{BB962C8B-B14F-4D97-AF65-F5344CB8AC3E}">
-        <p14:creationId xmlns:p14="http://schemas.microsoft.com/office/powerpoint/2010/main" val="114937065"/>
+        <p14:creationId xmlns:p14="http://schemas.microsoft.com/office/powerpoint/2010/main" val="3134215112"/>
       </p:ext>
     </p:extLst>
   </p:cSld>
@@ -1651,7 +1734,7 @@
           <a:p>
             <a:fld id="{CDFB967C-E8DF-AF4B-9B57-A68D256EEC90}" type="slidenum">
               <a:rPr lang="nl-NL" smtClean="0"/>
-              <a:t>11</a:t>
+              <a:t>9</a:t>
             </a:fld>
             <a:endParaRPr lang="nl-NL"/>
           </a:p>
@@ -1660,7 +1743,7 @@
     </p:spTree>
     <p:extLst>
       <p:ext uri="{BB962C8B-B14F-4D97-AF65-F5344CB8AC3E}">
-        <p14:creationId xmlns:p14="http://schemas.microsoft.com/office/powerpoint/2010/main" val="3550176214"/>
+        <p14:creationId xmlns:p14="http://schemas.microsoft.com/office/powerpoint/2010/main" val="114937065"/>
       </p:ext>
     </p:extLst>
   </p:cSld>
@@ -1735,7 +1818,7 @@
           <a:p>
             <a:fld id="{CDFB967C-E8DF-AF4B-9B57-A68D256EEC90}" type="slidenum">
               <a:rPr lang="nl-NL" smtClean="0"/>
-              <a:t>12</a:t>
+              <a:t>10</a:t>
             </a:fld>
             <a:endParaRPr lang="nl-NL"/>
           </a:p>
@@ -1744,7 +1827,7 @@
     </p:spTree>
     <p:extLst>
       <p:ext uri="{BB962C8B-B14F-4D97-AF65-F5344CB8AC3E}">
-        <p14:creationId xmlns:p14="http://schemas.microsoft.com/office/powerpoint/2010/main" val="80998600"/>
+        <p14:creationId xmlns:p14="http://schemas.microsoft.com/office/powerpoint/2010/main" val="3550176214"/>
       </p:ext>
     </p:extLst>
   </p:cSld>
@@ -1819,7 +1902,7 @@
           <a:p>
             <a:fld id="{CDFB967C-E8DF-AF4B-9B57-A68D256EEC90}" type="slidenum">
               <a:rPr lang="nl-NL" smtClean="0"/>
-              <a:t>13</a:t>
+              <a:t>11</a:t>
             </a:fld>
             <a:endParaRPr lang="nl-NL"/>
           </a:p>
@@ -1828,7 +1911,7 @@
     </p:spTree>
     <p:extLst>
       <p:ext uri="{BB962C8B-B14F-4D97-AF65-F5344CB8AC3E}">
-        <p14:creationId xmlns:p14="http://schemas.microsoft.com/office/powerpoint/2010/main" val="72396216"/>
+        <p14:creationId xmlns:p14="http://schemas.microsoft.com/office/powerpoint/2010/main" val="80998600"/>
       </p:ext>
     </p:extLst>
   </p:cSld>
@@ -1903,7 +1986,7 @@
           <a:p>
             <a:fld id="{CDFB967C-E8DF-AF4B-9B57-A68D256EEC90}" type="slidenum">
               <a:rPr lang="nl-NL" smtClean="0"/>
-              <a:t>14</a:t>
+              <a:t>12</a:t>
             </a:fld>
             <a:endParaRPr lang="nl-NL"/>
           </a:p>
@@ -1912,7 +1995,7 @@
     </p:spTree>
     <p:extLst>
       <p:ext uri="{BB962C8B-B14F-4D97-AF65-F5344CB8AC3E}">
-        <p14:creationId xmlns:p14="http://schemas.microsoft.com/office/powerpoint/2010/main" val="3630615372"/>
+        <p14:creationId xmlns:p14="http://schemas.microsoft.com/office/powerpoint/2010/main" val="72396216"/>
       </p:ext>
     </p:extLst>
   </p:cSld>
@@ -1987,7 +2070,7 @@
           <a:p>
             <a:fld id="{CDFB967C-E8DF-AF4B-9B57-A68D256EEC90}" type="slidenum">
               <a:rPr lang="nl-NL" smtClean="0"/>
-              <a:t>15</a:t>
+              <a:t>13</a:t>
             </a:fld>
             <a:endParaRPr lang="nl-NL"/>
           </a:p>
@@ -1996,7 +2079,7 @@
     </p:spTree>
     <p:extLst>
       <p:ext uri="{BB962C8B-B14F-4D97-AF65-F5344CB8AC3E}">
-        <p14:creationId xmlns:p14="http://schemas.microsoft.com/office/powerpoint/2010/main" val="779271909"/>
+        <p14:creationId xmlns:p14="http://schemas.microsoft.com/office/powerpoint/2010/main" val="3630615372"/>
       </p:ext>
     </p:extLst>
   </p:cSld>
@@ -2071,7 +2154,7 @@
           <a:p>
             <a:fld id="{CDFB967C-E8DF-AF4B-9B57-A68D256EEC90}" type="slidenum">
               <a:rPr lang="nl-NL" smtClean="0"/>
-              <a:t>16</a:t>
+              <a:t>14</a:t>
             </a:fld>
             <a:endParaRPr lang="nl-NL"/>
           </a:p>
@@ -2080,7 +2163,7 @@
     </p:spTree>
     <p:extLst>
       <p:ext uri="{BB962C8B-B14F-4D97-AF65-F5344CB8AC3E}">
-        <p14:creationId xmlns:p14="http://schemas.microsoft.com/office/powerpoint/2010/main" val="3100687891"/>
+        <p14:creationId xmlns:p14="http://schemas.microsoft.com/office/powerpoint/2010/main" val="779271909"/>
       </p:ext>
     </p:extLst>
   </p:cSld>
@@ -2442,7 +2525,7 @@
           <a:p>
             <a:fld id="{E8E3D916-ACBF-4FE0-8C69-93E6D8AAD662}" type="datetime1">
               <a:rPr lang="en-US" noProof="0" smtClean="0"/>
-              <a:t>5/11/2020</a:t>
+              <a:t>5/12/2020</a:t>
             </a:fld>
             <a:endParaRPr lang="nl-NL" noProof="0" dirty="0"/>
           </a:p>
@@ -2828,7 +2911,7 @@
           <a:p>
             <a:fld id="{24923D33-0607-4471-92AB-87D7B932E4F5}" type="datetime1">
               <a:rPr lang="en-US" smtClean="0"/>
-              <a:t>5/11/2020</a:t>
+              <a:t>5/12/2020</a:t>
             </a:fld>
             <a:endParaRPr lang="nl-NL"/>
           </a:p>
@@ -3246,7 +3329,7 @@
           <a:p>
             <a:fld id="{1F076E73-A7F2-48BA-9D14-CF574BEA09A4}" type="datetime1">
               <a:rPr lang="en-US" smtClean="0"/>
-              <a:t>5/11/2020</a:t>
+              <a:t>5/12/2020</a:t>
             </a:fld>
             <a:endParaRPr lang="nl-NL"/>
           </a:p>
@@ -3605,7 +3688,7 @@
           <a:p>
             <a:fld id="{1AB64C7B-1C78-4EDC-8334-C910606A37E2}" type="datetime1">
               <a:rPr lang="en-US" smtClean="0"/>
-              <a:t>5/11/2020</a:t>
+              <a:t>5/12/2020</a:t>
             </a:fld>
             <a:endParaRPr lang="nl-NL"/>
           </a:p>
@@ -3781,7 +3864,7 @@
           <a:p>
             <a:fld id="{5438AED8-C3F5-4584-9499-D06298DD82AB}" type="datetime1">
               <a:rPr lang="en-US" smtClean="0"/>
-              <a:t>5/11/2020</a:t>
+              <a:t>5/12/2020</a:t>
             </a:fld>
             <a:endParaRPr lang="nl-NL"/>
           </a:p>
@@ -4690,7 +4773,7 @@
           <a:p>
             <a:fld id="{3086376D-BF8F-4FB0-BA3A-6118F3B97147}" type="datetime1">
               <a:rPr lang="en-US" smtClean="0"/>
-              <a:t>5/11/2020</a:t>
+              <a:t>5/12/2020</a:t>
             </a:fld>
             <a:endParaRPr lang="nl-NL"/>
           </a:p>
@@ -4937,7 +5020,7 @@
           <a:p>
             <a:fld id="{B8D31770-EB6A-4A32-B824-DB612DA46BB3}" type="datetime1">
               <a:rPr lang="en-US" smtClean="0"/>
-              <a:t>5/11/2020</a:t>
+              <a:t>5/12/2020</a:t>
             </a:fld>
             <a:endParaRPr lang="nl-NL"/>
           </a:p>
@@ -5185,7 +5268,7 @@
           <a:p>
             <a:fld id="{EE9519D9-11FC-4E4C-AB92-51D800F1B74D}" type="datetime1">
               <a:rPr lang="en-US" smtClean="0"/>
-              <a:t>5/11/2020</a:t>
+              <a:t>5/12/2020</a:t>
             </a:fld>
             <a:endParaRPr lang="nl-NL"/>
           </a:p>
@@ -5350,7 +5433,7 @@
           <a:p>
             <a:fld id="{EBD39672-96D6-4289-B17F-3AC03B64F325}" type="datetime1">
               <a:rPr lang="en-US" smtClean="0"/>
-              <a:t>5/11/2020</a:t>
+              <a:t>5/12/2020</a:t>
             </a:fld>
             <a:endParaRPr lang="nl-NL"/>
           </a:p>
@@ -5811,7 +5894,7 @@
           <a:p>
             <a:fld id="{47CACD11-3D54-4121-84E2-40922414833D}" type="datetime1">
               <a:rPr lang="en-US" smtClean="0"/>
-              <a:t>5/11/2020</a:t>
+              <a:t>5/12/2020</a:t>
             </a:fld>
             <a:endParaRPr lang="nl-NL"/>
           </a:p>
@@ -6422,7 +6505,7 @@
           <a:p>
             <a:fld id="{D368890A-41A1-4C6B-A321-D1F668F5C54D}" type="datetime1">
               <a:rPr lang="en-US" noProof="0" smtClean="0"/>
-              <a:t>5/11/2020</a:t>
+              <a:t>5/12/2020</a:t>
             </a:fld>
             <a:endParaRPr lang="nl-NL" noProof="0" dirty="0"/>
           </a:p>
@@ -6721,7 +6804,7 @@
           <a:p>
             <a:fld id="{58384117-E61A-49E9-8E3E-01D33DE87B45}" type="datetime1">
               <a:rPr lang="en-US" smtClean="0"/>
-              <a:t>5/11/2020</a:t>
+              <a:t>5/12/2020</a:t>
             </a:fld>
             <a:endParaRPr lang="nl-NL"/>
           </a:p>
@@ -7280,188 +7363,6 @@
       </p:grpSpPr>
       <p:sp>
         <p:nvSpPr>
-          <p:cNvPr id="2" name="Title 1"/>
-          <p:cNvSpPr>
-            <a:spLocks noGrp="1"/>
-          </p:cNvSpPr>
-          <p:nvPr>
-            <p:ph type="title"/>
-          </p:nvPr>
-        </p:nvSpPr>
-        <p:spPr/>
-        <p:txBody>
-          <a:bodyPr/>
-          <a:lstStyle/>
-          <a:p>
-            <a:r>
-              <a:rPr lang="nl-NL" dirty="0"/>
-              <a:t>Index Mapping</a:t>
-            </a:r>
-          </a:p>
-        </p:txBody>
-      </p:sp>
-      <p:sp>
-        <p:nvSpPr>
-          <p:cNvPr id="3" name="Content Placeholder 2"/>
-          <p:cNvSpPr>
-            <a:spLocks noGrp="1"/>
-          </p:cNvSpPr>
-          <p:nvPr>
-            <p:ph idx="1"/>
-          </p:nvPr>
-        </p:nvSpPr>
-        <p:spPr>
-          <a:xfrm>
-            <a:off x="720003" y="1224000"/>
-            <a:ext cx="6623999" cy="3491999"/>
-          </a:xfrm>
-        </p:spPr>
-        <p:txBody>
-          <a:bodyPr/>
-          <a:lstStyle/>
-          <a:p>
-            <a:r>
-              <a:rPr lang="nl-NL" dirty="0"/>
-              <a:t>Definition of how a document and the field it contains are stored and indexed.</a:t>
-            </a:r>
-          </a:p>
-          <a:p>
-            <a:r>
-              <a:rPr lang="nl-NL" dirty="0"/>
-              <a:t>Types:</a:t>
-            </a:r>
-          </a:p>
-          <a:p>
-            <a:pPr lvl="1"/>
-            <a:r>
-              <a:rPr lang="en-US" dirty="0"/>
-              <a:t>text, keyword, date, long, double, </a:t>
-            </a:r>
-            <a:r>
-              <a:rPr lang="en-US" dirty="0" err="1"/>
-              <a:t>boolean</a:t>
-            </a:r>
-            <a:r>
-              <a:rPr lang="en-US" dirty="0"/>
-              <a:t>, </a:t>
-            </a:r>
-            <a:r>
-              <a:rPr lang="en-US" dirty="0" err="1"/>
-              <a:t>ip</a:t>
-            </a:r>
-            <a:r>
-              <a:rPr lang="en-US" dirty="0"/>
-              <a:t>.</a:t>
-            </a:r>
-          </a:p>
-          <a:p>
-            <a:pPr lvl="1"/>
-            <a:r>
-              <a:rPr lang="en-US" dirty="0"/>
-              <a:t>hierarchical JSON such as object or nested.</a:t>
-            </a:r>
-          </a:p>
-          <a:p>
-            <a:r>
-              <a:rPr lang="en-US" dirty="0"/>
-              <a:t>Inserted documents are not restricted to those fields only</a:t>
-            </a:r>
-          </a:p>
-          <a:p>
-            <a:r>
-              <a:rPr lang="en-US" dirty="0"/>
-              <a:t>Existing mappings can be extended</a:t>
-            </a:r>
-          </a:p>
-          <a:p>
-            <a:r>
-              <a:rPr lang="en-US" dirty="0"/>
-              <a:t>Types can’t be changed</a:t>
-            </a:r>
-            <a:endParaRPr lang="nl-NL" dirty="0"/>
-          </a:p>
-          <a:p>
-            <a:endParaRPr lang="nl-NL" dirty="0"/>
-          </a:p>
-        </p:txBody>
-      </p:sp>
-      <p:sp>
-        <p:nvSpPr>
-          <p:cNvPr id="4" name="Footer Placeholder 3"/>
-          <p:cNvSpPr>
-            <a:spLocks noGrp="1"/>
-          </p:cNvSpPr>
-          <p:nvPr>
-            <p:ph type="ftr" sz="quarter" idx="11"/>
-          </p:nvPr>
-        </p:nvSpPr>
-        <p:spPr/>
-        <p:txBody>
-          <a:bodyPr/>
-          <a:lstStyle/>
-          <a:p>
-            <a:r>
-              <a:rPr lang="nl-NL"/>
-              <a:t>elasticsearch</a:t>
-            </a:r>
-          </a:p>
-        </p:txBody>
-      </p:sp>
-      <p:sp>
-        <p:nvSpPr>
-          <p:cNvPr id="5" name="Slide Number Placeholder 4"/>
-          <p:cNvSpPr>
-            <a:spLocks noGrp="1"/>
-          </p:cNvSpPr>
-          <p:nvPr>
-            <p:ph type="sldNum" sz="quarter" idx="12"/>
-          </p:nvPr>
-        </p:nvSpPr>
-        <p:spPr/>
-        <p:txBody>
-          <a:bodyPr/>
-          <a:lstStyle/>
-          <a:p>
-            <a:fld id="{14F1411D-0280-154F-AEAC-4C20B7AA46B2}" type="slidenum">
-              <a:rPr lang="nl-NL" smtClean="0"/>
-              <a:t>10</a:t>
-            </a:fld>
-            <a:endParaRPr lang="nl-NL"/>
-          </a:p>
-        </p:txBody>
-      </p:sp>
-    </p:spTree>
-    <p:extLst>
-      <p:ext uri="{BB962C8B-B14F-4D97-AF65-F5344CB8AC3E}">
-        <p14:creationId xmlns:p14="http://schemas.microsoft.com/office/powerpoint/2010/main" val="3363803786"/>
-      </p:ext>
-    </p:extLst>
-  </p:cSld>
-  <p:clrMapOvr>
-    <a:masterClrMapping/>
-  </p:clrMapOvr>
-</p:sld>
-</file>
-
-<file path=ppt/slides/slide11.xml><?xml version="1.0" encoding="utf-8"?>
-<p:sld xmlns:a="http://schemas.openxmlformats.org/drawingml/2006/main" xmlns:r="http://schemas.openxmlformats.org/officeDocument/2006/relationships" xmlns:p="http://schemas.openxmlformats.org/presentationml/2006/main">
-  <p:cSld>
-    <p:spTree>
-      <p:nvGrpSpPr>
-        <p:cNvPr id="1" name=""/>
-        <p:cNvGrpSpPr/>
-        <p:nvPr/>
-      </p:nvGrpSpPr>
-      <p:grpSpPr>
-        <a:xfrm>
-          <a:off x="0" y="0"/>
-          <a:ext cx="0" cy="0"/>
-          <a:chOff x="0" y="0"/>
-          <a:chExt cx="0" cy="0"/>
-        </a:xfrm>
-      </p:grpSpPr>
-      <p:sp>
-        <p:nvSpPr>
           <p:cNvPr id="4" name="Footer Placeholder 3"/>
           <p:cNvSpPr>
             <a:spLocks noGrp="1"/>
@@ -7528,7 +7429,7 @@
                   <a:spcPts val="600"/>
                 </a:spcAft>
               </a:pPr>
-              <a:t>11</a:t>
+              <a:t>10</a:t>
             </a:fld>
             <a:endParaRPr lang="nl-NL"/>
           </a:p>
@@ -7667,7 +7568,7 @@
 </p:sld>
 </file>
 
-<file path=ppt/slides/slide12.xml><?xml version="1.0" encoding="utf-8"?>
+<file path=ppt/slides/slide11.xml><?xml version="1.0" encoding="utf-8"?>
 <p:sld xmlns:a="http://schemas.openxmlformats.org/drawingml/2006/main" xmlns:r="http://schemas.openxmlformats.org/officeDocument/2006/relationships" xmlns:p="http://schemas.openxmlformats.org/presentationml/2006/main">
   <p:cSld>
     <p:spTree>
@@ -7745,7 +7646,7 @@
           <a:p>
             <a:fld id="{14F1411D-0280-154F-AEAC-4C20B7AA46B2}" type="slidenum">
               <a:rPr lang="nl-NL" smtClean="0"/>
-              <a:t>12</a:t>
+              <a:t>11</a:t>
             </a:fld>
             <a:endParaRPr lang="nl-NL"/>
           </a:p>
@@ -7794,7 +7695,7 @@
 </p:sld>
 </file>
 
-<file path=ppt/slides/slide13.xml><?xml version="1.0" encoding="utf-8"?>
+<file path=ppt/slides/slide12.xml><?xml version="1.0" encoding="utf-8"?>
 <p:sld xmlns:a="http://schemas.openxmlformats.org/drawingml/2006/main" xmlns:r="http://schemas.openxmlformats.org/officeDocument/2006/relationships" xmlns:p="http://schemas.openxmlformats.org/presentationml/2006/main">
   <p:cSld>
     <p:spTree>
@@ -7872,7 +7773,7 @@
           <a:p>
             <a:fld id="{14F1411D-0280-154F-AEAC-4C20B7AA46B2}" type="slidenum">
               <a:rPr lang="nl-NL" smtClean="0"/>
-              <a:t>13</a:t>
+              <a:t>12</a:t>
             </a:fld>
             <a:endParaRPr lang="nl-NL"/>
           </a:p>
@@ -7921,7 +7822,7 @@
 </p:sld>
 </file>
 
-<file path=ppt/slides/slide14.xml><?xml version="1.0" encoding="utf-8"?>
+<file path=ppt/slides/slide13.xml><?xml version="1.0" encoding="utf-8"?>
 <p:sld xmlns:a="http://schemas.openxmlformats.org/drawingml/2006/main" xmlns:r="http://schemas.openxmlformats.org/officeDocument/2006/relationships" xmlns:p="http://schemas.openxmlformats.org/presentationml/2006/main">
   <p:cSld>
     <p:spTree>
@@ -7999,7 +7900,7 @@
           <a:p>
             <a:fld id="{14F1411D-0280-154F-AEAC-4C20B7AA46B2}" type="slidenum">
               <a:rPr lang="nl-NL" smtClean="0"/>
-              <a:t>14</a:t>
+              <a:t>13</a:t>
             </a:fld>
             <a:endParaRPr lang="nl-NL"/>
           </a:p>
@@ -8048,7 +7949,7 @@
 </p:sld>
 </file>
 
-<file path=ppt/slides/slide15.xml><?xml version="1.0" encoding="utf-8"?>
+<file path=ppt/slides/slide14.xml><?xml version="1.0" encoding="utf-8"?>
 <p:sld xmlns:a="http://schemas.openxmlformats.org/drawingml/2006/main" xmlns:r="http://schemas.openxmlformats.org/officeDocument/2006/relationships" xmlns:p="http://schemas.openxmlformats.org/presentationml/2006/main">
   <p:cSld>
     <p:spTree>
@@ -8441,7 +8342,7 @@
           <a:p>
             <a:fld id="{14F1411D-0280-154F-AEAC-4C20B7AA46B2}" type="slidenum">
               <a:rPr lang="nl-NL" smtClean="0"/>
-              <a:t>15</a:t>
+              <a:t>14</a:t>
             </a:fld>
             <a:endParaRPr lang="nl-NL"/>
           </a:p>
@@ -8671,6 +8572,185 @@
 </p:sld>
 </file>
 
+<file path=ppt/slides/slide15.xml><?xml version="1.0" encoding="utf-8"?>
+<p:sld xmlns:a="http://schemas.openxmlformats.org/drawingml/2006/main" xmlns:r="http://schemas.openxmlformats.org/officeDocument/2006/relationships" xmlns:p="http://schemas.openxmlformats.org/presentationml/2006/main">
+  <p:cSld>
+    <p:spTree>
+      <p:nvGrpSpPr>
+        <p:cNvPr id="1" name=""/>
+        <p:cNvGrpSpPr/>
+        <p:nvPr/>
+      </p:nvGrpSpPr>
+      <p:grpSpPr>
+        <a:xfrm>
+          <a:off x="0" y="0"/>
+          <a:ext cx="0" cy="0"/>
+          <a:chOff x="0" y="0"/>
+          <a:chExt cx="0" cy="0"/>
+        </a:xfrm>
+      </p:grpSpPr>
+      <p:sp>
+        <p:nvSpPr>
+          <p:cNvPr id="2" name="Title 1"/>
+          <p:cNvSpPr>
+            <a:spLocks noGrp="1"/>
+          </p:cNvSpPr>
+          <p:nvPr>
+            <p:ph type="title"/>
+          </p:nvPr>
+        </p:nvSpPr>
+        <p:spPr/>
+        <p:txBody>
+          <a:bodyPr/>
+          <a:lstStyle/>
+          <a:p>
+            <a:r>
+              <a:rPr lang="nl-NL" dirty="0"/>
+              <a:t>Analysis</a:t>
+            </a:r>
+          </a:p>
+        </p:txBody>
+      </p:sp>
+      <p:sp>
+        <p:nvSpPr>
+          <p:cNvPr id="3" name="Content Placeholder 2"/>
+          <p:cNvSpPr>
+            <a:spLocks noGrp="1"/>
+          </p:cNvSpPr>
+          <p:nvPr>
+            <p:ph idx="1"/>
+          </p:nvPr>
+        </p:nvSpPr>
+        <p:spPr>
+          <a:xfrm>
+            <a:off x="720003" y="1224000"/>
+            <a:ext cx="6623999" cy="3491999"/>
+          </a:xfrm>
+        </p:spPr>
+        <p:txBody>
+          <a:bodyPr/>
+          <a:lstStyle/>
+          <a:p>
+            <a:pPr marL="0" indent="0">
+              <a:buNone/>
+            </a:pPr>
+            <a:r>
+              <a:rPr lang="nl-NL" dirty="0"/>
+              <a:t>Enables full-text search -&gt; relevant results are returned</a:t>
+            </a:r>
+          </a:p>
+          <a:p>
+            <a:endParaRPr lang="nl-NL" dirty="0"/>
+          </a:p>
+          <a:p>
+            <a:r>
+              <a:rPr lang="nl-NL" dirty="0"/>
+              <a:t>Analysis is used to break down text into terms</a:t>
+            </a:r>
+          </a:p>
+          <a:p>
+            <a:r>
+              <a:rPr lang="nl-NL" dirty="0"/>
+              <a:t>Analysis is used on indexing and on searching</a:t>
+            </a:r>
+          </a:p>
+          <a:p>
+            <a:endParaRPr lang="nl-NL" dirty="0"/>
+          </a:p>
+          <a:p>
+            <a:endParaRPr lang="nl-NL" dirty="0"/>
+          </a:p>
+          <a:p>
+            <a:pPr marL="0" indent="0">
+              <a:buNone/>
+            </a:pPr>
+            <a:r>
+              <a:rPr lang="nl-NL" dirty="0"/>
+              <a:t>	A Quick Brown Fox Jumps Over the Lazy Hedge”</a:t>
+            </a:r>
+          </a:p>
+          <a:p>
+            <a:pPr marL="0" indent="0">
+              <a:buNone/>
+            </a:pPr>
+            <a:endParaRPr lang="nl-NL" dirty="0"/>
+          </a:p>
+          <a:p>
+            <a:pPr marL="0" indent="0">
+              <a:buNone/>
+            </a:pPr>
+            <a:r>
+              <a:rPr lang="nl-NL" dirty="0"/>
+              <a:t>	Produces terms:</a:t>
+            </a:r>
+          </a:p>
+          <a:p>
+            <a:pPr lvl="4"/>
+            <a:r>
+              <a:rPr lang="nl-NL" dirty="0"/>
+              <a:t>a, quick, brown, fox, jumps, over, the, lazy, hedge</a:t>
+            </a:r>
+          </a:p>
+        </p:txBody>
+      </p:sp>
+      <p:sp>
+        <p:nvSpPr>
+          <p:cNvPr id="4" name="Footer Placeholder 3"/>
+          <p:cNvSpPr>
+            <a:spLocks noGrp="1"/>
+          </p:cNvSpPr>
+          <p:nvPr>
+            <p:ph type="ftr" sz="quarter" idx="11"/>
+          </p:nvPr>
+        </p:nvSpPr>
+        <p:spPr/>
+        <p:txBody>
+          <a:bodyPr/>
+          <a:lstStyle/>
+          <a:p>
+            <a:r>
+              <a:rPr lang="nl-NL"/>
+              <a:t>elasticsearch</a:t>
+            </a:r>
+          </a:p>
+        </p:txBody>
+      </p:sp>
+      <p:sp>
+        <p:nvSpPr>
+          <p:cNvPr id="5" name="Slide Number Placeholder 4"/>
+          <p:cNvSpPr>
+            <a:spLocks noGrp="1"/>
+          </p:cNvSpPr>
+          <p:nvPr>
+            <p:ph type="sldNum" sz="quarter" idx="12"/>
+          </p:nvPr>
+        </p:nvSpPr>
+        <p:spPr/>
+        <p:txBody>
+          <a:bodyPr/>
+          <a:lstStyle/>
+          <a:p>
+            <a:fld id="{14F1411D-0280-154F-AEAC-4C20B7AA46B2}" type="slidenum">
+              <a:rPr lang="nl-NL" smtClean="0"/>
+              <a:t>15</a:t>
+            </a:fld>
+            <a:endParaRPr lang="nl-NL"/>
+          </a:p>
+        </p:txBody>
+      </p:sp>
+    </p:spTree>
+    <p:extLst>
+      <p:ext uri="{BB962C8B-B14F-4D97-AF65-F5344CB8AC3E}">
+        <p14:creationId xmlns:p14="http://schemas.microsoft.com/office/powerpoint/2010/main" val="1669633505"/>
+      </p:ext>
+    </p:extLst>
+  </p:cSld>
+  <p:clrMapOvr>
+    <a:masterClrMapping/>
+  </p:clrMapOvr>
+</p:sld>
+</file>
+
 <file path=ppt/slides/slide16.xml><?xml version="1.0" encoding="utf-8"?>
 <p:sld xmlns:a="http://schemas.openxmlformats.org/drawingml/2006/main" xmlns:r="http://schemas.openxmlformats.org/officeDocument/2006/relationships" xmlns:p="http://schemas.openxmlformats.org/presentationml/2006/main">
   <p:cSld>
@@ -8705,7 +8785,7 @@
           <a:p>
             <a:r>
               <a:rPr lang="nl-NL" dirty="0"/>
-              <a:t>Analysis</a:t>
+              <a:t>REST API</a:t>
             </a:r>
           </a:p>
         </p:txBody>
@@ -8723,72 +8803,74 @@
         <p:spPr>
           <a:xfrm>
             <a:off x="720003" y="1224000"/>
-            <a:ext cx="6623999" cy="3491999"/>
+            <a:ext cx="6623999" cy="2396861"/>
           </a:xfrm>
         </p:spPr>
         <p:txBody>
           <a:bodyPr/>
           <a:lstStyle/>
           <a:p>
-            <a:pPr marL="0" indent="0">
-              <a:buNone/>
+            <a:r>
+              <a:rPr lang="nl-NL" dirty="0"/>
+              <a:t>All communications with Elastic Search is done by issuing HTTP requests using the REST API:</a:t>
+            </a:r>
+          </a:p>
+          <a:p>
+            <a:pPr lvl="1">
+              <a:buFont typeface="Wingdings" panose="05000000000000000000" pitchFamily="2" charset="2"/>
+              <a:buChar char="§"/>
             </a:pPr>
             <a:r>
               <a:rPr lang="nl-NL" dirty="0"/>
-              <a:t>Enables full-text search -&gt; relevant results are returned</a:t>
-            </a:r>
-          </a:p>
-          <a:p>
-            <a:endParaRPr lang="nl-NL" dirty="0"/>
-          </a:p>
-          <a:p>
+              <a:t>Index/update/delete documents or indices</a:t>
+            </a:r>
+          </a:p>
+          <a:p>
+            <a:pPr lvl="1">
+              <a:buFont typeface="Wingdings" panose="05000000000000000000" pitchFamily="2" charset="2"/>
+              <a:buChar char="§"/>
+            </a:pPr>
             <a:r>
               <a:rPr lang="nl-NL" dirty="0"/>
-              <a:t>Analysis is used to break down text into terms</a:t>
-            </a:r>
-          </a:p>
-          <a:p>
+              <a:t>Searching an index</a:t>
+            </a:r>
+          </a:p>
+          <a:p>
+            <a:pPr lvl="1">
+              <a:buFont typeface="Wingdings" panose="05000000000000000000" pitchFamily="2" charset="2"/>
+              <a:buChar char="§"/>
+            </a:pPr>
             <a:r>
               <a:rPr lang="nl-NL" dirty="0"/>
-              <a:t>Analysis is used on indexing and on searching</a:t>
-            </a:r>
-          </a:p>
-          <a:p>
-            <a:endParaRPr lang="nl-NL" dirty="0"/>
-          </a:p>
-          <a:p>
-            <a:endParaRPr lang="nl-NL" dirty="0"/>
-          </a:p>
-          <a:p>
-            <a:pPr marL="0" indent="0">
-              <a:buNone/>
+              <a:t>Monitor cluster</a:t>
+            </a:r>
+          </a:p>
+          <a:p>
+            <a:pPr lvl="1">
+              <a:buFont typeface="Wingdings" panose="05000000000000000000" pitchFamily="2" charset="2"/>
+              <a:buChar char="§"/>
             </a:pPr>
             <a:r>
               <a:rPr lang="nl-NL" dirty="0"/>
-              <a:t>	A Quick Brown Fox Jumps Over the Lazy Hedge”</a:t>
-            </a:r>
-          </a:p>
-          <a:p>
-            <a:pPr marL="0" indent="0">
-              <a:buNone/>
+              <a:t>Manage cluster</a:t>
+            </a:r>
+          </a:p>
+          <a:p>
+            <a:pPr lvl="1">
+              <a:buFont typeface="Wingdings" panose="05000000000000000000" pitchFamily="2" charset="2"/>
+              <a:buChar char="§"/>
+            </a:pPr>
+            <a:r>
+              <a:rPr lang="nl-NL" dirty="0"/>
+              <a:t>Manage security</a:t>
+            </a:r>
+          </a:p>
+          <a:p>
+            <a:pPr lvl="1">
+              <a:buFont typeface="Wingdings" panose="05000000000000000000" pitchFamily="2" charset="2"/>
+              <a:buChar char="§"/>
             </a:pPr>
             <a:endParaRPr lang="nl-NL" dirty="0"/>
-          </a:p>
-          <a:p>
-            <a:pPr marL="0" indent="0">
-              <a:buNone/>
-            </a:pPr>
-            <a:r>
-              <a:rPr lang="nl-NL" dirty="0"/>
-              <a:t>	Produces terms:</a:t>
-            </a:r>
-          </a:p>
-          <a:p>
-            <a:pPr lvl="4"/>
-            <a:r>
-              <a:rPr lang="nl-NL" dirty="0"/>
-              <a:t>a, quick, brown, fox, jumps, over, the, lazy, hedge</a:t>
-            </a:r>
           </a:p>
         </p:txBody>
       </p:sp>
@@ -8840,7 +8922,7 @@
     </p:spTree>
     <p:extLst>
       <p:ext uri="{BB962C8B-B14F-4D97-AF65-F5344CB8AC3E}">
-        <p14:creationId xmlns:p14="http://schemas.microsoft.com/office/powerpoint/2010/main" val="1669633505"/>
+        <p14:creationId xmlns:p14="http://schemas.microsoft.com/office/powerpoint/2010/main" val="1377839317"/>
       </p:ext>
     </p:extLst>
   </p:cSld>
@@ -8884,92 +8966,8 @@
           <a:p>
             <a:r>
               <a:rPr lang="nl-NL" dirty="0"/>
-              <a:t>REST API</a:t>
-            </a:r>
-          </a:p>
-        </p:txBody>
-      </p:sp>
-      <p:sp>
-        <p:nvSpPr>
-          <p:cNvPr id="3" name="Content Placeholder 2"/>
-          <p:cNvSpPr>
-            <a:spLocks noGrp="1"/>
-          </p:cNvSpPr>
-          <p:nvPr>
-            <p:ph idx="1"/>
-          </p:nvPr>
-        </p:nvSpPr>
-        <p:spPr>
-          <a:xfrm>
-            <a:off x="720003" y="1224000"/>
-            <a:ext cx="6623999" cy="2396861"/>
-          </a:xfrm>
-        </p:spPr>
-        <p:txBody>
-          <a:bodyPr/>
-          <a:lstStyle/>
-          <a:p>
-            <a:r>
-              <a:rPr lang="nl-NL" dirty="0"/>
-              <a:t>All communications with Elastic Search is done by issuing HTTP requests using the REST API:</a:t>
-            </a:r>
-          </a:p>
-          <a:p>
-            <a:pPr lvl="1">
-              <a:buFont typeface="Wingdings" panose="05000000000000000000" pitchFamily="2" charset="2"/>
-              <a:buChar char="§"/>
-            </a:pPr>
-            <a:r>
-              <a:rPr lang="nl-NL" dirty="0"/>
-              <a:t>Index/update/delete documents or indices</a:t>
-            </a:r>
-          </a:p>
-          <a:p>
-            <a:pPr lvl="1">
-              <a:buFont typeface="Wingdings" panose="05000000000000000000" pitchFamily="2" charset="2"/>
-              <a:buChar char="§"/>
-            </a:pPr>
-            <a:r>
-              <a:rPr lang="nl-NL" dirty="0"/>
-              <a:t>Searching an index</a:t>
-            </a:r>
-          </a:p>
-          <a:p>
-            <a:pPr lvl="1">
-              <a:buFont typeface="Wingdings" panose="05000000000000000000" pitchFamily="2" charset="2"/>
-              <a:buChar char="§"/>
-            </a:pPr>
-            <a:r>
-              <a:rPr lang="nl-NL" dirty="0"/>
-              <a:t>Monitor cluster</a:t>
-            </a:r>
-          </a:p>
-          <a:p>
-            <a:pPr lvl="1">
-              <a:buFont typeface="Wingdings" panose="05000000000000000000" pitchFamily="2" charset="2"/>
-              <a:buChar char="§"/>
-            </a:pPr>
-            <a:r>
-              <a:rPr lang="nl-NL" dirty="0"/>
-              <a:t>Manage cluster</a:t>
-            </a:r>
-          </a:p>
-          <a:p>
-            <a:pPr lvl="1">
-              <a:buFont typeface="Wingdings" panose="05000000000000000000" pitchFamily="2" charset="2"/>
-              <a:buChar char="§"/>
-            </a:pPr>
-            <a:r>
-              <a:rPr lang="nl-NL" dirty="0"/>
-              <a:t>Manage security</a:t>
-            </a:r>
-          </a:p>
-          <a:p>
-            <a:pPr lvl="1">
-              <a:buFont typeface="Wingdings" panose="05000000000000000000" pitchFamily="2" charset="2"/>
-              <a:buChar char="§"/>
-            </a:pPr>
-            <a:endParaRPr lang="nl-NL" dirty="0"/>
+              <a:t>GET localhost:9200</a:t>
+            </a:r>
           </a:p>
         </p:txBody>
       </p:sp>
@@ -9018,10 +9016,220 @@
           </a:p>
         </p:txBody>
       </p:sp>
+      <p:sp>
+        <p:nvSpPr>
+          <p:cNvPr id="8" name="Rectangle 7">
+            <a:extLst>
+              <a:ext uri="{FF2B5EF4-FFF2-40B4-BE49-F238E27FC236}">
+                <a16:creationId xmlns:a16="http://schemas.microsoft.com/office/drawing/2014/main" id="{6C60F117-E276-476C-BDAE-61B46AB4ABDB}"/>
+              </a:ext>
+            </a:extLst>
+          </p:cNvPr>
+          <p:cNvSpPr/>
+          <p:nvPr/>
+        </p:nvSpPr>
+        <p:spPr>
+          <a:xfrm>
+            <a:off x="902153" y="851784"/>
+            <a:ext cx="7478486" cy="3624069"/>
+          </a:xfrm>
+          <a:prstGeom prst="rect">
+            <a:avLst/>
+          </a:prstGeom>
+        </p:spPr>
+        <p:txBody>
+          <a:bodyPr wrap="square">
+            <a:spAutoFit/>
+          </a:bodyPr>
+          <a:lstStyle/>
+          <a:p>
+            <a:r>
+              <a:rPr lang="en-NL" dirty="0"/>
+              <a:t>{</a:t>
+            </a:r>
+          </a:p>
+          <a:p>
+            <a:r>
+              <a:rPr lang="en-NL" dirty="0"/>
+              <a:t>  "name" : "es01",</a:t>
+            </a:r>
+          </a:p>
+          <a:p>
+            <a:r>
+              <a:rPr lang="en-NL" dirty="0"/>
+              <a:t>  "</a:t>
+            </a:r>
+            <a:r>
+              <a:rPr lang="en-NL" dirty="0" err="1"/>
+              <a:t>cluster_name</a:t>
+            </a:r>
+            <a:r>
+              <a:rPr lang="en-NL" dirty="0"/>
+              <a:t>" : "es-docker-cluster",</a:t>
+            </a:r>
+          </a:p>
+          <a:p>
+            <a:r>
+              <a:rPr lang="en-NL" dirty="0"/>
+              <a:t>  "</a:t>
+            </a:r>
+            <a:r>
+              <a:rPr lang="en-NL" dirty="0" err="1"/>
+              <a:t>cluster_uuid</a:t>
+            </a:r>
+            <a:r>
+              <a:rPr lang="en-NL" dirty="0"/>
+              <a:t>" : "9Ce4263QRLSQV5X1RlR-Gw",</a:t>
+            </a:r>
+          </a:p>
+          <a:p>
+            <a:r>
+              <a:rPr lang="en-NL" dirty="0"/>
+              <a:t>  "version" : {</a:t>
+            </a:r>
+          </a:p>
+          <a:p>
+            <a:r>
+              <a:rPr lang="en-NL" dirty="0"/>
+              <a:t>    "number" : "7.6.1",</a:t>
+            </a:r>
+          </a:p>
+          <a:p>
+            <a:r>
+              <a:rPr lang="en-NL" dirty="0"/>
+              <a:t>    "</a:t>
+            </a:r>
+            <a:r>
+              <a:rPr lang="en-NL" dirty="0" err="1"/>
+              <a:t>build_flavor</a:t>
+            </a:r>
+            <a:r>
+              <a:rPr lang="en-NL" dirty="0"/>
+              <a:t>" : "default",</a:t>
+            </a:r>
+          </a:p>
+          <a:p>
+            <a:r>
+              <a:rPr lang="en-NL" dirty="0"/>
+              <a:t>    "</a:t>
+            </a:r>
+            <a:r>
+              <a:rPr lang="en-NL" dirty="0" err="1"/>
+              <a:t>build_type</a:t>
+            </a:r>
+            <a:r>
+              <a:rPr lang="en-NL" dirty="0"/>
+              <a:t>" : "docker",</a:t>
+            </a:r>
+          </a:p>
+          <a:p>
+            <a:r>
+              <a:rPr lang="en-NL" dirty="0"/>
+              <a:t>    "</a:t>
+            </a:r>
+            <a:r>
+              <a:rPr lang="en-NL" dirty="0" err="1"/>
+              <a:t>build_hash</a:t>
+            </a:r>
+            <a:r>
+              <a:rPr lang="en-NL" dirty="0"/>
+              <a:t>" : "aa751e09be0a5072e8570670309b1f12348f023b",</a:t>
+            </a:r>
+          </a:p>
+          <a:p>
+            <a:r>
+              <a:rPr lang="en-NL" dirty="0"/>
+              <a:t>    "</a:t>
+            </a:r>
+            <a:r>
+              <a:rPr lang="en-NL" dirty="0" err="1"/>
+              <a:t>build_date</a:t>
+            </a:r>
+            <a:r>
+              <a:rPr lang="en-NL" dirty="0"/>
+              <a:t>" : "2020-02-29T00:15:25.529771Z",</a:t>
+            </a:r>
+          </a:p>
+          <a:p>
+            <a:r>
+              <a:rPr lang="en-NL" dirty="0"/>
+              <a:t>    "</a:t>
+            </a:r>
+            <a:r>
+              <a:rPr lang="en-NL" dirty="0" err="1"/>
+              <a:t>build_snapshot</a:t>
+            </a:r>
+            <a:r>
+              <a:rPr lang="en-NL" dirty="0"/>
+              <a:t>" : false,</a:t>
+            </a:r>
+          </a:p>
+          <a:p>
+            <a:r>
+              <a:rPr lang="en-NL" dirty="0"/>
+              <a:t>    "</a:t>
+            </a:r>
+            <a:r>
+              <a:rPr lang="en-NL" dirty="0" err="1"/>
+              <a:t>lucene_version</a:t>
+            </a:r>
+            <a:r>
+              <a:rPr lang="en-NL" dirty="0"/>
+              <a:t>" : "8.4.0",</a:t>
+            </a:r>
+          </a:p>
+          <a:p>
+            <a:r>
+              <a:rPr lang="en-NL" dirty="0"/>
+              <a:t>    "</a:t>
+            </a:r>
+            <a:r>
+              <a:rPr lang="en-NL" dirty="0" err="1"/>
+              <a:t>minimum_wire_compatibility_version</a:t>
+            </a:r>
+            <a:r>
+              <a:rPr lang="en-NL" dirty="0"/>
+              <a:t>" : "6.8.0",</a:t>
+            </a:r>
+          </a:p>
+          <a:p>
+            <a:r>
+              <a:rPr lang="en-NL" dirty="0"/>
+              <a:t>    "</a:t>
+            </a:r>
+            <a:r>
+              <a:rPr lang="en-NL" dirty="0" err="1"/>
+              <a:t>minimum_index_compatibility_version</a:t>
+            </a:r>
+            <a:r>
+              <a:rPr lang="en-NL" dirty="0"/>
+              <a:t>" : "6.0.0-beta1"</a:t>
+            </a:r>
+          </a:p>
+          <a:p>
+            <a:r>
+              <a:rPr lang="en-NL" dirty="0"/>
+              <a:t>  },</a:t>
+            </a:r>
+          </a:p>
+          <a:p>
+            <a:r>
+              <a:rPr lang="en-NL" dirty="0"/>
+              <a:t>  "tagline" : "You Know, for Search"</a:t>
+            </a:r>
+          </a:p>
+          <a:p>
+            <a:r>
+              <a:rPr lang="en-NL" dirty="0"/>
+              <a:t>}</a:t>
+            </a:r>
+          </a:p>
+        </p:txBody>
+      </p:sp>
     </p:spTree>
     <p:extLst>
       <p:ext uri="{BB962C8B-B14F-4D97-AF65-F5344CB8AC3E}">
-        <p14:creationId xmlns:p14="http://schemas.microsoft.com/office/powerpoint/2010/main" val="1377839317"/>
+        <p14:creationId xmlns:p14="http://schemas.microsoft.com/office/powerpoint/2010/main" val="1545345141"/>
       </p:ext>
     </p:extLst>
   </p:cSld>
@@ -9065,8 +9273,53 @@
           <a:p>
             <a:r>
               <a:rPr lang="nl-NL" dirty="0"/>
-              <a:t>GET localhost:9200</a:t>
-            </a:r>
+              <a:t>Indexing data</a:t>
+            </a:r>
+          </a:p>
+        </p:txBody>
+      </p:sp>
+      <p:sp>
+        <p:nvSpPr>
+          <p:cNvPr id="3" name="Content Placeholder 2"/>
+          <p:cNvSpPr>
+            <a:spLocks noGrp="1"/>
+          </p:cNvSpPr>
+          <p:nvPr>
+            <p:ph idx="1"/>
+          </p:nvPr>
+        </p:nvSpPr>
+        <p:spPr>
+          <a:xfrm>
+            <a:off x="720003" y="1224000"/>
+            <a:ext cx="6623999" cy="3491999"/>
+          </a:xfrm>
+        </p:spPr>
+        <p:txBody>
+          <a:bodyPr/>
+          <a:lstStyle/>
+          <a:p>
+            <a:r>
+              <a:rPr lang="nl-NL" dirty="0"/>
+              <a:t>Done using the REST API</a:t>
+            </a:r>
+          </a:p>
+          <a:p>
+            <a:r>
+              <a:rPr lang="nl-NL" dirty="0"/>
+              <a:t>Using POST or PUT</a:t>
+            </a:r>
+          </a:p>
+          <a:p>
+            <a:r>
+              <a:rPr lang="nl-NL" dirty="0"/>
+              <a:t>Automatic creation of index with default settings, including index mapping</a:t>
+            </a:r>
+          </a:p>
+          <a:p>
+            <a:endParaRPr lang="nl-NL" dirty="0"/>
+          </a:p>
+          <a:p>
+            <a:endParaRPr lang="nl-NL" dirty="0"/>
           </a:p>
         </p:txBody>
       </p:sp>
@@ -9117,10 +9370,46 @@
       </p:sp>
       <p:sp>
         <p:nvSpPr>
-          <p:cNvPr id="8" name="Rectangle 7">
+          <p:cNvPr id="6" name="TextBox 5">
             <a:extLst>
               <a:ext uri="{FF2B5EF4-FFF2-40B4-BE49-F238E27FC236}">
-                <a16:creationId xmlns:a16="http://schemas.microsoft.com/office/drawing/2014/main" id="{6C60F117-E276-476C-BDAE-61B46AB4ABDB}"/>
+                <a16:creationId xmlns:a16="http://schemas.microsoft.com/office/drawing/2014/main" id="{A6A38542-8A35-4C8F-9A7C-7815D679AA82}"/>
+              </a:ext>
+            </a:extLst>
+          </p:cNvPr>
+          <p:cNvSpPr txBox="1"/>
+          <p:nvPr/>
+        </p:nvSpPr>
+        <p:spPr>
+          <a:xfrm>
+            <a:off x="4509404" y="3944736"/>
+            <a:ext cx="1412422" cy="200055"/>
+          </a:xfrm>
+          <a:prstGeom prst="rect">
+            <a:avLst/>
+          </a:prstGeom>
+          <a:noFill/>
+        </p:spPr>
+        <p:txBody>
+          <a:bodyPr wrap="square" lIns="0" tIns="0" rIns="0" bIns="0" rtlCol="0">
+            <a:spAutoFit/>
+          </a:bodyPr>
+          <a:lstStyle/>
+          <a:p>
+            <a:r>
+              <a:rPr lang="en-US" sz="1300" dirty="0" err="1"/>
+              <a:t>indexname</a:t>
+            </a:r>
+            <a:endParaRPr lang="en-NL" sz="1300" dirty="0" err="1"/>
+          </a:p>
+        </p:txBody>
+      </p:sp>
+      <p:sp>
+        <p:nvSpPr>
+          <p:cNvPr id="7" name="Right Brace 6">
+            <a:extLst>
+              <a:ext uri="{FF2B5EF4-FFF2-40B4-BE49-F238E27FC236}">
+                <a16:creationId xmlns:a16="http://schemas.microsoft.com/office/drawing/2014/main" id="{CC61EF7D-51EC-475D-8570-871D2BD6C275}"/>
               </a:ext>
             </a:extLst>
           </p:cNvPr>
@@ -9128,207 +9417,243 @@
           <p:nvPr/>
         </p:nvSpPr>
         <p:spPr>
+          <a:xfrm rot="5400000">
+            <a:off x="4653182" y="3376418"/>
+            <a:ext cx="300274" cy="538843"/>
+          </a:xfrm>
+          <a:prstGeom prst="rightBrace">
+            <a:avLst/>
+          </a:prstGeom>
+        </p:spPr>
+        <p:style>
+          <a:lnRef idx="1">
+            <a:schemeClr val="dk1"/>
+          </a:lnRef>
+          <a:fillRef idx="0">
+            <a:schemeClr val="dk1"/>
+          </a:fillRef>
+          <a:effectRef idx="0">
+            <a:schemeClr val="dk1"/>
+          </a:effectRef>
+          <a:fontRef idx="minor">
+            <a:schemeClr val="tx1"/>
+          </a:fontRef>
+        </p:style>
+        <p:txBody>
+          <a:bodyPr rtlCol="0" anchor="ctr"/>
+          <a:lstStyle/>
+          <a:p>
+            <a:pPr algn="ctr"/>
+            <a:endParaRPr lang="en-NL"/>
+          </a:p>
+        </p:txBody>
+      </p:sp>
+      <p:sp>
+        <p:nvSpPr>
+          <p:cNvPr id="8" name="TextBox 7">
+            <a:extLst>
+              <a:ext uri="{FF2B5EF4-FFF2-40B4-BE49-F238E27FC236}">
+                <a16:creationId xmlns:a16="http://schemas.microsoft.com/office/drawing/2014/main" id="{0BD253CC-F9C4-4336-BADD-C941BBA2C08F}"/>
+              </a:ext>
+            </a:extLst>
+          </p:cNvPr>
+          <p:cNvSpPr txBox="1"/>
+          <p:nvPr/>
+        </p:nvSpPr>
+        <p:spPr>
           <a:xfrm>
-            <a:off x="902153" y="851784"/>
-            <a:ext cx="7478486" cy="3624069"/>
+            <a:off x="5694623" y="2619037"/>
+            <a:ext cx="2261507" cy="200055"/>
           </a:xfrm>
           <a:prstGeom prst="rect">
             <a:avLst/>
           </a:prstGeom>
+          <a:noFill/>
         </p:spPr>
         <p:txBody>
-          <a:bodyPr wrap="square">
+          <a:bodyPr wrap="square" lIns="0" tIns="0" rIns="0" bIns="0" rtlCol="0">
             <a:spAutoFit/>
           </a:bodyPr>
           <a:lstStyle/>
           <a:p>
             <a:r>
-              <a:rPr lang="en-NL" dirty="0"/>
-              <a:t>{</a:t>
-            </a:r>
-          </a:p>
-          <a:p>
-            <a:r>
-              <a:rPr lang="en-NL" dirty="0"/>
-              <a:t>  "name" : "es01",</a:t>
-            </a:r>
-          </a:p>
-          <a:p>
-            <a:r>
-              <a:rPr lang="en-NL" dirty="0"/>
-              <a:t>  "</a:t>
-            </a:r>
-            <a:r>
-              <a:rPr lang="en-NL" dirty="0" err="1"/>
-              <a:t>cluster_name</a:t>
-            </a:r>
-            <a:r>
-              <a:rPr lang="en-NL" dirty="0"/>
-              <a:t>" : "es-docker-cluster",</a:t>
-            </a:r>
-          </a:p>
-          <a:p>
-            <a:r>
-              <a:rPr lang="en-NL" dirty="0"/>
-              <a:t>  "</a:t>
-            </a:r>
-            <a:r>
-              <a:rPr lang="en-NL" dirty="0" err="1"/>
-              <a:t>cluster_uuid</a:t>
-            </a:r>
-            <a:r>
-              <a:rPr lang="en-NL" dirty="0"/>
-              <a:t>" : "9Ce4263QRLSQV5X1RlR-Gw",</a:t>
-            </a:r>
-          </a:p>
-          <a:p>
-            <a:r>
-              <a:rPr lang="en-NL" dirty="0"/>
-              <a:t>  "version" : {</a:t>
-            </a:r>
-          </a:p>
-          <a:p>
-            <a:r>
-              <a:rPr lang="en-NL" dirty="0"/>
-              <a:t>    "number" : "7.6.1",</a:t>
-            </a:r>
-          </a:p>
-          <a:p>
-            <a:r>
-              <a:rPr lang="en-NL" dirty="0"/>
-              <a:t>    "</a:t>
-            </a:r>
-            <a:r>
-              <a:rPr lang="en-NL" dirty="0" err="1"/>
-              <a:t>build_flavor</a:t>
-            </a:r>
-            <a:r>
-              <a:rPr lang="en-NL" dirty="0"/>
-              <a:t>" : "default",</a:t>
-            </a:r>
-          </a:p>
-          <a:p>
-            <a:r>
-              <a:rPr lang="en-NL" dirty="0"/>
-              <a:t>    "</a:t>
-            </a:r>
-            <a:r>
-              <a:rPr lang="en-NL" dirty="0" err="1"/>
-              <a:t>build_type</a:t>
-            </a:r>
-            <a:r>
-              <a:rPr lang="en-NL" dirty="0"/>
-              <a:t>" : "docker",</a:t>
-            </a:r>
-          </a:p>
-          <a:p>
-            <a:r>
-              <a:rPr lang="en-NL" dirty="0"/>
-              <a:t>    "</a:t>
-            </a:r>
-            <a:r>
-              <a:rPr lang="en-NL" dirty="0" err="1"/>
-              <a:t>build_hash</a:t>
-            </a:r>
-            <a:r>
-              <a:rPr lang="en-NL" dirty="0"/>
-              <a:t>" : "aa751e09be0a5072e8570670309b1f12348f023b",</a:t>
-            </a:r>
-          </a:p>
-          <a:p>
-            <a:r>
-              <a:rPr lang="en-NL" dirty="0"/>
-              <a:t>    "</a:t>
-            </a:r>
-            <a:r>
-              <a:rPr lang="en-NL" dirty="0" err="1"/>
-              <a:t>build_date</a:t>
-            </a:r>
-            <a:r>
-              <a:rPr lang="en-NL" dirty="0"/>
-              <a:t>" : "2020-02-29T00:15:25.529771Z",</a:t>
-            </a:r>
-          </a:p>
-          <a:p>
-            <a:r>
-              <a:rPr lang="en-NL" dirty="0"/>
-              <a:t>    "</a:t>
-            </a:r>
-            <a:r>
-              <a:rPr lang="en-NL" dirty="0" err="1"/>
-              <a:t>build_snapshot</a:t>
-            </a:r>
-            <a:r>
-              <a:rPr lang="en-NL" dirty="0"/>
-              <a:t>" : false,</a:t>
-            </a:r>
-          </a:p>
-          <a:p>
-            <a:r>
-              <a:rPr lang="en-NL" dirty="0"/>
-              <a:t>    "</a:t>
-            </a:r>
-            <a:r>
-              <a:rPr lang="en-NL" dirty="0" err="1"/>
-              <a:t>lucene_version</a:t>
-            </a:r>
-            <a:r>
-              <a:rPr lang="en-NL" dirty="0"/>
-              <a:t>" : "8.4.0",</a:t>
-            </a:r>
-          </a:p>
-          <a:p>
-            <a:r>
-              <a:rPr lang="en-NL" dirty="0"/>
-              <a:t>    "</a:t>
-            </a:r>
-            <a:r>
-              <a:rPr lang="en-NL" dirty="0" err="1"/>
-              <a:t>minimum_wire_compatibility_version</a:t>
-            </a:r>
-            <a:r>
-              <a:rPr lang="en-NL" dirty="0"/>
-              <a:t>" : "6.8.0",</a:t>
-            </a:r>
-          </a:p>
-          <a:p>
-            <a:r>
-              <a:rPr lang="en-NL" dirty="0"/>
-              <a:t>    "</a:t>
-            </a:r>
-            <a:r>
-              <a:rPr lang="en-NL" dirty="0" err="1"/>
-              <a:t>minimum_index_compatibility_version</a:t>
-            </a:r>
-            <a:r>
-              <a:rPr lang="en-NL" dirty="0"/>
-              <a:t>" : "6.0.0-beta1"</a:t>
-            </a:r>
-          </a:p>
-          <a:p>
-            <a:r>
-              <a:rPr lang="en-NL" dirty="0"/>
-              <a:t>  },</a:t>
-            </a:r>
-          </a:p>
-          <a:p>
-            <a:r>
-              <a:rPr lang="en-NL" dirty="0"/>
-              <a:t>  "tagline" : "You Know, for Search"</a:t>
-            </a:r>
-          </a:p>
-          <a:p>
-            <a:r>
-              <a:rPr lang="en-NL" dirty="0"/>
-              <a:t>}</a:t>
-            </a:r>
+              <a:rPr lang="en-US" sz="1300" dirty="0"/>
+              <a:t>document id</a:t>
+            </a:r>
+            <a:endParaRPr lang="en-NL" sz="1300" dirty="0" err="1"/>
+          </a:p>
+        </p:txBody>
+      </p:sp>
+      <p:sp>
+        <p:nvSpPr>
+          <p:cNvPr id="10" name="TextBox 9">
+            <a:extLst>
+              <a:ext uri="{FF2B5EF4-FFF2-40B4-BE49-F238E27FC236}">
+                <a16:creationId xmlns:a16="http://schemas.microsoft.com/office/drawing/2014/main" id="{2B1A4ACE-2721-4FB3-9131-07ACCB2786D4}"/>
+              </a:ext>
+            </a:extLst>
+          </p:cNvPr>
+          <p:cNvSpPr txBox="1"/>
+          <p:nvPr/>
+        </p:nvSpPr>
+        <p:spPr>
+          <a:xfrm>
+            <a:off x="2311960" y="3220840"/>
+            <a:ext cx="3888815" cy="430887"/>
+          </a:xfrm>
+          <a:prstGeom prst="rect">
+            <a:avLst/>
+          </a:prstGeom>
+          <a:noFill/>
+        </p:spPr>
+        <p:txBody>
+          <a:bodyPr wrap="square" lIns="0" tIns="0" rIns="0" bIns="0" rtlCol="0">
+            <a:spAutoFit/>
+          </a:bodyPr>
+          <a:lstStyle/>
+          <a:p>
+            <a:r>
+              <a:rPr lang="nl-NL" sz="1400" dirty="0">
+                <a:latin typeface="Consolas" panose="020B0609020204030204" pitchFamily="49" charset="0"/>
+              </a:rPr>
+              <a:t>http://localhost:9200/recipes/_doc/213</a:t>
+            </a:r>
+          </a:p>
+          <a:p>
+            <a:endParaRPr lang="en-NL" sz="1400" dirty="0" err="1">
+              <a:latin typeface="Consolas" panose="020B0609020204030204" pitchFamily="49" charset="0"/>
+            </a:endParaRPr>
+          </a:p>
+        </p:txBody>
+      </p:sp>
+      <p:sp>
+        <p:nvSpPr>
+          <p:cNvPr id="11" name="Right Brace 10">
+            <a:extLst>
+              <a:ext uri="{FF2B5EF4-FFF2-40B4-BE49-F238E27FC236}">
+                <a16:creationId xmlns:a16="http://schemas.microsoft.com/office/drawing/2014/main" id="{CB22F3CB-3F0F-45BB-88F9-12DB275D870E}"/>
+              </a:ext>
+            </a:extLst>
+          </p:cNvPr>
+          <p:cNvSpPr/>
+          <p:nvPr/>
+        </p:nvSpPr>
+        <p:spPr>
+          <a:xfrm rot="16200000">
+            <a:off x="5744265" y="2907655"/>
+            <a:ext cx="278926" cy="329293"/>
+          </a:xfrm>
+          <a:prstGeom prst="rightBrace">
+            <a:avLst/>
+          </a:prstGeom>
+        </p:spPr>
+        <p:style>
+          <a:lnRef idx="1">
+            <a:schemeClr val="dk1"/>
+          </a:lnRef>
+          <a:fillRef idx="0">
+            <a:schemeClr val="dk1"/>
+          </a:fillRef>
+          <a:effectRef idx="0">
+            <a:schemeClr val="dk1"/>
+          </a:effectRef>
+          <a:fontRef idx="minor">
+            <a:schemeClr val="tx1"/>
+          </a:fontRef>
+        </p:style>
+        <p:txBody>
+          <a:bodyPr rtlCol="0" anchor="ctr"/>
+          <a:lstStyle/>
+          <a:p>
+            <a:pPr algn="ctr"/>
+            <a:endParaRPr lang="en-NL"/>
+          </a:p>
+        </p:txBody>
+      </p:sp>
+      <p:sp>
+        <p:nvSpPr>
+          <p:cNvPr id="12" name="TextBox 11">
+            <a:extLst>
+              <a:ext uri="{FF2B5EF4-FFF2-40B4-BE49-F238E27FC236}">
+                <a16:creationId xmlns:a16="http://schemas.microsoft.com/office/drawing/2014/main" id="{EB8F4D75-D01A-4ACF-A510-C7B0B046155C}"/>
+              </a:ext>
+            </a:extLst>
+          </p:cNvPr>
+          <p:cNvSpPr txBox="1"/>
+          <p:nvPr/>
+        </p:nvSpPr>
+        <p:spPr>
+          <a:xfrm>
+            <a:off x="5173734" y="2290424"/>
+            <a:ext cx="2261507" cy="200055"/>
+          </a:xfrm>
+          <a:prstGeom prst="rect">
+            <a:avLst/>
+          </a:prstGeom>
+          <a:noFill/>
+        </p:spPr>
+        <p:txBody>
+          <a:bodyPr wrap="square" lIns="0" tIns="0" rIns="0" bIns="0" rtlCol="0">
+            <a:spAutoFit/>
+          </a:bodyPr>
+          <a:lstStyle/>
+          <a:p>
+            <a:r>
+              <a:rPr lang="en-US" sz="1300" dirty="0"/>
+              <a:t>type (deprecated)</a:t>
+            </a:r>
+            <a:endParaRPr lang="en-NL" sz="1300" dirty="0" err="1"/>
+          </a:p>
+        </p:txBody>
+      </p:sp>
+      <p:sp>
+        <p:nvSpPr>
+          <p:cNvPr id="13" name="Right Brace 12">
+            <a:extLst>
+              <a:ext uri="{FF2B5EF4-FFF2-40B4-BE49-F238E27FC236}">
+                <a16:creationId xmlns:a16="http://schemas.microsoft.com/office/drawing/2014/main" id="{AB22A6AD-2AFC-4AEE-9F70-7DE5FA965C69}"/>
+              </a:ext>
+            </a:extLst>
+          </p:cNvPr>
+          <p:cNvSpPr/>
+          <p:nvPr/>
+        </p:nvSpPr>
+        <p:spPr>
+          <a:xfrm rot="16200000">
+            <a:off x="5163633" y="2688199"/>
+            <a:ext cx="647442" cy="414544"/>
+          </a:xfrm>
+          <a:prstGeom prst="rightBrace">
+            <a:avLst/>
+          </a:prstGeom>
+        </p:spPr>
+        <p:style>
+          <a:lnRef idx="1">
+            <a:schemeClr val="dk1"/>
+          </a:lnRef>
+          <a:fillRef idx="0">
+            <a:schemeClr val="dk1"/>
+          </a:fillRef>
+          <a:effectRef idx="0">
+            <a:schemeClr val="dk1"/>
+          </a:effectRef>
+          <a:fontRef idx="minor">
+            <a:schemeClr val="tx1"/>
+          </a:fontRef>
+        </p:style>
+        <p:txBody>
+          <a:bodyPr rtlCol="0" anchor="ctr"/>
+          <a:lstStyle/>
+          <a:p>
+            <a:pPr algn="ctr"/>
+            <a:endParaRPr lang="en-NL"/>
           </a:p>
         </p:txBody>
       </p:sp>
     </p:spTree>
     <p:extLst>
       <p:ext uri="{BB962C8B-B14F-4D97-AF65-F5344CB8AC3E}">
-        <p14:creationId xmlns:p14="http://schemas.microsoft.com/office/powerpoint/2010/main" val="1545345141"/>
+        <p14:creationId xmlns:p14="http://schemas.microsoft.com/office/powerpoint/2010/main" val="1619381989"/>
       </p:ext>
     </p:extLst>
   </p:cSld>
@@ -9469,10 +9794,10 @@
       </p:sp>
       <p:sp>
         <p:nvSpPr>
-          <p:cNvPr id="6" name="TextBox 5">
+          <p:cNvPr id="12" name="TextBox 11">
             <a:extLst>
               <a:ext uri="{FF2B5EF4-FFF2-40B4-BE49-F238E27FC236}">
-                <a16:creationId xmlns:a16="http://schemas.microsoft.com/office/drawing/2014/main" id="{A6A38542-8A35-4C8F-9A7C-7815D679AA82}"/>
+                <a16:creationId xmlns:a16="http://schemas.microsoft.com/office/drawing/2014/main" id="{FA11F306-87C8-47ED-B7C1-9648CA3068B7}"/>
               </a:ext>
             </a:extLst>
           </p:cNvPr>
@@ -9481,8 +9806,8 @@
         </p:nvSpPr>
         <p:spPr>
           <a:xfrm>
-            <a:off x="4509404" y="3944736"/>
-            <a:ext cx="1412422" cy="200055"/>
+            <a:off x="1462875" y="2616683"/>
+            <a:ext cx="5027732" cy="1508105"/>
           </a:xfrm>
           <a:prstGeom prst="rect">
             <a:avLst/>
@@ -9496,183 +9821,132 @@
           <a:lstStyle/>
           <a:p>
             <a:r>
-              <a:rPr lang="en-US" sz="1300" dirty="0" err="1"/>
-              <a:t>indexname</a:t>
-            </a:r>
-            <a:endParaRPr lang="en-NL" sz="1300" dirty="0" err="1"/>
-          </a:p>
-        </p:txBody>
-      </p:sp>
-      <p:sp>
-        <p:nvSpPr>
-          <p:cNvPr id="7" name="Right Brace 6">
-            <a:extLst>
-              <a:ext uri="{FF2B5EF4-FFF2-40B4-BE49-F238E27FC236}">
-                <a16:creationId xmlns:a16="http://schemas.microsoft.com/office/drawing/2014/main" id="{CC61EF7D-51EC-475D-8570-871D2BD6C275}"/>
-              </a:ext>
-            </a:extLst>
-          </p:cNvPr>
-          <p:cNvSpPr/>
-          <p:nvPr/>
-        </p:nvSpPr>
-        <p:spPr>
-          <a:xfrm rot="5400000">
-            <a:off x="4653182" y="3376418"/>
-            <a:ext cx="300274" cy="538843"/>
-          </a:xfrm>
-          <a:prstGeom prst="rightBrace">
-            <a:avLst/>
-          </a:prstGeom>
-        </p:spPr>
-        <p:style>
-          <a:lnRef idx="1">
-            <a:schemeClr val="dk1"/>
-          </a:lnRef>
-          <a:fillRef idx="0">
-            <a:schemeClr val="dk1"/>
-          </a:fillRef>
-          <a:effectRef idx="0">
-            <a:schemeClr val="dk1"/>
-          </a:effectRef>
-          <a:fontRef idx="minor">
-            <a:schemeClr val="tx1"/>
-          </a:fontRef>
-        </p:style>
-        <p:txBody>
-          <a:bodyPr rtlCol="0" anchor="ctr"/>
-          <a:lstStyle/>
-          <a:p>
-            <a:pPr algn="ctr"/>
-            <a:endParaRPr lang="en-NL"/>
-          </a:p>
-        </p:txBody>
-      </p:sp>
-      <p:sp>
-        <p:nvSpPr>
-          <p:cNvPr id="8" name="TextBox 7">
-            <a:extLst>
-              <a:ext uri="{FF2B5EF4-FFF2-40B4-BE49-F238E27FC236}">
-                <a16:creationId xmlns:a16="http://schemas.microsoft.com/office/drawing/2014/main" id="{0BD253CC-F9C4-4336-BADD-C941BBA2C08F}"/>
-              </a:ext>
-            </a:extLst>
-          </p:cNvPr>
-          <p:cNvSpPr txBox="1"/>
-          <p:nvPr/>
-        </p:nvSpPr>
-        <p:spPr>
-          <a:xfrm>
-            <a:off x="5694623" y="2619037"/>
-            <a:ext cx="2261507" cy="200055"/>
-          </a:xfrm>
-          <a:prstGeom prst="rect">
-            <a:avLst/>
-          </a:prstGeom>
-          <a:noFill/>
-        </p:spPr>
-        <p:txBody>
-          <a:bodyPr wrap="square" lIns="0" tIns="0" rIns="0" bIns="0" rtlCol="0">
-            <a:spAutoFit/>
-          </a:bodyPr>
-          <a:lstStyle/>
-          <a:p>
-            <a:r>
-              <a:rPr lang="en-US" sz="1300" dirty="0"/>
-              <a:t>document id</a:t>
-            </a:r>
-            <a:endParaRPr lang="en-NL" sz="1300" dirty="0" err="1"/>
-          </a:p>
-        </p:txBody>
-      </p:sp>
-      <p:sp>
-        <p:nvSpPr>
-          <p:cNvPr id="10" name="TextBox 9">
-            <a:extLst>
-              <a:ext uri="{FF2B5EF4-FFF2-40B4-BE49-F238E27FC236}">
-                <a16:creationId xmlns:a16="http://schemas.microsoft.com/office/drawing/2014/main" id="{2B1A4ACE-2721-4FB3-9131-07ACCB2786D4}"/>
-              </a:ext>
-            </a:extLst>
-          </p:cNvPr>
-          <p:cNvSpPr txBox="1"/>
-          <p:nvPr/>
-        </p:nvSpPr>
-        <p:spPr>
-          <a:xfrm>
-            <a:off x="2311960" y="3220840"/>
-            <a:ext cx="3888815" cy="430887"/>
-          </a:xfrm>
-          <a:prstGeom prst="rect">
-            <a:avLst/>
-          </a:prstGeom>
-          <a:noFill/>
-        </p:spPr>
-        <p:txBody>
-          <a:bodyPr wrap="square" lIns="0" tIns="0" rIns="0" bIns="0" rtlCol="0">
-            <a:spAutoFit/>
-          </a:bodyPr>
-          <a:lstStyle/>
-          <a:p>
+              <a:rPr lang="en-US" sz="1400" dirty="0">
+                <a:latin typeface="Consolas" panose="020B0609020204030204" pitchFamily="49" charset="0"/>
+                <a:ea typeface="Tahoma" panose="020B0604030504040204" pitchFamily="34" charset="0"/>
+                <a:cs typeface="Tahoma" panose="020B0604030504040204" pitchFamily="34" charset="0"/>
+              </a:rPr>
+              <a:t>PUT </a:t>
+            </a:r>
             <a:r>
               <a:rPr lang="nl-NL" sz="1400" dirty="0">
                 <a:latin typeface="Consolas" panose="020B0609020204030204" pitchFamily="49" charset="0"/>
               </a:rPr>
-              <a:t>http://localhost:9200/recipes/_doc/213</a:t>
-            </a:r>
-          </a:p>
-          <a:p>
+              <a:t>http://localhost:9200/recipes</a:t>
+            </a:r>
+            <a:r>
+              <a:rPr lang="en-US" sz="1400" dirty="0">
+                <a:latin typeface="Consolas" panose="020B0609020204030204" pitchFamily="49" charset="0"/>
+                <a:ea typeface="Tahoma" panose="020B0604030504040204" pitchFamily="34" charset="0"/>
+                <a:cs typeface="Tahoma" panose="020B0604030504040204" pitchFamily="34" charset="0"/>
+              </a:rPr>
+              <a:t>/_doc/1234</a:t>
+            </a:r>
+          </a:p>
+          <a:p>
+            <a:endParaRPr lang="en-US" sz="1400" dirty="0">
+              <a:latin typeface="Consolas" panose="020B0609020204030204" pitchFamily="49" charset="0"/>
+              <a:ea typeface="Tahoma" panose="020B0604030504040204" pitchFamily="34" charset="0"/>
+              <a:cs typeface="Tahoma" panose="020B0604030504040204" pitchFamily="34" charset="0"/>
+            </a:endParaRPr>
+          </a:p>
+          <a:p>
+            <a:r>
+              <a:rPr lang="en-US" sz="1400" dirty="0">
+                <a:latin typeface="Consolas" panose="020B0609020204030204" pitchFamily="49" charset="0"/>
+                <a:ea typeface="Tahoma" panose="020B0604030504040204" pitchFamily="34" charset="0"/>
+                <a:cs typeface="Tahoma" panose="020B0604030504040204" pitchFamily="34" charset="0"/>
+              </a:rPr>
+              <a:t>POST </a:t>
+            </a:r>
+            <a:r>
+              <a:rPr lang="nl-NL" sz="1400" dirty="0">
+                <a:latin typeface="Consolas" panose="020B0609020204030204" pitchFamily="49" charset="0"/>
+              </a:rPr>
+              <a:t>http://localhost:9200/recipes/</a:t>
+            </a:r>
+            <a:r>
+              <a:rPr lang="en-US" sz="1400" dirty="0">
+                <a:latin typeface="Consolas" panose="020B0609020204030204" pitchFamily="49" charset="0"/>
+                <a:ea typeface="Tahoma" panose="020B0604030504040204" pitchFamily="34" charset="0"/>
+                <a:cs typeface="Tahoma" panose="020B0604030504040204" pitchFamily="34" charset="0"/>
+              </a:rPr>
+              <a:t>_doc/</a:t>
+            </a:r>
+          </a:p>
+          <a:p>
+            <a:endParaRPr lang="en-US" sz="1400" dirty="0">
+              <a:latin typeface="Consolas" panose="020B0609020204030204" pitchFamily="49" charset="0"/>
+              <a:ea typeface="Tahoma" panose="020B0604030504040204" pitchFamily="34" charset="0"/>
+              <a:cs typeface="Tahoma" panose="020B0604030504040204" pitchFamily="34" charset="0"/>
+            </a:endParaRPr>
+          </a:p>
+          <a:p>
+            <a:r>
+              <a:rPr lang="en-US" sz="1400" dirty="0">
+                <a:latin typeface="Consolas" panose="020B0609020204030204" pitchFamily="49" charset="0"/>
+                <a:ea typeface="Tahoma" panose="020B0604030504040204" pitchFamily="34" charset="0"/>
+                <a:cs typeface="Tahoma" panose="020B0604030504040204" pitchFamily="34" charset="0"/>
+              </a:rPr>
+              <a:t>PUT </a:t>
+            </a:r>
+            <a:r>
+              <a:rPr lang="nl-NL" sz="1400" dirty="0">
+                <a:latin typeface="Consolas" panose="020B0609020204030204" pitchFamily="49" charset="0"/>
+              </a:rPr>
+              <a:t>http://localhost:9200/recipes</a:t>
+            </a:r>
+            <a:r>
+              <a:rPr lang="en-US" sz="1400" dirty="0">
+                <a:latin typeface="Consolas" panose="020B0609020204030204" pitchFamily="49" charset="0"/>
+                <a:ea typeface="Tahoma" panose="020B0604030504040204" pitchFamily="34" charset="0"/>
+                <a:cs typeface="Tahoma" panose="020B0604030504040204" pitchFamily="34" charset="0"/>
+              </a:rPr>
+              <a:t>/_create/1234</a:t>
+            </a:r>
+          </a:p>
+          <a:p>
+            <a:endParaRPr lang="en-US" sz="1400" dirty="0">
+              <a:latin typeface="Consolas" panose="020B0609020204030204" pitchFamily="49" charset="0"/>
+              <a:ea typeface="Tahoma" panose="020B0604030504040204" pitchFamily="34" charset="0"/>
+              <a:cs typeface="Tahoma" panose="020B0604030504040204" pitchFamily="34" charset="0"/>
+            </a:endParaRPr>
+          </a:p>
+          <a:p>
+            <a:r>
+              <a:rPr lang="en-US" sz="1400" dirty="0">
+                <a:latin typeface="Consolas" panose="020B0609020204030204" pitchFamily="49" charset="0"/>
+                <a:ea typeface="Tahoma" panose="020B0604030504040204" pitchFamily="34" charset="0"/>
+                <a:cs typeface="Tahoma" panose="020B0604030504040204" pitchFamily="34" charset="0"/>
+              </a:rPr>
+              <a:t>POST </a:t>
+            </a:r>
+            <a:r>
+              <a:rPr lang="nl-NL" sz="1400" dirty="0">
+                <a:latin typeface="Consolas" panose="020B0609020204030204" pitchFamily="49" charset="0"/>
+              </a:rPr>
+              <a:t>http://localhost:9200 /recipes</a:t>
+            </a:r>
+            <a:r>
+              <a:rPr lang="en-US" sz="1400" dirty="0">
+                <a:latin typeface="Consolas" panose="020B0609020204030204" pitchFamily="49" charset="0"/>
+                <a:ea typeface="Tahoma" panose="020B0604030504040204" pitchFamily="34" charset="0"/>
+                <a:cs typeface="Tahoma" panose="020B0604030504040204" pitchFamily="34" charset="0"/>
+              </a:rPr>
+              <a:t>/_create/1234</a:t>
+            </a:r>
             <a:endParaRPr lang="en-NL" sz="1400" dirty="0" err="1">
               <a:latin typeface="Consolas" panose="020B0609020204030204" pitchFamily="49" charset="0"/>
+              <a:ea typeface="Tahoma" panose="020B0604030504040204" pitchFamily="34" charset="0"/>
+              <a:cs typeface="Tahoma" panose="020B0604030504040204" pitchFamily="34" charset="0"/>
             </a:endParaRPr>
-          </a:p>
-        </p:txBody>
-      </p:sp>
-      <p:sp>
-        <p:nvSpPr>
-          <p:cNvPr id="11" name="Right Brace 10">
-            <a:extLst>
-              <a:ext uri="{FF2B5EF4-FFF2-40B4-BE49-F238E27FC236}">
-                <a16:creationId xmlns:a16="http://schemas.microsoft.com/office/drawing/2014/main" id="{CB22F3CB-3F0F-45BB-88F9-12DB275D870E}"/>
-              </a:ext>
-            </a:extLst>
-          </p:cNvPr>
-          <p:cNvSpPr/>
-          <p:nvPr/>
-        </p:nvSpPr>
-        <p:spPr>
-          <a:xfrm rot="16200000">
-            <a:off x="5744265" y="2907655"/>
-            <a:ext cx="278926" cy="329293"/>
-          </a:xfrm>
-          <a:prstGeom prst="rightBrace">
-            <a:avLst/>
-          </a:prstGeom>
-        </p:spPr>
-        <p:style>
-          <a:lnRef idx="1">
-            <a:schemeClr val="dk1"/>
-          </a:lnRef>
-          <a:fillRef idx="0">
-            <a:schemeClr val="dk1"/>
-          </a:fillRef>
-          <a:effectRef idx="0">
-            <a:schemeClr val="dk1"/>
-          </a:effectRef>
-          <a:fontRef idx="minor">
-            <a:schemeClr val="tx1"/>
-          </a:fontRef>
-        </p:style>
-        <p:txBody>
-          <a:bodyPr rtlCol="0" anchor="ctr"/>
-          <a:lstStyle/>
-          <a:p>
-            <a:pPr algn="ctr"/>
-            <a:endParaRPr lang="en-NL"/>
           </a:p>
         </p:txBody>
       </p:sp>
     </p:spTree>
     <p:extLst>
       <p:ext uri="{BB962C8B-B14F-4D97-AF65-F5344CB8AC3E}">
-        <p14:creationId xmlns:p14="http://schemas.microsoft.com/office/powerpoint/2010/main" val="1619381989"/>
+        <p14:creationId xmlns:p14="http://schemas.microsoft.com/office/powerpoint/2010/main" val="2304971537"/>
       </p:ext>
     </p:extLst>
   </p:cSld>
@@ -9878,7 +10152,7 @@
             </a:pPr>
             <a:r>
               <a:rPr lang="en-GB" dirty="0"/>
-              <a:t>…</a:t>
+              <a:t>Cluster</a:t>
             </a:r>
           </a:p>
           <a:p>
@@ -10011,8 +10285,12 @@
           <a:lstStyle/>
           <a:p>
             <a:r>
+              <a:rPr lang="en-US"/>
+              <a:t>Cluster info and </a:t>
+            </a:r>
+            <a:r>
               <a:rPr lang="en-US" dirty="0"/>
-              <a:t>…</a:t>
+              <a:t>Indexing</a:t>
             </a:r>
           </a:p>
           <a:p>
@@ -10028,9 +10306,23 @@
             </a:r>
             <a:r>
               <a:rPr lang="en-US" dirty="0" err="1"/>
-              <a:t>elasticsearch</a:t>
+              <a:t>ElasticSearch</a:t>
             </a:r>
             <a:endParaRPr lang="en-US" dirty="0"/>
+          </a:p>
+          <a:p>
+            <a:r>
+              <a:rPr lang="en-US" dirty="0"/>
+              <a:t>Connecting to </a:t>
+            </a:r>
+            <a:r>
+              <a:rPr lang="en-US" dirty="0" err="1"/>
+              <a:t>ElasticSearch</a:t>
+            </a:r>
+            <a:r>
+              <a:rPr lang="en-US" dirty="0"/>
+              <a:t> with Spring</a:t>
+            </a:r>
           </a:p>
         </p:txBody>
       </p:sp>
@@ -10121,7 +10413,7 @@
           <a:p>
             <a:r>
               <a:rPr lang="nl-NL" dirty="0"/>
-              <a:t>Indexing data</a:t>
+              <a:t>Manual Index Creation</a:t>
             </a:r>
           </a:p>
         </p:txBody>
@@ -10138,8 +10430,8 @@
         </p:nvSpPr>
         <p:spPr>
           <a:xfrm>
-            <a:off x="720003" y="1224000"/>
-            <a:ext cx="6623999" cy="3491999"/>
+            <a:off x="720004" y="1224000"/>
+            <a:ext cx="3062288" cy="3491999"/>
           </a:xfrm>
         </p:spPr>
         <p:txBody>
@@ -10148,26 +10440,38 @@
           <a:p>
             <a:r>
               <a:rPr lang="nl-NL" dirty="0"/>
-              <a:t>Done using the REST API</a:t>
-            </a:r>
-          </a:p>
-          <a:p>
+              <a:t>Allows to define </a:t>
+            </a:r>
+          </a:p>
+          <a:p>
+            <a:pPr lvl="1"/>
             <a:r>
               <a:rPr lang="nl-NL" dirty="0"/>
-              <a:t>Using POST or PUT</a:t>
-            </a:r>
-          </a:p>
-          <a:p>
+              <a:t>Index mapping</a:t>
+            </a:r>
+          </a:p>
+          <a:p>
+            <a:pPr lvl="1"/>
             <a:r>
               <a:rPr lang="nl-NL" dirty="0"/>
-              <a:t>Automatic creation of index with default settings, including index mapping</a:t>
+              <a:t>Index settings</a:t>
+            </a:r>
+          </a:p>
+          <a:p>
+            <a:pPr lvl="1"/>
+            <a:r>
+              <a:rPr lang="nl-NL" dirty="0"/>
+              <a:t>Aliases</a:t>
             </a:r>
           </a:p>
           <a:p>
             <a:endParaRPr lang="nl-NL" dirty="0"/>
           </a:p>
           <a:p>
-            <a:endParaRPr lang="nl-NL" dirty="0"/>
+            <a:r>
+              <a:rPr lang="nl-NL" dirty="0"/>
+              <a:t>Some index settings can be changed on runtime (like number of replicas)</a:t>
+            </a:r>
           </a:p>
         </p:txBody>
       </p:sp>
@@ -10218,159 +10522,213 @@
       </p:sp>
       <p:sp>
         <p:nvSpPr>
-          <p:cNvPr id="12" name="TextBox 11">
+          <p:cNvPr id="8" name="Rectangle 7">
             <a:extLst>
               <a:ext uri="{FF2B5EF4-FFF2-40B4-BE49-F238E27FC236}">
-                <a16:creationId xmlns:a16="http://schemas.microsoft.com/office/drawing/2014/main" id="{FA11F306-87C8-47ED-B7C1-9648CA3068B7}"/>
+                <a16:creationId xmlns:a16="http://schemas.microsoft.com/office/drawing/2014/main" id="{032B98FD-CE17-4807-897E-58FDA1CD6BC1}"/>
               </a:ext>
             </a:extLst>
           </p:cNvPr>
-          <p:cNvSpPr txBox="1"/>
+          <p:cNvSpPr/>
           <p:nvPr/>
         </p:nvSpPr>
         <p:spPr>
           <a:xfrm>
-            <a:off x="1462875" y="2616683"/>
-            <a:ext cx="5027732" cy="1508105"/>
+            <a:off x="4256116" y="1115694"/>
+            <a:ext cx="4572000" cy="3416320"/>
           </a:xfrm>
           <a:prstGeom prst="rect">
             <a:avLst/>
           </a:prstGeom>
-          <a:noFill/>
         </p:spPr>
         <p:txBody>
-          <a:bodyPr wrap="square" lIns="0" tIns="0" rIns="0" bIns="0" rtlCol="0">
+          <a:bodyPr>
             <a:spAutoFit/>
           </a:bodyPr>
           <a:lstStyle/>
           <a:p>
             <a:r>
-              <a:rPr lang="en-US" sz="1400" dirty="0">
-                <a:latin typeface="Consolas" panose="020B0609020204030204" pitchFamily="49" charset="0"/>
-                <a:ea typeface="Tahoma" panose="020B0604030504040204" pitchFamily="34" charset="0"/>
-                <a:cs typeface="Tahoma" panose="020B0604030504040204" pitchFamily="34" charset="0"/>
-              </a:rPr>
-              <a:t>PUT </a:t>
-            </a:r>
-            <a:r>
-              <a:rPr lang="nl-NL" sz="1400" dirty="0">
+              <a:rPr lang="nl-NL" sz="1200" dirty="0">
                 <a:latin typeface="Consolas" panose="020B0609020204030204" pitchFamily="49" charset="0"/>
               </a:rPr>
-              <a:t>http://localhost:9200/recipes</a:t>
-            </a:r>
-            <a:r>
-              <a:rPr lang="en-US" sz="1400" dirty="0">
-                <a:latin typeface="Consolas" panose="020B0609020204030204" pitchFamily="49" charset="0"/>
-                <a:ea typeface="Tahoma" panose="020B0604030504040204" pitchFamily="34" charset="0"/>
-                <a:cs typeface="Tahoma" panose="020B0604030504040204" pitchFamily="34" charset="0"/>
-              </a:rPr>
-              <a:t>/_doc/1234</a:t>
-            </a:r>
-          </a:p>
-          <a:p>
-            <a:endParaRPr lang="en-US" sz="1400" dirty="0">
+              <a:t>PUT http://localhost:9200/newindex</a:t>
+            </a:r>
+          </a:p>
+          <a:p>
+            <a:endParaRPr lang="nl-NL" sz="1200" dirty="0">
               <a:latin typeface="Consolas" panose="020B0609020204030204" pitchFamily="49" charset="0"/>
-              <a:ea typeface="Tahoma" panose="020B0604030504040204" pitchFamily="34" charset="0"/>
-              <a:cs typeface="Tahoma" panose="020B0604030504040204" pitchFamily="34" charset="0"/>
             </a:endParaRPr>
           </a:p>
           <a:p>
             <a:r>
-              <a:rPr lang="en-US" sz="1400" dirty="0">
-                <a:latin typeface="Consolas" panose="020B0609020204030204" pitchFamily="49" charset="0"/>
-                <a:ea typeface="Tahoma" panose="020B0604030504040204" pitchFamily="34" charset="0"/>
-                <a:cs typeface="Tahoma" panose="020B0604030504040204" pitchFamily="34" charset="0"/>
-              </a:rPr>
-              <a:t>POST </a:t>
-            </a:r>
-            <a:r>
-              <a:rPr lang="nl-NL" sz="1400" dirty="0">
+              <a:rPr lang="en-US" sz="1200" dirty="0">
                 <a:latin typeface="Consolas" panose="020B0609020204030204" pitchFamily="49" charset="0"/>
               </a:rPr>
-              <a:t>http://localhost:9200/recipes/</a:t>
-            </a:r>
-            <a:r>
-              <a:rPr lang="en-US" sz="1400" dirty="0">
-                <a:latin typeface="Consolas" panose="020B0609020204030204" pitchFamily="49" charset="0"/>
-                <a:ea typeface="Tahoma" panose="020B0604030504040204" pitchFamily="34" charset="0"/>
-                <a:cs typeface="Tahoma" panose="020B0604030504040204" pitchFamily="34" charset="0"/>
-              </a:rPr>
-              <a:t>_doc/</a:t>
-            </a:r>
-          </a:p>
-          <a:p>
-            <a:endParaRPr lang="en-US" sz="1400" dirty="0">
-              <a:latin typeface="Consolas" panose="020B0609020204030204" pitchFamily="49" charset="0"/>
-              <a:ea typeface="Tahoma" panose="020B0604030504040204" pitchFamily="34" charset="0"/>
-              <a:cs typeface="Tahoma" panose="020B0604030504040204" pitchFamily="34" charset="0"/>
-            </a:endParaRPr>
-          </a:p>
-          <a:p>
-            <a:r>
-              <a:rPr lang="en-US" sz="1400" dirty="0">
-                <a:latin typeface="Consolas" panose="020B0609020204030204" pitchFamily="49" charset="0"/>
-                <a:ea typeface="Tahoma" panose="020B0604030504040204" pitchFamily="34" charset="0"/>
-                <a:cs typeface="Tahoma" panose="020B0604030504040204" pitchFamily="34" charset="0"/>
-              </a:rPr>
-              <a:t>PUT </a:t>
-            </a:r>
-            <a:r>
-              <a:rPr lang="nl-NL" sz="1400" dirty="0">
+              <a:t>{</a:t>
+            </a:r>
+          </a:p>
+          <a:p>
+            <a:r>
+              <a:rPr lang="en-US" sz="1200" dirty="0">
                 <a:latin typeface="Consolas" panose="020B0609020204030204" pitchFamily="49" charset="0"/>
               </a:rPr>
-              <a:t>http://localhost:9200/recipes</a:t>
-            </a:r>
-            <a:r>
-              <a:rPr lang="en-US" sz="1400" dirty="0">
-                <a:latin typeface="Consolas" panose="020B0609020204030204" pitchFamily="49" charset="0"/>
-                <a:ea typeface="Tahoma" panose="020B0604030504040204" pitchFamily="34" charset="0"/>
-                <a:cs typeface="Tahoma" panose="020B0604030504040204" pitchFamily="34" charset="0"/>
-              </a:rPr>
-              <a:t>/_create/1234</a:t>
-            </a:r>
-          </a:p>
-          <a:p>
-            <a:endParaRPr lang="en-US" sz="1400" dirty="0">
-              <a:latin typeface="Consolas" panose="020B0609020204030204" pitchFamily="49" charset="0"/>
-              <a:ea typeface="Tahoma" panose="020B0604030504040204" pitchFamily="34" charset="0"/>
-              <a:cs typeface="Tahoma" panose="020B0604030504040204" pitchFamily="34" charset="0"/>
-            </a:endParaRPr>
-          </a:p>
-          <a:p>
-            <a:r>
-              <a:rPr lang="en-US" sz="1400" dirty="0">
-                <a:latin typeface="Consolas" panose="020B0609020204030204" pitchFamily="49" charset="0"/>
-                <a:ea typeface="Tahoma" panose="020B0604030504040204" pitchFamily="34" charset="0"/>
-                <a:cs typeface="Tahoma" panose="020B0604030504040204" pitchFamily="34" charset="0"/>
-              </a:rPr>
-              <a:t>POST </a:t>
-            </a:r>
-            <a:r>
-              <a:rPr lang="nl-NL" sz="1400" dirty="0">
+              <a:t>  "settings" : {</a:t>
+            </a:r>
+          </a:p>
+          <a:p>
+            <a:r>
+              <a:rPr lang="en-US" sz="1200" dirty="0">
                 <a:latin typeface="Consolas" panose="020B0609020204030204" pitchFamily="49" charset="0"/>
               </a:rPr>
-              <a:t>http://localhost:9200 /recipes</a:t>
-            </a:r>
-            <a:r>
-              <a:rPr lang="en-US" sz="1400" dirty="0">
+              <a:t>    "</a:t>
+            </a:r>
+            <a:r>
+              <a:rPr lang="en-US" sz="1200" dirty="0" err="1">
                 <a:latin typeface="Consolas" panose="020B0609020204030204" pitchFamily="49" charset="0"/>
-                <a:ea typeface="Tahoma" panose="020B0604030504040204" pitchFamily="34" charset="0"/>
-                <a:cs typeface="Tahoma" panose="020B0604030504040204" pitchFamily="34" charset="0"/>
               </a:rPr>
-              <a:t>/_create/1234</a:t>
-            </a:r>
-            <a:endParaRPr lang="en-NL" sz="1400" dirty="0" err="1">
-              <a:latin typeface="Consolas" panose="020B0609020204030204" pitchFamily="49" charset="0"/>
-              <a:ea typeface="Tahoma" panose="020B0604030504040204" pitchFamily="34" charset="0"/>
-              <a:cs typeface="Tahoma" panose="020B0604030504040204" pitchFamily="34" charset="0"/>
-            </a:endParaRPr>
+              <a:t>number_of_shards</a:t>
+            </a:r>
+            <a:r>
+              <a:rPr lang="en-US" sz="1200" dirty="0">
+                <a:latin typeface="Consolas" panose="020B0609020204030204" pitchFamily="49" charset="0"/>
+              </a:rPr>
+              <a:t>" : 3, </a:t>
+            </a:r>
+          </a:p>
+          <a:p>
+            <a:r>
+              <a:rPr lang="en-US" sz="1200" dirty="0">
+                <a:latin typeface="Consolas" panose="020B0609020204030204" pitchFamily="49" charset="0"/>
+              </a:rPr>
+              <a:t>    "</a:t>
+            </a:r>
+            <a:r>
+              <a:rPr lang="en-US" sz="1200" dirty="0" err="1">
+                <a:latin typeface="Consolas" panose="020B0609020204030204" pitchFamily="49" charset="0"/>
+              </a:rPr>
+              <a:t>number_of_replicas</a:t>
+            </a:r>
+            <a:r>
+              <a:rPr lang="en-US" sz="1200" dirty="0">
+                <a:latin typeface="Consolas" panose="020B0609020204030204" pitchFamily="49" charset="0"/>
+              </a:rPr>
+              <a:t>" : 1 </a:t>
+            </a:r>
+          </a:p>
+          <a:p>
+            <a:r>
+              <a:rPr lang="en-US" sz="1200" dirty="0">
+                <a:latin typeface="Consolas" panose="020B0609020204030204" pitchFamily="49" charset="0"/>
+              </a:rPr>
+              <a:t>  },</a:t>
+            </a:r>
+          </a:p>
+          <a:p>
+            <a:r>
+              <a:rPr lang="en-US" sz="1200" dirty="0">
+                <a:latin typeface="Consolas" panose="020B0609020204030204" pitchFamily="49" charset="0"/>
+              </a:rPr>
+              <a:t>  "aliases": {</a:t>
+            </a:r>
+          </a:p>
+          <a:p>
+            <a:r>
+              <a:rPr lang="en-US" sz="1200" dirty="0">
+                <a:latin typeface="Consolas" panose="020B0609020204030204" pitchFamily="49" charset="0"/>
+              </a:rPr>
+              <a:t>  	"</a:t>
+            </a:r>
+            <a:r>
+              <a:rPr lang="en-US" sz="1200" dirty="0" err="1">
+                <a:latin typeface="Consolas" panose="020B0609020204030204" pitchFamily="49" charset="0"/>
+              </a:rPr>
+              <a:t>myfirstindex</a:t>
+            </a:r>
+            <a:r>
+              <a:rPr lang="en-US" sz="1200" dirty="0">
+                <a:latin typeface="Consolas" panose="020B0609020204030204" pitchFamily="49" charset="0"/>
+              </a:rPr>
+              <a:t>" : {}</a:t>
+            </a:r>
+          </a:p>
+          <a:p>
+            <a:r>
+              <a:rPr lang="en-US" sz="1200" dirty="0">
+                <a:latin typeface="Consolas" panose="020B0609020204030204" pitchFamily="49" charset="0"/>
+              </a:rPr>
+              <a:t>  },</a:t>
+            </a:r>
+          </a:p>
+          <a:p>
+            <a:r>
+              <a:rPr lang="en-US" sz="1200" dirty="0">
+                <a:latin typeface="Consolas" panose="020B0609020204030204" pitchFamily="49" charset="0"/>
+              </a:rPr>
+              <a:t>  "mappings": {</a:t>
+            </a:r>
+          </a:p>
+          <a:p>
+            <a:r>
+              <a:rPr lang="en-US" sz="1200" dirty="0">
+                <a:latin typeface="Consolas" panose="020B0609020204030204" pitchFamily="49" charset="0"/>
+              </a:rPr>
+              <a:t>    "properties": {</a:t>
+            </a:r>
+          </a:p>
+          <a:p>
+            <a:r>
+              <a:rPr lang="en-US" sz="1200" dirty="0">
+                <a:latin typeface="Consolas" panose="020B0609020204030204" pitchFamily="49" charset="0"/>
+              </a:rPr>
+              <a:t>      "age":    { "type": "integer" },</a:t>
+            </a:r>
+          </a:p>
+          <a:p>
+            <a:r>
+              <a:rPr lang="en-US" sz="1200" dirty="0">
+                <a:latin typeface="Consolas" panose="020B0609020204030204" pitchFamily="49" charset="0"/>
+              </a:rPr>
+              <a:t>      "email":  { "type": "keyword"  },</a:t>
+            </a:r>
+          </a:p>
+          <a:p>
+            <a:r>
+              <a:rPr lang="en-US" sz="1200" dirty="0">
+                <a:latin typeface="Consolas" panose="020B0609020204030204" pitchFamily="49" charset="0"/>
+              </a:rPr>
+              <a:t>      "name":   { "type": "text"  }</a:t>
+            </a:r>
+          </a:p>
+          <a:p>
+            <a:r>
+              <a:rPr lang="en-US" sz="1200" dirty="0">
+                <a:latin typeface="Consolas" panose="020B0609020204030204" pitchFamily="49" charset="0"/>
+              </a:rPr>
+              <a:t>    }</a:t>
+            </a:r>
+          </a:p>
+          <a:p>
+            <a:r>
+              <a:rPr lang="en-US" sz="1200" dirty="0">
+                <a:latin typeface="Consolas" panose="020B0609020204030204" pitchFamily="49" charset="0"/>
+              </a:rPr>
+              <a:t>  }</a:t>
+            </a:r>
+          </a:p>
+          <a:p>
+            <a:r>
+              <a:rPr lang="en-US" sz="1200" dirty="0">
+                <a:latin typeface="Consolas" panose="020B0609020204030204" pitchFamily="49" charset="0"/>
+              </a:rPr>
+              <a:t>}</a:t>
+            </a:r>
           </a:p>
         </p:txBody>
       </p:sp>
     </p:spTree>
     <p:extLst>
       <p:ext uri="{BB962C8B-B14F-4D97-AF65-F5344CB8AC3E}">
-        <p14:creationId xmlns:p14="http://schemas.microsoft.com/office/powerpoint/2010/main" val="2304971537"/>
+        <p14:creationId xmlns:p14="http://schemas.microsoft.com/office/powerpoint/2010/main" val="3228397262"/>
       </p:ext>
     </p:extLst>
   </p:cSld>
@@ -10414,7 +10772,7 @@
           <a:p>
             <a:r>
               <a:rPr lang="nl-NL" dirty="0"/>
-              <a:t>Manual Index Creation</a:t>
+              <a:t>REST API’s</a:t>
             </a:r>
           </a:p>
         </p:txBody>
@@ -10431,8 +10789,8 @@
         </p:nvSpPr>
         <p:spPr>
           <a:xfrm>
-            <a:off x="720004" y="1224000"/>
-            <a:ext cx="3062288" cy="3491999"/>
+            <a:off x="720003" y="1224000"/>
+            <a:ext cx="6088121" cy="504001"/>
           </a:xfrm>
         </p:spPr>
         <p:txBody>
@@ -10441,37 +10799,7 @@
           <a:p>
             <a:r>
               <a:rPr lang="nl-NL" dirty="0"/>
-              <a:t>Allows to define </a:t>
-            </a:r>
-          </a:p>
-          <a:p>
-            <a:pPr lvl="1"/>
-            <a:r>
-              <a:rPr lang="nl-NL" dirty="0"/>
-              <a:t>Index mapping</a:t>
-            </a:r>
-          </a:p>
-          <a:p>
-            <a:pPr lvl="1"/>
-            <a:r>
-              <a:rPr lang="nl-NL" dirty="0"/>
-              <a:t>Index settings</a:t>
-            </a:r>
-          </a:p>
-          <a:p>
-            <a:pPr lvl="1"/>
-            <a:r>
-              <a:rPr lang="nl-NL" dirty="0"/>
-              <a:t>Aliases</a:t>
-            </a:r>
-          </a:p>
-          <a:p>
-            <a:endParaRPr lang="nl-NL" dirty="0"/>
-          </a:p>
-          <a:p>
-            <a:r>
-              <a:rPr lang="nl-NL" dirty="0"/>
-              <a:t>Some index settings can be changed on runtime (like number of replicas)</a:t>
+              <a:t>Operations are performed on a single document</a:t>
             </a:r>
           </a:p>
         </p:txBody>
@@ -10523,213 +10851,146 @@
       </p:sp>
       <p:sp>
         <p:nvSpPr>
-          <p:cNvPr id="8" name="Rectangle 7">
+          <p:cNvPr id="12" name="TextBox 11">
             <a:extLst>
               <a:ext uri="{FF2B5EF4-FFF2-40B4-BE49-F238E27FC236}">
-                <a16:creationId xmlns:a16="http://schemas.microsoft.com/office/drawing/2014/main" id="{032B98FD-CE17-4807-897E-58FDA1CD6BC1}"/>
+                <a16:creationId xmlns:a16="http://schemas.microsoft.com/office/drawing/2014/main" id="{67F8F9EB-BFA9-4148-8BD3-E19214834DC4}"/>
               </a:ext>
             </a:extLst>
           </p:cNvPr>
-          <p:cNvSpPr/>
+          <p:cNvSpPr txBox="1"/>
           <p:nvPr/>
         </p:nvSpPr>
         <p:spPr>
           <a:xfrm>
-            <a:off x="4256116" y="1115694"/>
-            <a:ext cx="4572000" cy="3416320"/>
+            <a:off x="720003" y="1980759"/>
+            <a:ext cx="7559997" cy="2369880"/>
           </a:xfrm>
           <a:prstGeom prst="rect">
             <a:avLst/>
           </a:prstGeom>
+          <a:noFill/>
         </p:spPr>
         <p:txBody>
-          <a:bodyPr>
+          <a:bodyPr wrap="square" lIns="0" tIns="0" rIns="0" bIns="0" rtlCol="0">
             <a:spAutoFit/>
           </a:bodyPr>
           <a:lstStyle/>
           <a:p>
             <a:r>
-              <a:rPr lang="nl-NL" sz="1200" dirty="0">
+              <a:rPr lang="nl-NL" sz="1400" dirty="0">
                 <a:latin typeface="Consolas" panose="020B0609020204030204" pitchFamily="49" charset="0"/>
+                <a:ea typeface="Tahoma" panose="020B0604030504040204" pitchFamily="34" charset="0"/>
+                <a:cs typeface="Tahoma" panose="020B0604030504040204" pitchFamily="34" charset="0"/>
               </a:rPr>
-              <a:t>PUT http://localhost:9200/newindex</a:t>
-            </a:r>
-          </a:p>
-          <a:p>
-            <a:endParaRPr lang="nl-NL" sz="1200" dirty="0">
+              <a:t>GET http://localhost:9200/recipes/_doc/213</a:t>
+            </a:r>
+          </a:p>
+          <a:p>
+            <a:endParaRPr lang="nl-NL" sz="1400" dirty="0">
               <a:latin typeface="Consolas" panose="020B0609020204030204" pitchFamily="49" charset="0"/>
+              <a:ea typeface="Tahoma" panose="020B0604030504040204" pitchFamily="34" charset="0"/>
+              <a:cs typeface="Tahoma" panose="020B0604030504040204" pitchFamily="34" charset="0"/>
             </a:endParaRPr>
           </a:p>
           <a:p>
             <a:r>
-              <a:rPr lang="en-US" sz="1200" dirty="0">
+              <a:rPr lang="nl-NL" sz="1400" dirty="0">
                 <a:latin typeface="Consolas" panose="020B0609020204030204" pitchFamily="49" charset="0"/>
+                <a:ea typeface="Tahoma" panose="020B0604030504040204" pitchFamily="34" charset="0"/>
+                <a:cs typeface="Tahoma" panose="020B0604030504040204" pitchFamily="34" charset="0"/>
               </a:rPr>
-              <a:t>{</a:t>
-            </a:r>
-          </a:p>
-          <a:p>
-            <a:r>
-              <a:rPr lang="en-US" sz="1200" dirty="0">
+              <a:t>GET http://localhost:9200/recipes/_doc/213?_source_includes=</a:t>
+            </a:r>
+            <a:r>
+              <a:rPr lang="en-US" dirty="0"/>
+              <a:t>name</a:t>
+            </a:r>
+            <a:endParaRPr lang="nl-NL" sz="1400" dirty="0">
+              <a:latin typeface="Consolas" panose="020B0609020204030204" pitchFamily="49" charset="0"/>
+              <a:ea typeface="Tahoma" panose="020B0604030504040204" pitchFamily="34" charset="0"/>
+              <a:cs typeface="Tahoma" panose="020B0604030504040204" pitchFamily="34" charset="0"/>
+            </a:endParaRPr>
+          </a:p>
+          <a:p>
+            <a:endParaRPr lang="nl-NL" sz="1400" dirty="0">
+              <a:latin typeface="Consolas" panose="020B0609020204030204" pitchFamily="49" charset="0"/>
+              <a:ea typeface="Tahoma" panose="020B0604030504040204" pitchFamily="34" charset="0"/>
+              <a:cs typeface="Tahoma" panose="020B0604030504040204" pitchFamily="34" charset="0"/>
+            </a:endParaRPr>
+          </a:p>
+          <a:p>
+            <a:r>
+              <a:rPr lang="nl-NL" sz="1400" dirty="0">
                 <a:latin typeface="Consolas" panose="020B0609020204030204" pitchFamily="49" charset="0"/>
+                <a:ea typeface="Tahoma" panose="020B0604030504040204" pitchFamily="34" charset="0"/>
+                <a:cs typeface="Tahoma" panose="020B0604030504040204" pitchFamily="34" charset="0"/>
               </a:rPr>
-              <a:t>  "settings" : {</a:t>
-            </a:r>
-          </a:p>
-          <a:p>
-            <a:r>
-              <a:rPr lang="en-US" sz="1200" dirty="0">
+              <a:t>HEAD http://localhost:9200/recipes/_doc/213</a:t>
+            </a:r>
+          </a:p>
+          <a:p>
+            <a:endParaRPr lang="en-US" sz="1400" dirty="0">
+              <a:latin typeface="Consolas" panose="020B0609020204030204" pitchFamily="49" charset="0"/>
+              <a:ea typeface="Tahoma" panose="020B0604030504040204" pitchFamily="34" charset="0"/>
+              <a:cs typeface="Tahoma" panose="020B0604030504040204" pitchFamily="34" charset="0"/>
+            </a:endParaRPr>
+          </a:p>
+          <a:p>
+            <a:r>
+              <a:rPr lang="en-US" sz="1400" dirty="0">
                 <a:latin typeface="Consolas" panose="020B0609020204030204" pitchFamily="49" charset="0"/>
+                <a:ea typeface="Tahoma" panose="020B0604030504040204" pitchFamily="34" charset="0"/>
+                <a:cs typeface="Tahoma" panose="020B0604030504040204" pitchFamily="34" charset="0"/>
               </a:rPr>
-              <a:t>    "</a:t>
-            </a:r>
-            <a:r>
-              <a:rPr lang="en-US" sz="1200" dirty="0" err="1">
+              <a:t>POST </a:t>
+            </a:r>
+            <a:r>
+              <a:rPr lang="nl-NL" sz="1400" dirty="0">
                 <a:latin typeface="Consolas" panose="020B0609020204030204" pitchFamily="49" charset="0"/>
+                <a:ea typeface="Tahoma" panose="020B0604030504040204" pitchFamily="34" charset="0"/>
+                <a:cs typeface="Tahoma" panose="020B0604030504040204" pitchFamily="34" charset="0"/>
               </a:rPr>
-              <a:t>number_of_shards</a:t>
-            </a:r>
-            <a:r>
-              <a:rPr lang="en-US" sz="1200" dirty="0">
+              <a:t>http://localhost:9200/recipes/_update/213</a:t>
+            </a:r>
+          </a:p>
+          <a:p>
+            <a:endParaRPr lang="en-US" sz="1400" dirty="0">
+              <a:latin typeface="Consolas" panose="020B0609020204030204" pitchFamily="49" charset="0"/>
+              <a:ea typeface="Tahoma" panose="020B0604030504040204" pitchFamily="34" charset="0"/>
+              <a:cs typeface="Tahoma" panose="020B0604030504040204" pitchFamily="34" charset="0"/>
+            </a:endParaRPr>
+          </a:p>
+          <a:p>
+            <a:r>
+              <a:rPr lang="nl-NL" sz="1400" dirty="0">
                 <a:latin typeface="Consolas" panose="020B0609020204030204" pitchFamily="49" charset="0"/>
+                <a:ea typeface="Tahoma" panose="020B0604030504040204" pitchFamily="34" charset="0"/>
+                <a:cs typeface="Tahoma" panose="020B0604030504040204" pitchFamily="34" charset="0"/>
               </a:rPr>
-              <a:t>" : 3, </a:t>
-            </a:r>
-          </a:p>
-          <a:p>
-            <a:r>
-              <a:rPr lang="en-US" sz="1200" dirty="0">
-                <a:latin typeface="Consolas" panose="020B0609020204030204" pitchFamily="49" charset="0"/>
-              </a:rPr>
-              <a:t>    "</a:t>
-            </a:r>
-            <a:r>
-              <a:rPr lang="en-US" sz="1200" dirty="0" err="1">
-                <a:latin typeface="Consolas" panose="020B0609020204030204" pitchFamily="49" charset="0"/>
-              </a:rPr>
-              <a:t>number_of_replicas</a:t>
-            </a:r>
-            <a:r>
-              <a:rPr lang="en-US" sz="1200" dirty="0">
-                <a:latin typeface="Consolas" panose="020B0609020204030204" pitchFamily="49" charset="0"/>
-              </a:rPr>
-              <a:t>" : 1 </a:t>
-            </a:r>
-          </a:p>
-          <a:p>
-            <a:r>
-              <a:rPr lang="en-US" sz="1200" dirty="0">
-                <a:latin typeface="Consolas" panose="020B0609020204030204" pitchFamily="49" charset="0"/>
-              </a:rPr>
-              <a:t>  },</a:t>
-            </a:r>
-          </a:p>
-          <a:p>
-            <a:r>
-              <a:rPr lang="en-US" sz="1200" dirty="0">
-                <a:latin typeface="Consolas" panose="020B0609020204030204" pitchFamily="49" charset="0"/>
-              </a:rPr>
-              <a:t>  "aliases": {</a:t>
-            </a:r>
-          </a:p>
-          <a:p>
-            <a:r>
-              <a:rPr lang="en-US" sz="1200" dirty="0">
-                <a:latin typeface="Consolas" panose="020B0609020204030204" pitchFamily="49" charset="0"/>
-              </a:rPr>
-              <a:t>  	"</a:t>
-            </a:r>
-            <a:r>
-              <a:rPr lang="en-US" sz="1200" dirty="0" err="1">
-                <a:latin typeface="Consolas" panose="020B0609020204030204" pitchFamily="49" charset="0"/>
-              </a:rPr>
-              <a:t>myfirstindex</a:t>
-            </a:r>
-            <a:r>
-              <a:rPr lang="en-US" sz="1200" dirty="0">
-                <a:latin typeface="Consolas" panose="020B0609020204030204" pitchFamily="49" charset="0"/>
-              </a:rPr>
-              <a:t>" : {}</a:t>
-            </a:r>
-          </a:p>
-          <a:p>
-            <a:r>
-              <a:rPr lang="en-US" sz="1200" dirty="0">
-                <a:latin typeface="Consolas" panose="020B0609020204030204" pitchFamily="49" charset="0"/>
-              </a:rPr>
-              <a:t>  },</a:t>
-            </a:r>
-          </a:p>
-          <a:p>
-            <a:r>
-              <a:rPr lang="en-US" sz="1200" dirty="0">
-                <a:latin typeface="Consolas" panose="020B0609020204030204" pitchFamily="49" charset="0"/>
-              </a:rPr>
-              <a:t>  "mappings": {</a:t>
-            </a:r>
-          </a:p>
-          <a:p>
-            <a:r>
-              <a:rPr lang="en-US" sz="1200" dirty="0">
-                <a:latin typeface="Consolas" panose="020B0609020204030204" pitchFamily="49" charset="0"/>
-              </a:rPr>
-              <a:t>    "properties": {</a:t>
-            </a:r>
-          </a:p>
-          <a:p>
-            <a:r>
-              <a:rPr lang="en-US" sz="1200" dirty="0">
-                <a:latin typeface="Consolas" panose="020B0609020204030204" pitchFamily="49" charset="0"/>
-              </a:rPr>
-              <a:t>      "age":    { "type": "integer" },</a:t>
-            </a:r>
-          </a:p>
-          <a:p>
-            <a:r>
-              <a:rPr lang="en-US" sz="1200" dirty="0">
-                <a:latin typeface="Consolas" panose="020B0609020204030204" pitchFamily="49" charset="0"/>
-              </a:rPr>
-              <a:t>      "email":  { "type": "keyword"  },</a:t>
-            </a:r>
-          </a:p>
-          <a:p>
-            <a:r>
-              <a:rPr lang="en-US" sz="1200" dirty="0">
-                <a:latin typeface="Consolas" panose="020B0609020204030204" pitchFamily="49" charset="0"/>
-              </a:rPr>
-              <a:t>      "name":   { "type": "text"  }</a:t>
-            </a:r>
-          </a:p>
-          <a:p>
-            <a:r>
-              <a:rPr lang="en-US" sz="1200" dirty="0">
-                <a:latin typeface="Consolas" panose="020B0609020204030204" pitchFamily="49" charset="0"/>
-              </a:rPr>
-              <a:t>    }</a:t>
-            </a:r>
-          </a:p>
-          <a:p>
-            <a:r>
-              <a:rPr lang="en-US" sz="1200" dirty="0">
-                <a:latin typeface="Consolas" panose="020B0609020204030204" pitchFamily="49" charset="0"/>
-              </a:rPr>
-              <a:t>  }</a:t>
-            </a:r>
-          </a:p>
-          <a:p>
-            <a:r>
-              <a:rPr lang="en-US" sz="1200" dirty="0">
-                <a:latin typeface="Consolas" panose="020B0609020204030204" pitchFamily="49" charset="0"/>
-              </a:rPr>
-              <a:t>}</a:t>
-            </a:r>
+              <a:t>DELETE http://localhost:9200/recipes/_doc/213</a:t>
+            </a:r>
+          </a:p>
+          <a:p>
+            <a:endParaRPr lang="en-NL" sz="1400" dirty="0">
+              <a:latin typeface="Consolas" panose="020B0609020204030204" pitchFamily="49" charset="0"/>
+              <a:ea typeface="Tahoma" panose="020B0604030504040204" pitchFamily="34" charset="0"/>
+              <a:cs typeface="Tahoma" panose="020B0604030504040204" pitchFamily="34" charset="0"/>
+            </a:endParaRPr>
+          </a:p>
+          <a:p>
+            <a:endParaRPr lang="en-NL" sz="1400" dirty="0" err="1">
+              <a:latin typeface="Consolas" panose="020B0609020204030204" pitchFamily="49" charset="0"/>
+              <a:ea typeface="Tahoma" panose="020B0604030504040204" pitchFamily="34" charset="0"/>
+              <a:cs typeface="Tahoma" panose="020B0604030504040204" pitchFamily="34" charset="0"/>
+            </a:endParaRPr>
           </a:p>
         </p:txBody>
       </p:sp>
     </p:spTree>
     <p:extLst>
       <p:ext uri="{BB962C8B-B14F-4D97-AF65-F5344CB8AC3E}">
-        <p14:creationId xmlns:p14="http://schemas.microsoft.com/office/powerpoint/2010/main" val="3228397262"/>
+        <p14:creationId xmlns:p14="http://schemas.microsoft.com/office/powerpoint/2010/main" val="2384198298"/>
       </p:ext>
     </p:extLst>
   </p:cSld>
@@ -10773,34 +11034,7 @@
           <a:p>
             <a:r>
               <a:rPr lang="nl-NL" dirty="0"/>
-              <a:t>REST API’s</a:t>
-            </a:r>
-          </a:p>
-        </p:txBody>
-      </p:sp>
-      <p:sp>
-        <p:nvSpPr>
-          <p:cNvPr id="3" name="Content Placeholder 2"/>
-          <p:cNvSpPr>
-            <a:spLocks noGrp="1"/>
-          </p:cNvSpPr>
-          <p:nvPr>
-            <p:ph idx="1"/>
-          </p:nvPr>
-        </p:nvSpPr>
-        <p:spPr>
-          <a:xfrm>
-            <a:off x="720003" y="1224000"/>
-            <a:ext cx="6088121" cy="504001"/>
-          </a:xfrm>
-        </p:spPr>
-        <p:txBody>
-          <a:bodyPr/>
-          <a:lstStyle/>
-          <a:p>
-            <a:r>
-              <a:rPr lang="nl-NL" dirty="0"/>
-              <a:t>Operations are performed on a single document</a:t>
+              <a:t>Bulk operations</a:t>
             </a:r>
           </a:p>
         </p:txBody>
@@ -10864,8 +11098,8 @@
         </p:nvSpPr>
         <p:spPr>
           <a:xfrm>
-            <a:off x="720003" y="1980759"/>
-            <a:ext cx="7559997" cy="2369880"/>
+            <a:off x="847733" y="1997385"/>
+            <a:ext cx="5586318" cy="2154436"/>
           </a:xfrm>
           <a:prstGeom prst="rect">
             <a:avLst/>
@@ -10884,7 +11118,67 @@
                 <a:ea typeface="Tahoma" panose="020B0604030504040204" pitchFamily="34" charset="0"/>
                 <a:cs typeface="Tahoma" panose="020B0604030504040204" pitchFamily="34" charset="0"/>
               </a:rPr>
-              <a:t>GET http://localhost:9200/recipes/_doc/213</a:t>
+              <a:t>{ "index" : { "_index" : "test", "_id" : "1" } }</a:t>
+            </a:r>
+          </a:p>
+          <a:p>
+            <a:r>
+              <a:rPr lang="nl-NL" sz="1400" dirty="0">
+                <a:latin typeface="Consolas" panose="020B0609020204030204" pitchFamily="49" charset="0"/>
+                <a:ea typeface="Tahoma" panose="020B0604030504040204" pitchFamily="34" charset="0"/>
+                <a:cs typeface="Tahoma" panose="020B0604030504040204" pitchFamily="34" charset="0"/>
+              </a:rPr>
+              <a:t>{ "field1" : "value1" }</a:t>
+            </a:r>
+          </a:p>
+          <a:p>
+            <a:r>
+              <a:rPr lang="nl-NL" sz="1400" dirty="0">
+                <a:latin typeface="Consolas" panose="020B0609020204030204" pitchFamily="49" charset="0"/>
+                <a:ea typeface="Tahoma" panose="020B0604030504040204" pitchFamily="34" charset="0"/>
+                <a:cs typeface="Tahoma" panose="020B0604030504040204" pitchFamily="34" charset="0"/>
+              </a:rPr>
+              <a:t>{ "delete" : { "_index" : "test", "_id" : "2" } }</a:t>
+            </a:r>
+          </a:p>
+          <a:p>
+            <a:r>
+              <a:rPr lang="nl-NL" sz="1400" dirty="0">
+                <a:latin typeface="Consolas" panose="020B0609020204030204" pitchFamily="49" charset="0"/>
+                <a:ea typeface="Tahoma" panose="020B0604030504040204" pitchFamily="34" charset="0"/>
+                <a:cs typeface="Tahoma" panose="020B0604030504040204" pitchFamily="34" charset="0"/>
+              </a:rPr>
+              <a:t>{ "create" : { "_index" : "test", "_id" : "3" } }</a:t>
+            </a:r>
+          </a:p>
+          <a:p>
+            <a:r>
+              <a:rPr lang="nl-NL" sz="1400" dirty="0">
+                <a:latin typeface="Consolas" panose="020B0609020204030204" pitchFamily="49" charset="0"/>
+                <a:ea typeface="Tahoma" panose="020B0604030504040204" pitchFamily="34" charset="0"/>
+                <a:cs typeface="Tahoma" panose="020B0604030504040204" pitchFamily="34" charset="0"/>
+              </a:rPr>
+              <a:t>{ "field1" : "value3" }</a:t>
+            </a:r>
+          </a:p>
+          <a:p>
+            <a:r>
+              <a:rPr lang="nl-NL" sz="1400" dirty="0">
+                <a:latin typeface="Consolas" panose="020B0609020204030204" pitchFamily="49" charset="0"/>
+                <a:ea typeface="Tahoma" panose="020B0604030504040204" pitchFamily="34" charset="0"/>
+                <a:cs typeface="Tahoma" panose="020B0604030504040204" pitchFamily="34" charset="0"/>
+              </a:rPr>
+              <a:t>{ "update" : {"_id" : "1", "_index" : "test"} }</a:t>
+            </a:r>
+          </a:p>
+          <a:p>
+            <a:r>
+              <a:rPr lang="nl-NL" sz="1400" dirty="0">
+                <a:latin typeface="Consolas" panose="020B0609020204030204" pitchFamily="49" charset="0"/>
+                <a:ea typeface="Tahoma" panose="020B0604030504040204" pitchFamily="34" charset="0"/>
+                <a:cs typeface="Tahoma" panose="020B0604030504040204" pitchFamily="34" charset="0"/>
+              </a:rPr>
+              <a:t>{ "doc" : {"field2" : "value2"} }</a:t>
             </a:r>
           </a:p>
           <a:p>
@@ -10895,81 +11189,56 @@
             </a:endParaRPr>
           </a:p>
           <a:p>
+            <a:endParaRPr lang="en-NL" sz="1400" dirty="0">
+              <a:latin typeface="Consolas" panose="020B0609020204030204" pitchFamily="49" charset="0"/>
+              <a:ea typeface="Tahoma" panose="020B0604030504040204" pitchFamily="34" charset="0"/>
+              <a:cs typeface="Tahoma" panose="020B0604030504040204" pitchFamily="34" charset="0"/>
+            </a:endParaRPr>
+          </a:p>
+          <a:p>
+            <a:endParaRPr lang="en-NL" sz="1400" dirty="0" err="1">
+              <a:latin typeface="Consolas" panose="020B0609020204030204" pitchFamily="49" charset="0"/>
+              <a:ea typeface="Tahoma" panose="020B0604030504040204" pitchFamily="34" charset="0"/>
+              <a:cs typeface="Tahoma" panose="020B0604030504040204" pitchFamily="34" charset="0"/>
+            </a:endParaRPr>
+          </a:p>
+        </p:txBody>
+      </p:sp>
+      <p:sp>
+        <p:nvSpPr>
+          <p:cNvPr id="7" name="TextBox 6">
+            <a:extLst>
+              <a:ext uri="{FF2B5EF4-FFF2-40B4-BE49-F238E27FC236}">
+                <a16:creationId xmlns:a16="http://schemas.microsoft.com/office/drawing/2014/main" id="{75E53D16-0AA1-4E2A-8D91-FEDB96E48304}"/>
+              </a:ext>
+            </a:extLst>
+          </p:cNvPr>
+          <p:cNvSpPr txBox="1"/>
+          <p:nvPr/>
+        </p:nvSpPr>
+        <p:spPr>
+          <a:xfrm>
+            <a:off x="749098" y="1249239"/>
+            <a:ext cx="7559997" cy="646331"/>
+          </a:xfrm>
+          <a:prstGeom prst="rect">
+            <a:avLst/>
+          </a:prstGeom>
+          <a:noFill/>
+        </p:spPr>
+        <p:txBody>
+          <a:bodyPr wrap="square" lIns="0" tIns="0" rIns="0" bIns="0" rtlCol="0">
+            <a:spAutoFit/>
+          </a:bodyPr>
+          <a:lstStyle/>
+          <a:p>
             <a:r>
               <a:rPr lang="nl-NL" sz="1400" dirty="0">
                 <a:latin typeface="Consolas" panose="020B0609020204030204" pitchFamily="49" charset="0"/>
                 <a:ea typeface="Tahoma" panose="020B0604030504040204" pitchFamily="34" charset="0"/>
                 <a:cs typeface="Tahoma" panose="020B0604030504040204" pitchFamily="34" charset="0"/>
               </a:rPr>
-              <a:t>GET http://localhost:9200/recipes/_doc/213?_source_includes=</a:t>
-            </a:r>
-            <a:r>
-              <a:rPr lang="en-US" dirty="0"/>
-              <a:t>name</a:t>
-            </a:r>
-            <a:endParaRPr lang="nl-NL" sz="1400" dirty="0">
-              <a:latin typeface="Consolas" panose="020B0609020204030204" pitchFamily="49" charset="0"/>
-              <a:ea typeface="Tahoma" panose="020B0604030504040204" pitchFamily="34" charset="0"/>
-              <a:cs typeface="Tahoma" panose="020B0604030504040204" pitchFamily="34" charset="0"/>
-            </a:endParaRPr>
-          </a:p>
-          <a:p>
-            <a:endParaRPr lang="nl-NL" sz="1400" dirty="0">
-              <a:latin typeface="Consolas" panose="020B0609020204030204" pitchFamily="49" charset="0"/>
-              <a:ea typeface="Tahoma" panose="020B0604030504040204" pitchFamily="34" charset="0"/>
-              <a:cs typeface="Tahoma" panose="020B0604030504040204" pitchFamily="34" charset="0"/>
-            </a:endParaRPr>
-          </a:p>
-          <a:p>
-            <a:r>
-              <a:rPr lang="nl-NL" sz="1400" dirty="0">
-                <a:latin typeface="Consolas" panose="020B0609020204030204" pitchFamily="49" charset="0"/>
-                <a:ea typeface="Tahoma" panose="020B0604030504040204" pitchFamily="34" charset="0"/>
-                <a:cs typeface="Tahoma" panose="020B0604030504040204" pitchFamily="34" charset="0"/>
-              </a:rPr>
-              <a:t>HEAD http://localhost:9200/recipes/_doc/213</a:t>
-            </a:r>
-          </a:p>
-          <a:p>
-            <a:endParaRPr lang="en-US" sz="1400" dirty="0">
-              <a:latin typeface="Consolas" panose="020B0609020204030204" pitchFamily="49" charset="0"/>
-              <a:ea typeface="Tahoma" panose="020B0604030504040204" pitchFamily="34" charset="0"/>
-              <a:cs typeface="Tahoma" panose="020B0604030504040204" pitchFamily="34" charset="0"/>
-            </a:endParaRPr>
-          </a:p>
-          <a:p>
-            <a:r>
-              <a:rPr lang="en-US" sz="1400" dirty="0">
-                <a:latin typeface="Consolas" panose="020B0609020204030204" pitchFamily="49" charset="0"/>
-                <a:ea typeface="Tahoma" panose="020B0604030504040204" pitchFamily="34" charset="0"/>
-                <a:cs typeface="Tahoma" panose="020B0604030504040204" pitchFamily="34" charset="0"/>
-              </a:rPr>
-              <a:t>POST </a:t>
-            </a:r>
-            <a:r>
-              <a:rPr lang="nl-NL" sz="1400" dirty="0">
-                <a:latin typeface="Consolas" panose="020B0609020204030204" pitchFamily="49" charset="0"/>
-                <a:ea typeface="Tahoma" panose="020B0604030504040204" pitchFamily="34" charset="0"/>
-                <a:cs typeface="Tahoma" panose="020B0604030504040204" pitchFamily="34" charset="0"/>
-              </a:rPr>
-              <a:t>http://localhost:9200/recipes/_update/213</a:t>
-            </a:r>
-          </a:p>
-          <a:p>
-            <a:endParaRPr lang="en-US" sz="1400" dirty="0">
-              <a:latin typeface="Consolas" panose="020B0609020204030204" pitchFamily="49" charset="0"/>
-              <a:ea typeface="Tahoma" panose="020B0604030504040204" pitchFamily="34" charset="0"/>
-              <a:cs typeface="Tahoma" panose="020B0604030504040204" pitchFamily="34" charset="0"/>
-            </a:endParaRPr>
-          </a:p>
-          <a:p>
-            <a:r>
-              <a:rPr lang="nl-NL" sz="1400" dirty="0">
-                <a:latin typeface="Consolas" panose="020B0609020204030204" pitchFamily="49" charset="0"/>
-                <a:ea typeface="Tahoma" panose="020B0604030504040204" pitchFamily="34" charset="0"/>
-                <a:cs typeface="Tahoma" panose="020B0604030504040204" pitchFamily="34" charset="0"/>
-              </a:rPr>
-              <a:t>DELETE http://localhost:9200/recipes/_doc/213</a:t>
+              <a:t>POST http://localhost:9200/myindex/_bulk</a:t>
             </a:r>
           </a:p>
           <a:p>
@@ -10991,7 +11260,7 @@
     </p:spTree>
     <p:extLst>
       <p:ext uri="{BB962C8B-B14F-4D97-AF65-F5344CB8AC3E}">
-        <p14:creationId xmlns:p14="http://schemas.microsoft.com/office/powerpoint/2010/main" val="2384198298"/>
+        <p14:creationId xmlns:p14="http://schemas.microsoft.com/office/powerpoint/2010/main" val="2563402049"/>
       </p:ext>
     </p:extLst>
   </p:cSld>
@@ -11020,7 +11289,13 @@
       </p:grpSpPr>
       <p:sp>
         <p:nvSpPr>
-          <p:cNvPr id="2" name="Title 1"/>
+          <p:cNvPr id="2" name="Title 1">
+            <a:extLst>
+              <a:ext uri="{FF2B5EF4-FFF2-40B4-BE49-F238E27FC236}">
+                <a16:creationId xmlns:a16="http://schemas.microsoft.com/office/drawing/2014/main" id="{B2539C2F-9CB2-4004-9813-5486C4C02F36}"/>
+              </a:ext>
+            </a:extLst>
+          </p:cNvPr>
           <p:cNvSpPr>
             <a:spLocks noGrp="1"/>
           </p:cNvSpPr>
@@ -11033,16 +11308,44 @@
           <a:bodyPr/>
           <a:lstStyle/>
           <a:p>
-            <a:r>
-              <a:rPr lang="nl-NL" dirty="0"/>
-              <a:t>Bulk operations</a:t>
-            </a:r>
-          </a:p>
-        </p:txBody>
-      </p:sp>
-      <p:sp>
-        <p:nvSpPr>
-          <p:cNvPr id="4" name="Footer Placeholder 3"/>
+            <a:endParaRPr lang="en-NL"/>
+          </a:p>
+        </p:txBody>
+      </p:sp>
+      <p:sp>
+        <p:nvSpPr>
+          <p:cNvPr id="3" name="Content Placeholder 2">
+            <a:extLst>
+              <a:ext uri="{FF2B5EF4-FFF2-40B4-BE49-F238E27FC236}">
+                <a16:creationId xmlns:a16="http://schemas.microsoft.com/office/drawing/2014/main" id="{11B07F90-0113-4617-9F24-C3492B350E28}"/>
+              </a:ext>
+            </a:extLst>
+          </p:cNvPr>
+          <p:cNvSpPr>
+            <a:spLocks noGrp="1"/>
+          </p:cNvSpPr>
+          <p:nvPr>
+            <p:ph idx="1"/>
+          </p:nvPr>
+        </p:nvSpPr>
+        <p:spPr/>
+        <p:txBody>
+          <a:bodyPr/>
+          <a:lstStyle/>
+          <a:p>
+            <a:endParaRPr lang="en-NL"/>
+          </a:p>
+        </p:txBody>
+      </p:sp>
+      <p:sp>
+        <p:nvSpPr>
+          <p:cNvPr id="4" name="Footer Placeholder 3">
+            <a:extLst>
+              <a:ext uri="{FF2B5EF4-FFF2-40B4-BE49-F238E27FC236}">
+                <a16:creationId xmlns:a16="http://schemas.microsoft.com/office/drawing/2014/main" id="{4736938F-5FBA-4DCB-ACCB-4E628EC01805}"/>
+              </a:ext>
+            </a:extLst>
+          </p:cNvPr>
           <p:cNvSpPr>
             <a:spLocks noGrp="1"/>
           </p:cNvSpPr>
@@ -11064,7 +11367,13 @@
       </p:sp>
       <p:sp>
         <p:nvSpPr>
-          <p:cNvPr id="5" name="Slide Number Placeholder 4"/>
+          <p:cNvPr id="5" name="Slide Number Placeholder 4">
+            <a:extLst>
+              <a:ext uri="{FF2B5EF4-FFF2-40B4-BE49-F238E27FC236}">
+                <a16:creationId xmlns:a16="http://schemas.microsoft.com/office/drawing/2014/main" id="{8AEF4120-5669-4186-A953-A5327753EF64}"/>
+              </a:ext>
+            </a:extLst>
+          </p:cNvPr>
           <p:cNvSpPr>
             <a:spLocks noGrp="1"/>
           </p:cNvSpPr>
@@ -11087,181 +11396,33 @@
       </p:sp>
       <p:sp>
         <p:nvSpPr>
-          <p:cNvPr id="12" name="TextBox 11">
+          <p:cNvPr id="6" name="Text Placeholder 5">
             <a:extLst>
               <a:ext uri="{FF2B5EF4-FFF2-40B4-BE49-F238E27FC236}">
-                <a16:creationId xmlns:a16="http://schemas.microsoft.com/office/drawing/2014/main" id="{67F8F9EB-BFA9-4148-8BD3-E19214834DC4}"/>
+                <a16:creationId xmlns:a16="http://schemas.microsoft.com/office/drawing/2014/main" id="{F07795BB-2B65-43B2-98DF-602273C53532}"/>
               </a:ext>
             </a:extLst>
           </p:cNvPr>
-          <p:cNvSpPr txBox="1"/>
-          <p:nvPr/>
-        </p:nvSpPr>
-        <p:spPr>
-          <a:xfrm>
-            <a:off x="847733" y="1997385"/>
-            <a:ext cx="5586318" cy="2154436"/>
-          </a:xfrm>
-          <a:prstGeom prst="rect">
-            <a:avLst/>
-          </a:prstGeom>
-          <a:noFill/>
-        </p:spPr>
-        <p:txBody>
-          <a:bodyPr wrap="square" lIns="0" tIns="0" rIns="0" bIns="0" rtlCol="0">
-            <a:spAutoFit/>
-          </a:bodyPr>
-          <a:lstStyle/>
-          <a:p>
-            <a:r>
-              <a:rPr lang="nl-NL" sz="1400" dirty="0">
-                <a:latin typeface="Consolas" panose="020B0609020204030204" pitchFamily="49" charset="0"/>
-                <a:ea typeface="Tahoma" panose="020B0604030504040204" pitchFamily="34" charset="0"/>
-                <a:cs typeface="Tahoma" panose="020B0604030504040204" pitchFamily="34" charset="0"/>
-              </a:rPr>
-              <a:t>{ "index" : { "_index" : "test", "_id" : "1" } }</a:t>
-            </a:r>
-          </a:p>
-          <a:p>
-            <a:r>
-              <a:rPr lang="nl-NL" sz="1400" dirty="0">
-                <a:latin typeface="Consolas" panose="020B0609020204030204" pitchFamily="49" charset="0"/>
-                <a:ea typeface="Tahoma" panose="020B0604030504040204" pitchFamily="34" charset="0"/>
-                <a:cs typeface="Tahoma" panose="020B0604030504040204" pitchFamily="34" charset="0"/>
-              </a:rPr>
-              <a:t>{ "field1" : "value1" }</a:t>
-            </a:r>
-          </a:p>
-          <a:p>
-            <a:r>
-              <a:rPr lang="nl-NL" sz="1400" dirty="0">
-                <a:latin typeface="Consolas" panose="020B0609020204030204" pitchFamily="49" charset="0"/>
-                <a:ea typeface="Tahoma" panose="020B0604030504040204" pitchFamily="34" charset="0"/>
-                <a:cs typeface="Tahoma" panose="020B0604030504040204" pitchFamily="34" charset="0"/>
-              </a:rPr>
-              <a:t>{ "delete" : { "_index" : "test", "_id" : "2" } }</a:t>
-            </a:r>
-          </a:p>
-          <a:p>
-            <a:r>
-              <a:rPr lang="nl-NL" sz="1400" dirty="0">
-                <a:latin typeface="Consolas" panose="020B0609020204030204" pitchFamily="49" charset="0"/>
-                <a:ea typeface="Tahoma" panose="020B0604030504040204" pitchFamily="34" charset="0"/>
-                <a:cs typeface="Tahoma" panose="020B0604030504040204" pitchFamily="34" charset="0"/>
-              </a:rPr>
-              <a:t>{ "create" : { "_index" : "test", "_id" : "3" } }</a:t>
-            </a:r>
-          </a:p>
-          <a:p>
-            <a:r>
-              <a:rPr lang="nl-NL" sz="1400" dirty="0">
-                <a:latin typeface="Consolas" panose="020B0609020204030204" pitchFamily="49" charset="0"/>
-                <a:ea typeface="Tahoma" panose="020B0604030504040204" pitchFamily="34" charset="0"/>
-                <a:cs typeface="Tahoma" panose="020B0604030504040204" pitchFamily="34" charset="0"/>
-              </a:rPr>
-              <a:t>{ "field1" : "value3" }</a:t>
-            </a:r>
-          </a:p>
-          <a:p>
-            <a:r>
-              <a:rPr lang="nl-NL" sz="1400" dirty="0">
-                <a:latin typeface="Consolas" panose="020B0609020204030204" pitchFamily="49" charset="0"/>
-                <a:ea typeface="Tahoma" panose="020B0604030504040204" pitchFamily="34" charset="0"/>
-                <a:cs typeface="Tahoma" panose="020B0604030504040204" pitchFamily="34" charset="0"/>
-              </a:rPr>
-              <a:t>{ "update" : {"_id" : "1", "_index" : "test"} }</a:t>
-            </a:r>
-          </a:p>
-          <a:p>
-            <a:r>
-              <a:rPr lang="nl-NL" sz="1400" dirty="0">
-                <a:latin typeface="Consolas" panose="020B0609020204030204" pitchFamily="49" charset="0"/>
-                <a:ea typeface="Tahoma" panose="020B0604030504040204" pitchFamily="34" charset="0"/>
-                <a:cs typeface="Tahoma" panose="020B0604030504040204" pitchFamily="34" charset="0"/>
-              </a:rPr>
-              <a:t>{ "doc" : {"field2" : "value2"} }</a:t>
-            </a:r>
-          </a:p>
-          <a:p>
-            <a:endParaRPr lang="nl-NL" sz="1400" dirty="0">
-              <a:latin typeface="Consolas" panose="020B0609020204030204" pitchFamily="49" charset="0"/>
-              <a:ea typeface="Tahoma" panose="020B0604030504040204" pitchFamily="34" charset="0"/>
-              <a:cs typeface="Tahoma" panose="020B0604030504040204" pitchFamily="34" charset="0"/>
-            </a:endParaRPr>
-          </a:p>
-          <a:p>
-            <a:endParaRPr lang="en-NL" sz="1400" dirty="0">
-              <a:latin typeface="Consolas" panose="020B0609020204030204" pitchFamily="49" charset="0"/>
-              <a:ea typeface="Tahoma" panose="020B0604030504040204" pitchFamily="34" charset="0"/>
-              <a:cs typeface="Tahoma" panose="020B0604030504040204" pitchFamily="34" charset="0"/>
-            </a:endParaRPr>
-          </a:p>
-          <a:p>
-            <a:endParaRPr lang="en-NL" sz="1400" dirty="0" err="1">
-              <a:latin typeface="Consolas" panose="020B0609020204030204" pitchFamily="49" charset="0"/>
-              <a:ea typeface="Tahoma" panose="020B0604030504040204" pitchFamily="34" charset="0"/>
-              <a:cs typeface="Tahoma" panose="020B0604030504040204" pitchFamily="34" charset="0"/>
-            </a:endParaRPr>
-          </a:p>
-        </p:txBody>
-      </p:sp>
-      <p:sp>
-        <p:nvSpPr>
-          <p:cNvPr id="7" name="TextBox 6">
-            <a:extLst>
-              <a:ext uri="{FF2B5EF4-FFF2-40B4-BE49-F238E27FC236}">
-                <a16:creationId xmlns:a16="http://schemas.microsoft.com/office/drawing/2014/main" id="{75E53D16-0AA1-4E2A-8D91-FEDB96E48304}"/>
-              </a:ext>
-            </a:extLst>
-          </p:cNvPr>
-          <p:cNvSpPr txBox="1"/>
-          <p:nvPr/>
-        </p:nvSpPr>
-        <p:spPr>
-          <a:xfrm>
-            <a:off x="749098" y="1249239"/>
-            <a:ext cx="7559997" cy="646331"/>
-          </a:xfrm>
-          <a:prstGeom prst="rect">
-            <a:avLst/>
-          </a:prstGeom>
-          <a:noFill/>
-        </p:spPr>
-        <p:txBody>
-          <a:bodyPr wrap="square" lIns="0" tIns="0" rIns="0" bIns="0" rtlCol="0">
-            <a:spAutoFit/>
-          </a:bodyPr>
-          <a:lstStyle/>
-          <a:p>
-            <a:r>
-              <a:rPr lang="nl-NL" sz="1400" dirty="0">
-                <a:latin typeface="Consolas" panose="020B0609020204030204" pitchFamily="49" charset="0"/>
-                <a:ea typeface="Tahoma" panose="020B0604030504040204" pitchFamily="34" charset="0"/>
-                <a:cs typeface="Tahoma" panose="020B0604030504040204" pitchFamily="34" charset="0"/>
-              </a:rPr>
-              <a:t>GET http://localhost:9200/recipes/_bulk</a:t>
-            </a:r>
-          </a:p>
-          <a:p>
-            <a:endParaRPr lang="en-NL" sz="1400" dirty="0">
-              <a:latin typeface="Consolas" panose="020B0609020204030204" pitchFamily="49" charset="0"/>
-              <a:ea typeface="Tahoma" panose="020B0604030504040204" pitchFamily="34" charset="0"/>
-              <a:cs typeface="Tahoma" panose="020B0604030504040204" pitchFamily="34" charset="0"/>
-            </a:endParaRPr>
-          </a:p>
-          <a:p>
-            <a:endParaRPr lang="en-NL" sz="1400" dirty="0" err="1">
-              <a:latin typeface="Consolas" panose="020B0609020204030204" pitchFamily="49" charset="0"/>
-              <a:ea typeface="Tahoma" panose="020B0604030504040204" pitchFamily="34" charset="0"/>
-              <a:cs typeface="Tahoma" panose="020B0604030504040204" pitchFamily="34" charset="0"/>
-            </a:endParaRPr>
+          <p:cNvSpPr>
+            <a:spLocks noGrp="1"/>
+          </p:cNvSpPr>
+          <p:nvPr>
+            <p:ph type="body" idx="13"/>
+          </p:nvPr>
+        </p:nvSpPr>
+        <p:spPr/>
+        <p:txBody>
+          <a:bodyPr/>
+          <a:lstStyle/>
+          <a:p>
+            <a:endParaRPr lang="en-NL"/>
           </a:p>
         </p:txBody>
       </p:sp>
     </p:spTree>
     <p:extLst>
       <p:ext uri="{BB962C8B-B14F-4D97-AF65-F5344CB8AC3E}">
-        <p14:creationId xmlns:p14="http://schemas.microsoft.com/office/powerpoint/2010/main" val="2563402049"/>
+        <p14:creationId xmlns:p14="http://schemas.microsoft.com/office/powerpoint/2010/main" val="688021817"/>
       </p:ext>
     </p:extLst>
   </p:cSld>
@@ -11290,13 +11451,7 @@
       </p:grpSpPr>
       <p:sp>
         <p:nvSpPr>
-          <p:cNvPr id="2" name="Title 1">
-            <a:extLst>
-              <a:ext uri="{FF2B5EF4-FFF2-40B4-BE49-F238E27FC236}">
-                <a16:creationId xmlns:a16="http://schemas.microsoft.com/office/drawing/2014/main" id="{B2539C2F-9CB2-4004-9813-5486C4C02F36}"/>
-              </a:ext>
-            </a:extLst>
-          </p:cNvPr>
+          <p:cNvPr id="6" name="Title 5"/>
           <p:cNvSpPr>
             <a:spLocks noGrp="1"/>
           </p:cNvSpPr>
@@ -11309,19 +11464,16 @@
           <a:bodyPr/>
           <a:lstStyle/>
           <a:p>
-            <a:endParaRPr lang="en-NL"/>
-          </a:p>
-        </p:txBody>
-      </p:sp>
-      <p:sp>
-        <p:nvSpPr>
-          <p:cNvPr id="3" name="Content Placeholder 2">
-            <a:extLst>
-              <a:ext uri="{FF2B5EF4-FFF2-40B4-BE49-F238E27FC236}">
-                <a16:creationId xmlns:a16="http://schemas.microsoft.com/office/drawing/2014/main" id="{11B07F90-0113-4617-9F24-C3492B350E28}"/>
-              </a:ext>
-            </a:extLst>
-          </p:cNvPr>
+            <a:r>
+              <a:rPr lang="nl-NL" dirty="0"/>
+              <a:t>Queries </a:t>
+            </a:r>
+          </a:p>
+        </p:txBody>
+      </p:sp>
+      <p:sp>
+        <p:nvSpPr>
+          <p:cNvPr id="7" name="Content Placeholder 6"/>
           <p:cNvSpPr>
             <a:spLocks noGrp="1"/>
           </p:cNvSpPr>
@@ -11334,19 +11486,80 @@
           <a:bodyPr/>
           <a:lstStyle/>
           <a:p>
-            <a:endParaRPr lang="en-NL"/>
-          </a:p>
-        </p:txBody>
-      </p:sp>
-      <p:sp>
-        <p:nvSpPr>
-          <p:cNvPr id="4" name="Footer Placeholder 3">
-            <a:extLst>
-              <a:ext uri="{FF2B5EF4-FFF2-40B4-BE49-F238E27FC236}">
-                <a16:creationId xmlns:a16="http://schemas.microsoft.com/office/drawing/2014/main" id="{4736938F-5FBA-4DCB-ACCB-4E628EC01805}"/>
-              </a:ext>
-            </a:extLst>
-          </p:cNvPr>
+            <a:r>
+              <a:rPr lang="nl-NL" dirty="0"/>
+              <a:t>URL-based or JSON-based requests on the _search REST endpoint</a:t>
+            </a:r>
+          </a:p>
+          <a:p>
+            <a:r>
+              <a:rPr lang="nl-NL" dirty="0"/>
+              <a:t>Search whole cluster or specify index (or type) in the URL</a:t>
+            </a:r>
+          </a:p>
+          <a:p>
+            <a:endParaRPr lang="nl-NL" dirty="0"/>
+          </a:p>
+          <a:p>
+            <a:r>
+              <a:rPr lang="nl-NL" dirty="0"/>
+              <a:t>Common components of request:</a:t>
+            </a:r>
+          </a:p>
+          <a:p>
+            <a:pPr lvl="1"/>
+            <a:r>
+              <a:rPr lang="nl-NL" sz="1400" dirty="0"/>
+              <a:t>query 	- default all</a:t>
+            </a:r>
+          </a:p>
+          <a:p>
+            <a:pPr lvl="1"/>
+            <a:r>
+              <a:rPr lang="nl-NL" sz="1400" dirty="0"/>
+              <a:t>size 	- default 10 </a:t>
+            </a:r>
+          </a:p>
+          <a:p>
+            <a:pPr lvl="1"/>
+            <a:r>
+              <a:rPr lang="nl-NL" sz="1400" dirty="0"/>
+              <a:t>from 	- default 0</a:t>
+            </a:r>
+          </a:p>
+          <a:p>
+            <a:pPr lvl="1"/>
+            <a:r>
+              <a:rPr lang="nl-NL" sz="1400" dirty="0"/>
+              <a:t>_source 	- default all</a:t>
+            </a:r>
+          </a:p>
+          <a:p>
+            <a:pPr lvl="2"/>
+            <a:r>
+              <a:rPr lang="nl-NL" sz="1400" dirty="0"/>
+              <a:t>Specify which fields of the document to return</a:t>
+            </a:r>
+          </a:p>
+          <a:p>
+            <a:pPr lvl="1"/>
+            <a:r>
+              <a:rPr lang="nl-NL" sz="1400" dirty="0"/>
+              <a:t>sort 	- default on score</a:t>
+            </a:r>
+          </a:p>
+          <a:p>
+            <a:pPr lvl="2"/>
+            <a:r>
+              <a:rPr lang="nl-NL" sz="1400" dirty="0"/>
+              <a:t>No score is calculated when score is not included in the sort</a:t>
+            </a:r>
+          </a:p>
+        </p:txBody>
+      </p:sp>
+      <p:sp>
+        <p:nvSpPr>
+          <p:cNvPr id="4" name="Footer Placeholder 3"/>
           <p:cNvSpPr>
             <a:spLocks noGrp="1"/>
           </p:cNvSpPr>
@@ -11360,7 +11573,7 @@
           <a:lstStyle/>
           <a:p>
             <a:r>
-              <a:rPr lang="nl-NL"/>
+              <a:rPr lang="nl-NL" dirty="0"/>
               <a:t>elasticsearch</a:t>
             </a:r>
           </a:p>
@@ -11368,13 +11581,7 @@
       </p:sp>
       <p:sp>
         <p:nvSpPr>
-          <p:cNvPr id="5" name="Slide Number Placeholder 4">
-            <a:extLst>
-              <a:ext uri="{FF2B5EF4-FFF2-40B4-BE49-F238E27FC236}">
-                <a16:creationId xmlns:a16="http://schemas.microsoft.com/office/drawing/2014/main" id="{8AEF4120-5669-4186-A953-A5327753EF64}"/>
-              </a:ext>
-            </a:extLst>
-          </p:cNvPr>
+          <p:cNvPr id="5" name="Slide Number Placeholder 4"/>
           <p:cNvSpPr>
             <a:spLocks noGrp="1"/>
           </p:cNvSpPr>
@@ -11395,35 +11602,10 @@
           </a:p>
         </p:txBody>
       </p:sp>
-      <p:sp>
-        <p:nvSpPr>
-          <p:cNvPr id="6" name="Text Placeholder 5">
-            <a:extLst>
-              <a:ext uri="{FF2B5EF4-FFF2-40B4-BE49-F238E27FC236}">
-                <a16:creationId xmlns:a16="http://schemas.microsoft.com/office/drawing/2014/main" id="{F07795BB-2B65-43B2-98DF-602273C53532}"/>
-              </a:ext>
-            </a:extLst>
-          </p:cNvPr>
-          <p:cNvSpPr>
-            <a:spLocks noGrp="1"/>
-          </p:cNvSpPr>
-          <p:nvPr>
-            <p:ph type="body" idx="13"/>
-          </p:nvPr>
-        </p:nvSpPr>
-        <p:spPr/>
-        <p:txBody>
-          <a:bodyPr/>
-          <a:lstStyle/>
-          <a:p>
-            <a:endParaRPr lang="en-NL"/>
-          </a:p>
-        </p:txBody>
-      </p:sp>
     </p:spTree>
     <p:extLst>
       <p:ext uri="{BB962C8B-B14F-4D97-AF65-F5344CB8AC3E}">
-        <p14:creationId xmlns:p14="http://schemas.microsoft.com/office/powerpoint/2010/main" val="688021817"/>
+        <p14:creationId xmlns:p14="http://schemas.microsoft.com/office/powerpoint/2010/main" val="683142817"/>
       </p:ext>
     </p:extLst>
   </p:cSld>
@@ -11452,189 +11634,6 @@
       </p:grpSpPr>
       <p:sp>
         <p:nvSpPr>
-          <p:cNvPr id="6" name="Title 5"/>
-          <p:cNvSpPr>
-            <a:spLocks noGrp="1"/>
-          </p:cNvSpPr>
-          <p:nvPr>
-            <p:ph type="title"/>
-          </p:nvPr>
-        </p:nvSpPr>
-        <p:spPr/>
-        <p:txBody>
-          <a:bodyPr/>
-          <a:lstStyle/>
-          <a:p>
-            <a:r>
-              <a:rPr lang="nl-NL" dirty="0"/>
-              <a:t>Queries </a:t>
-            </a:r>
-          </a:p>
-        </p:txBody>
-      </p:sp>
-      <p:sp>
-        <p:nvSpPr>
-          <p:cNvPr id="7" name="Content Placeholder 6"/>
-          <p:cNvSpPr>
-            <a:spLocks noGrp="1"/>
-          </p:cNvSpPr>
-          <p:nvPr>
-            <p:ph idx="1"/>
-          </p:nvPr>
-        </p:nvSpPr>
-        <p:spPr/>
-        <p:txBody>
-          <a:bodyPr/>
-          <a:lstStyle/>
-          <a:p>
-            <a:r>
-              <a:rPr lang="nl-NL" dirty="0"/>
-              <a:t>URL-based or JSON-based requests on the _search REST endpoint</a:t>
-            </a:r>
-          </a:p>
-          <a:p>
-            <a:r>
-              <a:rPr lang="nl-NL" dirty="0"/>
-              <a:t>Search whole cluster or specify index (or type) in the URL</a:t>
-            </a:r>
-          </a:p>
-          <a:p>
-            <a:endParaRPr lang="nl-NL" dirty="0"/>
-          </a:p>
-          <a:p>
-            <a:r>
-              <a:rPr lang="nl-NL" dirty="0"/>
-              <a:t>Common components of request:</a:t>
-            </a:r>
-          </a:p>
-          <a:p>
-            <a:pPr lvl="1"/>
-            <a:r>
-              <a:rPr lang="nl-NL" sz="1400" dirty="0"/>
-              <a:t>query 	- default all</a:t>
-            </a:r>
-          </a:p>
-          <a:p>
-            <a:pPr lvl="1"/>
-            <a:r>
-              <a:rPr lang="nl-NL" sz="1400" dirty="0"/>
-              <a:t>size 	- default 10 </a:t>
-            </a:r>
-          </a:p>
-          <a:p>
-            <a:pPr lvl="1"/>
-            <a:r>
-              <a:rPr lang="nl-NL" sz="1400" dirty="0"/>
-              <a:t>from 	- default 0</a:t>
-            </a:r>
-          </a:p>
-          <a:p>
-            <a:pPr lvl="1"/>
-            <a:r>
-              <a:rPr lang="nl-NL" sz="1400" dirty="0"/>
-              <a:t>_source 	- default all</a:t>
-            </a:r>
-          </a:p>
-          <a:p>
-            <a:pPr lvl="2"/>
-            <a:r>
-              <a:rPr lang="nl-NL" sz="1400" dirty="0"/>
-              <a:t>Specify which fields of the document to return</a:t>
-            </a:r>
-          </a:p>
-          <a:p>
-            <a:pPr lvl="1"/>
-            <a:r>
-              <a:rPr lang="nl-NL" sz="1400" dirty="0"/>
-              <a:t>sort 	- default on score</a:t>
-            </a:r>
-          </a:p>
-          <a:p>
-            <a:pPr lvl="2"/>
-            <a:r>
-              <a:rPr lang="nl-NL" sz="1400" dirty="0"/>
-              <a:t>No score is calculated when score is not included in the sort</a:t>
-            </a:r>
-          </a:p>
-        </p:txBody>
-      </p:sp>
-      <p:sp>
-        <p:nvSpPr>
-          <p:cNvPr id="4" name="Footer Placeholder 3"/>
-          <p:cNvSpPr>
-            <a:spLocks noGrp="1"/>
-          </p:cNvSpPr>
-          <p:nvPr>
-            <p:ph type="ftr" sz="quarter" idx="11"/>
-          </p:nvPr>
-        </p:nvSpPr>
-        <p:spPr/>
-        <p:txBody>
-          <a:bodyPr/>
-          <a:lstStyle/>
-          <a:p>
-            <a:r>
-              <a:rPr lang="nl-NL" dirty="0"/>
-              <a:t>elasticsearch</a:t>
-            </a:r>
-          </a:p>
-        </p:txBody>
-      </p:sp>
-      <p:sp>
-        <p:nvSpPr>
-          <p:cNvPr id="5" name="Slide Number Placeholder 4"/>
-          <p:cNvSpPr>
-            <a:spLocks noGrp="1"/>
-          </p:cNvSpPr>
-          <p:nvPr>
-            <p:ph type="sldNum" sz="quarter" idx="12"/>
-          </p:nvPr>
-        </p:nvSpPr>
-        <p:spPr/>
-        <p:txBody>
-          <a:bodyPr/>
-          <a:lstStyle/>
-          <a:p>
-            <a:fld id="{14F1411D-0280-154F-AEAC-4C20B7AA46B2}" type="slidenum">
-              <a:rPr lang="nl-NL" smtClean="0"/>
-              <a:t>25</a:t>
-            </a:fld>
-            <a:endParaRPr lang="nl-NL"/>
-          </a:p>
-        </p:txBody>
-      </p:sp>
-    </p:spTree>
-    <p:extLst>
-      <p:ext uri="{BB962C8B-B14F-4D97-AF65-F5344CB8AC3E}">
-        <p14:creationId xmlns:p14="http://schemas.microsoft.com/office/powerpoint/2010/main" val="683142817"/>
-      </p:ext>
-    </p:extLst>
-  </p:cSld>
-  <p:clrMapOvr>
-    <a:masterClrMapping/>
-  </p:clrMapOvr>
-</p:sld>
-</file>
-
-<file path=ppt/slides/slide26.xml><?xml version="1.0" encoding="utf-8"?>
-<p:sld xmlns:a="http://schemas.openxmlformats.org/drawingml/2006/main" xmlns:r="http://schemas.openxmlformats.org/officeDocument/2006/relationships" xmlns:p="http://schemas.openxmlformats.org/presentationml/2006/main">
-  <p:cSld>
-    <p:spTree>
-      <p:nvGrpSpPr>
-        <p:cNvPr id="1" name=""/>
-        <p:cNvGrpSpPr/>
-        <p:nvPr/>
-      </p:nvGrpSpPr>
-      <p:grpSpPr>
-        <a:xfrm>
-          <a:off x="0" y="0"/>
-          <a:ext cx="0" cy="0"/>
-          <a:chOff x="0" y="0"/>
-          <a:chExt cx="0" cy="0"/>
-        </a:xfrm>
-      </p:grpSpPr>
-      <p:sp>
-        <p:nvSpPr>
           <p:cNvPr id="2" name="Title 1">
             <a:extLst>
               <a:ext uri="{FF2B5EF4-FFF2-40B4-BE49-F238E27FC236}">
@@ -11821,7 +11820,7 @@
           <a:p>
             <a:fld id="{14F1411D-0280-154F-AEAC-4C20B7AA46B2}" type="slidenum">
               <a:rPr lang="nl-NL" smtClean="0"/>
-              <a:t>26</a:t>
+              <a:t>25</a:t>
             </a:fld>
             <a:endParaRPr lang="nl-NL"/>
           </a:p>
@@ -11870,7 +11869,7 @@
 </p:sld>
 </file>
 
-<file path=ppt/slides/slide27.xml><?xml version="1.0" encoding="utf-8"?>
+<file path=ppt/slides/slide26.xml><?xml version="1.0" encoding="utf-8"?>
 <p:sld xmlns:a="http://schemas.openxmlformats.org/drawingml/2006/main" xmlns:r="http://schemas.openxmlformats.org/officeDocument/2006/relationships" xmlns:p="http://schemas.openxmlformats.org/presentationml/2006/main">
   <p:cSld>
     <p:spTree>
@@ -12054,7 +12053,7 @@
           <a:p>
             <a:fld id="{14F1411D-0280-154F-AEAC-4C20B7AA46B2}" type="slidenum">
               <a:rPr lang="nl-NL" smtClean="0"/>
-              <a:t>27</a:t>
+              <a:t>26</a:t>
             </a:fld>
             <a:endParaRPr lang="nl-NL"/>
           </a:p>
@@ -12103,7 +12102,7 @@
 </p:sld>
 </file>
 
-<file path=ppt/slides/slide28.xml><?xml version="1.0" encoding="utf-8"?>
+<file path=ppt/slides/slide27.xml><?xml version="1.0" encoding="utf-8"?>
 <p:sld xmlns:a="http://schemas.openxmlformats.org/drawingml/2006/main" xmlns:r="http://schemas.openxmlformats.org/officeDocument/2006/relationships" xmlns:p="http://schemas.openxmlformats.org/presentationml/2006/main">
   <p:cSld>
     <p:spTree>
@@ -12297,7 +12296,7 @@
           <a:p>
             <a:fld id="{14F1411D-0280-154F-AEAC-4C20B7AA46B2}" type="slidenum">
               <a:rPr lang="nl-NL" smtClean="0"/>
-              <a:t>28</a:t>
+              <a:t>27</a:t>
             </a:fld>
             <a:endParaRPr lang="nl-NL"/>
           </a:p>
@@ -12374,6 +12373,229 @@
 </p:sld>
 </file>
 
+<file path=ppt/slides/slide28.xml><?xml version="1.0" encoding="utf-8"?>
+<p:sld xmlns:a="http://schemas.openxmlformats.org/drawingml/2006/main" xmlns:r="http://schemas.openxmlformats.org/officeDocument/2006/relationships" xmlns:p="http://schemas.openxmlformats.org/presentationml/2006/main">
+  <p:cSld>
+    <p:spTree>
+      <p:nvGrpSpPr>
+        <p:cNvPr id="1" name=""/>
+        <p:cNvGrpSpPr/>
+        <p:nvPr/>
+      </p:nvGrpSpPr>
+      <p:grpSpPr>
+        <a:xfrm>
+          <a:off x="0" y="0"/>
+          <a:ext cx="0" cy="0"/>
+          <a:chOff x="0" y="0"/>
+          <a:chExt cx="0" cy="0"/>
+        </a:xfrm>
+      </p:grpSpPr>
+      <p:sp>
+        <p:nvSpPr>
+          <p:cNvPr id="2" name="Title 1">
+            <a:extLst>
+              <a:ext uri="{FF2B5EF4-FFF2-40B4-BE49-F238E27FC236}">
+                <a16:creationId xmlns:a16="http://schemas.microsoft.com/office/drawing/2014/main" id="{4427163C-56C0-4988-9EBE-D1A1A61F018A}"/>
+              </a:ext>
+            </a:extLst>
+          </p:cNvPr>
+          <p:cNvSpPr>
+            <a:spLocks noGrp="1"/>
+          </p:cNvSpPr>
+          <p:nvPr>
+            <p:ph type="title"/>
+          </p:nvPr>
+        </p:nvSpPr>
+        <p:spPr/>
+        <p:txBody>
+          <a:bodyPr/>
+          <a:lstStyle/>
+          <a:p>
+            <a:r>
+              <a:rPr lang="en-GB" dirty="0"/>
+              <a:t>JSON-based queries – full text queries(1)</a:t>
+            </a:r>
+            <a:endParaRPr lang="en-NL" dirty="0"/>
+          </a:p>
+        </p:txBody>
+      </p:sp>
+      <p:sp>
+        <p:nvSpPr>
+          <p:cNvPr id="3" name="Content Placeholder 2">
+            <a:extLst>
+              <a:ext uri="{FF2B5EF4-FFF2-40B4-BE49-F238E27FC236}">
+                <a16:creationId xmlns:a16="http://schemas.microsoft.com/office/drawing/2014/main" id="{24508C12-EA00-4258-A431-15166DB8847F}"/>
+              </a:ext>
+            </a:extLst>
+          </p:cNvPr>
+          <p:cNvSpPr>
+            <a:spLocks noGrp="1"/>
+          </p:cNvSpPr>
+          <p:nvPr>
+            <p:ph idx="1"/>
+          </p:nvPr>
+        </p:nvSpPr>
+        <p:spPr/>
+        <p:txBody>
+          <a:bodyPr/>
+          <a:lstStyle/>
+          <a:p>
+            <a:r>
+              <a:rPr lang="en-GB" dirty="0"/>
+              <a:t>Search analysed text fields</a:t>
+            </a:r>
+          </a:p>
+          <a:p>
+            <a:r>
+              <a:rPr lang="en-GB" dirty="0"/>
+              <a:t>Query string is analysed in same way as text field</a:t>
+            </a:r>
+          </a:p>
+          <a:p>
+            <a:r>
+              <a:rPr lang="en-GB" dirty="0"/>
+              <a:t>Queries: intervals, match, </a:t>
+            </a:r>
+            <a:r>
+              <a:rPr lang="en-GB" dirty="0" err="1"/>
+              <a:t>match_bool_prefix</a:t>
+            </a:r>
+            <a:r>
+              <a:rPr lang="en-GB" dirty="0"/>
+              <a:t>, </a:t>
+            </a:r>
+            <a:r>
+              <a:rPr lang="en-GB" dirty="0" err="1"/>
+              <a:t>match_phrase</a:t>
+            </a:r>
+            <a:r>
+              <a:rPr lang="en-GB" dirty="0"/>
+              <a:t>, </a:t>
+            </a:r>
+            <a:r>
+              <a:rPr lang="en-GB" dirty="0" err="1"/>
+              <a:t>match_phrase_prefix</a:t>
+            </a:r>
+            <a:r>
+              <a:rPr lang="en-GB" dirty="0"/>
+              <a:t>, </a:t>
+            </a:r>
+            <a:r>
+              <a:rPr lang="en-GB" dirty="0" err="1"/>
+              <a:t>multi_match</a:t>
+            </a:r>
+            <a:r>
+              <a:rPr lang="en-GB" dirty="0"/>
+              <a:t>, common terms (deprecated), </a:t>
+            </a:r>
+            <a:r>
+              <a:rPr lang="en-GB" dirty="0" err="1"/>
+              <a:t>query_string</a:t>
+            </a:r>
+            <a:r>
+              <a:rPr lang="en-GB" dirty="0"/>
+              <a:t>, </a:t>
+            </a:r>
+            <a:r>
+              <a:rPr lang="en-GB" dirty="0" err="1"/>
+              <a:t>simple_query_string</a:t>
+            </a:r>
+            <a:endParaRPr lang="en-GB" dirty="0"/>
+          </a:p>
+          <a:p>
+            <a:endParaRPr lang="en-GB" dirty="0"/>
+          </a:p>
+          <a:p>
+            <a:r>
+              <a:rPr lang="en-GB" dirty="0"/>
+              <a:t>query _string: has the same options and syntax as the q query param in URL-based requests</a:t>
+            </a:r>
+          </a:p>
+          <a:p>
+            <a:r>
+              <a:rPr lang="en-GB" dirty="0" err="1"/>
+              <a:t>simple_query_string</a:t>
+            </a:r>
+            <a:r>
+              <a:rPr lang="en-GB" dirty="0"/>
+              <a:t>: more limited but does not return errors for invalid syntax, ignores it instead</a:t>
+            </a:r>
+          </a:p>
+          <a:p>
+            <a:endParaRPr lang="en-GB" dirty="0"/>
+          </a:p>
+        </p:txBody>
+      </p:sp>
+      <p:sp>
+        <p:nvSpPr>
+          <p:cNvPr id="4" name="Footer Placeholder 3">
+            <a:extLst>
+              <a:ext uri="{FF2B5EF4-FFF2-40B4-BE49-F238E27FC236}">
+                <a16:creationId xmlns:a16="http://schemas.microsoft.com/office/drawing/2014/main" id="{171813CD-D280-45C6-92E1-0561F87F526F}"/>
+              </a:ext>
+            </a:extLst>
+          </p:cNvPr>
+          <p:cNvSpPr>
+            <a:spLocks noGrp="1"/>
+          </p:cNvSpPr>
+          <p:nvPr>
+            <p:ph type="ftr" sz="quarter" idx="11"/>
+          </p:nvPr>
+        </p:nvSpPr>
+        <p:spPr/>
+        <p:txBody>
+          <a:bodyPr/>
+          <a:lstStyle/>
+          <a:p>
+            <a:r>
+              <a:rPr lang="nl-NL"/>
+              <a:t>elasticsearch</a:t>
+            </a:r>
+          </a:p>
+        </p:txBody>
+      </p:sp>
+      <p:sp>
+        <p:nvSpPr>
+          <p:cNvPr id="5" name="Slide Number Placeholder 4">
+            <a:extLst>
+              <a:ext uri="{FF2B5EF4-FFF2-40B4-BE49-F238E27FC236}">
+                <a16:creationId xmlns:a16="http://schemas.microsoft.com/office/drawing/2014/main" id="{11B2E7AC-F0B2-43BF-91B3-56FBA77C6523}"/>
+              </a:ext>
+            </a:extLst>
+          </p:cNvPr>
+          <p:cNvSpPr>
+            <a:spLocks noGrp="1"/>
+          </p:cNvSpPr>
+          <p:nvPr>
+            <p:ph type="sldNum" sz="quarter" idx="12"/>
+          </p:nvPr>
+        </p:nvSpPr>
+        <p:spPr/>
+        <p:txBody>
+          <a:bodyPr/>
+          <a:lstStyle/>
+          <a:p>
+            <a:fld id="{14F1411D-0280-154F-AEAC-4C20B7AA46B2}" type="slidenum">
+              <a:rPr lang="nl-NL" smtClean="0"/>
+              <a:t>28</a:t>
+            </a:fld>
+            <a:endParaRPr lang="nl-NL"/>
+          </a:p>
+        </p:txBody>
+      </p:sp>
+    </p:spTree>
+    <p:extLst>
+      <p:ext uri="{BB962C8B-B14F-4D97-AF65-F5344CB8AC3E}">
+        <p14:creationId xmlns:p14="http://schemas.microsoft.com/office/powerpoint/2010/main" val="311206040"/>
+      </p:ext>
+    </p:extLst>
+  </p:cSld>
+  <p:clrMapOvr>
+    <a:masterClrMapping/>
+  </p:clrMapOvr>
+</p:sld>
+</file>
+
 <file path=ppt/slides/slide29.xml><?xml version="1.0" encoding="utf-8"?>
 <p:sld xmlns:a="http://schemas.openxmlformats.org/drawingml/2006/main" xmlns:r="http://schemas.openxmlformats.org/officeDocument/2006/relationships" xmlns:p="http://schemas.openxmlformats.org/presentationml/2006/main">
   <p:cSld>
@@ -12396,407 +12618,6 @@
           <p:cNvPr id="2" name="Title 1">
             <a:extLst>
               <a:ext uri="{FF2B5EF4-FFF2-40B4-BE49-F238E27FC236}">
-                <a16:creationId xmlns:a16="http://schemas.microsoft.com/office/drawing/2014/main" id="{4427163C-56C0-4988-9EBE-D1A1A61F018A}"/>
-              </a:ext>
-            </a:extLst>
-          </p:cNvPr>
-          <p:cNvSpPr>
-            <a:spLocks noGrp="1"/>
-          </p:cNvSpPr>
-          <p:nvPr>
-            <p:ph type="title"/>
-          </p:nvPr>
-        </p:nvSpPr>
-        <p:spPr/>
-        <p:txBody>
-          <a:bodyPr/>
-          <a:lstStyle/>
-          <a:p>
-            <a:r>
-              <a:rPr lang="en-GB" dirty="0"/>
-              <a:t>JSON-based queries – full text queries(1)</a:t>
-            </a:r>
-            <a:endParaRPr lang="en-NL" dirty="0"/>
-          </a:p>
-        </p:txBody>
-      </p:sp>
-      <p:sp>
-        <p:nvSpPr>
-          <p:cNvPr id="3" name="Content Placeholder 2">
-            <a:extLst>
-              <a:ext uri="{FF2B5EF4-FFF2-40B4-BE49-F238E27FC236}">
-                <a16:creationId xmlns:a16="http://schemas.microsoft.com/office/drawing/2014/main" id="{24508C12-EA00-4258-A431-15166DB8847F}"/>
-              </a:ext>
-            </a:extLst>
-          </p:cNvPr>
-          <p:cNvSpPr>
-            <a:spLocks noGrp="1"/>
-          </p:cNvSpPr>
-          <p:nvPr>
-            <p:ph idx="1"/>
-          </p:nvPr>
-        </p:nvSpPr>
-        <p:spPr/>
-        <p:txBody>
-          <a:bodyPr/>
-          <a:lstStyle/>
-          <a:p>
-            <a:r>
-              <a:rPr lang="en-GB" dirty="0"/>
-              <a:t>Search analysed text fields</a:t>
-            </a:r>
-          </a:p>
-          <a:p>
-            <a:r>
-              <a:rPr lang="en-GB" dirty="0"/>
-              <a:t>Query string is analysed in same way as text field</a:t>
-            </a:r>
-          </a:p>
-          <a:p>
-            <a:r>
-              <a:rPr lang="en-GB" dirty="0"/>
-              <a:t>Queries: intervals, match, </a:t>
-            </a:r>
-            <a:r>
-              <a:rPr lang="en-GB" dirty="0" err="1"/>
-              <a:t>match_bool_prefix</a:t>
-            </a:r>
-            <a:r>
-              <a:rPr lang="en-GB" dirty="0"/>
-              <a:t>, </a:t>
-            </a:r>
-            <a:r>
-              <a:rPr lang="en-GB" dirty="0" err="1"/>
-              <a:t>match_phrase</a:t>
-            </a:r>
-            <a:r>
-              <a:rPr lang="en-GB" dirty="0"/>
-              <a:t>, </a:t>
-            </a:r>
-            <a:r>
-              <a:rPr lang="en-GB" dirty="0" err="1"/>
-              <a:t>match_phrase_prefix</a:t>
-            </a:r>
-            <a:r>
-              <a:rPr lang="en-GB" dirty="0"/>
-              <a:t>, </a:t>
-            </a:r>
-            <a:r>
-              <a:rPr lang="en-GB" dirty="0" err="1"/>
-              <a:t>multi_match</a:t>
-            </a:r>
-            <a:r>
-              <a:rPr lang="en-GB" dirty="0"/>
-              <a:t>, common terms (deprecated), </a:t>
-            </a:r>
-            <a:r>
-              <a:rPr lang="en-GB" dirty="0" err="1"/>
-              <a:t>query_string</a:t>
-            </a:r>
-            <a:r>
-              <a:rPr lang="en-GB" dirty="0"/>
-              <a:t>, </a:t>
-            </a:r>
-            <a:r>
-              <a:rPr lang="en-GB" dirty="0" err="1"/>
-              <a:t>simple_query_string</a:t>
-            </a:r>
-            <a:endParaRPr lang="en-GB" dirty="0"/>
-          </a:p>
-          <a:p>
-            <a:endParaRPr lang="en-GB" dirty="0"/>
-          </a:p>
-          <a:p>
-            <a:r>
-              <a:rPr lang="en-GB" dirty="0"/>
-              <a:t>query _string: has the same options and syntax as the q query param in URL-based requests</a:t>
-            </a:r>
-          </a:p>
-          <a:p>
-            <a:r>
-              <a:rPr lang="en-GB" dirty="0" err="1"/>
-              <a:t>simple_query_string</a:t>
-            </a:r>
-            <a:r>
-              <a:rPr lang="en-GB" dirty="0"/>
-              <a:t>: more limited but does not return errors for invalid syntax, ignores it instead</a:t>
-            </a:r>
-          </a:p>
-          <a:p>
-            <a:endParaRPr lang="en-GB" dirty="0"/>
-          </a:p>
-        </p:txBody>
-      </p:sp>
-      <p:sp>
-        <p:nvSpPr>
-          <p:cNvPr id="4" name="Footer Placeholder 3">
-            <a:extLst>
-              <a:ext uri="{FF2B5EF4-FFF2-40B4-BE49-F238E27FC236}">
-                <a16:creationId xmlns:a16="http://schemas.microsoft.com/office/drawing/2014/main" id="{171813CD-D280-45C6-92E1-0561F87F526F}"/>
-              </a:ext>
-            </a:extLst>
-          </p:cNvPr>
-          <p:cNvSpPr>
-            <a:spLocks noGrp="1"/>
-          </p:cNvSpPr>
-          <p:nvPr>
-            <p:ph type="ftr" sz="quarter" idx="11"/>
-          </p:nvPr>
-        </p:nvSpPr>
-        <p:spPr/>
-        <p:txBody>
-          <a:bodyPr/>
-          <a:lstStyle/>
-          <a:p>
-            <a:r>
-              <a:rPr lang="nl-NL"/>
-              <a:t>elasticsearch</a:t>
-            </a:r>
-          </a:p>
-        </p:txBody>
-      </p:sp>
-      <p:sp>
-        <p:nvSpPr>
-          <p:cNvPr id="5" name="Slide Number Placeholder 4">
-            <a:extLst>
-              <a:ext uri="{FF2B5EF4-FFF2-40B4-BE49-F238E27FC236}">
-                <a16:creationId xmlns:a16="http://schemas.microsoft.com/office/drawing/2014/main" id="{11B2E7AC-F0B2-43BF-91B3-56FBA77C6523}"/>
-              </a:ext>
-            </a:extLst>
-          </p:cNvPr>
-          <p:cNvSpPr>
-            <a:spLocks noGrp="1"/>
-          </p:cNvSpPr>
-          <p:nvPr>
-            <p:ph type="sldNum" sz="quarter" idx="12"/>
-          </p:nvPr>
-        </p:nvSpPr>
-        <p:spPr/>
-        <p:txBody>
-          <a:bodyPr/>
-          <a:lstStyle/>
-          <a:p>
-            <a:fld id="{14F1411D-0280-154F-AEAC-4C20B7AA46B2}" type="slidenum">
-              <a:rPr lang="nl-NL" smtClean="0"/>
-              <a:t>29</a:t>
-            </a:fld>
-            <a:endParaRPr lang="nl-NL"/>
-          </a:p>
-        </p:txBody>
-      </p:sp>
-    </p:spTree>
-    <p:extLst>
-      <p:ext uri="{BB962C8B-B14F-4D97-AF65-F5344CB8AC3E}">
-        <p14:creationId xmlns:p14="http://schemas.microsoft.com/office/powerpoint/2010/main" val="311206040"/>
-      </p:ext>
-    </p:extLst>
-  </p:cSld>
-  <p:clrMapOvr>
-    <a:masterClrMapping/>
-  </p:clrMapOvr>
-</p:sld>
-</file>
-
-<file path=ppt/slides/slide3.xml><?xml version="1.0" encoding="utf-8"?>
-<p:sld xmlns:a="http://schemas.openxmlformats.org/drawingml/2006/main" xmlns:r="http://schemas.openxmlformats.org/officeDocument/2006/relationships" xmlns:p="http://schemas.openxmlformats.org/presentationml/2006/main">
-  <p:cSld>
-    <p:spTree>
-      <p:nvGrpSpPr>
-        <p:cNvPr id="1" name=""/>
-        <p:cNvGrpSpPr/>
-        <p:nvPr/>
-      </p:nvGrpSpPr>
-      <p:grpSpPr>
-        <a:xfrm>
-          <a:off x="0" y="0"/>
-          <a:ext cx="0" cy="0"/>
-          <a:chOff x="0" y="0"/>
-          <a:chExt cx="0" cy="0"/>
-        </a:xfrm>
-      </p:grpSpPr>
-      <p:sp>
-        <p:nvSpPr>
-          <p:cNvPr id="2" name="Title 1"/>
-          <p:cNvSpPr>
-            <a:spLocks noGrp="1"/>
-          </p:cNvSpPr>
-          <p:nvPr>
-            <p:ph type="title"/>
-          </p:nvPr>
-        </p:nvSpPr>
-        <p:spPr/>
-        <p:txBody>
-          <a:bodyPr/>
-          <a:lstStyle/>
-          <a:p>
-            <a:r>
-              <a:rPr lang="nl-NL" dirty="0"/>
-              <a:t>Elasticsearch</a:t>
-            </a:r>
-          </a:p>
-        </p:txBody>
-      </p:sp>
-      <p:sp>
-        <p:nvSpPr>
-          <p:cNvPr id="3" name="Content Placeholder 2"/>
-          <p:cNvSpPr>
-            <a:spLocks noGrp="1"/>
-          </p:cNvSpPr>
-          <p:nvPr>
-            <p:ph idx="1"/>
-          </p:nvPr>
-        </p:nvSpPr>
-        <p:spPr>
-          <a:xfrm>
-            <a:off x="720003" y="907420"/>
-            <a:ext cx="6623999" cy="3808579"/>
-          </a:xfrm>
-        </p:spPr>
-        <p:txBody>
-          <a:bodyPr/>
-          <a:lstStyle/>
-          <a:p>
-            <a:r>
-              <a:rPr lang="nl-NL" dirty="0"/>
-              <a:t>A noSQL search engine for: </a:t>
-            </a:r>
-          </a:p>
-          <a:p>
-            <a:pPr lvl="1"/>
-            <a:r>
-              <a:rPr lang="nl-NL" sz="1400" dirty="0"/>
-              <a:t>Prioritizing data</a:t>
-            </a:r>
-          </a:p>
-          <a:p>
-            <a:pPr lvl="1"/>
-            <a:r>
-              <a:rPr lang="nl-NL" sz="1400" dirty="0"/>
-              <a:t>Searching through (a lot of) data</a:t>
-            </a:r>
-          </a:p>
-          <a:p>
-            <a:pPr lvl="1"/>
-            <a:r>
-              <a:rPr lang="nl-NL" sz="1400" dirty="0"/>
-              <a:t>Filtering data</a:t>
-            </a:r>
-          </a:p>
-          <a:p>
-            <a:pPr lvl="1"/>
-            <a:endParaRPr lang="nl-NL" dirty="0"/>
-          </a:p>
-          <a:p>
-            <a:r>
-              <a:rPr lang="nl-NL" dirty="0"/>
-              <a:t>Can be used as primary storage, but often a different noSQL or SQL database is used</a:t>
-            </a:r>
-          </a:p>
-          <a:p>
-            <a:endParaRPr lang="nl-NL" dirty="0"/>
-          </a:p>
-          <a:p>
-            <a:r>
-              <a:rPr lang="nl-NL" dirty="0"/>
-              <a:t>Part of the ELK stack:</a:t>
-            </a:r>
-          </a:p>
-          <a:p>
-            <a:pPr lvl="1"/>
-            <a:r>
-              <a:rPr lang="nl-NL" sz="1400" dirty="0"/>
-              <a:t>Logstash – for pushing data to elasticsearch</a:t>
-            </a:r>
-          </a:p>
-          <a:p>
-            <a:pPr lvl="1"/>
-            <a:r>
-              <a:rPr lang="nl-NL" sz="1400" dirty="0"/>
-              <a:t>Kibana – webUI for visualizing data</a:t>
-            </a:r>
-          </a:p>
-        </p:txBody>
-      </p:sp>
-      <p:sp>
-        <p:nvSpPr>
-          <p:cNvPr id="4" name="Footer Placeholder 3"/>
-          <p:cNvSpPr>
-            <a:spLocks noGrp="1"/>
-          </p:cNvSpPr>
-          <p:nvPr>
-            <p:ph type="ftr" sz="quarter" idx="11"/>
-          </p:nvPr>
-        </p:nvSpPr>
-        <p:spPr/>
-        <p:txBody>
-          <a:bodyPr/>
-          <a:lstStyle/>
-          <a:p>
-            <a:r>
-              <a:rPr lang="nl-NL" dirty="0"/>
-              <a:t>elasticsearch</a:t>
-            </a:r>
-          </a:p>
-        </p:txBody>
-      </p:sp>
-      <p:sp>
-        <p:nvSpPr>
-          <p:cNvPr id="5" name="Slide Number Placeholder 4"/>
-          <p:cNvSpPr>
-            <a:spLocks noGrp="1"/>
-          </p:cNvSpPr>
-          <p:nvPr>
-            <p:ph type="sldNum" sz="quarter" idx="12"/>
-          </p:nvPr>
-        </p:nvSpPr>
-        <p:spPr/>
-        <p:txBody>
-          <a:bodyPr/>
-          <a:lstStyle/>
-          <a:p>
-            <a:fld id="{14F1411D-0280-154F-AEAC-4C20B7AA46B2}" type="slidenum">
-              <a:rPr lang="nl-NL" smtClean="0"/>
-              <a:t>3</a:t>
-            </a:fld>
-            <a:endParaRPr lang="nl-NL"/>
-          </a:p>
-        </p:txBody>
-      </p:sp>
-    </p:spTree>
-    <p:extLst>
-      <p:ext uri="{BB962C8B-B14F-4D97-AF65-F5344CB8AC3E}">
-        <p14:creationId xmlns:p14="http://schemas.microsoft.com/office/powerpoint/2010/main" val="865352661"/>
-      </p:ext>
-    </p:extLst>
-  </p:cSld>
-  <p:clrMapOvr>
-    <a:masterClrMapping/>
-  </p:clrMapOvr>
-</p:sld>
-</file>
-
-<file path=ppt/slides/slide30.xml><?xml version="1.0" encoding="utf-8"?>
-<p:sld xmlns:a="http://schemas.openxmlformats.org/drawingml/2006/main" xmlns:r="http://schemas.openxmlformats.org/officeDocument/2006/relationships" xmlns:p="http://schemas.openxmlformats.org/presentationml/2006/main">
-  <p:cSld>
-    <p:spTree>
-      <p:nvGrpSpPr>
-        <p:cNvPr id="1" name=""/>
-        <p:cNvGrpSpPr/>
-        <p:nvPr/>
-      </p:nvGrpSpPr>
-      <p:grpSpPr>
-        <a:xfrm>
-          <a:off x="0" y="0"/>
-          <a:ext cx="0" cy="0"/>
-          <a:chOff x="0" y="0"/>
-          <a:chExt cx="0" cy="0"/>
-        </a:xfrm>
-      </p:grpSpPr>
-      <p:sp>
-        <p:nvSpPr>
-          <p:cNvPr id="2" name="Title 1">
-            <a:extLst>
-              <a:ext uri="{FF2B5EF4-FFF2-40B4-BE49-F238E27FC236}">
                 <a16:creationId xmlns:a16="http://schemas.microsoft.com/office/drawing/2014/main" id="{435EE54A-EDB7-44AE-97EE-646026D7E018}"/>
               </a:ext>
             </a:extLst>
@@ -12911,7 +12732,7 @@
           <a:p>
             <a:fld id="{14F1411D-0280-154F-AEAC-4C20B7AA46B2}" type="slidenum">
               <a:rPr lang="nl-NL" smtClean="0"/>
-              <a:t>30</a:t>
+              <a:t>29</a:t>
             </a:fld>
             <a:endParaRPr lang="nl-NL"/>
           </a:p>
@@ -12988,6 +12809,401 @@
 </p:sld>
 </file>
 
+<file path=ppt/slides/slide3.xml><?xml version="1.0" encoding="utf-8"?>
+<p:sld xmlns:a="http://schemas.openxmlformats.org/drawingml/2006/main" xmlns:r="http://schemas.openxmlformats.org/officeDocument/2006/relationships" xmlns:p="http://schemas.openxmlformats.org/presentationml/2006/main">
+  <p:cSld>
+    <p:spTree>
+      <p:nvGrpSpPr>
+        <p:cNvPr id="1" name=""/>
+        <p:cNvGrpSpPr/>
+        <p:nvPr/>
+      </p:nvGrpSpPr>
+      <p:grpSpPr>
+        <a:xfrm>
+          <a:off x="0" y="0"/>
+          <a:ext cx="0" cy="0"/>
+          <a:chOff x="0" y="0"/>
+          <a:chExt cx="0" cy="0"/>
+        </a:xfrm>
+      </p:grpSpPr>
+      <p:sp>
+        <p:nvSpPr>
+          <p:cNvPr id="2" name="Title 1"/>
+          <p:cNvSpPr>
+            <a:spLocks noGrp="1"/>
+          </p:cNvSpPr>
+          <p:nvPr>
+            <p:ph type="title"/>
+          </p:nvPr>
+        </p:nvSpPr>
+        <p:spPr/>
+        <p:txBody>
+          <a:bodyPr/>
+          <a:lstStyle/>
+          <a:p>
+            <a:r>
+              <a:rPr lang="nl-NL" dirty="0"/>
+              <a:t>Elasticsearch</a:t>
+            </a:r>
+          </a:p>
+        </p:txBody>
+      </p:sp>
+      <p:sp>
+        <p:nvSpPr>
+          <p:cNvPr id="3" name="Content Placeholder 2"/>
+          <p:cNvSpPr>
+            <a:spLocks noGrp="1"/>
+          </p:cNvSpPr>
+          <p:nvPr>
+            <p:ph idx="1"/>
+          </p:nvPr>
+        </p:nvSpPr>
+        <p:spPr>
+          <a:xfrm>
+            <a:off x="720003" y="907420"/>
+            <a:ext cx="6623999" cy="3808579"/>
+          </a:xfrm>
+        </p:spPr>
+        <p:txBody>
+          <a:bodyPr/>
+          <a:lstStyle/>
+          <a:p>
+            <a:r>
+              <a:rPr lang="nl-NL" dirty="0"/>
+              <a:t>A noSQL search engine for: </a:t>
+            </a:r>
+          </a:p>
+          <a:p>
+            <a:pPr lvl="1"/>
+            <a:r>
+              <a:rPr lang="nl-NL" sz="1400" dirty="0"/>
+              <a:t>Prioritizing data</a:t>
+            </a:r>
+          </a:p>
+          <a:p>
+            <a:pPr lvl="1"/>
+            <a:r>
+              <a:rPr lang="nl-NL" sz="1400" dirty="0"/>
+              <a:t>Searching through (a lot of) data</a:t>
+            </a:r>
+          </a:p>
+          <a:p>
+            <a:pPr lvl="1"/>
+            <a:r>
+              <a:rPr lang="nl-NL" sz="1400" dirty="0"/>
+              <a:t>Filtering data</a:t>
+            </a:r>
+          </a:p>
+          <a:p>
+            <a:pPr lvl="1"/>
+            <a:endParaRPr lang="nl-NL" dirty="0"/>
+          </a:p>
+          <a:p>
+            <a:r>
+              <a:rPr lang="nl-NL" dirty="0"/>
+              <a:t>Can be used as primary storage, but often a different noSQL or SQL database is used</a:t>
+            </a:r>
+          </a:p>
+          <a:p>
+            <a:endParaRPr lang="nl-NL" dirty="0"/>
+          </a:p>
+          <a:p>
+            <a:r>
+              <a:rPr lang="nl-NL" dirty="0"/>
+              <a:t>Part of the ELK stack:</a:t>
+            </a:r>
+          </a:p>
+          <a:p>
+            <a:pPr lvl="1"/>
+            <a:r>
+              <a:rPr lang="nl-NL" sz="1400" dirty="0"/>
+              <a:t>Logstash – for pushing data to elasticsearch</a:t>
+            </a:r>
+          </a:p>
+          <a:p>
+            <a:pPr lvl="1"/>
+            <a:r>
+              <a:rPr lang="nl-NL" sz="1400" dirty="0"/>
+              <a:t>Kibana – webUI for visualizing data</a:t>
+            </a:r>
+          </a:p>
+        </p:txBody>
+      </p:sp>
+      <p:sp>
+        <p:nvSpPr>
+          <p:cNvPr id="4" name="Footer Placeholder 3"/>
+          <p:cNvSpPr>
+            <a:spLocks noGrp="1"/>
+          </p:cNvSpPr>
+          <p:nvPr>
+            <p:ph type="ftr" sz="quarter" idx="11"/>
+          </p:nvPr>
+        </p:nvSpPr>
+        <p:spPr/>
+        <p:txBody>
+          <a:bodyPr/>
+          <a:lstStyle/>
+          <a:p>
+            <a:r>
+              <a:rPr lang="nl-NL" dirty="0"/>
+              <a:t>elasticsearch</a:t>
+            </a:r>
+          </a:p>
+        </p:txBody>
+      </p:sp>
+      <p:sp>
+        <p:nvSpPr>
+          <p:cNvPr id="5" name="Slide Number Placeholder 4"/>
+          <p:cNvSpPr>
+            <a:spLocks noGrp="1"/>
+          </p:cNvSpPr>
+          <p:nvPr>
+            <p:ph type="sldNum" sz="quarter" idx="12"/>
+          </p:nvPr>
+        </p:nvSpPr>
+        <p:spPr/>
+        <p:txBody>
+          <a:bodyPr/>
+          <a:lstStyle/>
+          <a:p>
+            <a:fld id="{14F1411D-0280-154F-AEAC-4C20B7AA46B2}" type="slidenum">
+              <a:rPr lang="nl-NL" smtClean="0"/>
+              <a:t>3</a:t>
+            </a:fld>
+            <a:endParaRPr lang="nl-NL"/>
+          </a:p>
+        </p:txBody>
+      </p:sp>
+    </p:spTree>
+    <p:extLst>
+      <p:ext uri="{BB962C8B-B14F-4D97-AF65-F5344CB8AC3E}">
+        <p14:creationId xmlns:p14="http://schemas.microsoft.com/office/powerpoint/2010/main" val="865352661"/>
+      </p:ext>
+    </p:extLst>
+  </p:cSld>
+  <p:clrMapOvr>
+    <a:masterClrMapping/>
+  </p:clrMapOvr>
+</p:sld>
+</file>
+
+<file path=ppt/slides/slide30.xml><?xml version="1.0" encoding="utf-8"?>
+<p:sld xmlns:a="http://schemas.openxmlformats.org/drawingml/2006/main" xmlns:r="http://schemas.openxmlformats.org/officeDocument/2006/relationships" xmlns:p="http://schemas.openxmlformats.org/presentationml/2006/main">
+  <p:cSld>
+    <p:spTree>
+      <p:nvGrpSpPr>
+        <p:cNvPr id="1" name=""/>
+        <p:cNvGrpSpPr/>
+        <p:nvPr/>
+      </p:nvGrpSpPr>
+      <p:grpSpPr>
+        <a:xfrm>
+          <a:off x="0" y="0"/>
+          <a:ext cx="0" cy="0"/>
+          <a:chOff x="0" y="0"/>
+          <a:chExt cx="0" cy="0"/>
+        </a:xfrm>
+      </p:grpSpPr>
+      <p:sp>
+        <p:nvSpPr>
+          <p:cNvPr id="2" name="Title 1">
+            <a:extLst>
+              <a:ext uri="{FF2B5EF4-FFF2-40B4-BE49-F238E27FC236}">
+                <a16:creationId xmlns:a16="http://schemas.microsoft.com/office/drawing/2014/main" id="{0A876437-F2FB-4E69-95AD-7906C55BB384}"/>
+              </a:ext>
+            </a:extLst>
+          </p:cNvPr>
+          <p:cNvSpPr>
+            <a:spLocks noGrp="1"/>
+          </p:cNvSpPr>
+          <p:nvPr>
+            <p:ph type="title"/>
+          </p:nvPr>
+        </p:nvSpPr>
+        <p:spPr/>
+        <p:txBody>
+          <a:bodyPr/>
+          <a:lstStyle/>
+          <a:p>
+            <a:r>
+              <a:rPr lang="en-GB" dirty="0"/>
+              <a:t>JSON-based queries – full text queries(3)</a:t>
+            </a:r>
+            <a:endParaRPr lang="en-NL" dirty="0"/>
+          </a:p>
+        </p:txBody>
+      </p:sp>
+      <p:sp>
+        <p:nvSpPr>
+          <p:cNvPr id="3" name="Content Placeholder 2">
+            <a:extLst>
+              <a:ext uri="{FF2B5EF4-FFF2-40B4-BE49-F238E27FC236}">
+                <a16:creationId xmlns:a16="http://schemas.microsoft.com/office/drawing/2014/main" id="{129841FA-08D2-48D3-B2FB-40E294C20F55}"/>
+              </a:ext>
+            </a:extLst>
+          </p:cNvPr>
+          <p:cNvSpPr>
+            <a:spLocks noGrp="1"/>
+          </p:cNvSpPr>
+          <p:nvPr>
+            <p:ph idx="1"/>
+          </p:nvPr>
+        </p:nvSpPr>
+        <p:spPr/>
+        <p:txBody>
+          <a:bodyPr/>
+          <a:lstStyle/>
+          <a:p>
+            <a:r>
+              <a:rPr lang="en-GB" dirty="0" err="1"/>
+              <a:t>match_phrase</a:t>
+            </a:r>
+            <a:r>
+              <a:rPr lang="en-GB" dirty="0"/>
+              <a:t>: match a phrase precisely or provide the “slop” parameter to allow some words in between.</a:t>
+            </a:r>
+          </a:p>
+          <a:p>
+            <a:r>
+              <a:rPr lang="en-GB" dirty="0" err="1"/>
+              <a:t>match_phrase_prefix</a:t>
+            </a:r>
+            <a:r>
+              <a:rPr lang="en-GB" dirty="0"/>
+              <a:t>: last term is treated as prefix, matching any word beginning with that term</a:t>
+            </a:r>
+          </a:p>
+          <a:p>
+            <a:r>
+              <a:rPr lang="en-GB" dirty="0" err="1"/>
+              <a:t>match_bool_prefix</a:t>
+            </a:r>
+            <a:r>
+              <a:rPr lang="en-GB" dirty="0"/>
+              <a:t>: match terms in any position, not in specific order</a:t>
+            </a:r>
+          </a:p>
+          <a:p>
+            <a:endParaRPr lang="en-GB" dirty="0"/>
+          </a:p>
+          <a:p>
+            <a:r>
+              <a:rPr lang="en-GB" dirty="0"/>
+              <a:t>intervals: search documents based on order and proximity of terms</a:t>
+            </a:r>
+          </a:p>
+          <a:p>
+            <a:endParaRPr lang="en-GB" dirty="0"/>
+          </a:p>
+          <a:p>
+            <a:endParaRPr lang="en-GB" dirty="0"/>
+          </a:p>
+          <a:p>
+            <a:endParaRPr lang="nl-NL" sz="1100" dirty="0">
+              <a:hlinkClick r:id="rId2"/>
+            </a:endParaRPr>
+          </a:p>
+          <a:p>
+            <a:endParaRPr lang="nl-NL" sz="1100" dirty="0">
+              <a:hlinkClick r:id="rId2"/>
+            </a:endParaRPr>
+          </a:p>
+          <a:p>
+            <a:endParaRPr lang="nl-NL" sz="1100" dirty="0">
+              <a:hlinkClick r:id="rId2"/>
+            </a:endParaRPr>
+          </a:p>
+          <a:p>
+            <a:endParaRPr lang="nl-NL" sz="1100" dirty="0">
+              <a:hlinkClick r:id="rId2"/>
+            </a:endParaRPr>
+          </a:p>
+          <a:p>
+            <a:endParaRPr lang="nl-NL" sz="1100" dirty="0">
+              <a:hlinkClick r:id="rId2"/>
+            </a:endParaRPr>
+          </a:p>
+          <a:p>
+            <a:r>
+              <a:rPr lang="nl-NL" sz="1100" dirty="0">
+                <a:hlinkClick r:id="rId2"/>
+              </a:rPr>
+              <a:t>https://www.elastic.co/guide/en/elasticsearch/reference/current/full-text-queries.html</a:t>
+            </a:r>
+            <a:endParaRPr lang="en-NL" sz="1100" dirty="0"/>
+          </a:p>
+        </p:txBody>
+      </p:sp>
+      <p:sp>
+        <p:nvSpPr>
+          <p:cNvPr id="4" name="Footer Placeholder 3">
+            <a:extLst>
+              <a:ext uri="{FF2B5EF4-FFF2-40B4-BE49-F238E27FC236}">
+                <a16:creationId xmlns:a16="http://schemas.microsoft.com/office/drawing/2014/main" id="{DE42CBC2-3946-418E-9984-42AB33A6B664}"/>
+              </a:ext>
+            </a:extLst>
+          </p:cNvPr>
+          <p:cNvSpPr>
+            <a:spLocks noGrp="1"/>
+          </p:cNvSpPr>
+          <p:nvPr>
+            <p:ph type="ftr" sz="quarter" idx="11"/>
+          </p:nvPr>
+        </p:nvSpPr>
+        <p:spPr/>
+        <p:txBody>
+          <a:bodyPr/>
+          <a:lstStyle/>
+          <a:p>
+            <a:r>
+              <a:rPr lang="nl-NL"/>
+              <a:t>elasticsearch</a:t>
+            </a:r>
+          </a:p>
+        </p:txBody>
+      </p:sp>
+      <p:sp>
+        <p:nvSpPr>
+          <p:cNvPr id="5" name="Slide Number Placeholder 4">
+            <a:extLst>
+              <a:ext uri="{FF2B5EF4-FFF2-40B4-BE49-F238E27FC236}">
+                <a16:creationId xmlns:a16="http://schemas.microsoft.com/office/drawing/2014/main" id="{69AB646A-BDCC-4ED3-B628-369F043C3DEA}"/>
+              </a:ext>
+            </a:extLst>
+          </p:cNvPr>
+          <p:cNvSpPr>
+            <a:spLocks noGrp="1"/>
+          </p:cNvSpPr>
+          <p:nvPr>
+            <p:ph type="sldNum" sz="quarter" idx="12"/>
+          </p:nvPr>
+        </p:nvSpPr>
+        <p:spPr/>
+        <p:txBody>
+          <a:bodyPr/>
+          <a:lstStyle/>
+          <a:p>
+            <a:fld id="{14F1411D-0280-154F-AEAC-4C20B7AA46B2}" type="slidenum">
+              <a:rPr lang="nl-NL" smtClean="0"/>
+              <a:t>30</a:t>
+            </a:fld>
+            <a:endParaRPr lang="nl-NL"/>
+          </a:p>
+        </p:txBody>
+      </p:sp>
+    </p:spTree>
+    <p:extLst>
+      <p:ext uri="{BB962C8B-B14F-4D97-AF65-F5344CB8AC3E}">
+        <p14:creationId xmlns:p14="http://schemas.microsoft.com/office/powerpoint/2010/main" val="3103263932"/>
+      </p:ext>
+    </p:extLst>
+  </p:cSld>
+  <p:clrMapOvr>
+    <a:masterClrMapping/>
+  </p:clrMapOvr>
+</p:sld>
+</file>
+
 <file path=ppt/slides/slide31.xml><?xml version="1.0" encoding="utf-8"?>
 <p:sld xmlns:a="http://schemas.openxmlformats.org/drawingml/2006/main" xmlns:r="http://schemas.openxmlformats.org/officeDocument/2006/relationships" xmlns:p="http://schemas.openxmlformats.org/presentationml/2006/main">
   <p:cSld>
@@ -13010,7 +13226,7 @@
           <p:cNvPr id="2" name="Title 1">
             <a:extLst>
               <a:ext uri="{FF2B5EF4-FFF2-40B4-BE49-F238E27FC236}">
-                <a16:creationId xmlns:a16="http://schemas.microsoft.com/office/drawing/2014/main" id="{0A876437-F2FB-4E69-95AD-7906C55BB384}"/>
+                <a16:creationId xmlns:a16="http://schemas.microsoft.com/office/drawing/2014/main" id="{7E0C864F-8D7E-4A1F-9FBF-8840FD06DD82}"/>
               </a:ext>
             </a:extLst>
           </p:cNvPr>
@@ -13028,7 +13244,7 @@
           <a:p>
             <a:r>
               <a:rPr lang="en-GB" dirty="0"/>
-              <a:t>JSON-based queries – full text queries(3)</a:t>
+              <a:t>JSON-based queries – compound queries(1)</a:t>
             </a:r>
             <a:endParaRPr lang="en-NL" dirty="0"/>
           </a:p>
@@ -13039,7 +13255,7 @@
           <p:cNvPr id="3" name="Content Placeholder 2">
             <a:extLst>
               <a:ext uri="{FF2B5EF4-FFF2-40B4-BE49-F238E27FC236}">
-                <a16:creationId xmlns:a16="http://schemas.microsoft.com/office/drawing/2014/main" id="{129841FA-08D2-48D3-B2FB-40E294C20F55}"/>
+                <a16:creationId xmlns:a16="http://schemas.microsoft.com/office/drawing/2014/main" id="{2B238913-DCE4-4551-93BE-7D0E5C113D13}"/>
               </a:ext>
             </a:extLst>
           </p:cNvPr>
@@ -13056,82 +13272,93 @@
           <a:lstStyle/>
           <a:p>
             <a:r>
+              <a:rPr lang="en-GB" dirty="0"/>
+              <a:t>Wrap other (compound) queries to combine results, change query behaviour or use a filter</a:t>
+            </a:r>
+          </a:p>
+          <a:p>
+            <a:pPr lvl="1"/>
+            <a:r>
+              <a:rPr lang="en-GB" sz="1400" dirty="0"/>
+              <a:t>No score is calculated for results that are filtered out</a:t>
+            </a:r>
+          </a:p>
+          <a:p>
+            <a:pPr lvl="1"/>
+            <a:r>
+              <a:rPr lang="en-GB" sz="1400" dirty="0"/>
+              <a:t>Often used filters are cached by </a:t>
+            </a:r>
+            <a:r>
+              <a:rPr lang="en-GB" sz="1400" dirty="0" err="1"/>
+              <a:t>elasticsearch</a:t>
+            </a:r>
+            <a:endParaRPr lang="en-GB" sz="1400" dirty="0"/>
+          </a:p>
+          <a:p>
+            <a:r>
+              <a:rPr lang="en-GB" dirty="0"/>
+              <a:t>Queries: bool (</a:t>
+            </a:r>
+            <a:r>
               <a:rPr lang="en-GB" dirty="0" err="1"/>
-              <a:t>match_phrase</a:t>
+              <a:t>boolean</a:t>
             </a:r>
             <a:r>
               <a:rPr lang="en-GB" dirty="0"/>
-              <a:t>: match a phrase precisely or provide the “slop” parameter to allow some words in between.</a:t>
-            </a:r>
-          </a:p>
-          <a:p>
+              <a:t>), boosting, </a:t>
+            </a:r>
             <a:r>
               <a:rPr lang="en-GB" dirty="0" err="1"/>
-              <a:t>match_phrase_prefix</a:t>
+              <a:t>constant_score</a:t>
             </a:r>
             <a:r>
               <a:rPr lang="en-GB" dirty="0"/>
-              <a:t>: last term is treated as prefix, matching any word beginning with that term</a:t>
-            </a:r>
-          </a:p>
-          <a:p>
+              <a:t>, </a:t>
+            </a:r>
             <a:r>
               <a:rPr lang="en-GB" dirty="0" err="1"/>
-              <a:t>match_bool_prefix</a:t>
+              <a:t>dis_max</a:t>
             </a:r>
             <a:r>
               <a:rPr lang="en-GB" dirty="0"/>
-              <a:t>: match terms in any position, not in specific order</a:t>
-            </a:r>
-          </a:p>
-          <a:p>
+              <a:t> (disjunction max), </a:t>
+            </a:r>
+            <a:r>
+              <a:rPr lang="en-GB" dirty="0" err="1"/>
+              <a:t>function_score</a:t>
+            </a:r>
             <a:endParaRPr lang="en-GB" dirty="0"/>
           </a:p>
           <a:p>
+            <a:endParaRPr lang="en-GB" dirty="0"/>
+          </a:p>
+          <a:p>
             <a:r>
               <a:rPr lang="en-GB" dirty="0"/>
-              <a:t>intervals: search documents based on order and proximity of terms</a:t>
-            </a:r>
-          </a:p>
-          <a:p>
+              <a:t>For manipulating scores: boosting, </a:t>
+            </a:r>
+            <a:r>
+              <a:rPr lang="en-GB" dirty="0" err="1"/>
+              <a:t>constant_score</a:t>
+            </a:r>
+            <a:r>
+              <a:rPr lang="en-GB" dirty="0"/>
+              <a:t>, </a:t>
+            </a:r>
+            <a:r>
+              <a:rPr lang="en-GB" dirty="0" err="1"/>
+              <a:t>dis_max</a:t>
+            </a:r>
+            <a:r>
+              <a:rPr lang="en-GB" dirty="0"/>
+              <a:t>, and </a:t>
+            </a:r>
+            <a:r>
+              <a:rPr lang="en-GB" dirty="0" err="1"/>
+              <a:t>function_score</a:t>
+            </a:r>
             <a:endParaRPr lang="en-GB" dirty="0"/>
-          </a:p>
-          <a:p>
-            <a:endParaRPr lang="en-GB" dirty="0"/>
-          </a:p>
-          <a:p>
-            <a:endParaRPr lang="nl-NL" sz="1100" dirty="0">
-              <a:hlinkClick r:id="rId2"/>
-            </a:endParaRPr>
-          </a:p>
-          <a:p>
-            <a:endParaRPr lang="nl-NL" sz="1100" dirty="0">
-              <a:hlinkClick r:id="rId2"/>
-            </a:endParaRPr>
-          </a:p>
-          <a:p>
-            <a:endParaRPr lang="nl-NL" sz="1100" dirty="0">
-              <a:hlinkClick r:id="rId2"/>
-            </a:endParaRPr>
-          </a:p>
-          <a:p>
-            <a:endParaRPr lang="nl-NL" sz="1100" dirty="0">
-              <a:hlinkClick r:id="rId2"/>
-            </a:endParaRPr>
-          </a:p>
-          <a:p>
-            <a:endParaRPr lang="nl-NL" sz="1100" dirty="0">
-              <a:hlinkClick r:id="rId2"/>
-            </a:endParaRPr>
-          </a:p>
-          <a:p>
-            <a:r>
-              <a:rPr lang="nl-NL" sz="1100" dirty="0">
-                <a:hlinkClick r:id="rId2"/>
-              </a:rPr>
-              <a:t>https://www.elastic.co/guide/en/elasticsearch/reference/current/full-text-queries.html</a:t>
-            </a:r>
-            <a:endParaRPr lang="en-NL" sz="1100" dirty="0"/>
           </a:p>
         </p:txBody>
       </p:sp>
@@ -13140,7 +13367,7 @@
           <p:cNvPr id="4" name="Footer Placeholder 3">
             <a:extLst>
               <a:ext uri="{FF2B5EF4-FFF2-40B4-BE49-F238E27FC236}">
-                <a16:creationId xmlns:a16="http://schemas.microsoft.com/office/drawing/2014/main" id="{DE42CBC2-3946-418E-9984-42AB33A6B664}"/>
+                <a16:creationId xmlns:a16="http://schemas.microsoft.com/office/drawing/2014/main" id="{F1690C5F-F470-4B05-AB59-CBE30FDE51F0}"/>
               </a:ext>
             </a:extLst>
           </p:cNvPr>
@@ -13168,7 +13395,7 @@
           <p:cNvPr id="5" name="Slide Number Placeholder 4">
             <a:extLst>
               <a:ext uri="{FF2B5EF4-FFF2-40B4-BE49-F238E27FC236}">
-                <a16:creationId xmlns:a16="http://schemas.microsoft.com/office/drawing/2014/main" id="{69AB646A-BDCC-4ED3-B628-369F043C3DEA}"/>
+                <a16:creationId xmlns:a16="http://schemas.microsoft.com/office/drawing/2014/main" id="{1A34282B-2261-48E1-834B-16C626B887A4}"/>
               </a:ext>
             </a:extLst>
           </p:cNvPr>
@@ -13195,7 +13422,7 @@
     </p:spTree>
     <p:extLst>
       <p:ext uri="{BB962C8B-B14F-4D97-AF65-F5344CB8AC3E}">
-        <p14:creationId xmlns:p14="http://schemas.microsoft.com/office/powerpoint/2010/main" val="3103263932"/>
+        <p14:creationId xmlns:p14="http://schemas.microsoft.com/office/powerpoint/2010/main" val="2152417423"/>
       </p:ext>
     </p:extLst>
   </p:cSld>
@@ -13227,234 +13454,6 @@
           <p:cNvPr id="2" name="Title 1">
             <a:extLst>
               <a:ext uri="{FF2B5EF4-FFF2-40B4-BE49-F238E27FC236}">
-                <a16:creationId xmlns:a16="http://schemas.microsoft.com/office/drawing/2014/main" id="{7E0C864F-8D7E-4A1F-9FBF-8840FD06DD82}"/>
-              </a:ext>
-            </a:extLst>
-          </p:cNvPr>
-          <p:cNvSpPr>
-            <a:spLocks noGrp="1"/>
-          </p:cNvSpPr>
-          <p:nvPr>
-            <p:ph type="title"/>
-          </p:nvPr>
-        </p:nvSpPr>
-        <p:spPr/>
-        <p:txBody>
-          <a:bodyPr/>
-          <a:lstStyle/>
-          <a:p>
-            <a:r>
-              <a:rPr lang="en-GB" dirty="0"/>
-              <a:t>JSON-based queries – compound queries(1)</a:t>
-            </a:r>
-            <a:endParaRPr lang="en-NL" dirty="0"/>
-          </a:p>
-        </p:txBody>
-      </p:sp>
-      <p:sp>
-        <p:nvSpPr>
-          <p:cNvPr id="3" name="Content Placeholder 2">
-            <a:extLst>
-              <a:ext uri="{FF2B5EF4-FFF2-40B4-BE49-F238E27FC236}">
-                <a16:creationId xmlns:a16="http://schemas.microsoft.com/office/drawing/2014/main" id="{2B238913-DCE4-4551-93BE-7D0E5C113D13}"/>
-              </a:ext>
-            </a:extLst>
-          </p:cNvPr>
-          <p:cNvSpPr>
-            <a:spLocks noGrp="1"/>
-          </p:cNvSpPr>
-          <p:nvPr>
-            <p:ph idx="1"/>
-          </p:nvPr>
-        </p:nvSpPr>
-        <p:spPr/>
-        <p:txBody>
-          <a:bodyPr/>
-          <a:lstStyle/>
-          <a:p>
-            <a:r>
-              <a:rPr lang="en-GB" dirty="0"/>
-              <a:t>Wrap other (compound) queries to combine results, change query behaviour or use a filter</a:t>
-            </a:r>
-          </a:p>
-          <a:p>
-            <a:pPr lvl="1"/>
-            <a:r>
-              <a:rPr lang="en-GB" sz="1400" dirty="0"/>
-              <a:t>No score is calculated for results that are filtered out</a:t>
-            </a:r>
-          </a:p>
-          <a:p>
-            <a:pPr lvl="1"/>
-            <a:r>
-              <a:rPr lang="en-GB" sz="1400" dirty="0"/>
-              <a:t>Often used filters are cached by </a:t>
-            </a:r>
-            <a:r>
-              <a:rPr lang="en-GB" sz="1400" dirty="0" err="1"/>
-              <a:t>elasticsearch</a:t>
-            </a:r>
-            <a:endParaRPr lang="en-GB" sz="1400" dirty="0"/>
-          </a:p>
-          <a:p>
-            <a:r>
-              <a:rPr lang="en-GB" dirty="0"/>
-              <a:t>Queries: bool (</a:t>
-            </a:r>
-            <a:r>
-              <a:rPr lang="en-GB" dirty="0" err="1"/>
-              <a:t>boolean</a:t>
-            </a:r>
-            <a:r>
-              <a:rPr lang="en-GB" dirty="0"/>
-              <a:t>), boosting, </a:t>
-            </a:r>
-            <a:r>
-              <a:rPr lang="en-GB" dirty="0" err="1"/>
-              <a:t>constant_score</a:t>
-            </a:r>
-            <a:r>
-              <a:rPr lang="en-GB" dirty="0"/>
-              <a:t>, </a:t>
-            </a:r>
-            <a:r>
-              <a:rPr lang="en-GB" dirty="0" err="1"/>
-              <a:t>dis_max</a:t>
-            </a:r>
-            <a:r>
-              <a:rPr lang="en-GB" dirty="0"/>
-              <a:t> (disjunction max), </a:t>
-            </a:r>
-            <a:r>
-              <a:rPr lang="en-GB" dirty="0" err="1"/>
-              <a:t>function_score</a:t>
-            </a:r>
-            <a:endParaRPr lang="en-GB" dirty="0"/>
-          </a:p>
-          <a:p>
-            <a:endParaRPr lang="en-GB" dirty="0"/>
-          </a:p>
-          <a:p>
-            <a:r>
-              <a:rPr lang="en-GB" dirty="0"/>
-              <a:t>For manipulating scores: boosting, </a:t>
-            </a:r>
-            <a:r>
-              <a:rPr lang="en-GB" dirty="0" err="1"/>
-              <a:t>constant_score</a:t>
-            </a:r>
-            <a:r>
-              <a:rPr lang="en-GB" dirty="0"/>
-              <a:t>, </a:t>
-            </a:r>
-            <a:r>
-              <a:rPr lang="en-GB" dirty="0" err="1"/>
-              <a:t>dis_max</a:t>
-            </a:r>
-            <a:r>
-              <a:rPr lang="en-GB" dirty="0"/>
-              <a:t>, and </a:t>
-            </a:r>
-            <a:r>
-              <a:rPr lang="en-GB" dirty="0" err="1"/>
-              <a:t>function_score</a:t>
-            </a:r>
-            <a:endParaRPr lang="en-GB" dirty="0"/>
-          </a:p>
-        </p:txBody>
-      </p:sp>
-      <p:sp>
-        <p:nvSpPr>
-          <p:cNvPr id="4" name="Footer Placeholder 3">
-            <a:extLst>
-              <a:ext uri="{FF2B5EF4-FFF2-40B4-BE49-F238E27FC236}">
-                <a16:creationId xmlns:a16="http://schemas.microsoft.com/office/drawing/2014/main" id="{F1690C5F-F470-4B05-AB59-CBE30FDE51F0}"/>
-              </a:ext>
-            </a:extLst>
-          </p:cNvPr>
-          <p:cNvSpPr>
-            <a:spLocks noGrp="1"/>
-          </p:cNvSpPr>
-          <p:nvPr>
-            <p:ph type="ftr" sz="quarter" idx="11"/>
-          </p:nvPr>
-        </p:nvSpPr>
-        <p:spPr/>
-        <p:txBody>
-          <a:bodyPr/>
-          <a:lstStyle/>
-          <a:p>
-            <a:r>
-              <a:rPr lang="nl-NL"/>
-              <a:t>elasticsearch</a:t>
-            </a:r>
-          </a:p>
-        </p:txBody>
-      </p:sp>
-      <p:sp>
-        <p:nvSpPr>
-          <p:cNvPr id="5" name="Slide Number Placeholder 4">
-            <a:extLst>
-              <a:ext uri="{FF2B5EF4-FFF2-40B4-BE49-F238E27FC236}">
-                <a16:creationId xmlns:a16="http://schemas.microsoft.com/office/drawing/2014/main" id="{1A34282B-2261-48E1-834B-16C626B887A4}"/>
-              </a:ext>
-            </a:extLst>
-          </p:cNvPr>
-          <p:cNvSpPr>
-            <a:spLocks noGrp="1"/>
-          </p:cNvSpPr>
-          <p:nvPr>
-            <p:ph type="sldNum" sz="quarter" idx="12"/>
-          </p:nvPr>
-        </p:nvSpPr>
-        <p:spPr/>
-        <p:txBody>
-          <a:bodyPr/>
-          <a:lstStyle/>
-          <a:p>
-            <a:fld id="{14F1411D-0280-154F-AEAC-4C20B7AA46B2}" type="slidenum">
-              <a:rPr lang="nl-NL" smtClean="0"/>
-              <a:t>32</a:t>
-            </a:fld>
-            <a:endParaRPr lang="nl-NL"/>
-          </a:p>
-        </p:txBody>
-      </p:sp>
-    </p:spTree>
-    <p:extLst>
-      <p:ext uri="{BB962C8B-B14F-4D97-AF65-F5344CB8AC3E}">
-        <p14:creationId xmlns:p14="http://schemas.microsoft.com/office/powerpoint/2010/main" val="2152417423"/>
-      </p:ext>
-    </p:extLst>
-  </p:cSld>
-  <p:clrMapOvr>
-    <a:masterClrMapping/>
-  </p:clrMapOvr>
-</p:sld>
-</file>
-
-<file path=ppt/slides/slide33.xml><?xml version="1.0" encoding="utf-8"?>
-<p:sld xmlns:a="http://schemas.openxmlformats.org/drawingml/2006/main" xmlns:r="http://schemas.openxmlformats.org/officeDocument/2006/relationships" xmlns:p="http://schemas.openxmlformats.org/presentationml/2006/main">
-  <p:cSld>
-    <p:spTree>
-      <p:nvGrpSpPr>
-        <p:cNvPr id="1" name=""/>
-        <p:cNvGrpSpPr/>
-        <p:nvPr/>
-      </p:nvGrpSpPr>
-      <p:grpSpPr>
-        <a:xfrm>
-          <a:off x="0" y="0"/>
-          <a:ext cx="0" cy="0"/>
-          <a:chOff x="0" y="0"/>
-          <a:chExt cx="0" cy="0"/>
-        </a:xfrm>
-      </p:grpSpPr>
-      <p:sp>
-        <p:nvSpPr>
-          <p:cNvPr id="2" name="Title 1">
-            <a:extLst>
-              <a:ext uri="{FF2B5EF4-FFF2-40B4-BE49-F238E27FC236}">
                 <a16:creationId xmlns:a16="http://schemas.microsoft.com/office/drawing/2014/main" id="{E3757799-83EA-4342-8812-939E96764E4D}"/>
               </a:ext>
             </a:extLst>
@@ -13639,7 +13638,7 @@
           <a:p>
             <a:fld id="{14F1411D-0280-154F-AEAC-4C20B7AA46B2}" type="slidenum">
               <a:rPr lang="nl-NL" smtClean="0"/>
-              <a:t>33</a:t>
+              <a:t>32</a:t>
             </a:fld>
             <a:endParaRPr lang="nl-NL"/>
           </a:p>
@@ -13690,6 +13689,201 @@
 </p:sld>
 </file>
 
+<file path=ppt/slides/slide33.xml><?xml version="1.0" encoding="utf-8"?>
+<p:sld xmlns:a="http://schemas.openxmlformats.org/drawingml/2006/main" xmlns:r="http://schemas.openxmlformats.org/officeDocument/2006/relationships" xmlns:p="http://schemas.openxmlformats.org/presentationml/2006/main">
+  <p:cSld>
+    <p:spTree>
+      <p:nvGrpSpPr>
+        <p:cNvPr id="1" name=""/>
+        <p:cNvGrpSpPr/>
+        <p:nvPr/>
+      </p:nvGrpSpPr>
+      <p:grpSpPr>
+        <a:xfrm>
+          <a:off x="0" y="0"/>
+          <a:ext cx="0" cy="0"/>
+          <a:chOff x="0" y="0"/>
+          <a:chExt cx="0" cy="0"/>
+        </a:xfrm>
+      </p:grpSpPr>
+      <p:sp>
+        <p:nvSpPr>
+          <p:cNvPr id="2" name="Title 1">
+            <a:extLst>
+              <a:ext uri="{FF2B5EF4-FFF2-40B4-BE49-F238E27FC236}">
+                <a16:creationId xmlns:a16="http://schemas.microsoft.com/office/drawing/2014/main" id="{1662735F-2B1F-4D0C-AF2E-7A0BE04E0042}"/>
+              </a:ext>
+            </a:extLst>
+          </p:cNvPr>
+          <p:cNvSpPr>
+            <a:spLocks noGrp="1"/>
+          </p:cNvSpPr>
+          <p:nvPr>
+            <p:ph type="title"/>
+          </p:nvPr>
+        </p:nvSpPr>
+        <p:spPr/>
+        <p:txBody>
+          <a:bodyPr/>
+          <a:lstStyle/>
+          <a:p>
+            <a:r>
+              <a:rPr lang="en-GB" dirty="0"/>
+              <a:t>JSON-based queries – other queries </a:t>
+            </a:r>
+            <a:endParaRPr lang="en-NL" dirty="0"/>
+          </a:p>
+        </p:txBody>
+      </p:sp>
+      <p:sp>
+        <p:nvSpPr>
+          <p:cNvPr id="3" name="Content Placeholder 2">
+            <a:extLst>
+              <a:ext uri="{FF2B5EF4-FFF2-40B4-BE49-F238E27FC236}">
+                <a16:creationId xmlns:a16="http://schemas.microsoft.com/office/drawing/2014/main" id="{6483CDA8-7360-461B-A0CE-5F9ED7C1EF07}"/>
+              </a:ext>
+            </a:extLst>
+          </p:cNvPr>
+          <p:cNvSpPr>
+            <a:spLocks noGrp="1"/>
+          </p:cNvSpPr>
+          <p:nvPr>
+            <p:ph idx="1"/>
+          </p:nvPr>
+        </p:nvSpPr>
+        <p:spPr/>
+        <p:txBody>
+          <a:bodyPr/>
+          <a:lstStyle/>
+          <a:p>
+            <a:r>
+              <a:rPr lang="en-GB" dirty="0"/>
+              <a:t>Geo queries: query on geo points or shapes</a:t>
+            </a:r>
+          </a:p>
+          <a:p>
+            <a:r>
+              <a:rPr lang="en-GB" dirty="0"/>
+              <a:t>Shape queries: query two dimensional shapes</a:t>
+            </a:r>
+          </a:p>
+          <a:p>
+            <a:r>
+              <a:rPr lang="en-GB" dirty="0"/>
+              <a:t>Joining queries: query nested data and parent-child relationships</a:t>
+            </a:r>
+          </a:p>
+          <a:p>
+            <a:r>
+              <a:rPr lang="en-GB" dirty="0"/>
+              <a:t>span queries: low-level positional queries, very specific control over order and proximity of terms</a:t>
+            </a:r>
+          </a:p>
+          <a:p>
+            <a:r>
+              <a:rPr lang="en-GB" dirty="0"/>
+              <a:t>Specialized queries: do not fit in other groups</a:t>
+            </a:r>
+          </a:p>
+          <a:p>
+            <a:endParaRPr lang="en-GB" dirty="0"/>
+          </a:p>
+          <a:p>
+            <a:endParaRPr lang="en-GB" dirty="0"/>
+          </a:p>
+          <a:p>
+            <a:endParaRPr lang="en-GB" dirty="0"/>
+          </a:p>
+          <a:p>
+            <a:endParaRPr lang="en-GB" dirty="0"/>
+          </a:p>
+          <a:p>
+            <a:endParaRPr lang="en-GB" dirty="0"/>
+          </a:p>
+          <a:p>
+            <a:endParaRPr lang="en-GB" dirty="0"/>
+          </a:p>
+          <a:p>
+            <a:r>
+              <a:rPr lang="nl-NL" sz="1100" dirty="0">
+                <a:hlinkClick r:id="rId2"/>
+              </a:rPr>
+              <a:t>https://www.elastic.co/guide/en/elasticsearch/reference/current/query-dsl.html</a:t>
+            </a:r>
+            <a:endParaRPr lang="en-GB" sz="1100" dirty="0"/>
+          </a:p>
+        </p:txBody>
+      </p:sp>
+      <p:sp>
+        <p:nvSpPr>
+          <p:cNvPr id="4" name="Footer Placeholder 3">
+            <a:extLst>
+              <a:ext uri="{FF2B5EF4-FFF2-40B4-BE49-F238E27FC236}">
+                <a16:creationId xmlns:a16="http://schemas.microsoft.com/office/drawing/2014/main" id="{3BFE5A87-9EFF-47B0-BE3A-17205E9C81C9}"/>
+              </a:ext>
+            </a:extLst>
+          </p:cNvPr>
+          <p:cNvSpPr>
+            <a:spLocks noGrp="1"/>
+          </p:cNvSpPr>
+          <p:nvPr>
+            <p:ph type="ftr" sz="quarter" idx="11"/>
+          </p:nvPr>
+        </p:nvSpPr>
+        <p:spPr/>
+        <p:txBody>
+          <a:bodyPr/>
+          <a:lstStyle/>
+          <a:p>
+            <a:r>
+              <a:rPr lang="nl-NL"/>
+              <a:t>elasticsearch</a:t>
+            </a:r>
+          </a:p>
+        </p:txBody>
+      </p:sp>
+      <p:sp>
+        <p:nvSpPr>
+          <p:cNvPr id="5" name="Slide Number Placeholder 4">
+            <a:extLst>
+              <a:ext uri="{FF2B5EF4-FFF2-40B4-BE49-F238E27FC236}">
+                <a16:creationId xmlns:a16="http://schemas.microsoft.com/office/drawing/2014/main" id="{D6997ABD-B758-4682-8D8C-D59BDB019EF1}"/>
+              </a:ext>
+            </a:extLst>
+          </p:cNvPr>
+          <p:cNvSpPr>
+            <a:spLocks noGrp="1"/>
+          </p:cNvSpPr>
+          <p:nvPr>
+            <p:ph type="sldNum" sz="quarter" idx="12"/>
+          </p:nvPr>
+        </p:nvSpPr>
+        <p:spPr/>
+        <p:txBody>
+          <a:bodyPr/>
+          <a:lstStyle/>
+          <a:p>
+            <a:fld id="{14F1411D-0280-154F-AEAC-4C20B7AA46B2}" type="slidenum">
+              <a:rPr lang="nl-NL" smtClean="0"/>
+              <a:t>33</a:t>
+            </a:fld>
+            <a:endParaRPr lang="nl-NL"/>
+          </a:p>
+        </p:txBody>
+      </p:sp>
+    </p:spTree>
+    <p:extLst>
+      <p:ext uri="{BB962C8B-B14F-4D97-AF65-F5344CB8AC3E}">
+        <p14:creationId xmlns:p14="http://schemas.microsoft.com/office/powerpoint/2010/main" val="3384597766"/>
+      </p:ext>
+    </p:extLst>
+  </p:cSld>
+  <p:clrMapOvr>
+    <a:masterClrMapping/>
+  </p:clrMapOvr>
+</p:sld>
+</file>
+
 <file path=ppt/slides/slide34.xml><?xml version="1.0" encoding="utf-8"?>
 <p:sld xmlns:a="http://schemas.openxmlformats.org/drawingml/2006/main" xmlns:r="http://schemas.openxmlformats.org/officeDocument/2006/relationships" xmlns:p="http://schemas.openxmlformats.org/presentationml/2006/main">
   <p:cSld>
@@ -13712,201 +13906,6 @@
           <p:cNvPr id="2" name="Title 1">
             <a:extLst>
               <a:ext uri="{FF2B5EF4-FFF2-40B4-BE49-F238E27FC236}">
-                <a16:creationId xmlns:a16="http://schemas.microsoft.com/office/drawing/2014/main" id="{1662735F-2B1F-4D0C-AF2E-7A0BE04E0042}"/>
-              </a:ext>
-            </a:extLst>
-          </p:cNvPr>
-          <p:cNvSpPr>
-            <a:spLocks noGrp="1"/>
-          </p:cNvSpPr>
-          <p:nvPr>
-            <p:ph type="title"/>
-          </p:nvPr>
-        </p:nvSpPr>
-        <p:spPr/>
-        <p:txBody>
-          <a:bodyPr/>
-          <a:lstStyle/>
-          <a:p>
-            <a:r>
-              <a:rPr lang="en-GB" dirty="0"/>
-              <a:t>JSON-based queries – other queries </a:t>
-            </a:r>
-            <a:endParaRPr lang="en-NL" dirty="0"/>
-          </a:p>
-        </p:txBody>
-      </p:sp>
-      <p:sp>
-        <p:nvSpPr>
-          <p:cNvPr id="3" name="Content Placeholder 2">
-            <a:extLst>
-              <a:ext uri="{FF2B5EF4-FFF2-40B4-BE49-F238E27FC236}">
-                <a16:creationId xmlns:a16="http://schemas.microsoft.com/office/drawing/2014/main" id="{6483CDA8-7360-461B-A0CE-5F9ED7C1EF07}"/>
-              </a:ext>
-            </a:extLst>
-          </p:cNvPr>
-          <p:cNvSpPr>
-            <a:spLocks noGrp="1"/>
-          </p:cNvSpPr>
-          <p:nvPr>
-            <p:ph idx="1"/>
-          </p:nvPr>
-        </p:nvSpPr>
-        <p:spPr/>
-        <p:txBody>
-          <a:bodyPr/>
-          <a:lstStyle/>
-          <a:p>
-            <a:r>
-              <a:rPr lang="en-GB" dirty="0"/>
-              <a:t>Geo queries: query on geo points or shapes</a:t>
-            </a:r>
-          </a:p>
-          <a:p>
-            <a:r>
-              <a:rPr lang="en-GB" dirty="0"/>
-              <a:t>Shape queries: query two dimensional shapes</a:t>
-            </a:r>
-          </a:p>
-          <a:p>
-            <a:r>
-              <a:rPr lang="en-GB" dirty="0"/>
-              <a:t>Joining queries: query nested data and parent-child relationships</a:t>
-            </a:r>
-          </a:p>
-          <a:p>
-            <a:r>
-              <a:rPr lang="en-GB" dirty="0"/>
-              <a:t>span queries: low-level positional queries, very specific control over order and proximity of terms</a:t>
-            </a:r>
-          </a:p>
-          <a:p>
-            <a:r>
-              <a:rPr lang="en-GB" dirty="0"/>
-              <a:t>Specialized queries: do not fit in other groups</a:t>
-            </a:r>
-          </a:p>
-          <a:p>
-            <a:endParaRPr lang="en-GB" dirty="0"/>
-          </a:p>
-          <a:p>
-            <a:endParaRPr lang="en-GB" dirty="0"/>
-          </a:p>
-          <a:p>
-            <a:endParaRPr lang="en-GB" dirty="0"/>
-          </a:p>
-          <a:p>
-            <a:endParaRPr lang="en-GB" dirty="0"/>
-          </a:p>
-          <a:p>
-            <a:endParaRPr lang="en-GB" dirty="0"/>
-          </a:p>
-          <a:p>
-            <a:endParaRPr lang="en-GB" dirty="0"/>
-          </a:p>
-          <a:p>
-            <a:r>
-              <a:rPr lang="nl-NL" sz="1100" dirty="0">
-                <a:hlinkClick r:id="rId2"/>
-              </a:rPr>
-              <a:t>https://www.elastic.co/guide/en/elasticsearch/reference/current/query-dsl.html</a:t>
-            </a:r>
-            <a:endParaRPr lang="en-GB" sz="1100" dirty="0"/>
-          </a:p>
-        </p:txBody>
-      </p:sp>
-      <p:sp>
-        <p:nvSpPr>
-          <p:cNvPr id="4" name="Footer Placeholder 3">
-            <a:extLst>
-              <a:ext uri="{FF2B5EF4-FFF2-40B4-BE49-F238E27FC236}">
-                <a16:creationId xmlns:a16="http://schemas.microsoft.com/office/drawing/2014/main" id="{3BFE5A87-9EFF-47B0-BE3A-17205E9C81C9}"/>
-              </a:ext>
-            </a:extLst>
-          </p:cNvPr>
-          <p:cNvSpPr>
-            <a:spLocks noGrp="1"/>
-          </p:cNvSpPr>
-          <p:nvPr>
-            <p:ph type="ftr" sz="quarter" idx="11"/>
-          </p:nvPr>
-        </p:nvSpPr>
-        <p:spPr/>
-        <p:txBody>
-          <a:bodyPr/>
-          <a:lstStyle/>
-          <a:p>
-            <a:r>
-              <a:rPr lang="nl-NL"/>
-              <a:t>elasticsearch</a:t>
-            </a:r>
-          </a:p>
-        </p:txBody>
-      </p:sp>
-      <p:sp>
-        <p:nvSpPr>
-          <p:cNvPr id="5" name="Slide Number Placeholder 4">
-            <a:extLst>
-              <a:ext uri="{FF2B5EF4-FFF2-40B4-BE49-F238E27FC236}">
-                <a16:creationId xmlns:a16="http://schemas.microsoft.com/office/drawing/2014/main" id="{D6997ABD-B758-4682-8D8C-D59BDB019EF1}"/>
-              </a:ext>
-            </a:extLst>
-          </p:cNvPr>
-          <p:cNvSpPr>
-            <a:spLocks noGrp="1"/>
-          </p:cNvSpPr>
-          <p:nvPr>
-            <p:ph type="sldNum" sz="quarter" idx="12"/>
-          </p:nvPr>
-        </p:nvSpPr>
-        <p:spPr/>
-        <p:txBody>
-          <a:bodyPr/>
-          <a:lstStyle/>
-          <a:p>
-            <a:fld id="{14F1411D-0280-154F-AEAC-4C20B7AA46B2}" type="slidenum">
-              <a:rPr lang="nl-NL" smtClean="0"/>
-              <a:t>34</a:t>
-            </a:fld>
-            <a:endParaRPr lang="nl-NL"/>
-          </a:p>
-        </p:txBody>
-      </p:sp>
-    </p:spTree>
-    <p:extLst>
-      <p:ext uri="{BB962C8B-B14F-4D97-AF65-F5344CB8AC3E}">
-        <p14:creationId xmlns:p14="http://schemas.microsoft.com/office/powerpoint/2010/main" val="3384597766"/>
-      </p:ext>
-    </p:extLst>
-  </p:cSld>
-  <p:clrMapOvr>
-    <a:masterClrMapping/>
-  </p:clrMapOvr>
-</p:sld>
-</file>
-
-<file path=ppt/slides/slide35.xml><?xml version="1.0" encoding="utf-8"?>
-<p:sld xmlns:a="http://schemas.openxmlformats.org/drawingml/2006/main" xmlns:r="http://schemas.openxmlformats.org/officeDocument/2006/relationships" xmlns:p="http://schemas.openxmlformats.org/presentationml/2006/main">
-  <p:cSld>
-    <p:spTree>
-      <p:nvGrpSpPr>
-        <p:cNvPr id="1" name=""/>
-        <p:cNvGrpSpPr/>
-        <p:nvPr/>
-      </p:nvGrpSpPr>
-      <p:grpSpPr>
-        <a:xfrm>
-          <a:off x="0" y="0"/>
-          <a:ext cx="0" cy="0"/>
-          <a:chOff x="0" y="0"/>
-          <a:chExt cx="0" cy="0"/>
-        </a:xfrm>
-      </p:grpSpPr>
-      <p:sp>
-        <p:nvSpPr>
-          <p:cNvPr id="2" name="Title 1">
-            <a:extLst>
-              <a:ext uri="{FF2B5EF4-FFF2-40B4-BE49-F238E27FC236}">
                 <a16:creationId xmlns:a16="http://schemas.microsoft.com/office/drawing/2014/main" id="{59E25428-E79C-49D8-A2C4-6BEF87511F34}"/>
               </a:ext>
             </a:extLst>
@@ -14013,7 +14012,7 @@
           <a:p>
             <a:fld id="{14F1411D-0280-154F-AEAC-4C20B7AA46B2}" type="slidenum">
               <a:rPr lang="nl-NL" smtClean="0"/>
-              <a:t>35</a:t>
+              <a:t>34</a:t>
             </a:fld>
             <a:endParaRPr lang="nl-NL"/>
           </a:p>
@@ -14315,6 +14314,237 @@
 </p:sld>
 </file>
 
+<file path=ppt/slides/slide35.xml><?xml version="1.0" encoding="utf-8"?>
+<p:sld xmlns:a="http://schemas.openxmlformats.org/drawingml/2006/main" xmlns:r="http://schemas.openxmlformats.org/officeDocument/2006/relationships" xmlns:p="http://schemas.openxmlformats.org/presentationml/2006/main">
+  <p:cSld>
+    <p:spTree>
+      <p:nvGrpSpPr>
+        <p:cNvPr id="1" name=""/>
+        <p:cNvGrpSpPr/>
+        <p:nvPr/>
+      </p:nvGrpSpPr>
+      <p:grpSpPr>
+        <a:xfrm>
+          <a:off x="0" y="0"/>
+          <a:ext cx="0" cy="0"/>
+          <a:chOff x="0" y="0"/>
+          <a:chExt cx="0" cy="0"/>
+        </a:xfrm>
+      </p:grpSpPr>
+      <p:sp>
+        <p:nvSpPr>
+          <p:cNvPr id="2" name="Title 1">
+            <a:extLst>
+              <a:ext uri="{FF2B5EF4-FFF2-40B4-BE49-F238E27FC236}">
+                <a16:creationId xmlns:a16="http://schemas.microsoft.com/office/drawing/2014/main" id="{8602A742-0C15-489F-9A77-2ECA0F11429F}"/>
+              </a:ext>
+            </a:extLst>
+          </p:cNvPr>
+          <p:cNvSpPr>
+            <a:spLocks noGrp="1"/>
+          </p:cNvSpPr>
+          <p:nvPr>
+            <p:ph type="title"/>
+          </p:nvPr>
+        </p:nvSpPr>
+        <p:spPr/>
+        <p:txBody>
+          <a:bodyPr/>
+          <a:lstStyle/>
+          <a:p>
+            <a:r>
+              <a:rPr lang="en-GB" dirty="0"/>
+              <a:t>Scoring</a:t>
+            </a:r>
+            <a:endParaRPr lang="en-NL" dirty="0"/>
+          </a:p>
+        </p:txBody>
+      </p:sp>
+      <p:sp>
+        <p:nvSpPr>
+          <p:cNvPr id="3" name="Content Placeholder 2">
+            <a:extLst>
+              <a:ext uri="{FF2B5EF4-FFF2-40B4-BE49-F238E27FC236}">
+                <a16:creationId xmlns:a16="http://schemas.microsoft.com/office/drawing/2014/main" id="{6D38AB44-3548-461E-8441-ECD089D829F1}"/>
+              </a:ext>
+            </a:extLst>
+          </p:cNvPr>
+          <p:cNvSpPr>
+            <a:spLocks noGrp="1"/>
+          </p:cNvSpPr>
+          <p:nvPr>
+            <p:ph idx="1"/>
+          </p:nvPr>
+        </p:nvSpPr>
+        <p:spPr/>
+        <p:txBody>
+          <a:bodyPr/>
+          <a:lstStyle/>
+          <a:p>
+            <a:r>
+              <a:rPr lang="en-GB" dirty="0"/>
+              <a:t>The score indicates the relevance of a result</a:t>
+            </a:r>
+          </a:p>
+          <a:p>
+            <a:r>
+              <a:rPr lang="en-GB" dirty="0"/>
+              <a:t>Default scoring: how often a term occurs in the document (term frequency or TF) compared to how often it occurs in all documents (inverse document frequency or IDF)</a:t>
+            </a:r>
+          </a:p>
+          <a:p>
+            <a:r>
+              <a:rPr lang="en-GB" dirty="0"/>
+              <a:t>Can use other scoring method for whole cluster or for just one field</a:t>
+            </a:r>
+          </a:p>
+          <a:p>
+            <a:endParaRPr lang="en-GB" dirty="0"/>
+          </a:p>
+          <a:p>
+            <a:r>
+              <a:rPr lang="en-GB" dirty="0"/>
+              <a:t>Rescoring: resource intensive scoring calculations</a:t>
+            </a:r>
+          </a:p>
+          <a:p>
+            <a:pPr lvl="1"/>
+            <a:r>
+              <a:rPr lang="en-GB" dirty="0"/>
+              <a:t>Only applied to top results, after initial scoring is done</a:t>
+            </a:r>
+          </a:p>
+          <a:p>
+            <a:pPr lvl="1"/>
+            <a:r>
+              <a:rPr lang="en-GB" dirty="0"/>
+              <a:t>Add “rescore” to JSON body with </a:t>
+            </a:r>
+            <a:r>
+              <a:rPr lang="en-GB" dirty="0" err="1"/>
+              <a:t>window_size</a:t>
+            </a:r>
+            <a:r>
+              <a:rPr lang="en-GB" dirty="0"/>
+              <a:t>, query, </a:t>
+            </a:r>
+            <a:r>
+              <a:rPr lang="en-GB" dirty="0" err="1"/>
+              <a:t>query_weight</a:t>
+            </a:r>
+            <a:r>
+              <a:rPr lang="en-GB" dirty="0"/>
+              <a:t> and </a:t>
+            </a:r>
+            <a:r>
+              <a:rPr lang="en-GB" dirty="0" err="1"/>
+              <a:t>rescore_weight</a:t>
+            </a:r>
+            <a:endParaRPr lang="en-GB" dirty="0"/>
+          </a:p>
+          <a:p>
+            <a:pPr lvl="2"/>
+            <a:r>
+              <a:rPr lang="en-GB" sz="1400" dirty="0"/>
+              <a:t>Window size determines on how many of the top documents a rescore is applied</a:t>
+            </a:r>
+          </a:p>
+          <a:p>
+            <a:pPr lvl="2"/>
+            <a:r>
+              <a:rPr lang="en-GB" sz="1400" dirty="0"/>
+              <a:t>The relative importance of the original score and rescore can be controller with </a:t>
+            </a:r>
+            <a:r>
+              <a:rPr lang="en-GB" sz="1400" dirty="0" err="1"/>
+              <a:t>query_weight</a:t>
+            </a:r>
+            <a:r>
+              <a:rPr lang="en-GB" sz="1400" dirty="0"/>
+              <a:t> and </a:t>
+            </a:r>
+            <a:r>
+              <a:rPr lang="en-GB" sz="1400" dirty="0" err="1"/>
+              <a:t>rescore_weight</a:t>
+            </a:r>
+            <a:endParaRPr lang="en-NL" sz="1400" dirty="0"/>
+          </a:p>
+          <a:p>
+            <a:pPr lvl="1"/>
+            <a:endParaRPr lang="en-GB" dirty="0"/>
+          </a:p>
+        </p:txBody>
+      </p:sp>
+      <p:sp>
+        <p:nvSpPr>
+          <p:cNvPr id="4" name="Footer Placeholder 3">
+            <a:extLst>
+              <a:ext uri="{FF2B5EF4-FFF2-40B4-BE49-F238E27FC236}">
+                <a16:creationId xmlns:a16="http://schemas.microsoft.com/office/drawing/2014/main" id="{91853CB0-BCD0-4B16-9D4D-9ECAA1C9E561}"/>
+              </a:ext>
+            </a:extLst>
+          </p:cNvPr>
+          <p:cNvSpPr>
+            <a:spLocks noGrp="1"/>
+          </p:cNvSpPr>
+          <p:nvPr>
+            <p:ph type="ftr" sz="quarter" idx="11"/>
+          </p:nvPr>
+        </p:nvSpPr>
+        <p:spPr/>
+        <p:txBody>
+          <a:bodyPr/>
+          <a:lstStyle/>
+          <a:p>
+            <a:r>
+              <a:rPr lang="nl-NL"/>
+              <a:t>elasticsearch</a:t>
+            </a:r>
+          </a:p>
+        </p:txBody>
+      </p:sp>
+      <p:sp>
+        <p:nvSpPr>
+          <p:cNvPr id="5" name="Slide Number Placeholder 4">
+            <a:extLst>
+              <a:ext uri="{FF2B5EF4-FFF2-40B4-BE49-F238E27FC236}">
+                <a16:creationId xmlns:a16="http://schemas.microsoft.com/office/drawing/2014/main" id="{1ED320EF-EAEE-489F-A386-BA38AB71ECE2}"/>
+              </a:ext>
+            </a:extLst>
+          </p:cNvPr>
+          <p:cNvSpPr>
+            <a:spLocks noGrp="1"/>
+          </p:cNvSpPr>
+          <p:nvPr>
+            <p:ph type="sldNum" sz="quarter" idx="12"/>
+          </p:nvPr>
+        </p:nvSpPr>
+        <p:spPr/>
+        <p:txBody>
+          <a:bodyPr/>
+          <a:lstStyle/>
+          <a:p>
+            <a:fld id="{14F1411D-0280-154F-AEAC-4C20B7AA46B2}" type="slidenum">
+              <a:rPr lang="nl-NL" smtClean="0"/>
+              <a:t>35</a:t>
+            </a:fld>
+            <a:endParaRPr lang="nl-NL"/>
+          </a:p>
+        </p:txBody>
+      </p:sp>
+    </p:spTree>
+    <p:extLst>
+      <p:ext uri="{BB962C8B-B14F-4D97-AF65-F5344CB8AC3E}">
+        <p14:creationId xmlns:p14="http://schemas.microsoft.com/office/powerpoint/2010/main" val="2815328155"/>
+      </p:ext>
+    </p:extLst>
+  </p:cSld>
+  <p:clrMapOvr>
+    <a:masterClrMapping/>
+  </p:clrMapOvr>
+</p:sld>
+</file>
+
 <file path=ppt/slides/slide36.xml><?xml version="1.0" encoding="utf-8"?>
 <p:sld xmlns:a="http://schemas.openxmlformats.org/drawingml/2006/main" xmlns:r="http://schemas.openxmlformats.org/officeDocument/2006/relationships" xmlns:p="http://schemas.openxmlformats.org/presentationml/2006/main">
   <p:cSld>
@@ -14337,7 +14567,7 @@
           <p:cNvPr id="2" name="Title 1">
             <a:extLst>
               <a:ext uri="{FF2B5EF4-FFF2-40B4-BE49-F238E27FC236}">
-                <a16:creationId xmlns:a16="http://schemas.microsoft.com/office/drawing/2014/main" id="{8602A742-0C15-489F-9A77-2ECA0F11429F}"/>
+                <a16:creationId xmlns:a16="http://schemas.microsoft.com/office/drawing/2014/main" id="{0C661C5B-F171-4F19-B641-29A0C774C0EA}"/>
               </a:ext>
             </a:extLst>
           </p:cNvPr>
@@ -14355,7 +14585,7 @@
           <a:p>
             <a:r>
               <a:rPr lang="en-GB" dirty="0"/>
-              <a:t>Scoring</a:t>
+              <a:t>Boosting(1)</a:t>
             </a:r>
             <a:endParaRPr lang="en-NL" dirty="0"/>
           </a:p>
@@ -14366,7 +14596,7 @@
           <p:cNvPr id="3" name="Content Placeholder 2">
             <a:extLst>
               <a:ext uri="{FF2B5EF4-FFF2-40B4-BE49-F238E27FC236}">
-                <a16:creationId xmlns:a16="http://schemas.microsoft.com/office/drawing/2014/main" id="{6D38AB44-3548-461E-8441-ECD089D829F1}"/>
+                <a16:creationId xmlns:a16="http://schemas.microsoft.com/office/drawing/2014/main" id="{025E9466-CE9D-445D-AC79-0BE72AF44377}"/>
               </a:ext>
             </a:extLst>
           </p:cNvPr>
@@ -14384,95 +14614,65 @@
           <a:p>
             <a:r>
               <a:rPr lang="en-GB" dirty="0"/>
-              <a:t>The score indicates the relevance of a result</a:t>
+              <a:t>Boosting: change relevance (score) of documents</a:t>
+            </a:r>
+          </a:p>
+          <a:p>
+            <a:pPr lvl="1"/>
+            <a:r>
+              <a:rPr lang="en-GB" sz="1400" dirty="0"/>
+              <a:t>When indexing (deprecated): can only be altered by re-indexing </a:t>
+            </a:r>
+          </a:p>
+          <a:p>
+            <a:pPr lvl="1"/>
+            <a:r>
+              <a:rPr lang="en-GB" sz="1400" dirty="0"/>
+              <a:t>When querying</a:t>
             </a:r>
           </a:p>
           <a:p>
             <a:r>
               <a:rPr lang="en-GB" dirty="0"/>
-              <a:t>Default scoring: how often a term occurs in the document (term frequency or TF) compared to how often it occurs in all documents (inverse document frequency or IDF)</a:t>
+              <a:t>Boosting is relative</a:t>
             </a:r>
           </a:p>
           <a:p>
             <a:r>
               <a:rPr lang="en-GB" dirty="0"/>
-              <a:t>Can use other scoring method for whole cluster or for just one field</a:t>
-            </a:r>
-          </a:p>
-          <a:p>
-            <a:endParaRPr lang="en-GB" dirty="0"/>
-          </a:p>
-          <a:p>
-            <a:r>
-              <a:rPr lang="en-GB" dirty="0"/>
-              <a:t>Rescoring: resource intensive scoring calculations</a:t>
+              <a:t>By adding </a:t>
+            </a:r>
+            <a:r>
+              <a:rPr lang="nl-NL" dirty="0"/>
+              <a:t>“explain”: true to a query an _explanation is added to the result where the TF and IDF and boosting factors can be found</a:t>
             </a:r>
           </a:p>
           <a:p>
             <a:pPr lvl="1"/>
             <a:r>
-              <a:rPr lang="en-GB" dirty="0"/>
-              <a:t>Only applied to top results, after initial scoring is done</a:t>
+              <a:rPr lang="nl-NL" sz="1400" dirty="0"/>
+              <a:t>Resource intensive, use only for debugging</a:t>
+            </a:r>
+          </a:p>
+          <a:p>
+            <a:endParaRPr lang="nl-NL" dirty="0"/>
+          </a:p>
+          <a:p>
+            <a:r>
+              <a:rPr lang="nl-NL" dirty="0"/>
+              <a:t>Can be done in most term-level and full-text queries and all compound queries</a:t>
             </a:r>
           </a:p>
           <a:p>
             <a:pPr lvl="1"/>
             <a:r>
-              <a:rPr lang="en-GB" dirty="0"/>
-              <a:t>Add “rescore” to JSON body with </a:t>
-            </a:r>
-            <a:r>
-              <a:rPr lang="en-GB" dirty="0" err="1"/>
-              <a:t>window_size</a:t>
-            </a:r>
-            <a:r>
-              <a:rPr lang="en-GB" dirty="0"/>
-              <a:t>, query, </a:t>
-            </a:r>
-            <a:r>
-              <a:rPr lang="en-GB" dirty="0" err="1"/>
-              <a:t>query_weight</a:t>
-            </a:r>
-            <a:r>
-              <a:rPr lang="en-GB" dirty="0"/>
-              <a:t> and </a:t>
-            </a:r>
-            <a:r>
-              <a:rPr lang="en-GB" dirty="0" err="1"/>
-              <a:t>rescore_weight</a:t>
-            </a:r>
-            <a:endParaRPr lang="en-GB" dirty="0"/>
-          </a:p>
-          <a:p>
-            <a:pPr lvl="2"/>
-            <a:r>
-              <a:rPr lang="en-GB" sz="1400" dirty="0"/>
-              <a:t>Window size determines on how many of the top documents a rescore is applied</a:t>
-            </a:r>
-          </a:p>
-          <a:p>
-            <a:pPr lvl="2"/>
-            <a:r>
-              <a:rPr lang="en-GB" sz="1400" dirty="0"/>
-              <a:t>The relative importance of the original score and rescore can be controller with </a:t>
-            </a:r>
-            <a:r>
-              <a:rPr lang="en-GB" sz="1400" dirty="0" err="1"/>
-              <a:t>query_weight</a:t>
-            </a:r>
-            <a:r>
-              <a:rPr lang="en-GB" sz="1400" dirty="0"/>
-              <a:t> and </a:t>
-            </a:r>
-            <a:r>
-              <a:rPr lang="en-GB" sz="1400" dirty="0" err="1"/>
-              <a:t>rescore_weight</a:t>
-            </a:r>
-            <a:endParaRPr lang="en-NL" sz="1400" dirty="0"/>
-          </a:p>
-          <a:p>
-            <a:pPr lvl="1"/>
-            <a:endParaRPr lang="en-GB" dirty="0"/>
+              <a:rPr lang="nl-NL" sz="1400" dirty="0"/>
+              <a:t>Only relevant when combining queries or searching multiple fields</a:t>
+            </a:r>
+            <a:endParaRPr lang="en-GB" sz="1400" dirty="0"/>
+          </a:p>
+          <a:p>
+            <a:endParaRPr lang="en-NL" dirty="0"/>
           </a:p>
         </p:txBody>
       </p:sp>
@@ -14481,7 +14681,7 @@
           <p:cNvPr id="4" name="Footer Placeholder 3">
             <a:extLst>
               <a:ext uri="{FF2B5EF4-FFF2-40B4-BE49-F238E27FC236}">
-                <a16:creationId xmlns:a16="http://schemas.microsoft.com/office/drawing/2014/main" id="{91853CB0-BCD0-4B16-9D4D-9ECAA1C9E561}"/>
+                <a16:creationId xmlns:a16="http://schemas.microsoft.com/office/drawing/2014/main" id="{3F21F476-6764-4B0D-8AB6-FBFF16A8E2B1}"/>
               </a:ext>
             </a:extLst>
           </p:cNvPr>
@@ -14509,7 +14709,7 @@
           <p:cNvPr id="5" name="Slide Number Placeholder 4">
             <a:extLst>
               <a:ext uri="{FF2B5EF4-FFF2-40B4-BE49-F238E27FC236}">
-                <a16:creationId xmlns:a16="http://schemas.microsoft.com/office/drawing/2014/main" id="{1ED320EF-EAEE-489F-A386-BA38AB71ECE2}"/>
+                <a16:creationId xmlns:a16="http://schemas.microsoft.com/office/drawing/2014/main" id="{356553CF-D343-4477-9A21-25B90ECD052F}"/>
               </a:ext>
             </a:extLst>
           </p:cNvPr>
@@ -14536,7 +14736,7 @@
     </p:spTree>
     <p:extLst>
       <p:ext uri="{BB962C8B-B14F-4D97-AF65-F5344CB8AC3E}">
-        <p14:creationId xmlns:p14="http://schemas.microsoft.com/office/powerpoint/2010/main" val="2815328155"/>
+        <p14:creationId xmlns:p14="http://schemas.microsoft.com/office/powerpoint/2010/main" val="2772075307"/>
       </p:ext>
     </p:extLst>
   </p:cSld>
@@ -14568,7 +14768,7 @@
           <p:cNvPr id="2" name="Title 1">
             <a:extLst>
               <a:ext uri="{FF2B5EF4-FFF2-40B4-BE49-F238E27FC236}">
-                <a16:creationId xmlns:a16="http://schemas.microsoft.com/office/drawing/2014/main" id="{0C661C5B-F171-4F19-B641-29A0C774C0EA}"/>
+                <a16:creationId xmlns:a16="http://schemas.microsoft.com/office/drawing/2014/main" id="{55A1B8A9-4134-4893-B9C3-DBC4CA9A639C}"/>
               </a:ext>
             </a:extLst>
           </p:cNvPr>
@@ -14586,103 +14786,49 @@
           <a:p>
             <a:r>
               <a:rPr lang="en-GB" dirty="0"/>
-              <a:t>Boosting(1)</a:t>
+              <a:t>Boosting(2)</a:t>
             </a:r>
             <a:endParaRPr lang="en-NL" dirty="0"/>
           </a:p>
         </p:txBody>
       </p:sp>
-      <p:sp>
-        <p:nvSpPr>
-          <p:cNvPr id="3" name="Content Placeholder 2">
+      <p:pic>
+        <p:nvPicPr>
+          <p:cNvPr id="7" name="Content Placeholder 6">
             <a:extLst>
               <a:ext uri="{FF2B5EF4-FFF2-40B4-BE49-F238E27FC236}">
-                <a16:creationId xmlns:a16="http://schemas.microsoft.com/office/drawing/2014/main" id="{025E9466-CE9D-445D-AC79-0BE72AF44377}"/>
+                <a16:creationId xmlns:a16="http://schemas.microsoft.com/office/drawing/2014/main" id="{9F6A3342-4366-416A-A010-A71799ADF02A}"/>
+              </a:ext>
+              <a:ext uri="{C183D7F6-B498-43B3-948B-1728B52AA6E4}">
+                <adec:decorative xmlns:adec="http://schemas.microsoft.com/office/drawing/2017/decorative" val="1"/>
               </a:ext>
             </a:extLst>
           </p:cNvPr>
-          <p:cNvSpPr>
-            <a:spLocks noGrp="1"/>
-          </p:cNvSpPr>
+          <p:cNvPicPr>
+            <a:picLocks noGrp="1" noChangeAspect="1"/>
+          </p:cNvPicPr>
           <p:nvPr>
             <p:ph idx="1"/>
           </p:nvPr>
-        </p:nvSpPr>
-        <p:spPr/>
-        <p:txBody>
-          <a:bodyPr/>
-          <a:lstStyle/>
-          <a:p>
-            <a:r>
-              <a:rPr lang="en-GB" dirty="0"/>
-              <a:t>Boosting: change relevance (score) of documents</a:t>
-            </a:r>
-          </a:p>
-          <a:p>
-            <a:pPr lvl="1"/>
-            <a:r>
-              <a:rPr lang="en-GB" sz="1400" dirty="0"/>
-              <a:t>When indexing (deprecated): can only be altered by re-indexing </a:t>
-            </a:r>
-          </a:p>
-          <a:p>
-            <a:pPr lvl="1"/>
-            <a:r>
-              <a:rPr lang="en-GB" sz="1400" dirty="0"/>
-              <a:t>When querying</a:t>
-            </a:r>
-          </a:p>
-          <a:p>
-            <a:r>
-              <a:rPr lang="en-GB" dirty="0"/>
-              <a:t>Boosting is relative</a:t>
-            </a:r>
-          </a:p>
-          <a:p>
-            <a:r>
-              <a:rPr lang="en-GB" dirty="0"/>
-              <a:t>By adding </a:t>
-            </a:r>
-            <a:r>
-              <a:rPr lang="nl-NL" dirty="0"/>
-              <a:t>“explain”: true to a query an _explanation is added to the result where the TF and IDF and boosting factors can be found</a:t>
-            </a:r>
-          </a:p>
-          <a:p>
-            <a:pPr lvl="1"/>
-            <a:r>
-              <a:rPr lang="nl-NL" sz="1400" dirty="0"/>
-              <a:t>Resource intensive, use only for debugging</a:t>
-            </a:r>
-          </a:p>
-          <a:p>
-            <a:endParaRPr lang="nl-NL" dirty="0"/>
-          </a:p>
-          <a:p>
-            <a:r>
-              <a:rPr lang="nl-NL" dirty="0"/>
-              <a:t>Can be done in most term-level and full-text queries and all compound queries</a:t>
-            </a:r>
-          </a:p>
-          <a:p>
-            <a:pPr lvl="1"/>
-            <a:r>
-              <a:rPr lang="nl-NL" sz="1400" dirty="0"/>
-              <a:t>Only relevant when combining queries or searching multiple fields</a:t>
-            </a:r>
-            <a:endParaRPr lang="en-GB" sz="1400" dirty="0"/>
-          </a:p>
-          <a:p>
-            <a:endParaRPr lang="en-NL" dirty="0"/>
-          </a:p>
-        </p:txBody>
-      </p:sp>
+        </p:nvPicPr>
+        <p:blipFill rotWithShape="1">
+          <a:blip r:embed="rId2"/>
+          <a:srcRect t="3330" r="24450" b="2670"/>
+          <a:stretch/>
+        </p:blipFill>
+        <p:spPr>
+          <a:xfrm>
+            <a:off x="719999" y="975360"/>
+            <a:ext cx="4454352" cy="3553098"/>
+          </a:xfrm>
+        </p:spPr>
+      </p:pic>
       <p:sp>
         <p:nvSpPr>
           <p:cNvPr id="4" name="Footer Placeholder 3">
             <a:extLst>
               <a:ext uri="{FF2B5EF4-FFF2-40B4-BE49-F238E27FC236}">
-                <a16:creationId xmlns:a16="http://schemas.microsoft.com/office/drawing/2014/main" id="{3F21F476-6764-4B0D-8AB6-FBFF16A8E2B1}"/>
+                <a16:creationId xmlns:a16="http://schemas.microsoft.com/office/drawing/2014/main" id="{2BF3F9E7-7E86-444B-A68A-F81792B95DFF}"/>
               </a:ext>
             </a:extLst>
           </p:cNvPr>
@@ -14710,7 +14856,7 @@
           <p:cNvPr id="5" name="Slide Number Placeholder 4">
             <a:extLst>
               <a:ext uri="{FF2B5EF4-FFF2-40B4-BE49-F238E27FC236}">
-                <a16:creationId xmlns:a16="http://schemas.microsoft.com/office/drawing/2014/main" id="{356553CF-D343-4477-9A21-25B90ECD052F}"/>
+                <a16:creationId xmlns:a16="http://schemas.microsoft.com/office/drawing/2014/main" id="{4AD1042B-6ED7-46E1-858B-6E374DFF8BEF}"/>
               </a:ext>
             </a:extLst>
           </p:cNvPr>
@@ -14737,7 +14883,7 @@
     </p:spTree>
     <p:extLst>
       <p:ext uri="{BB962C8B-B14F-4D97-AF65-F5344CB8AC3E}">
-        <p14:creationId xmlns:p14="http://schemas.microsoft.com/office/powerpoint/2010/main" val="2772075307"/>
+        <p14:creationId xmlns:p14="http://schemas.microsoft.com/office/powerpoint/2010/main" val="4294700896"/>
       </p:ext>
     </p:extLst>
   </p:cSld>
@@ -14769,153 +14915,6 @@
           <p:cNvPr id="2" name="Title 1">
             <a:extLst>
               <a:ext uri="{FF2B5EF4-FFF2-40B4-BE49-F238E27FC236}">
-                <a16:creationId xmlns:a16="http://schemas.microsoft.com/office/drawing/2014/main" id="{55A1B8A9-4134-4893-B9C3-DBC4CA9A639C}"/>
-              </a:ext>
-            </a:extLst>
-          </p:cNvPr>
-          <p:cNvSpPr>
-            <a:spLocks noGrp="1"/>
-          </p:cNvSpPr>
-          <p:nvPr>
-            <p:ph type="title"/>
-          </p:nvPr>
-        </p:nvSpPr>
-        <p:spPr/>
-        <p:txBody>
-          <a:bodyPr/>
-          <a:lstStyle/>
-          <a:p>
-            <a:r>
-              <a:rPr lang="en-GB" dirty="0"/>
-              <a:t>Boosting(2)</a:t>
-            </a:r>
-            <a:endParaRPr lang="en-NL" dirty="0"/>
-          </a:p>
-        </p:txBody>
-      </p:sp>
-      <p:pic>
-        <p:nvPicPr>
-          <p:cNvPr id="7" name="Content Placeholder 6">
-            <a:extLst>
-              <a:ext uri="{FF2B5EF4-FFF2-40B4-BE49-F238E27FC236}">
-                <a16:creationId xmlns:a16="http://schemas.microsoft.com/office/drawing/2014/main" id="{9F6A3342-4366-416A-A010-A71799ADF02A}"/>
-              </a:ext>
-              <a:ext uri="{C183D7F6-B498-43B3-948B-1728B52AA6E4}">
-                <adec:decorative xmlns:adec="http://schemas.microsoft.com/office/drawing/2017/decorative" val="1"/>
-              </a:ext>
-            </a:extLst>
-          </p:cNvPr>
-          <p:cNvPicPr>
-            <a:picLocks noGrp="1" noChangeAspect="1"/>
-          </p:cNvPicPr>
-          <p:nvPr>
-            <p:ph idx="1"/>
-          </p:nvPr>
-        </p:nvPicPr>
-        <p:blipFill rotWithShape="1">
-          <a:blip r:embed="rId2"/>
-          <a:srcRect t="3330" r="24450" b="2670"/>
-          <a:stretch/>
-        </p:blipFill>
-        <p:spPr>
-          <a:xfrm>
-            <a:off x="719999" y="975360"/>
-            <a:ext cx="4454352" cy="3553098"/>
-          </a:xfrm>
-        </p:spPr>
-      </p:pic>
-      <p:sp>
-        <p:nvSpPr>
-          <p:cNvPr id="4" name="Footer Placeholder 3">
-            <a:extLst>
-              <a:ext uri="{FF2B5EF4-FFF2-40B4-BE49-F238E27FC236}">
-                <a16:creationId xmlns:a16="http://schemas.microsoft.com/office/drawing/2014/main" id="{2BF3F9E7-7E86-444B-A68A-F81792B95DFF}"/>
-              </a:ext>
-            </a:extLst>
-          </p:cNvPr>
-          <p:cNvSpPr>
-            <a:spLocks noGrp="1"/>
-          </p:cNvSpPr>
-          <p:nvPr>
-            <p:ph type="ftr" sz="quarter" idx="11"/>
-          </p:nvPr>
-        </p:nvSpPr>
-        <p:spPr/>
-        <p:txBody>
-          <a:bodyPr/>
-          <a:lstStyle/>
-          <a:p>
-            <a:r>
-              <a:rPr lang="nl-NL"/>
-              <a:t>elasticsearch</a:t>
-            </a:r>
-          </a:p>
-        </p:txBody>
-      </p:sp>
-      <p:sp>
-        <p:nvSpPr>
-          <p:cNvPr id="5" name="Slide Number Placeholder 4">
-            <a:extLst>
-              <a:ext uri="{FF2B5EF4-FFF2-40B4-BE49-F238E27FC236}">
-                <a16:creationId xmlns:a16="http://schemas.microsoft.com/office/drawing/2014/main" id="{4AD1042B-6ED7-46E1-858B-6E374DFF8BEF}"/>
-              </a:ext>
-            </a:extLst>
-          </p:cNvPr>
-          <p:cNvSpPr>
-            <a:spLocks noGrp="1"/>
-          </p:cNvSpPr>
-          <p:nvPr>
-            <p:ph type="sldNum" sz="quarter" idx="12"/>
-          </p:nvPr>
-        </p:nvSpPr>
-        <p:spPr/>
-        <p:txBody>
-          <a:bodyPr/>
-          <a:lstStyle/>
-          <a:p>
-            <a:fld id="{14F1411D-0280-154F-AEAC-4C20B7AA46B2}" type="slidenum">
-              <a:rPr lang="nl-NL" smtClean="0"/>
-              <a:t>38</a:t>
-            </a:fld>
-            <a:endParaRPr lang="nl-NL"/>
-          </a:p>
-        </p:txBody>
-      </p:sp>
-    </p:spTree>
-    <p:extLst>
-      <p:ext uri="{BB962C8B-B14F-4D97-AF65-F5344CB8AC3E}">
-        <p14:creationId xmlns:p14="http://schemas.microsoft.com/office/powerpoint/2010/main" val="4294700896"/>
-      </p:ext>
-    </p:extLst>
-  </p:cSld>
-  <p:clrMapOvr>
-    <a:masterClrMapping/>
-  </p:clrMapOvr>
-</p:sld>
-</file>
-
-<file path=ppt/slides/slide39.xml><?xml version="1.0" encoding="utf-8"?>
-<p:sld xmlns:a="http://schemas.openxmlformats.org/drawingml/2006/main" xmlns:r="http://schemas.openxmlformats.org/officeDocument/2006/relationships" xmlns:p="http://schemas.openxmlformats.org/presentationml/2006/main">
-  <p:cSld>
-    <p:spTree>
-      <p:nvGrpSpPr>
-        <p:cNvPr id="1" name=""/>
-        <p:cNvGrpSpPr/>
-        <p:nvPr/>
-      </p:nvGrpSpPr>
-      <p:grpSpPr>
-        <a:xfrm>
-          <a:off x="0" y="0"/>
-          <a:ext cx="0" cy="0"/>
-          <a:chOff x="0" y="0"/>
-          <a:chExt cx="0" cy="0"/>
-        </a:xfrm>
-      </p:grpSpPr>
-      <p:sp>
-        <p:nvSpPr>
-          <p:cNvPr id="2" name="Title 1">
-            <a:extLst>
-              <a:ext uri="{FF2B5EF4-FFF2-40B4-BE49-F238E27FC236}">
                 <a16:creationId xmlns:a16="http://schemas.microsoft.com/office/drawing/2014/main" id="{2F06F964-04B2-41AD-BD1A-F7ECBD43EA37}"/>
               </a:ext>
             </a:extLst>
@@ -15110,7 +15109,7 @@
           <a:p>
             <a:fld id="{14F1411D-0280-154F-AEAC-4C20B7AA46B2}" type="slidenum">
               <a:rPr lang="nl-NL" smtClean="0"/>
-              <a:t>39</a:t>
+              <a:t>38</a:t>
             </a:fld>
             <a:endParaRPr lang="nl-NL"/>
           </a:p>
@@ -15158,6 +15157,219 @@
 </p:sld>
 </file>
 
+<file path=ppt/slides/slide39.xml><?xml version="1.0" encoding="utf-8"?>
+<p:sld xmlns:a="http://schemas.openxmlformats.org/drawingml/2006/main" xmlns:r="http://schemas.openxmlformats.org/officeDocument/2006/relationships" xmlns:p="http://schemas.openxmlformats.org/presentationml/2006/main">
+  <p:cSld>
+    <p:spTree>
+      <p:nvGrpSpPr>
+        <p:cNvPr id="1" name=""/>
+        <p:cNvGrpSpPr/>
+        <p:nvPr/>
+      </p:nvGrpSpPr>
+      <p:grpSpPr>
+        <a:xfrm>
+          <a:off x="0" y="0"/>
+          <a:ext cx="0" cy="0"/>
+          <a:chOff x="0" y="0"/>
+          <a:chExt cx="0" cy="0"/>
+        </a:xfrm>
+      </p:grpSpPr>
+      <p:sp>
+        <p:nvSpPr>
+          <p:cNvPr id="2" name="Title 1">
+            <a:extLst>
+              <a:ext uri="{FF2B5EF4-FFF2-40B4-BE49-F238E27FC236}">
+                <a16:creationId xmlns:a16="http://schemas.microsoft.com/office/drawing/2014/main" id="{0FBBD13C-9B5E-4189-9E78-238477EC36AB}"/>
+              </a:ext>
+            </a:extLst>
+          </p:cNvPr>
+          <p:cNvSpPr>
+            <a:spLocks noGrp="1"/>
+          </p:cNvSpPr>
+          <p:nvPr>
+            <p:ph type="title"/>
+          </p:nvPr>
+        </p:nvSpPr>
+        <p:spPr/>
+        <p:txBody>
+          <a:bodyPr/>
+          <a:lstStyle/>
+          <a:p>
+            <a:r>
+              <a:rPr lang="en-GB" dirty="0"/>
+              <a:t>Aggregations(2)</a:t>
+            </a:r>
+            <a:endParaRPr lang="en-NL" dirty="0"/>
+          </a:p>
+        </p:txBody>
+      </p:sp>
+      <p:sp>
+        <p:nvSpPr>
+          <p:cNvPr id="3" name="Content Placeholder 2">
+            <a:extLst>
+              <a:ext uri="{FF2B5EF4-FFF2-40B4-BE49-F238E27FC236}">
+                <a16:creationId xmlns:a16="http://schemas.microsoft.com/office/drawing/2014/main" id="{E75347B0-CAEC-4097-9892-E6AB2B41EFBA}"/>
+              </a:ext>
+            </a:extLst>
+          </p:cNvPr>
+          <p:cNvSpPr>
+            <a:spLocks noGrp="1"/>
+          </p:cNvSpPr>
+          <p:nvPr>
+            <p:ph idx="1"/>
+          </p:nvPr>
+        </p:nvSpPr>
+        <p:spPr>
+          <a:xfrm>
+            <a:off x="720003" y="936000"/>
+            <a:ext cx="6246854" cy="3780000"/>
+          </a:xfrm>
+        </p:spPr>
+        <p:txBody>
+          <a:bodyPr/>
+          <a:lstStyle/>
+          <a:p>
+            <a:r>
+              <a:rPr lang="en-GB" dirty="0"/>
+              <a:t>Values used for aggregations can be extracted by setting a field key or by defining a script to generate the values</a:t>
+            </a:r>
+          </a:p>
+          <a:p>
+            <a:r>
+              <a:rPr lang="en-GB" dirty="0"/>
+              <a:t>Aggregations can be nested</a:t>
+            </a:r>
+          </a:p>
+          <a:p>
+            <a:endParaRPr lang="en-GB" dirty="0"/>
+          </a:p>
+          <a:p>
+            <a:r>
+              <a:rPr lang="en-GB" dirty="0"/>
+              <a:t>The results are shown below the query results</a:t>
+            </a:r>
+          </a:p>
+          <a:p>
+            <a:pPr lvl="1"/>
+            <a:r>
+              <a:rPr lang="en-GB" sz="1400" dirty="0"/>
+              <a:t>Set size to 0 to only get aggregation results</a:t>
+            </a:r>
+          </a:p>
+          <a:p>
+            <a:endParaRPr lang="en-GB" dirty="0"/>
+          </a:p>
+          <a:p>
+            <a:r>
+              <a:rPr lang="en-GB" dirty="0"/>
+              <a:t>Results are approximate for values above 2^53</a:t>
+            </a:r>
+          </a:p>
+          <a:p>
+            <a:endParaRPr lang="en-GB" dirty="0"/>
+          </a:p>
+          <a:p>
+            <a:endParaRPr lang="en-GB" dirty="0"/>
+          </a:p>
+          <a:p>
+            <a:endParaRPr lang="en-GB" dirty="0"/>
+          </a:p>
+          <a:p>
+            <a:endParaRPr lang="en-GB" dirty="0"/>
+          </a:p>
+          <a:p>
+            <a:endParaRPr lang="en-GB" dirty="0"/>
+          </a:p>
+          <a:p>
+            <a:endParaRPr lang="en-GB" dirty="0"/>
+          </a:p>
+          <a:p>
+            <a:r>
+              <a:rPr lang="nl-NL" sz="1100" dirty="0">
+                <a:hlinkClick r:id="rId2"/>
+              </a:rPr>
+              <a:t>https://www.elastic.co/guide/en/elasticsearch/reference/current/search-aggregations.html</a:t>
+            </a:r>
+            <a:endParaRPr lang="en-GB" sz="1100" dirty="0"/>
+          </a:p>
+          <a:p>
+            <a:endParaRPr lang="en-GB" dirty="0"/>
+          </a:p>
+          <a:p>
+            <a:endParaRPr lang="en-NL" dirty="0"/>
+          </a:p>
+        </p:txBody>
+      </p:sp>
+      <p:sp>
+        <p:nvSpPr>
+          <p:cNvPr id="4" name="Footer Placeholder 3">
+            <a:extLst>
+              <a:ext uri="{FF2B5EF4-FFF2-40B4-BE49-F238E27FC236}">
+                <a16:creationId xmlns:a16="http://schemas.microsoft.com/office/drawing/2014/main" id="{AD9E54D0-315F-488F-94D2-D6051BE52582}"/>
+              </a:ext>
+            </a:extLst>
+          </p:cNvPr>
+          <p:cNvSpPr>
+            <a:spLocks noGrp="1"/>
+          </p:cNvSpPr>
+          <p:nvPr>
+            <p:ph type="ftr" sz="quarter" idx="11"/>
+          </p:nvPr>
+        </p:nvSpPr>
+        <p:spPr/>
+        <p:txBody>
+          <a:bodyPr/>
+          <a:lstStyle/>
+          <a:p>
+            <a:r>
+              <a:rPr lang="nl-NL"/>
+              <a:t>elasticsearch</a:t>
+            </a:r>
+          </a:p>
+        </p:txBody>
+      </p:sp>
+      <p:sp>
+        <p:nvSpPr>
+          <p:cNvPr id="5" name="Slide Number Placeholder 4">
+            <a:extLst>
+              <a:ext uri="{FF2B5EF4-FFF2-40B4-BE49-F238E27FC236}">
+                <a16:creationId xmlns:a16="http://schemas.microsoft.com/office/drawing/2014/main" id="{44EC881E-E8A2-4D6D-8DC0-9AC56DCB7966}"/>
+              </a:ext>
+            </a:extLst>
+          </p:cNvPr>
+          <p:cNvSpPr>
+            <a:spLocks noGrp="1"/>
+          </p:cNvSpPr>
+          <p:nvPr>
+            <p:ph type="sldNum" sz="quarter" idx="12"/>
+          </p:nvPr>
+        </p:nvSpPr>
+        <p:spPr/>
+        <p:txBody>
+          <a:bodyPr/>
+          <a:lstStyle/>
+          <a:p>
+            <a:fld id="{14F1411D-0280-154F-AEAC-4C20B7AA46B2}" type="slidenum">
+              <a:rPr lang="nl-NL" smtClean="0"/>
+              <a:t>39</a:t>
+            </a:fld>
+            <a:endParaRPr lang="nl-NL"/>
+          </a:p>
+        </p:txBody>
+      </p:sp>
+    </p:spTree>
+    <p:extLst>
+      <p:ext uri="{BB962C8B-B14F-4D97-AF65-F5344CB8AC3E}">
+        <p14:creationId xmlns:p14="http://schemas.microsoft.com/office/powerpoint/2010/main" val="2742430367"/>
+      </p:ext>
+    </p:extLst>
+  </p:cSld>
+  <p:clrMapOvr>
+    <a:masterClrMapping/>
+  </p:clrMapOvr>
+</p:sld>
+</file>
+
 <file path=ppt/slides/slide4.xml><?xml version="1.0" encoding="utf-8"?>
 <p:sld xmlns:a="http://schemas.openxmlformats.org/drawingml/2006/main" xmlns:r="http://schemas.openxmlformats.org/officeDocument/2006/relationships" xmlns:p="http://schemas.openxmlformats.org/presentationml/2006/main">
   <p:cSld>
@@ -15592,219 +15804,6 @@
           <p:cNvPr id="2" name="Title 1">
             <a:extLst>
               <a:ext uri="{FF2B5EF4-FFF2-40B4-BE49-F238E27FC236}">
-                <a16:creationId xmlns:a16="http://schemas.microsoft.com/office/drawing/2014/main" id="{0FBBD13C-9B5E-4189-9E78-238477EC36AB}"/>
-              </a:ext>
-            </a:extLst>
-          </p:cNvPr>
-          <p:cNvSpPr>
-            <a:spLocks noGrp="1"/>
-          </p:cNvSpPr>
-          <p:nvPr>
-            <p:ph type="title"/>
-          </p:nvPr>
-        </p:nvSpPr>
-        <p:spPr/>
-        <p:txBody>
-          <a:bodyPr/>
-          <a:lstStyle/>
-          <a:p>
-            <a:r>
-              <a:rPr lang="en-GB" dirty="0"/>
-              <a:t>Aggregations(2)</a:t>
-            </a:r>
-            <a:endParaRPr lang="en-NL" dirty="0"/>
-          </a:p>
-        </p:txBody>
-      </p:sp>
-      <p:sp>
-        <p:nvSpPr>
-          <p:cNvPr id="3" name="Content Placeholder 2">
-            <a:extLst>
-              <a:ext uri="{FF2B5EF4-FFF2-40B4-BE49-F238E27FC236}">
-                <a16:creationId xmlns:a16="http://schemas.microsoft.com/office/drawing/2014/main" id="{E75347B0-CAEC-4097-9892-E6AB2B41EFBA}"/>
-              </a:ext>
-            </a:extLst>
-          </p:cNvPr>
-          <p:cNvSpPr>
-            <a:spLocks noGrp="1"/>
-          </p:cNvSpPr>
-          <p:nvPr>
-            <p:ph idx="1"/>
-          </p:nvPr>
-        </p:nvSpPr>
-        <p:spPr>
-          <a:xfrm>
-            <a:off x="720003" y="936000"/>
-            <a:ext cx="6246854" cy="3780000"/>
-          </a:xfrm>
-        </p:spPr>
-        <p:txBody>
-          <a:bodyPr/>
-          <a:lstStyle/>
-          <a:p>
-            <a:r>
-              <a:rPr lang="en-GB" dirty="0"/>
-              <a:t>Values used for aggregations can be extracted by setting a field key or by defining a script to generate the values</a:t>
-            </a:r>
-          </a:p>
-          <a:p>
-            <a:r>
-              <a:rPr lang="en-GB" dirty="0"/>
-              <a:t>Aggregations can be nested</a:t>
-            </a:r>
-          </a:p>
-          <a:p>
-            <a:endParaRPr lang="en-GB" dirty="0"/>
-          </a:p>
-          <a:p>
-            <a:r>
-              <a:rPr lang="en-GB" dirty="0"/>
-              <a:t>The results are shown below the query results</a:t>
-            </a:r>
-          </a:p>
-          <a:p>
-            <a:pPr lvl="1"/>
-            <a:r>
-              <a:rPr lang="en-GB" sz="1400" dirty="0"/>
-              <a:t>Set size to 0 to only get aggregation results</a:t>
-            </a:r>
-          </a:p>
-          <a:p>
-            <a:endParaRPr lang="en-GB" dirty="0"/>
-          </a:p>
-          <a:p>
-            <a:r>
-              <a:rPr lang="en-GB" dirty="0"/>
-              <a:t>Results are approximate for values above 2^53</a:t>
-            </a:r>
-          </a:p>
-          <a:p>
-            <a:endParaRPr lang="en-GB" dirty="0"/>
-          </a:p>
-          <a:p>
-            <a:endParaRPr lang="en-GB" dirty="0"/>
-          </a:p>
-          <a:p>
-            <a:endParaRPr lang="en-GB" dirty="0"/>
-          </a:p>
-          <a:p>
-            <a:endParaRPr lang="en-GB" dirty="0"/>
-          </a:p>
-          <a:p>
-            <a:endParaRPr lang="en-GB" dirty="0"/>
-          </a:p>
-          <a:p>
-            <a:endParaRPr lang="en-GB" dirty="0"/>
-          </a:p>
-          <a:p>
-            <a:r>
-              <a:rPr lang="nl-NL" sz="1100" dirty="0">
-                <a:hlinkClick r:id="rId2"/>
-              </a:rPr>
-              <a:t>https://www.elastic.co/guide/en/elasticsearch/reference/current/search-aggregations.html</a:t>
-            </a:r>
-            <a:endParaRPr lang="en-GB" sz="1100" dirty="0"/>
-          </a:p>
-          <a:p>
-            <a:endParaRPr lang="en-GB" dirty="0"/>
-          </a:p>
-          <a:p>
-            <a:endParaRPr lang="en-NL" dirty="0"/>
-          </a:p>
-        </p:txBody>
-      </p:sp>
-      <p:sp>
-        <p:nvSpPr>
-          <p:cNvPr id="4" name="Footer Placeholder 3">
-            <a:extLst>
-              <a:ext uri="{FF2B5EF4-FFF2-40B4-BE49-F238E27FC236}">
-                <a16:creationId xmlns:a16="http://schemas.microsoft.com/office/drawing/2014/main" id="{AD9E54D0-315F-488F-94D2-D6051BE52582}"/>
-              </a:ext>
-            </a:extLst>
-          </p:cNvPr>
-          <p:cNvSpPr>
-            <a:spLocks noGrp="1"/>
-          </p:cNvSpPr>
-          <p:nvPr>
-            <p:ph type="ftr" sz="quarter" idx="11"/>
-          </p:nvPr>
-        </p:nvSpPr>
-        <p:spPr/>
-        <p:txBody>
-          <a:bodyPr/>
-          <a:lstStyle/>
-          <a:p>
-            <a:r>
-              <a:rPr lang="nl-NL"/>
-              <a:t>elasticsearch</a:t>
-            </a:r>
-          </a:p>
-        </p:txBody>
-      </p:sp>
-      <p:sp>
-        <p:nvSpPr>
-          <p:cNvPr id="5" name="Slide Number Placeholder 4">
-            <a:extLst>
-              <a:ext uri="{FF2B5EF4-FFF2-40B4-BE49-F238E27FC236}">
-                <a16:creationId xmlns:a16="http://schemas.microsoft.com/office/drawing/2014/main" id="{44EC881E-E8A2-4D6D-8DC0-9AC56DCB7966}"/>
-              </a:ext>
-            </a:extLst>
-          </p:cNvPr>
-          <p:cNvSpPr>
-            <a:spLocks noGrp="1"/>
-          </p:cNvSpPr>
-          <p:nvPr>
-            <p:ph type="sldNum" sz="quarter" idx="12"/>
-          </p:nvPr>
-        </p:nvSpPr>
-        <p:spPr/>
-        <p:txBody>
-          <a:bodyPr/>
-          <a:lstStyle/>
-          <a:p>
-            <a:fld id="{14F1411D-0280-154F-AEAC-4C20B7AA46B2}" type="slidenum">
-              <a:rPr lang="nl-NL" smtClean="0"/>
-              <a:t>40</a:t>
-            </a:fld>
-            <a:endParaRPr lang="nl-NL"/>
-          </a:p>
-        </p:txBody>
-      </p:sp>
-    </p:spTree>
-    <p:extLst>
-      <p:ext uri="{BB962C8B-B14F-4D97-AF65-F5344CB8AC3E}">
-        <p14:creationId xmlns:p14="http://schemas.microsoft.com/office/powerpoint/2010/main" val="2742430367"/>
-      </p:ext>
-    </p:extLst>
-  </p:cSld>
-  <p:clrMapOvr>
-    <a:masterClrMapping/>
-  </p:clrMapOvr>
-</p:sld>
-</file>
-
-<file path=ppt/slides/slide41.xml><?xml version="1.0" encoding="utf-8"?>
-<p:sld xmlns:a="http://schemas.openxmlformats.org/drawingml/2006/main" xmlns:r="http://schemas.openxmlformats.org/officeDocument/2006/relationships" xmlns:p="http://schemas.openxmlformats.org/presentationml/2006/main">
-  <p:cSld>
-    <p:spTree>
-      <p:nvGrpSpPr>
-        <p:cNvPr id="1" name=""/>
-        <p:cNvGrpSpPr/>
-        <p:nvPr/>
-      </p:nvGrpSpPr>
-      <p:grpSpPr>
-        <a:xfrm>
-          <a:off x="0" y="0"/>
-          <a:ext cx="0" cy="0"/>
-          <a:chOff x="0" y="0"/>
-          <a:chExt cx="0" cy="0"/>
-        </a:xfrm>
-      </p:grpSpPr>
-      <p:sp>
-        <p:nvSpPr>
-          <p:cNvPr id="2" name="Title 1">
-            <a:extLst>
-              <a:ext uri="{FF2B5EF4-FFF2-40B4-BE49-F238E27FC236}">
                 <a16:creationId xmlns:a16="http://schemas.microsoft.com/office/drawing/2014/main" id="{3DE75532-20F6-410C-B18D-9F4325408632}"/>
               </a:ext>
             </a:extLst>
@@ -15966,7 +15965,7 @@
           <a:p>
             <a:fld id="{14F1411D-0280-154F-AEAC-4C20B7AA46B2}" type="slidenum">
               <a:rPr lang="nl-NL" smtClean="0"/>
-              <a:t>41</a:t>
+              <a:t>40</a:t>
             </a:fld>
             <a:endParaRPr lang="nl-NL"/>
           </a:p>
@@ -16043,7 +16042,7 @@
 </p:sld>
 </file>
 
-<file path=ppt/slides/slide42.xml><?xml version="1.0" encoding="utf-8"?>
+<file path=ppt/slides/slide41.xml><?xml version="1.0" encoding="utf-8"?>
 <p:sld xmlns:a="http://schemas.openxmlformats.org/drawingml/2006/main" xmlns:r="http://schemas.openxmlformats.org/officeDocument/2006/relationships" xmlns:p="http://schemas.openxmlformats.org/presentationml/2006/main">
   <p:cSld>
     <p:spTree>
@@ -16222,7 +16221,7 @@
           <a:p>
             <a:fld id="{14F1411D-0280-154F-AEAC-4C20B7AA46B2}" type="slidenum">
               <a:rPr lang="nl-NL" smtClean="0"/>
-              <a:t>42</a:t>
+              <a:t>41</a:t>
             </a:fld>
             <a:endParaRPr lang="nl-NL"/>
           </a:p>
@@ -16299,7 +16298,7 @@
 </p:sld>
 </file>
 
-<file path=ppt/slides/slide43.xml><?xml version="1.0" encoding="utf-8"?>
+<file path=ppt/slides/slide42.xml><?xml version="1.0" encoding="utf-8"?>
 <p:sld xmlns:a="http://schemas.openxmlformats.org/drawingml/2006/main" xmlns:r="http://schemas.openxmlformats.org/officeDocument/2006/relationships" xmlns:p="http://schemas.openxmlformats.org/presentationml/2006/main">
   <p:cSld>
     <p:spTree>
@@ -16487,7 +16486,7 @@
           <a:p>
             <a:fld id="{14F1411D-0280-154F-AEAC-4C20B7AA46B2}" type="slidenum">
               <a:rPr lang="nl-NL" smtClean="0"/>
-              <a:t>43</a:t>
+              <a:t>42</a:t>
             </a:fld>
             <a:endParaRPr lang="nl-NL"/>
           </a:p>
@@ -16637,6 +16636,237 @@
 </p:sld>
 </file>
 
+<file path=ppt/slides/slide43.xml><?xml version="1.0" encoding="utf-8"?>
+<p:sld xmlns:a="http://schemas.openxmlformats.org/drawingml/2006/main" xmlns:r="http://schemas.openxmlformats.org/officeDocument/2006/relationships" xmlns:p="http://schemas.openxmlformats.org/presentationml/2006/main">
+  <p:cSld>
+    <p:spTree>
+      <p:nvGrpSpPr>
+        <p:cNvPr id="1" name=""/>
+        <p:cNvGrpSpPr/>
+        <p:nvPr/>
+      </p:nvGrpSpPr>
+      <p:grpSpPr>
+        <a:xfrm>
+          <a:off x="0" y="0"/>
+          <a:ext cx="0" cy="0"/>
+          <a:chOff x="0" y="0"/>
+          <a:chExt cx="0" cy="0"/>
+        </a:xfrm>
+      </p:grpSpPr>
+      <p:sp>
+        <p:nvSpPr>
+          <p:cNvPr id="2" name="Title 1"/>
+          <p:cNvSpPr>
+            <a:spLocks noGrp="1"/>
+          </p:cNvSpPr>
+          <p:nvPr>
+            <p:ph type="title"/>
+          </p:nvPr>
+        </p:nvSpPr>
+        <p:spPr/>
+        <p:txBody>
+          <a:bodyPr/>
+          <a:lstStyle/>
+          <a:p>
+            <a:r>
+              <a:rPr lang="nl-NL" dirty="0"/>
+              <a:t>Hands-on</a:t>
+            </a:r>
+          </a:p>
+        </p:txBody>
+      </p:sp>
+      <p:sp>
+        <p:nvSpPr>
+          <p:cNvPr id="3" name="Content Placeholder 2"/>
+          <p:cNvSpPr>
+            <a:spLocks noGrp="1"/>
+          </p:cNvSpPr>
+          <p:nvPr>
+            <p:ph idx="1"/>
+          </p:nvPr>
+        </p:nvSpPr>
+        <p:spPr/>
+        <p:txBody>
+          <a:bodyPr/>
+          <a:lstStyle/>
+          <a:p>
+            <a:r>
+              <a:rPr lang="nl-NL" dirty="0">
+                <a:hlinkClick r:id="rId2">
+                  <a:extLst>
+                    <a:ext uri="{A12FA001-AC4F-418D-AE19-62706E023703}">
+                      <ahyp:hlinkClr xmlns:ahyp="http://schemas.microsoft.com/office/drawing/2018/hyperlinkcolor" val="tx"/>
+                    </a:ext>
+                  </a:extLst>
+                </a:hlinkClick>
+              </a:rPr>
+              <a:t>https://github.com/AMIS-Services/sig-elasticsearch-may2020</a:t>
+            </a:r>
+            <a:endParaRPr lang="nl-NL" dirty="0"/>
+          </a:p>
+          <a:p>
+            <a:endParaRPr lang="nl-NL" dirty="0"/>
+          </a:p>
+          <a:p>
+            <a:r>
+              <a:rPr lang="nl-NL" dirty="0"/>
+              <a:t>Running elasticsearch in docker</a:t>
+            </a:r>
+          </a:p>
+          <a:p>
+            <a:r>
+              <a:rPr lang="nl-NL" dirty="0"/>
+              <a:t>Use of recipes data from </a:t>
+            </a:r>
+            <a:r>
+              <a:rPr lang="nl-NL" dirty="0">
+                <a:hlinkClick r:id="rId3">
+                  <a:extLst>
+                    <a:ext uri="{A12FA001-AC4F-418D-AE19-62706E023703}">
+                      <ahyp:hlinkClr xmlns:ahyp="http://schemas.microsoft.com/office/drawing/2018/hyperlinkcolor" val="tx"/>
+                    </a:ext>
+                  </a:extLst>
+                </a:hlinkClick>
+              </a:rPr>
+              <a:t>https://openrecip.es/</a:t>
+            </a:r>
+            <a:endParaRPr lang="nl-NL" dirty="0"/>
+          </a:p>
+          <a:p>
+            <a:endParaRPr lang="nl-NL" dirty="0"/>
+          </a:p>
+          <a:p>
+            <a:r>
+              <a:rPr lang="nl-NL" dirty="0"/>
+              <a:t>Topics:</a:t>
+            </a:r>
+          </a:p>
+          <a:p>
+            <a:pPr lvl="1"/>
+            <a:r>
+              <a:rPr lang="en-US" sz="1400" dirty="0"/>
+              <a:t>Cluster info and Indexing</a:t>
+            </a:r>
+          </a:p>
+          <a:p>
+            <a:pPr lvl="1"/>
+            <a:r>
+              <a:rPr lang="en-US" sz="1400" dirty="0"/>
+              <a:t>Queries and aggregations</a:t>
+            </a:r>
+          </a:p>
+          <a:p>
+            <a:pPr lvl="1"/>
+            <a:r>
+              <a:rPr lang="en-US" sz="1400" dirty="0"/>
+              <a:t>Connecting Node.js to </a:t>
+            </a:r>
+            <a:r>
+              <a:rPr lang="en-US" sz="1400" dirty="0" err="1"/>
+              <a:t>ElasticSearch</a:t>
+            </a:r>
+            <a:endParaRPr lang="en-US" sz="1400" dirty="0"/>
+          </a:p>
+          <a:p>
+            <a:pPr lvl="1"/>
+            <a:r>
+              <a:rPr lang="en-US" sz="1400" dirty="0"/>
+              <a:t>Connecting Spring to </a:t>
+            </a:r>
+            <a:r>
+              <a:rPr lang="en-US" sz="1400" dirty="0" err="1"/>
+              <a:t>ElasticSearch</a:t>
+            </a:r>
+            <a:endParaRPr lang="en-US" sz="1400" dirty="0"/>
+          </a:p>
+          <a:p>
+            <a:endParaRPr lang="nl-NL" dirty="0"/>
+          </a:p>
+        </p:txBody>
+      </p:sp>
+      <p:sp>
+        <p:nvSpPr>
+          <p:cNvPr id="4" name="Footer Placeholder 3"/>
+          <p:cNvSpPr>
+            <a:spLocks noGrp="1"/>
+          </p:cNvSpPr>
+          <p:nvPr>
+            <p:ph type="ftr" sz="quarter" idx="11"/>
+          </p:nvPr>
+        </p:nvSpPr>
+        <p:spPr/>
+        <p:txBody>
+          <a:bodyPr/>
+          <a:lstStyle/>
+          <a:p>
+            <a:r>
+              <a:rPr lang="nl-NL"/>
+              <a:t>elasticsearch</a:t>
+            </a:r>
+          </a:p>
+        </p:txBody>
+      </p:sp>
+      <p:sp>
+        <p:nvSpPr>
+          <p:cNvPr id="5" name="Slide Number Placeholder 4"/>
+          <p:cNvSpPr>
+            <a:spLocks noGrp="1"/>
+          </p:cNvSpPr>
+          <p:nvPr>
+            <p:ph type="sldNum" sz="quarter" idx="12"/>
+          </p:nvPr>
+        </p:nvSpPr>
+        <p:spPr/>
+        <p:txBody>
+          <a:bodyPr/>
+          <a:lstStyle/>
+          <a:p>
+            <a:fld id="{14F1411D-0280-154F-AEAC-4C20B7AA46B2}" type="slidenum">
+              <a:rPr lang="nl-NL" smtClean="0"/>
+              <a:t>43</a:t>
+            </a:fld>
+            <a:endParaRPr lang="nl-NL"/>
+          </a:p>
+        </p:txBody>
+      </p:sp>
+      <p:pic>
+        <p:nvPicPr>
+          <p:cNvPr id="9" name="Picture Placeholder 8"/>
+          <p:cNvPicPr>
+            <a:picLocks noGrp="1" noChangeAspect="1"/>
+          </p:cNvPicPr>
+          <p:nvPr>
+            <p:ph type="pic" idx="13"/>
+          </p:nvPr>
+        </p:nvPicPr>
+        <p:blipFill>
+          <a:blip r:embed="rId4">
+            <a:extLst>
+              <a:ext uri="{28A0092B-C50C-407E-A947-70E740481C1C}">
+                <a14:useLocalDpi xmlns:a14="http://schemas.microsoft.com/office/drawing/2010/main" val="0"/>
+              </a:ext>
+            </a:extLst>
+          </a:blip>
+          <a:srcRect t="1" b="1"/>
+          <a:stretch>
+            <a:fillRect/>
+          </a:stretch>
+        </p:blipFill>
+        <p:spPr/>
+      </p:pic>
+    </p:spTree>
+    <p:extLst>
+      <p:ext uri="{BB962C8B-B14F-4D97-AF65-F5344CB8AC3E}">
+        <p14:creationId xmlns:p14="http://schemas.microsoft.com/office/powerpoint/2010/main" val="235565209"/>
+      </p:ext>
+    </p:extLst>
+  </p:cSld>
+  <p:clrMapOvr>
+    <a:masterClrMapping/>
+  </p:clrMapOvr>
+</p:sld>
+</file>
+
 <file path=ppt/slides/slide44.xml><?xml version="1.0" encoding="utf-8"?>
 <p:sld xmlns:a="http://schemas.openxmlformats.org/drawingml/2006/main" xmlns:r="http://schemas.openxmlformats.org/officeDocument/2006/relationships" xmlns:p="http://schemas.openxmlformats.org/presentationml/2006/main">
   <p:cSld>
@@ -16656,119 +16886,7 @@
       </p:grpSpPr>
       <p:sp>
         <p:nvSpPr>
-          <p:cNvPr id="2" name="Title 1"/>
-          <p:cNvSpPr>
-            <a:spLocks noGrp="1"/>
-          </p:cNvSpPr>
-          <p:nvPr>
-            <p:ph type="title"/>
-          </p:nvPr>
-        </p:nvSpPr>
-        <p:spPr/>
-        <p:txBody>
-          <a:bodyPr/>
-          <a:lstStyle/>
-          <a:p>
-            <a:r>
-              <a:rPr lang="nl-NL" dirty="0"/>
-              <a:t>Hands-on</a:t>
-            </a:r>
-          </a:p>
-        </p:txBody>
-      </p:sp>
-      <p:sp>
-        <p:nvSpPr>
-          <p:cNvPr id="3" name="Content Placeholder 2"/>
-          <p:cNvSpPr>
-            <a:spLocks noGrp="1"/>
-          </p:cNvSpPr>
-          <p:nvPr>
-            <p:ph idx="1"/>
-          </p:nvPr>
-        </p:nvSpPr>
-        <p:spPr/>
-        <p:txBody>
-          <a:bodyPr/>
-          <a:lstStyle/>
-          <a:p>
-            <a:r>
-              <a:rPr lang="nl-NL" dirty="0">
-                <a:hlinkClick r:id="rId2">
-                  <a:extLst>
-                    <a:ext uri="{A12FA001-AC4F-418D-AE19-62706E023703}">
-                      <ahyp:hlinkClr xmlns:ahyp="http://schemas.microsoft.com/office/drawing/2018/hyperlinkcolor" val="tx"/>
-                    </a:ext>
-                  </a:extLst>
-                </a:hlinkClick>
-              </a:rPr>
-              <a:t>https://github.com/AMIS-Services/sig-elasticsearch-may2020</a:t>
-            </a:r>
-            <a:endParaRPr lang="nl-NL" dirty="0"/>
-          </a:p>
-          <a:p>
-            <a:endParaRPr lang="nl-NL" dirty="0"/>
-          </a:p>
-          <a:p>
-            <a:r>
-              <a:rPr lang="nl-NL" dirty="0"/>
-              <a:t>Running elasticsearch in docker</a:t>
-            </a:r>
-          </a:p>
-          <a:p>
-            <a:r>
-              <a:rPr lang="nl-NL" dirty="0"/>
-              <a:t>Use of recipes data from </a:t>
-            </a:r>
-            <a:r>
-              <a:rPr lang="nl-NL" dirty="0">
-                <a:hlinkClick r:id="rId3">
-                  <a:extLst>
-                    <a:ext uri="{A12FA001-AC4F-418D-AE19-62706E023703}">
-                      <ahyp:hlinkClr xmlns:ahyp="http://schemas.microsoft.com/office/drawing/2018/hyperlinkcolor" val="tx"/>
-                    </a:ext>
-                  </a:extLst>
-                </a:hlinkClick>
-              </a:rPr>
-              <a:t>https://openrecip.es/</a:t>
-            </a:r>
-            <a:endParaRPr lang="nl-NL" dirty="0"/>
-          </a:p>
-          <a:p>
-            <a:endParaRPr lang="nl-NL" dirty="0"/>
-          </a:p>
-          <a:p>
-            <a:r>
-              <a:rPr lang="nl-NL" dirty="0"/>
-              <a:t>Topics:</a:t>
-            </a:r>
-          </a:p>
-          <a:p>
-            <a:pPr lvl="1"/>
-            <a:r>
-              <a:rPr lang="en-US" sz="1400" dirty="0"/>
-              <a:t>Queries and aggregations</a:t>
-            </a:r>
-          </a:p>
-          <a:p>
-            <a:pPr lvl="1"/>
-            <a:r>
-              <a:rPr lang="en-US" sz="1400" dirty="0"/>
-              <a:t>Connecting Node.js to </a:t>
-            </a:r>
-            <a:r>
-              <a:rPr lang="en-US" sz="1400" dirty="0" err="1"/>
-              <a:t>elasticsearch</a:t>
-            </a:r>
-            <a:endParaRPr lang="en-US" sz="1400" dirty="0"/>
-          </a:p>
-          <a:p>
-            <a:endParaRPr lang="nl-NL" dirty="0"/>
-          </a:p>
-        </p:txBody>
-      </p:sp>
-      <p:sp>
-        <p:nvSpPr>
-          <p:cNvPr id="4" name="Footer Placeholder 3"/>
+          <p:cNvPr id="2" name="Footer Placeholder 1"/>
           <p:cNvSpPr>
             <a:spLocks noGrp="1"/>
           </p:cNvSpPr>
@@ -16790,7 +16908,7 @@
       </p:sp>
       <p:sp>
         <p:nvSpPr>
-          <p:cNvPr id="5" name="Slide Number Placeholder 4"/>
+          <p:cNvPr id="3" name="Slide Number Placeholder 2"/>
           <p:cNvSpPr>
             <a:spLocks noGrp="1"/>
           </p:cNvSpPr>
@@ -16806,106 +16924,6 @@
             <a:fld id="{14F1411D-0280-154F-AEAC-4C20B7AA46B2}" type="slidenum">
               <a:rPr lang="nl-NL" smtClean="0"/>
               <a:t>44</a:t>
-            </a:fld>
-            <a:endParaRPr lang="nl-NL"/>
-          </a:p>
-        </p:txBody>
-      </p:sp>
-      <p:pic>
-        <p:nvPicPr>
-          <p:cNvPr id="9" name="Picture Placeholder 8"/>
-          <p:cNvPicPr>
-            <a:picLocks noGrp="1" noChangeAspect="1"/>
-          </p:cNvPicPr>
-          <p:nvPr>
-            <p:ph type="pic" idx="13"/>
-          </p:nvPr>
-        </p:nvPicPr>
-        <p:blipFill>
-          <a:blip r:embed="rId4">
-            <a:extLst>
-              <a:ext uri="{28A0092B-C50C-407E-A947-70E740481C1C}">
-                <a14:useLocalDpi xmlns:a14="http://schemas.microsoft.com/office/drawing/2010/main" val="0"/>
-              </a:ext>
-            </a:extLst>
-          </a:blip>
-          <a:srcRect t="1" b="1"/>
-          <a:stretch>
-            <a:fillRect/>
-          </a:stretch>
-        </p:blipFill>
-        <p:spPr/>
-      </p:pic>
-    </p:spTree>
-    <p:extLst>
-      <p:ext uri="{BB962C8B-B14F-4D97-AF65-F5344CB8AC3E}">
-        <p14:creationId xmlns:p14="http://schemas.microsoft.com/office/powerpoint/2010/main" val="235565209"/>
-      </p:ext>
-    </p:extLst>
-  </p:cSld>
-  <p:clrMapOvr>
-    <a:masterClrMapping/>
-  </p:clrMapOvr>
-</p:sld>
-</file>
-
-<file path=ppt/slides/slide45.xml><?xml version="1.0" encoding="utf-8"?>
-<p:sld xmlns:a="http://schemas.openxmlformats.org/drawingml/2006/main" xmlns:r="http://schemas.openxmlformats.org/officeDocument/2006/relationships" xmlns:p="http://schemas.openxmlformats.org/presentationml/2006/main">
-  <p:cSld>
-    <p:spTree>
-      <p:nvGrpSpPr>
-        <p:cNvPr id="1" name=""/>
-        <p:cNvGrpSpPr/>
-        <p:nvPr/>
-      </p:nvGrpSpPr>
-      <p:grpSpPr>
-        <a:xfrm>
-          <a:off x="0" y="0"/>
-          <a:ext cx="0" cy="0"/>
-          <a:chOff x="0" y="0"/>
-          <a:chExt cx="0" cy="0"/>
-        </a:xfrm>
-      </p:grpSpPr>
-      <p:sp>
-        <p:nvSpPr>
-          <p:cNvPr id="2" name="Footer Placeholder 1"/>
-          <p:cNvSpPr>
-            <a:spLocks noGrp="1"/>
-          </p:cNvSpPr>
-          <p:nvPr>
-            <p:ph type="ftr" sz="quarter" idx="11"/>
-          </p:nvPr>
-        </p:nvSpPr>
-        <p:spPr/>
-        <p:txBody>
-          <a:bodyPr/>
-          <a:lstStyle/>
-          <a:p>
-            <a:r>
-              <a:rPr lang="nl-NL"/>
-              <a:t>elasticsearch</a:t>
-            </a:r>
-          </a:p>
-        </p:txBody>
-      </p:sp>
-      <p:sp>
-        <p:nvSpPr>
-          <p:cNvPr id="3" name="Slide Number Placeholder 2"/>
-          <p:cNvSpPr>
-            <a:spLocks noGrp="1"/>
-          </p:cNvSpPr>
-          <p:nvPr>
-            <p:ph type="sldNum" sz="quarter" idx="12"/>
-          </p:nvPr>
-        </p:nvSpPr>
-        <p:spPr/>
-        <p:txBody>
-          <a:bodyPr/>
-          <a:lstStyle/>
-          <a:p>
-            <a:fld id="{14F1411D-0280-154F-AEAC-4C20B7AA46B2}" type="slidenum">
-              <a:rPr lang="nl-NL" smtClean="0"/>
-              <a:t>45</a:t>
             </a:fld>
             <a:endParaRPr lang="nl-NL"/>
           </a:p>
@@ -17191,7 +17209,7 @@
           <a:p>
             <a:r>
               <a:rPr lang="nl-NL" dirty="0"/>
-              <a:t>NoSQL</a:t>
+              <a:t>Document</a:t>
             </a:r>
           </a:p>
         </p:txBody>
@@ -17218,8 +17236,29 @@
           <a:p>
             <a:r>
               <a:rPr lang="nl-NL" dirty="0"/>
-              <a:t>Document store</a:t>
-            </a:r>
+              <a:t>Smallest unit of data</a:t>
+            </a:r>
+          </a:p>
+          <a:p>
+            <a:r>
+              <a:rPr lang="nl-NL" dirty="0"/>
+              <a:t>Self contained</a:t>
+            </a:r>
+          </a:p>
+          <a:p>
+            <a:r>
+              <a:rPr lang="nl-NL" dirty="0"/>
+              <a:t>Can be hierarchical</a:t>
+            </a:r>
+          </a:p>
+          <a:p>
+            <a:r>
+              <a:rPr lang="nl-NL" dirty="0"/>
+              <a:t>Flexible structure (JSON)</a:t>
+            </a:r>
+          </a:p>
+          <a:p>
+            <a:endParaRPr lang="nl-NL" dirty="0"/>
           </a:p>
         </p:txBody>
       </p:sp>
@@ -17242,7 +17281,6 @@
               <a:rPr lang="nl-NL"/>
               <a:t>elasticsearch</a:t>
             </a:r>
-            <a:endParaRPr lang="nl-NL" dirty="0"/>
           </a:p>
         </p:txBody>
       </p:sp>
@@ -17269,10 +17307,135 @@
           </a:p>
         </p:txBody>
       </p:sp>
+      <p:sp>
+        <p:nvSpPr>
+          <p:cNvPr id="6" name="Rectangle 5">
+            <a:extLst>
+              <a:ext uri="{FF2B5EF4-FFF2-40B4-BE49-F238E27FC236}">
+                <a16:creationId xmlns:a16="http://schemas.microsoft.com/office/drawing/2014/main" id="{6BAC7E01-8402-4402-A5AD-0FBD7A77A7F8}"/>
+              </a:ext>
+            </a:extLst>
+          </p:cNvPr>
+          <p:cNvSpPr/>
+          <p:nvPr/>
+        </p:nvSpPr>
+        <p:spPr>
+          <a:xfrm>
+            <a:off x="1034374" y="2430533"/>
+            <a:ext cx="4572000" cy="2169825"/>
+          </a:xfrm>
+          <a:prstGeom prst="rect">
+            <a:avLst/>
+          </a:prstGeom>
+        </p:spPr>
+        <p:txBody>
+          <a:bodyPr>
+            <a:spAutoFit/>
+          </a:bodyPr>
+          <a:lstStyle/>
+          <a:p>
+            <a:r>
+              <a:rPr lang="en-NL" dirty="0"/>
+              <a:t>{</a:t>
+            </a:r>
+          </a:p>
+          <a:p>
+            <a:r>
+              <a:rPr lang="en-NL" dirty="0"/>
+              <a:t>	"name": "Farm Henk",</a:t>
+            </a:r>
+          </a:p>
+          <a:p>
+            <a:r>
+              <a:rPr lang="en-NL" dirty="0"/>
+              <a:t>	"</a:t>
+            </a:r>
+            <a:r>
+              <a:rPr lang="en-US" dirty="0" err="1"/>
+              <a:t>foundingDate</a:t>
+            </a:r>
+            <a:r>
+              <a:rPr lang="en-NL" dirty="0"/>
+              <a:t>": "1922-03-11",</a:t>
+            </a:r>
+          </a:p>
+          <a:p>
+            <a:r>
+              <a:rPr lang="en-NL" dirty="0"/>
+              <a:t>	"location": {</a:t>
+            </a:r>
+          </a:p>
+          <a:p>
+            <a:r>
+              <a:rPr lang="en-NL" dirty="0"/>
+              <a:t>		"name": "Utrecht",</a:t>
+            </a:r>
+          </a:p>
+          <a:p>
+            <a:r>
+              <a:rPr lang="en-NL" dirty="0"/>
+              <a:t>		“</a:t>
+            </a:r>
+            <a:r>
+              <a:rPr lang="en-US" dirty="0"/>
+              <a:t>street</a:t>
+            </a:r>
+            <a:r>
+              <a:rPr lang="en-NL" dirty="0"/>
+              <a:t>": “</a:t>
+            </a:r>
+            <a:r>
+              <a:rPr lang="en-US" dirty="0" err="1"/>
+              <a:t>Dorpstraat</a:t>
+            </a:r>
+            <a:r>
+              <a:rPr lang="en-NL" dirty="0"/>
+              <a:t>“</a:t>
+            </a:r>
+            <a:r>
+              <a:rPr lang="en-US" dirty="0"/>
+              <a:t>,</a:t>
+            </a:r>
+          </a:p>
+          <a:p>
+            <a:r>
+              <a:rPr lang="en-US" dirty="0"/>
+              <a:t>		“</a:t>
+            </a:r>
+            <a:r>
+              <a:rPr lang="en-US" dirty="0" err="1"/>
+              <a:t>numbe</a:t>
+            </a:r>
+            <a:r>
+              <a:rPr lang="en-US" dirty="0"/>
+              <a:t>”: “22”</a:t>
+            </a:r>
+            <a:endParaRPr lang="en-NL" dirty="0"/>
+          </a:p>
+          <a:p>
+            <a:r>
+              <a:rPr lang="en-NL" dirty="0"/>
+              <a:t>	},</a:t>
+            </a:r>
+          </a:p>
+          <a:p>
+            <a:r>
+              <a:rPr lang="en-NL" dirty="0"/>
+              <a:t>	"animals": ["Pigs", "Cows", "Chickens"]</a:t>
+            </a:r>
+          </a:p>
+          <a:p>
+            <a:r>
+              <a:rPr lang="en-NL" dirty="0"/>
+              <a:t>}</a:t>
+            </a:r>
+          </a:p>
+        </p:txBody>
+      </p:sp>
     </p:spTree>
     <p:extLst>
       <p:ext uri="{BB962C8B-B14F-4D97-AF65-F5344CB8AC3E}">
-        <p14:creationId xmlns:p14="http://schemas.microsoft.com/office/powerpoint/2010/main" val="685382415"/>
+        <p14:creationId xmlns:p14="http://schemas.microsoft.com/office/powerpoint/2010/main" val="354750810"/>
       </p:ext>
     </p:extLst>
   </p:cSld>
@@ -17316,7 +17479,7 @@
           <a:p>
             <a:r>
               <a:rPr lang="nl-NL" dirty="0"/>
-              <a:t>Key Features</a:t>
+              <a:t>Index</a:t>
             </a:r>
           </a:p>
         </p:txBody>
@@ -17343,19 +17506,31 @@
           <a:p>
             <a:r>
               <a:rPr lang="nl-NL" dirty="0"/>
-              <a:t>Horizontal scalable</a:t>
+              <a:t>Container of documents</a:t>
             </a:r>
           </a:p>
           <a:p>
             <a:r>
               <a:rPr lang="nl-NL" dirty="0"/>
-              <a:t>Fast searching</a:t>
+              <a:t>Index mapping</a:t>
             </a:r>
           </a:p>
           <a:p>
             <a:r>
               <a:rPr lang="nl-NL" dirty="0"/>
-              <a:t>High resilience</a:t>
+              <a:t>Settings such as refresh interval, number of shards, number of replica’s</a:t>
+            </a:r>
+          </a:p>
+          <a:p>
+            <a:r>
+              <a:rPr lang="nl-NL" dirty="0"/>
+              <a:t>Index is divided into shards</a:t>
+            </a:r>
+          </a:p>
+          <a:p>
+            <a:r>
+              <a:rPr lang="nl-NL" dirty="0"/>
+              <a:t>(Deprecated) Subdivided into types</a:t>
             </a:r>
           </a:p>
         </p:txBody>
@@ -17379,7 +17554,6 @@
               <a:rPr lang="nl-NL"/>
               <a:t>elasticsearch</a:t>
             </a:r>
-            <a:endParaRPr lang="nl-NL" dirty="0"/>
           </a:p>
         </p:txBody>
       </p:sp>
@@ -17409,7 +17583,7 @@
     </p:spTree>
     <p:extLst>
       <p:ext uri="{BB962C8B-B14F-4D97-AF65-F5344CB8AC3E}">
-        <p14:creationId xmlns:p14="http://schemas.microsoft.com/office/powerpoint/2010/main" val="684213934"/>
+        <p14:creationId xmlns:p14="http://schemas.microsoft.com/office/powerpoint/2010/main" val="3036050789"/>
       </p:ext>
     </p:extLst>
   </p:cSld>
@@ -17453,7 +17627,7 @@
           <a:p>
             <a:r>
               <a:rPr lang="nl-NL" dirty="0"/>
-              <a:t>Document</a:t>
+              <a:t>Types (deprecated)</a:t>
             </a:r>
           </a:p>
         </p:txBody>
@@ -17480,29 +17654,26 @@
           <a:p>
             <a:r>
               <a:rPr lang="nl-NL" dirty="0"/>
-              <a:t>Smallest unit of data</a:t>
+              <a:t>Container of documents</a:t>
             </a:r>
           </a:p>
           <a:p>
             <a:r>
               <a:rPr lang="nl-NL" dirty="0"/>
-              <a:t>Self contained</a:t>
+              <a:t>Index mapping</a:t>
             </a:r>
           </a:p>
           <a:p>
             <a:r>
               <a:rPr lang="nl-NL" dirty="0"/>
-              <a:t>Can be hierarchical</a:t>
+              <a:t>Settings such as refresh interval, number of shards, number of replica’s</a:t>
             </a:r>
           </a:p>
           <a:p>
             <a:r>
               <a:rPr lang="nl-NL" dirty="0"/>
-              <a:t>Flexible structure (JSON)</a:t>
-            </a:r>
-          </a:p>
-          <a:p>
-            <a:endParaRPr lang="nl-NL" dirty="0"/>
+              <a:t>Index is divided into shards</a:t>
+            </a:r>
           </a:p>
         </p:txBody>
       </p:sp>
@@ -17551,135 +17722,10 @@
           </a:p>
         </p:txBody>
       </p:sp>
-      <p:sp>
-        <p:nvSpPr>
-          <p:cNvPr id="6" name="Rectangle 5">
-            <a:extLst>
-              <a:ext uri="{FF2B5EF4-FFF2-40B4-BE49-F238E27FC236}">
-                <a16:creationId xmlns:a16="http://schemas.microsoft.com/office/drawing/2014/main" id="{6BAC7E01-8402-4402-A5AD-0FBD7A77A7F8}"/>
-              </a:ext>
-            </a:extLst>
-          </p:cNvPr>
-          <p:cNvSpPr/>
-          <p:nvPr/>
-        </p:nvSpPr>
-        <p:spPr>
-          <a:xfrm>
-            <a:off x="1034374" y="2430533"/>
-            <a:ext cx="4572000" cy="2169825"/>
-          </a:xfrm>
-          <a:prstGeom prst="rect">
-            <a:avLst/>
-          </a:prstGeom>
-        </p:spPr>
-        <p:txBody>
-          <a:bodyPr>
-            <a:spAutoFit/>
-          </a:bodyPr>
-          <a:lstStyle/>
-          <a:p>
-            <a:r>
-              <a:rPr lang="en-NL" dirty="0"/>
-              <a:t>{</a:t>
-            </a:r>
-          </a:p>
-          <a:p>
-            <a:r>
-              <a:rPr lang="en-NL" dirty="0"/>
-              <a:t>	"name": "Farm Henk",</a:t>
-            </a:r>
-          </a:p>
-          <a:p>
-            <a:r>
-              <a:rPr lang="en-NL" dirty="0"/>
-              <a:t>	"</a:t>
-            </a:r>
-            <a:r>
-              <a:rPr lang="en-US" dirty="0" err="1"/>
-              <a:t>foundingDate</a:t>
-            </a:r>
-            <a:r>
-              <a:rPr lang="en-NL" dirty="0"/>
-              <a:t>": "1922-03-11",</a:t>
-            </a:r>
-          </a:p>
-          <a:p>
-            <a:r>
-              <a:rPr lang="en-NL" dirty="0"/>
-              <a:t>	"location": {</a:t>
-            </a:r>
-          </a:p>
-          <a:p>
-            <a:r>
-              <a:rPr lang="en-NL" dirty="0"/>
-              <a:t>		"name": "Utrecht",</a:t>
-            </a:r>
-          </a:p>
-          <a:p>
-            <a:r>
-              <a:rPr lang="en-NL" dirty="0"/>
-              <a:t>		“</a:t>
-            </a:r>
-            <a:r>
-              <a:rPr lang="en-US" dirty="0"/>
-              <a:t>street</a:t>
-            </a:r>
-            <a:r>
-              <a:rPr lang="en-NL" dirty="0"/>
-              <a:t>": “</a:t>
-            </a:r>
-            <a:r>
-              <a:rPr lang="en-US" dirty="0" err="1"/>
-              <a:t>Dorpstraat</a:t>
-            </a:r>
-            <a:r>
-              <a:rPr lang="en-NL" dirty="0"/>
-              <a:t>“</a:t>
-            </a:r>
-            <a:r>
-              <a:rPr lang="en-US" dirty="0"/>
-              <a:t>,</a:t>
-            </a:r>
-          </a:p>
-          <a:p>
-            <a:r>
-              <a:rPr lang="en-US" dirty="0"/>
-              <a:t>		“</a:t>
-            </a:r>
-            <a:r>
-              <a:rPr lang="en-US" dirty="0" err="1"/>
-              <a:t>numbe</a:t>
-            </a:r>
-            <a:r>
-              <a:rPr lang="en-US" dirty="0"/>
-              <a:t>”: “22”</a:t>
-            </a:r>
-            <a:endParaRPr lang="en-NL" dirty="0"/>
-          </a:p>
-          <a:p>
-            <a:r>
-              <a:rPr lang="en-NL" dirty="0"/>
-              <a:t>	},</a:t>
-            </a:r>
-          </a:p>
-          <a:p>
-            <a:r>
-              <a:rPr lang="en-NL" dirty="0"/>
-              <a:t>	"animals": ["Pigs", "Cows", "Chickens"]</a:t>
-            </a:r>
-          </a:p>
-          <a:p>
-            <a:r>
-              <a:rPr lang="en-NL" dirty="0"/>
-              <a:t>}</a:t>
-            </a:r>
-          </a:p>
-        </p:txBody>
-      </p:sp>
     </p:spTree>
     <p:extLst>
       <p:ext uri="{BB962C8B-B14F-4D97-AF65-F5344CB8AC3E}">
-        <p14:creationId xmlns:p14="http://schemas.microsoft.com/office/powerpoint/2010/main" val="354750810"/>
+        <p14:creationId xmlns:p14="http://schemas.microsoft.com/office/powerpoint/2010/main" val="4239904538"/>
       </p:ext>
     </p:extLst>
   </p:cSld>
@@ -17723,7 +17769,7 @@
           <a:p>
             <a:r>
               <a:rPr lang="nl-NL" dirty="0"/>
-              <a:t>Index</a:t>
+              <a:t>Index Mapping</a:t>
             </a:r>
           </a:p>
         </p:txBody>
@@ -17750,26 +17796,66 @@
           <a:p>
             <a:r>
               <a:rPr lang="nl-NL" dirty="0"/>
-              <a:t>Container of documents</a:t>
+              <a:t>Definition of how a document and the field it contains are stored and indexed.</a:t>
             </a:r>
           </a:p>
           <a:p>
             <a:r>
               <a:rPr lang="nl-NL" dirty="0"/>
-              <a:t>Index mapping</a:t>
-            </a:r>
-          </a:p>
-          <a:p>
-            <a:r>
-              <a:rPr lang="nl-NL" dirty="0"/>
-              <a:t>Settings such as refresh interval, number of shards, number of replica’s</a:t>
-            </a:r>
-          </a:p>
-          <a:p>
-            <a:r>
-              <a:rPr lang="nl-NL" dirty="0"/>
-              <a:t>Index is divided into shards</a:t>
-            </a:r>
+              <a:t>Types:</a:t>
+            </a:r>
+          </a:p>
+          <a:p>
+            <a:pPr lvl="1"/>
+            <a:r>
+              <a:rPr lang="en-US" dirty="0"/>
+              <a:t>text, keyword, date, long, double, </a:t>
+            </a:r>
+            <a:r>
+              <a:rPr lang="en-US" dirty="0" err="1"/>
+              <a:t>boolean</a:t>
+            </a:r>
+            <a:r>
+              <a:rPr lang="en-US" dirty="0"/>
+              <a:t>, </a:t>
+            </a:r>
+            <a:r>
+              <a:rPr lang="en-US" dirty="0" err="1"/>
+              <a:t>ip</a:t>
+            </a:r>
+            <a:r>
+              <a:rPr lang="en-US" dirty="0"/>
+              <a:t>.</a:t>
+            </a:r>
+          </a:p>
+          <a:p>
+            <a:pPr lvl="1"/>
+            <a:r>
+              <a:rPr lang="en-US" dirty="0"/>
+              <a:t>hierarchical JSON such as object or nested.</a:t>
+            </a:r>
+          </a:p>
+          <a:p>
+            <a:r>
+              <a:rPr lang="en-US" dirty="0"/>
+              <a:t>Inserted documents are not restricted to those fields only</a:t>
+            </a:r>
+          </a:p>
+          <a:p>
+            <a:r>
+              <a:rPr lang="en-US" dirty="0"/>
+              <a:t>Existing mappings can be extended</a:t>
+            </a:r>
+          </a:p>
+          <a:p>
+            <a:r>
+              <a:rPr lang="en-US" dirty="0"/>
+              <a:t>Types can’t be changed</a:t>
+            </a:r>
+            <a:endParaRPr lang="nl-NL" dirty="0"/>
+          </a:p>
+          <a:p>
+            <a:endParaRPr lang="nl-NL" dirty="0"/>
           </a:p>
         </p:txBody>
       </p:sp>
@@ -17821,7 +17907,7 @@
     </p:spTree>
     <p:extLst>
       <p:ext uri="{BB962C8B-B14F-4D97-AF65-F5344CB8AC3E}">
-        <p14:creationId xmlns:p14="http://schemas.microsoft.com/office/powerpoint/2010/main" val="3036050789"/>
+        <p14:creationId xmlns:p14="http://schemas.microsoft.com/office/powerpoint/2010/main" val="3363803786"/>
       </p:ext>
     </p:extLst>
   </p:cSld>
@@ -18368,6 +18454,12 @@
 </file>
 
 <file path=customXml/item1.xml><?xml version="1.0" encoding="utf-8"?>
+<p:properties xmlns:p="http://schemas.microsoft.com/office/2006/metadata/properties" xmlns:xsi="http://www.w3.org/2001/XMLSchema-instance" xmlns:pc="http://schemas.microsoft.com/office/infopath/2007/PartnerControls">
+  <documentManagement/>
+</p:properties>
+</file>
+
+<file path=customXml/item2.xml><?xml version="1.0" encoding="utf-8"?>
 <ct:contentTypeSchema xmlns:ct="http://schemas.microsoft.com/office/2006/metadata/contentType" xmlns:ma="http://schemas.microsoft.com/office/2006/metadata/properties/metaAttributes" ct:_="" ma:_="" ma:contentTypeName="Document" ma:contentTypeID="0x01010054F6992C941BD0469027D6180034181D" ma:contentTypeVersion="13" ma:contentTypeDescription="Een nieuw document maken." ma:contentTypeScope="" ma:versionID="90bbe2ba6e20fa9a3c78a3adef113cb8">
   <xsd:schema xmlns:xsd="http://www.w3.org/2001/XMLSchema" xmlns:xs="http://www.w3.org/2001/XMLSchema" xmlns:p="http://schemas.microsoft.com/office/2006/metadata/properties" xmlns:ns3="e3854e12-2785-48a6-904c-b41db34ae470" xmlns:ns4="56443775-6c4e-443f-ae5b-8e5d5d05d0db" targetNamespace="http://schemas.microsoft.com/office/2006/metadata/properties" ma:root="true" ma:fieldsID="1a5ce54b376895e28555adf421d9bc35" ns3:_="" ns4:_="">
     <xsd:import namespace="e3854e12-2785-48a6-904c-b41db34ae470"/>
@@ -18590,7 +18682,7 @@
 </ct:contentTypeSchema>
 </file>
 
-<file path=customXml/item2.xml><?xml version="1.0" encoding="utf-8"?>
+<file path=customXml/item3.xml><?xml version="1.0" encoding="utf-8"?>
 <?mso-contentType ?>
 <FormTemplates xmlns="http://schemas.microsoft.com/sharepoint/v3/contenttype/forms">
   <Display>DocumentLibraryForm</Display>
@@ -18599,13 +18691,24 @@
 </FormTemplates>
 </file>
 
-<file path=customXml/item3.xml><?xml version="1.0" encoding="utf-8"?>
-<p:properties xmlns:p="http://schemas.microsoft.com/office/2006/metadata/properties" xmlns:xsi="http://www.w3.org/2001/XMLSchema-instance" xmlns:pc="http://schemas.microsoft.com/office/infopath/2007/PartnerControls">
-  <documentManagement/>
-</p:properties>
+<file path=customXml/itemProps1.xml><?xml version="1.0" encoding="utf-8"?>
+<ds:datastoreItem xmlns:ds="http://schemas.openxmlformats.org/officeDocument/2006/customXml" ds:itemID="{63653586-D9AD-4A7C-AE25-8F164514A81A}">
+  <ds:schemaRefs>
+    <ds:schemaRef ds:uri="http://purl.org/dc/terms/"/>
+    <ds:schemaRef ds:uri="http://schemas.openxmlformats.org/package/2006/metadata/core-properties"/>
+    <ds:schemaRef ds:uri="http://schemas.microsoft.com/office/2006/documentManagement/types"/>
+    <ds:schemaRef ds:uri="http://schemas.microsoft.com/office/infopath/2007/PartnerControls"/>
+    <ds:schemaRef ds:uri="http://purl.org/dc/elements/1.1/"/>
+    <ds:schemaRef ds:uri="http://schemas.microsoft.com/office/2006/metadata/properties"/>
+    <ds:schemaRef ds:uri="56443775-6c4e-443f-ae5b-8e5d5d05d0db"/>
+    <ds:schemaRef ds:uri="e3854e12-2785-48a6-904c-b41db34ae470"/>
+    <ds:schemaRef ds:uri="http://www.w3.org/XML/1998/namespace"/>
+    <ds:schemaRef ds:uri="http://purl.org/dc/dcmitype/"/>
+  </ds:schemaRefs>
+</ds:datastoreItem>
 </file>
 
-<file path=customXml/itemProps1.xml><?xml version="1.0" encoding="utf-8"?>
+<file path=customXml/itemProps2.xml><?xml version="1.0" encoding="utf-8"?>
 <ds:datastoreItem xmlns:ds="http://schemas.openxmlformats.org/officeDocument/2006/customXml" ds:itemID="{2236F168-07DF-4DEE-9141-9703A5EDABA9}">
   <ds:schemaRefs>
     <ds:schemaRef ds:uri="http://schemas.microsoft.com/office/2006/metadata/contentType"/>
@@ -18624,27 +18727,10 @@
 </ds:datastoreItem>
 </file>
 
-<file path=customXml/itemProps2.xml><?xml version="1.0" encoding="utf-8"?>
+<file path=customXml/itemProps3.xml><?xml version="1.0" encoding="utf-8"?>
 <ds:datastoreItem xmlns:ds="http://schemas.openxmlformats.org/officeDocument/2006/customXml" ds:itemID="{15DF2822-16E4-4479-B239-41A079CBB65B}">
   <ds:schemaRefs>
     <ds:schemaRef ds:uri="http://schemas.microsoft.com/sharepoint/v3/contenttype/forms"/>
   </ds:schemaRefs>
 </ds:datastoreItem>
-</file>
-
-<file path=customXml/itemProps3.xml><?xml version="1.0" encoding="utf-8"?>
-<ds:datastoreItem xmlns:ds="http://schemas.openxmlformats.org/officeDocument/2006/customXml" ds:itemID="{63653586-D9AD-4A7C-AE25-8F164514A81A}">
-  <ds:schemaRefs>
-    <ds:schemaRef ds:uri="http://purl.org/dc/terms/"/>
-    <ds:schemaRef ds:uri="http://schemas.openxmlformats.org/package/2006/metadata/core-properties"/>
-    <ds:schemaRef ds:uri="http://schemas.microsoft.com/office/2006/documentManagement/types"/>
-    <ds:schemaRef ds:uri="http://schemas.microsoft.com/office/infopath/2007/PartnerControls"/>
-    <ds:schemaRef ds:uri="http://purl.org/dc/elements/1.1/"/>
-    <ds:schemaRef ds:uri="http://schemas.microsoft.com/office/2006/metadata/properties"/>
-    <ds:schemaRef ds:uri="56443775-6c4e-443f-ae5b-8e5d5d05d0db"/>
-    <ds:schemaRef ds:uri="e3854e12-2785-48a6-904c-b41db34ae470"/>
-    <ds:schemaRef ds:uri="http://www.w3.org/XML/1998/namespace"/>
-    <ds:schemaRef ds:uri="http://purl.org/dc/dcmitype/"/>
-  </ds:schemaRefs>
-</ds:datastoreItem>
 </file>
--- a/Elasticsearch.pptx
+++ b/Elasticsearch.pptx
@@ -5,7 +5,7 @@
     <p:sldMasterId id="2147483672" r:id="rId4"/>
   </p:sldMasterIdLst>
   <p:notesMasterIdLst>
-    <p:notesMasterId r:id="rId49"/>
+    <p:notesMasterId r:id="rId48"/>
   </p:notesMasterIdLst>
   <p:sldIdLst>
     <p:sldId id="295" r:id="rId5"/>
@@ -30,28 +30,27 @@
     <p:sldId id="329" r:id="rId24"/>
     <p:sldId id="330" r:id="rId25"/>
     <p:sldId id="331" r:id="rId26"/>
-    <p:sldId id="332" r:id="rId27"/>
-    <p:sldId id="260" r:id="rId28"/>
-    <p:sldId id="296" r:id="rId29"/>
-    <p:sldId id="297" r:id="rId30"/>
-    <p:sldId id="298" r:id="rId31"/>
-    <p:sldId id="299" r:id="rId32"/>
-    <p:sldId id="300" r:id="rId33"/>
-    <p:sldId id="301" r:id="rId34"/>
-    <p:sldId id="302" r:id="rId35"/>
-    <p:sldId id="303" r:id="rId36"/>
-    <p:sldId id="305" r:id="rId37"/>
-    <p:sldId id="304" r:id="rId38"/>
-    <p:sldId id="306" r:id="rId39"/>
-    <p:sldId id="307" r:id="rId40"/>
-    <p:sldId id="308" r:id="rId41"/>
-    <p:sldId id="309" r:id="rId42"/>
-    <p:sldId id="310" r:id="rId43"/>
-    <p:sldId id="311" r:id="rId44"/>
-    <p:sldId id="312" r:id="rId45"/>
-    <p:sldId id="313" r:id="rId46"/>
-    <p:sldId id="278" r:id="rId47"/>
-    <p:sldId id="280" r:id="rId48"/>
+    <p:sldId id="260" r:id="rId27"/>
+    <p:sldId id="296" r:id="rId28"/>
+    <p:sldId id="297" r:id="rId29"/>
+    <p:sldId id="298" r:id="rId30"/>
+    <p:sldId id="299" r:id="rId31"/>
+    <p:sldId id="300" r:id="rId32"/>
+    <p:sldId id="301" r:id="rId33"/>
+    <p:sldId id="302" r:id="rId34"/>
+    <p:sldId id="303" r:id="rId35"/>
+    <p:sldId id="305" r:id="rId36"/>
+    <p:sldId id="304" r:id="rId37"/>
+    <p:sldId id="306" r:id="rId38"/>
+    <p:sldId id="307" r:id="rId39"/>
+    <p:sldId id="308" r:id="rId40"/>
+    <p:sldId id="309" r:id="rId41"/>
+    <p:sldId id="310" r:id="rId42"/>
+    <p:sldId id="311" r:id="rId43"/>
+    <p:sldId id="312" r:id="rId44"/>
+    <p:sldId id="313" r:id="rId45"/>
+    <p:sldId id="278" r:id="rId46"/>
+    <p:sldId id="280" r:id="rId47"/>
   </p:sldIdLst>
   <p:sldSz cx="9144000" cy="5143500" type="screen16x9"/>
   <p:notesSz cx="6858000" cy="9144000"/>
@@ -10141,17 +10140,6 @@
             </a:pPr>
             <a:r>
               <a:rPr lang="en-GB" dirty="0"/>
-              <a:t>Advantages and disadvantages</a:t>
-            </a:r>
-          </a:p>
-          <a:p>
-            <a:pPr>
-              <a:spcAft>
-                <a:spcPts val="600"/>
-              </a:spcAft>
-            </a:pPr>
-            <a:r>
-              <a:rPr lang="en-GB" dirty="0"/>
               <a:t>Cluster</a:t>
             </a:r>
           </a:p>
@@ -10253,7 +10241,7 @@
           <a:p>
             <a:r>
               <a:rPr lang="en-US" dirty="0"/>
-              <a:t>Presentation</a:t>
+              <a:t>Presentation (16:30 – 17:30)</a:t>
             </a:r>
           </a:p>
         </p:txBody>
@@ -10285,12 +10273,8 @@
           <a:lstStyle/>
           <a:p>
             <a:r>
-              <a:rPr lang="en-US"/>
-              <a:t>Cluster info and </a:t>
-            </a:r>
-            <a:r>
               <a:rPr lang="en-US" dirty="0"/>
-              <a:t>Indexing</a:t>
+              <a:t>Cluster info and Indexing</a:t>
             </a:r>
           </a:p>
           <a:p>
@@ -10302,13 +10286,16 @@
           <a:p>
             <a:r>
               <a:rPr lang="en-US" dirty="0"/>
-              <a:t>Connecting Node.js to </a:t>
+              <a:t>Connecting to </a:t>
             </a:r>
             <a:r>
               <a:rPr lang="en-US" dirty="0" err="1"/>
               <a:t>ElasticSearch</a:t>
             </a:r>
-            <a:endParaRPr lang="en-US" dirty="0"/>
+            <a:r>
+              <a:rPr lang="en-US" dirty="0"/>
+              <a:t> with Node.js</a:t>
+            </a:r>
           </a:p>
           <a:p>
             <a:r>
@@ -10354,7 +10341,7 @@
           <a:p>
             <a:r>
               <a:rPr lang="en-GB" dirty="0"/>
-              <a:t>Hands-on</a:t>
+              <a:t>Hands-on (19:00 – 20:00)</a:t>
             </a:r>
             <a:endParaRPr lang="en-NL" dirty="0"/>
           </a:p>
@@ -11289,13 +11276,7 @@
       </p:grpSpPr>
       <p:sp>
         <p:nvSpPr>
-          <p:cNvPr id="2" name="Title 1">
-            <a:extLst>
-              <a:ext uri="{FF2B5EF4-FFF2-40B4-BE49-F238E27FC236}">
-                <a16:creationId xmlns:a16="http://schemas.microsoft.com/office/drawing/2014/main" id="{B2539C2F-9CB2-4004-9813-5486C4C02F36}"/>
-              </a:ext>
-            </a:extLst>
-          </p:cNvPr>
+          <p:cNvPr id="6" name="Title 5"/>
           <p:cNvSpPr>
             <a:spLocks noGrp="1"/>
           </p:cNvSpPr>
@@ -11308,19 +11289,16 @@
           <a:bodyPr/>
           <a:lstStyle/>
           <a:p>
-            <a:endParaRPr lang="en-NL"/>
-          </a:p>
-        </p:txBody>
-      </p:sp>
-      <p:sp>
-        <p:nvSpPr>
-          <p:cNvPr id="3" name="Content Placeholder 2">
-            <a:extLst>
-              <a:ext uri="{FF2B5EF4-FFF2-40B4-BE49-F238E27FC236}">
-                <a16:creationId xmlns:a16="http://schemas.microsoft.com/office/drawing/2014/main" id="{11B07F90-0113-4617-9F24-C3492B350E28}"/>
-              </a:ext>
-            </a:extLst>
-          </p:cNvPr>
+            <a:r>
+              <a:rPr lang="nl-NL" dirty="0"/>
+              <a:t>Queries </a:t>
+            </a:r>
+          </a:p>
+        </p:txBody>
+      </p:sp>
+      <p:sp>
+        <p:nvSpPr>
+          <p:cNvPr id="7" name="Content Placeholder 6"/>
           <p:cNvSpPr>
             <a:spLocks noGrp="1"/>
           </p:cNvSpPr>
@@ -11333,19 +11311,80 @@
           <a:bodyPr/>
           <a:lstStyle/>
           <a:p>
-            <a:endParaRPr lang="en-NL"/>
-          </a:p>
-        </p:txBody>
-      </p:sp>
-      <p:sp>
-        <p:nvSpPr>
-          <p:cNvPr id="4" name="Footer Placeholder 3">
-            <a:extLst>
-              <a:ext uri="{FF2B5EF4-FFF2-40B4-BE49-F238E27FC236}">
-                <a16:creationId xmlns:a16="http://schemas.microsoft.com/office/drawing/2014/main" id="{4736938F-5FBA-4DCB-ACCB-4E628EC01805}"/>
-              </a:ext>
-            </a:extLst>
-          </p:cNvPr>
+            <a:r>
+              <a:rPr lang="nl-NL" dirty="0"/>
+              <a:t>URL-based or JSON-based requests on the _search REST endpoint</a:t>
+            </a:r>
+          </a:p>
+          <a:p>
+            <a:r>
+              <a:rPr lang="nl-NL" dirty="0"/>
+              <a:t>Search whole cluster or specify index (or type) in the URL</a:t>
+            </a:r>
+          </a:p>
+          <a:p>
+            <a:endParaRPr lang="nl-NL" dirty="0"/>
+          </a:p>
+          <a:p>
+            <a:r>
+              <a:rPr lang="nl-NL" dirty="0"/>
+              <a:t>Common components of request:</a:t>
+            </a:r>
+          </a:p>
+          <a:p>
+            <a:pPr lvl="1"/>
+            <a:r>
+              <a:rPr lang="nl-NL" sz="1400" dirty="0"/>
+              <a:t>query 	- default all</a:t>
+            </a:r>
+          </a:p>
+          <a:p>
+            <a:pPr lvl="1"/>
+            <a:r>
+              <a:rPr lang="nl-NL" sz="1400" dirty="0"/>
+              <a:t>size 	- default 10 </a:t>
+            </a:r>
+          </a:p>
+          <a:p>
+            <a:pPr lvl="1"/>
+            <a:r>
+              <a:rPr lang="nl-NL" sz="1400" dirty="0"/>
+              <a:t>from 	- default 0</a:t>
+            </a:r>
+          </a:p>
+          <a:p>
+            <a:pPr lvl="1"/>
+            <a:r>
+              <a:rPr lang="nl-NL" sz="1400" dirty="0"/>
+              <a:t>_source 	- default all</a:t>
+            </a:r>
+          </a:p>
+          <a:p>
+            <a:pPr lvl="2"/>
+            <a:r>
+              <a:rPr lang="nl-NL" sz="1400" dirty="0"/>
+              <a:t>Specify which fields of the document to return</a:t>
+            </a:r>
+          </a:p>
+          <a:p>
+            <a:pPr lvl="1"/>
+            <a:r>
+              <a:rPr lang="nl-NL" sz="1400" dirty="0"/>
+              <a:t>sort 	- default on score</a:t>
+            </a:r>
+          </a:p>
+          <a:p>
+            <a:pPr lvl="2"/>
+            <a:r>
+              <a:rPr lang="nl-NL" sz="1400" dirty="0"/>
+              <a:t>No score is calculated when score is not included in the sort</a:t>
+            </a:r>
+          </a:p>
+        </p:txBody>
+      </p:sp>
+      <p:sp>
+        <p:nvSpPr>
+          <p:cNvPr id="4" name="Footer Placeholder 3"/>
           <p:cNvSpPr>
             <a:spLocks noGrp="1"/>
           </p:cNvSpPr>
@@ -11359,7 +11398,7 @@
           <a:lstStyle/>
           <a:p>
             <a:r>
-              <a:rPr lang="nl-NL"/>
+              <a:rPr lang="nl-NL" dirty="0"/>
               <a:t>elasticsearch</a:t>
             </a:r>
           </a:p>
@@ -11367,13 +11406,7 @@
       </p:sp>
       <p:sp>
         <p:nvSpPr>
-          <p:cNvPr id="5" name="Slide Number Placeholder 4">
-            <a:extLst>
-              <a:ext uri="{FF2B5EF4-FFF2-40B4-BE49-F238E27FC236}">
-                <a16:creationId xmlns:a16="http://schemas.microsoft.com/office/drawing/2014/main" id="{8AEF4120-5669-4186-A953-A5327753EF64}"/>
-              </a:ext>
-            </a:extLst>
-          </p:cNvPr>
+          <p:cNvPr id="5" name="Slide Number Placeholder 4"/>
           <p:cNvSpPr>
             <a:spLocks noGrp="1"/>
           </p:cNvSpPr>
@@ -11394,35 +11427,10 @@
           </a:p>
         </p:txBody>
       </p:sp>
-      <p:sp>
-        <p:nvSpPr>
-          <p:cNvPr id="6" name="Text Placeholder 5">
-            <a:extLst>
-              <a:ext uri="{FF2B5EF4-FFF2-40B4-BE49-F238E27FC236}">
-                <a16:creationId xmlns:a16="http://schemas.microsoft.com/office/drawing/2014/main" id="{F07795BB-2B65-43B2-98DF-602273C53532}"/>
-              </a:ext>
-            </a:extLst>
-          </p:cNvPr>
-          <p:cNvSpPr>
-            <a:spLocks noGrp="1"/>
-          </p:cNvSpPr>
-          <p:nvPr>
-            <p:ph type="body" idx="13"/>
-          </p:nvPr>
-        </p:nvSpPr>
-        <p:spPr/>
-        <p:txBody>
-          <a:bodyPr/>
-          <a:lstStyle/>
-          <a:p>
-            <a:endParaRPr lang="en-NL"/>
-          </a:p>
-        </p:txBody>
-      </p:sp>
     </p:spTree>
     <p:extLst>
       <p:ext uri="{BB962C8B-B14F-4D97-AF65-F5344CB8AC3E}">
-        <p14:creationId xmlns:p14="http://schemas.microsoft.com/office/powerpoint/2010/main" val="688021817"/>
+        <p14:creationId xmlns:p14="http://schemas.microsoft.com/office/powerpoint/2010/main" val="683142817"/>
       </p:ext>
     </p:extLst>
   </p:cSld>
@@ -11451,189 +11459,6 @@
       </p:grpSpPr>
       <p:sp>
         <p:nvSpPr>
-          <p:cNvPr id="6" name="Title 5"/>
-          <p:cNvSpPr>
-            <a:spLocks noGrp="1"/>
-          </p:cNvSpPr>
-          <p:nvPr>
-            <p:ph type="title"/>
-          </p:nvPr>
-        </p:nvSpPr>
-        <p:spPr/>
-        <p:txBody>
-          <a:bodyPr/>
-          <a:lstStyle/>
-          <a:p>
-            <a:r>
-              <a:rPr lang="nl-NL" dirty="0"/>
-              <a:t>Queries </a:t>
-            </a:r>
-          </a:p>
-        </p:txBody>
-      </p:sp>
-      <p:sp>
-        <p:nvSpPr>
-          <p:cNvPr id="7" name="Content Placeholder 6"/>
-          <p:cNvSpPr>
-            <a:spLocks noGrp="1"/>
-          </p:cNvSpPr>
-          <p:nvPr>
-            <p:ph idx="1"/>
-          </p:nvPr>
-        </p:nvSpPr>
-        <p:spPr/>
-        <p:txBody>
-          <a:bodyPr/>
-          <a:lstStyle/>
-          <a:p>
-            <a:r>
-              <a:rPr lang="nl-NL" dirty="0"/>
-              <a:t>URL-based or JSON-based requests on the _search REST endpoint</a:t>
-            </a:r>
-          </a:p>
-          <a:p>
-            <a:r>
-              <a:rPr lang="nl-NL" dirty="0"/>
-              <a:t>Search whole cluster or specify index (or type) in the URL</a:t>
-            </a:r>
-          </a:p>
-          <a:p>
-            <a:endParaRPr lang="nl-NL" dirty="0"/>
-          </a:p>
-          <a:p>
-            <a:r>
-              <a:rPr lang="nl-NL" dirty="0"/>
-              <a:t>Common components of request:</a:t>
-            </a:r>
-          </a:p>
-          <a:p>
-            <a:pPr lvl="1"/>
-            <a:r>
-              <a:rPr lang="nl-NL" sz="1400" dirty="0"/>
-              <a:t>query 	- default all</a:t>
-            </a:r>
-          </a:p>
-          <a:p>
-            <a:pPr lvl="1"/>
-            <a:r>
-              <a:rPr lang="nl-NL" sz="1400" dirty="0"/>
-              <a:t>size 	- default 10 </a:t>
-            </a:r>
-          </a:p>
-          <a:p>
-            <a:pPr lvl="1"/>
-            <a:r>
-              <a:rPr lang="nl-NL" sz="1400" dirty="0"/>
-              <a:t>from 	- default 0</a:t>
-            </a:r>
-          </a:p>
-          <a:p>
-            <a:pPr lvl="1"/>
-            <a:r>
-              <a:rPr lang="nl-NL" sz="1400" dirty="0"/>
-              <a:t>_source 	- default all</a:t>
-            </a:r>
-          </a:p>
-          <a:p>
-            <a:pPr lvl="2"/>
-            <a:r>
-              <a:rPr lang="nl-NL" sz="1400" dirty="0"/>
-              <a:t>Specify which fields of the document to return</a:t>
-            </a:r>
-          </a:p>
-          <a:p>
-            <a:pPr lvl="1"/>
-            <a:r>
-              <a:rPr lang="nl-NL" sz="1400" dirty="0"/>
-              <a:t>sort 	- default on score</a:t>
-            </a:r>
-          </a:p>
-          <a:p>
-            <a:pPr lvl="2"/>
-            <a:r>
-              <a:rPr lang="nl-NL" sz="1400" dirty="0"/>
-              <a:t>No score is calculated when score is not included in the sort</a:t>
-            </a:r>
-          </a:p>
-        </p:txBody>
-      </p:sp>
-      <p:sp>
-        <p:nvSpPr>
-          <p:cNvPr id="4" name="Footer Placeholder 3"/>
-          <p:cNvSpPr>
-            <a:spLocks noGrp="1"/>
-          </p:cNvSpPr>
-          <p:nvPr>
-            <p:ph type="ftr" sz="quarter" idx="11"/>
-          </p:nvPr>
-        </p:nvSpPr>
-        <p:spPr/>
-        <p:txBody>
-          <a:bodyPr/>
-          <a:lstStyle/>
-          <a:p>
-            <a:r>
-              <a:rPr lang="nl-NL" dirty="0"/>
-              <a:t>elasticsearch</a:t>
-            </a:r>
-          </a:p>
-        </p:txBody>
-      </p:sp>
-      <p:sp>
-        <p:nvSpPr>
-          <p:cNvPr id="5" name="Slide Number Placeholder 4"/>
-          <p:cNvSpPr>
-            <a:spLocks noGrp="1"/>
-          </p:cNvSpPr>
-          <p:nvPr>
-            <p:ph type="sldNum" sz="quarter" idx="12"/>
-          </p:nvPr>
-        </p:nvSpPr>
-        <p:spPr/>
-        <p:txBody>
-          <a:bodyPr/>
-          <a:lstStyle/>
-          <a:p>
-            <a:fld id="{14F1411D-0280-154F-AEAC-4C20B7AA46B2}" type="slidenum">
-              <a:rPr lang="nl-NL" smtClean="0"/>
-              <a:t>24</a:t>
-            </a:fld>
-            <a:endParaRPr lang="nl-NL"/>
-          </a:p>
-        </p:txBody>
-      </p:sp>
-    </p:spTree>
-    <p:extLst>
-      <p:ext uri="{BB962C8B-B14F-4D97-AF65-F5344CB8AC3E}">
-        <p14:creationId xmlns:p14="http://schemas.microsoft.com/office/powerpoint/2010/main" val="683142817"/>
-      </p:ext>
-    </p:extLst>
-  </p:cSld>
-  <p:clrMapOvr>
-    <a:masterClrMapping/>
-  </p:clrMapOvr>
-</p:sld>
-</file>
-
-<file path=ppt/slides/slide25.xml><?xml version="1.0" encoding="utf-8"?>
-<p:sld xmlns:a="http://schemas.openxmlformats.org/drawingml/2006/main" xmlns:r="http://schemas.openxmlformats.org/officeDocument/2006/relationships" xmlns:p="http://schemas.openxmlformats.org/presentationml/2006/main">
-  <p:cSld>
-    <p:spTree>
-      <p:nvGrpSpPr>
-        <p:cNvPr id="1" name=""/>
-        <p:cNvGrpSpPr/>
-        <p:nvPr/>
-      </p:nvGrpSpPr>
-      <p:grpSpPr>
-        <a:xfrm>
-          <a:off x="0" y="0"/>
-          <a:ext cx="0" cy="0"/>
-          <a:chOff x="0" y="0"/>
-          <a:chExt cx="0" cy="0"/>
-        </a:xfrm>
-      </p:grpSpPr>
-      <p:sp>
-        <p:nvSpPr>
           <p:cNvPr id="2" name="Title 1">
             <a:extLst>
               <a:ext uri="{FF2B5EF4-FFF2-40B4-BE49-F238E27FC236}">
@@ -11820,7 +11645,7 @@
           <a:p>
             <a:fld id="{14F1411D-0280-154F-AEAC-4C20B7AA46B2}" type="slidenum">
               <a:rPr lang="nl-NL" smtClean="0"/>
-              <a:t>25</a:t>
+              <a:t>24</a:t>
             </a:fld>
             <a:endParaRPr lang="nl-NL"/>
           </a:p>
@@ -11869,7 +11694,7 @@
 </p:sld>
 </file>
 
-<file path=ppt/slides/slide26.xml><?xml version="1.0" encoding="utf-8"?>
+<file path=ppt/slides/slide25.xml><?xml version="1.0" encoding="utf-8"?>
 <p:sld xmlns:a="http://schemas.openxmlformats.org/drawingml/2006/main" xmlns:r="http://schemas.openxmlformats.org/officeDocument/2006/relationships" xmlns:p="http://schemas.openxmlformats.org/presentationml/2006/main">
   <p:cSld>
     <p:spTree>
@@ -12053,7 +11878,7 @@
           <a:p>
             <a:fld id="{14F1411D-0280-154F-AEAC-4C20B7AA46B2}" type="slidenum">
               <a:rPr lang="nl-NL" smtClean="0"/>
-              <a:t>26</a:t>
+              <a:t>25</a:t>
             </a:fld>
             <a:endParaRPr lang="nl-NL"/>
           </a:p>
@@ -12102,7 +11927,7 @@
 </p:sld>
 </file>
 
-<file path=ppt/slides/slide27.xml><?xml version="1.0" encoding="utf-8"?>
+<file path=ppt/slides/slide26.xml><?xml version="1.0" encoding="utf-8"?>
 <p:sld xmlns:a="http://schemas.openxmlformats.org/drawingml/2006/main" xmlns:r="http://schemas.openxmlformats.org/officeDocument/2006/relationships" xmlns:p="http://schemas.openxmlformats.org/presentationml/2006/main">
   <p:cSld>
     <p:spTree>
@@ -12296,7 +12121,7 @@
           <a:p>
             <a:fld id="{14F1411D-0280-154F-AEAC-4C20B7AA46B2}" type="slidenum">
               <a:rPr lang="nl-NL" smtClean="0"/>
-              <a:t>27</a:t>
+              <a:t>26</a:t>
             </a:fld>
             <a:endParaRPr lang="nl-NL"/>
           </a:p>
@@ -12373,6 +12198,229 @@
 </p:sld>
 </file>
 
+<file path=ppt/slides/slide27.xml><?xml version="1.0" encoding="utf-8"?>
+<p:sld xmlns:a="http://schemas.openxmlformats.org/drawingml/2006/main" xmlns:r="http://schemas.openxmlformats.org/officeDocument/2006/relationships" xmlns:p="http://schemas.openxmlformats.org/presentationml/2006/main">
+  <p:cSld>
+    <p:spTree>
+      <p:nvGrpSpPr>
+        <p:cNvPr id="1" name=""/>
+        <p:cNvGrpSpPr/>
+        <p:nvPr/>
+      </p:nvGrpSpPr>
+      <p:grpSpPr>
+        <a:xfrm>
+          <a:off x="0" y="0"/>
+          <a:ext cx="0" cy="0"/>
+          <a:chOff x="0" y="0"/>
+          <a:chExt cx="0" cy="0"/>
+        </a:xfrm>
+      </p:grpSpPr>
+      <p:sp>
+        <p:nvSpPr>
+          <p:cNvPr id="2" name="Title 1">
+            <a:extLst>
+              <a:ext uri="{FF2B5EF4-FFF2-40B4-BE49-F238E27FC236}">
+                <a16:creationId xmlns:a16="http://schemas.microsoft.com/office/drawing/2014/main" id="{4427163C-56C0-4988-9EBE-D1A1A61F018A}"/>
+              </a:ext>
+            </a:extLst>
+          </p:cNvPr>
+          <p:cNvSpPr>
+            <a:spLocks noGrp="1"/>
+          </p:cNvSpPr>
+          <p:nvPr>
+            <p:ph type="title"/>
+          </p:nvPr>
+        </p:nvSpPr>
+        <p:spPr/>
+        <p:txBody>
+          <a:bodyPr/>
+          <a:lstStyle/>
+          <a:p>
+            <a:r>
+              <a:rPr lang="en-GB" dirty="0"/>
+              <a:t>JSON-based queries – full text queries(1)</a:t>
+            </a:r>
+            <a:endParaRPr lang="en-NL" dirty="0"/>
+          </a:p>
+        </p:txBody>
+      </p:sp>
+      <p:sp>
+        <p:nvSpPr>
+          <p:cNvPr id="3" name="Content Placeholder 2">
+            <a:extLst>
+              <a:ext uri="{FF2B5EF4-FFF2-40B4-BE49-F238E27FC236}">
+                <a16:creationId xmlns:a16="http://schemas.microsoft.com/office/drawing/2014/main" id="{24508C12-EA00-4258-A431-15166DB8847F}"/>
+              </a:ext>
+            </a:extLst>
+          </p:cNvPr>
+          <p:cNvSpPr>
+            <a:spLocks noGrp="1"/>
+          </p:cNvSpPr>
+          <p:nvPr>
+            <p:ph idx="1"/>
+          </p:nvPr>
+        </p:nvSpPr>
+        <p:spPr/>
+        <p:txBody>
+          <a:bodyPr/>
+          <a:lstStyle/>
+          <a:p>
+            <a:r>
+              <a:rPr lang="en-GB" dirty="0"/>
+              <a:t>Search analysed text fields</a:t>
+            </a:r>
+          </a:p>
+          <a:p>
+            <a:r>
+              <a:rPr lang="en-GB" dirty="0"/>
+              <a:t>Query string is analysed in same way as text field</a:t>
+            </a:r>
+          </a:p>
+          <a:p>
+            <a:r>
+              <a:rPr lang="en-GB" dirty="0"/>
+              <a:t>Queries: intervals, match, </a:t>
+            </a:r>
+            <a:r>
+              <a:rPr lang="en-GB" dirty="0" err="1"/>
+              <a:t>match_bool_prefix</a:t>
+            </a:r>
+            <a:r>
+              <a:rPr lang="en-GB" dirty="0"/>
+              <a:t>, </a:t>
+            </a:r>
+            <a:r>
+              <a:rPr lang="en-GB" dirty="0" err="1"/>
+              <a:t>match_phrase</a:t>
+            </a:r>
+            <a:r>
+              <a:rPr lang="en-GB" dirty="0"/>
+              <a:t>, </a:t>
+            </a:r>
+            <a:r>
+              <a:rPr lang="en-GB" dirty="0" err="1"/>
+              <a:t>match_phrase_prefix</a:t>
+            </a:r>
+            <a:r>
+              <a:rPr lang="en-GB" dirty="0"/>
+              <a:t>, </a:t>
+            </a:r>
+            <a:r>
+              <a:rPr lang="en-GB" dirty="0" err="1"/>
+              <a:t>multi_match</a:t>
+            </a:r>
+            <a:r>
+              <a:rPr lang="en-GB" dirty="0"/>
+              <a:t>, common terms (deprecated), </a:t>
+            </a:r>
+            <a:r>
+              <a:rPr lang="en-GB" dirty="0" err="1"/>
+              <a:t>query_string</a:t>
+            </a:r>
+            <a:r>
+              <a:rPr lang="en-GB" dirty="0"/>
+              <a:t>, </a:t>
+            </a:r>
+            <a:r>
+              <a:rPr lang="en-GB" dirty="0" err="1"/>
+              <a:t>simple_query_string</a:t>
+            </a:r>
+            <a:endParaRPr lang="en-GB" dirty="0"/>
+          </a:p>
+          <a:p>
+            <a:endParaRPr lang="en-GB" dirty="0"/>
+          </a:p>
+          <a:p>
+            <a:r>
+              <a:rPr lang="en-GB" dirty="0"/>
+              <a:t>query _string: has the same options and syntax as the q query param in URL-based requests</a:t>
+            </a:r>
+          </a:p>
+          <a:p>
+            <a:r>
+              <a:rPr lang="en-GB" dirty="0" err="1"/>
+              <a:t>simple_query_string</a:t>
+            </a:r>
+            <a:r>
+              <a:rPr lang="en-GB" dirty="0"/>
+              <a:t>: more limited but does not return errors for invalid syntax, ignores it instead</a:t>
+            </a:r>
+          </a:p>
+          <a:p>
+            <a:endParaRPr lang="en-GB" dirty="0"/>
+          </a:p>
+        </p:txBody>
+      </p:sp>
+      <p:sp>
+        <p:nvSpPr>
+          <p:cNvPr id="4" name="Footer Placeholder 3">
+            <a:extLst>
+              <a:ext uri="{FF2B5EF4-FFF2-40B4-BE49-F238E27FC236}">
+                <a16:creationId xmlns:a16="http://schemas.microsoft.com/office/drawing/2014/main" id="{171813CD-D280-45C6-92E1-0561F87F526F}"/>
+              </a:ext>
+            </a:extLst>
+          </p:cNvPr>
+          <p:cNvSpPr>
+            <a:spLocks noGrp="1"/>
+          </p:cNvSpPr>
+          <p:nvPr>
+            <p:ph type="ftr" sz="quarter" idx="11"/>
+          </p:nvPr>
+        </p:nvSpPr>
+        <p:spPr/>
+        <p:txBody>
+          <a:bodyPr/>
+          <a:lstStyle/>
+          <a:p>
+            <a:r>
+              <a:rPr lang="nl-NL"/>
+              <a:t>elasticsearch</a:t>
+            </a:r>
+          </a:p>
+        </p:txBody>
+      </p:sp>
+      <p:sp>
+        <p:nvSpPr>
+          <p:cNvPr id="5" name="Slide Number Placeholder 4">
+            <a:extLst>
+              <a:ext uri="{FF2B5EF4-FFF2-40B4-BE49-F238E27FC236}">
+                <a16:creationId xmlns:a16="http://schemas.microsoft.com/office/drawing/2014/main" id="{11B2E7AC-F0B2-43BF-91B3-56FBA77C6523}"/>
+              </a:ext>
+            </a:extLst>
+          </p:cNvPr>
+          <p:cNvSpPr>
+            <a:spLocks noGrp="1"/>
+          </p:cNvSpPr>
+          <p:nvPr>
+            <p:ph type="sldNum" sz="quarter" idx="12"/>
+          </p:nvPr>
+        </p:nvSpPr>
+        <p:spPr/>
+        <p:txBody>
+          <a:bodyPr/>
+          <a:lstStyle/>
+          <a:p>
+            <a:fld id="{14F1411D-0280-154F-AEAC-4C20B7AA46B2}" type="slidenum">
+              <a:rPr lang="nl-NL" smtClean="0"/>
+              <a:t>27</a:t>
+            </a:fld>
+            <a:endParaRPr lang="nl-NL"/>
+          </a:p>
+        </p:txBody>
+      </p:sp>
+    </p:spTree>
+    <p:extLst>
+      <p:ext uri="{BB962C8B-B14F-4D97-AF65-F5344CB8AC3E}">
+        <p14:creationId xmlns:p14="http://schemas.microsoft.com/office/powerpoint/2010/main" val="311206040"/>
+      </p:ext>
+    </p:extLst>
+  </p:cSld>
+  <p:clrMapOvr>
+    <a:masterClrMapping/>
+  </p:clrMapOvr>
+</p:sld>
+</file>
+
 <file path=ppt/slides/slide28.xml><?xml version="1.0" encoding="utf-8"?>
 <p:sld xmlns:a="http://schemas.openxmlformats.org/drawingml/2006/main" xmlns:r="http://schemas.openxmlformats.org/officeDocument/2006/relationships" xmlns:p="http://schemas.openxmlformats.org/presentationml/2006/main">
   <p:cSld>
@@ -12395,229 +12443,6 @@
           <p:cNvPr id="2" name="Title 1">
             <a:extLst>
               <a:ext uri="{FF2B5EF4-FFF2-40B4-BE49-F238E27FC236}">
-                <a16:creationId xmlns:a16="http://schemas.microsoft.com/office/drawing/2014/main" id="{4427163C-56C0-4988-9EBE-D1A1A61F018A}"/>
-              </a:ext>
-            </a:extLst>
-          </p:cNvPr>
-          <p:cNvSpPr>
-            <a:spLocks noGrp="1"/>
-          </p:cNvSpPr>
-          <p:nvPr>
-            <p:ph type="title"/>
-          </p:nvPr>
-        </p:nvSpPr>
-        <p:spPr/>
-        <p:txBody>
-          <a:bodyPr/>
-          <a:lstStyle/>
-          <a:p>
-            <a:r>
-              <a:rPr lang="en-GB" dirty="0"/>
-              <a:t>JSON-based queries – full text queries(1)</a:t>
-            </a:r>
-            <a:endParaRPr lang="en-NL" dirty="0"/>
-          </a:p>
-        </p:txBody>
-      </p:sp>
-      <p:sp>
-        <p:nvSpPr>
-          <p:cNvPr id="3" name="Content Placeholder 2">
-            <a:extLst>
-              <a:ext uri="{FF2B5EF4-FFF2-40B4-BE49-F238E27FC236}">
-                <a16:creationId xmlns:a16="http://schemas.microsoft.com/office/drawing/2014/main" id="{24508C12-EA00-4258-A431-15166DB8847F}"/>
-              </a:ext>
-            </a:extLst>
-          </p:cNvPr>
-          <p:cNvSpPr>
-            <a:spLocks noGrp="1"/>
-          </p:cNvSpPr>
-          <p:nvPr>
-            <p:ph idx="1"/>
-          </p:nvPr>
-        </p:nvSpPr>
-        <p:spPr/>
-        <p:txBody>
-          <a:bodyPr/>
-          <a:lstStyle/>
-          <a:p>
-            <a:r>
-              <a:rPr lang="en-GB" dirty="0"/>
-              <a:t>Search analysed text fields</a:t>
-            </a:r>
-          </a:p>
-          <a:p>
-            <a:r>
-              <a:rPr lang="en-GB" dirty="0"/>
-              <a:t>Query string is analysed in same way as text field</a:t>
-            </a:r>
-          </a:p>
-          <a:p>
-            <a:r>
-              <a:rPr lang="en-GB" dirty="0"/>
-              <a:t>Queries: intervals, match, </a:t>
-            </a:r>
-            <a:r>
-              <a:rPr lang="en-GB" dirty="0" err="1"/>
-              <a:t>match_bool_prefix</a:t>
-            </a:r>
-            <a:r>
-              <a:rPr lang="en-GB" dirty="0"/>
-              <a:t>, </a:t>
-            </a:r>
-            <a:r>
-              <a:rPr lang="en-GB" dirty="0" err="1"/>
-              <a:t>match_phrase</a:t>
-            </a:r>
-            <a:r>
-              <a:rPr lang="en-GB" dirty="0"/>
-              <a:t>, </a:t>
-            </a:r>
-            <a:r>
-              <a:rPr lang="en-GB" dirty="0" err="1"/>
-              <a:t>match_phrase_prefix</a:t>
-            </a:r>
-            <a:r>
-              <a:rPr lang="en-GB" dirty="0"/>
-              <a:t>, </a:t>
-            </a:r>
-            <a:r>
-              <a:rPr lang="en-GB" dirty="0" err="1"/>
-              <a:t>multi_match</a:t>
-            </a:r>
-            <a:r>
-              <a:rPr lang="en-GB" dirty="0"/>
-              <a:t>, common terms (deprecated), </a:t>
-            </a:r>
-            <a:r>
-              <a:rPr lang="en-GB" dirty="0" err="1"/>
-              <a:t>query_string</a:t>
-            </a:r>
-            <a:r>
-              <a:rPr lang="en-GB" dirty="0"/>
-              <a:t>, </a:t>
-            </a:r>
-            <a:r>
-              <a:rPr lang="en-GB" dirty="0" err="1"/>
-              <a:t>simple_query_string</a:t>
-            </a:r>
-            <a:endParaRPr lang="en-GB" dirty="0"/>
-          </a:p>
-          <a:p>
-            <a:endParaRPr lang="en-GB" dirty="0"/>
-          </a:p>
-          <a:p>
-            <a:r>
-              <a:rPr lang="en-GB" dirty="0"/>
-              <a:t>query _string: has the same options and syntax as the q query param in URL-based requests</a:t>
-            </a:r>
-          </a:p>
-          <a:p>
-            <a:r>
-              <a:rPr lang="en-GB" dirty="0" err="1"/>
-              <a:t>simple_query_string</a:t>
-            </a:r>
-            <a:r>
-              <a:rPr lang="en-GB" dirty="0"/>
-              <a:t>: more limited but does not return errors for invalid syntax, ignores it instead</a:t>
-            </a:r>
-          </a:p>
-          <a:p>
-            <a:endParaRPr lang="en-GB" dirty="0"/>
-          </a:p>
-        </p:txBody>
-      </p:sp>
-      <p:sp>
-        <p:nvSpPr>
-          <p:cNvPr id="4" name="Footer Placeholder 3">
-            <a:extLst>
-              <a:ext uri="{FF2B5EF4-FFF2-40B4-BE49-F238E27FC236}">
-                <a16:creationId xmlns:a16="http://schemas.microsoft.com/office/drawing/2014/main" id="{171813CD-D280-45C6-92E1-0561F87F526F}"/>
-              </a:ext>
-            </a:extLst>
-          </p:cNvPr>
-          <p:cNvSpPr>
-            <a:spLocks noGrp="1"/>
-          </p:cNvSpPr>
-          <p:nvPr>
-            <p:ph type="ftr" sz="quarter" idx="11"/>
-          </p:nvPr>
-        </p:nvSpPr>
-        <p:spPr/>
-        <p:txBody>
-          <a:bodyPr/>
-          <a:lstStyle/>
-          <a:p>
-            <a:r>
-              <a:rPr lang="nl-NL"/>
-              <a:t>elasticsearch</a:t>
-            </a:r>
-          </a:p>
-        </p:txBody>
-      </p:sp>
-      <p:sp>
-        <p:nvSpPr>
-          <p:cNvPr id="5" name="Slide Number Placeholder 4">
-            <a:extLst>
-              <a:ext uri="{FF2B5EF4-FFF2-40B4-BE49-F238E27FC236}">
-                <a16:creationId xmlns:a16="http://schemas.microsoft.com/office/drawing/2014/main" id="{11B2E7AC-F0B2-43BF-91B3-56FBA77C6523}"/>
-              </a:ext>
-            </a:extLst>
-          </p:cNvPr>
-          <p:cNvSpPr>
-            <a:spLocks noGrp="1"/>
-          </p:cNvSpPr>
-          <p:nvPr>
-            <p:ph type="sldNum" sz="quarter" idx="12"/>
-          </p:nvPr>
-        </p:nvSpPr>
-        <p:spPr/>
-        <p:txBody>
-          <a:bodyPr/>
-          <a:lstStyle/>
-          <a:p>
-            <a:fld id="{14F1411D-0280-154F-AEAC-4C20B7AA46B2}" type="slidenum">
-              <a:rPr lang="nl-NL" smtClean="0"/>
-              <a:t>28</a:t>
-            </a:fld>
-            <a:endParaRPr lang="nl-NL"/>
-          </a:p>
-        </p:txBody>
-      </p:sp>
-    </p:spTree>
-    <p:extLst>
-      <p:ext uri="{BB962C8B-B14F-4D97-AF65-F5344CB8AC3E}">
-        <p14:creationId xmlns:p14="http://schemas.microsoft.com/office/powerpoint/2010/main" val="311206040"/>
-      </p:ext>
-    </p:extLst>
-  </p:cSld>
-  <p:clrMapOvr>
-    <a:masterClrMapping/>
-  </p:clrMapOvr>
-</p:sld>
-</file>
-
-<file path=ppt/slides/slide29.xml><?xml version="1.0" encoding="utf-8"?>
-<p:sld xmlns:a="http://schemas.openxmlformats.org/drawingml/2006/main" xmlns:r="http://schemas.openxmlformats.org/officeDocument/2006/relationships" xmlns:p="http://schemas.openxmlformats.org/presentationml/2006/main">
-  <p:cSld>
-    <p:spTree>
-      <p:nvGrpSpPr>
-        <p:cNvPr id="1" name=""/>
-        <p:cNvGrpSpPr/>
-        <p:nvPr/>
-      </p:nvGrpSpPr>
-      <p:grpSpPr>
-        <a:xfrm>
-          <a:off x="0" y="0"/>
-          <a:ext cx="0" cy="0"/>
-          <a:chOff x="0" y="0"/>
-          <a:chExt cx="0" cy="0"/>
-        </a:xfrm>
-      </p:grpSpPr>
-      <p:sp>
-        <p:nvSpPr>
-          <p:cNvPr id="2" name="Title 1">
-            <a:extLst>
-              <a:ext uri="{FF2B5EF4-FFF2-40B4-BE49-F238E27FC236}">
                 <a16:creationId xmlns:a16="http://schemas.microsoft.com/office/drawing/2014/main" id="{435EE54A-EDB7-44AE-97EE-646026D7E018}"/>
               </a:ext>
             </a:extLst>
@@ -12732,7 +12557,7 @@
           <a:p>
             <a:fld id="{14F1411D-0280-154F-AEAC-4C20B7AA46B2}" type="slidenum">
               <a:rPr lang="nl-NL" smtClean="0"/>
-              <a:t>29</a:t>
+              <a:t>28</a:t>
             </a:fld>
             <a:endParaRPr lang="nl-NL"/>
           </a:p>
@@ -12809,6 +12634,223 @@
 </p:sld>
 </file>
 
+<file path=ppt/slides/slide29.xml><?xml version="1.0" encoding="utf-8"?>
+<p:sld xmlns:a="http://schemas.openxmlformats.org/drawingml/2006/main" xmlns:r="http://schemas.openxmlformats.org/officeDocument/2006/relationships" xmlns:p="http://schemas.openxmlformats.org/presentationml/2006/main">
+  <p:cSld>
+    <p:spTree>
+      <p:nvGrpSpPr>
+        <p:cNvPr id="1" name=""/>
+        <p:cNvGrpSpPr/>
+        <p:nvPr/>
+      </p:nvGrpSpPr>
+      <p:grpSpPr>
+        <a:xfrm>
+          <a:off x="0" y="0"/>
+          <a:ext cx="0" cy="0"/>
+          <a:chOff x="0" y="0"/>
+          <a:chExt cx="0" cy="0"/>
+        </a:xfrm>
+      </p:grpSpPr>
+      <p:sp>
+        <p:nvSpPr>
+          <p:cNvPr id="2" name="Title 1">
+            <a:extLst>
+              <a:ext uri="{FF2B5EF4-FFF2-40B4-BE49-F238E27FC236}">
+                <a16:creationId xmlns:a16="http://schemas.microsoft.com/office/drawing/2014/main" id="{0A876437-F2FB-4E69-95AD-7906C55BB384}"/>
+              </a:ext>
+            </a:extLst>
+          </p:cNvPr>
+          <p:cNvSpPr>
+            <a:spLocks noGrp="1"/>
+          </p:cNvSpPr>
+          <p:nvPr>
+            <p:ph type="title"/>
+          </p:nvPr>
+        </p:nvSpPr>
+        <p:spPr/>
+        <p:txBody>
+          <a:bodyPr/>
+          <a:lstStyle/>
+          <a:p>
+            <a:r>
+              <a:rPr lang="en-GB" dirty="0"/>
+              <a:t>JSON-based queries – full text queries(3)</a:t>
+            </a:r>
+            <a:endParaRPr lang="en-NL" dirty="0"/>
+          </a:p>
+        </p:txBody>
+      </p:sp>
+      <p:sp>
+        <p:nvSpPr>
+          <p:cNvPr id="3" name="Content Placeholder 2">
+            <a:extLst>
+              <a:ext uri="{FF2B5EF4-FFF2-40B4-BE49-F238E27FC236}">
+                <a16:creationId xmlns:a16="http://schemas.microsoft.com/office/drawing/2014/main" id="{129841FA-08D2-48D3-B2FB-40E294C20F55}"/>
+              </a:ext>
+            </a:extLst>
+          </p:cNvPr>
+          <p:cNvSpPr>
+            <a:spLocks noGrp="1"/>
+          </p:cNvSpPr>
+          <p:nvPr>
+            <p:ph idx="1"/>
+          </p:nvPr>
+        </p:nvSpPr>
+        <p:spPr/>
+        <p:txBody>
+          <a:bodyPr/>
+          <a:lstStyle/>
+          <a:p>
+            <a:r>
+              <a:rPr lang="en-GB" dirty="0" err="1"/>
+              <a:t>match_phrase</a:t>
+            </a:r>
+            <a:r>
+              <a:rPr lang="en-GB" dirty="0"/>
+              <a:t>: match a phrase precisely or provide the “slop” parameter to allow some words in between.</a:t>
+            </a:r>
+          </a:p>
+          <a:p>
+            <a:r>
+              <a:rPr lang="en-GB" dirty="0" err="1"/>
+              <a:t>match_phrase_prefix</a:t>
+            </a:r>
+            <a:r>
+              <a:rPr lang="en-GB" dirty="0"/>
+              <a:t>: last term is treated as prefix, matching any word beginning with that term</a:t>
+            </a:r>
+          </a:p>
+          <a:p>
+            <a:r>
+              <a:rPr lang="en-GB" dirty="0" err="1"/>
+              <a:t>match_bool_prefix</a:t>
+            </a:r>
+            <a:r>
+              <a:rPr lang="en-GB" dirty="0"/>
+              <a:t>: match terms in any position, not in specific order</a:t>
+            </a:r>
+          </a:p>
+          <a:p>
+            <a:endParaRPr lang="en-GB" dirty="0"/>
+          </a:p>
+          <a:p>
+            <a:r>
+              <a:rPr lang="en-GB" dirty="0"/>
+              <a:t>intervals: search documents based on order and proximity of terms</a:t>
+            </a:r>
+          </a:p>
+          <a:p>
+            <a:endParaRPr lang="en-GB" dirty="0"/>
+          </a:p>
+          <a:p>
+            <a:endParaRPr lang="en-GB" dirty="0"/>
+          </a:p>
+          <a:p>
+            <a:endParaRPr lang="nl-NL" sz="1100" dirty="0">
+              <a:hlinkClick r:id="rId2"/>
+            </a:endParaRPr>
+          </a:p>
+          <a:p>
+            <a:endParaRPr lang="nl-NL" sz="1100" dirty="0">
+              <a:hlinkClick r:id="rId2"/>
+            </a:endParaRPr>
+          </a:p>
+          <a:p>
+            <a:endParaRPr lang="nl-NL" sz="1100" dirty="0">
+              <a:hlinkClick r:id="rId2"/>
+            </a:endParaRPr>
+          </a:p>
+          <a:p>
+            <a:endParaRPr lang="nl-NL" sz="1100" dirty="0">
+              <a:hlinkClick r:id="rId2"/>
+            </a:endParaRPr>
+          </a:p>
+          <a:p>
+            <a:endParaRPr lang="nl-NL" sz="1100" dirty="0">
+              <a:hlinkClick r:id="rId2"/>
+            </a:endParaRPr>
+          </a:p>
+          <a:p>
+            <a:r>
+              <a:rPr lang="nl-NL" sz="1100" dirty="0">
+                <a:hlinkClick r:id="rId2"/>
+              </a:rPr>
+              <a:t>https://www.elastic.co/guide/en/elasticsearch/reference/current/full-text-queries.html</a:t>
+            </a:r>
+            <a:endParaRPr lang="en-NL" sz="1100" dirty="0"/>
+          </a:p>
+        </p:txBody>
+      </p:sp>
+      <p:sp>
+        <p:nvSpPr>
+          <p:cNvPr id="4" name="Footer Placeholder 3">
+            <a:extLst>
+              <a:ext uri="{FF2B5EF4-FFF2-40B4-BE49-F238E27FC236}">
+                <a16:creationId xmlns:a16="http://schemas.microsoft.com/office/drawing/2014/main" id="{DE42CBC2-3946-418E-9984-42AB33A6B664}"/>
+              </a:ext>
+            </a:extLst>
+          </p:cNvPr>
+          <p:cNvSpPr>
+            <a:spLocks noGrp="1"/>
+          </p:cNvSpPr>
+          <p:nvPr>
+            <p:ph type="ftr" sz="quarter" idx="11"/>
+          </p:nvPr>
+        </p:nvSpPr>
+        <p:spPr/>
+        <p:txBody>
+          <a:bodyPr/>
+          <a:lstStyle/>
+          <a:p>
+            <a:r>
+              <a:rPr lang="nl-NL"/>
+              <a:t>elasticsearch</a:t>
+            </a:r>
+          </a:p>
+        </p:txBody>
+      </p:sp>
+      <p:sp>
+        <p:nvSpPr>
+          <p:cNvPr id="5" name="Slide Number Placeholder 4">
+            <a:extLst>
+              <a:ext uri="{FF2B5EF4-FFF2-40B4-BE49-F238E27FC236}">
+                <a16:creationId xmlns:a16="http://schemas.microsoft.com/office/drawing/2014/main" id="{69AB646A-BDCC-4ED3-B628-369F043C3DEA}"/>
+              </a:ext>
+            </a:extLst>
+          </p:cNvPr>
+          <p:cNvSpPr>
+            <a:spLocks noGrp="1"/>
+          </p:cNvSpPr>
+          <p:nvPr>
+            <p:ph type="sldNum" sz="quarter" idx="12"/>
+          </p:nvPr>
+        </p:nvSpPr>
+        <p:spPr/>
+        <p:txBody>
+          <a:bodyPr/>
+          <a:lstStyle/>
+          <a:p>
+            <a:fld id="{14F1411D-0280-154F-AEAC-4C20B7AA46B2}" type="slidenum">
+              <a:rPr lang="nl-NL" smtClean="0"/>
+              <a:t>29</a:t>
+            </a:fld>
+            <a:endParaRPr lang="nl-NL"/>
+          </a:p>
+        </p:txBody>
+      </p:sp>
+    </p:spTree>
+    <p:extLst>
+      <p:ext uri="{BB962C8B-B14F-4D97-AF65-F5344CB8AC3E}">
+        <p14:creationId xmlns:p14="http://schemas.microsoft.com/office/powerpoint/2010/main" val="3103263932"/>
+      </p:ext>
+    </p:extLst>
+  </p:cSld>
+  <p:clrMapOvr>
+    <a:masterClrMapping/>
+  </p:clrMapOvr>
+</p:sld>
+</file>
+
 <file path=ppt/slides/slide3.xml><?xml version="1.0" encoding="utf-8"?>
 <p:sld xmlns:a="http://schemas.openxmlformats.org/drawingml/2006/main" xmlns:r="http://schemas.openxmlformats.org/officeDocument/2006/relationships" xmlns:p="http://schemas.openxmlformats.org/presentationml/2006/main">
   <p:cSld>
@@ -13009,7 +13051,7 @@
           <p:cNvPr id="2" name="Title 1">
             <a:extLst>
               <a:ext uri="{FF2B5EF4-FFF2-40B4-BE49-F238E27FC236}">
-                <a16:creationId xmlns:a16="http://schemas.microsoft.com/office/drawing/2014/main" id="{0A876437-F2FB-4E69-95AD-7906C55BB384}"/>
+                <a16:creationId xmlns:a16="http://schemas.microsoft.com/office/drawing/2014/main" id="{7E0C864F-8D7E-4A1F-9FBF-8840FD06DD82}"/>
               </a:ext>
             </a:extLst>
           </p:cNvPr>
@@ -13027,7 +13069,7 @@
           <a:p>
             <a:r>
               <a:rPr lang="en-GB" dirty="0"/>
-              <a:t>JSON-based queries – full text queries(3)</a:t>
+              <a:t>JSON-based queries – compound queries(1)</a:t>
             </a:r>
             <a:endParaRPr lang="en-NL" dirty="0"/>
           </a:p>
@@ -13038,7 +13080,7 @@
           <p:cNvPr id="3" name="Content Placeholder 2">
             <a:extLst>
               <a:ext uri="{FF2B5EF4-FFF2-40B4-BE49-F238E27FC236}">
-                <a16:creationId xmlns:a16="http://schemas.microsoft.com/office/drawing/2014/main" id="{129841FA-08D2-48D3-B2FB-40E294C20F55}"/>
+                <a16:creationId xmlns:a16="http://schemas.microsoft.com/office/drawing/2014/main" id="{2B238913-DCE4-4551-93BE-7D0E5C113D13}"/>
               </a:ext>
             </a:extLst>
           </p:cNvPr>
@@ -13055,82 +13097,93 @@
           <a:lstStyle/>
           <a:p>
             <a:r>
+              <a:rPr lang="en-GB" dirty="0"/>
+              <a:t>Wrap other (compound) queries to combine results, change query behaviour or use a filter</a:t>
+            </a:r>
+          </a:p>
+          <a:p>
+            <a:pPr lvl="1"/>
+            <a:r>
+              <a:rPr lang="en-GB" sz="1400" dirty="0"/>
+              <a:t>No score is calculated for results that are filtered out</a:t>
+            </a:r>
+          </a:p>
+          <a:p>
+            <a:pPr lvl="1"/>
+            <a:r>
+              <a:rPr lang="en-GB" sz="1400" dirty="0"/>
+              <a:t>Often used filters are cached by </a:t>
+            </a:r>
+            <a:r>
+              <a:rPr lang="en-GB" sz="1400" dirty="0" err="1"/>
+              <a:t>elasticsearch</a:t>
+            </a:r>
+            <a:endParaRPr lang="en-GB" sz="1400" dirty="0"/>
+          </a:p>
+          <a:p>
+            <a:r>
+              <a:rPr lang="en-GB" dirty="0"/>
+              <a:t>Queries: bool (</a:t>
+            </a:r>
+            <a:r>
               <a:rPr lang="en-GB" dirty="0" err="1"/>
-              <a:t>match_phrase</a:t>
+              <a:t>boolean</a:t>
             </a:r>
             <a:r>
               <a:rPr lang="en-GB" dirty="0"/>
-              <a:t>: match a phrase precisely or provide the “slop” parameter to allow some words in between.</a:t>
-            </a:r>
-          </a:p>
-          <a:p>
+              <a:t>), boosting, </a:t>
+            </a:r>
             <a:r>
               <a:rPr lang="en-GB" dirty="0" err="1"/>
-              <a:t>match_phrase_prefix</a:t>
+              <a:t>constant_score</a:t>
             </a:r>
             <a:r>
               <a:rPr lang="en-GB" dirty="0"/>
-              <a:t>: last term is treated as prefix, matching any word beginning with that term</a:t>
-            </a:r>
-          </a:p>
-          <a:p>
+              <a:t>, </a:t>
+            </a:r>
             <a:r>
               <a:rPr lang="en-GB" dirty="0" err="1"/>
-              <a:t>match_bool_prefix</a:t>
+              <a:t>dis_max</a:t>
             </a:r>
             <a:r>
               <a:rPr lang="en-GB" dirty="0"/>
-              <a:t>: match terms in any position, not in specific order</a:t>
-            </a:r>
-          </a:p>
-          <a:p>
+              <a:t> (disjunction max), </a:t>
+            </a:r>
+            <a:r>
+              <a:rPr lang="en-GB" dirty="0" err="1"/>
+              <a:t>function_score</a:t>
+            </a:r>
             <a:endParaRPr lang="en-GB" dirty="0"/>
           </a:p>
           <a:p>
+            <a:endParaRPr lang="en-GB" dirty="0"/>
+          </a:p>
+          <a:p>
             <a:r>
               <a:rPr lang="en-GB" dirty="0"/>
-              <a:t>intervals: search documents based on order and proximity of terms</a:t>
-            </a:r>
-          </a:p>
-          <a:p>
+              <a:t>For manipulating scores: boosting, </a:t>
+            </a:r>
+            <a:r>
+              <a:rPr lang="en-GB" dirty="0" err="1"/>
+              <a:t>constant_score</a:t>
+            </a:r>
+            <a:r>
+              <a:rPr lang="en-GB" dirty="0"/>
+              <a:t>, </a:t>
+            </a:r>
+            <a:r>
+              <a:rPr lang="en-GB" dirty="0" err="1"/>
+              <a:t>dis_max</a:t>
+            </a:r>
+            <a:r>
+              <a:rPr lang="en-GB" dirty="0"/>
+              <a:t>, and </a:t>
+            </a:r>
+            <a:r>
+              <a:rPr lang="en-GB" dirty="0" err="1"/>
+              <a:t>function_score</a:t>
+            </a:r>
             <a:endParaRPr lang="en-GB" dirty="0"/>
-          </a:p>
-          <a:p>
-            <a:endParaRPr lang="en-GB" dirty="0"/>
-          </a:p>
-          <a:p>
-            <a:endParaRPr lang="nl-NL" sz="1100" dirty="0">
-              <a:hlinkClick r:id="rId2"/>
-            </a:endParaRPr>
-          </a:p>
-          <a:p>
-            <a:endParaRPr lang="nl-NL" sz="1100" dirty="0">
-              <a:hlinkClick r:id="rId2"/>
-            </a:endParaRPr>
-          </a:p>
-          <a:p>
-            <a:endParaRPr lang="nl-NL" sz="1100" dirty="0">
-              <a:hlinkClick r:id="rId2"/>
-            </a:endParaRPr>
-          </a:p>
-          <a:p>
-            <a:endParaRPr lang="nl-NL" sz="1100" dirty="0">
-              <a:hlinkClick r:id="rId2"/>
-            </a:endParaRPr>
-          </a:p>
-          <a:p>
-            <a:endParaRPr lang="nl-NL" sz="1100" dirty="0">
-              <a:hlinkClick r:id="rId2"/>
-            </a:endParaRPr>
-          </a:p>
-          <a:p>
-            <a:r>
-              <a:rPr lang="nl-NL" sz="1100" dirty="0">
-                <a:hlinkClick r:id="rId2"/>
-              </a:rPr>
-              <a:t>https://www.elastic.co/guide/en/elasticsearch/reference/current/full-text-queries.html</a:t>
-            </a:r>
-            <a:endParaRPr lang="en-NL" sz="1100" dirty="0"/>
           </a:p>
         </p:txBody>
       </p:sp>
@@ -13139,7 +13192,7 @@
           <p:cNvPr id="4" name="Footer Placeholder 3">
             <a:extLst>
               <a:ext uri="{FF2B5EF4-FFF2-40B4-BE49-F238E27FC236}">
-                <a16:creationId xmlns:a16="http://schemas.microsoft.com/office/drawing/2014/main" id="{DE42CBC2-3946-418E-9984-42AB33A6B664}"/>
+                <a16:creationId xmlns:a16="http://schemas.microsoft.com/office/drawing/2014/main" id="{F1690C5F-F470-4B05-AB59-CBE30FDE51F0}"/>
               </a:ext>
             </a:extLst>
           </p:cNvPr>
@@ -13167,7 +13220,7 @@
           <p:cNvPr id="5" name="Slide Number Placeholder 4">
             <a:extLst>
               <a:ext uri="{FF2B5EF4-FFF2-40B4-BE49-F238E27FC236}">
-                <a16:creationId xmlns:a16="http://schemas.microsoft.com/office/drawing/2014/main" id="{69AB646A-BDCC-4ED3-B628-369F043C3DEA}"/>
+                <a16:creationId xmlns:a16="http://schemas.microsoft.com/office/drawing/2014/main" id="{1A34282B-2261-48E1-834B-16C626B887A4}"/>
               </a:ext>
             </a:extLst>
           </p:cNvPr>
@@ -13194,7 +13247,7 @@
     </p:spTree>
     <p:extLst>
       <p:ext uri="{BB962C8B-B14F-4D97-AF65-F5344CB8AC3E}">
-        <p14:creationId xmlns:p14="http://schemas.microsoft.com/office/powerpoint/2010/main" val="3103263932"/>
+        <p14:creationId xmlns:p14="http://schemas.microsoft.com/office/powerpoint/2010/main" val="2152417423"/>
       </p:ext>
     </p:extLst>
   </p:cSld>
@@ -13226,234 +13279,6 @@
           <p:cNvPr id="2" name="Title 1">
             <a:extLst>
               <a:ext uri="{FF2B5EF4-FFF2-40B4-BE49-F238E27FC236}">
-                <a16:creationId xmlns:a16="http://schemas.microsoft.com/office/drawing/2014/main" id="{7E0C864F-8D7E-4A1F-9FBF-8840FD06DD82}"/>
-              </a:ext>
-            </a:extLst>
-          </p:cNvPr>
-          <p:cNvSpPr>
-            <a:spLocks noGrp="1"/>
-          </p:cNvSpPr>
-          <p:nvPr>
-            <p:ph type="title"/>
-          </p:nvPr>
-        </p:nvSpPr>
-        <p:spPr/>
-        <p:txBody>
-          <a:bodyPr/>
-          <a:lstStyle/>
-          <a:p>
-            <a:r>
-              <a:rPr lang="en-GB" dirty="0"/>
-              <a:t>JSON-based queries – compound queries(1)</a:t>
-            </a:r>
-            <a:endParaRPr lang="en-NL" dirty="0"/>
-          </a:p>
-        </p:txBody>
-      </p:sp>
-      <p:sp>
-        <p:nvSpPr>
-          <p:cNvPr id="3" name="Content Placeholder 2">
-            <a:extLst>
-              <a:ext uri="{FF2B5EF4-FFF2-40B4-BE49-F238E27FC236}">
-                <a16:creationId xmlns:a16="http://schemas.microsoft.com/office/drawing/2014/main" id="{2B238913-DCE4-4551-93BE-7D0E5C113D13}"/>
-              </a:ext>
-            </a:extLst>
-          </p:cNvPr>
-          <p:cNvSpPr>
-            <a:spLocks noGrp="1"/>
-          </p:cNvSpPr>
-          <p:nvPr>
-            <p:ph idx="1"/>
-          </p:nvPr>
-        </p:nvSpPr>
-        <p:spPr/>
-        <p:txBody>
-          <a:bodyPr/>
-          <a:lstStyle/>
-          <a:p>
-            <a:r>
-              <a:rPr lang="en-GB" dirty="0"/>
-              <a:t>Wrap other (compound) queries to combine results, change query behaviour or use a filter</a:t>
-            </a:r>
-          </a:p>
-          <a:p>
-            <a:pPr lvl="1"/>
-            <a:r>
-              <a:rPr lang="en-GB" sz="1400" dirty="0"/>
-              <a:t>No score is calculated for results that are filtered out</a:t>
-            </a:r>
-          </a:p>
-          <a:p>
-            <a:pPr lvl="1"/>
-            <a:r>
-              <a:rPr lang="en-GB" sz="1400" dirty="0"/>
-              <a:t>Often used filters are cached by </a:t>
-            </a:r>
-            <a:r>
-              <a:rPr lang="en-GB" sz="1400" dirty="0" err="1"/>
-              <a:t>elasticsearch</a:t>
-            </a:r>
-            <a:endParaRPr lang="en-GB" sz="1400" dirty="0"/>
-          </a:p>
-          <a:p>
-            <a:r>
-              <a:rPr lang="en-GB" dirty="0"/>
-              <a:t>Queries: bool (</a:t>
-            </a:r>
-            <a:r>
-              <a:rPr lang="en-GB" dirty="0" err="1"/>
-              <a:t>boolean</a:t>
-            </a:r>
-            <a:r>
-              <a:rPr lang="en-GB" dirty="0"/>
-              <a:t>), boosting, </a:t>
-            </a:r>
-            <a:r>
-              <a:rPr lang="en-GB" dirty="0" err="1"/>
-              <a:t>constant_score</a:t>
-            </a:r>
-            <a:r>
-              <a:rPr lang="en-GB" dirty="0"/>
-              <a:t>, </a:t>
-            </a:r>
-            <a:r>
-              <a:rPr lang="en-GB" dirty="0" err="1"/>
-              <a:t>dis_max</a:t>
-            </a:r>
-            <a:r>
-              <a:rPr lang="en-GB" dirty="0"/>
-              <a:t> (disjunction max), </a:t>
-            </a:r>
-            <a:r>
-              <a:rPr lang="en-GB" dirty="0" err="1"/>
-              <a:t>function_score</a:t>
-            </a:r>
-            <a:endParaRPr lang="en-GB" dirty="0"/>
-          </a:p>
-          <a:p>
-            <a:endParaRPr lang="en-GB" dirty="0"/>
-          </a:p>
-          <a:p>
-            <a:r>
-              <a:rPr lang="en-GB" dirty="0"/>
-              <a:t>For manipulating scores: boosting, </a:t>
-            </a:r>
-            <a:r>
-              <a:rPr lang="en-GB" dirty="0" err="1"/>
-              <a:t>constant_score</a:t>
-            </a:r>
-            <a:r>
-              <a:rPr lang="en-GB" dirty="0"/>
-              <a:t>, </a:t>
-            </a:r>
-            <a:r>
-              <a:rPr lang="en-GB" dirty="0" err="1"/>
-              <a:t>dis_max</a:t>
-            </a:r>
-            <a:r>
-              <a:rPr lang="en-GB" dirty="0"/>
-              <a:t>, and </a:t>
-            </a:r>
-            <a:r>
-              <a:rPr lang="en-GB" dirty="0" err="1"/>
-              <a:t>function_score</a:t>
-            </a:r>
-            <a:endParaRPr lang="en-GB" dirty="0"/>
-          </a:p>
-        </p:txBody>
-      </p:sp>
-      <p:sp>
-        <p:nvSpPr>
-          <p:cNvPr id="4" name="Footer Placeholder 3">
-            <a:extLst>
-              <a:ext uri="{FF2B5EF4-FFF2-40B4-BE49-F238E27FC236}">
-                <a16:creationId xmlns:a16="http://schemas.microsoft.com/office/drawing/2014/main" id="{F1690C5F-F470-4B05-AB59-CBE30FDE51F0}"/>
-              </a:ext>
-            </a:extLst>
-          </p:cNvPr>
-          <p:cNvSpPr>
-            <a:spLocks noGrp="1"/>
-          </p:cNvSpPr>
-          <p:nvPr>
-            <p:ph type="ftr" sz="quarter" idx="11"/>
-          </p:nvPr>
-        </p:nvSpPr>
-        <p:spPr/>
-        <p:txBody>
-          <a:bodyPr/>
-          <a:lstStyle/>
-          <a:p>
-            <a:r>
-              <a:rPr lang="nl-NL"/>
-              <a:t>elasticsearch</a:t>
-            </a:r>
-          </a:p>
-        </p:txBody>
-      </p:sp>
-      <p:sp>
-        <p:nvSpPr>
-          <p:cNvPr id="5" name="Slide Number Placeholder 4">
-            <a:extLst>
-              <a:ext uri="{FF2B5EF4-FFF2-40B4-BE49-F238E27FC236}">
-                <a16:creationId xmlns:a16="http://schemas.microsoft.com/office/drawing/2014/main" id="{1A34282B-2261-48E1-834B-16C626B887A4}"/>
-              </a:ext>
-            </a:extLst>
-          </p:cNvPr>
-          <p:cNvSpPr>
-            <a:spLocks noGrp="1"/>
-          </p:cNvSpPr>
-          <p:nvPr>
-            <p:ph type="sldNum" sz="quarter" idx="12"/>
-          </p:nvPr>
-        </p:nvSpPr>
-        <p:spPr/>
-        <p:txBody>
-          <a:bodyPr/>
-          <a:lstStyle/>
-          <a:p>
-            <a:fld id="{14F1411D-0280-154F-AEAC-4C20B7AA46B2}" type="slidenum">
-              <a:rPr lang="nl-NL" smtClean="0"/>
-              <a:t>31</a:t>
-            </a:fld>
-            <a:endParaRPr lang="nl-NL"/>
-          </a:p>
-        </p:txBody>
-      </p:sp>
-    </p:spTree>
-    <p:extLst>
-      <p:ext uri="{BB962C8B-B14F-4D97-AF65-F5344CB8AC3E}">
-        <p14:creationId xmlns:p14="http://schemas.microsoft.com/office/powerpoint/2010/main" val="2152417423"/>
-      </p:ext>
-    </p:extLst>
-  </p:cSld>
-  <p:clrMapOvr>
-    <a:masterClrMapping/>
-  </p:clrMapOvr>
-</p:sld>
-</file>
-
-<file path=ppt/slides/slide32.xml><?xml version="1.0" encoding="utf-8"?>
-<p:sld xmlns:a="http://schemas.openxmlformats.org/drawingml/2006/main" xmlns:r="http://schemas.openxmlformats.org/officeDocument/2006/relationships" xmlns:p="http://schemas.openxmlformats.org/presentationml/2006/main">
-  <p:cSld>
-    <p:spTree>
-      <p:nvGrpSpPr>
-        <p:cNvPr id="1" name=""/>
-        <p:cNvGrpSpPr/>
-        <p:nvPr/>
-      </p:nvGrpSpPr>
-      <p:grpSpPr>
-        <a:xfrm>
-          <a:off x="0" y="0"/>
-          <a:ext cx="0" cy="0"/>
-          <a:chOff x="0" y="0"/>
-          <a:chExt cx="0" cy="0"/>
-        </a:xfrm>
-      </p:grpSpPr>
-      <p:sp>
-        <p:nvSpPr>
-          <p:cNvPr id="2" name="Title 1">
-            <a:extLst>
-              <a:ext uri="{FF2B5EF4-FFF2-40B4-BE49-F238E27FC236}">
                 <a16:creationId xmlns:a16="http://schemas.microsoft.com/office/drawing/2014/main" id="{E3757799-83EA-4342-8812-939E96764E4D}"/>
               </a:ext>
             </a:extLst>
@@ -13638,7 +13463,7 @@
           <a:p>
             <a:fld id="{14F1411D-0280-154F-AEAC-4C20B7AA46B2}" type="slidenum">
               <a:rPr lang="nl-NL" smtClean="0"/>
-              <a:t>32</a:t>
+              <a:t>31</a:t>
             </a:fld>
             <a:endParaRPr lang="nl-NL"/>
           </a:p>
@@ -13689,6 +13514,201 @@
 </p:sld>
 </file>
 
+<file path=ppt/slides/slide32.xml><?xml version="1.0" encoding="utf-8"?>
+<p:sld xmlns:a="http://schemas.openxmlformats.org/drawingml/2006/main" xmlns:r="http://schemas.openxmlformats.org/officeDocument/2006/relationships" xmlns:p="http://schemas.openxmlformats.org/presentationml/2006/main">
+  <p:cSld>
+    <p:spTree>
+      <p:nvGrpSpPr>
+        <p:cNvPr id="1" name=""/>
+        <p:cNvGrpSpPr/>
+        <p:nvPr/>
+      </p:nvGrpSpPr>
+      <p:grpSpPr>
+        <a:xfrm>
+          <a:off x="0" y="0"/>
+          <a:ext cx="0" cy="0"/>
+          <a:chOff x="0" y="0"/>
+          <a:chExt cx="0" cy="0"/>
+        </a:xfrm>
+      </p:grpSpPr>
+      <p:sp>
+        <p:nvSpPr>
+          <p:cNvPr id="2" name="Title 1">
+            <a:extLst>
+              <a:ext uri="{FF2B5EF4-FFF2-40B4-BE49-F238E27FC236}">
+                <a16:creationId xmlns:a16="http://schemas.microsoft.com/office/drawing/2014/main" id="{1662735F-2B1F-4D0C-AF2E-7A0BE04E0042}"/>
+              </a:ext>
+            </a:extLst>
+          </p:cNvPr>
+          <p:cNvSpPr>
+            <a:spLocks noGrp="1"/>
+          </p:cNvSpPr>
+          <p:nvPr>
+            <p:ph type="title"/>
+          </p:nvPr>
+        </p:nvSpPr>
+        <p:spPr/>
+        <p:txBody>
+          <a:bodyPr/>
+          <a:lstStyle/>
+          <a:p>
+            <a:r>
+              <a:rPr lang="en-GB" dirty="0"/>
+              <a:t>JSON-based queries – other queries </a:t>
+            </a:r>
+            <a:endParaRPr lang="en-NL" dirty="0"/>
+          </a:p>
+        </p:txBody>
+      </p:sp>
+      <p:sp>
+        <p:nvSpPr>
+          <p:cNvPr id="3" name="Content Placeholder 2">
+            <a:extLst>
+              <a:ext uri="{FF2B5EF4-FFF2-40B4-BE49-F238E27FC236}">
+                <a16:creationId xmlns:a16="http://schemas.microsoft.com/office/drawing/2014/main" id="{6483CDA8-7360-461B-A0CE-5F9ED7C1EF07}"/>
+              </a:ext>
+            </a:extLst>
+          </p:cNvPr>
+          <p:cNvSpPr>
+            <a:spLocks noGrp="1"/>
+          </p:cNvSpPr>
+          <p:nvPr>
+            <p:ph idx="1"/>
+          </p:nvPr>
+        </p:nvSpPr>
+        <p:spPr/>
+        <p:txBody>
+          <a:bodyPr/>
+          <a:lstStyle/>
+          <a:p>
+            <a:r>
+              <a:rPr lang="en-GB" dirty="0"/>
+              <a:t>Geo queries: query on geo points or shapes</a:t>
+            </a:r>
+          </a:p>
+          <a:p>
+            <a:r>
+              <a:rPr lang="en-GB" dirty="0"/>
+              <a:t>Shape queries: query two dimensional shapes</a:t>
+            </a:r>
+          </a:p>
+          <a:p>
+            <a:r>
+              <a:rPr lang="en-GB" dirty="0"/>
+              <a:t>Joining queries: query nested data and parent-child relationships</a:t>
+            </a:r>
+          </a:p>
+          <a:p>
+            <a:r>
+              <a:rPr lang="en-GB" dirty="0"/>
+              <a:t>span queries: low-level positional queries, very specific control over order and proximity of terms</a:t>
+            </a:r>
+          </a:p>
+          <a:p>
+            <a:r>
+              <a:rPr lang="en-GB" dirty="0"/>
+              <a:t>Specialized queries: do not fit in other groups</a:t>
+            </a:r>
+          </a:p>
+          <a:p>
+            <a:endParaRPr lang="en-GB" dirty="0"/>
+          </a:p>
+          <a:p>
+            <a:endParaRPr lang="en-GB" dirty="0"/>
+          </a:p>
+          <a:p>
+            <a:endParaRPr lang="en-GB" dirty="0"/>
+          </a:p>
+          <a:p>
+            <a:endParaRPr lang="en-GB" dirty="0"/>
+          </a:p>
+          <a:p>
+            <a:endParaRPr lang="en-GB" dirty="0"/>
+          </a:p>
+          <a:p>
+            <a:endParaRPr lang="en-GB" dirty="0"/>
+          </a:p>
+          <a:p>
+            <a:r>
+              <a:rPr lang="nl-NL" sz="1100" dirty="0">
+                <a:hlinkClick r:id="rId2"/>
+              </a:rPr>
+              <a:t>https://www.elastic.co/guide/en/elasticsearch/reference/current/query-dsl.html</a:t>
+            </a:r>
+            <a:endParaRPr lang="en-GB" sz="1100" dirty="0"/>
+          </a:p>
+        </p:txBody>
+      </p:sp>
+      <p:sp>
+        <p:nvSpPr>
+          <p:cNvPr id="4" name="Footer Placeholder 3">
+            <a:extLst>
+              <a:ext uri="{FF2B5EF4-FFF2-40B4-BE49-F238E27FC236}">
+                <a16:creationId xmlns:a16="http://schemas.microsoft.com/office/drawing/2014/main" id="{3BFE5A87-9EFF-47B0-BE3A-17205E9C81C9}"/>
+              </a:ext>
+            </a:extLst>
+          </p:cNvPr>
+          <p:cNvSpPr>
+            <a:spLocks noGrp="1"/>
+          </p:cNvSpPr>
+          <p:nvPr>
+            <p:ph type="ftr" sz="quarter" idx="11"/>
+          </p:nvPr>
+        </p:nvSpPr>
+        <p:spPr/>
+        <p:txBody>
+          <a:bodyPr/>
+          <a:lstStyle/>
+          <a:p>
+            <a:r>
+              <a:rPr lang="nl-NL"/>
+              <a:t>elasticsearch</a:t>
+            </a:r>
+          </a:p>
+        </p:txBody>
+      </p:sp>
+      <p:sp>
+        <p:nvSpPr>
+          <p:cNvPr id="5" name="Slide Number Placeholder 4">
+            <a:extLst>
+              <a:ext uri="{FF2B5EF4-FFF2-40B4-BE49-F238E27FC236}">
+                <a16:creationId xmlns:a16="http://schemas.microsoft.com/office/drawing/2014/main" id="{D6997ABD-B758-4682-8D8C-D59BDB019EF1}"/>
+              </a:ext>
+            </a:extLst>
+          </p:cNvPr>
+          <p:cNvSpPr>
+            <a:spLocks noGrp="1"/>
+          </p:cNvSpPr>
+          <p:nvPr>
+            <p:ph type="sldNum" sz="quarter" idx="12"/>
+          </p:nvPr>
+        </p:nvSpPr>
+        <p:spPr/>
+        <p:txBody>
+          <a:bodyPr/>
+          <a:lstStyle/>
+          <a:p>
+            <a:fld id="{14F1411D-0280-154F-AEAC-4C20B7AA46B2}" type="slidenum">
+              <a:rPr lang="nl-NL" smtClean="0"/>
+              <a:t>32</a:t>
+            </a:fld>
+            <a:endParaRPr lang="nl-NL"/>
+          </a:p>
+        </p:txBody>
+      </p:sp>
+    </p:spTree>
+    <p:extLst>
+      <p:ext uri="{BB962C8B-B14F-4D97-AF65-F5344CB8AC3E}">
+        <p14:creationId xmlns:p14="http://schemas.microsoft.com/office/powerpoint/2010/main" val="3384597766"/>
+      </p:ext>
+    </p:extLst>
+  </p:cSld>
+  <p:clrMapOvr>
+    <a:masterClrMapping/>
+  </p:clrMapOvr>
+</p:sld>
+</file>
+
 <file path=ppt/slides/slide33.xml><?xml version="1.0" encoding="utf-8"?>
 <p:sld xmlns:a="http://schemas.openxmlformats.org/drawingml/2006/main" xmlns:r="http://schemas.openxmlformats.org/officeDocument/2006/relationships" xmlns:p="http://schemas.openxmlformats.org/presentationml/2006/main">
   <p:cSld>
@@ -13711,201 +13731,6 @@
           <p:cNvPr id="2" name="Title 1">
             <a:extLst>
               <a:ext uri="{FF2B5EF4-FFF2-40B4-BE49-F238E27FC236}">
-                <a16:creationId xmlns:a16="http://schemas.microsoft.com/office/drawing/2014/main" id="{1662735F-2B1F-4D0C-AF2E-7A0BE04E0042}"/>
-              </a:ext>
-            </a:extLst>
-          </p:cNvPr>
-          <p:cNvSpPr>
-            <a:spLocks noGrp="1"/>
-          </p:cNvSpPr>
-          <p:nvPr>
-            <p:ph type="title"/>
-          </p:nvPr>
-        </p:nvSpPr>
-        <p:spPr/>
-        <p:txBody>
-          <a:bodyPr/>
-          <a:lstStyle/>
-          <a:p>
-            <a:r>
-              <a:rPr lang="en-GB" dirty="0"/>
-              <a:t>JSON-based queries – other queries </a:t>
-            </a:r>
-            <a:endParaRPr lang="en-NL" dirty="0"/>
-          </a:p>
-        </p:txBody>
-      </p:sp>
-      <p:sp>
-        <p:nvSpPr>
-          <p:cNvPr id="3" name="Content Placeholder 2">
-            <a:extLst>
-              <a:ext uri="{FF2B5EF4-FFF2-40B4-BE49-F238E27FC236}">
-                <a16:creationId xmlns:a16="http://schemas.microsoft.com/office/drawing/2014/main" id="{6483CDA8-7360-461B-A0CE-5F9ED7C1EF07}"/>
-              </a:ext>
-            </a:extLst>
-          </p:cNvPr>
-          <p:cNvSpPr>
-            <a:spLocks noGrp="1"/>
-          </p:cNvSpPr>
-          <p:nvPr>
-            <p:ph idx="1"/>
-          </p:nvPr>
-        </p:nvSpPr>
-        <p:spPr/>
-        <p:txBody>
-          <a:bodyPr/>
-          <a:lstStyle/>
-          <a:p>
-            <a:r>
-              <a:rPr lang="en-GB" dirty="0"/>
-              <a:t>Geo queries: query on geo points or shapes</a:t>
-            </a:r>
-          </a:p>
-          <a:p>
-            <a:r>
-              <a:rPr lang="en-GB" dirty="0"/>
-              <a:t>Shape queries: query two dimensional shapes</a:t>
-            </a:r>
-          </a:p>
-          <a:p>
-            <a:r>
-              <a:rPr lang="en-GB" dirty="0"/>
-              <a:t>Joining queries: query nested data and parent-child relationships</a:t>
-            </a:r>
-          </a:p>
-          <a:p>
-            <a:r>
-              <a:rPr lang="en-GB" dirty="0"/>
-              <a:t>span queries: low-level positional queries, very specific control over order and proximity of terms</a:t>
-            </a:r>
-          </a:p>
-          <a:p>
-            <a:r>
-              <a:rPr lang="en-GB" dirty="0"/>
-              <a:t>Specialized queries: do not fit in other groups</a:t>
-            </a:r>
-          </a:p>
-          <a:p>
-            <a:endParaRPr lang="en-GB" dirty="0"/>
-          </a:p>
-          <a:p>
-            <a:endParaRPr lang="en-GB" dirty="0"/>
-          </a:p>
-          <a:p>
-            <a:endParaRPr lang="en-GB" dirty="0"/>
-          </a:p>
-          <a:p>
-            <a:endParaRPr lang="en-GB" dirty="0"/>
-          </a:p>
-          <a:p>
-            <a:endParaRPr lang="en-GB" dirty="0"/>
-          </a:p>
-          <a:p>
-            <a:endParaRPr lang="en-GB" dirty="0"/>
-          </a:p>
-          <a:p>
-            <a:r>
-              <a:rPr lang="nl-NL" sz="1100" dirty="0">
-                <a:hlinkClick r:id="rId2"/>
-              </a:rPr>
-              <a:t>https://www.elastic.co/guide/en/elasticsearch/reference/current/query-dsl.html</a:t>
-            </a:r>
-            <a:endParaRPr lang="en-GB" sz="1100" dirty="0"/>
-          </a:p>
-        </p:txBody>
-      </p:sp>
-      <p:sp>
-        <p:nvSpPr>
-          <p:cNvPr id="4" name="Footer Placeholder 3">
-            <a:extLst>
-              <a:ext uri="{FF2B5EF4-FFF2-40B4-BE49-F238E27FC236}">
-                <a16:creationId xmlns:a16="http://schemas.microsoft.com/office/drawing/2014/main" id="{3BFE5A87-9EFF-47B0-BE3A-17205E9C81C9}"/>
-              </a:ext>
-            </a:extLst>
-          </p:cNvPr>
-          <p:cNvSpPr>
-            <a:spLocks noGrp="1"/>
-          </p:cNvSpPr>
-          <p:nvPr>
-            <p:ph type="ftr" sz="quarter" idx="11"/>
-          </p:nvPr>
-        </p:nvSpPr>
-        <p:spPr/>
-        <p:txBody>
-          <a:bodyPr/>
-          <a:lstStyle/>
-          <a:p>
-            <a:r>
-              <a:rPr lang="nl-NL"/>
-              <a:t>elasticsearch</a:t>
-            </a:r>
-          </a:p>
-        </p:txBody>
-      </p:sp>
-      <p:sp>
-        <p:nvSpPr>
-          <p:cNvPr id="5" name="Slide Number Placeholder 4">
-            <a:extLst>
-              <a:ext uri="{FF2B5EF4-FFF2-40B4-BE49-F238E27FC236}">
-                <a16:creationId xmlns:a16="http://schemas.microsoft.com/office/drawing/2014/main" id="{D6997ABD-B758-4682-8D8C-D59BDB019EF1}"/>
-              </a:ext>
-            </a:extLst>
-          </p:cNvPr>
-          <p:cNvSpPr>
-            <a:spLocks noGrp="1"/>
-          </p:cNvSpPr>
-          <p:nvPr>
-            <p:ph type="sldNum" sz="quarter" idx="12"/>
-          </p:nvPr>
-        </p:nvSpPr>
-        <p:spPr/>
-        <p:txBody>
-          <a:bodyPr/>
-          <a:lstStyle/>
-          <a:p>
-            <a:fld id="{14F1411D-0280-154F-AEAC-4C20B7AA46B2}" type="slidenum">
-              <a:rPr lang="nl-NL" smtClean="0"/>
-              <a:t>33</a:t>
-            </a:fld>
-            <a:endParaRPr lang="nl-NL"/>
-          </a:p>
-        </p:txBody>
-      </p:sp>
-    </p:spTree>
-    <p:extLst>
-      <p:ext uri="{BB962C8B-B14F-4D97-AF65-F5344CB8AC3E}">
-        <p14:creationId xmlns:p14="http://schemas.microsoft.com/office/powerpoint/2010/main" val="3384597766"/>
-      </p:ext>
-    </p:extLst>
-  </p:cSld>
-  <p:clrMapOvr>
-    <a:masterClrMapping/>
-  </p:clrMapOvr>
-</p:sld>
-</file>
-
-<file path=ppt/slides/slide34.xml><?xml version="1.0" encoding="utf-8"?>
-<p:sld xmlns:a="http://schemas.openxmlformats.org/drawingml/2006/main" xmlns:r="http://schemas.openxmlformats.org/officeDocument/2006/relationships" xmlns:p="http://schemas.openxmlformats.org/presentationml/2006/main">
-  <p:cSld>
-    <p:spTree>
-      <p:nvGrpSpPr>
-        <p:cNvPr id="1" name=""/>
-        <p:cNvGrpSpPr/>
-        <p:nvPr/>
-      </p:nvGrpSpPr>
-      <p:grpSpPr>
-        <a:xfrm>
-          <a:off x="0" y="0"/>
-          <a:ext cx="0" cy="0"/>
-          <a:chOff x="0" y="0"/>
-          <a:chExt cx="0" cy="0"/>
-        </a:xfrm>
-      </p:grpSpPr>
-      <p:sp>
-        <p:nvSpPr>
-          <p:cNvPr id="2" name="Title 1">
-            <a:extLst>
-              <a:ext uri="{FF2B5EF4-FFF2-40B4-BE49-F238E27FC236}">
                 <a16:creationId xmlns:a16="http://schemas.microsoft.com/office/drawing/2014/main" id="{59E25428-E79C-49D8-A2C4-6BEF87511F34}"/>
               </a:ext>
             </a:extLst>
@@ -14012,7 +13837,7 @@
           <a:p>
             <a:fld id="{14F1411D-0280-154F-AEAC-4C20B7AA46B2}" type="slidenum">
               <a:rPr lang="nl-NL" smtClean="0"/>
-              <a:t>34</a:t>
+              <a:t>33</a:t>
             </a:fld>
             <a:endParaRPr lang="nl-NL"/>
           </a:p>
@@ -14314,6 +14139,237 @@
 </p:sld>
 </file>
 
+<file path=ppt/slides/slide34.xml><?xml version="1.0" encoding="utf-8"?>
+<p:sld xmlns:a="http://schemas.openxmlformats.org/drawingml/2006/main" xmlns:r="http://schemas.openxmlformats.org/officeDocument/2006/relationships" xmlns:p="http://schemas.openxmlformats.org/presentationml/2006/main">
+  <p:cSld>
+    <p:spTree>
+      <p:nvGrpSpPr>
+        <p:cNvPr id="1" name=""/>
+        <p:cNvGrpSpPr/>
+        <p:nvPr/>
+      </p:nvGrpSpPr>
+      <p:grpSpPr>
+        <a:xfrm>
+          <a:off x="0" y="0"/>
+          <a:ext cx="0" cy="0"/>
+          <a:chOff x="0" y="0"/>
+          <a:chExt cx="0" cy="0"/>
+        </a:xfrm>
+      </p:grpSpPr>
+      <p:sp>
+        <p:nvSpPr>
+          <p:cNvPr id="2" name="Title 1">
+            <a:extLst>
+              <a:ext uri="{FF2B5EF4-FFF2-40B4-BE49-F238E27FC236}">
+                <a16:creationId xmlns:a16="http://schemas.microsoft.com/office/drawing/2014/main" id="{8602A742-0C15-489F-9A77-2ECA0F11429F}"/>
+              </a:ext>
+            </a:extLst>
+          </p:cNvPr>
+          <p:cNvSpPr>
+            <a:spLocks noGrp="1"/>
+          </p:cNvSpPr>
+          <p:nvPr>
+            <p:ph type="title"/>
+          </p:nvPr>
+        </p:nvSpPr>
+        <p:spPr/>
+        <p:txBody>
+          <a:bodyPr/>
+          <a:lstStyle/>
+          <a:p>
+            <a:r>
+              <a:rPr lang="en-GB" dirty="0"/>
+              <a:t>Scoring</a:t>
+            </a:r>
+            <a:endParaRPr lang="en-NL" dirty="0"/>
+          </a:p>
+        </p:txBody>
+      </p:sp>
+      <p:sp>
+        <p:nvSpPr>
+          <p:cNvPr id="3" name="Content Placeholder 2">
+            <a:extLst>
+              <a:ext uri="{FF2B5EF4-FFF2-40B4-BE49-F238E27FC236}">
+                <a16:creationId xmlns:a16="http://schemas.microsoft.com/office/drawing/2014/main" id="{6D38AB44-3548-461E-8441-ECD089D829F1}"/>
+              </a:ext>
+            </a:extLst>
+          </p:cNvPr>
+          <p:cNvSpPr>
+            <a:spLocks noGrp="1"/>
+          </p:cNvSpPr>
+          <p:nvPr>
+            <p:ph idx="1"/>
+          </p:nvPr>
+        </p:nvSpPr>
+        <p:spPr/>
+        <p:txBody>
+          <a:bodyPr/>
+          <a:lstStyle/>
+          <a:p>
+            <a:r>
+              <a:rPr lang="en-GB" dirty="0"/>
+              <a:t>The score indicates the relevance of a result</a:t>
+            </a:r>
+          </a:p>
+          <a:p>
+            <a:r>
+              <a:rPr lang="en-GB" dirty="0"/>
+              <a:t>Default scoring: how often a term occurs in the document (term frequency or TF) compared to how often it occurs in all documents (inverse document frequency or IDF)</a:t>
+            </a:r>
+          </a:p>
+          <a:p>
+            <a:r>
+              <a:rPr lang="en-GB" dirty="0"/>
+              <a:t>Can use other scoring method for whole cluster or for just one field</a:t>
+            </a:r>
+          </a:p>
+          <a:p>
+            <a:endParaRPr lang="en-GB" dirty="0"/>
+          </a:p>
+          <a:p>
+            <a:r>
+              <a:rPr lang="en-GB" dirty="0"/>
+              <a:t>Rescoring: resource intensive scoring calculations</a:t>
+            </a:r>
+          </a:p>
+          <a:p>
+            <a:pPr lvl="1"/>
+            <a:r>
+              <a:rPr lang="en-GB" dirty="0"/>
+              <a:t>Only applied to top results, after initial scoring is done</a:t>
+            </a:r>
+          </a:p>
+          <a:p>
+            <a:pPr lvl="1"/>
+            <a:r>
+              <a:rPr lang="en-GB" dirty="0"/>
+              <a:t>Add “rescore” to JSON body with </a:t>
+            </a:r>
+            <a:r>
+              <a:rPr lang="en-GB" dirty="0" err="1"/>
+              <a:t>window_size</a:t>
+            </a:r>
+            <a:r>
+              <a:rPr lang="en-GB" dirty="0"/>
+              <a:t>, query, </a:t>
+            </a:r>
+            <a:r>
+              <a:rPr lang="en-GB" dirty="0" err="1"/>
+              <a:t>query_weight</a:t>
+            </a:r>
+            <a:r>
+              <a:rPr lang="en-GB" dirty="0"/>
+              <a:t> and </a:t>
+            </a:r>
+            <a:r>
+              <a:rPr lang="en-GB" dirty="0" err="1"/>
+              <a:t>rescore_weight</a:t>
+            </a:r>
+            <a:endParaRPr lang="en-GB" dirty="0"/>
+          </a:p>
+          <a:p>
+            <a:pPr lvl="2"/>
+            <a:r>
+              <a:rPr lang="en-GB" sz="1400" dirty="0"/>
+              <a:t>Window size determines on how many of the top documents a rescore is applied</a:t>
+            </a:r>
+          </a:p>
+          <a:p>
+            <a:pPr lvl="2"/>
+            <a:r>
+              <a:rPr lang="en-GB" sz="1400" dirty="0"/>
+              <a:t>The relative importance of the original score and rescore can be controller with </a:t>
+            </a:r>
+            <a:r>
+              <a:rPr lang="en-GB" sz="1400" dirty="0" err="1"/>
+              <a:t>query_weight</a:t>
+            </a:r>
+            <a:r>
+              <a:rPr lang="en-GB" sz="1400" dirty="0"/>
+              <a:t> and </a:t>
+            </a:r>
+            <a:r>
+              <a:rPr lang="en-GB" sz="1400" dirty="0" err="1"/>
+              <a:t>rescore_weight</a:t>
+            </a:r>
+            <a:endParaRPr lang="en-NL" sz="1400" dirty="0"/>
+          </a:p>
+          <a:p>
+            <a:pPr lvl="1"/>
+            <a:endParaRPr lang="en-GB" dirty="0"/>
+          </a:p>
+        </p:txBody>
+      </p:sp>
+      <p:sp>
+        <p:nvSpPr>
+          <p:cNvPr id="4" name="Footer Placeholder 3">
+            <a:extLst>
+              <a:ext uri="{FF2B5EF4-FFF2-40B4-BE49-F238E27FC236}">
+                <a16:creationId xmlns:a16="http://schemas.microsoft.com/office/drawing/2014/main" id="{91853CB0-BCD0-4B16-9D4D-9ECAA1C9E561}"/>
+              </a:ext>
+            </a:extLst>
+          </p:cNvPr>
+          <p:cNvSpPr>
+            <a:spLocks noGrp="1"/>
+          </p:cNvSpPr>
+          <p:nvPr>
+            <p:ph type="ftr" sz="quarter" idx="11"/>
+          </p:nvPr>
+        </p:nvSpPr>
+        <p:spPr/>
+        <p:txBody>
+          <a:bodyPr/>
+          <a:lstStyle/>
+          <a:p>
+            <a:r>
+              <a:rPr lang="nl-NL"/>
+              <a:t>elasticsearch</a:t>
+            </a:r>
+          </a:p>
+        </p:txBody>
+      </p:sp>
+      <p:sp>
+        <p:nvSpPr>
+          <p:cNvPr id="5" name="Slide Number Placeholder 4">
+            <a:extLst>
+              <a:ext uri="{FF2B5EF4-FFF2-40B4-BE49-F238E27FC236}">
+                <a16:creationId xmlns:a16="http://schemas.microsoft.com/office/drawing/2014/main" id="{1ED320EF-EAEE-489F-A386-BA38AB71ECE2}"/>
+              </a:ext>
+            </a:extLst>
+          </p:cNvPr>
+          <p:cNvSpPr>
+            <a:spLocks noGrp="1"/>
+          </p:cNvSpPr>
+          <p:nvPr>
+            <p:ph type="sldNum" sz="quarter" idx="12"/>
+          </p:nvPr>
+        </p:nvSpPr>
+        <p:spPr/>
+        <p:txBody>
+          <a:bodyPr/>
+          <a:lstStyle/>
+          <a:p>
+            <a:fld id="{14F1411D-0280-154F-AEAC-4C20B7AA46B2}" type="slidenum">
+              <a:rPr lang="nl-NL" smtClean="0"/>
+              <a:t>34</a:t>
+            </a:fld>
+            <a:endParaRPr lang="nl-NL"/>
+          </a:p>
+        </p:txBody>
+      </p:sp>
+    </p:spTree>
+    <p:extLst>
+      <p:ext uri="{BB962C8B-B14F-4D97-AF65-F5344CB8AC3E}">
+        <p14:creationId xmlns:p14="http://schemas.microsoft.com/office/powerpoint/2010/main" val="2815328155"/>
+      </p:ext>
+    </p:extLst>
+  </p:cSld>
+  <p:clrMapOvr>
+    <a:masterClrMapping/>
+  </p:clrMapOvr>
+</p:sld>
+</file>
+
 <file path=ppt/slides/slide35.xml><?xml version="1.0" encoding="utf-8"?>
 <p:sld xmlns:a="http://schemas.openxmlformats.org/drawingml/2006/main" xmlns:r="http://schemas.openxmlformats.org/officeDocument/2006/relationships" xmlns:p="http://schemas.openxmlformats.org/presentationml/2006/main">
   <p:cSld>
@@ -14336,7 +14392,7 @@
           <p:cNvPr id="2" name="Title 1">
             <a:extLst>
               <a:ext uri="{FF2B5EF4-FFF2-40B4-BE49-F238E27FC236}">
-                <a16:creationId xmlns:a16="http://schemas.microsoft.com/office/drawing/2014/main" id="{8602A742-0C15-489F-9A77-2ECA0F11429F}"/>
+                <a16:creationId xmlns:a16="http://schemas.microsoft.com/office/drawing/2014/main" id="{0C661C5B-F171-4F19-B641-29A0C774C0EA}"/>
               </a:ext>
             </a:extLst>
           </p:cNvPr>
@@ -14354,7 +14410,7 @@
           <a:p>
             <a:r>
               <a:rPr lang="en-GB" dirty="0"/>
-              <a:t>Scoring</a:t>
+              <a:t>Boosting(1)</a:t>
             </a:r>
             <a:endParaRPr lang="en-NL" dirty="0"/>
           </a:p>
@@ -14365,7 +14421,7 @@
           <p:cNvPr id="3" name="Content Placeholder 2">
             <a:extLst>
               <a:ext uri="{FF2B5EF4-FFF2-40B4-BE49-F238E27FC236}">
-                <a16:creationId xmlns:a16="http://schemas.microsoft.com/office/drawing/2014/main" id="{6D38AB44-3548-461E-8441-ECD089D829F1}"/>
+                <a16:creationId xmlns:a16="http://schemas.microsoft.com/office/drawing/2014/main" id="{025E9466-CE9D-445D-AC79-0BE72AF44377}"/>
               </a:ext>
             </a:extLst>
           </p:cNvPr>
@@ -14383,95 +14439,65 @@
           <a:p>
             <a:r>
               <a:rPr lang="en-GB" dirty="0"/>
-              <a:t>The score indicates the relevance of a result</a:t>
+              <a:t>Boosting: change relevance (score) of documents</a:t>
+            </a:r>
+          </a:p>
+          <a:p>
+            <a:pPr lvl="1"/>
+            <a:r>
+              <a:rPr lang="en-GB" sz="1400" dirty="0"/>
+              <a:t>When indexing (deprecated): can only be altered by re-indexing </a:t>
+            </a:r>
+          </a:p>
+          <a:p>
+            <a:pPr lvl="1"/>
+            <a:r>
+              <a:rPr lang="en-GB" sz="1400" dirty="0"/>
+              <a:t>When querying</a:t>
             </a:r>
           </a:p>
           <a:p>
             <a:r>
               <a:rPr lang="en-GB" dirty="0"/>
-              <a:t>Default scoring: how often a term occurs in the document (term frequency or TF) compared to how often it occurs in all documents (inverse document frequency or IDF)</a:t>
+              <a:t>Boosting is relative</a:t>
             </a:r>
           </a:p>
           <a:p>
             <a:r>
               <a:rPr lang="en-GB" dirty="0"/>
-              <a:t>Can use other scoring method for whole cluster or for just one field</a:t>
-            </a:r>
-          </a:p>
-          <a:p>
-            <a:endParaRPr lang="en-GB" dirty="0"/>
-          </a:p>
-          <a:p>
-            <a:r>
-              <a:rPr lang="en-GB" dirty="0"/>
-              <a:t>Rescoring: resource intensive scoring calculations</a:t>
+              <a:t>By adding </a:t>
+            </a:r>
+            <a:r>
+              <a:rPr lang="nl-NL" dirty="0"/>
+              <a:t>“explain”: true to a query an _explanation is added to the result where the TF and IDF and boosting factors can be found</a:t>
             </a:r>
           </a:p>
           <a:p>
             <a:pPr lvl="1"/>
             <a:r>
-              <a:rPr lang="en-GB" dirty="0"/>
-              <a:t>Only applied to top results, after initial scoring is done</a:t>
+              <a:rPr lang="nl-NL" sz="1400" dirty="0"/>
+              <a:t>Resource intensive, use only for debugging</a:t>
+            </a:r>
+          </a:p>
+          <a:p>
+            <a:endParaRPr lang="nl-NL" dirty="0"/>
+          </a:p>
+          <a:p>
+            <a:r>
+              <a:rPr lang="nl-NL" dirty="0"/>
+              <a:t>Can be done in most term-level and full-text queries and all compound queries</a:t>
             </a:r>
           </a:p>
           <a:p>
             <a:pPr lvl="1"/>
             <a:r>
-              <a:rPr lang="en-GB" dirty="0"/>
-              <a:t>Add “rescore” to JSON body with </a:t>
-            </a:r>
-            <a:r>
-              <a:rPr lang="en-GB" dirty="0" err="1"/>
-              <a:t>window_size</a:t>
-            </a:r>
-            <a:r>
-              <a:rPr lang="en-GB" dirty="0"/>
-              <a:t>, query, </a:t>
-            </a:r>
-            <a:r>
-              <a:rPr lang="en-GB" dirty="0" err="1"/>
-              <a:t>query_weight</a:t>
-            </a:r>
-            <a:r>
-              <a:rPr lang="en-GB" dirty="0"/>
-              <a:t> and </a:t>
-            </a:r>
-            <a:r>
-              <a:rPr lang="en-GB" dirty="0" err="1"/>
-              <a:t>rescore_weight</a:t>
-            </a:r>
-            <a:endParaRPr lang="en-GB" dirty="0"/>
-          </a:p>
-          <a:p>
-            <a:pPr lvl="2"/>
-            <a:r>
-              <a:rPr lang="en-GB" sz="1400" dirty="0"/>
-              <a:t>Window size determines on how many of the top documents a rescore is applied</a:t>
-            </a:r>
-          </a:p>
-          <a:p>
-            <a:pPr lvl="2"/>
-            <a:r>
-              <a:rPr lang="en-GB" sz="1400" dirty="0"/>
-              <a:t>The relative importance of the original score and rescore can be controller with </a:t>
-            </a:r>
-            <a:r>
-              <a:rPr lang="en-GB" sz="1400" dirty="0" err="1"/>
-              <a:t>query_weight</a:t>
-            </a:r>
-            <a:r>
-              <a:rPr lang="en-GB" sz="1400" dirty="0"/>
-              <a:t> and </a:t>
-            </a:r>
-            <a:r>
-              <a:rPr lang="en-GB" sz="1400" dirty="0" err="1"/>
-              <a:t>rescore_weight</a:t>
-            </a:r>
-            <a:endParaRPr lang="en-NL" sz="1400" dirty="0"/>
-          </a:p>
-          <a:p>
-            <a:pPr lvl="1"/>
-            <a:endParaRPr lang="en-GB" dirty="0"/>
+              <a:rPr lang="nl-NL" sz="1400" dirty="0"/>
+              <a:t>Only relevant when combining queries or searching multiple fields</a:t>
+            </a:r>
+            <a:endParaRPr lang="en-GB" sz="1400" dirty="0"/>
+          </a:p>
+          <a:p>
+            <a:endParaRPr lang="en-NL" dirty="0"/>
           </a:p>
         </p:txBody>
       </p:sp>
@@ -14480,7 +14506,7 @@
           <p:cNvPr id="4" name="Footer Placeholder 3">
             <a:extLst>
               <a:ext uri="{FF2B5EF4-FFF2-40B4-BE49-F238E27FC236}">
-                <a16:creationId xmlns:a16="http://schemas.microsoft.com/office/drawing/2014/main" id="{91853CB0-BCD0-4B16-9D4D-9ECAA1C9E561}"/>
+                <a16:creationId xmlns:a16="http://schemas.microsoft.com/office/drawing/2014/main" id="{3F21F476-6764-4B0D-8AB6-FBFF16A8E2B1}"/>
               </a:ext>
             </a:extLst>
           </p:cNvPr>
@@ -14508,7 +14534,7 @@
           <p:cNvPr id="5" name="Slide Number Placeholder 4">
             <a:extLst>
               <a:ext uri="{FF2B5EF4-FFF2-40B4-BE49-F238E27FC236}">
-                <a16:creationId xmlns:a16="http://schemas.microsoft.com/office/drawing/2014/main" id="{1ED320EF-EAEE-489F-A386-BA38AB71ECE2}"/>
+                <a16:creationId xmlns:a16="http://schemas.microsoft.com/office/drawing/2014/main" id="{356553CF-D343-4477-9A21-25B90ECD052F}"/>
               </a:ext>
             </a:extLst>
           </p:cNvPr>
@@ -14535,7 +14561,7 @@
     </p:spTree>
     <p:extLst>
       <p:ext uri="{BB962C8B-B14F-4D97-AF65-F5344CB8AC3E}">
-        <p14:creationId xmlns:p14="http://schemas.microsoft.com/office/powerpoint/2010/main" val="2815328155"/>
+        <p14:creationId xmlns:p14="http://schemas.microsoft.com/office/powerpoint/2010/main" val="2772075307"/>
       </p:ext>
     </p:extLst>
   </p:cSld>
@@ -14567,7 +14593,7 @@
           <p:cNvPr id="2" name="Title 1">
             <a:extLst>
               <a:ext uri="{FF2B5EF4-FFF2-40B4-BE49-F238E27FC236}">
-                <a16:creationId xmlns:a16="http://schemas.microsoft.com/office/drawing/2014/main" id="{0C661C5B-F171-4F19-B641-29A0C774C0EA}"/>
+                <a16:creationId xmlns:a16="http://schemas.microsoft.com/office/drawing/2014/main" id="{55A1B8A9-4134-4893-B9C3-DBC4CA9A639C}"/>
               </a:ext>
             </a:extLst>
           </p:cNvPr>
@@ -14585,103 +14611,49 @@
           <a:p>
             <a:r>
               <a:rPr lang="en-GB" dirty="0"/>
-              <a:t>Boosting(1)</a:t>
+              <a:t>Boosting(2)</a:t>
             </a:r>
             <a:endParaRPr lang="en-NL" dirty="0"/>
           </a:p>
         </p:txBody>
       </p:sp>
-      <p:sp>
-        <p:nvSpPr>
-          <p:cNvPr id="3" name="Content Placeholder 2">
+      <p:pic>
+        <p:nvPicPr>
+          <p:cNvPr id="7" name="Content Placeholder 6">
             <a:extLst>
               <a:ext uri="{FF2B5EF4-FFF2-40B4-BE49-F238E27FC236}">
-                <a16:creationId xmlns:a16="http://schemas.microsoft.com/office/drawing/2014/main" id="{025E9466-CE9D-445D-AC79-0BE72AF44377}"/>
+                <a16:creationId xmlns:a16="http://schemas.microsoft.com/office/drawing/2014/main" id="{9F6A3342-4366-416A-A010-A71799ADF02A}"/>
+              </a:ext>
+              <a:ext uri="{C183D7F6-B498-43B3-948B-1728B52AA6E4}">
+                <adec:decorative xmlns:adec="http://schemas.microsoft.com/office/drawing/2017/decorative" val="1"/>
               </a:ext>
             </a:extLst>
           </p:cNvPr>
-          <p:cNvSpPr>
-            <a:spLocks noGrp="1"/>
-          </p:cNvSpPr>
+          <p:cNvPicPr>
+            <a:picLocks noGrp="1" noChangeAspect="1"/>
+          </p:cNvPicPr>
           <p:nvPr>
             <p:ph idx="1"/>
           </p:nvPr>
-        </p:nvSpPr>
-        <p:spPr/>
-        <p:txBody>
-          <a:bodyPr/>
-          <a:lstStyle/>
-          <a:p>
-            <a:r>
-              <a:rPr lang="en-GB" dirty="0"/>
-              <a:t>Boosting: change relevance (score) of documents</a:t>
-            </a:r>
-          </a:p>
-          <a:p>
-            <a:pPr lvl="1"/>
-            <a:r>
-              <a:rPr lang="en-GB" sz="1400" dirty="0"/>
-              <a:t>When indexing (deprecated): can only be altered by re-indexing </a:t>
-            </a:r>
-          </a:p>
-          <a:p>
-            <a:pPr lvl="1"/>
-            <a:r>
-              <a:rPr lang="en-GB" sz="1400" dirty="0"/>
-              <a:t>When querying</a:t>
-            </a:r>
-          </a:p>
-          <a:p>
-            <a:r>
-              <a:rPr lang="en-GB" dirty="0"/>
-              <a:t>Boosting is relative</a:t>
-            </a:r>
-          </a:p>
-          <a:p>
-            <a:r>
-              <a:rPr lang="en-GB" dirty="0"/>
-              <a:t>By adding </a:t>
-            </a:r>
-            <a:r>
-              <a:rPr lang="nl-NL" dirty="0"/>
-              <a:t>“explain”: true to a query an _explanation is added to the result where the TF and IDF and boosting factors can be found</a:t>
-            </a:r>
-          </a:p>
-          <a:p>
-            <a:pPr lvl="1"/>
-            <a:r>
-              <a:rPr lang="nl-NL" sz="1400" dirty="0"/>
-              <a:t>Resource intensive, use only for debugging</a:t>
-            </a:r>
-          </a:p>
-          <a:p>
-            <a:endParaRPr lang="nl-NL" dirty="0"/>
-          </a:p>
-          <a:p>
-            <a:r>
-              <a:rPr lang="nl-NL" dirty="0"/>
-              <a:t>Can be done in most term-level and full-text queries and all compound queries</a:t>
-            </a:r>
-          </a:p>
-          <a:p>
-            <a:pPr lvl="1"/>
-            <a:r>
-              <a:rPr lang="nl-NL" sz="1400" dirty="0"/>
-              <a:t>Only relevant when combining queries or searching multiple fields</a:t>
-            </a:r>
-            <a:endParaRPr lang="en-GB" sz="1400" dirty="0"/>
-          </a:p>
-          <a:p>
-            <a:endParaRPr lang="en-NL" dirty="0"/>
-          </a:p>
-        </p:txBody>
-      </p:sp>
+        </p:nvPicPr>
+        <p:blipFill rotWithShape="1">
+          <a:blip r:embed="rId2"/>
+          <a:srcRect t="3330" r="24450" b="2670"/>
+          <a:stretch/>
+        </p:blipFill>
+        <p:spPr>
+          <a:xfrm>
+            <a:off x="719999" y="975360"/>
+            <a:ext cx="4454352" cy="3553098"/>
+          </a:xfrm>
+        </p:spPr>
+      </p:pic>
       <p:sp>
         <p:nvSpPr>
           <p:cNvPr id="4" name="Footer Placeholder 3">
             <a:extLst>
               <a:ext uri="{FF2B5EF4-FFF2-40B4-BE49-F238E27FC236}">
-                <a16:creationId xmlns:a16="http://schemas.microsoft.com/office/drawing/2014/main" id="{3F21F476-6764-4B0D-8AB6-FBFF16A8E2B1}"/>
+                <a16:creationId xmlns:a16="http://schemas.microsoft.com/office/drawing/2014/main" id="{2BF3F9E7-7E86-444B-A68A-F81792B95DFF}"/>
               </a:ext>
             </a:extLst>
           </p:cNvPr>
@@ -14709,7 +14681,7 @@
           <p:cNvPr id="5" name="Slide Number Placeholder 4">
             <a:extLst>
               <a:ext uri="{FF2B5EF4-FFF2-40B4-BE49-F238E27FC236}">
-                <a16:creationId xmlns:a16="http://schemas.microsoft.com/office/drawing/2014/main" id="{356553CF-D343-4477-9A21-25B90ECD052F}"/>
+                <a16:creationId xmlns:a16="http://schemas.microsoft.com/office/drawing/2014/main" id="{4AD1042B-6ED7-46E1-858B-6E374DFF8BEF}"/>
               </a:ext>
             </a:extLst>
           </p:cNvPr>
@@ -14736,7 +14708,7 @@
     </p:spTree>
     <p:extLst>
       <p:ext uri="{BB962C8B-B14F-4D97-AF65-F5344CB8AC3E}">
-        <p14:creationId xmlns:p14="http://schemas.microsoft.com/office/powerpoint/2010/main" val="2772075307"/>
+        <p14:creationId xmlns:p14="http://schemas.microsoft.com/office/powerpoint/2010/main" val="4294700896"/>
       </p:ext>
     </p:extLst>
   </p:cSld>
@@ -14768,153 +14740,6 @@
           <p:cNvPr id="2" name="Title 1">
             <a:extLst>
               <a:ext uri="{FF2B5EF4-FFF2-40B4-BE49-F238E27FC236}">
-                <a16:creationId xmlns:a16="http://schemas.microsoft.com/office/drawing/2014/main" id="{55A1B8A9-4134-4893-B9C3-DBC4CA9A639C}"/>
-              </a:ext>
-            </a:extLst>
-          </p:cNvPr>
-          <p:cNvSpPr>
-            <a:spLocks noGrp="1"/>
-          </p:cNvSpPr>
-          <p:nvPr>
-            <p:ph type="title"/>
-          </p:nvPr>
-        </p:nvSpPr>
-        <p:spPr/>
-        <p:txBody>
-          <a:bodyPr/>
-          <a:lstStyle/>
-          <a:p>
-            <a:r>
-              <a:rPr lang="en-GB" dirty="0"/>
-              <a:t>Boosting(2)</a:t>
-            </a:r>
-            <a:endParaRPr lang="en-NL" dirty="0"/>
-          </a:p>
-        </p:txBody>
-      </p:sp>
-      <p:pic>
-        <p:nvPicPr>
-          <p:cNvPr id="7" name="Content Placeholder 6">
-            <a:extLst>
-              <a:ext uri="{FF2B5EF4-FFF2-40B4-BE49-F238E27FC236}">
-                <a16:creationId xmlns:a16="http://schemas.microsoft.com/office/drawing/2014/main" id="{9F6A3342-4366-416A-A010-A71799ADF02A}"/>
-              </a:ext>
-              <a:ext uri="{C183D7F6-B498-43B3-948B-1728B52AA6E4}">
-                <adec:decorative xmlns:adec="http://schemas.microsoft.com/office/drawing/2017/decorative" val="1"/>
-              </a:ext>
-            </a:extLst>
-          </p:cNvPr>
-          <p:cNvPicPr>
-            <a:picLocks noGrp="1" noChangeAspect="1"/>
-          </p:cNvPicPr>
-          <p:nvPr>
-            <p:ph idx="1"/>
-          </p:nvPr>
-        </p:nvPicPr>
-        <p:blipFill rotWithShape="1">
-          <a:blip r:embed="rId2"/>
-          <a:srcRect t="3330" r="24450" b="2670"/>
-          <a:stretch/>
-        </p:blipFill>
-        <p:spPr>
-          <a:xfrm>
-            <a:off x="719999" y="975360"/>
-            <a:ext cx="4454352" cy="3553098"/>
-          </a:xfrm>
-        </p:spPr>
-      </p:pic>
-      <p:sp>
-        <p:nvSpPr>
-          <p:cNvPr id="4" name="Footer Placeholder 3">
-            <a:extLst>
-              <a:ext uri="{FF2B5EF4-FFF2-40B4-BE49-F238E27FC236}">
-                <a16:creationId xmlns:a16="http://schemas.microsoft.com/office/drawing/2014/main" id="{2BF3F9E7-7E86-444B-A68A-F81792B95DFF}"/>
-              </a:ext>
-            </a:extLst>
-          </p:cNvPr>
-          <p:cNvSpPr>
-            <a:spLocks noGrp="1"/>
-          </p:cNvSpPr>
-          <p:nvPr>
-            <p:ph type="ftr" sz="quarter" idx="11"/>
-          </p:nvPr>
-        </p:nvSpPr>
-        <p:spPr/>
-        <p:txBody>
-          <a:bodyPr/>
-          <a:lstStyle/>
-          <a:p>
-            <a:r>
-              <a:rPr lang="nl-NL"/>
-              <a:t>elasticsearch</a:t>
-            </a:r>
-          </a:p>
-        </p:txBody>
-      </p:sp>
-      <p:sp>
-        <p:nvSpPr>
-          <p:cNvPr id="5" name="Slide Number Placeholder 4">
-            <a:extLst>
-              <a:ext uri="{FF2B5EF4-FFF2-40B4-BE49-F238E27FC236}">
-                <a16:creationId xmlns:a16="http://schemas.microsoft.com/office/drawing/2014/main" id="{4AD1042B-6ED7-46E1-858B-6E374DFF8BEF}"/>
-              </a:ext>
-            </a:extLst>
-          </p:cNvPr>
-          <p:cNvSpPr>
-            <a:spLocks noGrp="1"/>
-          </p:cNvSpPr>
-          <p:nvPr>
-            <p:ph type="sldNum" sz="quarter" idx="12"/>
-          </p:nvPr>
-        </p:nvSpPr>
-        <p:spPr/>
-        <p:txBody>
-          <a:bodyPr/>
-          <a:lstStyle/>
-          <a:p>
-            <a:fld id="{14F1411D-0280-154F-AEAC-4C20B7AA46B2}" type="slidenum">
-              <a:rPr lang="nl-NL" smtClean="0"/>
-              <a:t>37</a:t>
-            </a:fld>
-            <a:endParaRPr lang="nl-NL"/>
-          </a:p>
-        </p:txBody>
-      </p:sp>
-    </p:spTree>
-    <p:extLst>
-      <p:ext uri="{BB962C8B-B14F-4D97-AF65-F5344CB8AC3E}">
-        <p14:creationId xmlns:p14="http://schemas.microsoft.com/office/powerpoint/2010/main" val="4294700896"/>
-      </p:ext>
-    </p:extLst>
-  </p:cSld>
-  <p:clrMapOvr>
-    <a:masterClrMapping/>
-  </p:clrMapOvr>
-</p:sld>
-</file>
-
-<file path=ppt/slides/slide38.xml><?xml version="1.0" encoding="utf-8"?>
-<p:sld xmlns:a="http://schemas.openxmlformats.org/drawingml/2006/main" xmlns:r="http://schemas.openxmlformats.org/officeDocument/2006/relationships" xmlns:p="http://schemas.openxmlformats.org/presentationml/2006/main">
-  <p:cSld>
-    <p:spTree>
-      <p:nvGrpSpPr>
-        <p:cNvPr id="1" name=""/>
-        <p:cNvGrpSpPr/>
-        <p:nvPr/>
-      </p:nvGrpSpPr>
-      <p:grpSpPr>
-        <a:xfrm>
-          <a:off x="0" y="0"/>
-          <a:ext cx="0" cy="0"/>
-          <a:chOff x="0" y="0"/>
-          <a:chExt cx="0" cy="0"/>
-        </a:xfrm>
-      </p:grpSpPr>
-      <p:sp>
-        <p:nvSpPr>
-          <p:cNvPr id="2" name="Title 1">
-            <a:extLst>
-              <a:ext uri="{FF2B5EF4-FFF2-40B4-BE49-F238E27FC236}">
                 <a16:creationId xmlns:a16="http://schemas.microsoft.com/office/drawing/2014/main" id="{2F06F964-04B2-41AD-BD1A-F7ECBD43EA37}"/>
               </a:ext>
             </a:extLst>
@@ -15109,7 +14934,7 @@
           <a:p>
             <a:fld id="{14F1411D-0280-154F-AEAC-4C20B7AA46B2}" type="slidenum">
               <a:rPr lang="nl-NL" smtClean="0"/>
-              <a:t>38</a:t>
+              <a:t>37</a:t>
             </a:fld>
             <a:endParaRPr lang="nl-NL"/>
           </a:p>
@@ -15157,6 +14982,219 @@
 </p:sld>
 </file>
 
+<file path=ppt/slides/slide38.xml><?xml version="1.0" encoding="utf-8"?>
+<p:sld xmlns:a="http://schemas.openxmlformats.org/drawingml/2006/main" xmlns:r="http://schemas.openxmlformats.org/officeDocument/2006/relationships" xmlns:p="http://schemas.openxmlformats.org/presentationml/2006/main">
+  <p:cSld>
+    <p:spTree>
+      <p:nvGrpSpPr>
+        <p:cNvPr id="1" name=""/>
+        <p:cNvGrpSpPr/>
+        <p:nvPr/>
+      </p:nvGrpSpPr>
+      <p:grpSpPr>
+        <a:xfrm>
+          <a:off x="0" y="0"/>
+          <a:ext cx="0" cy="0"/>
+          <a:chOff x="0" y="0"/>
+          <a:chExt cx="0" cy="0"/>
+        </a:xfrm>
+      </p:grpSpPr>
+      <p:sp>
+        <p:nvSpPr>
+          <p:cNvPr id="2" name="Title 1">
+            <a:extLst>
+              <a:ext uri="{FF2B5EF4-FFF2-40B4-BE49-F238E27FC236}">
+                <a16:creationId xmlns:a16="http://schemas.microsoft.com/office/drawing/2014/main" id="{0FBBD13C-9B5E-4189-9E78-238477EC36AB}"/>
+              </a:ext>
+            </a:extLst>
+          </p:cNvPr>
+          <p:cNvSpPr>
+            <a:spLocks noGrp="1"/>
+          </p:cNvSpPr>
+          <p:nvPr>
+            <p:ph type="title"/>
+          </p:nvPr>
+        </p:nvSpPr>
+        <p:spPr/>
+        <p:txBody>
+          <a:bodyPr/>
+          <a:lstStyle/>
+          <a:p>
+            <a:r>
+              <a:rPr lang="en-GB" dirty="0"/>
+              <a:t>Aggregations(2)</a:t>
+            </a:r>
+            <a:endParaRPr lang="en-NL" dirty="0"/>
+          </a:p>
+        </p:txBody>
+      </p:sp>
+      <p:sp>
+        <p:nvSpPr>
+          <p:cNvPr id="3" name="Content Placeholder 2">
+            <a:extLst>
+              <a:ext uri="{FF2B5EF4-FFF2-40B4-BE49-F238E27FC236}">
+                <a16:creationId xmlns:a16="http://schemas.microsoft.com/office/drawing/2014/main" id="{E75347B0-CAEC-4097-9892-E6AB2B41EFBA}"/>
+              </a:ext>
+            </a:extLst>
+          </p:cNvPr>
+          <p:cNvSpPr>
+            <a:spLocks noGrp="1"/>
+          </p:cNvSpPr>
+          <p:nvPr>
+            <p:ph idx="1"/>
+          </p:nvPr>
+        </p:nvSpPr>
+        <p:spPr>
+          <a:xfrm>
+            <a:off x="720003" y="936000"/>
+            <a:ext cx="6246854" cy="3780000"/>
+          </a:xfrm>
+        </p:spPr>
+        <p:txBody>
+          <a:bodyPr/>
+          <a:lstStyle/>
+          <a:p>
+            <a:r>
+              <a:rPr lang="en-GB" dirty="0"/>
+              <a:t>Values used for aggregations can be extracted by setting a field key or by defining a script to generate the values</a:t>
+            </a:r>
+          </a:p>
+          <a:p>
+            <a:r>
+              <a:rPr lang="en-GB" dirty="0"/>
+              <a:t>Aggregations can be nested</a:t>
+            </a:r>
+          </a:p>
+          <a:p>
+            <a:endParaRPr lang="en-GB" dirty="0"/>
+          </a:p>
+          <a:p>
+            <a:r>
+              <a:rPr lang="en-GB" dirty="0"/>
+              <a:t>The results are shown below the query results</a:t>
+            </a:r>
+          </a:p>
+          <a:p>
+            <a:pPr lvl="1"/>
+            <a:r>
+              <a:rPr lang="en-GB" sz="1400" dirty="0"/>
+              <a:t>Set size to 0 to only get aggregation results</a:t>
+            </a:r>
+          </a:p>
+          <a:p>
+            <a:endParaRPr lang="en-GB" dirty="0"/>
+          </a:p>
+          <a:p>
+            <a:r>
+              <a:rPr lang="en-GB" dirty="0"/>
+              <a:t>Results are approximate for values above 2^53</a:t>
+            </a:r>
+          </a:p>
+          <a:p>
+            <a:endParaRPr lang="en-GB" dirty="0"/>
+          </a:p>
+          <a:p>
+            <a:endParaRPr lang="en-GB" dirty="0"/>
+          </a:p>
+          <a:p>
+            <a:endParaRPr lang="en-GB" dirty="0"/>
+          </a:p>
+          <a:p>
+            <a:endParaRPr lang="en-GB" dirty="0"/>
+          </a:p>
+          <a:p>
+            <a:endParaRPr lang="en-GB" dirty="0"/>
+          </a:p>
+          <a:p>
+            <a:endParaRPr lang="en-GB" dirty="0"/>
+          </a:p>
+          <a:p>
+            <a:r>
+              <a:rPr lang="nl-NL" sz="1100" dirty="0">
+                <a:hlinkClick r:id="rId2"/>
+              </a:rPr>
+              <a:t>https://www.elastic.co/guide/en/elasticsearch/reference/current/search-aggregations.html</a:t>
+            </a:r>
+            <a:endParaRPr lang="en-GB" sz="1100" dirty="0"/>
+          </a:p>
+          <a:p>
+            <a:endParaRPr lang="en-GB" dirty="0"/>
+          </a:p>
+          <a:p>
+            <a:endParaRPr lang="en-NL" dirty="0"/>
+          </a:p>
+        </p:txBody>
+      </p:sp>
+      <p:sp>
+        <p:nvSpPr>
+          <p:cNvPr id="4" name="Footer Placeholder 3">
+            <a:extLst>
+              <a:ext uri="{FF2B5EF4-FFF2-40B4-BE49-F238E27FC236}">
+                <a16:creationId xmlns:a16="http://schemas.microsoft.com/office/drawing/2014/main" id="{AD9E54D0-315F-488F-94D2-D6051BE52582}"/>
+              </a:ext>
+            </a:extLst>
+          </p:cNvPr>
+          <p:cNvSpPr>
+            <a:spLocks noGrp="1"/>
+          </p:cNvSpPr>
+          <p:nvPr>
+            <p:ph type="ftr" sz="quarter" idx="11"/>
+          </p:nvPr>
+        </p:nvSpPr>
+        <p:spPr/>
+        <p:txBody>
+          <a:bodyPr/>
+          <a:lstStyle/>
+          <a:p>
+            <a:r>
+              <a:rPr lang="nl-NL"/>
+              <a:t>elasticsearch</a:t>
+            </a:r>
+          </a:p>
+        </p:txBody>
+      </p:sp>
+      <p:sp>
+        <p:nvSpPr>
+          <p:cNvPr id="5" name="Slide Number Placeholder 4">
+            <a:extLst>
+              <a:ext uri="{FF2B5EF4-FFF2-40B4-BE49-F238E27FC236}">
+                <a16:creationId xmlns:a16="http://schemas.microsoft.com/office/drawing/2014/main" id="{44EC881E-E8A2-4D6D-8DC0-9AC56DCB7966}"/>
+              </a:ext>
+            </a:extLst>
+          </p:cNvPr>
+          <p:cNvSpPr>
+            <a:spLocks noGrp="1"/>
+          </p:cNvSpPr>
+          <p:nvPr>
+            <p:ph type="sldNum" sz="quarter" idx="12"/>
+          </p:nvPr>
+        </p:nvSpPr>
+        <p:spPr/>
+        <p:txBody>
+          <a:bodyPr/>
+          <a:lstStyle/>
+          <a:p>
+            <a:fld id="{14F1411D-0280-154F-AEAC-4C20B7AA46B2}" type="slidenum">
+              <a:rPr lang="nl-NL" smtClean="0"/>
+              <a:t>38</a:t>
+            </a:fld>
+            <a:endParaRPr lang="nl-NL"/>
+          </a:p>
+        </p:txBody>
+      </p:sp>
+    </p:spTree>
+    <p:extLst>
+      <p:ext uri="{BB962C8B-B14F-4D97-AF65-F5344CB8AC3E}">
+        <p14:creationId xmlns:p14="http://schemas.microsoft.com/office/powerpoint/2010/main" val="2742430367"/>
+      </p:ext>
+    </p:extLst>
+  </p:cSld>
+  <p:clrMapOvr>
+    <a:masterClrMapping/>
+  </p:clrMapOvr>
+</p:sld>
+</file>
+
 <file path=ppt/slides/slide39.xml><?xml version="1.0" encoding="utf-8"?>
 <p:sld xmlns:a="http://schemas.openxmlformats.org/drawingml/2006/main" xmlns:r="http://schemas.openxmlformats.org/officeDocument/2006/relationships" xmlns:p="http://schemas.openxmlformats.org/presentationml/2006/main">
   <p:cSld>
@@ -15179,631 +15217,6 @@
           <p:cNvPr id="2" name="Title 1">
             <a:extLst>
               <a:ext uri="{FF2B5EF4-FFF2-40B4-BE49-F238E27FC236}">
-                <a16:creationId xmlns:a16="http://schemas.microsoft.com/office/drawing/2014/main" id="{0FBBD13C-9B5E-4189-9E78-238477EC36AB}"/>
-              </a:ext>
-            </a:extLst>
-          </p:cNvPr>
-          <p:cNvSpPr>
-            <a:spLocks noGrp="1"/>
-          </p:cNvSpPr>
-          <p:nvPr>
-            <p:ph type="title"/>
-          </p:nvPr>
-        </p:nvSpPr>
-        <p:spPr/>
-        <p:txBody>
-          <a:bodyPr/>
-          <a:lstStyle/>
-          <a:p>
-            <a:r>
-              <a:rPr lang="en-GB" dirty="0"/>
-              <a:t>Aggregations(2)</a:t>
-            </a:r>
-            <a:endParaRPr lang="en-NL" dirty="0"/>
-          </a:p>
-        </p:txBody>
-      </p:sp>
-      <p:sp>
-        <p:nvSpPr>
-          <p:cNvPr id="3" name="Content Placeholder 2">
-            <a:extLst>
-              <a:ext uri="{FF2B5EF4-FFF2-40B4-BE49-F238E27FC236}">
-                <a16:creationId xmlns:a16="http://schemas.microsoft.com/office/drawing/2014/main" id="{E75347B0-CAEC-4097-9892-E6AB2B41EFBA}"/>
-              </a:ext>
-            </a:extLst>
-          </p:cNvPr>
-          <p:cNvSpPr>
-            <a:spLocks noGrp="1"/>
-          </p:cNvSpPr>
-          <p:nvPr>
-            <p:ph idx="1"/>
-          </p:nvPr>
-        </p:nvSpPr>
-        <p:spPr>
-          <a:xfrm>
-            <a:off x="720003" y="936000"/>
-            <a:ext cx="6246854" cy="3780000"/>
-          </a:xfrm>
-        </p:spPr>
-        <p:txBody>
-          <a:bodyPr/>
-          <a:lstStyle/>
-          <a:p>
-            <a:r>
-              <a:rPr lang="en-GB" dirty="0"/>
-              <a:t>Values used for aggregations can be extracted by setting a field key or by defining a script to generate the values</a:t>
-            </a:r>
-          </a:p>
-          <a:p>
-            <a:r>
-              <a:rPr lang="en-GB" dirty="0"/>
-              <a:t>Aggregations can be nested</a:t>
-            </a:r>
-          </a:p>
-          <a:p>
-            <a:endParaRPr lang="en-GB" dirty="0"/>
-          </a:p>
-          <a:p>
-            <a:r>
-              <a:rPr lang="en-GB" dirty="0"/>
-              <a:t>The results are shown below the query results</a:t>
-            </a:r>
-          </a:p>
-          <a:p>
-            <a:pPr lvl="1"/>
-            <a:r>
-              <a:rPr lang="en-GB" sz="1400" dirty="0"/>
-              <a:t>Set size to 0 to only get aggregation results</a:t>
-            </a:r>
-          </a:p>
-          <a:p>
-            <a:endParaRPr lang="en-GB" dirty="0"/>
-          </a:p>
-          <a:p>
-            <a:r>
-              <a:rPr lang="en-GB" dirty="0"/>
-              <a:t>Results are approximate for values above 2^53</a:t>
-            </a:r>
-          </a:p>
-          <a:p>
-            <a:endParaRPr lang="en-GB" dirty="0"/>
-          </a:p>
-          <a:p>
-            <a:endParaRPr lang="en-GB" dirty="0"/>
-          </a:p>
-          <a:p>
-            <a:endParaRPr lang="en-GB" dirty="0"/>
-          </a:p>
-          <a:p>
-            <a:endParaRPr lang="en-GB" dirty="0"/>
-          </a:p>
-          <a:p>
-            <a:endParaRPr lang="en-GB" dirty="0"/>
-          </a:p>
-          <a:p>
-            <a:endParaRPr lang="en-GB" dirty="0"/>
-          </a:p>
-          <a:p>
-            <a:r>
-              <a:rPr lang="nl-NL" sz="1100" dirty="0">
-                <a:hlinkClick r:id="rId2"/>
-              </a:rPr>
-              <a:t>https://www.elastic.co/guide/en/elasticsearch/reference/current/search-aggregations.html</a:t>
-            </a:r>
-            <a:endParaRPr lang="en-GB" sz="1100" dirty="0"/>
-          </a:p>
-          <a:p>
-            <a:endParaRPr lang="en-GB" dirty="0"/>
-          </a:p>
-          <a:p>
-            <a:endParaRPr lang="en-NL" dirty="0"/>
-          </a:p>
-        </p:txBody>
-      </p:sp>
-      <p:sp>
-        <p:nvSpPr>
-          <p:cNvPr id="4" name="Footer Placeholder 3">
-            <a:extLst>
-              <a:ext uri="{FF2B5EF4-FFF2-40B4-BE49-F238E27FC236}">
-                <a16:creationId xmlns:a16="http://schemas.microsoft.com/office/drawing/2014/main" id="{AD9E54D0-315F-488F-94D2-D6051BE52582}"/>
-              </a:ext>
-            </a:extLst>
-          </p:cNvPr>
-          <p:cNvSpPr>
-            <a:spLocks noGrp="1"/>
-          </p:cNvSpPr>
-          <p:nvPr>
-            <p:ph type="ftr" sz="quarter" idx="11"/>
-          </p:nvPr>
-        </p:nvSpPr>
-        <p:spPr/>
-        <p:txBody>
-          <a:bodyPr/>
-          <a:lstStyle/>
-          <a:p>
-            <a:r>
-              <a:rPr lang="nl-NL"/>
-              <a:t>elasticsearch</a:t>
-            </a:r>
-          </a:p>
-        </p:txBody>
-      </p:sp>
-      <p:sp>
-        <p:nvSpPr>
-          <p:cNvPr id="5" name="Slide Number Placeholder 4">
-            <a:extLst>
-              <a:ext uri="{FF2B5EF4-FFF2-40B4-BE49-F238E27FC236}">
-                <a16:creationId xmlns:a16="http://schemas.microsoft.com/office/drawing/2014/main" id="{44EC881E-E8A2-4D6D-8DC0-9AC56DCB7966}"/>
-              </a:ext>
-            </a:extLst>
-          </p:cNvPr>
-          <p:cNvSpPr>
-            <a:spLocks noGrp="1"/>
-          </p:cNvSpPr>
-          <p:nvPr>
-            <p:ph type="sldNum" sz="quarter" idx="12"/>
-          </p:nvPr>
-        </p:nvSpPr>
-        <p:spPr/>
-        <p:txBody>
-          <a:bodyPr/>
-          <a:lstStyle/>
-          <a:p>
-            <a:fld id="{14F1411D-0280-154F-AEAC-4C20B7AA46B2}" type="slidenum">
-              <a:rPr lang="nl-NL" smtClean="0"/>
-              <a:t>39</a:t>
-            </a:fld>
-            <a:endParaRPr lang="nl-NL"/>
-          </a:p>
-        </p:txBody>
-      </p:sp>
-    </p:spTree>
-    <p:extLst>
-      <p:ext uri="{BB962C8B-B14F-4D97-AF65-F5344CB8AC3E}">
-        <p14:creationId xmlns:p14="http://schemas.microsoft.com/office/powerpoint/2010/main" val="2742430367"/>
-      </p:ext>
-    </p:extLst>
-  </p:cSld>
-  <p:clrMapOvr>
-    <a:masterClrMapping/>
-  </p:clrMapOvr>
-</p:sld>
-</file>
-
-<file path=ppt/slides/slide4.xml><?xml version="1.0" encoding="utf-8"?>
-<p:sld xmlns:a="http://schemas.openxmlformats.org/drawingml/2006/main" xmlns:r="http://schemas.openxmlformats.org/officeDocument/2006/relationships" xmlns:p="http://schemas.openxmlformats.org/presentationml/2006/main">
-  <p:cSld>
-    <p:spTree>
-      <p:nvGrpSpPr>
-        <p:cNvPr id="1" name=""/>
-        <p:cNvGrpSpPr/>
-        <p:nvPr/>
-      </p:nvGrpSpPr>
-      <p:grpSpPr>
-        <a:xfrm>
-          <a:off x="0" y="0"/>
-          <a:ext cx="0" cy="0"/>
-          <a:chOff x="0" y="0"/>
-          <a:chExt cx="0" cy="0"/>
-        </a:xfrm>
-      </p:grpSpPr>
-      <p:sp>
-        <p:nvSpPr>
-          <p:cNvPr id="4" name="Footer Placeholder 3">
-            <a:extLst>
-              <a:ext uri="{FF2B5EF4-FFF2-40B4-BE49-F238E27FC236}">
-                <a16:creationId xmlns:a16="http://schemas.microsoft.com/office/drawing/2014/main" id="{6F58536D-8C0A-49D6-A955-755810636955}"/>
-              </a:ext>
-            </a:extLst>
-          </p:cNvPr>
-          <p:cNvSpPr>
-            <a:spLocks noGrp="1"/>
-          </p:cNvSpPr>
-          <p:nvPr>
-            <p:ph type="ftr" sz="quarter" idx="11"/>
-          </p:nvPr>
-        </p:nvSpPr>
-        <p:spPr>
-          <a:xfrm>
-            <a:off x="4968000" y="5004000"/>
-            <a:ext cx="3240000" cy="108000"/>
-          </a:xfrm>
-        </p:spPr>
-        <p:txBody>
-          <a:bodyPr anchor="t">
-            <a:normAutofit/>
-          </a:bodyPr>
-          <a:lstStyle/>
-          <a:p>
-            <a:pPr>
-              <a:spcAft>
-                <a:spcPts val="600"/>
-              </a:spcAft>
-            </a:pPr>
-            <a:r>
-              <a:rPr lang="nl-NL"/>
-              <a:t>elasticsearch</a:t>
-            </a:r>
-          </a:p>
-        </p:txBody>
-      </p:sp>
-      <p:sp>
-        <p:nvSpPr>
-          <p:cNvPr id="5" name="Slide Number Placeholder 4">
-            <a:extLst>
-              <a:ext uri="{FF2B5EF4-FFF2-40B4-BE49-F238E27FC236}">
-                <a16:creationId xmlns:a16="http://schemas.microsoft.com/office/drawing/2014/main" id="{E8C2995E-923F-4DB6-9ABB-F11BCF2949B1}"/>
-              </a:ext>
-            </a:extLst>
-          </p:cNvPr>
-          <p:cNvSpPr>
-            <a:spLocks noGrp="1"/>
-          </p:cNvSpPr>
-          <p:nvPr>
-            <p:ph type="sldNum" sz="quarter" idx="12"/>
-          </p:nvPr>
-        </p:nvSpPr>
-        <p:spPr>
-          <a:xfrm>
-            <a:off x="8280000" y="5004000"/>
-            <a:ext cx="144000" cy="108000"/>
-          </a:xfrm>
-        </p:spPr>
-        <p:txBody>
-          <a:bodyPr anchor="t">
-            <a:normAutofit/>
-          </a:bodyPr>
-          <a:lstStyle/>
-          <a:p>
-            <a:pPr>
-              <a:spcAft>
-                <a:spcPts val="600"/>
-              </a:spcAft>
-            </a:pPr>
-            <a:fld id="{14F1411D-0280-154F-AEAC-4C20B7AA46B2}" type="slidenum">
-              <a:rPr lang="nl-NL" smtClean="0"/>
-              <a:pPr>
-                <a:spcAft>
-                  <a:spcPts val="600"/>
-                </a:spcAft>
-              </a:pPr>
-              <a:t>4</a:t>
-            </a:fld>
-            <a:endParaRPr lang="nl-NL"/>
-          </a:p>
-        </p:txBody>
-      </p:sp>
-      <p:sp>
-        <p:nvSpPr>
-          <p:cNvPr id="2" name="Title 1">
-            <a:extLst>
-              <a:ext uri="{FF2B5EF4-FFF2-40B4-BE49-F238E27FC236}">
-                <a16:creationId xmlns:a16="http://schemas.microsoft.com/office/drawing/2014/main" id="{4BD4825D-FA67-4C25-82CD-0C507000932B}"/>
-              </a:ext>
-            </a:extLst>
-          </p:cNvPr>
-          <p:cNvSpPr>
-            <a:spLocks noGrp="1"/>
-          </p:cNvSpPr>
-          <p:nvPr>
-            <p:ph type="title"/>
-          </p:nvPr>
-        </p:nvSpPr>
-        <p:spPr>
-          <a:xfrm>
-            <a:off x="719999" y="288000"/>
-            <a:ext cx="6624000" cy="504000"/>
-          </a:xfrm>
-        </p:spPr>
-        <p:txBody>
-          <a:bodyPr anchor="ctr">
-            <a:normAutofit/>
-          </a:bodyPr>
-          <a:lstStyle/>
-          <a:p>
-            <a:r>
-              <a:rPr lang="en-GB" dirty="0"/>
-              <a:t>Advantages and disadvantages</a:t>
-            </a:r>
-            <a:endParaRPr lang="en-NL" dirty="0"/>
-          </a:p>
-        </p:txBody>
-      </p:sp>
-      <p:sp>
-        <p:nvSpPr>
-          <p:cNvPr id="3" name="Content Placeholder 2">
-            <a:extLst>
-              <a:ext uri="{FF2B5EF4-FFF2-40B4-BE49-F238E27FC236}">
-                <a16:creationId xmlns:a16="http://schemas.microsoft.com/office/drawing/2014/main" id="{797DA23D-AC0E-4F5C-AD50-F75A088F9E04}"/>
-              </a:ext>
-            </a:extLst>
-          </p:cNvPr>
-          <p:cNvSpPr>
-            <a:spLocks noGrp="1"/>
-          </p:cNvSpPr>
-          <p:nvPr>
-            <p:ph idx="1"/>
-          </p:nvPr>
-        </p:nvSpPr>
-        <p:spPr>
-          <a:xfrm>
-            <a:off x="720003" y="1224000"/>
-            <a:ext cx="3744993" cy="3491999"/>
-          </a:xfrm>
-        </p:spPr>
-        <p:txBody>
-          <a:bodyPr anchor="t">
-            <a:normAutofit/>
-          </a:bodyPr>
-          <a:lstStyle/>
-          <a:p>
-            <a:pPr>
-              <a:spcAft>
-                <a:spcPts val="600"/>
-              </a:spcAft>
-            </a:pPr>
-            <a:r>
-              <a:rPr lang="en-GB" dirty="0"/>
-              <a:t>Fast searching of big data sets</a:t>
-            </a:r>
-          </a:p>
-          <a:p>
-            <a:pPr>
-              <a:spcAft>
-                <a:spcPts val="600"/>
-              </a:spcAft>
-            </a:pPr>
-            <a:r>
-              <a:rPr lang="en-GB" dirty="0"/>
-              <a:t>Full-text search</a:t>
-            </a:r>
-          </a:p>
-          <a:p>
-            <a:pPr>
-              <a:spcAft>
-                <a:spcPts val="600"/>
-              </a:spcAft>
-            </a:pPr>
-            <a:r>
-              <a:rPr lang="en-GB" dirty="0"/>
-              <a:t>Fuzzy searching</a:t>
-            </a:r>
-          </a:p>
-          <a:p>
-            <a:pPr>
-              <a:spcAft>
-                <a:spcPts val="600"/>
-              </a:spcAft>
-            </a:pPr>
-            <a:r>
-              <a:rPr lang="en-GB" dirty="0"/>
-              <a:t>Aggregations of data</a:t>
-            </a:r>
-          </a:p>
-          <a:p>
-            <a:pPr>
-              <a:spcAft>
-                <a:spcPts val="600"/>
-              </a:spcAft>
-            </a:pPr>
-            <a:r>
-              <a:rPr lang="en-GB" dirty="0"/>
-              <a:t>Easy to index</a:t>
-            </a:r>
-          </a:p>
-          <a:p>
-            <a:pPr>
-              <a:spcAft>
-                <a:spcPts val="600"/>
-              </a:spcAft>
-            </a:pPr>
-            <a:r>
-              <a:rPr lang="en-GB" dirty="0"/>
-              <a:t>Easily scalable</a:t>
-            </a:r>
-          </a:p>
-          <a:p>
-            <a:pPr>
-              <a:spcAft>
-                <a:spcPts val="600"/>
-              </a:spcAft>
-            </a:pPr>
-            <a:endParaRPr lang="en-GB" dirty="0"/>
-          </a:p>
-          <a:p>
-            <a:pPr lvl="1">
-              <a:spcAft>
-                <a:spcPts val="600"/>
-              </a:spcAft>
-            </a:pPr>
-            <a:endParaRPr lang="en-GB" dirty="0"/>
-          </a:p>
-          <a:p>
-            <a:pPr lvl="1">
-              <a:spcAft>
-                <a:spcPts val="600"/>
-              </a:spcAft>
-            </a:pPr>
-            <a:endParaRPr lang="en-GB" dirty="0"/>
-          </a:p>
-          <a:p>
-            <a:pPr lvl="1">
-              <a:spcAft>
-                <a:spcPts val="600"/>
-              </a:spcAft>
-            </a:pPr>
-            <a:endParaRPr lang="en-GB" dirty="0"/>
-          </a:p>
-          <a:p>
-            <a:pPr>
-              <a:spcAft>
-                <a:spcPts val="600"/>
-              </a:spcAft>
-            </a:pPr>
-            <a:endParaRPr lang="en-NL" dirty="0"/>
-          </a:p>
-        </p:txBody>
-      </p:sp>
-      <p:sp>
-        <p:nvSpPr>
-          <p:cNvPr id="10" name="Text Placeholder 5">
-            <a:extLst>
-              <a:ext uri="{FF2B5EF4-FFF2-40B4-BE49-F238E27FC236}">
-                <a16:creationId xmlns:a16="http://schemas.microsoft.com/office/drawing/2014/main" id="{C941C9D8-1DC1-464B-AAF3-DC82E2B25AD5}"/>
-              </a:ext>
-            </a:extLst>
-          </p:cNvPr>
-          <p:cNvSpPr>
-            <a:spLocks noGrp="1"/>
-          </p:cNvSpPr>
-          <p:nvPr>
-            <p:ph type="body" idx="13"/>
-          </p:nvPr>
-        </p:nvSpPr>
-        <p:spPr>
-          <a:xfrm>
-            <a:off x="719998" y="936000"/>
-            <a:ext cx="3744995" cy="288000"/>
-          </a:xfrm>
-        </p:spPr>
-        <p:txBody>
-          <a:bodyPr/>
-          <a:lstStyle/>
-          <a:p>
-            <a:r>
-              <a:rPr lang="en-GB" dirty="0"/>
-              <a:t>Advantages</a:t>
-            </a:r>
-            <a:endParaRPr lang="en-US" dirty="0"/>
-          </a:p>
-        </p:txBody>
-      </p:sp>
-      <p:sp>
-        <p:nvSpPr>
-          <p:cNvPr id="12" name="Content Placeholder 6">
-            <a:extLst>
-              <a:ext uri="{FF2B5EF4-FFF2-40B4-BE49-F238E27FC236}">
-                <a16:creationId xmlns:a16="http://schemas.microsoft.com/office/drawing/2014/main" id="{9A0E28AF-E1E4-4D60-89A3-4EC60970E223}"/>
-              </a:ext>
-            </a:extLst>
-          </p:cNvPr>
-          <p:cNvSpPr>
-            <a:spLocks noGrp="1"/>
-          </p:cNvSpPr>
-          <p:nvPr>
-            <p:ph idx="14"/>
-          </p:nvPr>
-        </p:nvSpPr>
-        <p:spPr>
-          <a:xfrm>
-            <a:off x="4679007" y="1224000"/>
-            <a:ext cx="3744993" cy="3491999"/>
-          </a:xfrm>
-        </p:spPr>
-        <p:txBody>
-          <a:bodyPr/>
-          <a:lstStyle/>
-          <a:p>
-            <a:r>
-              <a:rPr lang="en-US" dirty="0"/>
-              <a:t>Relatively slow at adding new data</a:t>
-            </a:r>
-          </a:p>
-          <a:p>
-            <a:r>
-              <a:rPr lang="en-US" dirty="0"/>
-              <a:t>No “blocking” of transactions</a:t>
-            </a:r>
-          </a:p>
-          <a:p>
-            <a:r>
-              <a:rPr lang="en-US" dirty="0"/>
-              <a:t>No feature for authorization or authentication</a:t>
-            </a:r>
-          </a:p>
-          <a:p>
-            <a:r>
-              <a:rPr lang="en-US" dirty="0"/>
-              <a:t>Cluster can become irrecoverable after hardware failure or power outage resulting in data loss -&gt; use other database as primary</a:t>
-            </a:r>
-          </a:p>
-          <a:p>
-            <a:r>
-              <a:rPr lang="en-US" dirty="0"/>
-              <a:t>“Complex” query mechanism</a:t>
-            </a:r>
-          </a:p>
-        </p:txBody>
-      </p:sp>
-      <p:sp>
-        <p:nvSpPr>
-          <p:cNvPr id="14" name="Text Placeholder 7">
-            <a:extLst>
-              <a:ext uri="{FF2B5EF4-FFF2-40B4-BE49-F238E27FC236}">
-                <a16:creationId xmlns:a16="http://schemas.microsoft.com/office/drawing/2014/main" id="{05B8CDAC-55A7-424C-BA47-2F6F425C2922}"/>
-              </a:ext>
-            </a:extLst>
-          </p:cNvPr>
-          <p:cNvSpPr>
-            <a:spLocks noGrp="1"/>
-          </p:cNvSpPr>
-          <p:nvPr>
-            <p:ph type="body" idx="15"/>
-          </p:nvPr>
-        </p:nvSpPr>
-        <p:spPr>
-          <a:xfrm>
-            <a:off x="4679004" y="936000"/>
-            <a:ext cx="3744995" cy="288000"/>
-          </a:xfrm>
-        </p:spPr>
-        <p:txBody>
-          <a:bodyPr/>
-          <a:lstStyle/>
-          <a:p>
-            <a:r>
-              <a:rPr lang="en-GB" dirty="0"/>
-              <a:t>Disadvantages</a:t>
-            </a:r>
-            <a:endParaRPr lang="en-US" dirty="0"/>
-          </a:p>
-        </p:txBody>
-      </p:sp>
-    </p:spTree>
-    <p:extLst>
-      <p:ext uri="{BB962C8B-B14F-4D97-AF65-F5344CB8AC3E}">
-        <p14:creationId xmlns:p14="http://schemas.microsoft.com/office/powerpoint/2010/main" val="1189262961"/>
-      </p:ext>
-    </p:extLst>
-  </p:cSld>
-  <p:clrMapOvr>
-    <a:masterClrMapping/>
-  </p:clrMapOvr>
-</p:sld>
-</file>
-
-<file path=ppt/slides/slide40.xml><?xml version="1.0" encoding="utf-8"?>
-<p:sld xmlns:a="http://schemas.openxmlformats.org/drawingml/2006/main" xmlns:r="http://schemas.openxmlformats.org/officeDocument/2006/relationships" xmlns:p="http://schemas.openxmlformats.org/presentationml/2006/main">
-  <p:cSld>
-    <p:spTree>
-      <p:nvGrpSpPr>
-        <p:cNvPr id="1" name=""/>
-        <p:cNvGrpSpPr/>
-        <p:nvPr/>
-      </p:nvGrpSpPr>
-      <p:grpSpPr>
-        <a:xfrm>
-          <a:off x="0" y="0"/>
-          <a:ext cx="0" cy="0"/>
-          <a:chOff x="0" y="0"/>
-          <a:chExt cx="0" cy="0"/>
-        </a:xfrm>
-      </p:grpSpPr>
-      <p:sp>
-        <p:nvSpPr>
-          <p:cNvPr id="2" name="Title 1">
-            <a:extLst>
-              <a:ext uri="{FF2B5EF4-FFF2-40B4-BE49-F238E27FC236}">
                 <a16:creationId xmlns:a16="http://schemas.microsoft.com/office/drawing/2014/main" id="{3DE75532-20F6-410C-B18D-9F4325408632}"/>
               </a:ext>
             </a:extLst>
@@ -15965,7 +15378,7 @@
           <a:p>
             <a:fld id="{14F1411D-0280-154F-AEAC-4C20B7AA46B2}" type="slidenum">
               <a:rPr lang="nl-NL" smtClean="0"/>
-              <a:t>40</a:t>
+              <a:t>39</a:t>
             </a:fld>
             <a:endParaRPr lang="nl-NL"/>
           </a:p>
@@ -16042,7 +15455,7 @@
 </p:sld>
 </file>
 
-<file path=ppt/slides/slide41.xml><?xml version="1.0" encoding="utf-8"?>
+<file path=ppt/slides/slide4.xml><?xml version="1.0" encoding="utf-8"?>
 <p:sld xmlns:a="http://schemas.openxmlformats.org/drawingml/2006/main" xmlns:r="http://schemas.openxmlformats.org/officeDocument/2006/relationships" xmlns:p="http://schemas.openxmlformats.org/presentationml/2006/main">
   <p:cSld>
     <p:spTree>
@@ -16061,6 +15474,418 @@
       </p:grpSpPr>
       <p:sp>
         <p:nvSpPr>
+          <p:cNvPr id="4" name="Footer Placeholder 3">
+            <a:extLst>
+              <a:ext uri="{FF2B5EF4-FFF2-40B4-BE49-F238E27FC236}">
+                <a16:creationId xmlns:a16="http://schemas.microsoft.com/office/drawing/2014/main" id="{6F58536D-8C0A-49D6-A955-755810636955}"/>
+              </a:ext>
+            </a:extLst>
+          </p:cNvPr>
+          <p:cNvSpPr>
+            <a:spLocks noGrp="1"/>
+          </p:cNvSpPr>
+          <p:nvPr>
+            <p:ph type="ftr" sz="quarter" idx="11"/>
+          </p:nvPr>
+        </p:nvSpPr>
+        <p:spPr>
+          <a:xfrm>
+            <a:off x="4968000" y="5004000"/>
+            <a:ext cx="3240000" cy="108000"/>
+          </a:xfrm>
+        </p:spPr>
+        <p:txBody>
+          <a:bodyPr anchor="t">
+            <a:normAutofit/>
+          </a:bodyPr>
+          <a:lstStyle/>
+          <a:p>
+            <a:pPr>
+              <a:spcAft>
+                <a:spcPts val="600"/>
+              </a:spcAft>
+            </a:pPr>
+            <a:r>
+              <a:rPr lang="nl-NL"/>
+              <a:t>elasticsearch</a:t>
+            </a:r>
+          </a:p>
+        </p:txBody>
+      </p:sp>
+      <p:sp>
+        <p:nvSpPr>
+          <p:cNvPr id="5" name="Slide Number Placeholder 4">
+            <a:extLst>
+              <a:ext uri="{FF2B5EF4-FFF2-40B4-BE49-F238E27FC236}">
+                <a16:creationId xmlns:a16="http://schemas.microsoft.com/office/drawing/2014/main" id="{E8C2995E-923F-4DB6-9ABB-F11BCF2949B1}"/>
+              </a:ext>
+            </a:extLst>
+          </p:cNvPr>
+          <p:cNvSpPr>
+            <a:spLocks noGrp="1"/>
+          </p:cNvSpPr>
+          <p:nvPr>
+            <p:ph type="sldNum" sz="quarter" idx="12"/>
+          </p:nvPr>
+        </p:nvSpPr>
+        <p:spPr>
+          <a:xfrm>
+            <a:off x="8280000" y="5004000"/>
+            <a:ext cx="144000" cy="108000"/>
+          </a:xfrm>
+        </p:spPr>
+        <p:txBody>
+          <a:bodyPr anchor="t">
+            <a:normAutofit/>
+          </a:bodyPr>
+          <a:lstStyle/>
+          <a:p>
+            <a:pPr>
+              <a:spcAft>
+                <a:spcPts val="600"/>
+              </a:spcAft>
+            </a:pPr>
+            <a:fld id="{14F1411D-0280-154F-AEAC-4C20B7AA46B2}" type="slidenum">
+              <a:rPr lang="nl-NL" smtClean="0"/>
+              <a:pPr>
+                <a:spcAft>
+                  <a:spcPts val="600"/>
+                </a:spcAft>
+              </a:pPr>
+              <a:t>4</a:t>
+            </a:fld>
+            <a:endParaRPr lang="nl-NL"/>
+          </a:p>
+        </p:txBody>
+      </p:sp>
+      <p:sp>
+        <p:nvSpPr>
+          <p:cNvPr id="2" name="Title 1">
+            <a:extLst>
+              <a:ext uri="{FF2B5EF4-FFF2-40B4-BE49-F238E27FC236}">
+                <a16:creationId xmlns:a16="http://schemas.microsoft.com/office/drawing/2014/main" id="{4BD4825D-FA67-4C25-82CD-0C507000932B}"/>
+              </a:ext>
+            </a:extLst>
+          </p:cNvPr>
+          <p:cNvSpPr>
+            <a:spLocks noGrp="1"/>
+          </p:cNvSpPr>
+          <p:nvPr>
+            <p:ph type="title"/>
+          </p:nvPr>
+        </p:nvSpPr>
+        <p:spPr>
+          <a:xfrm>
+            <a:off x="719999" y="288000"/>
+            <a:ext cx="6624000" cy="504000"/>
+          </a:xfrm>
+        </p:spPr>
+        <p:txBody>
+          <a:bodyPr anchor="ctr">
+            <a:normAutofit/>
+          </a:bodyPr>
+          <a:lstStyle/>
+          <a:p>
+            <a:r>
+              <a:rPr lang="en-GB" dirty="0"/>
+              <a:t>Advantages and disadvantages</a:t>
+            </a:r>
+            <a:endParaRPr lang="en-NL" dirty="0"/>
+          </a:p>
+        </p:txBody>
+      </p:sp>
+      <p:sp>
+        <p:nvSpPr>
+          <p:cNvPr id="3" name="Content Placeholder 2">
+            <a:extLst>
+              <a:ext uri="{FF2B5EF4-FFF2-40B4-BE49-F238E27FC236}">
+                <a16:creationId xmlns:a16="http://schemas.microsoft.com/office/drawing/2014/main" id="{797DA23D-AC0E-4F5C-AD50-F75A088F9E04}"/>
+              </a:ext>
+            </a:extLst>
+          </p:cNvPr>
+          <p:cNvSpPr>
+            <a:spLocks noGrp="1"/>
+          </p:cNvSpPr>
+          <p:nvPr>
+            <p:ph idx="1"/>
+          </p:nvPr>
+        </p:nvSpPr>
+        <p:spPr>
+          <a:xfrm>
+            <a:off x="720003" y="1224000"/>
+            <a:ext cx="3744993" cy="3491999"/>
+          </a:xfrm>
+        </p:spPr>
+        <p:txBody>
+          <a:bodyPr anchor="t">
+            <a:normAutofit/>
+          </a:bodyPr>
+          <a:lstStyle/>
+          <a:p>
+            <a:pPr>
+              <a:spcAft>
+                <a:spcPts val="600"/>
+              </a:spcAft>
+            </a:pPr>
+            <a:r>
+              <a:rPr lang="en-GB" dirty="0"/>
+              <a:t>Fast searching of big data sets</a:t>
+            </a:r>
+          </a:p>
+          <a:p>
+            <a:pPr>
+              <a:spcAft>
+                <a:spcPts val="600"/>
+              </a:spcAft>
+            </a:pPr>
+            <a:r>
+              <a:rPr lang="en-GB" dirty="0"/>
+              <a:t>Full-text search</a:t>
+            </a:r>
+          </a:p>
+          <a:p>
+            <a:pPr>
+              <a:spcAft>
+                <a:spcPts val="600"/>
+              </a:spcAft>
+            </a:pPr>
+            <a:r>
+              <a:rPr lang="en-GB" dirty="0"/>
+              <a:t>Fuzzy searching</a:t>
+            </a:r>
+          </a:p>
+          <a:p>
+            <a:pPr>
+              <a:spcAft>
+                <a:spcPts val="600"/>
+              </a:spcAft>
+            </a:pPr>
+            <a:r>
+              <a:rPr lang="en-GB" dirty="0"/>
+              <a:t>Aggregations of data</a:t>
+            </a:r>
+          </a:p>
+          <a:p>
+            <a:pPr>
+              <a:spcAft>
+                <a:spcPts val="600"/>
+              </a:spcAft>
+            </a:pPr>
+            <a:r>
+              <a:rPr lang="en-GB" dirty="0"/>
+              <a:t>Easy to index</a:t>
+            </a:r>
+          </a:p>
+          <a:p>
+            <a:pPr>
+              <a:spcAft>
+                <a:spcPts val="600"/>
+              </a:spcAft>
+            </a:pPr>
+            <a:r>
+              <a:rPr lang="en-GB" dirty="0"/>
+              <a:t>Easily scalable</a:t>
+            </a:r>
+          </a:p>
+          <a:p>
+            <a:pPr>
+              <a:spcAft>
+                <a:spcPts val="600"/>
+              </a:spcAft>
+            </a:pPr>
+            <a:endParaRPr lang="en-GB" dirty="0"/>
+          </a:p>
+          <a:p>
+            <a:pPr lvl="1">
+              <a:spcAft>
+                <a:spcPts val="600"/>
+              </a:spcAft>
+            </a:pPr>
+            <a:endParaRPr lang="en-GB" dirty="0"/>
+          </a:p>
+          <a:p>
+            <a:pPr lvl="1">
+              <a:spcAft>
+                <a:spcPts val="600"/>
+              </a:spcAft>
+            </a:pPr>
+            <a:endParaRPr lang="en-GB" dirty="0"/>
+          </a:p>
+          <a:p>
+            <a:pPr lvl="1">
+              <a:spcAft>
+                <a:spcPts val="600"/>
+              </a:spcAft>
+            </a:pPr>
+            <a:endParaRPr lang="en-GB" dirty="0"/>
+          </a:p>
+          <a:p>
+            <a:pPr>
+              <a:spcAft>
+                <a:spcPts val="600"/>
+              </a:spcAft>
+            </a:pPr>
+            <a:endParaRPr lang="en-NL" dirty="0"/>
+          </a:p>
+        </p:txBody>
+      </p:sp>
+      <p:sp>
+        <p:nvSpPr>
+          <p:cNvPr id="10" name="Text Placeholder 5">
+            <a:extLst>
+              <a:ext uri="{FF2B5EF4-FFF2-40B4-BE49-F238E27FC236}">
+                <a16:creationId xmlns:a16="http://schemas.microsoft.com/office/drawing/2014/main" id="{C941C9D8-1DC1-464B-AAF3-DC82E2B25AD5}"/>
+              </a:ext>
+            </a:extLst>
+          </p:cNvPr>
+          <p:cNvSpPr>
+            <a:spLocks noGrp="1"/>
+          </p:cNvSpPr>
+          <p:nvPr>
+            <p:ph type="body" idx="13"/>
+          </p:nvPr>
+        </p:nvSpPr>
+        <p:spPr>
+          <a:xfrm>
+            <a:off x="719998" y="936000"/>
+            <a:ext cx="3744995" cy="288000"/>
+          </a:xfrm>
+        </p:spPr>
+        <p:txBody>
+          <a:bodyPr/>
+          <a:lstStyle/>
+          <a:p>
+            <a:r>
+              <a:rPr lang="en-GB" dirty="0"/>
+              <a:t>Advantages</a:t>
+            </a:r>
+            <a:endParaRPr lang="en-US" dirty="0"/>
+          </a:p>
+        </p:txBody>
+      </p:sp>
+      <p:sp>
+        <p:nvSpPr>
+          <p:cNvPr id="12" name="Content Placeholder 6">
+            <a:extLst>
+              <a:ext uri="{FF2B5EF4-FFF2-40B4-BE49-F238E27FC236}">
+                <a16:creationId xmlns:a16="http://schemas.microsoft.com/office/drawing/2014/main" id="{9A0E28AF-E1E4-4D60-89A3-4EC60970E223}"/>
+              </a:ext>
+            </a:extLst>
+          </p:cNvPr>
+          <p:cNvSpPr>
+            <a:spLocks noGrp="1"/>
+          </p:cNvSpPr>
+          <p:nvPr>
+            <p:ph idx="14"/>
+          </p:nvPr>
+        </p:nvSpPr>
+        <p:spPr>
+          <a:xfrm>
+            <a:off x="4679007" y="1224000"/>
+            <a:ext cx="3744993" cy="3491999"/>
+          </a:xfrm>
+        </p:spPr>
+        <p:txBody>
+          <a:bodyPr/>
+          <a:lstStyle/>
+          <a:p>
+            <a:r>
+              <a:rPr lang="en-US" dirty="0"/>
+              <a:t>Relatively slow at adding new data</a:t>
+            </a:r>
+          </a:p>
+          <a:p>
+            <a:r>
+              <a:rPr lang="en-US" dirty="0"/>
+              <a:t>No “blocking” of transactions</a:t>
+            </a:r>
+          </a:p>
+          <a:p>
+            <a:r>
+              <a:rPr lang="en-US" dirty="0"/>
+              <a:t>No feature for authorization or authentication</a:t>
+            </a:r>
+          </a:p>
+          <a:p>
+            <a:r>
+              <a:rPr lang="en-US" dirty="0"/>
+              <a:t>Cluster can become irrecoverable after hardware failure or power outage resulting in data loss -&gt; use other database as primary</a:t>
+            </a:r>
+          </a:p>
+          <a:p>
+            <a:r>
+              <a:rPr lang="en-US" dirty="0"/>
+              <a:t>“Complex” query mechanism</a:t>
+            </a:r>
+          </a:p>
+        </p:txBody>
+      </p:sp>
+      <p:sp>
+        <p:nvSpPr>
+          <p:cNvPr id="14" name="Text Placeholder 7">
+            <a:extLst>
+              <a:ext uri="{FF2B5EF4-FFF2-40B4-BE49-F238E27FC236}">
+                <a16:creationId xmlns:a16="http://schemas.microsoft.com/office/drawing/2014/main" id="{05B8CDAC-55A7-424C-BA47-2F6F425C2922}"/>
+              </a:ext>
+            </a:extLst>
+          </p:cNvPr>
+          <p:cNvSpPr>
+            <a:spLocks noGrp="1"/>
+          </p:cNvSpPr>
+          <p:nvPr>
+            <p:ph type="body" idx="15"/>
+          </p:nvPr>
+        </p:nvSpPr>
+        <p:spPr>
+          <a:xfrm>
+            <a:off x="4679004" y="936000"/>
+            <a:ext cx="3744995" cy="288000"/>
+          </a:xfrm>
+        </p:spPr>
+        <p:txBody>
+          <a:bodyPr/>
+          <a:lstStyle/>
+          <a:p>
+            <a:r>
+              <a:rPr lang="en-GB" dirty="0"/>
+              <a:t>Disadvantages</a:t>
+            </a:r>
+            <a:endParaRPr lang="en-US" dirty="0"/>
+          </a:p>
+        </p:txBody>
+      </p:sp>
+    </p:spTree>
+    <p:extLst>
+      <p:ext uri="{BB962C8B-B14F-4D97-AF65-F5344CB8AC3E}">
+        <p14:creationId xmlns:p14="http://schemas.microsoft.com/office/powerpoint/2010/main" val="1189262961"/>
+      </p:ext>
+    </p:extLst>
+  </p:cSld>
+  <p:clrMapOvr>
+    <a:masterClrMapping/>
+  </p:clrMapOvr>
+</p:sld>
+</file>
+
+<file path=ppt/slides/slide40.xml><?xml version="1.0" encoding="utf-8"?>
+<p:sld xmlns:a="http://schemas.openxmlformats.org/drawingml/2006/main" xmlns:r="http://schemas.openxmlformats.org/officeDocument/2006/relationships" xmlns:p="http://schemas.openxmlformats.org/presentationml/2006/main">
+  <p:cSld>
+    <p:spTree>
+      <p:nvGrpSpPr>
+        <p:cNvPr id="1" name=""/>
+        <p:cNvGrpSpPr/>
+        <p:nvPr/>
+      </p:nvGrpSpPr>
+      <p:grpSpPr>
+        <a:xfrm>
+          <a:off x="0" y="0"/>
+          <a:ext cx="0" cy="0"/>
+          <a:chOff x="0" y="0"/>
+          <a:chExt cx="0" cy="0"/>
+        </a:xfrm>
+      </p:grpSpPr>
+      <p:sp>
+        <p:nvSpPr>
           <p:cNvPr id="2" name="Title 1">
             <a:extLst>
               <a:ext uri="{FF2B5EF4-FFF2-40B4-BE49-F238E27FC236}">
@@ -16221,7 +16046,7 @@
           <a:p>
             <a:fld id="{14F1411D-0280-154F-AEAC-4C20B7AA46B2}" type="slidenum">
               <a:rPr lang="nl-NL" smtClean="0"/>
-              <a:t>41</a:t>
+              <a:t>40</a:t>
             </a:fld>
             <a:endParaRPr lang="nl-NL"/>
           </a:p>
@@ -16298,7 +16123,7 @@
 </p:sld>
 </file>
 
-<file path=ppt/slides/slide42.xml><?xml version="1.0" encoding="utf-8"?>
+<file path=ppt/slides/slide41.xml><?xml version="1.0" encoding="utf-8"?>
 <p:sld xmlns:a="http://schemas.openxmlformats.org/drawingml/2006/main" xmlns:r="http://schemas.openxmlformats.org/officeDocument/2006/relationships" xmlns:p="http://schemas.openxmlformats.org/presentationml/2006/main">
   <p:cSld>
     <p:spTree>
@@ -16486,7 +16311,7 @@
           <a:p>
             <a:fld id="{14F1411D-0280-154F-AEAC-4C20B7AA46B2}" type="slidenum">
               <a:rPr lang="nl-NL" smtClean="0"/>
-              <a:t>42</a:t>
+              <a:t>41</a:t>
             </a:fld>
             <a:endParaRPr lang="nl-NL"/>
           </a:p>
@@ -16636,6 +16461,243 @@
 </p:sld>
 </file>
 
+<file path=ppt/slides/slide42.xml><?xml version="1.0" encoding="utf-8"?>
+<p:sld xmlns:a="http://schemas.openxmlformats.org/drawingml/2006/main" xmlns:r="http://schemas.openxmlformats.org/officeDocument/2006/relationships" xmlns:p="http://schemas.openxmlformats.org/presentationml/2006/main">
+  <p:cSld>
+    <p:spTree>
+      <p:nvGrpSpPr>
+        <p:cNvPr id="1" name=""/>
+        <p:cNvGrpSpPr/>
+        <p:nvPr/>
+      </p:nvGrpSpPr>
+      <p:grpSpPr>
+        <a:xfrm>
+          <a:off x="0" y="0"/>
+          <a:ext cx="0" cy="0"/>
+          <a:chOff x="0" y="0"/>
+          <a:chExt cx="0" cy="0"/>
+        </a:xfrm>
+      </p:grpSpPr>
+      <p:sp>
+        <p:nvSpPr>
+          <p:cNvPr id="2" name="Title 1"/>
+          <p:cNvSpPr>
+            <a:spLocks noGrp="1"/>
+          </p:cNvSpPr>
+          <p:nvPr>
+            <p:ph type="title"/>
+          </p:nvPr>
+        </p:nvSpPr>
+        <p:spPr/>
+        <p:txBody>
+          <a:bodyPr/>
+          <a:lstStyle/>
+          <a:p>
+            <a:r>
+              <a:rPr lang="nl-NL" dirty="0"/>
+              <a:t>Hands-on (19:00 -20:00)</a:t>
+            </a:r>
+          </a:p>
+        </p:txBody>
+      </p:sp>
+      <p:sp>
+        <p:nvSpPr>
+          <p:cNvPr id="3" name="Content Placeholder 2"/>
+          <p:cNvSpPr>
+            <a:spLocks noGrp="1"/>
+          </p:cNvSpPr>
+          <p:nvPr>
+            <p:ph idx="1"/>
+          </p:nvPr>
+        </p:nvSpPr>
+        <p:spPr/>
+        <p:txBody>
+          <a:bodyPr/>
+          <a:lstStyle/>
+          <a:p>
+            <a:r>
+              <a:rPr lang="nl-NL" dirty="0">
+                <a:hlinkClick r:id="rId2">
+                  <a:extLst>
+                    <a:ext uri="{A12FA001-AC4F-418D-AE19-62706E023703}">
+                      <ahyp:hlinkClr xmlns:ahyp="http://schemas.microsoft.com/office/drawing/2018/hyperlinkcolor" val="tx"/>
+                    </a:ext>
+                  </a:extLst>
+                </a:hlinkClick>
+              </a:rPr>
+              <a:t>https://github.com/AMIS-Services/sig-elasticsearch-may2020</a:t>
+            </a:r>
+            <a:endParaRPr lang="nl-NL" dirty="0"/>
+          </a:p>
+          <a:p>
+            <a:endParaRPr lang="nl-NL" dirty="0"/>
+          </a:p>
+          <a:p>
+            <a:r>
+              <a:rPr lang="nl-NL" dirty="0"/>
+              <a:t>Running elasticsearch in docker</a:t>
+            </a:r>
+          </a:p>
+          <a:p>
+            <a:r>
+              <a:rPr lang="nl-NL" dirty="0"/>
+              <a:t>Use of recipes data from </a:t>
+            </a:r>
+            <a:r>
+              <a:rPr lang="nl-NL" dirty="0">
+                <a:hlinkClick r:id="rId3">
+                  <a:extLst>
+                    <a:ext uri="{A12FA001-AC4F-418D-AE19-62706E023703}">
+                      <ahyp:hlinkClr xmlns:ahyp="http://schemas.microsoft.com/office/drawing/2018/hyperlinkcolor" val="tx"/>
+                    </a:ext>
+                  </a:extLst>
+                </a:hlinkClick>
+              </a:rPr>
+              <a:t>https://openrecip.es/</a:t>
+            </a:r>
+            <a:endParaRPr lang="nl-NL" dirty="0"/>
+          </a:p>
+          <a:p>
+            <a:endParaRPr lang="nl-NL" dirty="0"/>
+          </a:p>
+          <a:p>
+            <a:r>
+              <a:rPr lang="nl-NL" dirty="0"/>
+              <a:t>Topics:</a:t>
+            </a:r>
+          </a:p>
+          <a:p>
+            <a:pPr lvl="1"/>
+            <a:r>
+              <a:rPr lang="en-US" sz="1400" dirty="0"/>
+              <a:t>Cluster info and Indexing</a:t>
+            </a:r>
+          </a:p>
+          <a:p>
+            <a:pPr lvl="1"/>
+            <a:r>
+              <a:rPr lang="en-US" sz="1400" dirty="0"/>
+              <a:t>Queries and aggregations</a:t>
+            </a:r>
+          </a:p>
+          <a:p>
+            <a:pPr lvl="1"/>
+            <a:r>
+              <a:rPr lang="en-US" sz="1400" dirty="0"/>
+              <a:t>Connecting to </a:t>
+            </a:r>
+            <a:r>
+              <a:rPr lang="en-US" sz="1400" dirty="0" err="1"/>
+              <a:t>ElasticSearch</a:t>
+            </a:r>
+            <a:r>
+              <a:rPr lang="en-US" sz="1400" dirty="0"/>
+              <a:t> with Node.js</a:t>
+            </a:r>
+          </a:p>
+          <a:p>
+            <a:pPr lvl="1"/>
+            <a:r>
+              <a:rPr lang="en-US" sz="1400" dirty="0"/>
+              <a:t>Connecting to </a:t>
+            </a:r>
+            <a:r>
+              <a:rPr lang="en-US" sz="1400" dirty="0" err="1"/>
+              <a:t>ElasticSearch</a:t>
+            </a:r>
+            <a:r>
+              <a:rPr lang="en-US" sz="1400" dirty="0"/>
+              <a:t> with spring</a:t>
+            </a:r>
+          </a:p>
+          <a:p>
+            <a:endParaRPr lang="nl-NL" dirty="0"/>
+          </a:p>
+        </p:txBody>
+      </p:sp>
+      <p:sp>
+        <p:nvSpPr>
+          <p:cNvPr id="4" name="Footer Placeholder 3"/>
+          <p:cNvSpPr>
+            <a:spLocks noGrp="1"/>
+          </p:cNvSpPr>
+          <p:nvPr>
+            <p:ph type="ftr" sz="quarter" idx="11"/>
+          </p:nvPr>
+        </p:nvSpPr>
+        <p:spPr/>
+        <p:txBody>
+          <a:bodyPr/>
+          <a:lstStyle/>
+          <a:p>
+            <a:r>
+              <a:rPr lang="nl-NL"/>
+              <a:t>elasticsearch</a:t>
+            </a:r>
+          </a:p>
+        </p:txBody>
+      </p:sp>
+      <p:sp>
+        <p:nvSpPr>
+          <p:cNvPr id="5" name="Slide Number Placeholder 4"/>
+          <p:cNvSpPr>
+            <a:spLocks noGrp="1"/>
+          </p:cNvSpPr>
+          <p:nvPr>
+            <p:ph type="sldNum" sz="quarter" idx="12"/>
+          </p:nvPr>
+        </p:nvSpPr>
+        <p:spPr/>
+        <p:txBody>
+          <a:bodyPr/>
+          <a:lstStyle/>
+          <a:p>
+            <a:fld id="{14F1411D-0280-154F-AEAC-4C20B7AA46B2}" type="slidenum">
+              <a:rPr lang="nl-NL" smtClean="0"/>
+              <a:t>42</a:t>
+            </a:fld>
+            <a:endParaRPr lang="nl-NL"/>
+          </a:p>
+        </p:txBody>
+      </p:sp>
+      <p:pic>
+        <p:nvPicPr>
+          <p:cNvPr id="9" name="Picture Placeholder 8"/>
+          <p:cNvPicPr>
+            <a:picLocks noGrp="1" noChangeAspect="1"/>
+          </p:cNvPicPr>
+          <p:nvPr>
+            <p:ph type="pic" idx="13"/>
+          </p:nvPr>
+        </p:nvPicPr>
+        <p:blipFill>
+          <a:blip r:embed="rId4">
+            <a:extLst>
+              <a:ext uri="{28A0092B-C50C-407E-A947-70E740481C1C}">
+                <a14:useLocalDpi xmlns:a14="http://schemas.microsoft.com/office/drawing/2010/main" val="0"/>
+              </a:ext>
+            </a:extLst>
+          </a:blip>
+          <a:srcRect t="1" b="1"/>
+          <a:stretch>
+            <a:fillRect/>
+          </a:stretch>
+        </p:blipFill>
+        <p:spPr/>
+      </p:pic>
+    </p:spTree>
+    <p:extLst>
+      <p:ext uri="{BB962C8B-B14F-4D97-AF65-F5344CB8AC3E}">
+        <p14:creationId xmlns:p14="http://schemas.microsoft.com/office/powerpoint/2010/main" val="235565209"/>
+      </p:ext>
+    </p:extLst>
+  </p:cSld>
+  <p:clrMapOvr>
+    <a:masterClrMapping/>
+  </p:clrMapOvr>
+</p:sld>
+</file>
+
 <file path=ppt/slides/slide43.xml><?xml version="1.0" encoding="utf-8"?>
 <p:sld xmlns:a="http://schemas.openxmlformats.org/drawingml/2006/main" xmlns:r="http://schemas.openxmlformats.org/officeDocument/2006/relationships" xmlns:p="http://schemas.openxmlformats.org/presentationml/2006/main">
   <p:cSld>
@@ -16655,138 +16717,7 @@
       </p:grpSpPr>
       <p:sp>
         <p:nvSpPr>
-          <p:cNvPr id="2" name="Title 1"/>
-          <p:cNvSpPr>
-            <a:spLocks noGrp="1"/>
-          </p:cNvSpPr>
-          <p:nvPr>
-            <p:ph type="title"/>
-          </p:nvPr>
-        </p:nvSpPr>
-        <p:spPr/>
-        <p:txBody>
-          <a:bodyPr/>
-          <a:lstStyle/>
-          <a:p>
-            <a:r>
-              <a:rPr lang="nl-NL" dirty="0"/>
-              <a:t>Hands-on</a:t>
-            </a:r>
-          </a:p>
-        </p:txBody>
-      </p:sp>
-      <p:sp>
-        <p:nvSpPr>
-          <p:cNvPr id="3" name="Content Placeholder 2"/>
-          <p:cNvSpPr>
-            <a:spLocks noGrp="1"/>
-          </p:cNvSpPr>
-          <p:nvPr>
-            <p:ph idx="1"/>
-          </p:nvPr>
-        </p:nvSpPr>
-        <p:spPr/>
-        <p:txBody>
-          <a:bodyPr/>
-          <a:lstStyle/>
-          <a:p>
-            <a:r>
-              <a:rPr lang="nl-NL" dirty="0">
-                <a:hlinkClick r:id="rId2">
-                  <a:extLst>
-                    <a:ext uri="{A12FA001-AC4F-418D-AE19-62706E023703}">
-                      <ahyp:hlinkClr xmlns:ahyp="http://schemas.microsoft.com/office/drawing/2018/hyperlinkcolor" val="tx"/>
-                    </a:ext>
-                  </a:extLst>
-                </a:hlinkClick>
-              </a:rPr>
-              <a:t>https://github.com/AMIS-Services/sig-elasticsearch-may2020</a:t>
-            </a:r>
-            <a:endParaRPr lang="nl-NL" dirty="0"/>
-          </a:p>
-          <a:p>
-            <a:endParaRPr lang="nl-NL" dirty="0"/>
-          </a:p>
-          <a:p>
-            <a:r>
-              <a:rPr lang="nl-NL" dirty="0"/>
-              <a:t>Running elasticsearch in docker</a:t>
-            </a:r>
-          </a:p>
-          <a:p>
-            <a:r>
-              <a:rPr lang="nl-NL" dirty="0"/>
-              <a:t>Use of recipes data from </a:t>
-            </a:r>
-            <a:r>
-              <a:rPr lang="nl-NL" dirty="0">
-                <a:hlinkClick r:id="rId3">
-                  <a:extLst>
-                    <a:ext uri="{A12FA001-AC4F-418D-AE19-62706E023703}">
-                      <ahyp:hlinkClr xmlns:ahyp="http://schemas.microsoft.com/office/drawing/2018/hyperlinkcolor" val="tx"/>
-                    </a:ext>
-                  </a:extLst>
-                </a:hlinkClick>
-              </a:rPr>
-              <a:t>https://openrecip.es/</a:t>
-            </a:r>
-            <a:endParaRPr lang="nl-NL" dirty="0"/>
-          </a:p>
-          <a:p>
-            <a:endParaRPr lang="nl-NL" dirty="0"/>
-          </a:p>
-          <a:p>
-            <a:r>
-              <a:rPr lang="nl-NL" dirty="0"/>
-              <a:t>Topics:</a:t>
-            </a:r>
-          </a:p>
-          <a:p>
-            <a:pPr lvl="1"/>
-            <a:r>
-              <a:rPr lang="en-US" sz="1400" dirty="0"/>
-              <a:t>Cluster info and Indexing</a:t>
-            </a:r>
-          </a:p>
-          <a:p>
-            <a:pPr lvl="1"/>
-            <a:r>
-              <a:rPr lang="en-US" sz="1400" dirty="0"/>
-              <a:t>Queries and aggregations</a:t>
-            </a:r>
-          </a:p>
-          <a:p>
-            <a:pPr lvl="1"/>
-            <a:r>
-              <a:rPr lang="en-US" sz="1400" dirty="0"/>
-              <a:t>Connecting Node.js to </a:t>
-            </a:r>
-            <a:r>
-              <a:rPr lang="en-US" sz="1400" dirty="0" err="1"/>
-              <a:t>ElasticSearch</a:t>
-            </a:r>
-            <a:endParaRPr lang="en-US" sz="1400" dirty="0"/>
-          </a:p>
-          <a:p>
-            <a:pPr lvl="1"/>
-            <a:r>
-              <a:rPr lang="en-US" sz="1400" dirty="0"/>
-              <a:t>Connecting Spring to </a:t>
-            </a:r>
-            <a:r>
-              <a:rPr lang="en-US" sz="1400" dirty="0" err="1"/>
-              <a:t>ElasticSearch</a:t>
-            </a:r>
-            <a:endParaRPr lang="en-US" sz="1400" dirty="0"/>
-          </a:p>
-          <a:p>
-            <a:endParaRPr lang="nl-NL" dirty="0"/>
-          </a:p>
-        </p:txBody>
-      </p:sp>
-      <p:sp>
-        <p:nvSpPr>
-          <p:cNvPr id="4" name="Footer Placeholder 3"/>
+          <p:cNvPr id="2" name="Footer Placeholder 1"/>
           <p:cNvSpPr>
             <a:spLocks noGrp="1"/>
           </p:cNvSpPr>
@@ -16808,7 +16739,7 @@
       </p:sp>
       <p:sp>
         <p:nvSpPr>
-          <p:cNvPr id="5" name="Slide Number Placeholder 4"/>
+          <p:cNvPr id="3" name="Slide Number Placeholder 2"/>
           <p:cNvSpPr>
             <a:spLocks noGrp="1"/>
           </p:cNvSpPr>
@@ -16824,106 +16755,6 @@
             <a:fld id="{14F1411D-0280-154F-AEAC-4C20B7AA46B2}" type="slidenum">
               <a:rPr lang="nl-NL" smtClean="0"/>
               <a:t>43</a:t>
-            </a:fld>
-            <a:endParaRPr lang="nl-NL"/>
-          </a:p>
-        </p:txBody>
-      </p:sp>
-      <p:pic>
-        <p:nvPicPr>
-          <p:cNvPr id="9" name="Picture Placeholder 8"/>
-          <p:cNvPicPr>
-            <a:picLocks noGrp="1" noChangeAspect="1"/>
-          </p:cNvPicPr>
-          <p:nvPr>
-            <p:ph type="pic" idx="13"/>
-          </p:nvPr>
-        </p:nvPicPr>
-        <p:blipFill>
-          <a:blip r:embed="rId4">
-            <a:extLst>
-              <a:ext uri="{28A0092B-C50C-407E-A947-70E740481C1C}">
-                <a14:useLocalDpi xmlns:a14="http://schemas.microsoft.com/office/drawing/2010/main" val="0"/>
-              </a:ext>
-            </a:extLst>
-          </a:blip>
-          <a:srcRect t="1" b="1"/>
-          <a:stretch>
-            <a:fillRect/>
-          </a:stretch>
-        </p:blipFill>
-        <p:spPr/>
-      </p:pic>
-    </p:spTree>
-    <p:extLst>
-      <p:ext uri="{BB962C8B-B14F-4D97-AF65-F5344CB8AC3E}">
-        <p14:creationId xmlns:p14="http://schemas.microsoft.com/office/powerpoint/2010/main" val="235565209"/>
-      </p:ext>
-    </p:extLst>
-  </p:cSld>
-  <p:clrMapOvr>
-    <a:masterClrMapping/>
-  </p:clrMapOvr>
-</p:sld>
-</file>
-
-<file path=ppt/slides/slide44.xml><?xml version="1.0" encoding="utf-8"?>
-<p:sld xmlns:a="http://schemas.openxmlformats.org/drawingml/2006/main" xmlns:r="http://schemas.openxmlformats.org/officeDocument/2006/relationships" xmlns:p="http://schemas.openxmlformats.org/presentationml/2006/main">
-  <p:cSld>
-    <p:spTree>
-      <p:nvGrpSpPr>
-        <p:cNvPr id="1" name=""/>
-        <p:cNvGrpSpPr/>
-        <p:nvPr/>
-      </p:nvGrpSpPr>
-      <p:grpSpPr>
-        <a:xfrm>
-          <a:off x="0" y="0"/>
-          <a:ext cx="0" cy="0"/>
-          <a:chOff x="0" y="0"/>
-          <a:chExt cx="0" cy="0"/>
-        </a:xfrm>
-      </p:grpSpPr>
-      <p:sp>
-        <p:nvSpPr>
-          <p:cNvPr id="2" name="Footer Placeholder 1"/>
-          <p:cNvSpPr>
-            <a:spLocks noGrp="1"/>
-          </p:cNvSpPr>
-          <p:nvPr>
-            <p:ph type="ftr" sz="quarter" idx="11"/>
-          </p:nvPr>
-        </p:nvSpPr>
-        <p:spPr/>
-        <p:txBody>
-          <a:bodyPr/>
-          <a:lstStyle/>
-          <a:p>
-            <a:r>
-              <a:rPr lang="nl-NL"/>
-              <a:t>elasticsearch</a:t>
-            </a:r>
-          </a:p>
-        </p:txBody>
-      </p:sp>
-      <p:sp>
-        <p:nvSpPr>
-          <p:cNvPr id="3" name="Slide Number Placeholder 2"/>
-          <p:cNvSpPr>
-            <a:spLocks noGrp="1"/>
-          </p:cNvSpPr>
-          <p:nvPr>
-            <p:ph type="sldNum" sz="quarter" idx="12"/>
-          </p:nvPr>
-        </p:nvSpPr>
-        <p:spPr/>
-        <p:txBody>
-          <a:bodyPr/>
-          <a:lstStyle/>
-          <a:p>
-            <a:fld id="{14F1411D-0280-154F-AEAC-4C20B7AA46B2}" type="slidenum">
-              <a:rPr lang="nl-NL" smtClean="0"/>
-              <a:t>44</a:t>
             </a:fld>
             <a:endParaRPr lang="nl-NL"/>
           </a:p>
@@ -18454,12 +18285,6 @@
 </file>
 
 <file path=customXml/item1.xml><?xml version="1.0" encoding="utf-8"?>
-<p:properties xmlns:p="http://schemas.microsoft.com/office/2006/metadata/properties" xmlns:xsi="http://www.w3.org/2001/XMLSchema-instance" xmlns:pc="http://schemas.microsoft.com/office/infopath/2007/PartnerControls">
-  <documentManagement/>
-</p:properties>
-</file>
-
-<file path=customXml/item2.xml><?xml version="1.0" encoding="utf-8"?>
 <ct:contentTypeSchema xmlns:ct="http://schemas.microsoft.com/office/2006/metadata/contentType" xmlns:ma="http://schemas.microsoft.com/office/2006/metadata/properties/metaAttributes" ct:_="" ma:_="" ma:contentTypeName="Document" ma:contentTypeID="0x01010054F6992C941BD0469027D6180034181D" ma:contentTypeVersion="13" ma:contentTypeDescription="Een nieuw document maken." ma:contentTypeScope="" ma:versionID="90bbe2ba6e20fa9a3c78a3adef113cb8">
   <xsd:schema xmlns:xsd="http://www.w3.org/2001/XMLSchema" xmlns:xs="http://www.w3.org/2001/XMLSchema" xmlns:p="http://schemas.microsoft.com/office/2006/metadata/properties" xmlns:ns3="e3854e12-2785-48a6-904c-b41db34ae470" xmlns:ns4="56443775-6c4e-443f-ae5b-8e5d5d05d0db" targetNamespace="http://schemas.microsoft.com/office/2006/metadata/properties" ma:root="true" ma:fieldsID="1a5ce54b376895e28555adf421d9bc35" ns3:_="" ns4:_="">
     <xsd:import namespace="e3854e12-2785-48a6-904c-b41db34ae470"/>
@@ -18682,6 +18507,12 @@
 </ct:contentTypeSchema>
 </file>
 
+<file path=customXml/item2.xml><?xml version="1.0" encoding="utf-8"?>
+<p:properties xmlns:p="http://schemas.microsoft.com/office/2006/metadata/properties" xmlns:xsi="http://www.w3.org/2001/XMLSchema-instance" xmlns:pc="http://schemas.microsoft.com/office/infopath/2007/PartnerControls">
+  <documentManagement/>
+</p:properties>
+</file>
+
 <file path=customXml/item3.xml><?xml version="1.0" encoding="utf-8"?>
 <?mso-contentType ?>
 <FormTemplates xmlns="http://schemas.microsoft.com/sharepoint/v3/contenttype/forms">
@@ -18692,23 +18523,6 @@
 </file>
 
 <file path=customXml/itemProps1.xml><?xml version="1.0" encoding="utf-8"?>
-<ds:datastoreItem xmlns:ds="http://schemas.openxmlformats.org/officeDocument/2006/customXml" ds:itemID="{63653586-D9AD-4A7C-AE25-8F164514A81A}">
-  <ds:schemaRefs>
-    <ds:schemaRef ds:uri="http://purl.org/dc/terms/"/>
-    <ds:schemaRef ds:uri="http://schemas.openxmlformats.org/package/2006/metadata/core-properties"/>
-    <ds:schemaRef ds:uri="http://schemas.microsoft.com/office/2006/documentManagement/types"/>
-    <ds:schemaRef ds:uri="http://schemas.microsoft.com/office/infopath/2007/PartnerControls"/>
-    <ds:schemaRef ds:uri="http://purl.org/dc/elements/1.1/"/>
-    <ds:schemaRef ds:uri="http://schemas.microsoft.com/office/2006/metadata/properties"/>
-    <ds:schemaRef ds:uri="56443775-6c4e-443f-ae5b-8e5d5d05d0db"/>
-    <ds:schemaRef ds:uri="e3854e12-2785-48a6-904c-b41db34ae470"/>
-    <ds:schemaRef ds:uri="http://www.w3.org/XML/1998/namespace"/>
-    <ds:schemaRef ds:uri="http://purl.org/dc/dcmitype/"/>
-  </ds:schemaRefs>
-</ds:datastoreItem>
-</file>
-
-<file path=customXml/itemProps2.xml><?xml version="1.0" encoding="utf-8"?>
 <ds:datastoreItem xmlns:ds="http://schemas.openxmlformats.org/officeDocument/2006/customXml" ds:itemID="{2236F168-07DF-4DEE-9141-9703A5EDABA9}">
   <ds:schemaRefs>
     <ds:schemaRef ds:uri="http://schemas.microsoft.com/office/2006/metadata/contentType"/>
@@ -18727,6 +18541,23 @@
 </ds:datastoreItem>
 </file>
 
+<file path=customXml/itemProps2.xml><?xml version="1.0" encoding="utf-8"?>
+<ds:datastoreItem xmlns:ds="http://schemas.openxmlformats.org/officeDocument/2006/customXml" ds:itemID="{63653586-D9AD-4A7C-AE25-8F164514A81A}">
+  <ds:schemaRefs>
+    <ds:schemaRef ds:uri="http://purl.org/dc/terms/"/>
+    <ds:schemaRef ds:uri="http://schemas.openxmlformats.org/package/2006/metadata/core-properties"/>
+    <ds:schemaRef ds:uri="http://schemas.microsoft.com/office/2006/documentManagement/types"/>
+    <ds:schemaRef ds:uri="http://schemas.microsoft.com/office/infopath/2007/PartnerControls"/>
+    <ds:schemaRef ds:uri="http://purl.org/dc/elements/1.1/"/>
+    <ds:schemaRef ds:uri="http://schemas.microsoft.com/office/2006/metadata/properties"/>
+    <ds:schemaRef ds:uri="56443775-6c4e-443f-ae5b-8e5d5d05d0db"/>
+    <ds:schemaRef ds:uri="e3854e12-2785-48a6-904c-b41db34ae470"/>
+    <ds:schemaRef ds:uri="http://www.w3.org/XML/1998/namespace"/>
+    <ds:schemaRef ds:uri="http://purl.org/dc/dcmitype/"/>
+  </ds:schemaRefs>
+</ds:datastoreItem>
+</file>
+
 <file path=customXml/itemProps3.xml><?xml version="1.0" encoding="utf-8"?>
 <ds:datastoreItem xmlns:ds="http://schemas.openxmlformats.org/officeDocument/2006/customXml" ds:itemID="{15DF2822-16E4-4479-B239-41A079CBB65B}">
   <ds:schemaRefs>

--- a/Elasticsearch.pptx
+++ b/Elasticsearch.pptx
@@ -5,7 +5,7 @@
     <p:sldMasterId id="2147483672" r:id="rId4"/>
   </p:sldMasterIdLst>
   <p:notesMasterIdLst>
-    <p:notesMasterId r:id="rId48"/>
+    <p:notesMasterId r:id="rId46"/>
   </p:notesMasterIdLst>
   <p:sldIdLst>
     <p:sldId id="295" r:id="rId5"/>
@@ -35,22 +35,20 @@
     <p:sldId id="297" r:id="rId29"/>
     <p:sldId id="298" r:id="rId30"/>
     <p:sldId id="299" r:id="rId31"/>
-    <p:sldId id="300" r:id="rId32"/>
-    <p:sldId id="301" r:id="rId33"/>
-    <p:sldId id="302" r:id="rId34"/>
-    <p:sldId id="303" r:id="rId35"/>
-    <p:sldId id="305" r:id="rId36"/>
-    <p:sldId id="304" r:id="rId37"/>
-    <p:sldId id="306" r:id="rId38"/>
-    <p:sldId id="307" r:id="rId39"/>
-    <p:sldId id="308" r:id="rId40"/>
-    <p:sldId id="309" r:id="rId41"/>
-    <p:sldId id="310" r:id="rId42"/>
-    <p:sldId id="311" r:id="rId43"/>
-    <p:sldId id="312" r:id="rId44"/>
-    <p:sldId id="313" r:id="rId45"/>
-    <p:sldId id="278" r:id="rId46"/>
-    <p:sldId id="280" r:id="rId47"/>
+    <p:sldId id="302" r:id="rId32"/>
+    <p:sldId id="303" r:id="rId33"/>
+    <p:sldId id="305" r:id="rId34"/>
+    <p:sldId id="304" r:id="rId35"/>
+    <p:sldId id="306" r:id="rId36"/>
+    <p:sldId id="307" r:id="rId37"/>
+    <p:sldId id="308" r:id="rId38"/>
+    <p:sldId id="309" r:id="rId39"/>
+    <p:sldId id="310" r:id="rId40"/>
+    <p:sldId id="311" r:id="rId41"/>
+    <p:sldId id="312" r:id="rId42"/>
+    <p:sldId id="313" r:id="rId43"/>
+    <p:sldId id="278" r:id="rId44"/>
+    <p:sldId id="280" r:id="rId45"/>
   </p:sldIdLst>
   <p:sldSz cx="9144000" cy="5143500" type="screen16x9"/>
   <p:notesSz cx="6858000" cy="9144000"/>
@@ -896,7 +894,7 @@
           <a:p>
             <a:fld id="{DDF2FCE7-7AFA-9242-BECB-A61CE0BE95A1}" type="datetimeFigureOut">
               <a:rPr lang="nl-NL" smtClean="0"/>
-              <a:t>12-5-2020</a:t>
+              <a:t>13-5-2020</a:t>
             </a:fld>
             <a:endParaRPr lang="nl-NL"/>
           </a:p>
@@ -2524,7 +2522,7 @@
           <a:p>
             <a:fld id="{E8E3D916-ACBF-4FE0-8C69-93E6D8AAD662}" type="datetime1">
               <a:rPr lang="en-US" noProof="0" smtClean="0"/>
-              <a:t>5/12/2020</a:t>
+              <a:t>5/13/2020</a:t>
             </a:fld>
             <a:endParaRPr lang="nl-NL" noProof="0" dirty="0"/>
           </a:p>
@@ -2910,7 +2908,7 @@
           <a:p>
             <a:fld id="{24923D33-0607-4471-92AB-87D7B932E4F5}" type="datetime1">
               <a:rPr lang="en-US" smtClean="0"/>
-              <a:t>5/12/2020</a:t>
+              <a:t>5/13/2020</a:t>
             </a:fld>
             <a:endParaRPr lang="nl-NL"/>
           </a:p>
@@ -3328,7 +3326,7 @@
           <a:p>
             <a:fld id="{1F076E73-A7F2-48BA-9D14-CF574BEA09A4}" type="datetime1">
               <a:rPr lang="en-US" smtClean="0"/>
-              <a:t>5/12/2020</a:t>
+              <a:t>5/13/2020</a:t>
             </a:fld>
             <a:endParaRPr lang="nl-NL"/>
           </a:p>
@@ -3687,7 +3685,7 @@
           <a:p>
             <a:fld id="{1AB64C7B-1C78-4EDC-8334-C910606A37E2}" type="datetime1">
               <a:rPr lang="en-US" smtClean="0"/>
-              <a:t>5/12/2020</a:t>
+              <a:t>5/13/2020</a:t>
             </a:fld>
             <a:endParaRPr lang="nl-NL"/>
           </a:p>
@@ -3863,7 +3861,7 @@
           <a:p>
             <a:fld id="{5438AED8-C3F5-4584-9499-D06298DD82AB}" type="datetime1">
               <a:rPr lang="en-US" smtClean="0"/>
-              <a:t>5/12/2020</a:t>
+              <a:t>5/13/2020</a:t>
             </a:fld>
             <a:endParaRPr lang="nl-NL"/>
           </a:p>
@@ -4772,7 +4770,7 @@
           <a:p>
             <a:fld id="{3086376D-BF8F-4FB0-BA3A-6118F3B97147}" type="datetime1">
               <a:rPr lang="en-US" smtClean="0"/>
-              <a:t>5/12/2020</a:t>
+              <a:t>5/13/2020</a:t>
             </a:fld>
             <a:endParaRPr lang="nl-NL"/>
           </a:p>
@@ -5019,7 +5017,7 @@
           <a:p>
             <a:fld id="{B8D31770-EB6A-4A32-B824-DB612DA46BB3}" type="datetime1">
               <a:rPr lang="en-US" smtClean="0"/>
-              <a:t>5/12/2020</a:t>
+              <a:t>5/13/2020</a:t>
             </a:fld>
             <a:endParaRPr lang="nl-NL"/>
           </a:p>
@@ -5267,7 +5265,7 @@
           <a:p>
             <a:fld id="{EE9519D9-11FC-4E4C-AB92-51D800F1B74D}" type="datetime1">
               <a:rPr lang="en-US" smtClean="0"/>
-              <a:t>5/12/2020</a:t>
+              <a:t>5/13/2020</a:t>
             </a:fld>
             <a:endParaRPr lang="nl-NL"/>
           </a:p>
@@ -5432,7 +5430,7 @@
           <a:p>
             <a:fld id="{EBD39672-96D6-4289-B17F-3AC03B64F325}" type="datetime1">
               <a:rPr lang="en-US" smtClean="0"/>
-              <a:t>5/12/2020</a:t>
+              <a:t>5/13/2020</a:t>
             </a:fld>
             <a:endParaRPr lang="nl-NL"/>
           </a:p>
@@ -5893,7 +5891,7 @@
           <a:p>
             <a:fld id="{47CACD11-3D54-4121-84E2-40922414833D}" type="datetime1">
               <a:rPr lang="en-US" smtClean="0"/>
-              <a:t>5/12/2020</a:t>
+              <a:t>5/13/2020</a:t>
             </a:fld>
             <a:endParaRPr lang="nl-NL"/>
           </a:p>
@@ -6504,7 +6502,7 @@
           <a:p>
             <a:fld id="{D368890A-41A1-4C6B-A321-D1F668F5C54D}" type="datetime1">
               <a:rPr lang="en-US" noProof="0" smtClean="0"/>
-              <a:t>5/12/2020</a:t>
+              <a:t>5/13/2020</a:t>
             </a:fld>
             <a:endParaRPr lang="nl-NL" noProof="0" dirty="0"/>
           </a:p>
@@ -6803,7 +6801,7 @@
           <a:p>
             <a:fld id="{58384117-E61A-49E9-8E3E-01D33DE87B45}" type="datetime1">
               <a:rPr lang="en-US" smtClean="0"/>
-              <a:t>5/12/2020</a:t>
+              <a:t>5/13/2020</a:t>
             </a:fld>
             <a:endParaRPr lang="nl-NL"/>
           </a:p>
@@ -12238,7 +12236,7 @@
           <a:p>
             <a:r>
               <a:rPr lang="en-GB" dirty="0"/>
-              <a:t>JSON-based queries – full text queries(1)</a:t>
+              <a:t>JSON-based queries – full text queries</a:t>
             </a:r>
             <a:endParaRPr lang="en-NL" dirty="0"/>
           </a:p>
@@ -12331,22 +12329,42 @@
             <a:endParaRPr lang="en-GB" dirty="0"/>
           </a:p>
           <a:p>
-            <a:r>
-              <a:rPr lang="en-GB" dirty="0"/>
-              <a:t>query _string: has the same options and syntax as the q query param in URL-based requests</a:t>
-            </a:r>
-          </a:p>
-          <a:p>
-            <a:r>
-              <a:rPr lang="en-GB" dirty="0" err="1"/>
-              <a:t>simple_query_string</a:t>
-            </a:r>
-            <a:r>
-              <a:rPr lang="en-GB" dirty="0"/>
-              <a:t>: more limited but does not return errors for invalid syntax, ignores it instead</a:t>
-            </a:r>
-          </a:p>
-          <a:p>
+            <a:endParaRPr lang="en-GB" dirty="0"/>
+          </a:p>
+          <a:p>
+            <a:endParaRPr lang="en-GB" dirty="0"/>
+          </a:p>
+          <a:p>
+            <a:endParaRPr lang="en-GB" dirty="0"/>
+          </a:p>
+          <a:p>
+            <a:endParaRPr lang="en-GB" dirty="0"/>
+          </a:p>
+          <a:p>
+            <a:endParaRPr lang="en-GB" dirty="0"/>
+          </a:p>
+          <a:p>
+            <a:endParaRPr lang="en-GB" dirty="0"/>
+          </a:p>
+          <a:p>
+            <a:endParaRPr lang="en-GB" dirty="0"/>
+          </a:p>
+          <a:p>
+            <a:r>
+              <a:rPr lang="nl-NL" sz="1100" dirty="0">
+                <a:hlinkClick r:id="rId2"/>
+              </a:rPr>
+              <a:t>https://www.elastic.co/guide/en/elasticsearch/reference/current/full-text-queries.html</a:t>
+            </a:r>
+            <a:endParaRPr lang="en-GB" sz="1100" dirty="0"/>
+          </a:p>
+          <a:p>
+            <a:endParaRPr lang="en-GB" dirty="0"/>
+          </a:p>
+          <a:p>
+            <a:pPr marL="0" indent="0">
+              <a:buNone/>
+            </a:pPr>
             <a:endParaRPr lang="en-GB" dirty="0"/>
           </a:p>
         </p:txBody>
@@ -12408,6 +12426,64 @@
           </a:p>
         </p:txBody>
       </p:sp>
+      <p:pic>
+        <p:nvPicPr>
+          <p:cNvPr id="7" name="Picture 6" descr="A picture containing drawing&#10;&#10;Description automatically generated">
+            <a:extLst>
+              <a:ext uri="{FF2B5EF4-FFF2-40B4-BE49-F238E27FC236}">
+                <a16:creationId xmlns:a16="http://schemas.microsoft.com/office/drawing/2014/main" id="{E4A315FA-0AE6-494F-8F0B-BC68AE2BB6CC}"/>
+              </a:ext>
+            </a:extLst>
+          </p:cNvPr>
+          <p:cNvPicPr>
+            <a:picLocks noChangeAspect="1"/>
+          </p:cNvPicPr>
+          <p:nvPr/>
+        </p:nvPicPr>
+        <p:blipFill rotWithShape="1">
+          <a:blip r:embed="rId3"/>
+          <a:srcRect t="5504" r="52145" b="6936"/>
+          <a:stretch/>
+        </p:blipFill>
+        <p:spPr>
+          <a:xfrm>
+            <a:off x="4572000" y="2242531"/>
+            <a:ext cx="3345675" cy="2168435"/>
+          </a:xfrm>
+          <a:prstGeom prst="rect">
+            <a:avLst/>
+          </a:prstGeom>
+        </p:spPr>
+      </p:pic>
+      <p:pic>
+        <p:nvPicPr>
+          <p:cNvPr id="9" name="Picture 8" descr="A close up of a logo&#10;&#10;Description automatically generated">
+            <a:extLst>
+              <a:ext uri="{FF2B5EF4-FFF2-40B4-BE49-F238E27FC236}">
+                <a16:creationId xmlns:a16="http://schemas.microsoft.com/office/drawing/2014/main" id="{B12EA25B-0D71-44B1-9940-EA51078485DA}"/>
+              </a:ext>
+            </a:extLst>
+          </p:cNvPr>
+          <p:cNvPicPr>
+            <a:picLocks noChangeAspect="1"/>
+          </p:cNvPicPr>
+          <p:nvPr/>
+        </p:nvPicPr>
+        <p:blipFill rotWithShape="1">
+          <a:blip r:embed="rId4"/>
+          <a:srcRect t="8032" r="47993" b="7362"/>
+          <a:stretch/>
+        </p:blipFill>
+        <p:spPr>
+          <a:xfrm>
+            <a:off x="719999" y="2451935"/>
+            <a:ext cx="3616228" cy="1877661"/>
+          </a:xfrm>
+          <a:prstGeom prst="rect">
+            <a:avLst/>
+          </a:prstGeom>
+        </p:spPr>
+      </p:pic>
     </p:spTree>
     <p:extLst>
       <p:ext uri="{BB962C8B-B14F-4D97-AF65-F5344CB8AC3E}">
@@ -12443,7 +12519,7 @@
           <p:cNvPr id="2" name="Title 1">
             <a:extLst>
               <a:ext uri="{FF2B5EF4-FFF2-40B4-BE49-F238E27FC236}">
-                <a16:creationId xmlns:a16="http://schemas.microsoft.com/office/drawing/2014/main" id="{435EE54A-EDB7-44AE-97EE-646026D7E018}"/>
+                <a16:creationId xmlns:a16="http://schemas.microsoft.com/office/drawing/2014/main" id="{7E0C864F-8D7E-4A1F-9FBF-8840FD06DD82}"/>
               </a:ext>
             </a:extLst>
           </p:cNvPr>
@@ -12461,7 +12537,7 @@
           <a:p>
             <a:r>
               <a:rPr lang="en-GB" dirty="0"/>
-              <a:t>JSON-based queries – full text queries(2)</a:t>
+              <a:t>JSON-based queries – compound queries(1)</a:t>
             </a:r>
             <a:endParaRPr lang="en-NL" dirty="0"/>
           </a:p>
@@ -12472,7 +12548,7 @@
           <p:cNvPr id="3" name="Content Placeholder 2">
             <a:extLst>
               <a:ext uri="{FF2B5EF4-FFF2-40B4-BE49-F238E27FC236}">
-                <a16:creationId xmlns:a16="http://schemas.microsoft.com/office/drawing/2014/main" id="{CE132C0D-F4C4-46B6-AF11-CA923A92C562}"/>
+                <a16:creationId xmlns:a16="http://schemas.microsoft.com/office/drawing/2014/main" id="{2B238913-DCE4-4551-93BE-7D0E5C113D13}"/>
               </a:ext>
             </a:extLst>
           </p:cNvPr>
@@ -12490,19 +12566,113 @@
           <a:p>
             <a:r>
               <a:rPr lang="en-GB" dirty="0"/>
-              <a:t>match: standard query for full-text search</a:t>
-            </a:r>
-          </a:p>
-          <a:p>
+              <a:t>Wrap other (compound) queries to combine results, change query behaviour or use a filter</a:t>
+            </a:r>
+          </a:p>
+          <a:p>
+            <a:pPr lvl="1"/>
+            <a:r>
+              <a:rPr lang="en-GB" sz="1400" dirty="0"/>
+              <a:t>No score is calculated for results that are filtered out</a:t>
+            </a:r>
+          </a:p>
+          <a:p>
+            <a:pPr lvl="1"/>
+            <a:r>
+              <a:rPr lang="en-GB" sz="1400" dirty="0"/>
+              <a:t>Often used filters are cached by </a:t>
+            </a:r>
+            <a:r>
+              <a:rPr lang="en-GB" sz="1400" dirty="0" err="1"/>
+              <a:t>elasticsearch</a:t>
+            </a:r>
+            <a:endParaRPr lang="en-GB" sz="1400" dirty="0"/>
+          </a:p>
+          <a:p>
+            <a:r>
+              <a:rPr lang="en-GB" dirty="0"/>
+              <a:t>Queries: bool (</a:t>
+            </a:r>
             <a:r>
               <a:rPr lang="en-GB" dirty="0" err="1"/>
-              <a:t>multi_match</a:t>
+              <a:t>boolean</a:t>
             </a:r>
             <a:r>
               <a:rPr lang="en-GB" dirty="0"/>
-              <a:t>: same as match, but for multiple fields</a:t>
-            </a:r>
-            <a:endParaRPr lang="en-NL" dirty="0"/>
+              <a:t>), boosting, </a:t>
+            </a:r>
+            <a:r>
+              <a:rPr lang="en-GB" dirty="0" err="1"/>
+              <a:t>constant_score</a:t>
+            </a:r>
+            <a:r>
+              <a:rPr lang="en-GB" dirty="0"/>
+              <a:t>, </a:t>
+            </a:r>
+            <a:r>
+              <a:rPr lang="en-GB" dirty="0" err="1"/>
+              <a:t>dis_max</a:t>
+            </a:r>
+            <a:r>
+              <a:rPr lang="en-GB" dirty="0"/>
+              <a:t> (disjunction max), </a:t>
+            </a:r>
+            <a:r>
+              <a:rPr lang="en-GB" dirty="0" err="1"/>
+              <a:t>function_score</a:t>
+            </a:r>
+            <a:endParaRPr lang="en-GB" dirty="0"/>
+          </a:p>
+          <a:p>
+            <a:endParaRPr lang="en-GB" dirty="0"/>
+          </a:p>
+          <a:p>
+            <a:r>
+              <a:rPr lang="en-GB" dirty="0"/>
+              <a:t>For manipulating scores: boosting, </a:t>
+            </a:r>
+            <a:r>
+              <a:rPr lang="en-GB" dirty="0" err="1"/>
+              <a:t>constant_score</a:t>
+            </a:r>
+            <a:r>
+              <a:rPr lang="en-GB" dirty="0"/>
+              <a:t>, </a:t>
+            </a:r>
+            <a:r>
+              <a:rPr lang="en-GB" dirty="0" err="1"/>
+              <a:t>dis_max</a:t>
+            </a:r>
+            <a:r>
+              <a:rPr lang="en-GB" dirty="0"/>
+              <a:t>, and </a:t>
+            </a:r>
+            <a:r>
+              <a:rPr lang="en-GB" dirty="0" err="1"/>
+              <a:t>function_score</a:t>
+            </a:r>
+            <a:endParaRPr lang="en-GB" dirty="0"/>
+          </a:p>
+          <a:p>
+            <a:endParaRPr lang="en-GB" dirty="0"/>
+          </a:p>
+          <a:p>
+            <a:endParaRPr lang="en-GB" dirty="0"/>
+          </a:p>
+          <a:p>
+            <a:endParaRPr lang="en-GB" dirty="0"/>
+          </a:p>
+          <a:p>
+            <a:endParaRPr lang="en-GB" dirty="0"/>
+          </a:p>
+          <a:p>
+            <a:r>
+              <a:rPr lang="nl-NL" sz="1100" dirty="0">
+                <a:hlinkClick r:id="rId2"/>
+              </a:rPr>
+              <a:t>https://www.elastic.co/guide/en/elasticsearch/reference/current/compound-queries.html</a:t>
+            </a:r>
+            <a:endParaRPr lang="en-GB" sz="1100" dirty="0"/>
           </a:p>
         </p:txBody>
       </p:sp>
@@ -12511,7 +12681,7 @@
           <p:cNvPr id="4" name="Footer Placeholder 3">
             <a:extLst>
               <a:ext uri="{FF2B5EF4-FFF2-40B4-BE49-F238E27FC236}">
-                <a16:creationId xmlns:a16="http://schemas.microsoft.com/office/drawing/2014/main" id="{C6E8F0C6-33D6-4FAD-A977-FDF14DE8D650}"/>
+                <a16:creationId xmlns:a16="http://schemas.microsoft.com/office/drawing/2014/main" id="{F1690C5F-F470-4B05-AB59-CBE30FDE51F0}"/>
               </a:ext>
             </a:extLst>
           </p:cNvPr>
@@ -12539,7 +12709,7 @@
           <p:cNvPr id="5" name="Slide Number Placeholder 4">
             <a:extLst>
               <a:ext uri="{FF2B5EF4-FFF2-40B4-BE49-F238E27FC236}">
-                <a16:creationId xmlns:a16="http://schemas.microsoft.com/office/drawing/2014/main" id="{FBE6E974-B78D-4C27-8192-283CBF8CDFD5}"/>
+                <a16:creationId xmlns:a16="http://schemas.microsoft.com/office/drawing/2014/main" id="{1A34282B-2261-48E1-834B-16C626B887A4}"/>
               </a:ext>
             </a:extLst>
           </p:cNvPr>
@@ -12563,68 +12733,10 @@
           </a:p>
         </p:txBody>
       </p:sp>
-      <p:pic>
-        <p:nvPicPr>
-          <p:cNvPr id="7" name="Picture 6" descr="A close up of a logo&#10;&#10;Description automatically generated">
-            <a:extLst>
-              <a:ext uri="{FF2B5EF4-FFF2-40B4-BE49-F238E27FC236}">
-                <a16:creationId xmlns:a16="http://schemas.microsoft.com/office/drawing/2014/main" id="{D5F8B144-1C72-4DBE-8A8C-1670247F5B36}"/>
-              </a:ext>
-            </a:extLst>
-          </p:cNvPr>
-          <p:cNvPicPr>
-            <a:picLocks noChangeAspect="1"/>
-          </p:cNvPicPr>
-          <p:nvPr/>
-        </p:nvPicPr>
-        <p:blipFill rotWithShape="1">
-          <a:blip r:embed="rId2"/>
-          <a:srcRect t="4675" r="45629" b="4880"/>
-          <a:stretch/>
-        </p:blipFill>
-        <p:spPr>
-          <a:xfrm>
-            <a:off x="720003" y="1803935"/>
-            <a:ext cx="3790950" cy="2403565"/>
-          </a:xfrm>
-          <a:prstGeom prst="rect">
-            <a:avLst/>
-          </a:prstGeom>
-        </p:spPr>
-      </p:pic>
-      <p:pic>
-        <p:nvPicPr>
-          <p:cNvPr id="9" name="Picture 8" descr="A picture containing drawing&#10;&#10;Description automatically generated">
-            <a:extLst>
-              <a:ext uri="{FF2B5EF4-FFF2-40B4-BE49-F238E27FC236}">
-                <a16:creationId xmlns:a16="http://schemas.microsoft.com/office/drawing/2014/main" id="{30BC8DA9-C115-4A6A-A64F-7B0CE1E02808}"/>
-              </a:ext>
-            </a:extLst>
-          </p:cNvPr>
-          <p:cNvPicPr>
-            <a:picLocks noChangeAspect="1"/>
-          </p:cNvPicPr>
-          <p:nvPr/>
-        </p:nvPicPr>
-        <p:blipFill rotWithShape="1">
-          <a:blip r:embed="rId3"/>
-          <a:srcRect t="5504" r="52145" b="6936"/>
-          <a:stretch/>
-        </p:blipFill>
-        <p:spPr>
-          <a:xfrm>
-            <a:off x="4862325" y="1803935"/>
-            <a:ext cx="3345675" cy="2168435"/>
-          </a:xfrm>
-          <a:prstGeom prst="rect">
-            <a:avLst/>
-          </a:prstGeom>
-        </p:spPr>
-      </p:pic>
     </p:spTree>
     <p:extLst>
       <p:ext uri="{BB962C8B-B14F-4D97-AF65-F5344CB8AC3E}">
-        <p14:creationId xmlns:p14="http://schemas.microsoft.com/office/powerpoint/2010/main" val="1194781786"/>
+        <p14:creationId xmlns:p14="http://schemas.microsoft.com/office/powerpoint/2010/main" val="2152417423"/>
       </p:ext>
     </p:extLst>
   </p:cSld>
@@ -12656,629 +12768,6 @@
           <p:cNvPr id="2" name="Title 1">
             <a:extLst>
               <a:ext uri="{FF2B5EF4-FFF2-40B4-BE49-F238E27FC236}">
-                <a16:creationId xmlns:a16="http://schemas.microsoft.com/office/drawing/2014/main" id="{0A876437-F2FB-4E69-95AD-7906C55BB384}"/>
-              </a:ext>
-            </a:extLst>
-          </p:cNvPr>
-          <p:cNvSpPr>
-            <a:spLocks noGrp="1"/>
-          </p:cNvSpPr>
-          <p:nvPr>
-            <p:ph type="title"/>
-          </p:nvPr>
-        </p:nvSpPr>
-        <p:spPr/>
-        <p:txBody>
-          <a:bodyPr/>
-          <a:lstStyle/>
-          <a:p>
-            <a:r>
-              <a:rPr lang="en-GB" dirty="0"/>
-              <a:t>JSON-based queries – full text queries(3)</a:t>
-            </a:r>
-            <a:endParaRPr lang="en-NL" dirty="0"/>
-          </a:p>
-        </p:txBody>
-      </p:sp>
-      <p:sp>
-        <p:nvSpPr>
-          <p:cNvPr id="3" name="Content Placeholder 2">
-            <a:extLst>
-              <a:ext uri="{FF2B5EF4-FFF2-40B4-BE49-F238E27FC236}">
-                <a16:creationId xmlns:a16="http://schemas.microsoft.com/office/drawing/2014/main" id="{129841FA-08D2-48D3-B2FB-40E294C20F55}"/>
-              </a:ext>
-            </a:extLst>
-          </p:cNvPr>
-          <p:cNvSpPr>
-            <a:spLocks noGrp="1"/>
-          </p:cNvSpPr>
-          <p:nvPr>
-            <p:ph idx="1"/>
-          </p:nvPr>
-        </p:nvSpPr>
-        <p:spPr/>
-        <p:txBody>
-          <a:bodyPr/>
-          <a:lstStyle/>
-          <a:p>
-            <a:r>
-              <a:rPr lang="en-GB" dirty="0" err="1"/>
-              <a:t>match_phrase</a:t>
-            </a:r>
-            <a:r>
-              <a:rPr lang="en-GB" dirty="0"/>
-              <a:t>: match a phrase precisely or provide the “slop” parameter to allow some words in between.</a:t>
-            </a:r>
-          </a:p>
-          <a:p>
-            <a:r>
-              <a:rPr lang="en-GB" dirty="0" err="1"/>
-              <a:t>match_phrase_prefix</a:t>
-            </a:r>
-            <a:r>
-              <a:rPr lang="en-GB" dirty="0"/>
-              <a:t>: last term is treated as prefix, matching any word beginning with that term</a:t>
-            </a:r>
-          </a:p>
-          <a:p>
-            <a:r>
-              <a:rPr lang="en-GB" dirty="0" err="1"/>
-              <a:t>match_bool_prefix</a:t>
-            </a:r>
-            <a:r>
-              <a:rPr lang="en-GB" dirty="0"/>
-              <a:t>: match terms in any position, not in specific order</a:t>
-            </a:r>
-          </a:p>
-          <a:p>
-            <a:endParaRPr lang="en-GB" dirty="0"/>
-          </a:p>
-          <a:p>
-            <a:r>
-              <a:rPr lang="en-GB" dirty="0"/>
-              <a:t>intervals: search documents based on order and proximity of terms</a:t>
-            </a:r>
-          </a:p>
-          <a:p>
-            <a:endParaRPr lang="en-GB" dirty="0"/>
-          </a:p>
-          <a:p>
-            <a:endParaRPr lang="en-GB" dirty="0"/>
-          </a:p>
-          <a:p>
-            <a:endParaRPr lang="nl-NL" sz="1100" dirty="0">
-              <a:hlinkClick r:id="rId2"/>
-            </a:endParaRPr>
-          </a:p>
-          <a:p>
-            <a:endParaRPr lang="nl-NL" sz="1100" dirty="0">
-              <a:hlinkClick r:id="rId2"/>
-            </a:endParaRPr>
-          </a:p>
-          <a:p>
-            <a:endParaRPr lang="nl-NL" sz="1100" dirty="0">
-              <a:hlinkClick r:id="rId2"/>
-            </a:endParaRPr>
-          </a:p>
-          <a:p>
-            <a:endParaRPr lang="nl-NL" sz="1100" dirty="0">
-              <a:hlinkClick r:id="rId2"/>
-            </a:endParaRPr>
-          </a:p>
-          <a:p>
-            <a:endParaRPr lang="nl-NL" sz="1100" dirty="0">
-              <a:hlinkClick r:id="rId2"/>
-            </a:endParaRPr>
-          </a:p>
-          <a:p>
-            <a:r>
-              <a:rPr lang="nl-NL" sz="1100" dirty="0">
-                <a:hlinkClick r:id="rId2"/>
-              </a:rPr>
-              <a:t>https://www.elastic.co/guide/en/elasticsearch/reference/current/full-text-queries.html</a:t>
-            </a:r>
-            <a:endParaRPr lang="en-NL" sz="1100" dirty="0"/>
-          </a:p>
-        </p:txBody>
-      </p:sp>
-      <p:sp>
-        <p:nvSpPr>
-          <p:cNvPr id="4" name="Footer Placeholder 3">
-            <a:extLst>
-              <a:ext uri="{FF2B5EF4-FFF2-40B4-BE49-F238E27FC236}">
-                <a16:creationId xmlns:a16="http://schemas.microsoft.com/office/drawing/2014/main" id="{DE42CBC2-3946-418E-9984-42AB33A6B664}"/>
-              </a:ext>
-            </a:extLst>
-          </p:cNvPr>
-          <p:cNvSpPr>
-            <a:spLocks noGrp="1"/>
-          </p:cNvSpPr>
-          <p:nvPr>
-            <p:ph type="ftr" sz="quarter" idx="11"/>
-          </p:nvPr>
-        </p:nvSpPr>
-        <p:spPr/>
-        <p:txBody>
-          <a:bodyPr/>
-          <a:lstStyle/>
-          <a:p>
-            <a:r>
-              <a:rPr lang="nl-NL"/>
-              <a:t>elasticsearch</a:t>
-            </a:r>
-          </a:p>
-        </p:txBody>
-      </p:sp>
-      <p:sp>
-        <p:nvSpPr>
-          <p:cNvPr id="5" name="Slide Number Placeholder 4">
-            <a:extLst>
-              <a:ext uri="{FF2B5EF4-FFF2-40B4-BE49-F238E27FC236}">
-                <a16:creationId xmlns:a16="http://schemas.microsoft.com/office/drawing/2014/main" id="{69AB646A-BDCC-4ED3-B628-369F043C3DEA}"/>
-              </a:ext>
-            </a:extLst>
-          </p:cNvPr>
-          <p:cNvSpPr>
-            <a:spLocks noGrp="1"/>
-          </p:cNvSpPr>
-          <p:nvPr>
-            <p:ph type="sldNum" sz="quarter" idx="12"/>
-          </p:nvPr>
-        </p:nvSpPr>
-        <p:spPr/>
-        <p:txBody>
-          <a:bodyPr/>
-          <a:lstStyle/>
-          <a:p>
-            <a:fld id="{14F1411D-0280-154F-AEAC-4C20B7AA46B2}" type="slidenum">
-              <a:rPr lang="nl-NL" smtClean="0"/>
-              <a:t>29</a:t>
-            </a:fld>
-            <a:endParaRPr lang="nl-NL"/>
-          </a:p>
-        </p:txBody>
-      </p:sp>
-    </p:spTree>
-    <p:extLst>
-      <p:ext uri="{BB962C8B-B14F-4D97-AF65-F5344CB8AC3E}">
-        <p14:creationId xmlns:p14="http://schemas.microsoft.com/office/powerpoint/2010/main" val="3103263932"/>
-      </p:ext>
-    </p:extLst>
-  </p:cSld>
-  <p:clrMapOvr>
-    <a:masterClrMapping/>
-  </p:clrMapOvr>
-</p:sld>
-</file>
-
-<file path=ppt/slides/slide3.xml><?xml version="1.0" encoding="utf-8"?>
-<p:sld xmlns:a="http://schemas.openxmlformats.org/drawingml/2006/main" xmlns:r="http://schemas.openxmlformats.org/officeDocument/2006/relationships" xmlns:p="http://schemas.openxmlformats.org/presentationml/2006/main">
-  <p:cSld>
-    <p:spTree>
-      <p:nvGrpSpPr>
-        <p:cNvPr id="1" name=""/>
-        <p:cNvGrpSpPr/>
-        <p:nvPr/>
-      </p:nvGrpSpPr>
-      <p:grpSpPr>
-        <a:xfrm>
-          <a:off x="0" y="0"/>
-          <a:ext cx="0" cy="0"/>
-          <a:chOff x="0" y="0"/>
-          <a:chExt cx="0" cy="0"/>
-        </a:xfrm>
-      </p:grpSpPr>
-      <p:sp>
-        <p:nvSpPr>
-          <p:cNvPr id="2" name="Title 1"/>
-          <p:cNvSpPr>
-            <a:spLocks noGrp="1"/>
-          </p:cNvSpPr>
-          <p:nvPr>
-            <p:ph type="title"/>
-          </p:nvPr>
-        </p:nvSpPr>
-        <p:spPr/>
-        <p:txBody>
-          <a:bodyPr/>
-          <a:lstStyle/>
-          <a:p>
-            <a:r>
-              <a:rPr lang="nl-NL" dirty="0"/>
-              <a:t>Elasticsearch</a:t>
-            </a:r>
-          </a:p>
-        </p:txBody>
-      </p:sp>
-      <p:sp>
-        <p:nvSpPr>
-          <p:cNvPr id="3" name="Content Placeholder 2"/>
-          <p:cNvSpPr>
-            <a:spLocks noGrp="1"/>
-          </p:cNvSpPr>
-          <p:nvPr>
-            <p:ph idx="1"/>
-          </p:nvPr>
-        </p:nvSpPr>
-        <p:spPr>
-          <a:xfrm>
-            <a:off x="720003" y="907420"/>
-            <a:ext cx="6623999" cy="3808579"/>
-          </a:xfrm>
-        </p:spPr>
-        <p:txBody>
-          <a:bodyPr/>
-          <a:lstStyle/>
-          <a:p>
-            <a:r>
-              <a:rPr lang="nl-NL" dirty="0"/>
-              <a:t>A noSQL search engine for: </a:t>
-            </a:r>
-          </a:p>
-          <a:p>
-            <a:pPr lvl="1"/>
-            <a:r>
-              <a:rPr lang="nl-NL" sz="1400" dirty="0"/>
-              <a:t>Prioritizing data</a:t>
-            </a:r>
-          </a:p>
-          <a:p>
-            <a:pPr lvl="1"/>
-            <a:r>
-              <a:rPr lang="nl-NL" sz="1400" dirty="0"/>
-              <a:t>Searching through (a lot of) data</a:t>
-            </a:r>
-          </a:p>
-          <a:p>
-            <a:pPr lvl="1"/>
-            <a:r>
-              <a:rPr lang="nl-NL" sz="1400" dirty="0"/>
-              <a:t>Filtering data</a:t>
-            </a:r>
-          </a:p>
-          <a:p>
-            <a:pPr lvl="1"/>
-            <a:endParaRPr lang="nl-NL" dirty="0"/>
-          </a:p>
-          <a:p>
-            <a:r>
-              <a:rPr lang="nl-NL" dirty="0"/>
-              <a:t>Can be used as primary storage, but often a different noSQL or SQL database is used</a:t>
-            </a:r>
-          </a:p>
-          <a:p>
-            <a:endParaRPr lang="nl-NL" dirty="0"/>
-          </a:p>
-          <a:p>
-            <a:r>
-              <a:rPr lang="nl-NL" dirty="0"/>
-              <a:t>Part of the ELK stack:</a:t>
-            </a:r>
-          </a:p>
-          <a:p>
-            <a:pPr lvl="1"/>
-            <a:r>
-              <a:rPr lang="nl-NL" sz="1400" dirty="0"/>
-              <a:t>Logstash – for pushing data to elasticsearch</a:t>
-            </a:r>
-          </a:p>
-          <a:p>
-            <a:pPr lvl="1"/>
-            <a:r>
-              <a:rPr lang="nl-NL" sz="1400" dirty="0"/>
-              <a:t>Kibana – webUI for visualizing data</a:t>
-            </a:r>
-          </a:p>
-        </p:txBody>
-      </p:sp>
-      <p:sp>
-        <p:nvSpPr>
-          <p:cNvPr id="4" name="Footer Placeholder 3"/>
-          <p:cNvSpPr>
-            <a:spLocks noGrp="1"/>
-          </p:cNvSpPr>
-          <p:nvPr>
-            <p:ph type="ftr" sz="quarter" idx="11"/>
-          </p:nvPr>
-        </p:nvSpPr>
-        <p:spPr/>
-        <p:txBody>
-          <a:bodyPr/>
-          <a:lstStyle/>
-          <a:p>
-            <a:r>
-              <a:rPr lang="nl-NL" dirty="0"/>
-              <a:t>elasticsearch</a:t>
-            </a:r>
-          </a:p>
-        </p:txBody>
-      </p:sp>
-      <p:sp>
-        <p:nvSpPr>
-          <p:cNvPr id="5" name="Slide Number Placeholder 4"/>
-          <p:cNvSpPr>
-            <a:spLocks noGrp="1"/>
-          </p:cNvSpPr>
-          <p:nvPr>
-            <p:ph type="sldNum" sz="quarter" idx="12"/>
-          </p:nvPr>
-        </p:nvSpPr>
-        <p:spPr/>
-        <p:txBody>
-          <a:bodyPr/>
-          <a:lstStyle/>
-          <a:p>
-            <a:fld id="{14F1411D-0280-154F-AEAC-4C20B7AA46B2}" type="slidenum">
-              <a:rPr lang="nl-NL" smtClean="0"/>
-              <a:t>3</a:t>
-            </a:fld>
-            <a:endParaRPr lang="nl-NL"/>
-          </a:p>
-        </p:txBody>
-      </p:sp>
-    </p:spTree>
-    <p:extLst>
-      <p:ext uri="{BB962C8B-B14F-4D97-AF65-F5344CB8AC3E}">
-        <p14:creationId xmlns:p14="http://schemas.microsoft.com/office/powerpoint/2010/main" val="865352661"/>
-      </p:ext>
-    </p:extLst>
-  </p:cSld>
-  <p:clrMapOvr>
-    <a:masterClrMapping/>
-  </p:clrMapOvr>
-</p:sld>
-</file>
-
-<file path=ppt/slides/slide30.xml><?xml version="1.0" encoding="utf-8"?>
-<p:sld xmlns:a="http://schemas.openxmlformats.org/drawingml/2006/main" xmlns:r="http://schemas.openxmlformats.org/officeDocument/2006/relationships" xmlns:p="http://schemas.openxmlformats.org/presentationml/2006/main">
-  <p:cSld>
-    <p:spTree>
-      <p:nvGrpSpPr>
-        <p:cNvPr id="1" name=""/>
-        <p:cNvGrpSpPr/>
-        <p:nvPr/>
-      </p:nvGrpSpPr>
-      <p:grpSpPr>
-        <a:xfrm>
-          <a:off x="0" y="0"/>
-          <a:ext cx="0" cy="0"/>
-          <a:chOff x="0" y="0"/>
-          <a:chExt cx="0" cy="0"/>
-        </a:xfrm>
-      </p:grpSpPr>
-      <p:sp>
-        <p:nvSpPr>
-          <p:cNvPr id="2" name="Title 1">
-            <a:extLst>
-              <a:ext uri="{FF2B5EF4-FFF2-40B4-BE49-F238E27FC236}">
-                <a16:creationId xmlns:a16="http://schemas.microsoft.com/office/drawing/2014/main" id="{7E0C864F-8D7E-4A1F-9FBF-8840FD06DD82}"/>
-              </a:ext>
-            </a:extLst>
-          </p:cNvPr>
-          <p:cNvSpPr>
-            <a:spLocks noGrp="1"/>
-          </p:cNvSpPr>
-          <p:nvPr>
-            <p:ph type="title"/>
-          </p:nvPr>
-        </p:nvSpPr>
-        <p:spPr/>
-        <p:txBody>
-          <a:bodyPr/>
-          <a:lstStyle/>
-          <a:p>
-            <a:r>
-              <a:rPr lang="en-GB" dirty="0"/>
-              <a:t>JSON-based queries – compound queries(1)</a:t>
-            </a:r>
-            <a:endParaRPr lang="en-NL" dirty="0"/>
-          </a:p>
-        </p:txBody>
-      </p:sp>
-      <p:sp>
-        <p:nvSpPr>
-          <p:cNvPr id="3" name="Content Placeholder 2">
-            <a:extLst>
-              <a:ext uri="{FF2B5EF4-FFF2-40B4-BE49-F238E27FC236}">
-                <a16:creationId xmlns:a16="http://schemas.microsoft.com/office/drawing/2014/main" id="{2B238913-DCE4-4551-93BE-7D0E5C113D13}"/>
-              </a:ext>
-            </a:extLst>
-          </p:cNvPr>
-          <p:cNvSpPr>
-            <a:spLocks noGrp="1"/>
-          </p:cNvSpPr>
-          <p:nvPr>
-            <p:ph idx="1"/>
-          </p:nvPr>
-        </p:nvSpPr>
-        <p:spPr/>
-        <p:txBody>
-          <a:bodyPr/>
-          <a:lstStyle/>
-          <a:p>
-            <a:r>
-              <a:rPr lang="en-GB" dirty="0"/>
-              <a:t>Wrap other (compound) queries to combine results, change query behaviour or use a filter</a:t>
-            </a:r>
-          </a:p>
-          <a:p>
-            <a:pPr lvl="1"/>
-            <a:r>
-              <a:rPr lang="en-GB" sz="1400" dirty="0"/>
-              <a:t>No score is calculated for results that are filtered out</a:t>
-            </a:r>
-          </a:p>
-          <a:p>
-            <a:pPr lvl="1"/>
-            <a:r>
-              <a:rPr lang="en-GB" sz="1400" dirty="0"/>
-              <a:t>Often used filters are cached by </a:t>
-            </a:r>
-            <a:r>
-              <a:rPr lang="en-GB" sz="1400" dirty="0" err="1"/>
-              <a:t>elasticsearch</a:t>
-            </a:r>
-            <a:endParaRPr lang="en-GB" sz="1400" dirty="0"/>
-          </a:p>
-          <a:p>
-            <a:r>
-              <a:rPr lang="en-GB" dirty="0"/>
-              <a:t>Queries: bool (</a:t>
-            </a:r>
-            <a:r>
-              <a:rPr lang="en-GB" dirty="0" err="1"/>
-              <a:t>boolean</a:t>
-            </a:r>
-            <a:r>
-              <a:rPr lang="en-GB" dirty="0"/>
-              <a:t>), boosting, </a:t>
-            </a:r>
-            <a:r>
-              <a:rPr lang="en-GB" dirty="0" err="1"/>
-              <a:t>constant_score</a:t>
-            </a:r>
-            <a:r>
-              <a:rPr lang="en-GB" dirty="0"/>
-              <a:t>, </a:t>
-            </a:r>
-            <a:r>
-              <a:rPr lang="en-GB" dirty="0" err="1"/>
-              <a:t>dis_max</a:t>
-            </a:r>
-            <a:r>
-              <a:rPr lang="en-GB" dirty="0"/>
-              <a:t> (disjunction max), </a:t>
-            </a:r>
-            <a:r>
-              <a:rPr lang="en-GB" dirty="0" err="1"/>
-              <a:t>function_score</a:t>
-            </a:r>
-            <a:endParaRPr lang="en-GB" dirty="0"/>
-          </a:p>
-          <a:p>
-            <a:endParaRPr lang="en-GB" dirty="0"/>
-          </a:p>
-          <a:p>
-            <a:r>
-              <a:rPr lang="en-GB" dirty="0"/>
-              <a:t>For manipulating scores: boosting, </a:t>
-            </a:r>
-            <a:r>
-              <a:rPr lang="en-GB" dirty="0" err="1"/>
-              <a:t>constant_score</a:t>
-            </a:r>
-            <a:r>
-              <a:rPr lang="en-GB" dirty="0"/>
-              <a:t>, </a:t>
-            </a:r>
-            <a:r>
-              <a:rPr lang="en-GB" dirty="0" err="1"/>
-              <a:t>dis_max</a:t>
-            </a:r>
-            <a:r>
-              <a:rPr lang="en-GB" dirty="0"/>
-              <a:t>, and </a:t>
-            </a:r>
-            <a:r>
-              <a:rPr lang="en-GB" dirty="0" err="1"/>
-              <a:t>function_score</a:t>
-            </a:r>
-            <a:endParaRPr lang="en-GB" dirty="0"/>
-          </a:p>
-        </p:txBody>
-      </p:sp>
-      <p:sp>
-        <p:nvSpPr>
-          <p:cNvPr id="4" name="Footer Placeholder 3">
-            <a:extLst>
-              <a:ext uri="{FF2B5EF4-FFF2-40B4-BE49-F238E27FC236}">
-                <a16:creationId xmlns:a16="http://schemas.microsoft.com/office/drawing/2014/main" id="{F1690C5F-F470-4B05-AB59-CBE30FDE51F0}"/>
-              </a:ext>
-            </a:extLst>
-          </p:cNvPr>
-          <p:cNvSpPr>
-            <a:spLocks noGrp="1"/>
-          </p:cNvSpPr>
-          <p:nvPr>
-            <p:ph type="ftr" sz="quarter" idx="11"/>
-          </p:nvPr>
-        </p:nvSpPr>
-        <p:spPr/>
-        <p:txBody>
-          <a:bodyPr/>
-          <a:lstStyle/>
-          <a:p>
-            <a:r>
-              <a:rPr lang="nl-NL"/>
-              <a:t>elasticsearch</a:t>
-            </a:r>
-          </a:p>
-        </p:txBody>
-      </p:sp>
-      <p:sp>
-        <p:nvSpPr>
-          <p:cNvPr id="5" name="Slide Number Placeholder 4">
-            <a:extLst>
-              <a:ext uri="{FF2B5EF4-FFF2-40B4-BE49-F238E27FC236}">
-                <a16:creationId xmlns:a16="http://schemas.microsoft.com/office/drawing/2014/main" id="{1A34282B-2261-48E1-834B-16C626B887A4}"/>
-              </a:ext>
-            </a:extLst>
-          </p:cNvPr>
-          <p:cNvSpPr>
-            <a:spLocks noGrp="1"/>
-          </p:cNvSpPr>
-          <p:nvPr>
-            <p:ph type="sldNum" sz="quarter" idx="12"/>
-          </p:nvPr>
-        </p:nvSpPr>
-        <p:spPr/>
-        <p:txBody>
-          <a:bodyPr/>
-          <a:lstStyle/>
-          <a:p>
-            <a:fld id="{14F1411D-0280-154F-AEAC-4C20B7AA46B2}" type="slidenum">
-              <a:rPr lang="nl-NL" smtClean="0"/>
-              <a:t>30</a:t>
-            </a:fld>
-            <a:endParaRPr lang="nl-NL"/>
-          </a:p>
-        </p:txBody>
-      </p:sp>
-    </p:spTree>
-    <p:extLst>
-      <p:ext uri="{BB962C8B-B14F-4D97-AF65-F5344CB8AC3E}">
-        <p14:creationId xmlns:p14="http://schemas.microsoft.com/office/powerpoint/2010/main" val="2152417423"/>
-      </p:ext>
-    </p:extLst>
-  </p:cSld>
-  <p:clrMapOvr>
-    <a:masterClrMapping/>
-  </p:clrMapOvr>
-</p:sld>
-</file>
-
-<file path=ppt/slides/slide31.xml><?xml version="1.0" encoding="utf-8"?>
-<p:sld xmlns:a="http://schemas.openxmlformats.org/drawingml/2006/main" xmlns:r="http://schemas.openxmlformats.org/officeDocument/2006/relationships" xmlns:p="http://schemas.openxmlformats.org/presentationml/2006/main">
-  <p:cSld>
-    <p:spTree>
-      <p:nvGrpSpPr>
-        <p:cNvPr id="1" name=""/>
-        <p:cNvGrpSpPr/>
-        <p:nvPr/>
-      </p:nvGrpSpPr>
-      <p:grpSpPr>
-        <a:xfrm>
-          <a:off x="0" y="0"/>
-          <a:ext cx="0" cy="0"/>
-          <a:chOff x="0" y="0"/>
-          <a:chExt cx="0" cy="0"/>
-        </a:xfrm>
-      </p:grpSpPr>
-      <p:sp>
-        <p:nvSpPr>
-          <p:cNvPr id="2" name="Title 1">
-            <a:extLst>
-              <a:ext uri="{FF2B5EF4-FFF2-40B4-BE49-F238E27FC236}">
                 <a16:creationId xmlns:a16="http://schemas.microsoft.com/office/drawing/2014/main" id="{E3757799-83EA-4342-8812-939E96764E4D}"/>
               </a:ext>
             </a:extLst>
@@ -13463,7 +12952,7 @@
           <a:p>
             <a:fld id="{14F1411D-0280-154F-AEAC-4C20B7AA46B2}" type="slidenum">
               <a:rPr lang="nl-NL" smtClean="0"/>
-              <a:t>31</a:t>
+              <a:t>29</a:t>
             </a:fld>
             <a:endParaRPr lang="nl-NL"/>
           </a:p>
@@ -13514,7 +13003,7 @@
 </p:sld>
 </file>
 
-<file path=ppt/slides/slide32.xml><?xml version="1.0" encoding="utf-8"?>
+<file path=ppt/slides/slide3.xml><?xml version="1.0" encoding="utf-8"?>
 <p:sld xmlns:a="http://schemas.openxmlformats.org/drawingml/2006/main" xmlns:r="http://schemas.openxmlformats.org/officeDocument/2006/relationships" xmlns:p="http://schemas.openxmlformats.org/presentationml/2006/main">
   <p:cSld>
     <p:spTree>
@@ -13533,13 +13022,7 @@
       </p:grpSpPr>
       <p:sp>
         <p:nvSpPr>
-          <p:cNvPr id="2" name="Title 1">
-            <a:extLst>
-              <a:ext uri="{FF2B5EF4-FFF2-40B4-BE49-F238E27FC236}">
-                <a16:creationId xmlns:a16="http://schemas.microsoft.com/office/drawing/2014/main" id="{1662735F-2B1F-4D0C-AF2E-7A0BE04E0042}"/>
-              </a:ext>
-            </a:extLst>
-          </p:cNvPr>
+          <p:cNvPr id="2" name="Title 1"/>
           <p:cNvSpPr>
             <a:spLocks noGrp="1"/>
           </p:cNvSpPr>
@@ -13553,22 +13036,15 @@
           <a:lstStyle/>
           <a:p>
             <a:r>
-              <a:rPr lang="en-GB" dirty="0"/>
-              <a:t>JSON-based queries – other queries </a:t>
-            </a:r>
-            <a:endParaRPr lang="en-NL" dirty="0"/>
-          </a:p>
-        </p:txBody>
-      </p:sp>
-      <p:sp>
-        <p:nvSpPr>
-          <p:cNvPr id="3" name="Content Placeholder 2">
-            <a:extLst>
-              <a:ext uri="{FF2B5EF4-FFF2-40B4-BE49-F238E27FC236}">
-                <a16:creationId xmlns:a16="http://schemas.microsoft.com/office/drawing/2014/main" id="{6483CDA8-7360-461B-A0CE-5F9ED7C1EF07}"/>
-              </a:ext>
-            </a:extLst>
-          </p:cNvPr>
+              <a:rPr lang="nl-NL" dirty="0"/>
+              <a:t>Elasticsearch</a:t>
+            </a:r>
+          </a:p>
+        </p:txBody>
+      </p:sp>
+      <p:sp>
+        <p:nvSpPr>
+          <p:cNvPr id="3" name="Content Placeholder 2"/>
           <p:cNvSpPr>
             <a:spLocks noGrp="1"/>
           </p:cNvSpPr>
@@ -13576,78 +13052,80 @@
             <p:ph idx="1"/>
           </p:nvPr>
         </p:nvSpPr>
-        <p:spPr/>
-        <p:txBody>
-          <a:bodyPr/>
-          <a:lstStyle/>
-          <a:p>
-            <a:r>
-              <a:rPr lang="en-GB" dirty="0"/>
-              <a:t>Geo queries: query on geo points or shapes</a:t>
-            </a:r>
-          </a:p>
-          <a:p>
-            <a:r>
-              <a:rPr lang="en-GB" dirty="0"/>
-              <a:t>Shape queries: query two dimensional shapes</a:t>
-            </a:r>
-          </a:p>
-          <a:p>
-            <a:r>
-              <a:rPr lang="en-GB" dirty="0"/>
-              <a:t>Joining queries: query nested data and parent-child relationships</a:t>
-            </a:r>
-          </a:p>
-          <a:p>
-            <a:r>
-              <a:rPr lang="en-GB" dirty="0"/>
-              <a:t>span queries: low-level positional queries, very specific control over order and proximity of terms</a:t>
-            </a:r>
-          </a:p>
-          <a:p>
-            <a:r>
-              <a:rPr lang="en-GB" dirty="0"/>
-              <a:t>Specialized queries: do not fit in other groups</a:t>
-            </a:r>
-          </a:p>
-          <a:p>
-            <a:endParaRPr lang="en-GB" dirty="0"/>
-          </a:p>
-          <a:p>
-            <a:endParaRPr lang="en-GB" dirty="0"/>
-          </a:p>
-          <a:p>
-            <a:endParaRPr lang="en-GB" dirty="0"/>
-          </a:p>
-          <a:p>
-            <a:endParaRPr lang="en-GB" dirty="0"/>
-          </a:p>
-          <a:p>
-            <a:endParaRPr lang="en-GB" dirty="0"/>
-          </a:p>
-          <a:p>
-            <a:endParaRPr lang="en-GB" dirty="0"/>
-          </a:p>
-          <a:p>
-            <a:r>
-              <a:rPr lang="nl-NL" sz="1100" dirty="0">
-                <a:hlinkClick r:id="rId2"/>
-              </a:rPr>
-              <a:t>https://www.elastic.co/guide/en/elasticsearch/reference/current/query-dsl.html</a:t>
-            </a:r>
-            <a:endParaRPr lang="en-GB" sz="1100" dirty="0"/>
-          </a:p>
-        </p:txBody>
-      </p:sp>
-      <p:sp>
-        <p:nvSpPr>
-          <p:cNvPr id="4" name="Footer Placeholder 3">
-            <a:extLst>
-              <a:ext uri="{FF2B5EF4-FFF2-40B4-BE49-F238E27FC236}">
-                <a16:creationId xmlns:a16="http://schemas.microsoft.com/office/drawing/2014/main" id="{3BFE5A87-9EFF-47B0-BE3A-17205E9C81C9}"/>
-              </a:ext>
-            </a:extLst>
-          </p:cNvPr>
+        <p:spPr>
+          <a:xfrm>
+            <a:off x="720003" y="907420"/>
+            <a:ext cx="6623999" cy="3808579"/>
+          </a:xfrm>
+        </p:spPr>
+        <p:txBody>
+          <a:bodyPr/>
+          <a:lstStyle/>
+          <a:p>
+            <a:r>
+              <a:rPr lang="nl-NL" dirty="0"/>
+              <a:t>A noSQL search engine for: </a:t>
+            </a:r>
+          </a:p>
+          <a:p>
+            <a:pPr lvl="1"/>
+            <a:r>
+              <a:rPr lang="nl-NL" sz="1400" dirty="0"/>
+              <a:t>Prioritizing data</a:t>
+            </a:r>
+          </a:p>
+          <a:p>
+            <a:pPr lvl="1"/>
+            <a:r>
+              <a:rPr lang="nl-NL" sz="1400" dirty="0"/>
+              <a:t>Searching through (a lot of) data</a:t>
+            </a:r>
+          </a:p>
+          <a:p>
+            <a:pPr lvl="1"/>
+            <a:r>
+              <a:rPr lang="nl-NL" sz="1400" dirty="0"/>
+              <a:t>Filtering data</a:t>
+            </a:r>
+          </a:p>
+          <a:p>
+            <a:pPr lvl="1"/>
+            <a:endParaRPr lang="nl-NL" dirty="0"/>
+          </a:p>
+          <a:p>
+            <a:r>
+              <a:rPr lang="nl-NL" dirty="0"/>
+              <a:t>Can be used as primary storage, but often a different noSQL or SQL database is used</a:t>
+            </a:r>
+          </a:p>
+          <a:p>
+            <a:endParaRPr lang="nl-NL" dirty="0"/>
+          </a:p>
+          <a:p>
+            <a:r>
+              <a:rPr lang="nl-NL" dirty="0"/>
+              <a:t>Part of the ELK stack:</a:t>
+            </a:r>
+          </a:p>
+          <a:p>
+            <a:pPr lvl="1"/>
+            <a:r>
+              <a:rPr lang="nl-NL" sz="1400" dirty="0"/>
+              <a:t>Logstash – for pushing data to elasticsearch</a:t>
+            </a:r>
+          </a:p>
+          <a:p>
+            <a:pPr lvl="1"/>
+            <a:r>
+              <a:rPr lang="nl-NL" sz="1400" dirty="0"/>
+              <a:t>Kibana – webUI for visualizing data</a:t>
+            </a:r>
+          </a:p>
+        </p:txBody>
+      </p:sp>
+      <p:sp>
+        <p:nvSpPr>
+          <p:cNvPr id="4" name="Footer Placeholder 3"/>
           <p:cNvSpPr>
             <a:spLocks noGrp="1"/>
           </p:cNvSpPr>
@@ -13661,7 +13139,7 @@
           <a:lstStyle/>
           <a:p>
             <a:r>
-              <a:rPr lang="nl-NL"/>
+              <a:rPr lang="nl-NL" dirty="0"/>
               <a:t>elasticsearch</a:t>
             </a:r>
           </a:p>
@@ -13669,13 +13147,7 @@
       </p:sp>
       <p:sp>
         <p:nvSpPr>
-          <p:cNvPr id="5" name="Slide Number Placeholder 4">
-            <a:extLst>
-              <a:ext uri="{FF2B5EF4-FFF2-40B4-BE49-F238E27FC236}">
-                <a16:creationId xmlns:a16="http://schemas.microsoft.com/office/drawing/2014/main" id="{D6997ABD-B758-4682-8D8C-D59BDB019EF1}"/>
-              </a:ext>
-            </a:extLst>
-          </p:cNvPr>
+          <p:cNvPr id="5" name="Slide Number Placeholder 4"/>
           <p:cNvSpPr>
             <a:spLocks noGrp="1"/>
           </p:cNvSpPr>
@@ -13690,7 +13162,7 @@
           <a:p>
             <a:fld id="{14F1411D-0280-154F-AEAC-4C20B7AA46B2}" type="slidenum">
               <a:rPr lang="nl-NL" smtClean="0"/>
-              <a:t>32</a:t>
+              <a:t>3</a:t>
             </a:fld>
             <a:endParaRPr lang="nl-NL"/>
           </a:p>
@@ -13699,7 +13171,7 @@
     </p:spTree>
     <p:extLst>
       <p:ext uri="{BB962C8B-B14F-4D97-AF65-F5344CB8AC3E}">
-        <p14:creationId xmlns:p14="http://schemas.microsoft.com/office/powerpoint/2010/main" val="3384597766"/>
+        <p14:creationId xmlns:p14="http://schemas.microsoft.com/office/powerpoint/2010/main" val="865352661"/>
       </p:ext>
     </p:extLst>
   </p:cSld>
@@ -13709,7 +13181,7 @@
 </p:sld>
 </file>
 
-<file path=ppt/slides/slide33.xml><?xml version="1.0" encoding="utf-8"?>
+<file path=ppt/slides/slide30.xml><?xml version="1.0" encoding="utf-8"?>
 <p:sld xmlns:a="http://schemas.openxmlformats.org/drawingml/2006/main" xmlns:r="http://schemas.openxmlformats.org/officeDocument/2006/relationships" xmlns:p="http://schemas.openxmlformats.org/presentationml/2006/main">
   <p:cSld>
     <p:spTree>
@@ -13731,6 +13203,201 @@
           <p:cNvPr id="2" name="Title 1">
             <a:extLst>
               <a:ext uri="{FF2B5EF4-FFF2-40B4-BE49-F238E27FC236}">
+                <a16:creationId xmlns:a16="http://schemas.microsoft.com/office/drawing/2014/main" id="{1662735F-2B1F-4D0C-AF2E-7A0BE04E0042}"/>
+              </a:ext>
+            </a:extLst>
+          </p:cNvPr>
+          <p:cNvSpPr>
+            <a:spLocks noGrp="1"/>
+          </p:cNvSpPr>
+          <p:nvPr>
+            <p:ph type="title"/>
+          </p:nvPr>
+        </p:nvSpPr>
+        <p:spPr/>
+        <p:txBody>
+          <a:bodyPr/>
+          <a:lstStyle/>
+          <a:p>
+            <a:r>
+              <a:rPr lang="en-GB" dirty="0"/>
+              <a:t>JSON-based queries – other queries </a:t>
+            </a:r>
+            <a:endParaRPr lang="en-NL" dirty="0"/>
+          </a:p>
+        </p:txBody>
+      </p:sp>
+      <p:sp>
+        <p:nvSpPr>
+          <p:cNvPr id="3" name="Content Placeholder 2">
+            <a:extLst>
+              <a:ext uri="{FF2B5EF4-FFF2-40B4-BE49-F238E27FC236}">
+                <a16:creationId xmlns:a16="http://schemas.microsoft.com/office/drawing/2014/main" id="{6483CDA8-7360-461B-A0CE-5F9ED7C1EF07}"/>
+              </a:ext>
+            </a:extLst>
+          </p:cNvPr>
+          <p:cNvSpPr>
+            <a:spLocks noGrp="1"/>
+          </p:cNvSpPr>
+          <p:nvPr>
+            <p:ph idx="1"/>
+          </p:nvPr>
+        </p:nvSpPr>
+        <p:spPr/>
+        <p:txBody>
+          <a:bodyPr/>
+          <a:lstStyle/>
+          <a:p>
+            <a:r>
+              <a:rPr lang="en-GB" dirty="0"/>
+              <a:t>Geo queries: query on geo points or shapes</a:t>
+            </a:r>
+          </a:p>
+          <a:p>
+            <a:r>
+              <a:rPr lang="en-GB" dirty="0"/>
+              <a:t>Shape queries: query two dimensional shapes</a:t>
+            </a:r>
+          </a:p>
+          <a:p>
+            <a:r>
+              <a:rPr lang="en-GB" dirty="0"/>
+              <a:t>Joining queries: query nested data and parent-child relationships</a:t>
+            </a:r>
+          </a:p>
+          <a:p>
+            <a:r>
+              <a:rPr lang="en-GB" dirty="0"/>
+              <a:t>span queries: low-level positional queries, very specific control over order and proximity of terms</a:t>
+            </a:r>
+          </a:p>
+          <a:p>
+            <a:r>
+              <a:rPr lang="en-GB" dirty="0"/>
+              <a:t>Specialized queries: do not fit in other groups</a:t>
+            </a:r>
+          </a:p>
+          <a:p>
+            <a:endParaRPr lang="en-GB" dirty="0"/>
+          </a:p>
+          <a:p>
+            <a:endParaRPr lang="en-GB" dirty="0"/>
+          </a:p>
+          <a:p>
+            <a:endParaRPr lang="en-GB" dirty="0"/>
+          </a:p>
+          <a:p>
+            <a:endParaRPr lang="en-GB" dirty="0"/>
+          </a:p>
+          <a:p>
+            <a:endParaRPr lang="en-GB" dirty="0"/>
+          </a:p>
+          <a:p>
+            <a:endParaRPr lang="en-GB" dirty="0"/>
+          </a:p>
+          <a:p>
+            <a:r>
+              <a:rPr lang="nl-NL" sz="1100" dirty="0">
+                <a:hlinkClick r:id="rId2"/>
+              </a:rPr>
+              <a:t>https://www.elastic.co/guide/en/elasticsearch/reference/current/query-dsl.html</a:t>
+            </a:r>
+            <a:endParaRPr lang="en-GB" sz="1100" dirty="0"/>
+          </a:p>
+        </p:txBody>
+      </p:sp>
+      <p:sp>
+        <p:nvSpPr>
+          <p:cNvPr id="4" name="Footer Placeholder 3">
+            <a:extLst>
+              <a:ext uri="{FF2B5EF4-FFF2-40B4-BE49-F238E27FC236}">
+                <a16:creationId xmlns:a16="http://schemas.microsoft.com/office/drawing/2014/main" id="{3BFE5A87-9EFF-47B0-BE3A-17205E9C81C9}"/>
+              </a:ext>
+            </a:extLst>
+          </p:cNvPr>
+          <p:cNvSpPr>
+            <a:spLocks noGrp="1"/>
+          </p:cNvSpPr>
+          <p:nvPr>
+            <p:ph type="ftr" sz="quarter" idx="11"/>
+          </p:nvPr>
+        </p:nvSpPr>
+        <p:spPr/>
+        <p:txBody>
+          <a:bodyPr/>
+          <a:lstStyle/>
+          <a:p>
+            <a:r>
+              <a:rPr lang="nl-NL"/>
+              <a:t>elasticsearch</a:t>
+            </a:r>
+          </a:p>
+        </p:txBody>
+      </p:sp>
+      <p:sp>
+        <p:nvSpPr>
+          <p:cNvPr id="5" name="Slide Number Placeholder 4">
+            <a:extLst>
+              <a:ext uri="{FF2B5EF4-FFF2-40B4-BE49-F238E27FC236}">
+                <a16:creationId xmlns:a16="http://schemas.microsoft.com/office/drawing/2014/main" id="{D6997ABD-B758-4682-8D8C-D59BDB019EF1}"/>
+              </a:ext>
+            </a:extLst>
+          </p:cNvPr>
+          <p:cNvSpPr>
+            <a:spLocks noGrp="1"/>
+          </p:cNvSpPr>
+          <p:nvPr>
+            <p:ph type="sldNum" sz="quarter" idx="12"/>
+          </p:nvPr>
+        </p:nvSpPr>
+        <p:spPr/>
+        <p:txBody>
+          <a:bodyPr/>
+          <a:lstStyle/>
+          <a:p>
+            <a:fld id="{14F1411D-0280-154F-AEAC-4C20B7AA46B2}" type="slidenum">
+              <a:rPr lang="nl-NL" smtClean="0"/>
+              <a:t>30</a:t>
+            </a:fld>
+            <a:endParaRPr lang="nl-NL"/>
+          </a:p>
+        </p:txBody>
+      </p:sp>
+    </p:spTree>
+    <p:extLst>
+      <p:ext uri="{BB962C8B-B14F-4D97-AF65-F5344CB8AC3E}">
+        <p14:creationId xmlns:p14="http://schemas.microsoft.com/office/powerpoint/2010/main" val="3384597766"/>
+      </p:ext>
+    </p:extLst>
+  </p:cSld>
+  <p:clrMapOvr>
+    <a:masterClrMapping/>
+  </p:clrMapOvr>
+</p:sld>
+</file>
+
+<file path=ppt/slides/slide31.xml><?xml version="1.0" encoding="utf-8"?>
+<p:sld xmlns:a="http://schemas.openxmlformats.org/drawingml/2006/main" xmlns:r="http://schemas.openxmlformats.org/officeDocument/2006/relationships" xmlns:p="http://schemas.openxmlformats.org/presentationml/2006/main">
+  <p:cSld>
+    <p:spTree>
+      <p:nvGrpSpPr>
+        <p:cNvPr id="1" name=""/>
+        <p:cNvGrpSpPr/>
+        <p:nvPr/>
+      </p:nvGrpSpPr>
+      <p:grpSpPr>
+        <a:xfrm>
+          <a:off x="0" y="0"/>
+          <a:ext cx="0" cy="0"/>
+          <a:chOff x="0" y="0"/>
+          <a:chExt cx="0" cy="0"/>
+        </a:xfrm>
+      </p:grpSpPr>
+      <p:sp>
+        <p:nvSpPr>
+          <p:cNvPr id="2" name="Title 1">
+            <a:extLst>
+              <a:ext uri="{FF2B5EF4-FFF2-40B4-BE49-F238E27FC236}">
                 <a16:creationId xmlns:a16="http://schemas.microsoft.com/office/drawing/2014/main" id="{59E25428-E79C-49D8-A2C4-6BEF87511F34}"/>
               </a:ext>
             </a:extLst>
@@ -13837,7 +13504,7 @@
           <a:p>
             <a:fld id="{14F1411D-0280-154F-AEAC-4C20B7AA46B2}" type="slidenum">
               <a:rPr lang="nl-NL" smtClean="0"/>
-              <a:t>33</a:t>
+              <a:t>31</a:t>
             </a:fld>
             <a:endParaRPr lang="nl-NL"/>
           </a:p>
@@ -14139,6 +13806,379 @@
 </p:sld>
 </file>
 
+<file path=ppt/slides/slide32.xml><?xml version="1.0" encoding="utf-8"?>
+<p:sld xmlns:a="http://schemas.openxmlformats.org/drawingml/2006/main" xmlns:r="http://schemas.openxmlformats.org/officeDocument/2006/relationships" xmlns:p="http://schemas.openxmlformats.org/presentationml/2006/main">
+  <p:cSld>
+    <p:spTree>
+      <p:nvGrpSpPr>
+        <p:cNvPr id="1" name=""/>
+        <p:cNvGrpSpPr/>
+        <p:nvPr/>
+      </p:nvGrpSpPr>
+      <p:grpSpPr>
+        <a:xfrm>
+          <a:off x="0" y="0"/>
+          <a:ext cx="0" cy="0"/>
+          <a:chOff x="0" y="0"/>
+          <a:chExt cx="0" cy="0"/>
+        </a:xfrm>
+      </p:grpSpPr>
+      <p:sp>
+        <p:nvSpPr>
+          <p:cNvPr id="2" name="Title 1">
+            <a:extLst>
+              <a:ext uri="{FF2B5EF4-FFF2-40B4-BE49-F238E27FC236}">
+                <a16:creationId xmlns:a16="http://schemas.microsoft.com/office/drawing/2014/main" id="{8602A742-0C15-489F-9A77-2ECA0F11429F}"/>
+              </a:ext>
+            </a:extLst>
+          </p:cNvPr>
+          <p:cNvSpPr>
+            <a:spLocks noGrp="1"/>
+          </p:cNvSpPr>
+          <p:nvPr>
+            <p:ph type="title"/>
+          </p:nvPr>
+        </p:nvSpPr>
+        <p:spPr/>
+        <p:txBody>
+          <a:bodyPr/>
+          <a:lstStyle/>
+          <a:p>
+            <a:r>
+              <a:rPr lang="en-GB" dirty="0"/>
+              <a:t>Scoring</a:t>
+            </a:r>
+            <a:endParaRPr lang="en-NL" dirty="0"/>
+          </a:p>
+        </p:txBody>
+      </p:sp>
+      <p:sp>
+        <p:nvSpPr>
+          <p:cNvPr id="3" name="Content Placeholder 2">
+            <a:extLst>
+              <a:ext uri="{FF2B5EF4-FFF2-40B4-BE49-F238E27FC236}">
+                <a16:creationId xmlns:a16="http://schemas.microsoft.com/office/drawing/2014/main" id="{6D38AB44-3548-461E-8441-ECD089D829F1}"/>
+              </a:ext>
+            </a:extLst>
+          </p:cNvPr>
+          <p:cNvSpPr>
+            <a:spLocks noGrp="1"/>
+          </p:cNvSpPr>
+          <p:nvPr>
+            <p:ph idx="1"/>
+          </p:nvPr>
+        </p:nvSpPr>
+        <p:spPr/>
+        <p:txBody>
+          <a:bodyPr/>
+          <a:lstStyle/>
+          <a:p>
+            <a:r>
+              <a:rPr lang="en-GB" dirty="0"/>
+              <a:t>The score indicates the relevance of a result</a:t>
+            </a:r>
+          </a:p>
+          <a:p>
+            <a:r>
+              <a:rPr lang="en-GB" dirty="0"/>
+              <a:t>Default scoring: how often a term occurs in the document (term frequency or TF) compared to how often it occurs in all documents (inverse document frequency or IDF)</a:t>
+            </a:r>
+          </a:p>
+          <a:p>
+            <a:r>
+              <a:rPr lang="en-GB" dirty="0"/>
+              <a:t>Can use other scoring method for whole cluster or for just one field</a:t>
+            </a:r>
+          </a:p>
+          <a:p>
+            <a:endParaRPr lang="en-GB" dirty="0"/>
+          </a:p>
+          <a:p>
+            <a:r>
+              <a:rPr lang="en-GB" dirty="0"/>
+              <a:t>Rescoring: resource intensive scoring calculations</a:t>
+            </a:r>
+          </a:p>
+          <a:p>
+            <a:pPr lvl="1"/>
+            <a:r>
+              <a:rPr lang="en-GB" dirty="0"/>
+              <a:t>Only applied to top results, after initial scoring is done</a:t>
+            </a:r>
+          </a:p>
+        </p:txBody>
+      </p:sp>
+      <p:sp>
+        <p:nvSpPr>
+          <p:cNvPr id="4" name="Footer Placeholder 3">
+            <a:extLst>
+              <a:ext uri="{FF2B5EF4-FFF2-40B4-BE49-F238E27FC236}">
+                <a16:creationId xmlns:a16="http://schemas.microsoft.com/office/drawing/2014/main" id="{91853CB0-BCD0-4B16-9D4D-9ECAA1C9E561}"/>
+              </a:ext>
+            </a:extLst>
+          </p:cNvPr>
+          <p:cNvSpPr>
+            <a:spLocks noGrp="1"/>
+          </p:cNvSpPr>
+          <p:nvPr>
+            <p:ph type="ftr" sz="quarter" idx="11"/>
+          </p:nvPr>
+        </p:nvSpPr>
+        <p:spPr/>
+        <p:txBody>
+          <a:bodyPr/>
+          <a:lstStyle/>
+          <a:p>
+            <a:r>
+              <a:rPr lang="nl-NL"/>
+              <a:t>elasticsearch</a:t>
+            </a:r>
+          </a:p>
+        </p:txBody>
+      </p:sp>
+      <p:sp>
+        <p:nvSpPr>
+          <p:cNvPr id="5" name="Slide Number Placeholder 4">
+            <a:extLst>
+              <a:ext uri="{FF2B5EF4-FFF2-40B4-BE49-F238E27FC236}">
+                <a16:creationId xmlns:a16="http://schemas.microsoft.com/office/drawing/2014/main" id="{1ED320EF-EAEE-489F-A386-BA38AB71ECE2}"/>
+              </a:ext>
+            </a:extLst>
+          </p:cNvPr>
+          <p:cNvSpPr>
+            <a:spLocks noGrp="1"/>
+          </p:cNvSpPr>
+          <p:nvPr>
+            <p:ph type="sldNum" sz="quarter" idx="12"/>
+          </p:nvPr>
+        </p:nvSpPr>
+        <p:spPr/>
+        <p:txBody>
+          <a:bodyPr/>
+          <a:lstStyle/>
+          <a:p>
+            <a:fld id="{14F1411D-0280-154F-AEAC-4C20B7AA46B2}" type="slidenum">
+              <a:rPr lang="nl-NL" smtClean="0"/>
+              <a:t>32</a:t>
+            </a:fld>
+            <a:endParaRPr lang="nl-NL"/>
+          </a:p>
+        </p:txBody>
+      </p:sp>
+    </p:spTree>
+    <p:extLst>
+      <p:ext uri="{BB962C8B-B14F-4D97-AF65-F5344CB8AC3E}">
+        <p14:creationId xmlns:p14="http://schemas.microsoft.com/office/powerpoint/2010/main" val="2815328155"/>
+      </p:ext>
+    </p:extLst>
+  </p:cSld>
+  <p:clrMapOvr>
+    <a:masterClrMapping/>
+  </p:clrMapOvr>
+</p:sld>
+</file>
+
+<file path=ppt/slides/slide33.xml><?xml version="1.0" encoding="utf-8"?>
+<p:sld xmlns:a="http://schemas.openxmlformats.org/drawingml/2006/main" xmlns:r="http://schemas.openxmlformats.org/officeDocument/2006/relationships" xmlns:p="http://schemas.openxmlformats.org/presentationml/2006/main">
+  <p:cSld>
+    <p:spTree>
+      <p:nvGrpSpPr>
+        <p:cNvPr id="1" name=""/>
+        <p:cNvGrpSpPr/>
+        <p:nvPr/>
+      </p:nvGrpSpPr>
+      <p:grpSpPr>
+        <a:xfrm>
+          <a:off x="0" y="0"/>
+          <a:ext cx="0" cy="0"/>
+          <a:chOff x="0" y="0"/>
+          <a:chExt cx="0" cy="0"/>
+        </a:xfrm>
+      </p:grpSpPr>
+      <p:sp>
+        <p:nvSpPr>
+          <p:cNvPr id="2" name="Title 1">
+            <a:extLst>
+              <a:ext uri="{FF2B5EF4-FFF2-40B4-BE49-F238E27FC236}">
+                <a16:creationId xmlns:a16="http://schemas.microsoft.com/office/drawing/2014/main" id="{0C661C5B-F171-4F19-B641-29A0C774C0EA}"/>
+              </a:ext>
+            </a:extLst>
+          </p:cNvPr>
+          <p:cNvSpPr>
+            <a:spLocks noGrp="1"/>
+          </p:cNvSpPr>
+          <p:nvPr>
+            <p:ph type="title"/>
+          </p:nvPr>
+        </p:nvSpPr>
+        <p:spPr/>
+        <p:txBody>
+          <a:bodyPr/>
+          <a:lstStyle/>
+          <a:p>
+            <a:r>
+              <a:rPr lang="en-GB" dirty="0"/>
+              <a:t>Boosting(1)</a:t>
+            </a:r>
+            <a:endParaRPr lang="en-NL" dirty="0"/>
+          </a:p>
+        </p:txBody>
+      </p:sp>
+      <p:sp>
+        <p:nvSpPr>
+          <p:cNvPr id="3" name="Content Placeholder 2">
+            <a:extLst>
+              <a:ext uri="{FF2B5EF4-FFF2-40B4-BE49-F238E27FC236}">
+                <a16:creationId xmlns:a16="http://schemas.microsoft.com/office/drawing/2014/main" id="{025E9466-CE9D-445D-AC79-0BE72AF44377}"/>
+              </a:ext>
+            </a:extLst>
+          </p:cNvPr>
+          <p:cNvSpPr>
+            <a:spLocks noGrp="1"/>
+          </p:cNvSpPr>
+          <p:nvPr>
+            <p:ph idx="1"/>
+          </p:nvPr>
+        </p:nvSpPr>
+        <p:spPr/>
+        <p:txBody>
+          <a:bodyPr/>
+          <a:lstStyle/>
+          <a:p>
+            <a:r>
+              <a:rPr lang="en-GB" dirty="0"/>
+              <a:t>Boosting: change relevance (score) of documents</a:t>
+            </a:r>
+          </a:p>
+          <a:p>
+            <a:pPr lvl="1"/>
+            <a:r>
+              <a:rPr lang="en-GB" sz="1400" dirty="0"/>
+              <a:t>When indexing (deprecated): can only be altered by re-indexing </a:t>
+            </a:r>
+          </a:p>
+          <a:p>
+            <a:pPr lvl="1"/>
+            <a:r>
+              <a:rPr lang="en-GB" sz="1400" dirty="0"/>
+              <a:t>When querying</a:t>
+            </a:r>
+          </a:p>
+          <a:p>
+            <a:r>
+              <a:rPr lang="en-GB" dirty="0"/>
+              <a:t>Boosting is relative</a:t>
+            </a:r>
+          </a:p>
+          <a:p>
+            <a:r>
+              <a:rPr lang="en-GB" dirty="0"/>
+              <a:t>By adding </a:t>
+            </a:r>
+            <a:r>
+              <a:rPr lang="nl-NL" dirty="0"/>
+              <a:t>“explain”: true to a query an _explanation is added to the result where the TF and IDF and boosting factors can be found</a:t>
+            </a:r>
+          </a:p>
+          <a:p>
+            <a:pPr lvl="1"/>
+            <a:r>
+              <a:rPr lang="nl-NL" sz="1400" dirty="0"/>
+              <a:t>Resource intensive, use only for debugging</a:t>
+            </a:r>
+          </a:p>
+          <a:p>
+            <a:endParaRPr lang="nl-NL" dirty="0"/>
+          </a:p>
+          <a:p>
+            <a:r>
+              <a:rPr lang="nl-NL" dirty="0"/>
+              <a:t>Can be done in most term-level and full-text queries and all compound queries</a:t>
+            </a:r>
+          </a:p>
+          <a:p>
+            <a:pPr lvl="1"/>
+            <a:r>
+              <a:rPr lang="nl-NL" sz="1400" dirty="0"/>
+              <a:t>Only relevant when combining queries or searching multiple fields</a:t>
+            </a:r>
+            <a:endParaRPr lang="en-GB" sz="1400" dirty="0"/>
+          </a:p>
+          <a:p>
+            <a:endParaRPr lang="en-NL" dirty="0"/>
+          </a:p>
+        </p:txBody>
+      </p:sp>
+      <p:sp>
+        <p:nvSpPr>
+          <p:cNvPr id="4" name="Footer Placeholder 3">
+            <a:extLst>
+              <a:ext uri="{FF2B5EF4-FFF2-40B4-BE49-F238E27FC236}">
+                <a16:creationId xmlns:a16="http://schemas.microsoft.com/office/drawing/2014/main" id="{3F21F476-6764-4B0D-8AB6-FBFF16A8E2B1}"/>
+              </a:ext>
+            </a:extLst>
+          </p:cNvPr>
+          <p:cNvSpPr>
+            <a:spLocks noGrp="1"/>
+          </p:cNvSpPr>
+          <p:nvPr>
+            <p:ph type="ftr" sz="quarter" idx="11"/>
+          </p:nvPr>
+        </p:nvSpPr>
+        <p:spPr/>
+        <p:txBody>
+          <a:bodyPr/>
+          <a:lstStyle/>
+          <a:p>
+            <a:r>
+              <a:rPr lang="nl-NL"/>
+              <a:t>elasticsearch</a:t>
+            </a:r>
+          </a:p>
+        </p:txBody>
+      </p:sp>
+      <p:sp>
+        <p:nvSpPr>
+          <p:cNvPr id="5" name="Slide Number Placeholder 4">
+            <a:extLst>
+              <a:ext uri="{FF2B5EF4-FFF2-40B4-BE49-F238E27FC236}">
+                <a16:creationId xmlns:a16="http://schemas.microsoft.com/office/drawing/2014/main" id="{356553CF-D343-4477-9A21-25B90ECD052F}"/>
+              </a:ext>
+            </a:extLst>
+          </p:cNvPr>
+          <p:cNvSpPr>
+            <a:spLocks noGrp="1"/>
+          </p:cNvSpPr>
+          <p:nvPr>
+            <p:ph type="sldNum" sz="quarter" idx="12"/>
+          </p:nvPr>
+        </p:nvSpPr>
+        <p:spPr/>
+        <p:txBody>
+          <a:bodyPr/>
+          <a:lstStyle/>
+          <a:p>
+            <a:fld id="{14F1411D-0280-154F-AEAC-4C20B7AA46B2}" type="slidenum">
+              <a:rPr lang="nl-NL" smtClean="0"/>
+              <a:t>33</a:t>
+            </a:fld>
+            <a:endParaRPr lang="nl-NL"/>
+          </a:p>
+        </p:txBody>
+      </p:sp>
+    </p:spTree>
+    <p:extLst>
+      <p:ext uri="{BB962C8B-B14F-4D97-AF65-F5344CB8AC3E}">
+        <p14:creationId xmlns:p14="http://schemas.microsoft.com/office/powerpoint/2010/main" val="2772075307"/>
+      </p:ext>
+    </p:extLst>
+  </p:cSld>
+  <p:clrMapOvr>
+    <a:masterClrMapping/>
+  </p:clrMapOvr>
+</p:sld>
+</file>
+
 <file path=ppt/slides/slide34.xml><?xml version="1.0" encoding="utf-8"?>
 <p:sld xmlns:a="http://schemas.openxmlformats.org/drawingml/2006/main" xmlns:r="http://schemas.openxmlformats.org/officeDocument/2006/relationships" xmlns:p="http://schemas.openxmlformats.org/presentationml/2006/main">
   <p:cSld>
@@ -14161,7 +14201,7 @@
           <p:cNvPr id="2" name="Title 1">
             <a:extLst>
               <a:ext uri="{FF2B5EF4-FFF2-40B4-BE49-F238E27FC236}">
-                <a16:creationId xmlns:a16="http://schemas.microsoft.com/office/drawing/2014/main" id="{8602A742-0C15-489F-9A77-2ECA0F11429F}"/>
+                <a16:creationId xmlns:a16="http://schemas.microsoft.com/office/drawing/2014/main" id="{55A1B8A9-4134-4893-B9C3-DBC4CA9A639C}"/>
               </a:ext>
             </a:extLst>
           </p:cNvPr>
@@ -14179,133 +14219,49 @@
           <a:p>
             <a:r>
               <a:rPr lang="en-GB" dirty="0"/>
-              <a:t>Scoring</a:t>
+              <a:t>Boosting(2)</a:t>
             </a:r>
             <a:endParaRPr lang="en-NL" dirty="0"/>
           </a:p>
         </p:txBody>
       </p:sp>
-      <p:sp>
-        <p:nvSpPr>
-          <p:cNvPr id="3" name="Content Placeholder 2">
+      <p:pic>
+        <p:nvPicPr>
+          <p:cNvPr id="7" name="Content Placeholder 6">
             <a:extLst>
               <a:ext uri="{FF2B5EF4-FFF2-40B4-BE49-F238E27FC236}">
-                <a16:creationId xmlns:a16="http://schemas.microsoft.com/office/drawing/2014/main" id="{6D38AB44-3548-461E-8441-ECD089D829F1}"/>
+                <a16:creationId xmlns:a16="http://schemas.microsoft.com/office/drawing/2014/main" id="{9F6A3342-4366-416A-A010-A71799ADF02A}"/>
+              </a:ext>
+              <a:ext uri="{C183D7F6-B498-43B3-948B-1728B52AA6E4}">
+                <adec:decorative xmlns:adec="http://schemas.microsoft.com/office/drawing/2017/decorative" val="1"/>
               </a:ext>
             </a:extLst>
           </p:cNvPr>
-          <p:cNvSpPr>
-            <a:spLocks noGrp="1"/>
-          </p:cNvSpPr>
+          <p:cNvPicPr>
+            <a:picLocks noGrp="1" noChangeAspect="1"/>
+          </p:cNvPicPr>
           <p:nvPr>
             <p:ph idx="1"/>
           </p:nvPr>
-        </p:nvSpPr>
-        <p:spPr/>
-        <p:txBody>
-          <a:bodyPr/>
-          <a:lstStyle/>
-          <a:p>
-            <a:r>
-              <a:rPr lang="en-GB" dirty="0"/>
-              <a:t>The score indicates the relevance of a result</a:t>
-            </a:r>
-          </a:p>
-          <a:p>
-            <a:r>
-              <a:rPr lang="en-GB" dirty="0"/>
-              <a:t>Default scoring: how often a term occurs in the document (term frequency or TF) compared to how often it occurs in all documents (inverse document frequency or IDF)</a:t>
-            </a:r>
-          </a:p>
-          <a:p>
-            <a:r>
-              <a:rPr lang="en-GB" dirty="0"/>
-              <a:t>Can use other scoring method for whole cluster or for just one field</a:t>
-            </a:r>
-          </a:p>
-          <a:p>
-            <a:endParaRPr lang="en-GB" dirty="0"/>
-          </a:p>
-          <a:p>
-            <a:r>
-              <a:rPr lang="en-GB" dirty="0"/>
-              <a:t>Rescoring: resource intensive scoring calculations</a:t>
-            </a:r>
-          </a:p>
-          <a:p>
-            <a:pPr lvl="1"/>
-            <a:r>
-              <a:rPr lang="en-GB" dirty="0"/>
-              <a:t>Only applied to top results, after initial scoring is done</a:t>
-            </a:r>
-          </a:p>
-          <a:p>
-            <a:pPr lvl="1"/>
-            <a:r>
-              <a:rPr lang="en-GB" dirty="0"/>
-              <a:t>Add “rescore” to JSON body with </a:t>
-            </a:r>
-            <a:r>
-              <a:rPr lang="en-GB" dirty="0" err="1"/>
-              <a:t>window_size</a:t>
-            </a:r>
-            <a:r>
-              <a:rPr lang="en-GB" dirty="0"/>
-              <a:t>, query, </a:t>
-            </a:r>
-            <a:r>
-              <a:rPr lang="en-GB" dirty="0" err="1"/>
-              <a:t>query_weight</a:t>
-            </a:r>
-            <a:r>
-              <a:rPr lang="en-GB" dirty="0"/>
-              <a:t> and </a:t>
-            </a:r>
-            <a:r>
-              <a:rPr lang="en-GB" dirty="0" err="1"/>
-              <a:t>rescore_weight</a:t>
-            </a:r>
-            <a:endParaRPr lang="en-GB" dirty="0"/>
-          </a:p>
-          <a:p>
-            <a:pPr lvl="2"/>
-            <a:r>
-              <a:rPr lang="en-GB" sz="1400" dirty="0"/>
-              <a:t>Window size determines on how many of the top documents a rescore is applied</a:t>
-            </a:r>
-          </a:p>
-          <a:p>
-            <a:pPr lvl="2"/>
-            <a:r>
-              <a:rPr lang="en-GB" sz="1400" dirty="0"/>
-              <a:t>The relative importance of the original score and rescore can be controller with </a:t>
-            </a:r>
-            <a:r>
-              <a:rPr lang="en-GB" sz="1400" dirty="0" err="1"/>
-              <a:t>query_weight</a:t>
-            </a:r>
-            <a:r>
-              <a:rPr lang="en-GB" sz="1400" dirty="0"/>
-              <a:t> and </a:t>
-            </a:r>
-            <a:r>
-              <a:rPr lang="en-GB" sz="1400" dirty="0" err="1"/>
-              <a:t>rescore_weight</a:t>
-            </a:r>
-            <a:endParaRPr lang="en-NL" sz="1400" dirty="0"/>
-          </a:p>
-          <a:p>
-            <a:pPr lvl="1"/>
-            <a:endParaRPr lang="en-GB" dirty="0"/>
-          </a:p>
-        </p:txBody>
-      </p:sp>
+        </p:nvPicPr>
+        <p:blipFill rotWithShape="1">
+          <a:blip r:embed="rId2"/>
+          <a:srcRect t="3330" r="24450" b="2670"/>
+          <a:stretch/>
+        </p:blipFill>
+        <p:spPr>
+          <a:xfrm>
+            <a:off x="719999" y="975360"/>
+            <a:ext cx="4454352" cy="3553098"/>
+          </a:xfrm>
+        </p:spPr>
+      </p:pic>
       <p:sp>
         <p:nvSpPr>
           <p:cNvPr id="4" name="Footer Placeholder 3">
             <a:extLst>
               <a:ext uri="{FF2B5EF4-FFF2-40B4-BE49-F238E27FC236}">
-                <a16:creationId xmlns:a16="http://schemas.microsoft.com/office/drawing/2014/main" id="{91853CB0-BCD0-4B16-9D4D-9ECAA1C9E561}"/>
+                <a16:creationId xmlns:a16="http://schemas.microsoft.com/office/drawing/2014/main" id="{2BF3F9E7-7E86-444B-A68A-F81792B95DFF}"/>
               </a:ext>
             </a:extLst>
           </p:cNvPr>
@@ -14333,7 +14289,7 @@
           <p:cNvPr id="5" name="Slide Number Placeholder 4">
             <a:extLst>
               <a:ext uri="{FF2B5EF4-FFF2-40B4-BE49-F238E27FC236}">
-                <a16:creationId xmlns:a16="http://schemas.microsoft.com/office/drawing/2014/main" id="{1ED320EF-EAEE-489F-A386-BA38AB71ECE2}"/>
+                <a16:creationId xmlns:a16="http://schemas.microsoft.com/office/drawing/2014/main" id="{4AD1042B-6ED7-46E1-858B-6E374DFF8BEF}"/>
               </a:ext>
             </a:extLst>
           </p:cNvPr>
@@ -14360,7 +14316,7 @@
     </p:spTree>
     <p:extLst>
       <p:ext uri="{BB962C8B-B14F-4D97-AF65-F5344CB8AC3E}">
-        <p14:creationId xmlns:p14="http://schemas.microsoft.com/office/powerpoint/2010/main" val="2815328155"/>
+        <p14:creationId xmlns:p14="http://schemas.microsoft.com/office/powerpoint/2010/main" val="4294700896"/>
       </p:ext>
     </p:extLst>
   </p:cSld>
@@ -14392,7 +14348,7 @@
           <p:cNvPr id="2" name="Title 1">
             <a:extLst>
               <a:ext uri="{FF2B5EF4-FFF2-40B4-BE49-F238E27FC236}">
-                <a16:creationId xmlns:a16="http://schemas.microsoft.com/office/drawing/2014/main" id="{0C661C5B-F171-4F19-B641-29A0C774C0EA}"/>
+                <a16:creationId xmlns:a16="http://schemas.microsoft.com/office/drawing/2014/main" id="{2F06F964-04B2-41AD-BD1A-F7ECBD43EA37}"/>
               </a:ext>
             </a:extLst>
           </p:cNvPr>
@@ -14410,7 +14366,7 @@
           <a:p>
             <a:r>
               <a:rPr lang="en-GB" dirty="0"/>
-              <a:t>Boosting(1)</a:t>
+              <a:t>Aggregations(1)</a:t>
             </a:r>
             <a:endParaRPr lang="en-NL" dirty="0"/>
           </a:p>
@@ -14421,7 +14377,7 @@
           <p:cNvPr id="3" name="Content Placeholder 2">
             <a:extLst>
               <a:ext uri="{FF2B5EF4-FFF2-40B4-BE49-F238E27FC236}">
-                <a16:creationId xmlns:a16="http://schemas.microsoft.com/office/drawing/2014/main" id="{025E9466-CE9D-445D-AC79-0BE72AF44377}"/>
+                <a16:creationId xmlns:a16="http://schemas.microsoft.com/office/drawing/2014/main" id="{EAFEB3ED-D6D2-4CCC-AF40-D782A21E6F2B}"/>
               </a:ext>
             </a:extLst>
           </p:cNvPr>
@@ -14432,72 +14388,90 @@
             <p:ph idx="1"/>
           </p:nvPr>
         </p:nvSpPr>
-        <p:spPr/>
+        <p:spPr>
+          <a:xfrm>
+            <a:off x="720004" y="936000"/>
+            <a:ext cx="6797620" cy="3780000"/>
+          </a:xfrm>
+        </p:spPr>
         <p:txBody>
           <a:bodyPr/>
           <a:lstStyle/>
           <a:p>
             <a:r>
               <a:rPr lang="en-GB" dirty="0"/>
-              <a:t>Boosting: change relevance (score) of documents</a:t>
+              <a:t>4 basic types:</a:t>
             </a:r>
           </a:p>
           <a:p>
             <a:pPr lvl="1"/>
             <a:r>
               <a:rPr lang="en-GB" sz="1400" dirty="0"/>
-              <a:t>When indexing (deprecated): can only be altered by re-indexing </a:t>
+              <a:t>Bucket: define document sets based on criteria</a:t>
             </a:r>
           </a:p>
           <a:p>
             <a:pPr lvl="1"/>
             <a:r>
               <a:rPr lang="en-GB" sz="1400" dirty="0"/>
-              <a:t>When querying</a:t>
-            </a:r>
+              <a:t>Metrics: compute metrics on values extracted from documents</a:t>
+            </a:r>
+          </a:p>
+          <a:p>
+            <a:pPr lvl="1"/>
+            <a:r>
+              <a:rPr lang="en-GB" sz="1400" dirty="0"/>
+              <a:t>Matrix: operate on multiple fields and produce a matrix result (experimental)</a:t>
+            </a:r>
+          </a:p>
+          <a:p>
+            <a:pPr lvl="1"/>
+            <a:r>
+              <a:rPr lang="en-GB" sz="1400" dirty="0"/>
+              <a:t>Pipeline: work on the output of other aggregations</a:t>
+            </a:r>
+          </a:p>
+          <a:p>
+            <a:pPr lvl="1"/>
+            <a:endParaRPr lang="en-GB" sz="1400" dirty="0"/>
+          </a:p>
+          <a:p>
+            <a:pPr lvl="1"/>
+            <a:endParaRPr lang="en-GB" dirty="0"/>
+          </a:p>
+          <a:p>
+            <a:pPr lvl="1"/>
+            <a:endParaRPr lang="en-GB" dirty="0"/>
           </a:p>
           <a:p>
             <a:r>
               <a:rPr lang="en-GB" dirty="0"/>
-              <a:t>Boosting is relative</a:t>
-            </a:r>
-          </a:p>
-          <a:p>
-            <a:r>
-              <a:rPr lang="en-GB" dirty="0"/>
-              <a:t>By adding </a:t>
-            </a:r>
-            <a:r>
-              <a:rPr lang="nl-NL" dirty="0"/>
-              <a:t>“explain”: true to a query an _explanation is added to the result where the TF and IDF and boosting factors can be found</a:t>
-            </a:r>
-          </a:p>
-          <a:p>
-            <a:pPr lvl="1"/>
-            <a:r>
-              <a:rPr lang="nl-NL" sz="1400" dirty="0"/>
-              <a:t>Resource intensive, use only for debugging</a:t>
-            </a:r>
-          </a:p>
-          <a:p>
-            <a:endParaRPr lang="nl-NL" dirty="0"/>
-          </a:p>
-          <a:p>
-            <a:r>
-              <a:rPr lang="nl-NL" dirty="0"/>
-              <a:t>Can be done in most term-level and full-text queries and all compound queries</a:t>
-            </a:r>
-          </a:p>
-          <a:p>
-            <a:pPr lvl="1"/>
-            <a:r>
-              <a:rPr lang="nl-NL" sz="1400" dirty="0"/>
-              <a:t>Only relevant when combining queries or searching multiple fields</a:t>
-            </a:r>
-            <a:endParaRPr lang="en-GB" sz="1400" dirty="0"/>
-          </a:p>
-          <a:p>
-            <a:endParaRPr lang="en-NL" dirty="0"/>
+              <a:t>Values used for aggregations can be extracted by setting a field key or by defining a script to generate the values</a:t>
+            </a:r>
+          </a:p>
+          <a:p>
+            <a:endParaRPr lang="en-GB" sz="1100" dirty="0"/>
+          </a:p>
+          <a:p>
+            <a:endParaRPr lang="en-GB" sz="1100" dirty="0"/>
+          </a:p>
+          <a:p>
+            <a:endParaRPr lang="en-GB" sz="1100" dirty="0"/>
+          </a:p>
+          <a:p>
+            <a:endParaRPr lang="en-GB" sz="1100" dirty="0"/>
+          </a:p>
+          <a:p>
+            <a:r>
+              <a:rPr lang="nl-NL" sz="1100" dirty="0">
+                <a:hlinkClick r:id="rId2"/>
+              </a:rPr>
+              <a:t>https://www.elastic.co/guide/en/elasticsearch/reference/current/search-aggregations.html</a:t>
+            </a:r>
+            <a:endParaRPr lang="en-GB" sz="1100" dirty="0"/>
+          </a:p>
+          <a:p>
+            <a:endParaRPr lang="en-GB" dirty="0"/>
           </a:p>
         </p:txBody>
       </p:sp>
@@ -14506,7 +14480,7 @@
           <p:cNvPr id="4" name="Footer Placeholder 3">
             <a:extLst>
               <a:ext uri="{FF2B5EF4-FFF2-40B4-BE49-F238E27FC236}">
-                <a16:creationId xmlns:a16="http://schemas.microsoft.com/office/drawing/2014/main" id="{3F21F476-6764-4B0D-8AB6-FBFF16A8E2B1}"/>
+                <a16:creationId xmlns:a16="http://schemas.microsoft.com/office/drawing/2014/main" id="{A30C2C35-F1BF-47B6-9712-0AF4EF22AA5A}"/>
               </a:ext>
             </a:extLst>
           </p:cNvPr>
@@ -14534,7 +14508,7 @@
           <p:cNvPr id="5" name="Slide Number Placeholder 4">
             <a:extLst>
               <a:ext uri="{FF2B5EF4-FFF2-40B4-BE49-F238E27FC236}">
-                <a16:creationId xmlns:a16="http://schemas.microsoft.com/office/drawing/2014/main" id="{356553CF-D343-4477-9A21-25B90ECD052F}"/>
+                <a16:creationId xmlns:a16="http://schemas.microsoft.com/office/drawing/2014/main" id="{A971CDCA-E400-4541-B4FD-C23721843BEC}"/>
               </a:ext>
             </a:extLst>
           </p:cNvPr>
@@ -14561,7 +14535,7 @@
     </p:spTree>
     <p:extLst>
       <p:ext uri="{BB962C8B-B14F-4D97-AF65-F5344CB8AC3E}">
-        <p14:creationId xmlns:p14="http://schemas.microsoft.com/office/powerpoint/2010/main" val="2772075307"/>
+        <p14:creationId xmlns:p14="http://schemas.microsoft.com/office/powerpoint/2010/main" val="2422738930"/>
       </p:ext>
     </p:extLst>
   </p:cSld>
@@ -14593,7 +14567,7 @@
           <p:cNvPr id="2" name="Title 1">
             <a:extLst>
               <a:ext uri="{FF2B5EF4-FFF2-40B4-BE49-F238E27FC236}">
-                <a16:creationId xmlns:a16="http://schemas.microsoft.com/office/drawing/2014/main" id="{55A1B8A9-4134-4893-B9C3-DBC4CA9A639C}"/>
+                <a16:creationId xmlns:a16="http://schemas.microsoft.com/office/drawing/2014/main" id="{0FBBD13C-9B5E-4189-9E78-238477EC36AB}"/>
               </a:ext>
             </a:extLst>
           </p:cNvPr>
@@ -14611,49 +14585,130 @@
           <a:p>
             <a:r>
               <a:rPr lang="en-GB" dirty="0"/>
-              <a:t>Boosting(2)</a:t>
+              <a:t>Aggregations(2)</a:t>
             </a:r>
             <a:endParaRPr lang="en-NL" dirty="0"/>
           </a:p>
         </p:txBody>
       </p:sp>
-      <p:pic>
-        <p:nvPicPr>
-          <p:cNvPr id="7" name="Content Placeholder 6">
+      <p:sp>
+        <p:nvSpPr>
+          <p:cNvPr id="3" name="Content Placeholder 2">
             <a:extLst>
               <a:ext uri="{FF2B5EF4-FFF2-40B4-BE49-F238E27FC236}">
-                <a16:creationId xmlns:a16="http://schemas.microsoft.com/office/drawing/2014/main" id="{9F6A3342-4366-416A-A010-A71799ADF02A}"/>
-              </a:ext>
-              <a:ext uri="{C183D7F6-B498-43B3-948B-1728B52AA6E4}">
-                <adec:decorative xmlns:adec="http://schemas.microsoft.com/office/drawing/2017/decorative" val="1"/>
+                <a16:creationId xmlns:a16="http://schemas.microsoft.com/office/drawing/2014/main" id="{E75347B0-CAEC-4097-9892-E6AB2B41EFBA}"/>
               </a:ext>
             </a:extLst>
           </p:cNvPr>
-          <p:cNvPicPr>
-            <a:picLocks noGrp="1" noChangeAspect="1"/>
-          </p:cNvPicPr>
+          <p:cNvSpPr>
+            <a:spLocks noGrp="1"/>
+          </p:cNvSpPr>
           <p:nvPr>
             <p:ph idx="1"/>
           </p:nvPr>
-        </p:nvPicPr>
-        <p:blipFill rotWithShape="1">
-          <a:blip r:embed="rId2"/>
-          <a:srcRect t="3330" r="24450" b="2670"/>
-          <a:stretch/>
-        </p:blipFill>
+        </p:nvSpPr>
         <p:spPr>
           <a:xfrm>
-            <a:off x="719999" y="975360"/>
-            <a:ext cx="4454352" cy="3553098"/>
+            <a:off x="720002" y="936000"/>
+            <a:ext cx="6965145" cy="3780000"/>
           </a:xfrm>
         </p:spPr>
-      </p:pic>
+        <p:txBody>
+          <a:bodyPr/>
+          <a:lstStyle/>
+          <a:p>
+            <a:r>
+              <a:rPr lang="en-GB" dirty="0"/>
+              <a:t>Put in JSON request under aggregations or </a:t>
+            </a:r>
+            <a:r>
+              <a:rPr lang="en-GB" dirty="0" err="1"/>
+              <a:t>aggs</a:t>
+            </a:r>
+            <a:endParaRPr lang="en-GB" dirty="0"/>
+          </a:p>
+          <a:p>
+            <a:r>
+              <a:rPr lang="en-GB" dirty="0"/>
+              <a:t>Aggregations can be nested</a:t>
+            </a:r>
+          </a:p>
+          <a:p>
+            <a:endParaRPr lang="en-GB" dirty="0"/>
+          </a:p>
+          <a:p>
+            <a:endParaRPr lang="en-GB" dirty="0"/>
+          </a:p>
+          <a:p>
+            <a:endParaRPr lang="en-GB" dirty="0"/>
+          </a:p>
+          <a:p>
+            <a:endParaRPr lang="en-GB" dirty="0"/>
+          </a:p>
+          <a:p>
+            <a:endParaRPr lang="en-GB" dirty="0"/>
+          </a:p>
+          <a:p>
+            <a:endParaRPr lang="en-GB" dirty="0"/>
+          </a:p>
+          <a:p>
+            <a:endParaRPr lang="en-GB" dirty="0"/>
+          </a:p>
+          <a:p>
+            <a:r>
+              <a:rPr lang="en-GB" dirty="0"/>
+              <a:t>Run on the result of a query unless otherwise specified</a:t>
+            </a:r>
+          </a:p>
+          <a:p>
+            <a:pPr lvl="1"/>
+            <a:r>
+              <a:rPr lang="en-GB" sz="1400" dirty="0"/>
+              <a:t>“global”: {}: runs the aggregations on all documents that are searched in the </a:t>
+            </a:r>
+            <a:r>
+              <a:rPr lang="en-GB" sz="1400" dirty="0" err="1"/>
+              <a:t>url</a:t>
+            </a:r>
+            <a:endParaRPr lang="en-GB" sz="1400" dirty="0"/>
+          </a:p>
+          <a:p>
+            <a:pPr lvl="1"/>
+            <a:r>
+              <a:rPr lang="en-GB" sz="1400" dirty="0"/>
+              <a:t>“filter”: {…}: runs the aggregations on the filtered subset</a:t>
+            </a:r>
+          </a:p>
+          <a:p>
+            <a:pPr lvl="1"/>
+            <a:r>
+              <a:rPr lang="en-GB" sz="1400" dirty="0"/>
+              <a:t>A </a:t>
+            </a:r>
+            <a:r>
+              <a:rPr lang="en-GB" sz="1400" dirty="0" err="1"/>
+              <a:t>post_filter</a:t>
+            </a:r>
+            <a:r>
+              <a:rPr lang="en-GB" sz="1400" dirty="0"/>
+              <a:t> can be used to filter the query without applying the filter to the aggregations</a:t>
+            </a:r>
+            <a:endParaRPr lang="en-GB" dirty="0"/>
+          </a:p>
+          <a:p>
+            <a:endParaRPr lang="en-GB" dirty="0"/>
+          </a:p>
+          <a:p>
+            <a:endParaRPr lang="en-NL" dirty="0"/>
+          </a:p>
+        </p:txBody>
+      </p:sp>
       <p:sp>
         <p:nvSpPr>
           <p:cNvPr id="4" name="Footer Placeholder 3">
             <a:extLst>
               <a:ext uri="{FF2B5EF4-FFF2-40B4-BE49-F238E27FC236}">
-                <a16:creationId xmlns:a16="http://schemas.microsoft.com/office/drawing/2014/main" id="{2BF3F9E7-7E86-444B-A68A-F81792B95DFF}"/>
+                <a16:creationId xmlns:a16="http://schemas.microsoft.com/office/drawing/2014/main" id="{AD9E54D0-315F-488F-94D2-D6051BE52582}"/>
               </a:ext>
             </a:extLst>
           </p:cNvPr>
@@ -14681,7 +14736,7 @@
           <p:cNvPr id="5" name="Slide Number Placeholder 4">
             <a:extLst>
               <a:ext uri="{FF2B5EF4-FFF2-40B4-BE49-F238E27FC236}">
-                <a16:creationId xmlns:a16="http://schemas.microsoft.com/office/drawing/2014/main" id="{4AD1042B-6ED7-46E1-858B-6E374DFF8BEF}"/>
+                <a16:creationId xmlns:a16="http://schemas.microsoft.com/office/drawing/2014/main" id="{44EC881E-E8A2-4D6D-8DC0-9AC56DCB7966}"/>
               </a:ext>
             </a:extLst>
           </p:cNvPr>
@@ -14705,10 +14760,39 @@
           </a:p>
         </p:txBody>
       </p:sp>
+      <p:pic>
+        <p:nvPicPr>
+          <p:cNvPr id="6" name="Picture 5">
+            <a:extLst>
+              <a:ext uri="{FF2B5EF4-FFF2-40B4-BE49-F238E27FC236}">
+                <a16:creationId xmlns:a16="http://schemas.microsoft.com/office/drawing/2014/main" id="{821147D5-69E3-4B3D-AE8E-CBB3C8B1B12D}"/>
+              </a:ext>
+            </a:extLst>
+          </p:cNvPr>
+          <p:cNvPicPr>
+            <a:picLocks noChangeAspect="1"/>
+          </p:cNvPicPr>
+          <p:nvPr/>
+        </p:nvPicPr>
+        <p:blipFill rotWithShape="1">
+          <a:blip r:embed="rId2"/>
+          <a:srcRect t="5629" r="30358" b="5830"/>
+          <a:stretch/>
+        </p:blipFill>
+        <p:spPr>
+          <a:xfrm>
+            <a:off x="893546" y="1578175"/>
+            <a:ext cx="3309028" cy="1635750"/>
+          </a:xfrm>
+          <a:prstGeom prst="rect">
+            <a:avLst/>
+          </a:prstGeom>
+        </p:spPr>
+      </p:pic>
     </p:spTree>
     <p:extLst>
       <p:ext uri="{BB962C8B-B14F-4D97-AF65-F5344CB8AC3E}">
-        <p14:creationId xmlns:p14="http://schemas.microsoft.com/office/powerpoint/2010/main" val="4294700896"/>
+        <p14:creationId xmlns:p14="http://schemas.microsoft.com/office/powerpoint/2010/main" val="2742430367"/>
       </p:ext>
     </p:extLst>
   </p:cSld>
@@ -14740,7 +14824,7 @@
           <p:cNvPr id="2" name="Title 1">
             <a:extLst>
               <a:ext uri="{FF2B5EF4-FFF2-40B4-BE49-F238E27FC236}">
-                <a16:creationId xmlns:a16="http://schemas.microsoft.com/office/drawing/2014/main" id="{2F06F964-04B2-41AD-BD1A-F7ECBD43EA37}"/>
+                <a16:creationId xmlns:a16="http://schemas.microsoft.com/office/drawing/2014/main" id="{3DE75532-20F6-410C-B18D-9F4325408632}"/>
               </a:ext>
             </a:extLst>
           </p:cNvPr>
@@ -14758,7 +14842,7 @@
           <a:p>
             <a:r>
               <a:rPr lang="en-GB" dirty="0"/>
-              <a:t>Aggregations(1)</a:t>
+              <a:t>Bucket aggregations</a:t>
             </a:r>
             <a:endParaRPr lang="en-NL" dirty="0"/>
           </a:p>
@@ -14769,7 +14853,7 @@
           <p:cNvPr id="3" name="Content Placeholder 2">
             <a:extLst>
               <a:ext uri="{FF2B5EF4-FFF2-40B4-BE49-F238E27FC236}">
-                <a16:creationId xmlns:a16="http://schemas.microsoft.com/office/drawing/2014/main" id="{EAFEB3ED-D6D2-4CCC-AF40-D782A21E6F2B}"/>
+                <a16:creationId xmlns:a16="http://schemas.microsoft.com/office/drawing/2014/main" id="{C4475A7B-578E-40E4-8906-84EB7921F5C8}"/>
               </a:ext>
             </a:extLst>
           </p:cNvPr>
@@ -14782,8 +14866,8 @@
         </p:nvSpPr>
         <p:spPr>
           <a:xfrm>
-            <a:off x="720004" y="936000"/>
-            <a:ext cx="4914442" cy="3780000"/>
+            <a:off x="720002" y="792000"/>
+            <a:ext cx="7971151" cy="4063500"/>
           </a:xfrm>
         </p:spPr>
         <p:txBody>
@@ -14792,94 +14876,61 @@
           <a:p>
             <a:r>
               <a:rPr lang="en-GB" dirty="0"/>
-              <a:t>Put in JSON request under aggregations or </a:t>
+              <a:t>Aggregations: date histogram, filters, geo distance, histogram, </a:t>
             </a:r>
             <a:r>
               <a:rPr lang="en-GB" dirty="0" err="1"/>
-              <a:t>aggs</a:t>
-            </a:r>
+              <a:t>ip</a:t>
+            </a:r>
+            <a:r>
+              <a:rPr lang="en-GB" dirty="0"/>
+              <a:t> range rare terms, significant text, terms etc…</a:t>
+            </a:r>
+          </a:p>
+          <a:p>
             <a:endParaRPr lang="en-GB" dirty="0"/>
           </a:p>
           <a:p>
-            <a:r>
-              <a:rPr lang="en-GB" dirty="0"/>
-              <a:t>Run on the result of a query unless otherwise specified</a:t>
-            </a:r>
-          </a:p>
-          <a:p>
-            <a:pPr lvl="1"/>
-            <a:r>
-              <a:rPr lang="en-GB" sz="1400" dirty="0"/>
-              <a:t>“global”: {}: runs the aggregations on all documents that are searched in the </a:t>
-            </a:r>
-            <a:r>
-              <a:rPr lang="en-GB" sz="1400" dirty="0" err="1"/>
-              <a:t>url</a:t>
-            </a:r>
-            <a:endParaRPr lang="en-GB" sz="1400" dirty="0"/>
-          </a:p>
-          <a:p>
-            <a:pPr lvl="1"/>
-            <a:r>
-              <a:rPr lang="en-GB" sz="1400" dirty="0"/>
-              <a:t>“filter”: {…}: runs the aggregations on the filtered subset</a:t>
-            </a:r>
-          </a:p>
-          <a:p>
-            <a:pPr lvl="1"/>
-            <a:r>
-              <a:rPr lang="en-GB" sz="1400" dirty="0"/>
-              <a:t>A </a:t>
-            </a:r>
-            <a:r>
-              <a:rPr lang="en-GB" sz="1400" dirty="0" err="1"/>
-              <a:t>post_filter</a:t>
-            </a:r>
-            <a:r>
-              <a:rPr lang="en-GB" sz="1400" dirty="0"/>
-              <a:t> can be used to filter the query without applying the filter to the aggregations</a:t>
-            </a:r>
-          </a:p>
-          <a:p>
-            <a:pPr lvl="1"/>
-            <a:endParaRPr lang="en-GB" sz="1400" dirty="0"/>
-          </a:p>
-          <a:p>
-            <a:r>
-              <a:rPr lang="en-GB" dirty="0"/>
-              <a:t>4 basic types:</a:t>
-            </a:r>
-          </a:p>
-          <a:p>
-            <a:pPr lvl="1"/>
-            <a:r>
-              <a:rPr lang="en-GB" sz="1400" dirty="0"/>
-              <a:t>Bucket: define document sets based on criteria</a:t>
-            </a:r>
-          </a:p>
-          <a:p>
-            <a:pPr lvl="1"/>
-            <a:r>
-              <a:rPr lang="en-GB" sz="1400" dirty="0"/>
-              <a:t>Metrics: compute metrics on values extracted from documents</a:t>
-            </a:r>
-          </a:p>
-          <a:p>
-            <a:pPr lvl="1"/>
-            <a:r>
-              <a:rPr lang="en-GB" sz="1400" dirty="0"/>
-              <a:t>Matrix: operate on multiple fields and produce a matrix result (experimental)</a:t>
-            </a:r>
-          </a:p>
-          <a:p>
-            <a:pPr lvl="1"/>
-            <a:r>
-              <a:rPr lang="en-GB" sz="1400" dirty="0"/>
-              <a:t>Pipeline: work on the output of other aggregations</a:t>
-            </a:r>
-          </a:p>
-          <a:p>
             <a:endParaRPr lang="en-GB" dirty="0"/>
+          </a:p>
+          <a:p>
+            <a:endParaRPr lang="en-GB" dirty="0"/>
+          </a:p>
+          <a:p>
+            <a:endParaRPr lang="en-GB" dirty="0"/>
+          </a:p>
+          <a:p>
+            <a:endParaRPr lang="en-GB" dirty="0"/>
+          </a:p>
+          <a:p>
+            <a:endParaRPr lang="en-GB" dirty="0"/>
+          </a:p>
+          <a:p>
+            <a:endParaRPr lang="en-GB" dirty="0"/>
+          </a:p>
+          <a:p>
+            <a:endParaRPr lang="en-GB" dirty="0"/>
+          </a:p>
+          <a:p>
+            <a:endParaRPr lang="en-GB" dirty="0"/>
+          </a:p>
+          <a:p>
+            <a:endParaRPr lang="en-GB" dirty="0"/>
+          </a:p>
+          <a:p>
+            <a:endParaRPr lang="en-GB" dirty="0"/>
+          </a:p>
+          <a:p>
+            <a:endParaRPr lang="en-GB" dirty="0"/>
+          </a:p>
+          <a:p>
+            <a:r>
+              <a:rPr lang="nl-NL" sz="1100" dirty="0">
+                <a:hlinkClick r:id="rId2"/>
+              </a:rPr>
+              <a:t>https://www.elastic.co/guide/en/elasticsearch/reference/current/search-aggregations-bucket.html</a:t>
+            </a:r>
+            <a:endParaRPr lang="en-NL" sz="1100" dirty="0"/>
           </a:p>
         </p:txBody>
       </p:sp>
@@ -14888,7 +14939,7 @@
           <p:cNvPr id="4" name="Footer Placeholder 3">
             <a:extLst>
               <a:ext uri="{FF2B5EF4-FFF2-40B4-BE49-F238E27FC236}">
-                <a16:creationId xmlns:a16="http://schemas.microsoft.com/office/drawing/2014/main" id="{A30C2C35-F1BF-47B6-9712-0AF4EF22AA5A}"/>
+                <a16:creationId xmlns:a16="http://schemas.microsoft.com/office/drawing/2014/main" id="{3E0DC37C-FE11-4F16-960B-6CB8D78A1EF7}"/>
               </a:ext>
             </a:extLst>
           </p:cNvPr>
@@ -14916,7 +14967,7 @@
           <p:cNvPr id="5" name="Slide Number Placeholder 4">
             <a:extLst>
               <a:ext uri="{FF2B5EF4-FFF2-40B4-BE49-F238E27FC236}">
-                <a16:creationId xmlns:a16="http://schemas.microsoft.com/office/drawing/2014/main" id="{A971CDCA-E400-4541-B4FD-C23721843BEC}"/>
+                <a16:creationId xmlns:a16="http://schemas.microsoft.com/office/drawing/2014/main" id="{9BD5663B-D2A8-4C5F-89C2-295AD0FC6FFA}"/>
               </a:ext>
             </a:extLst>
           </p:cNvPr>
@@ -14942,10 +14993,10 @@
       </p:sp>
       <p:pic>
         <p:nvPicPr>
-          <p:cNvPr id="8" name="Picture 7">
+          <p:cNvPr id="9" name="Picture 8">
             <a:extLst>
               <a:ext uri="{FF2B5EF4-FFF2-40B4-BE49-F238E27FC236}">
-                <a16:creationId xmlns:a16="http://schemas.microsoft.com/office/drawing/2014/main" id="{F9AB64D8-9334-49DD-898B-79B5359B1AA9}"/>
+                <a16:creationId xmlns:a16="http://schemas.microsoft.com/office/drawing/2014/main" id="{F4C19209-6EA1-41DB-8572-BCF724C40652}"/>
               </a:ext>
             </a:extLst>
           </p:cNvPr>
@@ -14955,14 +15006,43 @@
           <p:nvPr/>
         </p:nvPicPr>
         <p:blipFill rotWithShape="1">
-          <a:blip r:embed="rId2"/>
-          <a:srcRect t="5629" r="30358" b="5830"/>
+          <a:blip r:embed="rId3"/>
+          <a:srcRect t="2879" r="38458" b="2712"/>
           <a:stretch/>
         </p:blipFill>
         <p:spPr>
           <a:xfrm>
-            <a:off x="5681791" y="936000"/>
-            <a:ext cx="3309028" cy="1635750"/>
+            <a:off x="4716235" y="1296000"/>
+            <a:ext cx="2791829" cy="3199015"/>
+          </a:xfrm>
+          <a:prstGeom prst="rect">
+            <a:avLst/>
+          </a:prstGeom>
+        </p:spPr>
+      </p:pic>
+      <p:pic>
+        <p:nvPicPr>
+          <p:cNvPr id="8" name="Picture 7">
+            <a:extLst>
+              <a:ext uri="{FF2B5EF4-FFF2-40B4-BE49-F238E27FC236}">
+                <a16:creationId xmlns:a16="http://schemas.microsoft.com/office/drawing/2014/main" id="{E6F39964-E025-4E44-91B9-22767C706131}"/>
+              </a:ext>
+            </a:extLst>
+          </p:cNvPr>
+          <p:cNvPicPr>
+            <a:picLocks noChangeAspect="1"/>
+          </p:cNvPicPr>
+          <p:nvPr/>
+        </p:nvPicPr>
+        <p:blipFill rotWithShape="1">
+          <a:blip r:embed="rId4"/>
+          <a:srcRect t="3519" r="41230" b="3519"/>
+          <a:stretch/>
+        </p:blipFill>
+        <p:spPr>
+          <a:xfrm>
+            <a:off x="720002" y="1528210"/>
+            <a:ext cx="3165575" cy="2768782"/>
           </a:xfrm>
           <a:prstGeom prst="rect">
             <a:avLst/>
@@ -14972,7 +15052,7 @@
     </p:spTree>
     <p:extLst>
       <p:ext uri="{BB962C8B-B14F-4D97-AF65-F5344CB8AC3E}">
-        <p14:creationId xmlns:p14="http://schemas.microsoft.com/office/powerpoint/2010/main" val="2422738930"/>
+        <p14:creationId xmlns:p14="http://schemas.microsoft.com/office/powerpoint/2010/main" val="1649988500"/>
       </p:ext>
     </p:extLst>
   </p:cSld>
@@ -15004,891 +15084,6 @@
           <p:cNvPr id="2" name="Title 1">
             <a:extLst>
               <a:ext uri="{FF2B5EF4-FFF2-40B4-BE49-F238E27FC236}">
-                <a16:creationId xmlns:a16="http://schemas.microsoft.com/office/drawing/2014/main" id="{0FBBD13C-9B5E-4189-9E78-238477EC36AB}"/>
-              </a:ext>
-            </a:extLst>
-          </p:cNvPr>
-          <p:cNvSpPr>
-            <a:spLocks noGrp="1"/>
-          </p:cNvSpPr>
-          <p:nvPr>
-            <p:ph type="title"/>
-          </p:nvPr>
-        </p:nvSpPr>
-        <p:spPr/>
-        <p:txBody>
-          <a:bodyPr/>
-          <a:lstStyle/>
-          <a:p>
-            <a:r>
-              <a:rPr lang="en-GB" dirty="0"/>
-              <a:t>Aggregations(2)</a:t>
-            </a:r>
-            <a:endParaRPr lang="en-NL" dirty="0"/>
-          </a:p>
-        </p:txBody>
-      </p:sp>
-      <p:sp>
-        <p:nvSpPr>
-          <p:cNvPr id="3" name="Content Placeholder 2">
-            <a:extLst>
-              <a:ext uri="{FF2B5EF4-FFF2-40B4-BE49-F238E27FC236}">
-                <a16:creationId xmlns:a16="http://schemas.microsoft.com/office/drawing/2014/main" id="{E75347B0-CAEC-4097-9892-E6AB2B41EFBA}"/>
-              </a:ext>
-            </a:extLst>
-          </p:cNvPr>
-          <p:cNvSpPr>
-            <a:spLocks noGrp="1"/>
-          </p:cNvSpPr>
-          <p:nvPr>
-            <p:ph idx="1"/>
-          </p:nvPr>
-        </p:nvSpPr>
-        <p:spPr>
-          <a:xfrm>
-            <a:off x="720003" y="936000"/>
-            <a:ext cx="6246854" cy="3780000"/>
-          </a:xfrm>
-        </p:spPr>
-        <p:txBody>
-          <a:bodyPr/>
-          <a:lstStyle/>
-          <a:p>
-            <a:r>
-              <a:rPr lang="en-GB" dirty="0"/>
-              <a:t>Values used for aggregations can be extracted by setting a field key or by defining a script to generate the values</a:t>
-            </a:r>
-          </a:p>
-          <a:p>
-            <a:r>
-              <a:rPr lang="en-GB" dirty="0"/>
-              <a:t>Aggregations can be nested</a:t>
-            </a:r>
-          </a:p>
-          <a:p>
-            <a:endParaRPr lang="en-GB" dirty="0"/>
-          </a:p>
-          <a:p>
-            <a:r>
-              <a:rPr lang="en-GB" dirty="0"/>
-              <a:t>The results are shown below the query results</a:t>
-            </a:r>
-          </a:p>
-          <a:p>
-            <a:pPr lvl="1"/>
-            <a:r>
-              <a:rPr lang="en-GB" sz="1400" dirty="0"/>
-              <a:t>Set size to 0 to only get aggregation results</a:t>
-            </a:r>
-          </a:p>
-          <a:p>
-            <a:endParaRPr lang="en-GB" dirty="0"/>
-          </a:p>
-          <a:p>
-            <a:r>
-              <a:rPr lang="en-GB" dirty="0"/>
-              <a:t>Results are approximate for values above 2^53</a:t>
-            </a:r>
-          </a:p>
-          <a:p>
-            <a:endParaRPr lang="en-GB" dirty="0"/>
-          </a:p>
-          <a:p>
-            <a:endParaRPr lang="en-GB" dirty="0"/>
-          </a:p>
-          <a:p>
-            <a:endParaRPr lang="en-GB" dirty="0"/>
-          </a:p>
-          <a:p>
-            <a:endParaRPr lang="en-GB" dirty="0"/>
-          </a:p>
-          <a:p>
-            <a:endParaRPr lang="en-GB" dirty="0"/>
-          </a:p>
-          <a:p>
-            <a:endParaRPr lang="en-GB" dirty="0"/>
-          </a:p>
-          <a:p>
-            <a:r>
-              <a:rPr lang="nl-NL" sz="1100" dirty="0">
-                <a:hlinkClick r:id="rId2"/>
-              </a:rPr>
-              <a:t>https://www.elastic.co/guide/en/elasticsearch/reference/current/search-aggregations.html</a:t>
-            </a:r>
-            <a:endParaRPr lang="en-GB" sz="1100" dirty="0"/>
-          </a:p>
-          <a:p>
-            <a:endParaRPr lang="en-GB" dirty="0"/>
-          </a:p>
-          <a:p>
-            <a:endParaRPr lang="en-NL" dirty="0"/>
-          </a:p>
-        </p:txBody>
-      </p:sp>
-      <p:sp>
-        <p:nvSpPr>
-          <p:cNvPr id="4" name="Footer Placeholder 3">
-            <a:extLst>
-              <a:ext uri="{FF2B5EF4-FFF2-40B4-BE49-F238E27FC236}">
-                <a16:creationId xmlns:a16="http://schemas.microsoft.com/office/drawing/2014/main" id="{AD9E54D0-315F-488F-94D2-D6051BE52582}"/>
-              </a:ext>
-            </a:extLst>
-          </p:cNvPr>
-          <p:cNvSpPr>
-            <a:spLocks noGrp="1"/>
-          </p:cNvSpPr>
-          <p:nvPr>
-            <p:ph type="ftr" sz="quarter" idx="11"/>
-          </p:nvPr>
-        </p:nvSpPr>
-        <p:spPr/>
-        <p:txBody>
-          <a:bodyPr/>
-          <a:lstStyle/>
-          <a:p>
-            <a:r>
-              <a:rPr lang="nl-NL"/>
-              <a:t>elasticsearch</a:t>
-            </a:r>
-          </a:p>
-        </p:txBody>
-      </p:sp>
-      <p:sp>
-        <p:nvSpPr>
-          <p:cNvPr id="5" name="Slide Number Placeholder 4">
-            <a:extLst>
-              <a:ext uri="{FF2B5EF4-FFF2-40B4-BE49-F238E27FC236}">
-                <a16:creationId xmlns:a16="http://schemas.microsoft.com/office/drawing/2014/main" id="{44EC881E-E8A2-4D6D-8DC0-9AC56DCB7966}"/>
-              </a:ext>
-            </a:extLst>
-          </p:cNvPr>
-          <p:cNvSpPr>
-            <a:spLocks noGrp="1"/>
-          </p:cNvSpPr>
-          <p:nvPr>
-            <p:ph type="sldNum" sz="quarter" idx="12"/>
-          </p:nvPr>
-        </p:nvSpPr>
-        <p:spPr/>
-        <p:txBody>
-          <a:bodyPr/>
-          <a:lstStyle/>
-          <a:p>
-            <a:fld id="{14F1411D-0280-154F-AEAC-4C20B7AA46B2}" type="slidenum">
-              <a:rPr lang="nl-NL" smtClean="0"/>
-              <a:t>38</a:t>
-            </a:fld>
-            <a:endParaRPr lang="nl-NL"/>
-          </a:p>
-        </p:txBody>
-      </p:sp>
-    </p:spTree>
-    <p:extLst>
-      <p:ext uri="{BB962C8B-B14F-4D97-AF65-F5344CB8AC3E}">
-        <p14:creationId xmlns:p14="http://schemas.microsoft.com/office/powerpoint/2010/main" val="2742430367"/>
-      </p:ext>
-    </p:extLst>
-  </p:cSld>
-  <p:clrMapOvr>
-    <a:masterClrMapping/>
-  </p:clrMapOvr>
-</p:sld>
-</file>
-
-<file path=ppt/slides/slide39.xml><?xml version="1.0" encoding="utf-8"?>
-<p:sld xmlns:a="http://schemas.openxmlformats.org/drawingml/2006/main" xmlns:r="http://schemas.openxmlformats.org/officeDocument/2006/relationships" xmlns:p="http://schemas.openxmlformats.org/presentationml/2006/main">
-  <p:cSld>
-    <p:spTree>
-      <p:nvGrpSpPr>
-        <p:cNvPr id="1" name=""/>
-        <p:cNvGrpSpPr/>
-        <p:nvPr/>
-      </p:nvGrpSpPr>
-      <p:grpSpPr>
-        <a:xfrm>
-          <a:off x="0" y="0"/>
-          <a:ext cx="0" cy="0"/>
-          <a:chOff x="0" y="0"/>
-          <a:chExt cx="0" cy="0"/>
-        </a:xfrm>
-      </p:grpSpPr>
-      <p:sp>
-        <p:nvSpPr>
-          <p:cNvPr id="2" name="Title 1">
-            <a:extLst>
-              <a:ext uri="{FF2B5EF4-FFF2-40B4-BE49-F238E27FC236}">
-                <a16:creationId xmlns:a16="http://schemas.microsoft.com/office/drawing/2014/main" id="{3DE75532-20F6-410C-B18D-9F4325408632}"/>
-              </a:ext>
-            </a:extLst>
-          </p:cNvPr>
-          <p:cNvSpPr>
-            <a:spLocks noGrp="1"/>
-          </p:cNvSpPr>
-          <p:nvPr>
-            <p:ph type="title"/>
-          </p:nvPr>
-        </p:nvSpPr>
-        <p:spPr/>
-        <p:txBody>
-          <a:bodyPr/>
-          <a:lstStyle/>
-          <a:p>
-            <a:r>
-              <a:rPr lang="en-GB" dirty="0"/>
-              <a:t>Bucket aggregations</a:t>
-            </a:r>
-            <a:endParaRPr lang="en-NL" dirty="0"/>
-          </a:p>
-        </p:txBody>
-      </p:sp>
-      <p:sp>
-        <p:nvSpPr>
-          <p:cNvPr id="3" name="Content Placeholder 2">
-            <a:extLst>
-              <a:ext uri="{FF2B5EF4-FFF2-40B4-BE49-F238E27FC236}">
-                <a16:creationId xmlns:a16="http://schemas.microsoft.com/office/drawing/2014/main" id="{C4475A7B-578E-40E4-8906-84EB7921F5C8}"/>
-              </a:ext>
-            </a:extLst>
-          </p:cNvPr>
-          <p:cNvSpPr>
-            <a:spLocks noGrp="1"/>
-          </p:cNvSpPr>
-          <p:nvPr>
-            <p:ph idx="1"/>
-          </p:nvPr>
-        </p:nvSpPr>
-        <p:spPr>
-          <a:xfrm>
-            <a:off x="720002" y="792000"/>
-            <a:ext cx="7971151" cy="4063500"/>
-          </a:xfrm>
-        </p:spPr>
-        <p:txBody>
-          <a:bodyPr/>
-          <a:lstStyle/>
-          <a:p>
-            <a:r>
-              <a:rPr lang="en-GB" dirty="0"/>
-              <a:t>Aggregations: date histogram, filters, geo distance, histogram, </a:t>
-            </a:r>
-            <a:r>
-              <a:rPr lang="en-GB" dirty="0" err="1"/>
-              <a:t>ip</a:t>
-            </a:r>
-            <a:r>
-              <a:rPr lang="en-GB" dirty="0"/>
-              <a:t> range rare terms, significant text, terms etc…</a:t>
-            </a:r>
-          </a:p>
-          <a:p>
-            <a:endParaRPr lang="en-GB" dirty="0"/>
-          </a:p>
-          <a:p>
-            <a:endParaRPr lang="en-GB" dirty="0"/>
-          </a:p>
-          <a:p>
-            <a:endParaRPr lang="en-GB" dirty="0"/>
-          </a:p>
-          <a:p>
-            <a:endParaRPr lang="en-GB" dirty="0"/>
-          </a:p>
-          <a:p>
-            <a:endParaRPr lang="en-GB" dirty="0"/>
-          </a:p>
-          <a:p>
-            <a:endParaRPr lang="en-GB" dirty="0"/>
-          </a:p>
-          <a:p>
-            <a:endParaRPr lang="en-GB" dirty="0"/>
-          </a:p>
-          <a:p>
-            <a:endParaRPr lang="en-GB" dirty="0"/>
-          </a:p>
-          <a:p>
-            <a:endParaRPr lang="en-GB" dirty="0"/>
-          </a:p>
-          <a:p>
-            <a:endParaRPr lang="en-GB" dirty="0"/>
-          </a:p>
-          <a:p>
-            <a:endParaRPr lang="en-GB" dirty="0"/>
-          </a:p>
-          <a:p>
-            <a:endParaRPr lang="en-GB" dirty="0"/>
-          </a:p>
-          <a:p>
-            <a:r>
-              <a:rPr lang="nl-NL" sz="1100" dirty="0">
-                <a:hlinkClick r:id="rId2"/>
-              </a:rPr>
-              <a:t>https://www.elastic.co/guide/en/elasticsearch/reference/current/search-aggregations-bucket.html</a:t>
-            </a:r>
-            <a:endParaRPr lang="en-NL" sz="1100" dirty="0"/>
-          </a:p>
-        </p:txBody>
-      </p:sp>
-      <p:sp>
-        <p:nvSpPr>
-          <p:cNvPr id="4" name="Footer Placeholder 3">
-            <a:extLst>
-              <a:ext uri="{FF2B5EF4-FFF2-40B4-BE49-F238E27FC236}">
-                <a16:creationId xmlns:a16="http://schemas.microsoft.com/office/drawing/2014/main" id="{3E0DC37C-FE11-4F16-960B-6CB8D78A1EF7}"/>
-              </a:ext>
-            </a:extLst>
-          </p:cNvPr>
-          <p:cNvSpPr>
-            <a:spLocks noGrp="1"/>
-          </p:cNvSpPr>
-          <p:nvPr>
-            <p:ph type="ftr" sz="quarter" idx="11"/>
-          </p:nvPr>
-        </p:nvSpPr>
-        <p:spPr/>
-        <p:txBody>
-          <a:bodyPr/>
-          <a:lstStyle/>
-          <a:p>
-            <a:r>
-              <a:rPr lang="nl-NL"/>
-              <a:t>elasticsearch</a:t>
-            </a:r>
-          </a:p>
-        </p:txBody>
-      </p:sp>
-      <p:sp>
-        <p:nvSpPr>
-          <p:cNvPr id="5" name="Slide Number Placeholder 4">
-            <a:extLst>
-              <a:ext uri="{FF2B5EF4-FFF2-40B4-BE49-F238E27FC236}">
-                <a16:creationId xmlns:a16="http://schemas.microsoft.com/office/drawing/2014/main" id="{9BD5663B-D2A8-4C5F-89C2-295AD0FC6FFA}"/>
-              </a:ext>
-            </a:extLst>
-          </p:cNvPr>
-          <p:cNvSpPr>
-            <a:spLocks noGrp="1"/>
-          </p:cNvSpPr>
-          <p:nvPr>
-            <p:ph type="sldNum" sz="quarter" idx="12"/>
-          </p:nvPr>
-        </p:nvSpPr>
-        <p:spPr/>
-        <p:txBody>
-          <a:bodyPr/>
-          <a:lstStyle/>
-          <a:p>
-            <a:fld id="{14F1411D-0280-154F-AEAC-4C20B7AA46B2}" type="slidenum">
-              <a:rPr lang="nl-NL" smtClean="0"/>
-              <a:t>39</a:t>
-            </a:fld>
-            <a:endParaRPr lang="nl-NL"/>
-          </a:p>
-        </p:txBody>
-      </p:sp>
-      <p:pic>
-        <p:nvPicPr>
-          <p:cNvPr id="7" name="Picture 6">
-            <a:extLst>
-              <a:ext uri="{FF2B5EF4-FFF2-40B4-BE49-F238E27FC236}">
-                <a16:creationId xmlns:a16="http://schemas.microsoft.com/office/drawing/2014/main" id="{B95CFDAD-6F16-4222-8572-6016A5A95F21}"/>
-              </a:ext>
-            </a:extLst>
-          </p:cNvPr>
-          <p:cNvPicPr>
-            <a:picLocks noChangeAspect="1"/>
-          </p:cNvPicPr>
-          <p:nvPr/>
-        </p:nvPicPr>
-        <p:blipFill rotWithShape="1">
-          <a:blip r:embed="rId3"/>
-          <a:srcRect r="45075"/>
-          <a:stretch/>
-        </p:blipFill>
-        <p:spPr>
-          <a:xfrm>
-            <a:off x="821027" y="1471001"/>
-            <a:ext cx="2210825" cy="3111100"/>
-          </a:xfrm>
-          <a:prstGeom prst="rect">
-            <a:avLst/>
-          </a:prstGeom>
-        </p:spPr>
-      </p:pic>
-      <p:pic>
-        <p:nvPicPr>
-          <p:cNvPr id="9" name="Picture 8">
-            <a:extLst>
-              <a:ext uri="{FF2B5EF4-FFF2-40B4-BE49-F238E27FC236}">
-                <a16:creationId xmlns:a16="http://schemas.microsoft.com/office/drawing/2014/main" id="{F4C19209-6EA1-41DB-8572-BCF724C40652}"/>
-              </a:ext>
-            </a:extLst>
-          </p:cNvPr>
-          <p:cNvPicPr>
-            <a:picLocks noChangeAspect="1"/>
-          </p:cNvPicPr>
-          <p:nvPr/>
-        </p:nvPicPr>
-        <p:blipFill rotWithShape="1">
-          <a:blip r:embed="rId4"/>
-          <a:srcRect t="2879" r="38458" b="2712"/>
-          <a:stretch/>
-        </p:blipFill>
-        <p:spPr>
-          <a:xfrm>
-            <a:off x="3320321" y="1383086"/>
-            <a:ext cx="2791829" cy="3199015"/>
-          </a:xfrm>
-          <a:prstGeom prst="rect">
-            <a:avLst/>
-          </a:prstGeom>
-        </p:spPr>
-      </p:pic>
-    </p:spTree>
-    <p:extLst>
-      <p:ext uri="{BB962C8B-B14F-4D97-AF65-F5344CB8AC3E}">
-        <p14:creationId xmlns:p14="http://schemas.microsoft.com/office/powerpoint/2010/main" val="1649988500"/>
-      </p:ext>
-    </p:extLst>
-  </p:cSld>
-  <p:clrMapOvr>
-    <a:masterClrMapping/>
-  </p:clrMapOvr>
-</p:sld>
-</file>
-
-<file path=ppt/slides/slide4.xml><?xml version="1.0" encoding="utf-8"?>
-<p:sld xmlns:a="http://schemas.openxmlformats.org/drawingml/2006/main" xmlns:r="http://schemas.openxmlformats.org/officeDocument/2006/relationships" xmlns:p="http://schemas.openxmlformats.org/presentationml/2006/main">
-  <p:cSld>
-    <p:spTree>
-      <p:nvGrpSpPr>
-        <p:cNvPr id="1" name=""/>
-        <p:cNvGrpSpPr/>
-        <p:nvPr/>
-      </p:nvGrpSpPr>
-      <p:grpSpPr>
-        <a:xfrm>
-          <a:off x="0" y="0"/>
-          <a:ext cx="0" cy="0"/>
-          <a:chOff x="0" y="0"/>
-          <a:chExt cx="0" cy="0"/>
-        </a:xfrm>
-      </p:grpSpPr>
-      <p:sp>
-        <p:nvSpPr>
-          <p:cNvPr id="4" name="Footer Placeholder 3">
-            <a:extLst>
-              <a:ext uri="{FF2B5EF4-FFF2-40B4-BE49-F238E27FC236}">
-                <a16:creationId xmlns:a16="http://schemas.microsoft.com/office/drawing/2014/main" id="{6F58536D-8C0A-49D6-A955-755810636955}"/>
-              </a:ext>
-            </a:extLst>
-          </p:cNvPr>
-          <p:cNvSpPr>
-            <a:spLocks noGrp="1"/>
-          </p:cNvSpPr>
-          <p:nvPr>
-            <p:ph type="ftr" sz="quarter" idx="11"/>
-          </p:nvPr>
-        </p:nvSpPr>
-        <p:spPr>
-          <a:xfrm>
-            <a:off x="4968000" y="5004000"/>
-            <a:ext cx="3240000" cy="108000"/>
-          </a:xfrm>
-        </p:spPr>
-        <p:txBody>
-          <a:bodyPr anchor="t">
-            <a:normAutofit/>
-          </a:bodyPr>
-          <a:lstStyle/>
-          <a:p>
-            <a:pPr>
-              <a:spcAft>
-                <a:spcPts val="600"/>
-              </a:spcAft>
-            </a:pPr>
-            <a:r>
-              <a:rPr lang="nl-NL"/>
-              <a:t>elasticsearch</a:t>
-            </a:r>
-          </a:p>
-        </p:txBody>
-      </p:sp>
-      <p:sp>
-        <p:nvSpPr>
-          <p:cNvPr id="5" name="Slide Number Placeholder 4">
-            <a:extLst>
-              <a:ext uri="{FF2B5EF4-FFF2-40B4-BE49-F238E27FC236}">
-                <a16:creationId xmlns:a16="http://schemas.microsoft.com/office/drawing/2014/main" id="{E8C2995E-923F-4DB6-9ABB-F11BCF2949B1}"/>
-              </a:ext>
-            </a:extLst>
-          </p:cNvPr>
-          <p:cNvSpPr>
-            <a:spLocks noGrp="1"/>
-          </p:cNvSpPr>
-          <p:nvPr>
-            <p:ph type="sldNum" sz="quarter" idx="12"/>
-          </p:nvPr>
-        </p:nvSpPr>
-        <p:spPr>
-          <a:xfrm>
-            <a:off x="8280000" y="5004000"/>
-            <a:ext cx="144000" cy="108000"/>
-          </a:xfrm>
-        </p:spPr>
-        <p:txBody>
-          <a:bodyPr anchor="t">
-            <a:normAutofit/>
-          </a:bodyPr>
-          <a:lstStyle/>
-          <a:p>
-            <a:pPr>
-              <a:spcAft>
-                <a:spcPts val="600"/>
-              </a:spcAft>
-            </a:pPr>
-            <a:fld id="{14F1411D-0280-154F-AEAC-4C20B7AA46B2}" type="slidenum">
-              <a:rPr lang="nl-NL" smtClean="0"/>
-              <a:pPr>
-                <a:spcAft>
-                  <a:spcPts val="600"/>
-                </a:spcAft>
-              </a:pPr>
-              <a:t>4</a:t>
-            </a:fld>
-            <a:endParaRPr lang="nl-NL"/>
-          </a:p>
-        </p:txBody>
-      </p:sp>
-      <p:sp>
-        <p:nvSpPr>
-          <p:cNvPr id="2" name="Title 1">
-            <a:extLst>
-              <a:ext uri="{FF2B5EF4-FFF2-40B4-BE49-F238E27FC236}">
-                <a16:creationId xmlns:a16="http://schemas.microsoft.com/office/drawing/2014/main" id="{4BD4825D-FA67-4C25-82CD-0C507000932B}"/>
-              </a:ext>
-            </a:extLst>
-          </p:cNvPr>
-          <p:cNvSpPr>
-            <a:spLocks noGrp="1"/>
-          </p:cNvSpPr>
-          <p:nvPr>
-            <p:ph type="title"/>
-          </p:nvPr>
-        </p:nvSpPr>
-        <p:spPr>
-          <a:xfrm>
-            <a:off x="719999" y="288000"/>
-            <a:ext cx="6624000" cy="504000"/>
-          </a:xfrm>
-        </p:spPr>
-        <p:txBody>
-          <a:bodyPr anchor="ctr">
-            <a:normAutofit/>
-          </a:bodyPr>
-          <a:lstStyle/>
-          <a:p>
-            <a:r>
-              <a:rPr lang="en-GB" dirty="0"/>
-              <a:t>Advantages and disadvantages</a:t>
-            </a:r>
-            <a:endParaRPr lang="en-NL" dirty="0"/>
-          </a:p>
-        </p:txBody>
-      </p:sp>
-      <p:sp>
-        <p:nvSpPr>
-          <p:cNvPr id="3" name="Content Placeholder 2">
-            <a:extLst>
-              <a:ext uri="{FF2B5EF4-FFF2-40B4-BE49-F238E27FC236}">
-                <a16:creationId xmlns:a16="http://schemas.microsoft.com/office/drawing/2014/main" id="{797DA23D-AC0E-4F5C-AD50-F75A088F9E04}"/>
-              </a:ext>
-            </a:extLst>
-          </p:cNvPr>
-          <p:cNvSpPr>
-            <a:spLocks noGrp="1"/>
-          </p:cNvSpPr>
-          <p:nvPr>
-            <p:ph idx="1"/>
-          </p:nvPr>
-        </p:nvSpPr>
-        <p:spPr>
-          <a:xfrm>
-            <a:off x="720003" y="1224000"/>
-            <a:ext cx="3744993" cy="3491999"/>
-          </a:xfrm>
-        </p:spPr>
-        <p:txBody>
-          <a:bodyPr anchor="t">
-            <a:normAutofit/>
-          </a:bodyPr>
-          <a:lstStyle/>
-          <a:p>
-            <a:pPr>
-              <a:spcAft>
-                <a:spcPts val="600"/>
-              </a:spcAft>
-            </a:pPr>
-            <a:r>
-              <a:rPr lang="en-GB" dirty="0"/>
-              <a:t>Fast searching of big data sets</a:t>
-            </a:r>
-          </a:p>
-          <a:p>
-            <a:pPr>
-              <a:spcAft>
-                <a:spcPts val="600"/>
-              </a:spcAft>
-            </a:pPr>
-            <a:r>
-              <a:rPr lang="en-GB" dirty="0"/>
-              <a:t>Full-text search</a:t>
-            </a:r>
-          </a:p>
-          <a:p>
-            <a:pPr>
-              <a:spcAft>
-                <a:spcPts val="600"/>
-              </a:spcAft>
-            </a:pPr>
-            <a:r>
-              <a:rPr lang="en-GB" dirty="0"/>
-              <a:t>Fuzzy searching</a:t>
-            </a:r>
-          </a:p>
-          <a:p>
-            <a:pPr>
-              <a:spcAft>
-                <a:spcPts val="600"/>
-              </a:spcAft>
-            </a:pPr>
-            <a:r>
-              <a:rPr lang="en-GB" dirty="0"/>
-              <a:t>Aggregations of data</a:t>
-            </a:r>
-          </a:p>
-          <a:p>
-            <a:pPr>
-              <a:spcAft>
-                <a:spcPts val="600"/>
-              </a:spcAft>
-            </a:pPr>
-            <a:r>
-              <a:rPr lang="en-GB" dirty="0"/>
-              <a:t>Easy to index</a:t>
-            </a:r>
-          </a:p>
-          <a:p>
-            <a:pPr>
-              <a:spcAft>
-                <a:spcPts val="600"/>
-              </a:spcAft>
-            </a:pPr>
-            <a:r>
-              <a:rPr lang="en-GB" dirty="0"/>
-              <a:t>Easily scalable</a:t>
-            </a:r>
-          </a:p>
-          <a:p>
-            <a:pPr>
-              <a:spcAft>
-                <a:spcPts val="600"/>
-              </a:spcAft>
-            </a:pPr>
-            <a:endParaRPr lang="en-GB" dirty="0"/>
-          </a:p>
-          <a:p>
-            <a:pPr lvl="1">
-              <a:spcAft>
-                <a:spcPts val="600"/>
-              </a:spcAft>
-            </a:pPr>
-            <a:endParaRPr lang="en-GB" dirty="0"/>
-          </a:p>
-          <a:p>
-            <a:pPr lvl="1">
-              <a:spcAft>
-                <a:spcPts val="600"/>
-              </a:spcAft>
-            </a:pPr>
-            <a:endParaRPr lang="en-GB" dirty="0"/>
-          </a:p>
-          <a:p>
-            <a:pPr lvl="1">
-              <a:spcAft>
-                <a:spcPts val="600"/>
-              </a:spcAft>
-            </a:pPr>
-            <a:endParaRPr lang="en-GB" dirty="0"/>
-          </a:p>
-          <a:p>
-            <a:pPr>
-              <a:spcAft>
-                <a:spcPts val="600"/>
-              </a:spcAft>
-            </a:pPr>
-            <a:endParaRPr lang="en-NL" dirty="0"/>
-          </a:p>
-        </p:txBody>
-      </p:sp>
-      <p:sp>
-        <p:nvSpPr>
-          <p:cNvPr id="10" name="Text Placeholder 5">
-            <a:extLst>
-              <a:ext uri="{FF2B5EF4-FFF2-40B4-BE49-F238E27FC236}">
-                <a16:creationId xmlns:a16="http://schemas.microsoft.com/office/drawing/2014/main" id="{C941C9D8-1DC1-464B-AAF3-DC82E2B25AD5}"/>
-              </a:ext>
-            </a:extLst>
-          </p:cNvPr>
-          <p:cNvSpPr>
-            <a:spLocks noGrp="1"/>
-          </p:cNvSpPr>
-          <p:nvPr>
-            <p:ph type="body" idx="13"/>
-          </p:nvPr>
-        </p:nvSpPr>
-        <p:spPr>
-          <a:xfrm>
-            <a:off x="719998" y="936000"/>
-            <a:ext cx="3744995" cy="288000"/>
-          </a:xfrm>
-        </p:spPr>
-        <p:txBody>
-          <a:bodyPr/>
-          <a:lstStyle/>
-          <a:p>
-            <a:r>
-              <a:rPr lang="en-GB" dirty="0"/>
-              <a:t>Advantages</a:t>
-            </a:r>
-            <a:endParaRPr lang="en-US" dirty="0"/>
-          </a:p>
-        </p:txBody>
-      </p:sp>
-      <p:sp>
-        <p:nvSpPr>
-          <p:cNvPr id="12" name="Content Placeholder 6">
-            <a:extLst>
-              <a:ext uri="{FF2B5EF4-FFF2-40B4-BE49-F238E27FC236}">
-                <a16:creationId xmlns:a16="http://schemas.microsoft.com/office/drawing/2014/main" id="{9A0E28AF-E1E4-4D60-89A3-4EC60970E223}"/>
-              </a:ext>
-            </a:extLst>
-          </p:cNvPr>
-          <p:cNvSpPr>
-            <a:spLocks noGrp="1"/>
-          </p:cNvSpPr>
-          <p:nvPr>
-            <p:ph idx="14"/>
-          </p:nvPr>
-        </p:nvSpPr>
-        <p:spPr>
-          <a:xfrm>
-            <a:off x="4679007" y="1224000"/>
-            <a:ext cx="3744993" cy="3491999"/>
-          </a:xfrm>
-        </p:spPr>
-        <p:txBody>
-          <a:bodyPr/>
-          <a:lstStyle/>
-          <a:p>
-            <a:r>
-              <a:rPr lang="en-US" dirty="0"/>
-              <a:t>Relatively slow at adding new data</a:t>
-            </a:r>
-          </a:p>
-          <a:p>
-            <a:r>
-              <a:rPr lang="en-US" dirty="0"/>
-              <a:t>No “blocking” of transactions</a:t>
-            </a:r>
-          </a:p>
-          <a:p>
-            <a:r>
-              <a:rPr lang="en-US" dirty="0"/>
-              <a:t>No feature for authorization or authentication</a:t>
-            </a:r>
-          </a:p>
-          <a:p>
-            <a:r>
-              <a:rPr lang="en-US" dirty="0"/>
-              <a:t>Cluster can become irrecoverable after hardware failure or power outage resulting in data loss -&gt; use other database as primary</a:t>
-            </a:r>
-          </a:p>
-          <a:p>
-            <a:r>
-              <a:rPr lang="en-US" dirty="0"/>
-              <a:t>“Complex” query mechanism</a:t>
-            </a:r>
-          </a:p>
-        </p:txBody>
-      </p:sp>
-      <p:sp>
-        <p:nvSpPr>
-          <p:cNvPr id="14" name="Text Placeholder 7">
-            <a:extLst>
-              <a:ext uri="{FF2B5EF4-FFF2-40B4-BE49-F238E27FC236}">
-                <a16:creationId xmlns:a16="http://schemas.microsoft.com/office/drawing/2014/main" id="{05B8CDAC-55A7-424C-BA47-2F6F425C2922}"/>
-              </a:ext>
-            </a:extLst>
-          </p:cNvPr>
-          <p:cNvSpPr>
-            <a:spLocks noGrp="1"/>
-          </p:cNvSpPr>
-          <p:nvPr>
-            <p:ph type="body" idx="15"/>
-          </p:nvPr>
-        </p:nvSpPr>
-        <p:spPr>
-          <a:xfrm>
-            <a:off x="4679004" y="936000"/>
-            <a:ext cx="3744995" cy="288000"/>
-          </a:xfrm>
-        </p:spPr>
-        <p:txBody>
-          <a:bodyPr/>
-          <a:lstStyle/>
-          <a:p>
-            <a:r>
-              <a:rPr lang="en-GB" dirty="0"/>
-              <a:t>Disadvantages</a:t>
-            </a:r>
-            <a:endParaRPr lang="en-US" dirty="0"/>
-          </a:p>
-        </p:txBody>
-      </p:sp>
-    </p:spTree>
-    <p:extLst>
-      <p:ext uri="{BB962C8B-B14F-4D97-AF65-F5344CB8AC3E}">
-        <p14:creationId xmlns:p14="http://schemas.microsoft.com/office/powerpoint/2010/main" val="1189262961"/>
-      </p:ext>
-    </p:extLst>
-  </p:cSld>
-  <p:clrMapOvr>
-    <a:masterClrMapping/>
-  </p:clrMapOvr>
-</p:sld>
-</file>
-
-<file path=ppt/slides/slide40.xml><?xml version="1.0" encoding="utf-8"?>
-<p:sld xmlns:a="http://schemas.openxmlformats.org/drawingml/2006/main" xmlns:r="http://schemas.openxmlformats.org/officeDocument/2006/relationships" xmlns:p="http://schemas.openxmlformats.org/presentationml/2006/main">
-  <p:cSld>
-    <p:spTree>
-      <p:nvGrpSpPr>
-        <p:cNvPr id="1" name=""/>
-        <p:cNvGrpSpPr/>
-        <p:nvPr/>
-      </p:nvGrpSpPr>
-      <p:grpSpPr>
-        <a:xfrm>
-          <a:off x="0" y="0"/>
-          <a:ext cx="0" cy="0"/>
-          <a:chOff x="0" y="0"/>
-          <a:chExt cx="0" cy="0"/>
-        </a:xfrm>
-      </p:grpSpPr>
-      <p:sp>
-        <p:nvSpPr>
-          <p:cNvPr id="2" name="Title 1">
-            <a:extLst>
-              <a:ext uri="{FF2B5EF4-FFF2-40B4-BE49-F238E27FC236}">
                 <a16:creationId xmlns:a16="http://schemas.microsoft.com/office/drawing/2014/main" id="{A50AD37F-7A6C-4E9B-B5DD-BEE9370CAA35}"/>
               </a:ext>
             </a:extLst>
@@ -16046,7 +15241,7 @@
           <a:p>
             <a:fld id="{14F1411D-0280-154F-AEAC-4C20B7AA46B2}" type="slidenum">
               <a:rPr lang="nl-NL" smtClean="0"/>
-              <a:t>40</a:t>
+              <a:t>38</a:t>
             </a:fld>
             <a:endParaRPr lang="nl-NL"/>
           </a:p>
@@ -16123,7 +15318,7 @@
 </p:sld>
 </file>
 
-<file path=ppt/slides/slide41.xml><?xml version="1.0" encoding="utf-8"?>
+<file path=ppt/slides/slide39.xml><?xml version="1.0" encoding="utf-8"?>
 <p:sld xmlns:a="http://schemas.openxmlformats.org/drawingml/2006/main" xmlns:r="http://schemas.openxmlformats.org/officeDocument/2006/relationships" xmlns:p="http://schemas.openxmlformats.org/presentationml/2006/main">
   <p:cSld>
     <p:spTree>
@@ -16311,7 +15506,7 @@
           <a:p>
             <a:fld id="{14F1411D-0280-154F-AEAC-4C20B7AA46B2}" type="slidenum">
               <a:rPr lang="nl-NL" smtClean="0"/>
-              <a:t>41</a:t>
+              <a:t>39</a:t>
             </a:fld>
             <a:endParaRPr lang="nl-NL"/>
           </a:p>
@@ -16338,7 +15533,7 @@
         </p:blipFill>
         <p:spPr>
           <a:xfrm>
-            <a:off x="929009" y="1179653"/>
+            <a:off x="522514" y="1179653"/>
             <a:ext cx="2955665" cy="3171847"/>
           </a:xfrm>
           <a:prstGeom prst="rect">
@@ -16362,13 +15557,13 @@
         </p:nvPicPr>
         <p:blipFill rotWithShape="1">
           <a:blip r:embed="rId4"/>
-          <a:srcRect t="78448" r="31051"/>
+          <a:srcRect l="1967" t="54665" r="31051" b="-1"/>
           <a:stretch/>
         </p:blipFill>
         <p:spPr>
           <a:xfrm>
-            <a:off x="4409204" y="2743203"/>
-            <a:ext cx="2836327" cy="1009255"/>
+            <a:off x="6257315" y="2292951"/>
+            <a:ext cx="2755437" cy="2123039"/>
           </a:xfrm>
           <a:prstGeom prst="rect">
             <a:avLst/>
@@ -16391,13 +15586,13 @@
         </p:nvPicPr>
         <p:blipFill rotWithShape="1">
           <a:blip r:embed="rId4"/>
-          <a:srcRect r="31051" b="67223"/>
+          <a:srcRect l="5294" r="31051" b="45228"/>
           <a:stretch/>
         </p:blipFill>
         <p:spPr>
           <a:xfrm>
-            <a:off x="4409204" y="1208334"/>
-            <a:ext cx="2836327" cy="1534869"/>
+            <a:off x="3547597" y="1179652"/>
+            <a:ext cx="2618560" cy="2564877"/>
           </a:xfrm>
           <a:prstGeom prst="rect">
             <a:avLst/>
@@ -16461,7 +15656,7 @@
 </p:sld>
 </file>
 
-<file path=ppt/slides/slide42.xml><?xml version="1.0" encoding="utf-8"?>
+<file path=ppt/slides/slide4.xml><?xml version="1.0" encoding="utf-8"?>
 <p:sld xmlns:a="http://schemas.openxmlformats.org/drawingml/2006/main" xmlns:r="http://schemas.openxmlformats.org/officeDocument/2006/relationships" xmlns:p="http://schemas.openxmlformats.org/presentationml/2006/main">
   <p:cSld>
     <p:spTree>
@@ -16480,144 +15675,13 @@
       </p:grpSpPr>
       <p:sp>
         <p:nvSpPr>
-          <p:cNvPr id="2" name="Title 1"/>
-          <p:cNvSpPr>
-            <a:spLocks noGrp="1"/>
-          </p:cNvSpPr>
-          <p:nvPr>
-            <p:ph type="title"/>
-          </p:nvPr>
-        </p:nvSpPr>
-        <p:spPr/>
-        <p:txBody>
-          <a:bodyPr/>
-          <a:lstStyle/>
-          <a:p>
-            <a:r>
-              <a:rPr lang="nl-NL" dirty="0"/>
-              <a:t>Hands-on (19:00 -20:00)</a:t>
-            </a:r>
-          </a:p>
-        </p:txBody>
-      </p:sp>
-      <p:sp>
-        <p:nvSpPr>
-          <p:cNvPr id="3" name="Content Placeholder 2"/>
-          <p:cNvSpPr>
-            <a:spLocks noGrp="1"/>
-          </p:cNvSpPr>
-          <p:nvPr>
-            <p:ph idx="1"/>
-          </p:nvPr>
-        </p:nvSpPr>
-        <p:spPr/>
-        <p:txBody>
-          <a:bodyPr/>
-          <a:lstStyle/>
-          <a:p>
-            <a:r>
-              <a:rPr lang="nl-NL" dirty="0">
-                <a:hlinkClick r:id="rId2">
-                  <a:extLst>
-                    <a:ext uri="{A12FA001-AC4F-418D-AE19-62706E023703}">
-                      <ahyp:hlinkClr xmlns:ahyp="http://schemas.microsoft.com/office/drawing/2018/hyperlinkcolor" val="tx"/>
-                    </a:ext>
-                  </a:extLst>
-                </a:hlinkClick>
-              </a:rPr>
-              <a:t>https://github.com/AMIS-Services/sig-elasticsearch-may2020</a:t>
-            </a:r>
-            <a:endParaRPr lang="nl-NL" dirty="0"/>
-          </a:p>
-          <a:p>
-            <a:endParaRPr lang="nl-NL" dirty="0"/>
-          </a:p>
-          <a:p>
-            <a:r>
-              <a:rPr lang="nl-NL" dirty="0"/>
-              <a:t>Running elasticsearch in docker</a:t>
-            </a:r>
-          </a:p>
-          <a:p>
-            <a:r>
-              <a:rPr lang="nl-NL" dirty="0"/>
-              <a:t>Use of recipes data from </a:t>
-            </a:r>
-            <a:r>
-              <a:rPr lang="nl-NL" dirty="0">
-                <a:hlinkClick r:id="rId3">
-                  <a:extLst>
-                    <a:ext uri="{A12FA001-AC4F-418D-AE19-62706E023703}">
-                      <ahyp:hlinkClr xmlns:ahyp="http://schemas.microsoft.com/office/drawing/2018/hyperlinkcolor" val="tx"/>
-                    </a:ext>
-                  </a:extLst>
-                </a:hlinkClick>
-              </a:rPr>
-              <a:t>https://openrecip.es/</a:t>
-            </a:r>
-            <a:endParaRPr lang="nl-NL" dirty="0"/>
-          </a:p>
-          <a:p>
-            <a:endParaRPr lang="nl-NL" dirty="0"/>
-          </a:p>
-          <a:p>
-            <a:r>
-              <a:rPr lang="nl-NL" dirty="0"/>
-              <a:t>Topics:</a:t>
-            </a:r>
-          </a:p>
-          <a:p>
-            <a:pPr lvl="1"/>
-            <a:r>
-              <a:rPr lang="en-US" sz="1400" dirty="0"/>
-              <a:t>Cluster info and Indexing</a:t>
-            </a:r>
-          </a:p>
-          <a:p>
-            <a:pPr lvl="1"/>
-            <a:r>
-              <a:rPr lang="en-US" sz="1400" dirty="0"/>
-              <a:t>Queries and aggregations</a:t>
-            </a:r>
-          </a:p>
-          <a:p>
-            <a:pPr lvl="1"/>
-            <a:r>
-              <a:rPr lang="en-US" sz="1400" dirty="0"/>
-              <a:t>Connecting to </a:t>
-            </a:r>
-            <a:r>
-              <a:rPr lang="en-US" sz="1400" dirty="0" err="1"/>
-              <a:t>ElasticSearch</a:t>
-            </a:r>
-            <a:r>
-              <a:rPr lang="en-US" sz="1400" dirty="0"/>
-              <a:t> with Node.js</a:t>
-            </a:r>
-          </a:p>
-          <a:p>
-            <a:pPr lvl="1"/>
-            <a:r>
-              <a:rPr lang="en-US" sz="1400" dirty="0"/>
-              <a:t>Connecting to </a:t>
-            </a:r>
-            <a:r>
-              <a:rPr lang="en-US" sz="1400" dirty="0" err="1"/>
-              <a:t>ElasticSearch</a:t>
-            </a:r>
-            <a:r>
-              <a:rPr lang="en-US" sz="1400" dirty="0"/>
-              <a:t> with spring</a:t>
-            </a:r>
-          </a:p>
-          <a:p>
-            <a:endParaRPr lang="nl-NL" dirty="0"/>
-          </a:p>
-        </p:txBody>
-      </p:sp>
-      <p:sp>
-        <p:nvSpPr>
-          <p:cNvPr id="4" name="Footer Placeholder 3"/>
+          <p:cNvPr id="4" name="Footer Placeholder 3">
+            <a:extLst>
+              <a:ext uri="{FF2B5EF4-FFF2-40B4-BE49-F238E27FC236}">
+                <a16:creationId xmlns:a16="http://schemas.microsoft.com/office/drawing/2014/main" id="{6F58536D-8C0A-49D6-A955-755810636955}"/>
+              </a:ext>
+            </a:extLst>
+          </p:cNvPr>
           <p:cNvSpPr>
             <a:spLocks noGrp="1"/>
           </p:cNvSpPr>
@@ -16625,11 +15689,23 @@
             <p:ph type="ftr" sz="quarter" idx="11"/>
           </p:nvPr>
         </p:nvSpPr>
-        <p:spPr/>
-        <p:txBody>
-          <a:bodyPr/>
-          <a:lstStyle/>
-          <a:p>
+        <p:spPr>
+          <a:xfrm>
+            <a:off x="4968000" y="5004000"/>
+            <a:ext cx="3240000" cy="108000"/>
+          </a:xfrm>
+        </p:spPr>
+        <p:txBody>
+          <a:bodyPr anchor="t">
+            <a:normAutofit/>
+          </a:bodyPr>
+          <a:lstStyle/>
+          <a:p>
+            <a:pPr>
+              <a:spcAft>
+                <a:spcPts val="600"/>
+              </a:spcAft>
+            </a:pPr>
             <a:r>
               <a:rPr lang="nl-NL"/>
               <a:t>elasticsearch</a:t>
@@ -16639,7 +15715,13 @@
       </p:sp>
       <p:sp>
         <p:nvSpPr>
-          <p:cNvPr id="5" name="Slide Number Placeholder 4"/>
+          <p:cNvPr id="5" name="Slide Number Placeholder 4">
+            <a:extLst>
+              <a:ext uri="{FF2B5EF4-FFF2-40B4-BE49-F238E27FC236}">
+                <a16:creationId xmlns:a16="http://schemas.microsoft.com/office/drawing/2014/main" id="{E8C2995E-923F-4DB6-9ABB-F11BCF2949B1}"/>
+              </a:ext>
+            </a:extLst>
+          </p:cNvPr>
           <p:cNvSpPr>
             <a:spLocks noGrp="1"/>
           </p:cNvSpPr>
@@ -16647,48 +15729,336 @@
             <p:ph type="sldNum" sz="quarter" idx="12"/>
           </p:nvPr>
         </p:nvSpPr>
-        <p:spPr/>
-        <p:txBody>
-          <a:bodyPr/>
-          <a:lstStyle/>
-          <a:p>
+        <p:spPr>
+          <a:xfrm>
+            <a:off x="8280000" y="5004000"/>
+            <a:ext cx="144000" cy="108000"/>
+          </a:xfrm>
+        </p:spPr>
+        <p:txBody>
+          <a:bodyPr anchor="t">
+            <a:normAutofit/>
+          </a:bodyPr>
+          <a:lstStyle/>
+          <a:p>
+            <a:pPr>
+              <a:spcAft>
+                <a:spcPts val="600"/>
+              </a:spcAft>
+            </a:pPr>
             <a:fld id="{14F1411D-0280-154F-AEAC-4C20B7AA46B2}" type="slidenum">
               <a:rPr lang="nl-NL" smtClean="0"/>
-              <a:t>42</a:t>
+              <a:pPr>
+                <a:spcAft>
+                  <a:spcPts val="600"/>
+                </a:spcAft>
+              </a:pPr>
+              <a:t>4</a:t>
             </a:fld>
             <a:endParaRPr lang="nl-NL"/>
           </a:p>
         </p:txBody>
       </p:sp>
-      <p:pic>
-        <p:nvPicPr>
-          <p:cNvPr id="9" name="Picture Placeholder 8"/>
-          <p:cNvPicPr>
-            <a:picLocks noGrp="1" noChangeAspect="1"/>
-          </p:cNvPicPr>
-          <p:nvPr>
-            <p:ph type="pic" idx="13"/>
-          </p:nvPr>
-        </p:nvPicPr>
-        <p:blipFill>
-          <a:blip r:embed="rId4">
+      <p:sp>
+        <p:nvSpPr>
+          <p:cNvPr id="2" name="Title 1">
             <a:extLst>
-              <a:ext uri="{28A0092B-C50C-407E-A947-70E740481C1C}">
-                <a14:useLocalDpi xmlns:a14="http://schemas.microsoft.com/office/drawing/2010/main" val="0"/>
+              <a:ext uri="{FF2B5EF4-FFF2-40B4-BE49-F238E27FC236}">
+                <a16:creationId xmlns:a16="http://schemas.microsoft.com/office/drawing/2014/main" id="{4BD4825D-FA67-4C25-82CD-0C507000932B}"/>
               </a:ext>
             </a:extLst>
-          </a:blip>
-          <a:srcRect t="1" b="1"/>
-          <a:stretch>
-            <a:fillRect/>
-          </a:stretch>
-        </p:blipFill>
-        <p:spPr/>
-      </p:pic>
+          </p:cNvPr>
+          <p:cNvSpPr>
+            <a:spLocks noGrp="1"/>
+          </p:cNvSpPr>
+          <p:nvPr>
+            <p:ph type="title"/>
+          </p:nvPr>
+        </p:nvSpPr>
+        <p:spPr>
+          <a:xfrm>
+            <a:off x="719999" y="288000"/>
+            <a:ext cx="6624000" cy="504000"/>
+          </a:xfrm>
+        </p:spPr>
+        <p:txBody>
+          <a:bodyPr anchor="ctr">
+            <a:normAutofit/>
+          </a:bodyPr>
+          <a:lstStyle/>
+          <a:p>
+            <a:r>
+              <a:rPr lang="en-GB" dirty="0"/>
+              <a:t>Advantages and disadvantages</a:t>
+            </a:r>
+            <a:endParaRPr lang="en-NL" dirty="0"/>
+          </a:p>
+        </p:txBody>
+      </p:sp>
+      <p:sp>
+        <p:nvSpPr>
+          <p:cNvPr id="3" name="Content Placeholder 2">
+            <a:extLst>
+              <a:ext uri="{FF2B5EF4-FFF2-40B4-BE49-F238E27FC236}">
+                <a16:creationId xmlns:a16="http://schemas.microsoft.com/office/drawing/2014/main" id="{797DA23D-AC0E-4F5C-AD50-F75A088F9E04}"/>
+              </a:ext>
+            </a:extLst>
+          </p:cNvPr>
+          <p:cNvSpPr>
+            <a:spLocks noGrp="1"/>
+          </p:cNvSpPr>
+          <p:nvPr>
+            <p:ph idx="1"/>
+          </p:nvPr>
+        </p:nvSpPr>
+        <p:spPr>
+          <a:xfrm>
+            <a:off x="720003" y="1224000"/>
+            <a:ext cx="3744993" cy="3491999"/>
+          </a:xfrm>
+        </p:spPr>
+        <p:txBody>
+          <a:bodyPr anchor="t">
+            <a:normAutofit/>
+          </a:bodyPr>
+          <a:lstStyle/>
+          <a:p>
+            <a:pPr>
+              <a:spcAft>
+                <a:spcPts val="600"/>
+              </a:spcAft>
+            </a:pPr>
+            <a:r>
+              <a:rPr lang="en-GB" dirty="0"/>
+              <a:t>Fast searching of big data sets</a:t>
+            </a:r>
+          </a:p>
+          <a:p>
+            <a:pPr>
+              <a:spcAft>
+                <a:spcPts val="600"/>
+              </a:spcAft>
+            </a:pPr>
+            <a:r>
+              <a:rPr lang="en-GB" dirty="0"/>
+              <a:t>Full-text search</a:t>
+            </a:r>
+          </a:p>
+          <a:p>
+            <a:pPr>
+              <a:spcAft>
+                <a:spcPts val="600"/>
+              </a:spcAft>
+            </a:pPr>
+            <a:r>
+              <a:rPr lang="en-GB" dirty="0"/>
+              <a:t>Fuzzy searching</a:t>
+            </a:r>
+          </a:p>
+          <a:p>
+            <a:pPr>
+              <a:spcAft>
+                <a:spcPts val="600"/>
+              </a:spcAft>
+            </a:pPr>
+            <a:r>
+              <a:rPr lang="en-GB" dirty="0"/>
+              <a:t>Aggregations of data</a:t>
+            </a:r>
+          </a:p>
+          <a:p>
+            <a:pPr>
+              <a:spcAft>
+                <a:spcPts val="600"/>
+              </a:spcAft>
+            </a:pPr>
+            <a:r>
+              <a:rPr lang="en-GB" dirty="0"/>
+              <a:t>Easy to index</a:t>
+            </a:r>
+          </a:p>
+          <a:p>
+            <a:pPr>
+              <a:spcAft>
+                <a:spcPts val="600"/>
+              </a:spcAft>
+            </a:pPr>
+            <a:r>
+              <a:rPr lang="en-GB" dirty="0"/>
+              <a:t>Easily scalable</a:t>
+            </a:r>
+          </a:p>
+          <a:p>
+            <a:pPr>
+              <a:spcAft>
+                <a:spcPts val="600"/>
+              </a:spcAft>
+            </a:pPr>
+            <a:endParaRPr lang="en-GB" dirty="0"/>
+          </a:p>
+          <a:p>
+            <a:pPr lvl="1">
+              <a:spcAft>
+                <a:spcPts val="600"/>
+              </a:spcAft>
+            </a:pPr>
+            <a:endParaRPr lang="en-GB" dirty="0"/>
+          </a:p>
+          <a:p>
+            <a:pPr lvl="1">
+              <a:spcAft>
+                <a:spcPts val="600"/>
+              </a:spcAft>
+            </a:pPr>
+            <a:endParaRPr lang="en-GB" dirty="0"/>
+          </a:p>
+          <a:p>
+            <a:pPr lvl="1">
+              <a:spcAft>
+                <a:spcPts val="600"/>
+              </a:spcAft>
+            </a:pPr>
+            <a:endParaRPr lang="en-GB" dirty="0"/>
+          </a:p>
+          <a:p>
+            <a:pPr>
+              <a:spcAft>
+                <a:spcPts val="600"/>
+              </a:spcAft>
+            </a:pPr>
+            <a:endParaRPr lang="en-NL" dirty="0"/>
+          </a:p>
+        </p:txBody>
+      </p:sp>
+      <p:sp>
+        <p:nvSpPr>
+          <p:cNvPr id="10" name="Text Placeholder 5">
+            <a:extLst>
+              <a:ext uri="{FF2B5EF4-FFF2-40B4-BE49-F238E27FC236}">
+                <a16:creationId xmlns:a16="http://schemas.microsoft.com/office/drawing/2014/main" id="{C941C9D8-1DC1-464B-AAF3-DC82E2B25AD5}"/>
+              </a:ext>
+            </a:extLst>
+          </p:cNvPr>
+          <p:cNvSpPr>
+            <a:spLocks noGrp="1"/>
+          </p:cNvSpPr>
+          <p:nvPr>
+            <p:ph type="body" idx="13"/>
+          </p:nvPr>
+        </p:nvSpPr>
+        <p:spPr>
+          <a:xfrm>
+            <a:off x="719998" y="936000"/>
+            <a:ext cx="3744995" cy="288000"/>
+          </a:xfrm>
+        </p:spPr>
+        <p:txBody>
+          <a:bodyPr/>
+          <a:lstStyle/>
+          <a:p>
+            <a:r>
+              <a:rPr lang="en-GB" dirty="0"/>
+              <a:t>Advantages</a:t>
+            </a:r>
+            <a:endParaRPr lang="en-US" dirty="0"/>
+          </a:p>
+        </p:txBody>
+      </p:sp>
+      <p:sp>
+        <p:nvSpPr>
+          <p:cNvPr id="12" name="Content Placeholder 6">
+            <a:extLst>
+              <a:ext uri="{FF2B5EF4-FFF2-40B4-BE49-F238E27FC236}">
+                <a16:creationId xmlns:a16="http://schemas.microsoft.com/office/drawing/2014/main" id="{9A0E28AF-E1E4-4D60-89A3-4EC60970E223}"/>
+              </a:ext>
+            </a:extLst>
+          </p:cNvPr>
+          <p:cNvSpPr>
+            <a:spLocks noGrp="1"/>
+          </p:cNvSpPr>
+          <p:nvPr>
+            <p:ph idx="14"/>
+          </p:nvPr>
+        </p:nvSpPr>
+        <p:spPr>
+          <a:xfrm>
+            <a:off x="4679007" y="1224000"/>
+            <a:ext cx="3744993" cy="3491999"/>
+          </a:xfrm>
+        </p:spPr>
+        <p:txBody>
+          <a:bodyPr/>
+          <a:lstStyle/>
+          <a:p>
+            <a:r>
+              <a:rPr lang="en-US" dirty="0"/>
+              <a:t>Relatively slow at adding new data</a:t>
+            </a:r>
+          </a:p>
+          <a:p>
+            <a:r>
+              <a:rPr lang="en-US" dirty="0"/>
+              <a:t>No “blocking” of transactions</a:t>
+            </a:r>
+          </a:p>
+          <a:p>
+            <a:r>
+              <a:rPr lang="en-US" dirty="0"/>
+              <a:t>No feature for authorization or authentication</a:t>
+            </a:r>
+          </a:p>
+          <a:p>
+            <a:r>
+              <a:rPr lang="en-US" dirty="0"/>
+              <a:t>Cluster can become irrecoverable after hardware failure or power outage resulting in data loss -&gt; use other database as primary</a:t>
+            </a:r>
+          </a:p>
+          <a:p>
+            <a:r>
+              <a:rPr lang="en-US" dirty="0"/>
+              <a:t>“Complex” query mechanism</a:t>
+            </a:r>
+          </a:p>
+        </p:txBody>
+      </p:sp>
+      <p:sp>
+        <p:nvSpPr>
+          <p:cNvPr id="14" name="Text Placeholder 7">
+            <a:extLst>
+              <a:ext uri="{FF2B5EF4-FFF2-40B4-BE49-F238E27FC236}">
+                <a16:creationId xmlns:a16="http://schemas.microsoft.com/office/drawing/2014/main" id="{05B8CDAC-55A7-424C-BA47-2F6F425C2922}"/>
+              </a:ext>
+            </a:extLst>
+          </p:cNvPr>
+          <p:cNvSpPr>
+            <a:spLocks noGrp="1"/>
+          </p:cNvSpPr>
+          <p:nvPr>
+            <p:ph type="body" idx="15"/>
+          </p:nvPr>
+        </p:nvSpPr>
+        <p:spPr>
+          <a:xfrm>
+            <a:off x="4679004" y="936000"/>
+            <a:ext cx="3744995" cy="288000"/>
+          </a:xfrm>
+        </p:spPr>
+        <p:txBody>
+          <a:bodyPr/>
+          <a:lstStyle/>
+          <a:p>
+            <a:r>
+              <a:rPr lang="en-GB" dirty="0"/>
+              <a:t>Disadvantages</a:t>
+            </a:r>
+            <a:endParaRPr lang="en-US" dirty="0"/>
+          </a:p>
+        </p:txBody>
+      </p:sp>
     </p:spTree>
     <p:extLst>
       <p:ext uri="{BB962C8B-B14F-4D97-AF65-F5344CB8AC3E}">
-        <p14:creationId xmlns:p14="http://schemas.microsoft.com/office/powerpoint/2010/main" val="235565209"/>
+        <p14:creationId xmlns:p14="http://schemas.microsoft.com/office/powerpoint/2010/main" val="1189262961"/>
       </p:ext>
     </p:extLst>
   </p:cSld>
@@ -16698,7 +16068,7 @@
 </p:sld>
 </file>
 
-<file path=ppt/slides/slide43.xml><?xml version="1.0" encoding="utf-8"?>
+<file path=ppt/slides/slide40.xml><?xml version="1.0" encoding="utf-8"?>
 <p:sld xmlns:a="http://schemas.openxmlformats.org/drawingml/2006/main" xmlns:r="http://schemas.openxmlformats.org/officeDocument/2006/relationships" xmlns:p="http://schemas.openxmlformats.org/presentationml/2006/main">
   <p:cSld>
     <p:spTree>
@@ -16717,7 +16087,144 @@
       </p:grpSpPr>
       <p:sp>
         <p:nvSpPr>
-          <p:cNvPr id="2" name="Footer Placeholder 1"/>
+          <p:cNvPr id="2" name="Title 1"/>
+          <p:cNvSpPr>
+            <a:spLocks noGrp="1"/>
+          </p:cNvSpPr>
+          <p:nvPr>
+            <p:ph type="title"/>
+          </p:nvPr>
+        </p:nvSpPr>
+        <p:spPr/>
+        <p:txBody>
+          <a:bodyPr/>
+          <a:lstStyle/>
+          <a:p>
+            <a:r>
+              <a:rPr lang="nl-NL" dirty="0"/>
+              <a:t>Hands-on (19:00 -20:00)</a:t>
+            </a:r>
+          </a:p>
+        </p:txBody>
+      </p:sp>
+      <p:sp>
+        <p:nvSpPr>
+          <p:cNvPr id="3" name="Content Placeholder 2"/>
+          <p:cNvSpPr>
+            <a:spLocks noGrp="1"/>
+          </p:cNvSpPr>
+          <p:nvPr>
+            <p:ph idx="1"/>
+          </p:nvPr>
+        </p:nvSpPr>
+        <p:spPr/>
+        <p:txBody>
+          <a:bodyPr/>
+          <a:lstStyle/>
+          <a:p>
+            <a:r>
+              <a:rPr lang="nl-NL" dirty="0">
+                <a:hlinkClick r:id="rId2">
+                  <a:extLst>
+                    <a:ext uri="{A12FA001-AC4F-418D-AE19-62706E023703}">
+                      <ahyp:hlinkClr xmlns:ahyp="http://schemas.microsoft.com/office/drawing/2018/hyperlinkcolor" val="tx"/>
+                    </a:ext>
+                  </a:extLst>
+                </a:hlinkClick>
+              </a:rPr>
+              <a:t>https://github.com/AMIS-Services/sig-elasticsearch-may2020</a:t>
+            </a:r>
+            <a:endParaRPr lang="nl-NL" dirty="0"/>
+          </a:p>
+          <a:p>
+            <a:endParaRPr lang="nl-NL" dirty="0"/>
+          </a:p>
+          <a:p>
+            <a:r>
+              <a:rPr lang="nl-NL" dirty="0"/>
+              <a:t>Running elasticsearch in docker</a:t>
+            </a:r>
+          </a:p>
+          <a:p>
+            <a:r>
+              <a:rPr lang="nl-NL" dirty="0"/>
+              <a:t>Use of recipes data from </a:t>
+            </a:r>
+            <a:r>
+              <a:rPr lang="nl-NL" dirty="0">
+                <a:hlinkClick r:id="rId3">
+                  <a:extLst>
+                    <a:ext uri="{A12FA001-AC4F-418D-AE19-62706E023703}">
+                      <ahyp:hlinkClr xmlns:ahyp="http://schemas.microsoft.com/office/drawing/2018/hyperlinkcolor" val="tx"/>
+                    </a:ext>
+                  </a:extLst>
+                </a:hlinkClick>
+              </a:rPr>
+              <a:t>https://openrecip.es/</a:t>
+            </a:r>
+            <a:endParaRPr lang="nl-NL" dirty="0"/>
+          </a:p>
+          <a:p>
+            <a:endParaRPr lang="nl-NL" dirty="0"/>
+          </a:p>
+          <a:p>
+            <a:r>
+              <a:rPr lang="nl-NL" dirty="0"/>
+              <a:t>Topics:</a:t>
+            </a:r>
+          </a:p>
+          <a:p>
+            <a:pPr lvl="1"/>
+            <a:r>
+              <a:rPr lang="en-US" sz="1400" dirty="0"/>
+              <a:t>Cluster info and Indexing</a:t>
+            </a:r>
+          </a:p>
+          <a:p>
+            <a:pPr lvl="1"/>
+            <a:r>
+              <a:rPr lang="en-US" sz="1400" dirty="0"/>
+              <a:t>Queries and aggregations</a:t>
+            </a:r>
+          </a:p>
+          <a:p>
+            <a:pPr lvl="1"/>
+            <a:r>
+              <a:rPr lang="en-US" sz="1400" dirty="0"/>
+              <a:t>Connecting to </a:t>
+            </a:r>
+            <a:r>
+              <a:rPr lang="en-US" sz="1400" dirty="0" err="1"/>
+              <a:t>ElasticSearch</a:t>
+            </a:r>
+            <a:r>
+              <a:rPr lang="en-US" sz="1400" dirty="0"/>
+              <a:t> with Node.js</a:t>
+            </a:r>
+          </a:p>
+          <a:p>
+            <a:pPr lvl="1"/>
+            <a:r>
+              <a:rPr lang="en-US" sz="1400" dirty="0"/>
+              <a:t>Connecting to </a:t>
+            </a:r>
+            <a:r>
+              <a:rPr lang="en-US" sz="1400" dirty="0" err="1"/>
+              <a:t>ElasticSearch</a:t>
+            </a:r>
+            <a:r>
+              <a:rPr lang="en-US" sz="1400" dirty="0"/>
+              <a:t> with spring</a:t>
+            </a:r>
+          </a:p>
+          <a:p>
+            <a:endParaRPr lang="nl-NL" dirty="0"/>
+          </a:p>
+        </p:txBody>
+      </p:sp>
+      <p:sp>
+        <p:nvSpPr>
+          <p:cNvPr id="4" name="Footer Placeholder 3"/>
           <p:cNvSpPr>
             <a:spLocks noGrp="1"/>
           </p:cNvSpPr>
@@ -16739,7 +16246,7 @@
       </p:sp>
       <p:sp>
         <p:nvSpPr>
-          <p:cNvPr id="3" name="Slide Number Placeholder 2"/>
+          <p:cNvPr id="5" name="Slide Number Placeholder 4"/>
           <p:cNvSpPr>
             <a:spLocks noGrp="1"/>
           </p:cNvSpPr>
@@ -16754,7 +16261,107 @@
           <a:p>
             <a:fld id="{14F1411D-0280-154F-AEAC-4C20B7AA46B2}" type="slidenum">
               <a:rPr lang="nl-NL" smtClean="0"/>
-              <a:t>43</a:t>
+              <a:t>40</a:t>
+            </a:fld>
+            <a:endParaRPr lang="nl-NL"/>
+          </a:p>
+        </p:txBody>
+      </p:sp>
+      <p:pic>
+        <p:nvPicPr>
+          <p:cNvPr id="9" name="Picture Placeholder 8"/>
+          <p:cNvPicPr>
+            <a:picLocks noGrp="1" noChangeAspect="1"/>
+          </p:cNvPicPr>
+          <p:nvPr>
+            <p:ph type="pic" idx="13"/>
+          </p:nvPr>
+        </p:nvPicPr>
+        <p:blipFill>
+          <a:blip r:embed="rId4">
+            <a:extLst>
+              <a:ext uri="{28A0092B-C50C-407E-A947-70E740481C1C}">
+                <a14:useLocalDpi xmlns:a14="http://schemas.microsoft.com/office/drawing/2010/main" val="0"/>
+              </a:ext>
+            </a:extLst>
+          </a:blip>
+          <a:srcRect t="1" b="1"/>
+          <a:stretch>
+            <a:fillRect/>
+          </a:stretch>
+        </p:blipFill>
+        <p:spPr/>
+      </p:pic>
+    </p:spTree>
+    <p:extLst>
+      <p:ext uri="{BB962C8B-B14F-4D97-AF65-F5344CB8AC3E}">
+        <p14:creationId xmlns:p14="http://schemas.microsoft.com/office/powerpoint/2010/main" val="235565209"/>
+      </p:ext>
+    </p:extLst>
+  </p:cSld>
+  <p:clrMapOvr>
+    <a:masterClrMapping/>
+  </p:clrMapOvr>
+</p:sld>
+</file>
+
+<file path=ppt/slides/slide41.xml><?xml version="1.0" encoding="utf-8"?>
+<p:sld xmlns:a="http://schemas.openxmlformats.org/drawingml/2006/main" xmlns:r="http://schemas.openxmlformats.org/officeDocument/2006/relationships" xmlns:p="http://schemas.openxmlformats.org/presentationml/2006/main">
+  <p:cSld>
+    <p:spTree>
+      <p:nvGrpSpPr>
+        <p:cNvPr id="1" name=""/>
+        <p:cNvGrpSpPr/>
+        <p:nvPr/>
+      </p:nvGrpSpPr>
+      <p:grpSpPr>
+        <a:xfrm>
+          <a:off x="0" y="0"/>
+          <a:ext cx="0" cy="0"/>
+          <a:chOff x="0" y="0"/>
+          <a:chExt cx="0" cy="0"/>
+        </a:xfrm>
+      </p:grpSpPr>
+      <p:sp>
+        <p:nvSpPr>
+          <p:cNvPr id="2" name="Footer Placeholder 1"/>
+          <p:cNvSpPr>
+            <a:spLocks noGrp="1"/>
+          </p:cNvSpPr>
+          <p:nvPr>
+            <p:ph type="ftr" sz="quarter" idx="11"/>
+          </p:nvPr>
+        </p:nvSpPr>
+        <p:spPr/>
+        <p:txBody>
+          <a:bodyPr/>
+          <a:lstStyle/>
+          <a:p>
+            <a:r>
+              <a:rPr lang="nl-NL"/>
+              <a:t>elasticsearch</a:t>
+            </a:r>
+          </a:p>
+        </p:txBody>
+      </p:sp>
+      <p:sp>
+        <p:nvSpPr>
+          <p:cNvPr id="3" name="Slide Number Placeholder 2"/>
+          <p:cNvSpPr>
+            <a:spLocks noGrp="1"/>
+          </p:cNvSpPr>
+          <p:nvPr>
+            <p:ph type="sldNum" sz="quarter" idx="12"/>
+          </p:nvPr>
+        </p:nvSpPr>
+        <p:spPr/>
+        <p:txBody>
+          <a:bodyPr/>
+          <a:lstStyle/>
+          <a:p>
+            <a:fld id="{14F1411D-0280-154F-AEAC-4C20B7AA46B2}" type="slidenum">
+              <a:rPr lang="nl-NL" smtClean="0"/>
+              <a:t>41</a:t>
             </a:fld>
             <a:endParaRPr lang="nl-NL"/>
           </a:p>
@@ -18285,6 +17892,12 @@
 </file>
 
 <file path=customXml/item1.xml><?xml version="1.0" encoding="utf-8"?>
+<p:properties xmlns:p="http://schemas.microsoft.com/office/2006/metadata/properties" xmlns:xsi="http://www.w3.org/2001/XMLSchema-instance" xmlns:pc="http://schemas.microsoft.com/office/infopath/2007/PartnerControls">
+  <documentManagement/>
+</p:properties>
+</file>
+
+<file path=customXml/item2.xml><?xml version="1.0" encoding="utf-8"?>
 <ct:contentTypeSchema xmlns:ct="http://schemas.microsoft.com/office/2006/metadata/contentType" xmlns:ma="http://schemas.microsoft.com/office/2006/metadata/properties/metaAttributes" ct:_="" ma:_="" ma:contentTypeName="Document" ma:contentTypeID="0x01010054F6992C941BD0469027D6180034181D" ma:contentTypeVersion="13" ma:contentTypeDescription="Een nieuw document maken." ma:contentTypeScope="" ma:versionID="90bbe2ba6e20fa9a3c78a3adef113cb8">
   <xsd:schema xmlns:xsd="http://www.w3.org/2001/XMLSchema" xmlns:xs="http://www.w3.org/2001/XMLSchema" xmlns:p="http://schemas.microsoft.com/office/2006/metadata/properties" xmlns:ns3="e3854e12-2785-48a6-904c-b41db34ae470" xmlns:ns4="56443775-6c4e-443f-ae5b-8e5d5d05d0db" targetNamespace="http://schemas.microsoft.com/office/2006/metadata/properties" ma:root="true" ma:fieldsID="1a5ce54b376895e28555adf421d9bc35" ns3:_="" ns4:_="">
     <xsd:import namespace="e3854e12-2785-48a6-904c-b41db34ae470"/>
@@ -18507,12 +18120,6 @@
 </ct:contentTypeSchema>
 </file>
 
-<file path=customXml/item2.xml><?xml version="1.0" encoding="utf-8"?>
-<p:properties xmlns:p="http://schemas.microsoft.com/office/2006/metadata/properties" xmlns:xsi="http://www.w3.org/2001/XMLSchema-instance" xmlns:pc="http://schemas.microsoft.com/office/infopath/2007/PartnerControls">
-  <documentManagement/>
-</p:properties>
-</file>
-
 <file path=customXml/item3.xml><?xml version="1.0" encoding="utf-8"?>
 <?mso-contentType ?>
 <FormTemplates xmlns="http://schemas.microsoft.com/sharepoint/v3/contenttype/forms">
@@ -18523,6 +18130,23 @@
 </file>
 
 <file path=customXml/itemProps1.xml><?xml version="1.0" encoding="utf-8"?>
+<ds:datastoreItem xmlns:ds="http://schemas.openxmlformats.org/officeDocument/2006/customXml" ds:itemID="{63653586-D9AD-4A7C-AE25-8F164514A81A}">
+  <ds:schemaRefs>
+    <ds:schemaRef ds:uri="http://purl.org/dc/terms/"/>
+    <ds:schemaRef ds:uri="http://schemas.openxmlformats.org/package/2006/metadata/core-properties"/>
+    <ds:schemaRef ds:uri="http://schemas.microsoft.com/office/2006/documentManagement/types"/>
+    <ds:schemaRef ds:uri="http://schemas.microsoft.com/office/infopath/2007/PartnerControls"/>
+    <ds:schemaRef ds:uri="http://purl.org/dc/elements/1.1/"/>
+    <ds:schemaRef ds:uri="http://schemas.microsoft.com/office/2006/metadata/properties"/>
+    <ds:schemaRef ds:uri="56443775-6c4e-443f-ae5b-8e5d5d05d0db"/>
+    <ds:schemaRef ds:uri="e3854e12-2785-48a6-904c-b41db34ae470"/>
+    <ds:schemaRef ds:uri="http://www.w3.org/XML/1998/namespace"/>
+    <ds:schemaRef ds:uri="http://purl.org/dc/dcmitype/"/>
+  </ds:schemaRefs>
+</ds:datastoreItem>
+</file>
+
+<file path=customXml/itemProps2.xml><?xml version="1.0" encoding="utf-8"?>
 <ds:datastoreItem xmlns:ds="http://schemas.openxmlformats.org/officeDocument/2006/customXml" ds:itemID="{2236F168-07DF-4DEE-9141-9703A5EDABA9}">
   <ds:schemaRefs>
     <ds:schemaRef ds:uri="http://schemas.microsoft.com/office/2006/metadata/contentType"/>
@@ -18541,23 +18165,6 @@
 </ds:datastoreItem>
 </file>
 
-<file path=customXml/itemProps2.xml><?xml version="1.0" encoding="utf-8"?>
-<ds:datastoreItem xmlns:ds="http://schemas.openxmlformats.org/officeDocument/2006/customXml" ds:itemID="{63653586-D9AD-4A7C-AE25-8F164514A81A}">
-  <ds:schemaRefs>
-    <ds:schemaRef ds:uri="http://purl.org/dc/terms/"/>
-    <ds:schemaRef ds:uri="http://schemas.openxmlformats.org/package/2006/metadata/core-properties"/>
-    <ds:schemaRef ds:uri="http://schemas.microsoft.com/office/2006/documentManagement/types"/>
-    <ds:schemaRef ds:uri="http://schemas.microsoft.com/office/infopath/2007/PartnerControls"/>
-    <ds:schemaRef ds:uri="http://purl.org/dc/elements/1.1/"/>
-    <ds:schemaRef ds:uri="http://schemas.microsoft.com/office/2006/metadata/properties"/>
-    <ds:schemaRef ds:uri="56443775-6c4e-443f-ae5b-8e5d5d05d0db"/>
-    <ds:schemaRef ds:uri="e3854e12-2785-48a6-904c-b41db34ae470"/>
-    <ds:schemaRef ds:uri="http://www.w3.org/XML/1998/namespace"/>
-    <ds:schemaRef ds:uri="http://purl.org/dc/dcmitype/"/>
-  </ds:schemaRefs>
-</ds:datastoreItem>
-</file>
-
 <file path=customXml/itemProps3.xml><?xml version="1.0" encoding="utf-8"?>
 <ds:datastoreItem xmlns:ds="http://schemas.openxmlformats.org/officeDocument/2006/customXml" ds:itemID="{15DF2822-16E4-4479-B239-41A079CBB65B}">
   <ds:schemaRefs>

--- a/Elasticsearch.pptx
+++ b/Elasticsearch.pptx
@@ -5,7 +5,7 @@
     <p:sldMasterId id="2147483672" r:id="rId4"/>
   </p:sldMasterIdLst>
   <p:notesMasterIdLst>
-    <p:notesMasterId r:id="rId46"/>
+    <p:notesMasterId r:id="rId45"/>
   </p:notesMasterIdLst>
   <p:sldIdLst>
     <p:sldId id="295" r:id="rId5"/>
@@ -15,40 +15,39 @@
     <p:sldId id="335" r:id="rId9"/>
     <p:sldId id="316" r:id="rId10"/>
     <p:sldId id="317" r:id="rId11"/>
-    <p:sldId id="336" r:id="rId12"/>
-    <p:sldId id="318" r:id="rId13"/>
-    <p:sldId id="319" r:id="rId14"/>
-    <p:sldId id="320" r:id="rId15"/>
-    <p:sldId id="321" r:id="rId16"/>
-    <p:sldId id="322" r:id="rId17"/>
-    <p:sldId id="323" r:id="rId18"/>
-    <p:sldId id="324" r:id="rId19"/>
-    <p:sldId id="325" r:id="rId20"/>
-    <p:sldId id="326" r:id="rId21"/>
-    <p:sldId id="327" r:id="rId22"/>
-    <p:sldId id="328" r:id="rId23"/>
-    <p:sldId id="329" r:id="rId24"/>
-    <p:sldId id="330" r:id="rId25"/>
-    <p:sldId id="331" r:id="rId26"/>
-    <p:sldId id="260" r:id="rId27"/>
-    <p:sldId id="296" r:id="rId28"/>
-    <p:sldId id="297" r:id="rId29"/>
-    <p:sldId id="298" r:id="rId30"/>
-    <p:sldId id="299" r:id="rId31"/>
-    <p:sldId id="302" r:id="rId32"/>
-    <p:sldId id="303" r:id="rId33"/>
-    <p:sldId id="305" r:id="rId34"/>
-    <p:sldId id="304" r:id="rId35"/>
-    <p:sldId id="306" r:id="rId36"/>
-    <p:sldId id="307" r:id="rId37"/>
-    <p:sldId id="308" r:id="rId38"/>
-    <p:sldId id="309" r:id="rId39"/>
-    <p:sldId id="310" r:id="rId40"/>
-    <p:sldId id="311" r:id="rId41"/>
-    <p:sldId id="312" r:id="rId42"/>
-    <p:sldId id="313" r:id="rId43"/>
-    <p:sldId id="278" r:id="rId44"/>
-    <p:sldId id="280" r:id="rId45"/>
+    <p:sldId id="318" r:id="rId12"/>
+    <p:sldId id="319" r:id="rId13"/>
+    <p:sldId id="320" r:id="rId14"/>
+    <p:sldId id="321" r:id="rId15"/>
+    <p:sldId id="322" r:id="rId16"/>
+    <p:sldId id="323" r:id="rId17"/>
+    <p:sldId id="324" r:id="rId18"/>
+    <p:sldId id="325" r:id="rId19"/>
+    <p:sldId id="326" r:id="rId20"/>
+    <p:sldId id="327" r:id="rId21"/>
+    <p:sldId id="328" r:id="rId22"/>
+    <p:sldId id="329" r:id="rId23"/>
+    <p:sldId id="330" r:id="rId24"/>
+    <p:sldId id="331" r:id="rId25"/>
+    <p:sldId id="260" r:id="rId26"/>
+    <p:sldId id="296" r:id="rId27"/>
+    <p:sldId id="297" r:id="rId28"/>
+    <p:sldId id="298" r:id="rId29"/>
+    <p:sldId id="299" r:id="rId30"/>
+    <p:sldId id="302" r:id="rId31"/>
+    <p:sldId id="303" r:id="rId32"/>
+    <p:sldId id="305" r:id="rId33"/>
+    <p:sldId id="304" r:id="rId34"/>
+    <p:sldId id="306" r:id="rId35"/>
+    <p:sldId id="307" r:id="rId36"/>
+    <p:sldId id="308" r:id="rId37"/>
+    <p:sldId id="309" r:id="rId38"/>
+    <p:sldId id="310" r:id="rId39"/>
+    <p:sldId id="311" r:id="rId40"/>
+    <p:sldId id="312" r:id="rId41"/>
+    <p:sldId id="313" r:id="rId42"/>
+    <p:sldId id="278" r:id="rId43"/>
+    <p:sldId id="280" r:id="rId44"/>
   </p:sldIdLst>
   <p:sldSz cx="9144000" cy="5143500" type="screen16x9"/>
   <p:notesSz cx="6858000" cy="9144000"/>
@@ -894,7 +893,7 @@
           <a:p>
             <a:fld id="{DDF2FCE7-7AFA-9242-BECB-A61CE0BE95A1}" type="datetimeFigureOut">
               <a:rPr lang="nl-NL" smtClean="0"/>
-              <a:t>13-5-2020</a:t>
+              <a:t>14-5-2020</a:t>
             </a:fld>
             <a:endParaRPr lang="nl-NL"/>
           </a:p>
@@ -1311,7 +1310,7 @@
           <a:p>
             <a:fld id="{CDFB967C-E8DF-AF4B-9B57-A68D256EEC90}" type="slidenum">
               <a:rPr lang="nl-NL" smtClean="0"/>
-              <a:t>15</a:t>
+              <a:t>17</a:t>
             </a:fld>
             <a:endParaRPr lang="nl-NL"/>
           </a:p>
@@ -1320,7 +1319,7 @@
     </p:spTree>
     <p:extLst>
       <p:ext uri="{BB962C8B-B14F-4D97-AF65-F5344CB8AC3E}">
-        <p14:creationId xmlns:p14="http://schemas.microsoft.com/office/powerpoint/2010/main" val="3100687891"/>
+        <p14:creationId xmlns:p14="http://schemas.microsoft.com/office/powerpoint/2010/main" val="3952697355"/>
       </p:ext>
     </p:extLst>
   </p:cSld>
@@ -1396,90 +1395,6 @@
             <a:fld id="{CDFB967C-E8DF-AF4B-9B57-A68D256EEC90}" type="slidenum">
               <a:rPr lang="nl-NL" smtClean="0"/>
               <a:t>18</a:t>
-            </a:fld>
-            <a:endParaRPr lang="nl-NL"/>
-          </a:p>
-        </p:txBody>
-      </p:sp>
-    </p:spTree>
-    <p:extLst>
-      <p:ext uri="{BB962C8B-B14F-4D97-AF65-F5344CB8AC3E}">
-        <p14:creationId xmlns:p14="http://schemas.microsoft.com/office/powerpoint/2010/main" val="3952697355"/>
-      </p:ext>
-    </p:extLst>
-  </p:cSld>
-  <p:clrMapOvr>
-    <a:masterClrMapping/>
-  </p:clrMapOvr>
-</p:notes>
-</file>
-
-<file path=ppt/notesSlides/notesSlide12.xml><?xml version="1.0" encoding="utf-8"?>
-<p:notes xmlns:a="http://schemas.openxmlformats.org/drawingml/2006/main" xmlns:r="http://schemas.openxmlformats.org/officeDocument/2006/relationships" xmlns:p="http://schemas.openxmlformats.org/presentationml/2006/main">
-  <p:cSld>
-    <p:spTree>
-      <p:nvGrpSpPr>
-        <p:cNvPr id="1" name=""/>
-        <p:cNvGrpSpPr/>
-        <p:nvPr/>
-      </p:nvGrpSpPr>
-      <p:grpSpPr>
-        <a:xfrm>
-          <a:off x="0" y="0"/>
-          <a:ext cx="0" cy="0"/>
-          <a:chOff x="0" y="0"/>
-          <a:chExt cx="0" cy="0"/>
-        </a:xfrm>
-      </p:grpSpPr>
-      <p:sp>
-        <p:nvSpPr>
-          <p:cNvPr id="2" name="Slide Image Placeholder 1"/>
-          <p:cNvSpPr>
-            <a:spLocks noGrp="1" noRot="1" noChangeAspect="1"/>
-          </p:cNvSpPr>
-          <p:nvPr>
-            <p:ph type="sldImg"/>
-          </p:nvPr>
-        </p:nvSpPr>
-        <p:spPr/>
-      </p:sp>
-      <p:sp>
-        <p:nvSpPr>
-          <p:cNvPr id="3" name="Notes Placeholder 2"/>
-          <p:cNvSpPr>
-            <a:spLocks noGrp="1"/>
-          </p:cNvSpPr>
-          <p:nvPr>
-            <p:ph type="body" idx="1"/>
-          </p:nvPr>
-        </p:nvSpPr>
-        <p:spPr/>
-        <p:txBody>
-          <a:bodyPr/>
-          <a:lstStyle/>
-          <a:p>
-            <a:endParaRPr lang="en-NL" dirty="0"/>
-          </a:p>
-        </p:txBody>
-      </p:sp>
-      <p:sp>
-        <p:nvSpPr>
-          <p:cNvPr id="4" name="Slide Number Placeholder 3"/>
-          <p:cNvSpPr>
-            <a:spLocks noGrp="1"/>
-          </p:cNvSpPr>
-          <p:nvPr>
-            <p:ph type="sldNum" sz="quarter" idx="5"/>
-          </p:nvPr>
-        </p:nvSpPr>
-        <p:spPr/>
-        <p:txBody>
-          <a:bodyPr/>
-          <a:lstStyle/>
-          <a:p>
-            <a:fld id="{CDFB967C-E8DF-AF4B-9B57-A68D256EEC90}" type="slidenum">
-              <a:rPr lang="nl-NL" smtClean="0"/>
-              <a:t>19</a:t>
             </a:fld>
             <a:endParaRPr lang="nl-NL"/>
           </a:p>
@@ -1656,7 +1571,7 @@
     </p:spTree>
     <p:extLst>
       <p:ext uri="{BB962C8B-B14F-4D97-AF65-F5344CB8AC3E}">
-        <p14:creationId xmlns:p14="http://schemas.microsoft.com/office/powerpoint/2010/main" val="3134215112"/>
+        <p14:creationId xmlns:p14="http://schemas.microsoft.com/office/powerpoint/2010/main" val="114937065"/>
       </p:ext>
     </p:extLst>
   </p:cSld>
@@ -1740,7 +1655,7 @@
     </p:spTree>
     <p:extLst>
       <p:ext uri="{BB962C8B-B14F-4D97-AF65-F5344CB8AC3E}">
-        <p14:creationId xmlns:p14="http://schemas.microsoft.com/office/powerpoint/2010/main" val="114937065"/>
+        <p14:creationId xmlns:p14="http://schemas.microsoft.com/office/powerpoint/2010/main" val="3550176214"/>
       </p:ext>
     </p:extLst>
   </p:cSld>
@@ -1824,7 +1739,7 @@
     </p:spTree>
     <p:extLst>
       <p:ext uri="{BB962C8B-B14F-4D97-AF65-F5344CB8AC3E}">
-        <p14:creationId xmlns:p14="http://schemas.microsoft.com/office/powerpoint/2010/main" val="3550176214"/>
+        <p14:creationId xmlns:p14="http://schemas.microsoft.com/office/powerpoint/2010/main" val="80998600"/>
       </p:ext>
     </p:extLst>
   </p:cSld>
@@ -1908,7 +1823,7 @@
     </p:spTree>
     <p:extLst>
       <p:ext uri="{BB962C8B-B14F-4D97-AF65-F5344CB8AC3E}">
-        <p14:creationId xmlns:p14="http://schemas.microsoft.com/office/powerpoint/2010/main" val="80998600"/>
+        <p14:creationId xmlns:p14="http://schemas.microsoft.com/office/powerpoint/2010/main" val="72396216"/>
       </p:ext>
     </p:extLst>
   </p:cSld>
@@ -1992,7 +1907,7 @@
     </p:spTree>
     <p:extLst>
       <p:ext uri="{BB962C8B-B14F-4D97-AF65-F5344CB8AC3E}">
-        <p14:creationId xmlns:p14="http://schemas.microsoft.com/office/powerpoint/2010/main" val="72396216"/>
+        <p14:creationId xmlns:p14="http://schemas.microsoft.com/office/powerpoint/2010/main" val="3630615372"/>
       </p:ext>
     </p:extLst>
   </p:cSld>
@@ -2076,7 +1991,7 @@
     </p:spTree>
     <p:extLst>
       <p:ext uri="{BB962C8B-B14F-4D97-AF65-F5344CB8AC3E}">
-        <p14:creationId xmlns:p14="http://schemas.microsoft.com/office/powerpoint/2010/main" val="3630615372"/>
+        <p14:creationId xmlns:p14="http://schemas.microsoft.com/office/powerpoint/2010/main" val="779271909"/>
       </p:ext>
     </p:extLst>
   </p:cSld>
@@ -2160,7 +2075,7 @@
     </p:spTree>
     <p:extLst>
       <p:ext uri="{BB962C8B-B14F-4D97-AF65-F5344CB8AC3E}">
-        <p14:creationId xmlns:p14="http://schemas.microsoft.com/office/powerpoint/2010/main" val="779271909"/>
+        <p14:creationId xmlns:p14="http://schemas.microsoft.com/office/powerpoint/2010/main" val="3100687891"/>
       </p:ext>
     </p:extLst>
   </p:cSld>
@@ -2522,7 +2437,7 @@
           <a:p>
             <a:fld id="{E8E3D916-ACBF-4FE0-8C69-93E6D8AAD662}" type="datetime1">
               <a:rPr lang="en-US" noProof="0" smtClean="0"/>
-              <a:t>5/13/2020</a:t>
+              <a:t>5/14/2020</a:t>
             </a:fld>
             <a:endParaRPr lang="nl-NL" noProof="0" dirty="0"/>
           </a:p>
@@ -2908,7 +2823,7 @@
           <a:p>
             <a:fld id="{24923D33-0607-4471-92AB-87D7B932E4F5}" type="datetime1">
               <a:rPr lang="en-US" smtClean="0"/>
-              <a:t>5/13/2020</a:t>
+              <a:t>5/14/2020</a:t>
             </a:fld>
             <a:endParaRPr lang="nl-NL"/>
           </a:p>
@@ -3326,7 +3241,7 @@
           <a:p>
             <a:fld id="{1F076E73-A7F2-48BA-9D14-CF574BEA09A4}" type="datetime1">
               <a:rPr lang="en-US" smtClean="0"/>
-              <a:t>5/13/2020</a:t>
+              <a:t>5/14/2020</a:t>
             </a:fld>
             <a:endParaRPr lang="nl-NL"/>
           </a:p>
@@ -3685,7 +3600,7 @@
           <a:p>
             <a:fld id="{1AB64C7B-1C78-4EDC-8334-C910606A37E2}" type="datetime1">
               <a:rPr lang="en-US" smtClean="0"/>
-              <a:t>5/13/2020</a:t>
+              <a:t>5/14/2020</a:t>
             </a:fld>
             <a:endParaRPr lang="nl-NL"/>
           </a:p>
@@ -3861,7 +3776,7 @@
           <a:p>
             <a:fld id="{5438AED8-C3F5-4584-9499-D06298DD82AB}" type="datetime1">
               <a:rPr lang="en-US" smtClean="0"/>
-              <a:t>5/13/2020</a:t>
+              <a:t>5/14/2020</a:t>
             </a:fld>
             <a:endParaRPr lang="nl-NL"/>
           </a:p>
@@ -4770,7 +4685,7 @@
           <a:p>
             <a:fld id="{3086376D-BF8F-4FB0-BA3A-6118F3B97147}" type="datetime1">
               <a:rPr lang="en-US" smtClean="0"/>
-              <a:t>5/13/2020</a:t>
+              <a:t>5/14/2020</a:t>
             </a:fld>
             <a:endParaRPr lang="nl-NL"/>
           </a:p>
@@ -5017,7 +4932,7 @@
           <a:p>
             <a:fld id="{B8D31770-EB6A-4A32-B824-DB612DA46BB3}" type="datetime1">
               <a:rPr lang="en-US" smtClean="0"/>
-              <a:t>5/13/2020</a:t>
+              <a:t>5/14/2020</a:t>
             </a:fld>
             <a:endParaRPr lang="nl-NL"/>
           </a:p>
@@ -5265,7 +5180,7 @@
           <a:p>
             <a:fld id="{EE9519D9-11FC-4E4C-AB92-51D800F1B74D}" type="datetime1">
               <a:rPr lang="en-US" smtClean="0"/>
-              <a:t>5/13/2020</a:t>
+              <a:t>5/14/2020</a:t>
             </a:fld>
             <a:endParaRPr lang="nl-NL"/>
           </a:p>
@@ -5430,7 +5345,7 @@
           <a:p>
             <a:fld id="{EBD39672-96D6-4289-B17F-3AC03B64F325}" type="datetime1">
               <a:rPr lang="en-US" smtClean="0"/>
-              <a:t>5/13/2020</a:t>
+              <a:t>5/14/2020</a:t>
             </a:fld>
             <a:endParaRPr lang="nl-NL"/>
           </a:p>
@@ -5891,7 +5806,7 @@
           <a:p>
             <a:fld id="{47CACD11-3D54-4121-84E2-40922414833D}" type="datetime1">
               <a:rPr lang="en-US" smtClean="0"/>
-              <a:t>5/13/2020</a:t>
+              <a:t>5/14/2020</a:t>
             </a:fld>
             <a:endParaRPr lang="nl-NL"/>
           </a:p>
@@ -6502,7 +6417,7 @@
           <a:p>
             <a:fld id="{D368890A-41A1-4C6B-A321-D1F668F5C54D}" type="datetime1">
               <a:rPr lang="en-US" noProof="0" smtClean="0"/>
-              <a:t>5/13/2020</a:t>
+              <a:t>5/14/2020</a:t>
             </a:fld>
             <a:endParaRPr lang="nl-NL" noProof="0" dirty="0"/>
           </a:p>
@@ -6801,7 +6716,7 @@
           <a:p>
             <a:fld id="{58384117-E61A-49E9-8E3E-01D33DE87B45}" type="datetime1">
               <a:rPr lang="en-US" smtClean="0"/>
-              <a:t>5/13/2020</a:t>
+              <a:t>5/14/2020</a:t>
             </a:fld>
             <a:endParaRPr lang="nl-NL"/>
           </a:p>
@@ -7360,6 +7275,28 @@
       </p:grpSpPr>
       <p:sp>
         <p:nvSpPr>
+          <p:cNvPr id="2" name="Title 1"/>
+          <p:cNvSpPr>
+            <a:spLocks noGrp="1"/>
+          </p:cNvSpPr>
+          <p:nvPr>
+            <p:ph type="title"/>
+          </p:nvPr>
+        </p:nvSpPr>
+        <p:spPr/>
+        <p:txBody>
+          <a:bodyPr/>
+          <a:lstStyle/>
+          <a:p>
+            <a:r>
+              <a:rPr lang="nl-NL" dirty="0"/>
+              <a:t>Cluster</a:t>
+            </a:r>
+          </a:p>
+        </p:txBody>
+      </p:sp>
+      <p:sp>
+        <p:nvSpPr>
           <p:cNvPr id="4" name="Footer Placeholder 3"/>
           <p:cNvSpPr>
             <a:spLocks noGrp="1"/>
@@ -7368,23 +7305,11 @@
             <p:ph type="ftr" sz="quarter" idx="11"/>
           </p:nvPr>
         </p:nvSpPr>
-        <p:spPr>
-          <a:xfrm>
-            <a:off x="4968000" y="5004000"/>
-            <a:ext cx="3240000" cy="108000"/>
-          </a:xfrm>
-        </p:spPr>
-        <p:txBody>
-          <a:bodyPr anchor="t">
-            <a:normAutofit/>
-          </a:bodyPr>
-          <a:lstStyle/>
-          <a:p>
-            <a:pPr>
-              <a:spcAft>
-                <a:spcPts val="600"/>
-              </a:spcAft>
-            </a:pPr>
+        <p:spPr/>
+        <p:txBody>
+          <a:bodyPr/>
+          <a:lstStyle/>
+          <a:p>
             <a:r>
               <a:rPr lang="nl-NL"/>
               <a:t>elasticsearch</a:t>
@@ -7402,248 +7327,14 @@
             <p:ph type="sldNum" sz="quarter" idx="12"/>
           </p:nvPr>
         </p:nvSpPr>
-        <p:spPr>
-          <a:xfrm>
-            <a:off x="8280000" y="5004000"/>
-            <a:ext cx="144000" cy="108000"/>
-          </a:xfrm>
-        </p:spPr>
-        <p:txBody>
-          <a:bodyPr anchor="t">
-            <a:normAutofit/>
-          </a:bodyPr>
-          <a:lstStyle/>
-          <a:p>
-            <a:pPr>
-              <a:spcAft>
-                <a:spcPts val="600"/>
-              </a:spcAft>
-            </a:pPr>
+        <p:spPr/>
+        <p:txBody>
+          <a:bodyPr/>
+          <a:lstStyle/>
+          <a:p>
             <a:fld id="{14F1411D-0280-154F-AEAC-4C20B7AA46B2}" type="slidenum">
               <a:rPr lang="nl-NL" smtClean="0"/>
-              <a:pPr>
-                <a:spcAft>
-                  <a:spcPts val="600"/>
-                </a:spcAft>
-              </a:pPr>
               <a:t>10</a:t>
-            </a:fld>
-            <a:endParaRPr lang="nl-NL"/>
-          </a:p>
-        </p:txBody>
-      </p:sp>
-      <p:sp>
-        <p:nvSpPr>
-          <p:cNvPr id="2" name="Title 1"/>
-          <p:cNvSpPr>
-            <a:spLocks noGrp="1"/>
-          </p:cNvSpPr>
-          <p:nvPr>
-            <p:ph type="title"/>
-          </p:nvPr>
-        </p:nvSpPr>
-        <p:spPr>
-          <a:xfrm>
-            <a:off x="719999" y="288000"/>
-            <a:ext cx="6624000" cy="504000"/>
-          </a:xfrm>
-        </p:spPr>
-        <p:txBody>
-          <a:bodyPr anchor="ctr">
-            <a:normAutofit/>
-          </a:bodyPr>
-          <a:lstStyle/>
-          <a:p>
-            <a:r>
-              <a:rPr lang="nl-NL" dirty="0"/>
-              <a:t>Cluster</a:t>
-            </a:r>
-          </a:p>
-        </p:txBody>
-      </p:sp>
-      <p:sp>
-        <p:nvSpPr>
-          <p:cNvPr id="10" name="Content Placeholder 4">
-            <a:extLst>
-              <a:ext uri="{FF2B5EF4-FFF2-40B4-BE49-F238E27FC236}">
-                <a16:creationId xmlns:a16="http://schemas.microsoft.com/office/drawing/2014/main" id="{ED1053C5-A906-4812-9B6C-F7E2547B0A7F}"/>
-              </a:ext>
-            </a:extLst>
-          </p:cNvPr>
-          <p:cNvSpPr>
-            <a:spLocks noGrp="1"/>
-          </p:cNvSpPr>
-          <p:nvPr>
-            <p:ph idx="1"/>
-          </p:nvPr>
-        </p:nvSpPr>
-        <p:spPr>
-          <a:xfrm>
-            <a:off x="720003" y="1224000"/>
-            <a:ext cx="3744993" cy="3491999"/>
-          </a:xfrm>
-        </p:spPr>
-        <p:txBody>
-          <a:bodyPr/>
-          <a:lstStyle/>
-          <a:p>
-            <a:r>
-              <a:rPr lang="en-US" dirty="0"/>
-              <a:t>Elastic Search always runs in a cluster</a:t>
-            </a:r>
-          </a:p>
-          <a:p>
-            <a:r>
-              <a:rPr lang="en-US" dirty="0"/>
-              <a:t>Cluster is a group of nodes having the same </a:t>
-            </a:r>
-            <a:r>
-              <a:rPr lang="en-US" i="1" dirty="0">
-                <a:latin typeface="Tahoma" panose="020B0604030504040204" pitchFamily="34" charset="0"/>
-                <a:ea typeface="Tahoma" panose="020B0604030504040204" pitchFamily="34" charset="0"/>
-                <a:cs typeface="Tahoma" panose="020B0604030504040204" pitchFamily="34" charset="0"/>
-              </a:rPr>
-              <a:t>cluster.name </a:t>
-            </a:r>
-            <a:r>
-              <a:rPr lang="en-US" dirty="0"/>
-              <a:t>attribute</a:t>
-            </a:r>
-          </a:p>
-          <a:p>
-            <a:r>
-              <a:rPr lang="en-US" dirty="0"/>
-              <a:t>Nodes can be added to/removed from a cluster</a:t>
-            </a:r>
-          </a:p>
-          <a:p>
-            <a:endParaRPr lang="en-US" dirty="0"/>
-          </a:p>
-        </p:txBody>
-      </p:sp>
-      <p:pic>
-        <p:nvPicPr>
-          <p:cNvPr id="3" name="Picture 2">
-            <a:extLst>
-              <a:ext uri="{FF2B5EF4-FFF2-40B4-BE49-F238E27FC236}">
-                <a16:creationId xmlns:a16="http://schemas.microsoft.com/office/drawing/2014/main" id="{E7BD7C94-6B03-49E3-9590-B928FF5A6D50}"/>
-              </a:ext>
-            </a:extLst>
-          </p:cNvPr>
-          <p:cNvPicPr>
-            <a:picLocks noChangeAspect="1"/>
-          </p:cNvPicPr>
-          <p:nvPr/>
-        </p:nvPicPr>
-        <p:blipFill>
-          <a:blip r:embed="rId3"/>
-          <a:stretch>
-            <a:fillRect/>
-          </a:stretch>
-        </p:blipFill>
-        <p:spPr>
-          <a:xfrm>
-            <a:off x="4679007" y="1326158"/>
-            <a:ext cx="3744993" cy="3287683"/>
-          </a:xfrm>
-          <a:prstGeom prst="rect">
-            <a:avLst/>
-          </a:prstGeom>
-          <a:noFill/>
-        </p:spPr>
-      </p:pic>
-    </p:spTree>
-    <p:extLst>
-      <p:ext uri="{BB962C8B-B14F-4D97-AF65-F5344CB8AC3E}">
-        <p14:creationId xmlns:p14="http://schemas.microsoft.com/office/powerpoint/2010/main" val="791809052"/>
-      </p:ext>
-    </p:extLst>
-  </p:cSld>
-  <p:clrMapOvr>
-    <a:masterClrMapping/>
-  </p:clrMapOvr>
-</p:sld>
-</file>
-
-<file path=ppt/slides/slide11.xml><?xml version="1.0" encoding="utf-8"?>
-<p:sld xmlns:a="http://schemas.openxmlformats.org/drawingml/2006/main" xmlns:r="http://schemas.openxmlformats.org/officeDocument/2006/relationships" xmlns:p="http://schemas.openxmlformats.org/presentationml/2006/main">
-  <p:cSld>
-    <p:spTree>
-      <p:nvGrpSpPr>
-        <p:cNvPr id="1" name=""/>
-        <p:cNvGrpSpPr/>
-        <p:nvPr/>
-      </p:nvGrpSpPr>
-      <p:grpSpPr>
-        <a:xfrm>
-          <a:off x="0" y="0"/>
-          <a:ext cx="0" cy="0"/>
-          <a:chOff x="0" y="0"/>
-          <a:chExt cx="0" cy="0"/>
-        </a:xfrm>
-      </p:grpSpPr>
-      <p:sp>
-        <p:nvSpPr>
-          <p:cNvPr id="2" name="Title 1"/>
-          <p:cNvSpPr>
-            <a:spLocks noGrp="1"/>
-          </p:cNvSpPr>
-          <p:nvPr>
-            <p:ph type="title"/>
-          </p:nvPr>
-        </p:nvSpPr>
-        <p:spPr/>
-        <p:txBody>
-          <a:bodyPr/>
-          <a:lstStyle/>
-          <a:p>
-            <a:r>
-              <a:rPr lang="nl-NL" dirty="0"/>
-              <a:t>Cluster</a:t>
-            </a:r>
-          </a:p>
-        </p:txBody>
-      </p:sp>
-      <p:sp>
-        <p:nvSpPr>
-          <p:cNvPr id="4" name="Footer Placeholder 3"/>
-          <p:cNvSpPr>
-            <a:spLocks noGrp="1"/>
-          </p:cNvSpPr>
-          <p:nvPr>
-            <p:ph type="ftr" sz="quarter" idx="11"/>
-          </p:nvPr>
-        </p:nvSpPr>
-        <p:spPr/>
-        <p:txBody>
-          <a:bodyPr/>
-          <a:lstStyle/>
-          <a:p>
-            <a:r>
-              <a:rPr lang="nl-NL"/>
-              <a:t>elasticsearch</a:t>
-            </a:r>
-          </a:p>
-        </p:txBody>
-      </p:sp>
-      <p:sp>
-        <p:nvSpPr>
-          <p:cNvPr id="5" name="Slide Number Placeholder 4"/>
-          <p:cNvSpPr>
-            <a:spLocks noGrp="1"/>
-          </p:cNvSpPr>
-          <p:nvPr>
-            <p:ph type="sldNum" sz="quarter" idx="12"/>
-          </p:nvPr>
-        </p:nvSpPr>
-        <p:spPr/>
-        <p:txBody>
-          <a:bodyPr/>
-          <a:lstStyle/>
-          <a:p>
-            <a:fld id="{14F1411D-0280-154F-AEAC-4C20B7AA46B2}" type="slidenum">
-              <a:rPr lang="nl-NL" smtClean="0"/>
-              <a:t>11</a:t>
             </a:fld>
             <a:endParaRPr lang="nl-NL"/>
           </a:p>
@@ -7692,7 +7383,7 @@
 </p:sld>
 </file>
 
-<file path=ppt/slides/slide12.xml><?xml version="1.0" encoding="utf-8"?>
+<file path=ppt/slides/slide11.xml><?xml version="1.0" encoding="utf-8"?>
 <p:sld xmlns:a="http://schemas.openxmlformats.org/drawingml/2006/main" xmlns:r="http://schemas.openxmlformats.org/officeDocument/2006/relationships" xmlns:p="http://schemas.openxmlformats.org/presentationml/2006/main">
   <p:cSld>
     <p:spTree>
@@ -7770,7 +7461,7 @@
           <a:p>
             <a:fld id="{14F1411D-0280-154F-AEAC-4C20B7AA46B2}" type="slidenum">
               <a:rPr lang="nl-NL" smtClean="0"/>
-              <a:t>12</a:t>
+              <a:t>11</a:t>
             </a:fld>
             <a:endParaRPr lang="nl-NL"/>
           </a:p>
@@ -7819,7 +7510,7 @@
 </p:sld>
 </file>
 
-<file path=ppt/slides/slide13.xml><?xml version="1.0" encoding="utf-8"?>
+<file path=ppt/slides/slide12.xml><?xml version="1.0" encoding="utf-8"?>
 <p:sld xmlns:a="http://schemas.openxmlformats.org/drawingml/2006/main" xmlns:r="http://schemas.openxmlformats.org/officeDocument/2006/relationships" xmlns:p="http://schemas.openxmlformats.org/presentationml/2006/main">
   <p:cSld>
     <p:spTree>
@@ -7897,7 +7588,7 @@
           <a:p>
             <a:fld id="{14F1411D-0280-154F-AEAC-4C20B7AA46B2}" type="slidenum">
               <a:rPr lang="nl-NL" smtClean="0"/>
-              <a:t>13</a:t>
+              <a:t>12</a:t>
             </a:fld>
             <a:endParaRPr lang="nl-NL"/>
           </a:p>
@@ -7946,7 +7637,7 @@
 </p:sld>
 </file>
 
-<file path=ppt/slides/slide14.xml><?xml version="1.0" encoding="utf-8"?>
+<file path=ppt/slides/slide13.xml><?xml version="1.0" encoding="utf-8"?>
 <p:sld xmlns:a="http://schemas.openxmlformats.org/drawingml/2006/main" xmlns:r="http://schemas.openxmlformats.org/officeDocument/2006/relationships" xmlns:p="http://schemas.openxmlformats.org/presentationml/2006/main">
   <p:cSld>
     <p:spTree>
@@ -8339,7 +8030,7 @@
           <a:p>
             <a:fld id="{14F1411D-0280-154F-AEAC-4C20B7AA46B2}" type="slidenum">
               <a:rPr lang="nl-NL" smtClean="0"/>
-              <a:t>14</a:t>
+              <a:t>13</a:t>
             </a:fld>
             <a:endParaRPr lang="nl-NL"/>
           </a:p>
@@ -8569,6 +8260,185 @@
 </p:sld>
 </file>
 
+<file path=ppt/slides/slide14.xml><?xml version="1.0" encoding="utf-8"?>
+<p:sld xmlns:a="http://schemas.openxmlformats.org/drawingml/2006/main" xmlns:r="http://schemas.openxmlformats.org/officeDocument/2006/relationships" xmlns:p="http://schemas.openxmlformats.org/presentationml/2006/main">
+  <p:cSld>
+    <p:spTree>
+      <p:nvGrpSpPr>
+        <p:cNvPr id="1" name=""/>
+        <p:cNvGrpSpPr/>
+        <p:nvPr/>
+      </p:nvGrpSpPr>
+      <p:grpSpPr>
+        <a:xfrm>
+          <a:off x="0" y="0"/>
+          <a:ext cx="0" cy="0"/>
+          <a:chOff x="0" y="0"/>
+          <a:chExt cx="0" cy="0"/>
+        </a:xfrm>
+      </p:grpSpPr>
+      <p:sp>
+        <p:nvSpPr>
+          <p:cNvPr id="2" name="Title 1"/>
+          <p:cNvSpPr>
+            <a:spLocks noGrp="1"/>
+          </p:cNvSpPr>
+          <p:nvPr>
+            <p:ph type="title"/>
+          </p:nvPr>
+        </p:nvSpPr>
+        <p:spPr/>
+        <p:txBody>
+          <a:bodyPr/>
+          <a:lstStyle/>
+          <a:p>
+            <a:r>
+              <a:rPr lang="nl-NL" dirty="0"/>
+              <a:t>Analysis</a:t>
+            </a:r>
+          </a:p>
+        </p:txBody>
+      </p:sp>
+      <p:sp>
+        <p:nvSpPr>
+          <p:cNvPr id="3" name="Content Placeholder 2"/>
+          <p:cNvSpPr>
+            <a:spLocks noGrp="1"/>
+          </p:cNvSpPr>
+          <p:nvPr>
+            <p:ph idx="1"/>
+          </p:nvPr>
+        </p:nvSpPr>
+        <p:spPr>
+          <a:xfrm>
+            <a:off x="720003" y="1224000"/>
+            <a:ext cx="6623999" cy="3491999"/>
+          </a:xfrm>
+        </p:spPr>
+        <p:txBody>
+          <a:bodyPr/>
+          <a:lstStyle/>
+          <a:p>
+            <a:pPr marL="0" indent="0">
+              <a:buNone/>
+            </a:pPr>
+            <a:r>
+              <a:rPr lang="nl-NL" dirty="0"/>
+              <a:t>Enables full-text search -&gt; relevant results are returned</a:t>
+            </a:r>
+          </a:p>
+          <a:p>
+            <a:endParaRPr lang="nl-NL" dirty="0"/>
+          </a:p>
+          <a:p>
+            <a:r>
+              <a:rPr lang="nl-NL" dirty="0"/>
+              <a:t>Analysis is used to break down text into terms</a:t>
+            </a:r>
+          </a:p>
+          <a:p>
+            <a:r>
+              <a:rPr lang="nl-NL" dirty="0"/>
+              <a:t>Analysis is used on indexing and on searching</a:t>
+            </a:r>
+          </a:p>
+          <a:p>
+            <a:endParaRPr lang="nl-NL" dirty="0"/>
+          </a:p>
+          <a:p>
+            <a:endParaRPr lang="nl-NL" dirty="0"/>
+          </a:p>
+          <a:p>
+            <a:pPr marL="0" indent="0">
+              <a:buNone/>
+            </a:pPr>
+            <a:r>
+              <a:rPr lang="nl-NL" dirty="0"/>
+              <a:t>	“A Quick Brown Fox Jumps Over the Lazy Hedge”</a:t>
+            </a:r>
+          </a:p>
+          <a:p>
+            <a:pPr marL="0" indent="0">
+              <a:buNone/>
+            </a:pPr>
+            <a:endParaRPr lang="nl-NL" dirty="0"/>
+          </a:p>
+          <a:p>
+            <a:pPr marL="0" indent="0">
+              <a:buNone/>
+            </a:pPr>
+            <a:r>
+              <a:rPr lang="nl-NL" dirty="0"/>
+              <a:t>	Produces terms:</a:t>
+            </a:r>
+          </a:p>
+          <a:p>
+            <a:pPr lvl="4"/>
+            <a:r>
+              <a:rPr lang="nl-NL" dirty="0"/>
+              <a:t>a, quick, brown, fox, jumps, over, the, lazy, hedge</a:t>
+            </a:r>
+          </a:p>
+        </p:txBody>
+      </p:sp>
+      <p:sp>
+        <p:nvSpPr>
+          <p:cNvPr id="4" name="Footer Placeholder 3"/>
+          <p:cNvSpPr>
+            <a:spLocks noGrp="1"/>
+          </p:cNvSpPr>
+          <p:nvPr>
+            <p:ph type="ftr" sz="quarter" idx="11"/>
+          </p:nvPr>
+        </p:nvSpPr>
+        <p:spPr/>
+        <p:txBody>
+          <a:bodyPr/>
+          <a:lstStyle/>
+          <a:p>
+            <a:r>
+              <a:rPr lang="nl-NL"/>
+              <a:t>elasticsearch</a:t>
+            </a:r>
+          </a:p>
+        </p:txBody>
+      </p:sp>
+      <p:sp>
+        <p:nvSpPr>
+          <p:cNvPr id="5" name="Slide Number Placeholder 4"/>
+          <p:cNvSpPr>
+            <a:spLocks noGrp="1"/>
+          </p:cNvSpPr>
+          <p:nvPr>
+            <p:ph type="sldNum" sz="quarter" idx="12"/>
+          </p:nvPr>
+        </p:nvSpPr>
+        <p:spPr/>
+        <p:txBody>
+          <a:bodyPr/>
+          <a:lstStyle/>
+          <a:p>
+            <a:fld id="{14F1411D-0280-154F-AEAC-4C20B7AA46B2}" type="slidenum">
+              <a:rPr lang="nl-NL" smtClean="0"/>
+              <a:t>14</a:t>
+            </a:fld>
+            <a:endParaRPr lang="nl-NL"/>
+          </a:p>
+        </p:txBody>
+      </p:sp>
+    </p:spTree>
+    <p:extLst>
+      <p:ext uri="{BB962C8B-B14F-4D97-AF65-F5344CB8AC3E}">
+        <p14:creationId xmlns:p14="http://schemas.microsoft.com/office/powerpoint/2010/main" val="1669633505"/>
+      </p:ext>
+    </p:extLst>
+  </p:cSld>
+  <p:clrMapOvr>
+    <a:masterClrMapping/>
+  </p:clrMapOvr>
+</p:sld>
+</file>
+
 <file path=ppt/slides/slide15.xml><?xml version="1.0" encoding="utf-8"?>
 <p:sld xmlns:a="http://schemas.openxmlformats.org/drawingml/2006/main" xmlns:r="http://schemas.openxmlformats.org/officeDocument/2006/relationships" xmlns:p="http://schemas.openxmlformats.org/presentationml/2006/main">
   <p:cSld>
@@ -8603,7 +8473,7 @@
           <a:p>
             <a:r>
               <a:rPr lang="nl-NL" dirty="0"/>
-              <a:t>Analysis</a:t>
+              <a:t>REST API</a:t>
             </a:r>
           </a:p>
         </p:txBody>
@@ -8621,72 +8491,74 @@
         <p:spPr>
           <a:xfrm>
             <a:off x="720003" y="1224000"/>
-            <a:ext cx="6623999" cy="3491999"/>
+            <a:ext cx="6623999" cy="2396861"/>
           </a:xfrm>
         </p:spPr>
         <p:txBody>
           <a:bodyPr/>
           <a:lstStyle/>
           <a:p>
-            <a:pPr marL="0" indent="0">
-              <a:buNone/>
+            <a:r>
+              <a:rPr lang="nl-NL" dirty="0"/>
+              <a:t>All communications with Elastic Search is done by issuing HTTP requests using the REST API:</a:t>
+            </a:r>
+          </a:p>
+          <a:p>
+            <a:pPr lvl="1">
+              <a:buFont typeface="Wingdings" panose="05000000000000000000" pitchFamily="2" charset="2"/>
+              <a:buChar char="§"/>
             </a:pPr>
             <a:r>
               <a:rPr lang="nl-NL" dirty="0"/>
-              <a:t>Enables full-text search -&gt; relevant results are returned</a:t>
-            </a:r>
-          </a:p>
-          <a:p>
-            <a:endParaRPr lang="nl-NL" dirty="0"/>
-          </a:p>
-          <a:p>
+              <a:t>Index/update/delete documents or indices</a:t>
+            </a:r>
+          </a:p>
+          <a:p>
+            <a:pPr lvl="1">
+              <a:buFont typeface="Wingdings" panose="05000000000000000000" pitchFamily="2" charset="2"/>
+              <a:buChar char="§"/>
+            </a:pPr>
             <a:r>
               <a:rPr lang="nl-NL" dirty="0"/>
-              <a:t>Analysis is used to break down text into terms</a:t>
-            </a:r>
-          </a:p>
-          <a:p>
+              <a:t>Searching an index</a:t>
+            </a:r>
+          </a:p>
+          <a:p>
+            <a:pPr lvl="1">
+              <a:buFont typeface="Wingdings" panose="05000000000000000000" pitchFamily="2" charset="2"/>
+              <a:buChar char="§"/>
+            </a:pPr>
             <a:r>
               <a:rPr lang="nl-NL" dirty="0"/>
-              <a:t>Analysis is used on indexing and on searching</a:t>
-            </a:r>
-          </a:p>
-          <a:p>
-            <a:endParaRPr lang="nl-NL" dirty="0"/>
-          </a:p>
-          <a:p>
-            <a:endParaRPr lang="nl-NL" dirty="0"/>
-          </a:p>
-          <a:p>
-            <a:pPr marL="0" indent="0">
-              <a:buNone/>
+              <a:t>Monitor cluster</a:t>
+            </a:r>
+          </a:p>
+          <a:p>
+            <a:pPr lvl="1">
+              <a:buFont typeface="Wingdings" panose="05000000000000000000" pitchFamily="2" charset="2"/>
+              <a:buChar char="§"/>
             </a:pPr>
             <a:r>
               <a:rPr lang="nl-NL" dirty="0"/>
-              <a:t>	A Quick Brown Fox Jumps Over the Lazy Hedge”</a:t>
-            </a:r>
-          </a:p>
-          <a:p>
-            <a:pPr marL="0" indent="0">
-              <a:buNone/>
+              <a:t>Manage cluster</a:t>
+            </a:r>
+          </a:p>
+          <a:p>
+            <a:pPr lvl="1">
+              <a:buFont typeface="Wingdings" panose="05000000000000000000" pitchFamily="2" charset="2"/>
+              <a:buChar char="§"/>
+            </a:pPr>
+            <a:r>
+              <a:rPr lang="nl-NL" dirty="0"/>
+              <a:t>Manage security</a:t>
+            </a:r>
+          </a:p>
+          <a:p>
+            <a:pPr lvl="1">
+              <a:buFont typeface="Wingdings" panose="05000000000000000000" pitchFamily="2" charset="2"/>
+              <a:buChar char="§"/>
             </a:pPr>
             <a:endParaRPr lang="nl-NL" dirty="0"/>
-          </a:p>
-          <a:p>
-            <a:pPr marL="0" indent="0">
-              <a:buNone/>
-            </a:pPr>
-            <a:r>
-              <a:rPr lang="nl-NL" dirty="0"/>
-              <a:t>	Produces terms:</a:t>
-            </a:r>
-          </a:p>
-          <a:p>
-            <a:pPr lvl="4"/>
-            <a:r>
-              <a:rPr lang="nl-NL" dirty="0"/>
-              <a:t>a, quick, brown, fox, jumps, over, the, lazy, hedge</a:t>
-            </a:r>
           </a:p>
         </p:txBody>
       </p:sp>
@@ -8738,7 +8610,7 @@
     </p:spTree>
     <p:extLst>
       <p:ext uri="{BB962C8B-B14F-4D97-AF65-F5344CB8AC3E}">
-        <p14:creationId xmlns:p14="http://schemas.microsoft.com/office/powerpoint/2010/main" val="1669633505"/>
+        <p14:creationId xmlns:p14="http://schemas.microsoft.com/office/powerpoint/2010/main" val="1377839317"/>
       </p:ext>
     </p:extLst>
   </p:cSld>
@@ -8782,92 +8654,8 @@
           <a:p>
             <a:r>
               <a:rPr lang="nl-NL" dirty="0"/>
-              <a:t>REST API</a:t>
-            </a:r>
-          </a:p>
-        </p:txBody>
-      </p:sp>
-      <p:sp>
-        <p:nvSpPr>
-          <p:cNvPr id="3" name="Content Placeholder 2"/>
-          <p:cNvSpPr>
-            <a:spLocks noGrp="1"/>
-          </p:cNvSpPr>
-          <p:nvPr>
-            <p:ph idx="1"/>
-          </p:nvPr>
-        </p:nvSpPr>
-        <p:spPr>
-          <a:xfrm>
-            <a:off x="720003" y="1224000"/>
-            <a:ext cx="6623999" cy="2396861"/>
-          </a:xfrm>
-        </p:spPr>
-        <p:txBody>
-          <a:bodyPr/>
-          <a:lstStyle/>
-          <a:p>
-            <a:r>
-              <a:rPr lang="nl-NL" dirty="0"/>
-              <a:t>All communications with Elastic Search is done by issuing HTTP requests using the REST API:</a:t>
-            </a:r>
-          </a:p>
-          <a:p>
-            <a:pPr lvl="1">
-              <a:buFont typeface="Wingdings" panose="05000000000000000000" pitchFamily="2" charset="2"/>
-              <a:buChar char="§"/>
-            </a:pPr>
-            <a:r>
-              <a:rPr lang="nl-NL" dirty="0"/>
-              <a:t>Index/update/delete documents or indices</a:t>
-            </a:r>
-          </a:p>
-          <a:p>
-            <a:pPr lvl="1">
-              <a:buFont typeface="Wingdings" panose="05000000000000000000" pitchFamily="2" charset="2"/>
-              <a:buChar char="§"/>
-            </a:pPr>
-            <a:r>
-              <a:rPr lang="nl-NL" dirty="0"/>
-              <a:t>Searching an index</a:t>
-            </a:r>
-          </a:p>
-          <a:p>
-            <a:pPr lvl="1">
-              <a:buFont typeface="Wingdings" panose="05000000000000000000" pitchFamily="2" charset="2"/>
-              <a:buChar char="§"/>
-            </a:pPr>
-            <a:r>
-              <a:rPr lang="nl-NL" dirty="0"/>
-              <a:t>Monitor cluster</a:t>
-            </a:r>
-          </a:p>
-          <a:p>
-            <a:pPr lvl="1">
-              <a:buFont typeface="Wingdings" panose="05000000000000000000" pitchFamily="2" charset="2"/>
-              <a:buChar char="§"/>
-            </a:pPr>
-            <a:r>
-              <a:rPr lang="nl-NL" dirty="0"/>
-              <a:t>Manage cluster</a:t>
-            </a:r>
-          </a:p>
-          <a:p>
-            <a:pPr lvl="1">
-              <a:buFont typeface="Wingdings" panose="05000000000000000000" pitchFamily="2" charset="2"/>
-              <a:buChar char="§"/>
-            </a:pPr>
-            <a:r>
-              <a:rPr lang="nl-NL" dirty="0"/>
-              <a:t>Manage security</a:t>
-            </a:r>
-          </a:p>
-          <a:p>
-            <a:pPr lvl="1">
-              <a:buFont typeface="Wingdings" panose="05000000000000000000" pitchFamily="2" charset="2"/>
-              <a:buChar char="§"/>
-            </a:pPr>
-            <a:endParaRPr lang="nl-NL" dirty="0"/>
+              <a:t>GET localhost:9200</a:t>
+            </a:r>
           </a:p>
         </p:txBody>
       </p:sp>
@@ -8916,10 +8704,220 @@
           </a:p>
         </p:txBody>
       </p:sp>
+      <p:sp>
+        <p:nvSpPr>
+          <p:cNvPr id="8" name="Rectangle 7">
+            <a:extLst>
+              <a:ext uri="{FF2B5EF4-FFF2-40B4-BE49-F238E27FC236}">
+                <a16:creationId xmlns:a16="http://schemas.microsoft.com/office/drawing/2014/main" id="{6C60F117-E276-476C-BDAE-61B46AB4ABDB}"/>
+              </a:ext>
+            </a:extLst>
+          </p:cNvPr>
+          <p:cNvSpPr/>
+          <p:nvPr/>
+        </p:nvSpPr>
+        <p:spPr>
+          <a:xfrm>
+            <a:off x="902153" y="851784"/>
+            <a:ext cx="7478486" cy="3624069"/>
+          </a:xfrm>
+          <a:prstGeom prst="rect">
+            <a:avLst/>
+          </a:prstGeom>
+        </p:spPr>
+        <p:txBody>
+          <a:bodyPr wrap="square">
+            <a:spAutoFit/>
+          </a:bodyPr>
+          <a:lstStyle/>
+          <a:p>
+            <a:r>
+              <a:rPr lang="en-NL" dirty="0"/>
+              <a:t>{</a:t>
+            </a:r>
+          </a:p>
+          <a:p>
+            <a:r>
+              <a:rPr lang="en-NL" dirty="0"/>
+              <a:t>  "name" : "es01",</a:t>
+            </a:r>
+          </a:p>
+          <a:p>
+            <a:r>
+              <a:rPr lang="en-NL" dirty="0"/>
+              <a:t>  "</a:t>
+            </a:r>
+            <a:r>
+              <a:rPr lang="en-NL" dirty="0" err="1"/>
+              <a:t>cluster_name</a:t>
+            </a:r>
+            <a:r>
+              <a:rPr lang="en-NL" dirty="0"/>
+              <a:t>" : "es-docker-cluster",</a:t>
+            </a:r>
+          </a:p>
+          <a:p>
+            <a:r>
+              <a:rPr lang="en-NL" dirty="0"/>
+              <a:t>  "</a:t>
+            </a:r>
+            <a:r>
+              <a:rPr lang="en-NL" dirty="0" err="1"/>
+              <a:t>cluster_uuid</a:t>
+            </a:r>
+            <a:r>
+              <a:rPr lang="en-NL" dirty="0"/>
+              <a:t>" : "9Ce4263QRLSQV5X1RlR-Gw",</a:t>
+            </a:r>
+          </a:p>
+          <a:p>
+            <a:r>
+              <a:rPr lang="en-NL" dirty="0"/>
+              <a:t>  "version" : {</a:t>
+            </a:r>
+          </a:p>
+          <a:p>
+            <a:r>
+              <a:rPr lang="en-NL" dirty="0"/>
+              <a:t>    "number" : "7.6.1",</a:t>
+            </a:r>
+          </a:p>
+          <a:p>
+            <a:r>
+              <a:rPr lang="en-NL" dirty="0"/>
+              <a:t>    "</a:t>
+            </a:r>
+            <a:r>
+              <a:rPr lang="en-NL" dirty="0" err="1"/>
+              <a:t>build_flavor</a:t>
+            </a:r>
+            <a:r>
+              <a:rPr lang="en-NL" dirty="0"/>
+              <a:t>" : "default",</a:t>
+            </a:r>
+          </a:p>
+          <a:p>
+            <a:r>
+              <a:rPr lang="en-NL" dirty="0"/>
+              <a:t>    "</a:t>
+            </a:r>
+            <a:r>
+              <a:rPr lang="en-NL" dirty="0" err="1"/>
+              <a:t>build_type</a:t>
+            </a:r>
+            <a:r>
+              <a:rPr lang="en-NL" dirty="0"/>
+              <a:t>" : "docker",</a:t>
+            </a:r>
+          </a:p>
+          <a:p>
+            <a:r>
+              <a:rPr lang="en-NL" dirty="0"/>
+              <a:t>    "</a:t>
+            </a:r>
+            <a:r>
+              <a:rPr lang="en-NL" dirty="0" err="1"/>
+              <a:t>build_hash</a:t>
+            </a:r>
+            <a:r>
+              <a:rPr lang="en-NL" dirty="0"/>
+              <a:t>" : "aa751e09be0a5072e8570670309b1f12348f023b",</a:t>
+            </a:r>
+          </a:p>
+          <a:p>
+            <a:r>
+              <a:rPr lang="en-NL" dirty="0"/>
+              <a:t>    "</a:t>
+            </a:r>
+            <a:r>
+              <a:rPr lang="en-NL" dirty="0" err="1"/>
+              <a:t>build_date</a:t>
+            </a:r>
+            <a:r>
+              <a:rPr lang="en-NL" dirty="0"/>
+              <a:t>" : "2020-02-29T00:15:25.529771Z",</a:t>
+            </a:r>
+          </a:p>
+          <a:p>
+            <a:r>
+              <a:rPr lang="en-NL" dirty="0"/>
+              <a:t>    "</a:t>
+            </a:r>
+            <a:r>
+              <a:rPr lang="en-NL" dirty="0" err="1"/>
+              <a:t>build_snapshot</a:t>
+            </a:r>
+            <a:r>
+              <a:rPr lang="en-NL" dirty="0"/>
+              <a:t>" : false,</a:t>
+            </a:r>
+          </a:p>
+          <a:p>
+            <a:r>
+              <a:rPr lang="en-NL" dirty="0"/>
+              <a:t>    "</a:t>
+            </a:r>
+            <a:r>
+              <a:rPr lang="en-NL" dirty="0" err="1"/>
+              <a:t>lucene_version</a:t>
+            </a:r>
+            <a:r>
+              <a:rPr lang="en-NL" dirty="0"/>
+              <a:t>" : "8.4.0",</a:t>
+            </a:r>
+          </a:p>
+          <a:p>
+            <a:r>
+              <a:rPr lang="en-NL" dirty="0"/>
+              <a:t>    "</a:t>
+            </a:r>
+            <a:r>
+              <a:rPr lang="en-NL" dirty="0" err="1"/>
+              <a:t>minimum_wire_compatibility_version</a:t>
+            </a:r>
+            <a:r>
+              <a:rPr lang="en-NL" dirty="0"/>
+              <a:t>" : "6.8.0",</a:t>
+            </a:r>
+          </a:p>
+          <a:p>
+            <a:r>
+              <a:rPr lang="en-NL" dirty="0"/>
+              <a:t>    "</a:t>
+            </a:r>
+            <a:r>
+              <a:rPr lang="en-NL" dirty="0" err="1"/>
+              <a:t>minimum_index_compatibility_version</a:t>
+            </a:r>
+            <a:r>
+              <a:rPr lang="en-NL" dirty="0"/>
+              <a:t>" : "6.0.0-beta1"</a:t>
+            </a:r>
+          </a:p>
+          <a:p>
+            <a:r>
+              <a:rPr lang="en-NL" dirty="0"/>
+              <a:t>  },</a:t>
+            </a:r>
+          </a:p>
+          <a:p>
+            <a:r>
+              <a:rPr lang="en-NL" dirty="0"/>
+              <a:t>  "tagline" : "You Know, for Search"</a:t>
+            </a:r>
+          </a:p>
+          <a:p>
+            <a:r>
+              <a:rPr lang="en-NL" dirty="0"/>
+              <a:t>}</a:t>
+            </a:r>
+          </a:p>
+        </p:txBody>
+      </p:sp>
     </p:spTree>
     <p:extLst>
       <p:ext uri="{BB962C8B-B14F-4D97-AF65-F5344CB8AC3E}">
-        <p14:creationId xmlns:p14="http://schemas.microsoft.com/office/powerpoint/2010/main" val="1377839317"/>
+        <p14:creationId xmlns:p14="http://schemas.microsoft.com/office/powerpoint/2010/main" val="1545345141"/>
       </p:ext>
     </p:extLst>
   </p:cSld>
@@ -8963,8 +8961,53 @@
           <a:p>
             <a:r>
               <a:rPr lang="nl-NL" dirty="0"/>
-              <a:t>GET localhost:9200</a:t>
-            </a:r>
+              <a:t>Indexing data</a:t>
+            </a:r>
+          </a:p>
+        </p:txBody>
+      </p:sp>
+      <p:sp>
+        <p:nvSpPr>
+          <p:cNvPr id="3" name="Content Placeholder 2"/>
+          <p:cNvSpPr>
+            <a:spLocks noGrp="1"/>
+          </p:cNvSpPr>
+          <p:nvPr>
+            <p:ph idx="1"/>
+          </p:nvPr>
+        </p:nvSpPr>
+        <p:spPr>
+          <a:xfrm>
+            <a:off x="720003" y="1224000"/>
+            <a:ext cx="6623999" cy="3491999"/>
+          </a:xfrm>
+        </p:spPr>
+        <p:txBody>
+          <a:bodyPr/>
+          <a:lstStyle/>
+          <a:p>
+            <a:r>
+              <a:rPr lang="nl-NL" dirty="0"/>
+              <a:t>Done using the REST API</a:t>
+            </a:r>
+          </a:p>
+          <a:p>
+            <a:r>
+              <a:rPr lang="nl-NL" dirty="0"/>
+              <a:t>Using POST or PUT</a:t>
+            </a:r>
+          </a:p>
+          <a:p>
+            <a:r>
+              <a:rPr lang="nl-NL" dirty="0"/>
+              <a:t>Automatic creation of index with default settings, including index mapping</a:t>
+            </a:r>
+          </a:p>
+          <a:p>
+            <a:endParaRPr lang="nl-NL" dirty="0"/>
+          </a:p>
+          <a:p>
+            <a:endParaRPr lang="nl-NL" dirty="0"/>
           </a:p>
         </p:txBody>
       </p:sp>
@@ -9015,10 +9058,46 @@
       </p:sp>
       <p:sp>
         <p:nvSpPr>
-          <p:cNvPr id="8" name="Rectangle 7">
+          <p:cNvPr id="6" name="TextBox 5">
             <a:extLst>
               <a:ext uri="{FF2B5EF4-FFF2-40B4-BE49-F238E27FC236}">
-                <a16:creationId xmlns:a16="http://schemas.microsoft.com/office/drawing/2014/main" id="{6C60F117-E276-476C-BDAE-61B46AB4ABDB}"/>
+                <a16:creationId xmlns:a16="http://schemas.microsoft.com/office/drawing/2014/main" id="{A6A38542-8A35-4C8F-9A7C-7815D679AA82}"/>
+              </a:ext>
+            </a:extLst>
+          </p:cNvPr>
+          <p:cNvSpPr txBox="1"/>
+          <p:nvPr/>
+        </p:nvSpPr>
+        <p:spPr>
+          <a:xfrm>
+            <a:off x="4509404" y="3944736"/>
+            <a:ext cx="1412422" cy="200055"/>
+          </a:xfrm>
+          <a:prstGeom prst="rect">
+            <a:avLst/>
+          </a:prstGeom>
+          <a:noFill/>
+        </p:spPr>
+        <p:txBody>
+          <a:bodyPr wrap="square" lIns="0" tIns="0" rIns="0" bIns="0" rtlCol="0">
+            <a:spAutoFit/>
+          </a:bodyPr>
+          <a:lstStyle/>
+          <a:p>
+            <a:r>
+              <a:rPr lang="en-US" sz="1300" dirty="0" err="1"/>
+              <a:t>indexname</a:t>
+            </a:r>
+            <a:endParaRPr lang="en-NL" sz="1300" dirty="0" err="1"/>
+          </a:p>
+        </p:txBody>
+      </p:sp>
+      <p:sp>
+        <p:nvSpPr>
+          <p:cNvPr id="7" name="Right Brace 6">
+            <a:extLst>
+              <a:ext uri="{FF2B5EF4-FFF2-40B4-BE49-F238E27FC236}">
+                <a16:creationId xmlns:a16="http://schemas.microsoft.com/office/drawing/2014/main" id="{CC61EF7D-51EC-475D-8570-871D2BD6C275}"/>
               </a:ext>
             </a:extLst>
           </p:cNvPr>
@@ -9026,207 +9105,243 @@
           <p:nvPr/>
         </p:nvSpPr>
         <p:spPr>
+          <a:xfrm rot="5400000">
+            <a:off x="4653182" y="3376418"/>
+            <a:ext cx="300274" cy="538843"/>
+          </a:xfrm>
+          <a:prstGeom prst="rightBrace">
+            <a:avLst/>
+          </a:prstGeom>
+        </p:spPr>
+        <p:style>
+          <a:lnRef idx="1">
+            <a:schemeClr val="dk1"/>
+          </a:lnRef>
+          <a:fillRef idx="0">
+            <a:schemeClr val="dk1"/>
+          </a:fillRef>
+          <a:effectRef idx="0">
+            <a:schemeClr val="dk1"/>
+          </a:effectRef>
+          <a:fontRef idx="minor">
+            <a:schemeClr val="tx1"/>
+          </a:fontRef>
+        </p:style>
+        <p:txBody>
+          <a:bodyPr rtlCol="0" anchor="ctr"/>
+          <a:lstStyle/>
+          <a:p>
+            <a:pPr algn="ctr"/>
+            <a:endParaRPr lang="en-NL"/>
+          </a:p>
+        </p:txBody>
+      </p:sp>
+      <p:sp>
+        <p:nvSpPr>
+          <p:cNvPr id="8" name="TextBox 7">
+            <a:extLst>
+              <a:ext uri="{FF2B5EF4-FFF2-40B4-BE49-F238E27FC236}">
+                <a16:creationId xmlns:a16="http://schemas.microsoft.com/office/drawing/2014/main" id="{0BD253CC-F9C4-4336-BADD-C941BBA2C08F}"/>
+              </a:ext>
+            </a:extLst>
+          </p:cNvPr>
+          <p:cNvSpPr txBox="1"/>
+          <p:nvPr/>
+        </p:nvSpPr>
+        <p:spPr>
           <a:xfrm>
-            <a:off x="902153" y="851784"/>
-            <a:ext cx="7478486" cy="3624069"/>
+            <a:off x="5694623" y="2619037"/>
+            <a:ext cx="2261507" cy="200055"/>
           </a:xfrm>
           <a:prstGeom prst="rect">
             <a:avLst/>
           </a:prstGeom>
+          <a:noFill/>
         </p:spPr>
         <p:txBody>
-          <a:bodyPr wrap="square">
+          <a:bodyPr wrap="square" lIns="0" tIns="0" rIns="0" bIns="0" rtlCol="0">
             <a:spAutoFit/>
           </a:bodyPr>
           <a:lstStyle/>
           <a:p>
             <a:r>
-              <a:rPr lang="en-NL" dirty="0"/>
-              <a:t>{</a:t>
-            </a:r>
-          </a:p>
-          <a:p>
-            <a:r>
-              <a:rPr lang="en-NL" dirty="0"/>
-              <a:t>  "name" : "es01",</a:t>
-            </a:r>
-          </a:p>
-          <a:p>
-            <a:r>
-              <a:rPr lang="en-NL" dirty="0"/>
-              <a:t>  "</a:t>
-            </a:r>
-            <a:r>
-              <a:rPr lang="en-NL" dirty="0" err="1"/>
-              <a:t>cluster_name</a:t>
-            </a:r>
-            <a:r>
-              <a:rPr lang="en-NL" dirty="0"/>
-              <a:t>" : "es-docker-cluster",</a:t>
-            </a:r>
-          </a:p>
-          <a:p>
-            <a:r>
-              <a:rPr lang="en-NL" dirty="0"/>
-              <a:t>  "</a:t>
-            </a:r>
-            <a:r>
-              <a:rPr lang="en-NL" dirty="0" err="1"/>
-              <a:t>cluster_uuid</a:t>
-            </a:r>
-            <a:r>
-              <a:rPr lang="en-NL" dirty="0"/>
-              <a:t>" : "9Ce4263QRLSQV5X1RlR-Gw",</a:t>
-            </a:r>
-          </a:p>
-          <a:p>
-            <a:r>
-              <a:rPr lang="en-NL" dirty="0"/>
-              <a:t>  "version" : {</a:t>
-            </a:r>
-          </a:p>
-          <a:p>
-            <a:r>
-              <a:rPr lang="en-NL" dirty="0"/>
-              <a:t>    "number" : "7.6.1",</a:t>
-            </a:r>
-          </a:p>
-          <a:p>
-            <a:r>
-              <a:rPr lang="en-NL" dirty="0"/>
-              <a:t>    "</a:t>
-            </a:r>
-            <a:r>
-              <a:rPr lang="en-NL" dirty="0" err="1"/>
-              <a:t>build_flavor</a:t>
-            </a:r>
-            <a:r>
-              <a:rPr lang="en-NL" dirty="0"/>
-              <a:t>" : "default",</a:t>
-            </a:r>
-          </a:p>
-          <a:p>
-            <a:r>
-              <a:rPr lang="en-NL" dirty="0"/>
-              <a:t>    "</a:t>
-            </a:r>
-            <a:r>
-              <a:rPr lang="en-NL" dirty="0" err="1"/>
-              <a:t>build_type</a:t>
-            </a:r>
-            <a:r>
-              <a:rPr lang="en-NL" dirty="0"/>
-              <a:t>" : "docker",</a:t>
-            </a:r>
-          </a:p>
-          <a:p>
-            <a:r>
-              <a:rPr lang="en-NL" dirty="0"/>
-              <a:t>    "</a:t>
-            </a:r>
-            <a:r>
-              <a:rPr lang="en-NL" dirty="0" err="1"/>
-              <a:t>build_hash</a:t>
-            </a:r>
-            <a:r>
-              <a:rPr lang="en-NL" dirty="0"/>
-              <a:t>" : "aa751e09be0a5072e8570670309b1f12348f023b",</a:t>
-            </a:r>
-          </a:p>
-          <a:p>
-            <a:r>
-              <a:rPr lang="en-NL" dirty="0"/>
-              <a:t>    "</a:t>
-            </a:r>
-            <a:r>
-              <a:rPr lang="en-NL" dirty="0" err="1"/>
-              <a:t>build_date</a:t>
-            </a:r>
-            <a:r>
-              <a:rPr lang="en-NL" dirty="0"/>
-              <a:t>" : "2020-02-29T00:15:25.529771Z",</a:t>
-            </a:r>
-          </a:p>
-          <a:p>
-            <a:r>
-              <a:rPr lang="en-NL" dirty="0"/>
-              <a:t>    "</a:t>
-            </a:r>
-            <a:r>
-              <a:rPr lang="en-NL" dirty="0" err="1"/>
-              <a:t>build_snapshot</a:t>
-            </a:r>
-            <a:r>
-              <a:rPr lang="en-NL" dirty="0"/>
-              <a:t>" : false,</a:t>
-            </a:r>
-          </a:p>
-          <a:p>
-            <a:r>
-              <a:rPr lang="en-NL" dirty="0"/>
-              <a:t>    "</a:t>
-            </a:r>
-            <a:r>
-              <a:rPr lang="en-NL" dirty="0" err="1"/>
-              <a:t>lucene_version</a:t>
-            </a:r>
-            <a:r>
-              <a:rPr lang="en-NL" dirty="0"/>
-              <a:t>" : "8.4.0",</a:t>
-            </a:r>
-          </a:p>
-          <a:p>
-            <a:r>
-              <a:rPr lang="en-NL" dirty="0"/>
-              <a:t>    "</a:t>
-            </a:r>
-            <a:r>
-              <a:rPr lang="en-NL" dirty="0" err="1"/>
-              <a:t>minimum_wire_compatibility_version</a:t>
-            </a:r>
-            <a:r>
-              <a:rPr lang="en-NL" dirty="0"/>
-              <a:t>" : "6.8.0",</a:t>
-            </a:r>
-          </a:p>
-          <a:p>
-            <a:r>
-              <a:rPr lang="en-NL" dirty="0"/>
-              <a:t>    "</a:t>
-            </a:r>
-            <a:r>
-              <a:rPr lang="en-NL" dirty="0" err="1"/>
-              <a:t>minimum_index_compatibility_version</a:t>
-            </a:r>
-            <a:r>
-              <a:rPr lang="en-NL" dirty="0"/>
-              <a:t>" : "6.0.0-beta1"</a:t>
-            </a:r>
-          </a:p>
-          <a:p>
-            <a:r>
-              <a:rPr lang="en-NL" dirty="0"/>
-              <a:t>  },</a:t>
-            </a:r>
-          </a:p>
-          <a:p>
-            <a:r>
-              <a:rPr lang="en-NL" dirty="0"/>
-              <a:t>  "tagline" : "You Know, for Search"</a:t>
-            </a:r>
-          </a:p>
-          <a:p>
-            <a:r>
-              <a:rPr lang="en-NL" dirty="0"/>
-              <a:t>}</a:t>
-            </a:r>
+              <a:rPr lang="en-US" sz="1300" dirty="0"/>
+              <a:t>document id</a:t>
+            </a:r>
+            <a:endParaRPr lang="en-NL" sz="1300" dirty="0" err="1"/>
+          </a:p>
+        </p:txBody>
+      </p:sp>
+      <p:sp>
+        <p:nvSpPr>
+          <p:cNvPr id="10" name="TextBox 9">
+            <a:extLst>
+              <a:ext uri="{FF2B5EF4-FFF2-40B4-BE49-F238E27FC236}">
+                <a16:creationId xmlns:a16="http://schemas.microsoft.com/office/drawing/2014/main" id="{2B1A4ACE-2721-4FB3-9131-07ACCB2786D4}"/>
+              </a:ext>
+            </a:extLst>
+          </p:cNvPr>
+          <p:cNvSpPr txBox="1"/>
+          <p:nvPr/>
+        </p:nvSpPr>
+        <p:spPr>
+          <a:xfrm>
+            <a:off x="2311960" y="3220840"/>
+            <a:ext cx="3888815" cy="430887"/>
+          </a:xfrm>
+          <a:prstGeom prst="rect">
+            <a:avLst/>
+          </a:prstGeom>
+          <a:noFill/>
+        </p:spPr>
+        <p:txBody>
+          <a:bodyPr wrap="square" lIns="0" tIns="0" rIns="0" bIns="0" rtlCol="0">
+            <a:spAutoFit/>
+          </a:bodyPr>
+          <a:lstStyle/>
+          <a:p>
+            <a:r>
+              <a:rPr lang="nl-NL" sz="1400" dirty="0">
+                <a:latin typeface="Consolas" panose="020B0609020204030204" pitchFamily="49" charset="0"/>
+              </a:rPr>
+              <a:t>http://localhost:9200/recipes/_doc/213</a:t>
+            </a:r>
+          </a:p>
+          <a:p>
+            <a:endParaRPr lang="en-NL" sz="1400" dirty="0" err="1">
+              <a:latin typeface="Consolas" panose="020B0609020204030204" pitchFamily="49" charset="0"/>
+            </a:endParaRPr>
+          </a:p>
+        </p:txBody>
+      </p:sp>
+      <p:sp>
+        <p:nvSpPr>
+          <p:cNvPr id="11" name="Right Brace 10">
+            <a:extLst>
+              <a:ext uri="{FF2B5EF4-FFF2-40B4-BE49-F238E27FC236}">
+                <a16:creationId xmlns:a16="http://schemas.microsoft.com/office/drawing/2014/main" id="{CB22F3CB-3F0F-45BB-88F9-12DB275D870E}"/>
+              </a:ext>
+            </a:extLst>
+          </p:cNvPr>
+          <p:cNvSpPr/>
+          <p:nvPr/>
+        </p:nvSpPr>
+        <p:spPr>
+          <a:xfrm rot="16200000">
+            <a:off x="5744265" y="2907655"/>
+            <a:ext cx="278926" cy="329293"/>
+          </a:xfrm>
+          <a:prstGeom prst="rightBrace">
+            <a:avLst/>
+          </a:prstGeom>
+        </p:spPr>
+        <p:style>
+          <a:lnRef idx="1">
+            <a:schemeClr val="dk1"/>
+          </a:lnRef>
+          <a:fillRef idx="0">
+            <a:schemeClr val="dk1"/>
+          </a:fillRef>
+          <a:effectRef idx="0">
+            <a:schemeClr val="dk1"/>
+          </a:effectRef>
+          <a:fontRef idx="minor">
+            <a:schemeClr val="tx1"/>
+          </a:fontRef>
+        </p:style>
+        <p:txBody>
+          <a:bodyPr rtlCol="0" anchor="ctr"/>
+          <a:lstStyle/>
+          <a:p>
+            <a:pPr algn="ctr"/>
+            <a:endParaRPr lang="en-NL"/>
+          </a:p>
+        </p:txBody>
+      </p:sp>
+      <p:sp>
+        <p:nvSpPr>
+          <p:cNvPr id="12" name="TextBox 11">
+            <a:extLst>
+              <a:ext uri="{FF2B5EF4-FFF2-40B4-BE49-F238E27FC236}">
+                <a16:creationId xmlns:a16="http://schemas.microsoft.com/office/drawing/2014/main" id="{EB8F4D75-D01A-4ACF-A510-C7B0B046155C}"/>
+              </a:ext>
+            </a:extLst>
+          </p:cNvPr>
+          <p:cNvSpPr txBox="1"/>
+          <p:nvPr/>
+        </p:nvSpPr>
+        <p:spPr>
+          <a:xfrm>
+            <a:off x="5173734" y="2290424"/>
+            <a:ext cx="2261507" cy="200055"/>
+          </a:xfrm>
+          <a:prstGeom prst="rect">
+            <a:avLst/>
+          </a:prstGeom>
+          <a:noFill/>
+        </p:spPr>
+        <p:txBody>
+          <a:bodyPr wrap="square" lIns="0" tIns="0" rIns="0" bIns="0" rtlCol="0">
+            <a:spAutoFit/>
+          </a:bodyPr>
+          <a:lstStyle/>
+          <a:p>
+            <a:r>
+              <a:rPr lang="en-US" sz="1300" dirty="0"/>
+              <a:t>type (deprecated)</a:t>
+            </a:r>
+            <a:endParaRPr lang="en-NL" sz="1300" dirty="0" err="1"/>
+          </a:p>
+        </p:txBody>
+      </p:sp>
+      <p:sp>
+        <p:nvSpPr>
+          <p:cNvPr id="13" name="Right Brace 12">
+            <a:extLst>
+              <a:ext uri="{FF2B5EF4-FFF2-40B4-BE49-F238E27FC236}">
+                <a16:creationId xmlns:a16="http://schemas.microsoft.com/office/drawing/2014/main" id="{AB22A6AD-2AFC-4AEE-9F70-7DE5FA965C69}"/>
+              </a:ext>
+            </a:extLst>
+          </p:cNvPr>
+          <p:cNvSpPr/>
+          <p:nvPr/>
+        </p:nvSpPr>
+        <p:spPr>
+          <a:xfrm rot="16200000">
+            <a:off x="5163633" y="2688199"/>
+            <a:ext cx="647442" cy="414544"/>
+          </a:xfrm>
+          <a:prstGeom prst="rightBrace">
+            <a:avLst/>
+          </a:prstGeom>
+        </p:spPr>
+        <p:style>
+          <a:lnRef idx="1">
+            <a:schemeClr val="dk1"/>
+          </a:lnRef>
+          <a:fillRef idx="0">
+            <a:schemeClr val="dk1"/>
+          </a:fillRef>
+          <a:effectRef idx="0">
+            <a:schemeClr val="dk1"/>
+          </a:effectRef>
+          <a:fontRef idx="minor">
+            <a:schemeClr val="tx1"/>
+          </a:fontRef>
+        </p:style>
+        <p:txBody>
+          <a:bodyPr rtlCol="0" anchor="ctr"/>
+          <a:lstStyle/>
+          <a:p>
+            <a:pPr algn="ctr"/>
+            <a:endParaRPr lang="en-NL"/>
           </a:p>
         </p:txBody>
       </p:sp>
     </p:spTree>
     <p:extLst>
       <p:ext uri="{BB962C8B-B14F-4D97-AF65-F5344CB8AC3E}">
-        <p14:creationId xmlns:p14="http://schemas.microsoft.com/office/powerpoint/2010/main" val="1545345141"/>
+        <p14:creationId xmlns:p14="http://schemas.microsoft.com/office/powerpoint/2010/main" val="1619381989"/>
       </p:ext>
     </p:extLst>
   </p:cSld>
@@ -9367,10 +9482,10 @@
       </p:sp>
       <p:sp>
         <p:nvSpPr>
-          <p:cNvPr id="6" name="TextBox 5">
+          <p:cNvPr id="12" name="TextBox 11">
             <a:extLst>
               <a:ext uri="{FF2B5EF4-FFF2-40B4-BE49-F238E27FC236}">
-                <a16:creationId xmlns:a16="http://schemas.microsoft.com/office/drawing/2014/main" id="{A6A38542-8A35-4C8F-9A7C-7815D679AA82}"/>
+                <a16:creationId xmlns:a16="http://schemas.microsoft.com/office/drawing/2014/main" id="{FA11F306-87C8-47ED-B7C1-9648CA3068B7}"/>
               </a:ext>
             </a:extLst>
           </p:cNvPr>
@@ -9379,8 +9494,8 @@
         </p:nvSpPr>
         <p:spPr>
           <a:xfrm>
-            <a:off x="4509404" y="3944736"/>
-            <a:ext cx="1412422" cy="200055"/>
+            <a:off x="1462875" y="2616683"/>
+            <a:ext cx="5027732" cy="1508105"/>
           </a:xfrm>
           <a:prstGeom prst="rect">
             <a:avLst/>
@@ -9394,263 +9509,132 @@
           <a:lstStyle/>
           <a:p>
             <a:r>
-              <a:rPr lang="en-US" sz="1300" dirty="0" err="1"/>
-              <a:t>indexname</a:t>
-            </a:r>
-            <a:endParaRPr lang="en-NL" sz="1300" dirty="0" err="1"/>
-          </a:p>
-        </p:txBody>
-      </p:sp>
-      <p:sp>
-        <p:nvSpPr>
-          <p:cNvPr id="7" name="Right Brace 6">
-            <a:extLst>
-              <a:ext uri="{FF2B5EF4-FFF2-40B4-BE49-F238E27FC236}">
-                <a16:creationId xmlns:a16="http://schemas.microsoft.com/office/drawing/2014/main" id="{CC61EF7D-51EC-475D-8570-871D2BD6C275}"/>
-              </a:ext>
-            </a:extLst>
-          </p:cNvPr>
-          <p:cNvSpPr/>
-          <p:nvPr/>
-        </p:nvSpPr>
-        <p:spPr>
-          <a:xfrm rot="5400000">
-            <a:off x="4653182" y="3376418"/>
-            <a:ext cx="300274" cy="538843"/>
-          </a:xfrm>
-          <a:prstGeom prst="rightBrace">
-            <a:avLst/>
-          </a:prstGeom>
-        </p:spPr>
-        <p:style>
-          <a:lnRef idx="1">
-            <a:schemeClr val="dk1"/>
-          </a:lnRef>
-          <a:fillRef idx="0">
-            <a:schemeClr val="dk1"/>
-          </a:fillRef>
-          <a:effectRef idx="0">
-            <a:schemeClr val="dk1"/>
-          </a:effectRef>
-          <a:fontRef idx="minor">
-            <a:schemeClr val="tx1"/>
-          </a:fontRef>
-        </p:style>
-        <p:txBody>
-          <a:bodyPr rtlCol="0" anchor="ctr"/>
-          <a:lstStyle/>
-          <a:p>
-            <a:pPr algn="ctr"/>
-            <a:endParaRPr lang="en-NL"/>
-          </a:p>
-        </p:txBody>
-      </p:sp>
-      <p:sp>
-        <p:nvSpPr>
-          <p:cNvPr id="8" name="TextBox 7">
-            <a:extLst>
-              <a:ext uri="{FF2B5EF4-FFF2-40B4-BE49-F238E27FC236}">
-                <a16:creationId xmlns:a16="http://schemas.microsoft.com/office/drawing/2014/main" id="{0BD253CC-F9C4-4336-BADD-C941BBA2C08F}"/>
-              </a:ext>
-            </a:extLst>
-          </p:cNvPr>
-          <p:cNvSpPr txBox="1"/>
-          <p:nvPr/>
-        </p:nvSpPr>
-        <p:spPr>
-          <a:xfrm>
-            <a:off x="5694623" y="2619037"/>
-            <a:ext cx="2261507" cy="200055"/>
-          </a:xfrm>
-          <a:prstGeom prst="rect">
-            <a:avLst/>
-          </a:prstGeom>
-          <a:noFill/>
-        </p:spPr>
-        <p:txBody>
-          <a:bodyPr wrap="square" lIns="0" tIns="0" rIns="0" bIns="0" rtlCol="0">
-            <a:spAutoFit/>
-          </a:bodyPr>
-          <a:lstStyle/>
-          <a:p>
-            <a:r>
-              <a:rPr lang="en-US" sz="1300" dirty="0"/>
-              <a:t>document id</a:t>
-            </a:r>
-            <a:endParaRPr lang="en-NL" sz="1300" dirty="0" err="1"/>
-          </a:p>
-        </p:txBody>
-      </p:sp>
-      <p:sp>
-        <p:nvSpPr>
-          <p:cNvPr id="10" name="TextBox 9">
-            <a:extLst>
-              <a:ext uri="{FF2B5EF4-FFF2-40B4-BE49-F238E27FC236}">
-                <a16:creationId xmlns:a16="http://schemas.microsoft.com/office/drawing/2014/main" id="{2B1A4ACE-2721-4FB3-9131-07ACCB2786D4}"/>
-              </a:ext>
-            </a:extLst>
-          </p:cNvPr>
-          <p:cNvSpPr txBox="1"/>
-          <p:nvPr/>
-        </p:nvSpPr>
-        <p:spPr>
-          <a:xfrm>
-            <a:off x="2311960" y="3220840"/>
-            <a:ext cx="3888815" cy="430887"/>
-          </a:xfrm>
-          <a:prstGeom prst="rect">
-            <a:avLst/>
-          </a:prstGeom>
-          <a:noFill/>
-        </p:spPr>
-        <p:txBody>
-          <a:bodyPr wrap="square" lIns="0" tIns="0" rIns="0" bIns="0" rtlCol="0">
-            <a:spAutoFit/>
-          </a:bodyPr>
-          <a:lstStyle/>
-          <a:p>
+              <a:rPr lang="en-US" sz="1400" dirty="0">
+                <a:latin typeface="Consolas" panose="020B0609020204030204" pitchFamily="49" charset="0"/>
+                <a:ea typeface="Tahoma" panose="020B0604030504040204" pitchFamily="34" charset="0"/>
+                <a:cs typeface="Tahoma" panose="020B0604030504040204" pitchFamily="34" charset="0"/>
+              </a:rPr>
+              <a:t>PUT </a:t>
+            </a:r>
             <a:r>
               <a:rPr lang="nl-NL" sz="1400" dirty="0">
                 <a:latin typeface="Consolas" panose="020B0609020204030204" pitchFamily="49" charset="0"/>
               </a:rPr>
-              <a:t>http://localhost:9200/recipes/_doc/213</a:t>
-            </a:r>
-          </a:p>
-          <a:p>
+              <a:t>http://localhost:9200/recipes</a:t>
+            </a:r>
+            <a:r>
+              <a:rPr lang="en-US" sz="1400" dirty="0">
+                <a:latin typeface="Consolas" panose="020B0609020204030204" pitchFamily="49" charset="0"/>
+                <a:ea typeface="Tahoma" panose="020B0604030504040204" pitchFamily="34" charset="0"/>
+                <a:cs typeface="Tahoma" panose="020B0604030504040204" pitchFamily="34" charset="0"/>
+              </a:rPr>
+              <a:t>/_doc/1234</a:t>
+            </a:r>
+          </a:p>
+          <a:p>
+            <a:endParaRPr lang="en-US" sz="1400" dirty="0">
+              <a:latin typeface="Consolas" panose="020B0609020204030204" pitchFamily="49" charset="0"/>
+              <a:ea typeface="Tahoma" panose="020B0604030504040204" pitchFamily="34" charset="0"/>
+              <a:cs typeface="Tahoma" panose="020B0604030504040204" pitchFamily="34" charset="0"/>
+            </a:endParaRPr>
+          </a:p>
+          <a:p>
+            <a:r>
+              <a:rPr lang="en-US" sz="1400" dirty="0">
+                <a:latin typeface="Consolas" panose="020B0609020204030204" pitchFamily="49" charset="0"/>
+                <a:ea typeface="Tahoma" panose="020B0604030504040204" pitchFamily="34" charset="0"/>
+                <a:cs typeface="Tahoma" panose="020B0604030504040204" pitchFamily="34" charset="0"/>
+              </a:rPr>
+              <a:t>POST </a:t>
+            </a:r>
+            <a:r>
+              <a:rPr lang="nl-NL" sz="1400" dirty="0">
+                <a:latin typeface="Consolas" panose="020B0609020204030204" pitchFamily="49" charset="0"/>
+              </a:rPr>
+              <a:t>http://localhost:9200/recipes/</a:t>
+            </a:r>
+            <a:r>
+              <a:rPr lang="en-US" sz="1400" dirty="0">
+                <a:latin typeface="Consolas" panose="020B0609020204030204" pitchFamily="49" charset="0"/>
+                <a:ea typeface="Tahoma" panose="020B0604030504040204" pitchFamily="34" charset="0"/>
+                <a:cs typeface="Tahoma" panose="020B0604030504040204" pitchFamily="34" charset="0"/>
+              </a:rPr>
+              <a:t>_doc/</a:t>
+            </a:r>
+          </a:p>
+          <a:p>
+            <a:endParaRPr lang="en-US" sz="1400" dirty="0">
+              <a:latin typeface="Consolas" panose="020B0609020204030204" pitchFamily="49" charset="0"/>
+              <a:ea typeface="Tahoma" panose="020B0604030504040204" pitchFamily="34" charset="0"/>
+              <a:cs typeface="Tahoma" panose="020B0604030504040204" pitchFamily="34" charset="0"/>
+            </a:endParaRPr>
+          </a:p>
+          <a:p>
+            <a:r>
+              <a:rPr lang="en-US" sz="1400" dirty="0">
+                <a:latin typeface="Consolas" panose="020B0609020204030204" pitchFamily="49" charset="0"/>
+                <a:ea typeface="Tahoma" panose="020B0604030504040204" pitchFamily="34" charset="0"/>
+                <a:cs typeface="Tahoma" panose="020B0604030504040204" pitchFamily="34" charset="0"/>
+              </a:rPr>
+              <a:t>PUT </a:t>
+            </a:r>
+            <a:r>
+              <a:rPr lang="nl-NL" sz="1400" dirty="0">
+                <a:latin typeface="Consolas" panose="020B0609020204030204" pitchFamily="49" charset="0"/>
+              </a:rPr>
+              <a:t>http://localhost:9200/recipes</a:t>
+            </a:r>
+            <a:r>
+              <a:rPr lang="en-US" sz="1400" dirty="0">
+                <a:latin typeface="Consolas" panose="020B0609020204030204" pitchFamily="49" charset="0"/>
+                <a:ea typeface="Tahoma" panose="020B0604030504040204" pitchFamily="34" charset="0"/>
+                <a:cs typeface="Tahoma" panose="020B0604030504040204" pitchFamily="34" charset="0"/>
+              </a:rPr>
+              <a:t>/_create/1234</a:t>
+            </a:r>
+          </a:p>
+          <a:p>
+            <a:endParaRPr lang="en-US" sz="1400" dirty="0">
+              <a:latin typeface="Consolas" panose="020B0609020204030204" pitchFamily="49" charset="0"/>
+              <a:ea typeface="Tahoma" panose="020B0604030504040204" pitchFamily="34" charset="0"/>
+              <a:cs typeface="Tahoma" panose="020B0604030504040204" pitchFamily="34" charset="0"/>
+            </a:endParaRPr>
+          </a:p>
+          <a:p>
+            <a:r>
+              <a:rPr lang="en-US" sz="1400" dirty="0">
+                <a:latin typeface="Consolas" panose="020B0609020204030204" pitchFamily="49" charset="0"/>
+                <a:ea typeface="Tahoma" panose="020B0604030504040204" pitchFamily="34" charset="0"/>
+                <a:cs typeface="Tahoma" panose="020B0604030504040204" pitchFamily="34" charset="0"/>
+              </a:rPr>
+              <a:t>POST </a:t>
+            </a:r>
+            <a:r>
+              <a:rPr lang="nl-NL" sz="1400" dirty="0">
+                <a:latin typeface="Consolas" panose="020B0609020204030204" pitchFamily="49" charset="0"/>
+              </a:rPr>
+              <a:t>http://localhost:9200/recipes</a:t>
+            </a:r>
+            <a:r>
+              <a:rPr lang="en-US" sz="1400" dirty="0">
+                <a:latin typeface="Consolas" panose="020B0609020204030204" pitchFamily="49" charset="0"/>
+                <a:ea typeface="Tahoma" panose="020B0604030504040204" pitchFamily="34" charset="0"/>
+                <a:cs typeface="Tahoma" panose="020B0604030504040204" pitchFamily="34" charset="0"/>
+              </a:rPr>
+              <a:t>/_create/1234</a:t>
+            </a:r>
             <a:endParaRPr lang="en-NL" sz="1400" dirty="0" err="1">
               <a:latin typeface="Consolas" panose="020B0609020204030204" pitchFamily="49" charset="0"/>
+              <a:ea typeface="Tahoma" panose="020B0604030504040204" pitchFamily="34" charset="0"/>
+              <a:cs typeface="Tahoma" panose="020B0604030504040204" pitchFamily="34" charset="0"/>
             </a:endParaRPr>
-          </a:p>
-        </p:txBody>
-      </p:sp>
-      <p:sp>
-        <p:nvSpPr>
-          <p:cNvPr id="11" name="Right Brace 10">
-            <a:extLst>
-              <a:ext uri="{FF2B5EF4-FFF2-40B4-BE49-F238E27FC236}">
-                <a16:creationId xmlns:a16="http://schemas.microsoft.com/office/drawing/2014/main" id="{CB22F3CB-3F0F-45BB-88F9-12DB275D870E}"/>
-              </a:ext>
-            </a:extLst>
-          </p:cNvPr>
-          <p:cNvSpPr/>
-          <p:nvPr/>
-        </p:nvSpPr>
-        <p:spPr>
-          <a:xfrm rot="16200000">
-            <a:off x="5744265" y="2907655"/>
-            <a:ext cx="278926" cy="329293"/>
-          </a:xfrm>
-          <a:prstGeom prst="rightBrace">
-            <a:avLst/>
-          </a:prstGeom>
-        </p:spPr>
-        <p:style>
-          <a:lnRef idx="1">
-            <a:schemeClr val="dk1"/>
-          </a:lnRef>
-          <a:fillRef idx="0">
-            <a:schemeClr val="dk1"/>
-          </a:fillRef>
-          <a:effectRef idx="0">
-            <a:schemeClr val="dk1"/>
-          </a:effectRef>
-          <a:fontRef idx="minor">
-            <a:schemeClr val="tx1"/>
-          </a:fontRef>
-        </p:style>
-        <p:txBody>
-          <a:bodyPr rtlCol="0" anchor="ctr"/>
-          <a:lstStyle/>
-          <a:p>
-            <a:pPr algn="ctr"/>
-            <a:endParaRPr lang="en-NL"/>
-          </a:p>
-        </p:txBody>
-      </p:sp>
-      <p:sp>
-        <p:nvSpPr>
-          <p:cNvPr id="12" name="TextBox 11">
-            <a:extLst>
-              <a:ext uri="{FF2B5EF4-FFF2-40B4-BE49-F238E27FC236}">
-                <a16:creationId xmlns:a16="http://schemas.microsoft.com/office/drawing/2014/main" id="{EB8F4D75-D01A-4ACF-A510-C7B0B046155C}"/>
-              </a:ext>
-            </a:extLst>
-          </p:cNvPr>
-          <p:cNvSpPr txBox="1"/>
-          <p:nvPr/>
-        </p:nvSpPr>
-        <p:spPr>
-          <a:xfrm>
-            <a:off x="5173734" y="2290424"/>
-            <a:ext cx="2261507" cy="200055"/>
-          </a:xfrm>
-          <a:prstGeom prst="rect">
-            <a:avLst/>
-          </a:prstGeom>
-          <a:noFill/>
-        </p:spPr>
-        <p:txBody>
-          <a:bodyPr wrap="square" lIns="0" tIns="0" rIns="0" bIns="0" rtlCol="0">
-            <a:spAutoFit/>
-          </a:bodyPr>
-          <a:lstStyle/>
-          <a:p>
-            <a:r>
-              <a:rPr lang="en-US" sz="1300" dirty="0"/>
-              <a:t>type (deprecated)</a:t>
-            </a:r>
-            <a:endParaRPr lang="en-NL" sz="1300" dirty="0" err="1"/>
-          </a:p>
-        </p:txBody>
-      </p:sp>
-      <p:sp>
-        <p:nvSpPr>
-          <p:cNvPr id="13" name="Right Brace 12">
-            <a:extLst>
-              <a:ext uri="{FF2B5EF4-FFF2-40B4-BE49-F238E27FC236}">
-                <a16:creationId xmlns:a16="http://schemas.microsoft.com/office/drawing/2014/main" id="{AB22A6AD-2AFC-4AEE-9F70-7DE5FA965C69}"/>
-              </a:ext>
-            </a:extLst>
-          </p:cNvPr>
-          <p:cNvSpPr/>
-          <p:nvPr/>
-        </p:nvSpPr>
-        <p:spPr>
-          <a:xfrm rot="16200000">
-            <a:off x="5163633" y="2688199"/>
-            <a:ext cx="647442" cy="414544"/>
-          </a:xfrm>
-          <a:prstGeom prst="rightBrace">
-            <a:avLst/>
-          </a:prstGeom>
-        </p:spPr>
-        <p:style>
-          <a:lnRef idx="1">
-            <a:schemeClr val="dk1"/>
-          </a:lnRef>
-          <a:fillRef idx="0">
-            <a:schemeClr val="dk1"/>
-          </a:fillRef>
-          <a:effectRef idx="0">
-            <a:schemeClr val="dk1"/>
-          </a:effectRef>
-          <a:fontRef idx="minor">
-            <a:schemeClr val="tx1"/>
-          </a:fontRef>
-        </p:style>
-        <p:txBody>
-          <a:bodyPr rtlCol="0" anchor="ctr"/>
-          <a:lstStyle/>
-          <a:p>
-            <a:pPr algn="ctr"/>
-            <a:endParaRPr lang="en-NL"/>
           </a:p>
         </p:txBody>
       </p:sp>
     </p:spTree>
     <p:extLst>
       <p:ext uri="{BB962C8B-B14F-4D97-AF65-F5344CB8AC3E}">
-        <p14:creationId xmlns:p14="http://schemas.microsoft.com/office/powerpoint/2010/main" val="1619381989"/>
+        <p14:creationId xmlns:p14="http://schemas.microsoft.com/office/powerpoint/2010/main" val="2304971537"/>
       </p:ext>
     </p:extLst>
   </p:cSld>
@@ -9694,7 +9678,7 @@
           <a:p>
             <a:r>
               <a:rPr lang="nl-NL" dirty="0"/>
-              <a:t>Indexing data</a:t>
+              <a:t>Manual Index Creation</a:t>
             </a:r>
           </a:p>
         </p:txBody>
@@ -9711,8 +9695,8 @@
         </p:nvSpPr>
         <p:spPr>
           <a:xfrm>
-            <a:off x="720003" y="1224000"/>
-            <a:ext cx="6623999" cy="3491999"/>
+            <a:off x="720004" y="1224000"/>
+            <a:ext cx="3062288" cy="3491999"/>
           </a:xfrm>
         </p:spPr>
         <p:txBody>
@@ -9721,26 +9705,38 @@
           <a:p>
             <a:r>
               <a:rPr lang="nl-NL" dirty="0"/>
-              <a:t>Done using the REST API</a:t>
-            </a:r>
-          </a:p>
-          <a:p>
+              <a:t>Allows to define </a:t>
+            </a:r>
+          </a:p>
+          <a:p>
+            <a:pPr lvl="1"/>
             <a:r>
               <a:rPr lang="nl-NL" dirty="0"/>
-              <a:t>Using POST or PUT</a:t>
-            </a:r>
-          </a:p>
-          <a:p>
+              <a:t>Index mapping</a:t>
+            </a:r>
+          </a:p>
+          <a:p>
+            <a:pPr lvl="1"/>
             <a:r>
               <a:rPr lang="nl-NL" dirty="0"/>
-              <a:t>Automatic creation of index with default settings, including index mapping</a:t>
+              <a:t>Index settings</a:t>
+            </a:r>
+          </a:p>
+          <a:p>
+            <a:pPr lvl="1"/>
+            <a:r>
+              <a:rPr lang="nl-NL" dirty="0"/>
+              <a:t>Aliases</a:t>
             </a:r>
           </a:p>
           <a:p>
             <a:endParaRPr lang="nl-NL" dirty="0"/>
           </a:p>
           <a:p>
-            <a:endParaRPr lang="nl-NL" dirty="0"/>
+            <a:r>
+              <a:rPr lang="nl-NL" dirty="0"/>
+              <a:t>Some index settings can be changed on runtime (like number of replicas)</a:t>
+            </a:r>
           </a:p>
         </p:txBody>
       </p:sp>
@@ -9791,159 +9787,213 @@
       </p:sp>
       <p:sp>
         <p:nvSpPr>
-          <p:cNvPr id="12" name="TextBox 11">
+          <p:cNvPr id="8" name="Rectangle 7">
             <a:extLst>
               <a:ext uri="{FF2B5EF4-FFF2-40B4-BE49-F238E27FC236}">
-                <a16:creationId xmlns:a16="http://schemas.microsoft.com/office/drawing/2014/main" id="{FA11F306-87C8-47ED-B7C1-9648CA3068B7}"/>
+                <a16:creationId xmlns:a16="http://schemas.microsoft.com/office/drawing/2014/main" id="{032B98FD-CE17-4807-897E-58FDA1CD6BC1}"/>
               </a:ext>
             </a:extLst>
           </p:cNvPr>
-          <p:cNvSpPr txBox="1"/>
+          <p:cNvSpPr/>
           <p:nvPr/>
         </p:nvSpPr>
         <p:spPr>
           <a:xfrm>
-            <a:off x="1462875" y="2616683"/>
-            <a:ext cx="5027732" cy="1508105"/>
+            <a:off x="4256116" y="1115694"/>
+            <a:ext cx="4572000" cy="3416320"/>
           </a:xfrm>
           <a:prstGeom prst="rect">
             <a:avLst/>
           </a:prstGeom>
-          <a:noFill/>
         </p:spPr>
         <p:txBody>
-          <a:bodyPr wrap="square" lIns="0" tIns="0" rIns="0" bIns="0" rtlCol="0">
+          <a:bodyPr>
             <a:spAutoFit/>
           </a:bodyPr>
           <a:lstStyle/>
           <a:p>
             <a:r>
-              <a:rPr lang="en-US" sz="1400" dirty="0">
-                <a:latin typeface="Consolas" panose="020B0609020204030204" pitchFamily="49" charset="0"/>
-                <a:ea typeface="Tahoma" panose="020B0604030504040204" pitchFamily="34" charset="0"/>
-                <a:cs typeface="Tahoma" panose="020B0604030504040204" pitchFamily="34" charset="0"/>
-              </a:rPr>
-              <a:t>PUT </a:t>
-            </a:r>
-            <a:r>
-              <a:rPr lang="nl-NL" sz="1400" dirty="0">
+              <a:rPr lang="nl-NL" sz="1200" dirty="0">
                 <a:latin typeface="Consolas" panose="020B0609020204030204" pitchFamily="49" charset="0"/>
               </a:rPr>
-              <a:t>http://localhost:9200/recipes</a:t>
-            </a:r>
-            <a:r>
-              <a:rPr lang="en-US" sz="1400" dirty="0">
-                <a:latin typeface="Consolas" panose="020B0609020204030204" pitchFamily="49" charset="0"/>
-                <a:ea typeface="Tahoma" panose="020B0604030504040204" pitchFamily="34" charset="0"/>
-                <a:cs typeface="Tahoma" panose="020B0604030504040204" pitchFamily="34" charset="0"/>
-              </a:rPr>
-              <a:t>/_doc/1234</a:t>
-            </a:r>
-          </a:p>
-          <a:p>
-            <a:endParaRPr lang="en-US" sz="1400" dirty="0">
+              <a:t>PUT http://localhost:9200/newindex</a:t>
+            </a:r>
+          </a:p>
+          <a:p>
+            <a:endParaRPr lang="nl-NL" sz="1200" dirty="0">
               <a:latin typeface="Consolas" panose="020B0609020204030204" pitchFamily="49" charset="0"/>
-              <a:ea typeface="Tahoma" panose="020B0604030504040204" pitchFamily="34" charset="0"/>
-              <a:cs typeface="Tahoma" panose="020B0604030504040204" pitchFamily="34" charset="0"/>
             </a:endParaRPr>
           </a:p>
           <a:p>
             <a:r>
-              <a:rPr lang="en-US" sz="1400" dirty="0">
-                <a:latin typeface="Consolas" panose="020B0609020204030204" pitchFamily="49" charset="0"/>
-                <a:ea typeface="Tahoma" panose="020B0604030504040204" pitchFamily="34" charset="0"/>
-                <a:cs typeface="Tahoma" panose="020B0604030504040204" pitchFamily="34" charset="0"/>
-              </a:rPr>
-              <a:t>POST </a:t>
-            </a:r>
-            <a:r>
-              <a:rPr lang="nl-NL" sz="1400" dirty="0">
+              <a:rPr lang="en-US" sz="1200" dirty="0">
                 <a:latin typeface="Consolas" panose="020B0609020204030204" pitchFamily="49" charset="0"/>
               </a:rPr>
-              <a:t>http://localhost:9200/recipes/</a:t>
-            </a:r>
-            <a:r>
-              <a:rPr lang="en-US" sz="1400" dirty="0">
-                <a:latin typeface="Consolas" panose="020B0609020204030204" pitchFamily="49" charset="0"/>
-                <a:ea typeface="Tahoma" panose="020B0604030504040204" pitchFamily="34" charset="0"/>
-                <a:cs typeface="Tahoma" panose="020B0604030504040204" pitchFamily="34" charset="0"/>
-              </a:rPr>
-              <a:t>_doc/</a:t>
-            </a:r>
-          </a:p>
-          <a:p>
-            <a:endParaRPr lang="en-US" sz="1400" dirty="0">
-              <a:latin typeface="Consolas" panose="020B0609020204030204" pitchFamily="49" charset="0"/>
-              <a:ea typeface="Tahoma" panose="020B0604030504040204" pitchFamily="34" charset="0"/>
-              <a:cs typeface="Tahoma" panose="020B0604030504040204" pitchFamily="34" charset="0"/>
-            </a:endParaRPr>
-          </a:p>
-          <a:p>
-            <a:r>
-              <a:rPr lang="en-US" sz="1400" dirty="0">
-                <a:latin typeface="Consolas" panose="020B0609020204030204" pitchFamily="49" charset="0"/>
-                <a:ea typeface="Tahoma" panose="020B0604030504040204" pitchFamily="34" charset="0"/>
-                <a:cs typeface="Tahoma" panose="020B0604030504040204" pitchFamily="34" charset="0"/>
-              </a:rPr>
-              <a:t>PUT </a:t>
-            </a:r>
-            <a:r>
-              <a:rPr lang="nl-NL" sz="1400" dirty="0">
+              <a:t>{</a:t>
+            </a:r>
+          </a:p>
+          <a:p>
+            <a:r>
+              <a:rPr lang="en-US" sz="1200" dirty="0">
                 <a:latin typeface="Consolas" panose="020B0609020204030204" pitchFamily="49" charset="0"/>
               </a:rPr>
-              <a:t>http://localhost:9200/recipes</a:t>
-            </a:r>
-            <a:r>
-              <a:rPr lang="en-US" sz="1400" dirty="0">
-                <a:latin typeface="Consolas" panose="020B0609020204030204" pitchFamily="49" charset="0"/>
-                <a:ea typeface="Tahoma" panose="020B0604030504040204" pitchFamily="34" charset="0"/>
-                <a:cs typeface="Tahoma" panose="020B0604030504040204" pitchFamily="34" charset="0"/>
-              </a:rPr>
-              <a:t>/_create/1234</a:t>
-            </a:r>
-          </a:p>
-          <a:p>
-            <a:endParaRPr lang="en-US" sz="1400" dirty="0">
-              <a:latin typeface="Consolas" panose="020B0609020204030204" pitchFamily="49" charset="0"/>
-              <a:ea typeface="Tahoma" panose="020B0604030504040204" pitchFamily="34" charset="0"/>
-              <a:cs typeface="Tahoma" panose="020B0604030504040204" pitchFamily="34" charset="0"/>
-            </a:endParaRPr>
-          </a:p>
-          <a:p>
-            <a:r>
-              <a:rPr lang="en-US" sz="1400" dirty="0">
-                <a:latin typeface="Consolas" panose="020B0609020204030204" pitchFamily="49" charset="0"/>
-                <a:ea typeface="Tahoma" panose="020B0604030504040204" pitchFamily="34" charset="0"/>
-                <a:cs typeface="Tahoma" panose="020B0604030504040204" pitchFamily="34" charset="0"/>
-              </a:rPr>
-              <a:t>POST </a:t>
-            </a:r>
-            <a:r>
-              <a:rPr lang="nl-NL" sz="1400" dirty="0">
+              <a:t>  "settings" : {</a:t>
+            </a:r>
+          </a:p>
+          <a:p>
+            <a:r>
+              <a:rPr lang="en-US" sz="1200" dirty="0">
                 <a:latin typeface="Consolas" panose="020B0609020204030204" pitchFamily="49" charset="0"/>
               </a:rPr>
-              <a:t>http://localhost:9200 /recipes</a:t>
-            </a:r>
-            <a:r>
-              <a:rPr lang="en-US" sz="1400" dirty="0">
+              <a:t>    "</a:t>
+            </a:r>
+            <a:r>
+              <a:rPr lang="en-US" sz="1200" dirty="0" err="1">
                 <a:latin typeface="Consolas" panose="020B0609020204030204" pitchFamily="49" charset="0"/>
-                <a:ea typeface="Tahoma" panose="020B0604030504040204" pitchFamily="34" charset="0"/>
-                <a:cs typeface="Tahoma" panose="020B0604030504040204" pitchFamily="34" charset="0"/>
               </a:rPr>
-              <a:t>/_create/1234</a:t>
-            </a:r>
-            <a:endParaRPr lang="en-NL" sz="1400" dirty="0" err="1">
-              <a:latin typeface="Consolas" panose="020B0609020204030204" pitchFamily="49" charset="0"/>
-              <a:ea typeface="Tahoma" panose="020B0604030504040204" pitchFamily="34" charset="0"/>
-              <a:cs typeface="Tahoma" panose="020B0604030504040204" pitchFamily="34" charset="0"/>
-            </a:endParaRPr>
+              <a:t>number_of_shards</a:t>
+            </a:r>
+            <a:r>
+              <a:rPr lang="en-US" sz="1200" dirty="0">
+                <a:latin typeface="Consolas" panose="020B0609020204030204" pitchFamily="49" charset="0"/>
+              </a:rPr>
+              <a:t>" : 3, </a:t>
+            </a:r>
+          </a:p>
+          <a:p>
+            <a:r>
+              <a:rPr lang="en-US" sz="1200" dirty="0">
+                <a:latin typeface="Consolas" panose="020B0609020204030204" pitchFamily="49" charset="0"/>
+              </a:rPr>
+              <a:t>    "</a:t>
+            </a:r>
+            <a:r>
+              <a:rPr lang="en-US" sz="1200" dirty="0" err="1">
+                <a:latin typeface="Consolas" panose="020B0609020204030204" pitchFamily="49" charset="0"/>
+              </a:rPr>
+              <a:t>number_of_replicas</a:t>
+            </a:r>
+            <a:r>
+              <a:rPr lang="en-US" sz="1200" dirty="0">
+                <a:latin typeface="Consolas" panose="020B0609020204030204" pitchFamily="49" charset="0"/>
+              </a:rPr>
+              <a:t>" : 1 </a:t>
+            </a:r>
+          </a:p>
+          <a:p>
+            <a:r>
+              <a:rPr lang="en-US" sz="1200" dirty="0">
+                <a:latin typeface="Consolas" panose="020B0609020204030204" pitchFamily="49" charset="0"/>
+              </a:rPr>
+              <a:t>  },</a:t>
+            </a:r>
+          </a:p>
+          <a:p>
+            <a:r>
+              <a:rPr lang="en-US" sz="1200" dirty="0">
+                <a:latin typeface="Consolas" panose="020B0609020204030204" pitchFamily="49" charset="0"/>
+              </a:rPr>
+              <a:t>  "aliases": {</a:t>
+            </a:r>
+          </a:p>
+          <a:p>
+            <a:r>
+              <a:rPr lang="en-US" sz="1200" dirty="0">
+                <a:latin typeface="Consolas" panose="020B0609020204030204" pitchFamily="49" charset="0"/>
+              </a:rPr>
+              <a:t>  	"</a:t>
+            </a:r>
+            <a:r>
+              <a:rPr lang="en-US" sz="1200" dirty="0" err="1">
+                <a:latin typeface="Consolas" panose="020B0609020204030204" pitchFamily="49" charset="0"/>
+              </a:rPr>
+              <a:t>myfirstindex</a:t>
+            </a:r>
+            <a:r>
+              <a:rPr lang="en-US" sz="1200" dirty="0">
+                <a:latin typeface="Consolas" panose="020B0609020204030204" pitchFamily="49" charset="0"/>
+              </a:rPr>
+              <a:t>" : {}</a:t>
+            </a:r>
+          </a:p>
+          <a:p>
+            <a:r>
+              <a:rPr lang="en-US" sz="1200" dirty="0">
+                <a:latin typeface="Consolas" panose="020B0609020204030204" pitchFamily="49" charset="0"/>
+              </a:rPr>
+              <a:t>  },</a:t>
+            </a:r>
+          </a:p>
+          <a:p>
+            <a:r>
+              <a:rPr lang="en-US" sz="1200" dirty="0">
+                <a:latin typeface="Consolas" panose="020B0609020204030204" pitchFamily="49" charset="0"/>
+              </a:rPr>
+              <a:t>  "mappings": {</a:t>
+            </a:r>
+          </a:p>
+          <a:p>
+            <a:r>
+              <a:rPr lang="en-US" sz="1200" dirty="0">
+                <a:latin typeface="Consolas" panose="020B0609020204030204" pitchFamily="49" charset="0"/>
+              </a:rPr>
+              <a:t>    "properties": {</a:t>
+            </a:r>
+          </a:p>
+          <a:p>
+            <a:r>
+              <a:rPr lang="en-US" sz="1200" dirty="0">
+                <a:latin typeface="Consolas" panose="020B0609020204030204" pitchFamily="49" charset="0"/>
+              </a:rPr>
+              <a:t>      "age":    { "type": "integer" },</a:t>
+            </a:r>
+          </a:p>
+          <a:p>
+            <a:r>
+              <a:rPr lang="en-US" sz="1200" dirty="0">
+                <a:latin typeface="Consolas" panose="020B0609020204030204" pitchFamily="49" charset="0"/>
+              </a:rPr>
+              <a:t>      "email":  { "type": "keyword"  },</a:t>
+            </a:r>
+          </a:p>
+          <a:p>
+            <a:r>
+              <a:rPr lang="en-US" sz="1200" dirty="0">
+                <a:latin typeface="Consolas" panose="020B0609020204030204" pitchFamily="49" charset="0"/>
+              </a:rPr>
+              <a:t>      "name":   { "type": "text"  }</a:t>
+            </a:r>
+          </a:p>
+          <a:p>
+            <a:r>
+              <a:rPr lang="en-US" sz="1200" dirty="0">
+                <a:latin typeface="Consolas" panose="020B0609020204030204" pitchFamily="49" charset="0"/>
+              </a:rPr>
+              <a:t>    }</a:t>
+            </a:r>
+          </a:p>
+          <a:p>
+            <a:r>
+              <a:rPr lang="en-US" sz="1200" dirty="0">
+                <a:latin typeface="Consolas" panose="020B0609020204030204" pitchFamily="49" charset="0"/>
+              </a:rPr>
+              <a:t>  }</a:t>
+            </a:r>
+          </a:p>
+          <a:p>
+            <a:r>
+              <a:rPr lang="en-US" sz="1200" dirty="0">
+                <a:latin typeface="Consolas" panose="020B0609020204030204" pitchFamily="49" charset="0"/>
+              </a:rPr>
+              <a:t>}</a:t>
+            </a:r>
           </a:p>
         </p:txBody>
       </p:sp>
     </p:spTree>
     <p:extLst>
       <p:ext uri="{BB962C8B-B14F-4D97-AF65-F5344CB8AC3E}">
-        <p14:creationId xmlns:p14="http://schemas.microsoft.com/office/powerpoint/2010/main" val="2304971537"/>
+        <p14:creationId xmlns:p14="http://schemas.microsoft.com/office/powerpoint/2010/main" val="3228397262"/>
       </p:ext>
     </p:extLst>
   </p:cSld>
@@ -10398,7 +10448,7 @@
           <a:p>
             <a:r>
               <a:rPr lang="nl-NL" dirty="0"/>
-              <a:t>Manual Index Creation</a:t>
+              <a:t>REST API’s</a:t>
             </a:r>
           </a:p>
         </p:txBody>
@@ -10415,8 +10465,8 @@
         </p:nvSpPr>
         <p:spPr>
           <a:xfrm>
-            <a:off x="720004" y="1224000"/>
-            <a:ext cx="3062288" cy="3491999"/>
+            <a:off x="720003" y="1224000"/>
+            <a:ext cx="6088121" cy="504001"/>
           </a:xfrm>
         </p:spPr>
         <p:txBody>
@@ -10425,37 +10475,7 @@
           <a:p>
             <a:r>
               <a:rPr lang="nl-NL" dirty="0"/>
-              <a:t>Allows to define </a:t>
-            </a:r>
-          </a:p>
-          <a:p>
-            <a:pPr lvl="1"/>
-            <a:r>
-              <a:rPr lang="nl-NL" dirty="0"/>
-              <a:t>Index mapping</a:t>
-            </a:r>
-          </a:p>
-          <a:p>
-            <a:pPr lvl="1"/>
-            <a:r>
-              <a:rPr lang="nl-NL" dirty="0"/>
-              <a:t>Index settings</a:t>
-            </a:r>
-          </a:p>
-          <a:p>
-            <a:pPr lvl="1"/>
-            <a:r>
-              <a:rPr lang="nl-NL" dirty="0"/>
-              <a:t>Aliases</a:t>
-            </a:r>
-          </a:p>
-          <a:p>
-            <a:endParaRPr lang="nl-NL" dirty="0"/>
-          </a:p>
-          <a:p>
-            <a:r>
-              <a:rPr lang="nl-NL" dirty="0"/>
-              <a:t>Some index settings can be changed on runtime (like number of replicas)</a:t>
+              <a:t>Operations are performed on a single document</a:t>
             </a:r>
           </a:p>
         </p:txBody>
@@ -10507,213 +10527,146 @@
       </p:sp>
       <p:sp>
         <p:nvSpPr>
-          <p:cNvPr id="8" name="Rectangle 7">
+          <p:cNvPr id="12" name="TextBox 11">
             <a:extLst>
               <a:ext uri="{FF2B5EF4-FFF2-40B4-BE49-F238E27FC236}">
-                <a16:creationId xmlns:a16="http://schemas.microsoft.com/office/drawing/2014/main" id="{032B98FD-CE17-4807-897E-58FDA1CD6BC1}"/>
+                <a16:creationId xmlns:a16="http://schemas.microsoft.com/office/drawing/2014/main" id="{67F8F9EB-BFA9-4148-8BD3-E19214834DC4}"/>
               </a:ext>
             </a:extLst>
           </p:cNvPr>
-          <p:cNvSpPr/>
+          <p:cNvSpPr txBox="1"/>
           <p:nvPr/>
         </p:nvSpPr>
         <p:spPr>
           <a:xfrm>
-            <a:off x="4256116" y="1115694"/>
-            <a:ext cx="4572000" cy="3416320"/>
+            <a:off x="720003" y="1980759"/>
+            <a:ext cx="7559997" cy="2369880"/>
           </a:xfrm>
           <a:prstGeom prst="rect">
             <a:avLst/>
           </a:prstGeom>
+          <a:noFill/>
         </p:spPr>
         <p:txBody>
-          <a:bodyPr>
+          <a:bodyPr wrap="square" lIns="0" tIns="0" rIns="0" bIns="0" rtlCol="0">
             <a:spAutoFit/>
           </a:bodyPr>
           <a:lstStyle/>
           <a:p>
             <a:r>
-              <a:rPr lang="nl-NL" sz="1200" dirty="0">
+              <a:rPr lang="nl-NL" sz="1400" dirty="0">
                 <a:latin typeface="Consolas" panose="020B0609020204030204" pitchFamily="49" charset="0"/>
+                <a:ea typeface="Tahoma" panose="020B0604030504040204" pitchFamily="34" charset="0"/>
+                <a:cs typeface="Tahoma" panose="020B0604030504040204" pitchFamily="34" charset="0"/>
               </a:rPr>
-              <a:t>PUT http://localhost:9200/newindex</a:t>
-            </a:r>
-          </a:p>
-          <a:p>
-            <a:endParaRPr lang="nl-NL" sz="1200" dirty="0">
+              <a:t>GET http://localhost:9200/recipes/_doc/213</a:t>
+            </a:r>
+          </a:p>
+          <a:p>
+            <a:endParaRPr lang="nl-NL" sz="1400" dirty="0">
               <a:latin typeface="Consolas" panose="020B0609020204030204" pitchFamily="49" charset="0"/>
+              <a:ea typeface="Tahoma" panose="020B0604030504040204" pitchFamily="34" charset="0"/>
+              <a:cs typeface="Tahoma" panose="020B0604030504040204" pitchFamily="34" charset="0"/>
             </a:endParaRPr>
           </a:p>
           <a:p>
             <a:r>
-              <a:rPr lang="en-US" sz="1200" dirty="0">
+              <a:rPr lang="nl-NL" sz="1400" dirty="0">
                 <a:latin typeface="Consolas" panose="020B0609020204030204" pitchFamily="49" charset="0"/>
+                <a:ea typeface="Tahoma" panose="020B0604030504040204" pitchFamily="34" charset="0"/>
+                <a:cs typeface="Tahoma" panose="020B0604030504040204" pitchFamily="34" charset="0"/>
               </a:rPr>
-              <a:t>{</a:t>
-            </a:r>
-          </a:p>
-          <a:p>
-            <a:r>
-              <a:rPr lang="en-US" sz="1200" dirty="0">
+              <a:t>GET http://localhost:9200/recipes/_doc/213?_source_includes=</a:t>
+            </a:r>
+            <a:r>
+              <a:rPr lang="en-US" dirty="0"/>
+              <a:t>name</a:t>
+            </a:r>
+            <a:endParaRPr lang="nl-NL" sz="1400" dirty="0">
+              <a:latin typeface="Consolas" panose="020B0609020204030204" pitchFamily="49" charset="0"/>
+              <a:ea typeface="Tahoma" panose="020B0604030504040204" pitchFamily="34" charset="0"/>
+              <a:cs typeface="Tahoma" panose="020B0604030504040204" pitchFamily="34" charset="0"/>
+            </a:endParaRPr>
+          </a:p>
+          <a:p>
+            <a:endParaRPr lang="nl-NL" sz="1400" dirty="0">
+              <a:latin typeface="Consolas" panose="020B0609020204030204" pitchFamily="49" charset="0"/>
+              <a:ea typeface="Tahoma" panose="020B0604030504040204" pitchFamily="34" charset="0"/>
+              <a:cs typeface="Tahoma" panose="020B0604030504040204" pitchFamily="34" charset="0"/>
+            </a:endParaRPr>
+          </a:p>
+          <a:p>
+            <a:r>
+              <a:rPr lang="nl-NL" sz="1400" dirty="0">
                 <a:latin typeface="Consolas" panose="020B0609020204030204" pitchFamily="49" charset="0"/>
+                <a:ea typeface="Tahoma" panose="020B0604030504040204" pitchFamily="34" charset="0"/>
+                <a:cs typeface="Tahoma" panose="020B0604030504040204" pitchFamily="34" charset="0"/>
               </a:rPr>
-              <a:t>  "settings" : {</a:t>
-            </a:r>
-          </a:p>
-          <a:p>
-            <a:r>
-              <a:rPr lang="en-US" sz="1200" dirty="0">
+              <a:t>HEAD http://localhost:9200/recipes/_doc/213</a:t>
+            </a:r>
+          </a:p>
+          <a:p>
+            <a:endParaRPr lang="en-US" sz="1400" dirty="0">
+              <a:latin typeface="Consolas" panose="020B0609020204030204" pitchFamily="49" charset="0"/>
+              <a:ea typeface="Tahoma" panose="020B0604030504040204" pitchFamily="34" charset="0"/>
+              <a:cs typeface="Tahoma" panose="020B0604030504040204" pitchFamily="34" charset="0"/>
+            </a:endParaRPr>
+          </a:p>
+          <a:p>
+            <a:r>
+              <a:rPr lang="en-US" sz="1400" dirty="0">
                 <a:latin typeface="Consolas" panose="020B0609020204030204" pitchFamily="49" charset="0"/>
+                <a:ea typeface="Tahoma" panose="020B0604030504040204" pitchFamily="34" charset="0"/>
+                <a:cs typeface="Tahoma" panose="020B0604030504040204" pitchFamily="34" charset="0"/>
               </a:rPr>
-              <a:t>    "</a:t>
-            </a:r>
-            <a:r>
-              <a:rPr lang="en-US" sz="1200" dirty="0" err="1">
+              <a:t>POST </a:t>
+            </a:r>
+            <a:r>
+              <a:rPr lang="nl-NL" sz="1400" dirty="0">
                 <a:latin typeface="Consolas" panose="020B0609020204030204" pitchFamily="49" charset="0"/>
+                <a:ea typeface="Tahoma" panose="020B0604030504040204" pitchFamily="34" charset="0"/>
+                <a:cs typeface="Tahoma" panose="020B0604030504040204" pitchFamily="34" charset="0"/>
               </a:rPr>
-              <a:t>number_of_shards</a:t>
-            </a:r>
-            <a:r>
-              <a:rPr lang="en-US" sz="1200" dirty="0">
+              <a:t>http://localhost:9200/recipes/_update/213</a:t>
+            </a:r>
+          </a:p>
+          <a:p>
+            <a:endParaRPr lang="en-US" sz="1400" dirty="0">
+              <a:latin typeface="Consolas" panose="020B0609020204030204" pitchFamily="49" charset="0"/>
+              <a:ea typeface="Tahoma" panose="020B0604030504040204" pitchFamily="34" charset="0"/>
+              <a:cs typeface="Tahoma" panose="020B0604030504040204" pitchFamily="34" charset="0"/>
+            </a:endParaRPr>
+          </a:p>
+          <a:p>
+            <a:r>
+              <a:rPr lang="nl-NL" sz="1400" dirty="0">
                 <a:latin typeface="Consolas" panose="020B0609020204030204" pitchFamily="49" charset="0"/>
+                <a:ea typeface="Tahoma" panose="020B0604030504040204" pitchFamily="34" charset="0"/>
+                <a:cs typeface="Tahoma" panose="020B0604030504040204" pitchFamily="34" charset="0"/>
               </a:rPr>
-              <a:t>" : 3, </a:t>
-            </a:r>
-          </a:p>
-          <a:p>
-            <a:r>
-              <a:rPr lang="en-US" sz="1200" dirty="0">
-                <a:latin typeface="Consolas" panose="020B0609020204030204" pitchFamily="49" charset="0"/>
-              </a:rPr>
-              <a:t>    "</a:t>
-            </a:r>
-            <a:r>
-              <a:rPr lang="en-US" sz="1200" dirty="0" err="1">
-                <a:latin typeface="Consolas" panose="020B0609020204030204" pitchFamily="49" charset="0"/>
-              </a:rPr>
-              <a:t>number_of_replicas</a:t>
-            </a:r>
-            <a:r>
-              <a:rPr lang="en-US" sz="1200" dirty="0">
-                <a:latin typeface="Consolas" panose="020B0609020204030204" pitchFamily="49" charset="0"/>
-              </a:rPr>
-              <a:t>" : 1 </a:t>
-            </a:r>
-          </a:p>
-          <a:p>
-            <a:r>
-              <a:rPr lang="en-US" sz="1200" dirty="0">
-                <a:latin typeface="Consolas" panose="020B0609020204030204" pitchFamily="49" charset="0"/>
-              </a:rPr>
-              <a:t>  },</a:t>
-            </a:r>
-          </a:p>
-          <a:p>
-            <a:r>
-              <a:rPr lang="en-US" sz="1200" dirty="0">
-                <a:latin typeface="Consolas" panose="020B0609020204030204" pitchFamily="49" charset="0"/>
-              </a:rPr>
-              <a:t>  "aliases": {</a:t>
-            </a:r>
-          </a:p>
-          <a:p>
-            <a:r>
-              <a:rPr lang="en-US" sz="1200" dirty="0">
-                <a:latin typeface="Consolas" panose="020B0609020204030204" pitchFamily="49" charset="0"/>
-              </a:rPr>
-              <a:t>  	"</a:t>
-            </a:r>
-            <a:r>
-              <a:rPr lang="en-US" sz="1200" dirty="0" err="1">
-                <a:latin typeface="Consolas" panose="020B0609020204030204" pitchFamily="49" charset="0"/>
-              </a:rPr>
-              <a:t>myfirstindex</a:t>
-            </a:r>
-            <a:r>
-              <a:rPr lang="en-US" sz="1200" dirty="0">
-                <a:latin typeface="Consolas" panose="020B0609020204030204" pitchFamily="49" charset="0"/>
-              </a:rPr>
-              <a:t>" : {}</a:t>
-            </a:r>
-          </a:p>
-          <a:p>
-            <a:r>
-              <a:rPr lang="en-US" sz="1200" dirty="0">
-                <a:latin typeface="Consolas" panose="020B0609020204030204" pitchFamily="49" charset="0"/>
-              </a:rPr>
-              <a:t>  },</a:t>
-            </a:r>
-          </a:p>
-          <a:p>
-            <a:r>
-              <a:rPr lang="en-US" sz="1200" dirty="0">
-                <a:latin typeface="Consolas" panose="020B0609020204030204" pitchFamily="49" charset="0"/>
-              </a:rPr>
-              <a:t>  "mappings": {</a:t>
-            </a:r>
-          </a:p>
-          <a:p>
-            <a:r>
-              <a:rPr lang="en-US" sz="1200" dirty="0">
-                <a:latin typeface="Consolas" panose="020B0609020204030204" pitchFamily="49" charset="0"/>
-              </a:rPr>
-              <a:t>    "properties": {</a:t>
-            </a:r>
-          </a:p>
-          <a:p>
-            <a:r>
-              <a:rPr lang="en-US" sz="1200" dirty="0">
-                <a:latin typeface="Consolas" panose="020B0609020204030204" pitchFamily="49" charset="0"/>
-              </a:rPr>
-              <a:t>      "age":    { "type": "integer" },</a:t>
-            </a:r>
-          </a:p>
-          <a:p>
-            <a:r>
-              <a:rPr lang="en-US" sz="1200" dirty="0">
-                <a:latin typeface="Consolas" panose="020B0609020204030204" pitchFamily="49" charset="0"/>
-              </a:rPr>
-              <a:t>      "email":  { "type": "keyword"  },</a:t>
-            </a:r>
-          </a:p>
-          <a:p>
-            <a:r>
-              <a:rPr lang="en-US" sz="1200" dirty="0">
-                <a:latin typeface="Consolas" panose="020B0609020204030204" pitchFamily="49" charset="0"/>
-              </a:rPr>
-              <a:t>      "name":   { "type": "text"  }</a:t>
-            </a:r>
-          </a:p>
-          <a:p>
-            <a:r>
-              <a:rPr lang="en-US" sz="1200" dirty="0">
-                <a:latin typeface="Consolas" panose="020B0609020204030204" pitchFamily="49" charset="0"/>
-              </a:rPr>
-              <a:t>    }</a:t>
-            </a:r>
-          </a:p>
-          <a:p>
-            <a:r>
-              <a:rPr lang="en-US" sz="1200" dirty="0">
-                <a:latin typeface="Consolas" panose="020B0609020204030204" pitchFamily="49" charset="0"/>
-              </a:rPr>
-              <a:t>  }</a:t>
-            </a:r>
-          </a:p>
-          <a:p>
-            <a:r>
-              <a:rPr lang="en-US" sz="1200" dirty="0">
-                <a:latin typeface="Consolas" panose="020B0609020204030204" pitchFamily="49" charset="0"/>
-              </a:rPr>
-              <a:t>}</a:t>
-            </a:r>
+              <a:t>DELETE http://localhost:9200/recipes/_doc/213</a:t>
+            </a:r>
+          </a:p>
+          <a:p>
+            <a:endParaRPr lang="en-NL" sz="1400" dirty="0">
+              <a:latin typeface="Consolas" panose="020B0609020204030204" pitchFamily="49" charset="0"/>
+              <a:ea typeface="Tahoma" panose="020B0604030504040204" pitchFamily="34" charset="0"/>
+              <a:cs typeface="Tahoma" panose="020B0604030504040204" pitchFamily="34" charset="0"/>
+            </a:endParaRPr>
+          </a:p>
+          <a:p>
+            <a:endParaRPr lang="en-NL" sz="1400" dirty="0" err="1">
+              <a:latin typeface="Consolas" panose="020B0609020204030204" pitchFamily="49" charset="0"/>
+              <a:ea typeface="Tahoma" panose="020B0604030504040204" pitchFamily="34" charset="0"/>
+              <a:cs typeface="Tahoma" panose="020B0604030504040204" pitchFamily="34" charset="0"/>
+            </a:endParaRPr>
           </a:p>
         </p:txBody>
       </p:sp>
     </p:spTree>
     <p:extLst>
       <p:ext uri="{BB962C8B-B14F-4D97-AF65-F5344CB8AC3E}">
-        <p14:creationId xmlns:p14="http://schemas.microsoft.com/office/powerpoint/2010/main" val="3228397262"/>
+        <p14:creationId xmlns:p14="http://schemas.microsoft.com/office/powerpoint/2010/main" val="2384198298"/>
       </p:ext>
     </p:extLst>
   </p:cSld>
@@ -10757,34 +10710,7 @@
           <a:p>
             <a:r>
               <a:rPr lang="nl-NL" dirty="0"/>
-              <a:t>REST API’s</a:t>
-            </a:r>
-          </a:p>
-        </p:txBody>
-      </p:sp>
-      <p:sp>
-        <p:nvSpPr>
-          <p:cNvPr id="3" name="Content Placeholder 2"/>
-          <p:cNvSpPr>
-            <a:spLocks noGrp="1"/>
-          </p:cNvSpPr>
-          <p:nvPr>
-            <p:ph idx="1"/>
-          </p:nvPr>
-        </p:nvSpPr>
-        <p:spPr>
-          <a:xfrm>
-            <a:off x="720003" y="1224000"/>
-            <a:ext cx="6088121" cy="504001"/>
-          </a:xfrm>
-        </p:spPr>
-        <p:txBody>
-          <a:bodyPr/>
-          <a:lstStyle/>
-          <a:p>
-            <a:r>
-              <a:rPr lang="nl-NL" dirty="0"/>
-              <a:t>Operations are performed on a single document</a:t>
+              <a:t>Bulk operations</a:t>
             </a:r>
           </a:p>
         </p:txBody>
@@ -10848,8 +10774,8 @@
         </p:nvSpPr>
         <p:spPr>
           <a:xfrm>
-            <a:off x="720003" y="1980759"/>
-            <a:ext cx="7559997" cy="2369880"/>
+            <a:off x="847733" y="1997385"/>
+            <a:ext cx="5586318" cy="2154436"/>
           </a:xfrm>
           <a:prstGeom prst="rect">
             <a:avLst/>
@@ -10868,7 +10794,67 @@
                 <a:ea typeface="Tahoma" panose="020B0604030504040204" pitchFamily="34" charset="0"/>
                 <a:cs typeface="Tahoma" panose="020B0604030504040204" pitchFamily="34" charset="0"/>
               </a:rPr>
-              <a:t>GET http://localhost:9200/recipes/_doc/213</a:t>
+              <a:t>{ "index" : { "_index" : "test", "_id" : "1" } }</a:t>
+            </a:r>
+          </a:p>
+          <a:p>
+            <a:r>
+              <a:rPr lang="nl-NL" sz="1400" dirty="0">
+                <a:latin typeface="Consolas" panose="020B0609020204030204" pitchFamily="49" charset="0"/>
+                <a:ea typeface="Tahoma" panose="020B0604030504040204" pitchFamily="34" charset="0"/>
+                <a:cs typeface="Tahoma" panose="020B0604030504040204" pitchFamily="34" charset="0"/>
+              </a:rPr>
+              <a:t>{ "field1" : "value1" }</a:t>
+            </a:r>
+          </a:p>
+          <a:p>
+            <a:r>
+              <a:rPr lang="nl-NL" sz="1400" dirty="0">
+                <a:latin typeface="Consolas" panose="020B0609020204030204" pitchFamily="49" charset="0"/>
+                <a:ea typeface="Tahoma" panose="020B0604030504040204" pitchFamily="34" charset="0"/>
+                <a:cs typeface="Tahoma" panose="020B0604030504040204" pitchFamily="34" charset="0"/>
+              </a:rPr>
+              <a:t>{ "delete" : { "_index" : "test", "_id" : "2" } }</a:t>
+            </a:r>
+          </a:p>
+          <a:p>
+            <a:r>
+              <a:rPr lang="nl-NL" sz="1400" dirty="0">
+                <a:latin typeface="Consolas" panose="020B0609020204030204" pitchFamily="49" charset="0"/>
+                <a:ea typeface="Tahoma" panose="020B0604030504040204" pitchFamily="34" charset="0"/>
+                <a:cs typeface="Tahoma" panose="020B0604030504040204" pitchFamily="34" charset="0"/>
+              </a:rPr>
+              <a:t>{ "create" : { "_index" : "test", "_id" : "3" } }</a:t>
+            </a:r>
+          </a:p>
+          <a:p>
+            <a:r>
+              <a:rPr lang="nl-NL" sz="1400" dirty="0">
+                <a:latin typeface="Consolas" panose="020B0609020204030204" pitchFamily="49" charset="0"/>
+                <a:ea typeface="Tahoma" panose="020B0604030504040204" pitchFamily="34" charset="0"/>
+                <a:cs typeface="Tahoma" panose="020B0604030504040204" pitchFamily="34" charset="0"/>
+              </a:rPr>
+              <a:t>{ "field1" : "value3" }</a:t>
+            </a:r>
+          </a:p>
+          <a:p>
+            <a:r>
+              <a:rPr lang="nl-NL" sz="1400" dirty="0">
+                <a:latin typeface="Consolas" panose="020B0609020204030204" pitchFamily="49" charset="0"/>
+                <a:ea typeface="Tahoma" panose="020B0604030504040204" pitchFamily="34" charset="0"/>
+                <a:cs typeface="Tahoma" panose="020B0604030504040204" pitchFamily="34" charset="0"/>
+              </a:rPr>
+              <a:t>{ "update" : {"_id" : "1", "_index" : "test"} }</a:t>
+            </a:r>
+          </a:p>
+          <a:p>
+            <a:r>
+              <a:rPr lang="nl-NL" sz="1400" dirty="0">
+                <a:latin typeface="Consolas" panose="020B0609020204030204" pitchFamily="49" charset="0"/>
+                <a:ea typeface="Tahoma" panose="020B0604030504040204" pitchFamily="34" charset="0"/>
+                <a:cs typeface="Tahoma" panose="020B0604030504040204" pitchFamily="34" charset="0"/>
+              </a:rPr>
+              <a:t>{ "doc" : {"field2" : "value2"} }</a:t>
             </a:r>
           </a:p>
           <a:p>
@@ -10879,81 +10865,72 @@
             </a:endParaRPr>
           </a:p>
           <a:p>
+            <a:endParaRPr lang="en-NL" sz="1400" dirty="0">
+              <a:latin typeface="Consolas" panose="020B0609020204030204" pitchFamily="49" charset="0"/>
+              <a:ea typeface="Tahoma" panose="020B0604030504040204" pitchFamily="34" charset="0"/>
+              <a:cs typeface="Tahoma" panose="020B0604030504040204" pitchFamily="34" charset="0"/>
+            </a:endParaRPr>
+          </a:p>
+          <a:p>
+            <a:endParaRPr lang="en-NL" sz="1400" dirty="0" err="1">
+              <a:latin typeface="Consolas" panose="020B0609020204030204" pitchFamily="49" charset="0"/>
+              <a:ea typeface="Tahoma" panose="020B0604030504040204" pitchFamily="34" charset="0"/>
+              <a:cs typeface="Tahoma" panose="020B0604030504040204" pitchFamily="34" charset="0"/>
+            </a:endParaRPr>
+          </a:p>
+        </p:txBody>
+      </p:sp>
+      <p:sp>
+        <p:nvSpPr>
+          <p:cNvPr id="7" name="TextBox 6">
+            <a:extLst>
+              <a:ext uri="{FF2B5EF4-FFF2-40B4-BE49-F238E27FC236}">
+                <a16:creationId xmlns:a16="http://schemas.microsoft.com/office/drawing/2014/main" id="{75E53D16-0AA1-4E2A-8D91-FEDB96E48304}"/>
+              </a:ext>
+            </a:extLst>
+          </p:cNvPr>
+          <p:cNvSpPr txBox="1"/>
+          <p:nvPr/>
+        </p:nvSpPr>
+        <p:spPr>
+          <a:xfrm>
+            <a:off x="749098" y="1249239"/>
+            <a:ext cx="7559997" cy="646331"/>
+          </a:xfrm>
+          <a:prstGeom prst="rect">
+            <a:avLst/>
+          </a:prstGeom>
+          <a:noFill/>
+        </p:spPr>
+        <p:txBody>
+          <a:bodyPr wrap="square" lIns="0" tIns="0" rIns="0" bIns="0" rtlCol="0">
+            <a:spAutoFit/>
+          </a:bodyPr>
+          <a:lstStyle/>
+          <a:p>
             <a:r>
               <a:rPr lang="nl-NL" sz="1400" dirty="0">
                 <a:latin typeface="Consolas" panose="020B0609020204030204" pitchFamily="49" charset="0"/>
                 <a:ea typeface="Tahoma" panose="020B0604030504040204" pitchFamily="34" charset="0"/>
                 <a:cs typeface="Tahoma" panose="020B0604030504040204" pitchFamily="34" charset="0"/>
               </a:rPr>
-              <a:t>GET http://localhost:9200/recipes/_doc/213?_source_includes=</a:t>
-            </a:r>
-            <a:r>
-              <a:rPr lang="en-US" dirty="0"/>
-              <a:t>name</a:t>
-            </a:r>
-            <a:endParaRPr lang="nl-NL" sz="1400" dirty="0">
-              <a:latin typeface="Consolas" panose="020B0609020204030204" pitchFamily="49" charset="0"/>
-              <a:ea typeface="Tahoma" panose="020B0604030504040204" pitchFamily="34" charset="0"/>
-              <a:cs typeface="Tahoma" panose="020B0604030504040204" pitchFamily="34" charset="0"/>
-            </a:endParaRPr>
-          </a:p>
-          <a:p>
-            <a:endParaRPr lang="nl-NL" sz="1400" dirty="0">
-              <a:latin typeface="Consolas" panose="020B0609020204030204" pitchFamily="49" charset="0"/>
-              <a:ea typeface="Tahoma" panose="020B0604030504040204" pitchFamily="34" charset="0"/>
-              <a:cs typeface="Tahoma" panose="020B0604030504040204" pitchFamily="34" charset="0"/>
-            </a:endParaRPr>
-          </a:p>
-          <a:p>
+              <a:t>POST http://localhost:</a:t>
+            </a:r>
+            <a:r>
+              <a:rPr lang="nl-NL" sz="1400">
+                <a:latin typeface="Consolas" panose="020B0609020204030204" pitchFamily="49" charset="0"/>
+                <a:ea typeface="Tahoma" panose="020B0604030504040204" pitchFamily="34" charset="0"/>
+                <a:cs typeface="Tahoma" panose="020B0604030504040204" pitchFamily="34" charset="0"/>
+              </a:rPr>
+              <a:t>9200/_</a:t>
+            </a:r>
             <a:r>
               <a:rPr lang="nl-NL" sz="1400" dirty="0">
                 <a:latin typeface="Consolas" panose="020B0609020204030204" pitchFamily="49" charset="0"/>
                 <a:ea typeface="Tahoma" panose="020B0604030504040204" pitchFamily="34" charset="0"/>
                 <a:cs typeface="Tahoma" panose="020B0604030504040204" pitchFamily="34" charset="0"/>
               </a:rPr>
-              <a:t>HEAD http://localhost:9200/recipes/_doc/213</a:t>
-            </a:r>
-          </a:p>
-          <a:p>
-            <a:endParaRPr lang="en-US" sz="1400" dirty="0">
-              <a:latin typeface="Consolas" panose="020B0609020204030204" pitchFamily="49" charset="0"/>
-              <a:ea typeface="Tahoma" panose="020B0604030504040204" pitchFamily="34" charset="0"/>
-              <a:cs typeface="Tahoma" panose="020B0604030504040204" pitchFamily="34" charset="0"/>
-            </a:endParaRPr>
-          </a:p>
-          <a:p>
-            <a:r>
-              <a:rPr lang="en-US" sz="1400" dirty="0">
-                <a:latin typeface="Consolas" panose="020B0609020204030204" pitchFamily="49" charset="0"/>
-                <a:ea typeface="Tahoma" panose="020B0604030504040204" pitchFamily="34" charset="0"/>
-                <a:cs typeface="Tahoma" panose="020B0604030504040204" pitchFamily="34" charset="0"/>
-              </a:rPr>
-              <a:t>POST </a:t>
-            </a:r>
-            <a:r>
-              <a:rPr lang="nl-NL" sz="1400" dirty="0">
-                <a:latin typeface="Consolas" panose="020B0609020204030204" pitchFamily="49" charset="0"/>
-                <a:ea typeface="Tahoma" panose="020B0604030504040204" pitchFamily="34" charset="0"/>
-                <a:cs typeface="Tahoma" panose="020B0604030504040204" pitchFamily="34" charset="0"/>
-              </a:rPr>
-              <a:t>http://localhost:9200/recipes/_update/213</a:t>
-            </a:r>
-          </a:p>
-          <a:p>
-            <a:endParaRPr lang="en-US" sz="1400" dirty="0">
-              <a:latin typeface="Consolas" panose="020B0609020204030204" pitchFamily="49" charset="0"/>
-              <a:ea typeface="Tahoma" panose="020B0604030504040204" pitchFamily="34" charset="0"/>
-              <a:cs typeface="Tahoma" panose="020B0604030504040204" pitchFamily="34" charset="0"/>
-            </a:endParaRPr>
-          </a:p>
-          <a:p>
-            <a:r>
-              <a:rPr lang="nl-NL" sz="1400" dirty="0">
-                <a:latin typeface="Consolas" panose="020B0609020204030204" pitchFamily="49" charset="0"/>
-                <a:ea typeface="Tahoma" panose="020B0604030504040204" pitchFamily="34" charset="0"/>
-                <a:cs typeface="Tahoma" panose="020B0604030504040204" pitchFamily="34" charset="0"/>
-              </a:rPr>
-              <a:t>DELETE http://localhost:9200/recipes/_doc/213</a:t>
+              <a:t>bulk</a:t>
             </a:r>
           </a:p>
           <a:p>
@@ -10975,7 +10952,7 @@
     </p:spTree>
     <p:extLst>
       <p:ext uri="{BB962C8B-B14F-4D97-AF65-F5344CB8AC3E}">
-        <p14:creationId xmlns:p14="http://schemas.microsoft.com/office/powerpoint/2010/main" val="2384198298"/>
+        <p14:creationId xmlns:p14="http://schemas.microsoft.com/office/powerpoint/2010/main" val="2563402049"/>
       </p:ext>
     </p:extLst>
   </p:cSld>
@@ -11004,7 +10981,7 @@
       </p:grpSpPr>
       <p:sp>
         <p:nvSpPr>
-          <p:cNvPr id="2" name="Title 1"/>
+          <p:cNvPr id="6" name="Title 5"/>
           <p:cNvSpPr>
             <a:spLocks noGrp="1"/>
           </p:cNvSpPr>
@@ -11019,7 +10996,93 @@
           <a:p>
             <a:r>
               <a:rPr lang="nl-NL" dirty="0"/>
-              <a:t>Bulk operations</a:t>
+              <a:t>Queries </a:t>
+            </a:r>
+          </a:p>
+        </p:txBody>
+      </p:sp>
+      <p:sp>
+        <p:nvSpPr>
+          <p:cNvPr id="7" name="Content Placeholder 6"/>
+          <p:cNvSpPr>
+            <a:spLocks noGrp="1"/>
+          </p:cNvSpPr>
+          <p:nvPr>
+            <p:ph idx="1"/>
+          </p:nvPr>
+        </p:nvSpPr>
+        <p:spPr/>
+        <p:txBody>
+          <a:bodyPr/>
+          <a:lstStyle/>
+          <a:p>
+            <a:r>
+              <a:rPr lang="nl-NL" dirty="0"/>
+              <a:t>URL-based or JSON-based requests on the _search REST endpoint</a:t>
+            </a:r>
+          </a:p>
+          <a:p>
+            <a:r>
+              <a:rPr lang="nl-NL" dirty="0"/>
+              <a:t>Search whole cluster or specify index (or type) in the URL</a:t>
+            </a:r>
+          </a:p>
+          <a:p>
+            <a:endParaRPr lang="nl-NL" dirty="0"/>
+          </a:p>
+          <a:p>
+            <a:r>
+              <a:rPr lang="nl-NL" dirty="0"/>
+              <a:t>Common components of request:</a:t>
+            </a:r>
+          </a:p>
+          <a:p>
+            <a:pPr lvl="1"/>
+            <a:r>
+              <a:rPr lang="nl-NL" sz="1400" dirty="0"/>
+              <a:t>query 	- default all</a:t>
+            </a:r>
+          </a:p>
+          <a:p>
+            <a:pPr lvl="1"/>
+            <a:r>
+              <a:rPr lang="nl-NL" sz="1400" dirty="0"/>
+              <a:t>size 	- default 10 </a:t>
+            </a:r>
+          </a:p>
+          <a:p>
+            <a:pPr lvl="1"/>
+            <a:r>
+              <a:rPr lang="nl-NL" sz="1400" dirty="0"/>
+              <a:t>from 	- default 0</a:t>
+            </a:r>
+          </a:p>
+          <a:p>
+            <a:pPr lvl="1"/>
+            <a:r>
+              <a:rPr lang="nl-NL" sz="1400" dirty="0"/>
+              <a:t>_source 	- default all</a:t>
+            </a:r>
+          </a:p>
+          <a:p>
+            <a:pPr lvl="2"/>
+            <a:r>
+              <a:rPr lang="nl-NL" sz="1400" dirty="0"/>
+              <a:t>Specify which fields of the document to return</a:t>
+            </a:r>
+          </a:p>
+          <a:p>
+            <a:pPr lvl="1"/>
+            <a:r>
+              <a:rPr lang="nl-NL" sz="1400" dirty="0"/>
+              <a:t>sort 	- default on score</a:t>
+            </a:r>
+          </a:p>
+          <a:p>
+            <a:pPr lvl="2"/>
+            <a:r>
+              <a:rPr lang="nl-NL" sz="1400" dirty="0"/>
+              <a:t>No score is calculated when score is not included in the sort</a:t>
             </a:r>
           </a:p>
         </p:txBody>
@@ -11040,7 +11103,7 @@
           <a:lstStyle/>
           <a:p>
             <a:r>
-              <a:rPr lang="nl-NL"/>
+              <a:rPr lang="nl-NL" dirty="0"/>
               <a:t>elasticsearch</a:t>
             </a:r>
           </a:p>
@@ -11069,183 +11132,10 @@
           </a:p>
         </p:txBody>
       </p:sp>
-      <p:sp>
-        <p:nvSpPr>
-          <p:cNvPr id="12" name="TextBox 11">
-            <a:extLst>
-              <a:ext uri="{FF2B5EF4-FFF2-40B4-BE49-F238E27FC236}">
-                <a16:creationId xmlns:a16="http://schemas.microsoft.com/office/drawing/2014/main" id="{67F8F9EB-BFA9-4148-8BD3-E19214834DC4}"/>
-              </a:ext>
-            </a:extLst>
-          </p:cNvPr>
-          <p:cNvSpPr txBox="1"/>
-          <p:nvPr/>
-        </p:nvSpPr>
-        <p:spPr>
-          <a:xfrm>
-            <a:off x="847733" y="1997385"/>
-            <a:ext cx="5586318" cy="2154436"/>
-          </a:xfrm>
-          <a:prstGeom prst="rect">
-            <a:avLst/>
-          </a:prstGeom>
-          <a:noFill/>
-        </p:spPr>
-        <p:txBody>
-          <a:bodyPr wrap="square" lIns="0" tIns="0" rIns="0" bIns="0" rtlCol="0">
-            <a:spAutoFit/>
-          </a:bodyPr>
-          <a:lstStyle/>
-          <a:p>
-            <a:r>
-              <a:rPr lang="nl-NL" sz="1400" dirty="0">
-                <a:latin typeface="Consolas" panose="020B0609020204030204" pitchFamily="49" charset="0"/>
-                <a:ea typeface="Tahoma" panose="020B0604030504040204" pitchFamily="34" charset="0"/>
-                <a:cs typeface="Tahoma" panose="020B0604030504040204" pitchFamily="34" charset="0"/>
-              </a:rPr>
-              <a:t>{ "index" : { "_index" : "test", "_id" : "1" } }</a:t>
-            </a:r>
-          </a:p>
-          <a:p>
-            <a:r>
-              <a:rPr lang="nl-NL" sz="1400" dirty="0">
-                <a:latin typeface="Consolas" panose="020B0609020204030204" pitchFamily="49" charset="0"/>
-                <a:ea typeface="Tahoma" panose="020B0604030504040204" pitchFamily="34" charset="0"/>
-                <a:cs typeface="Tahoma" panose="020B0604030504040204" pitchFamily="34" charset="0"/>
-              </a:rPr>
-              <a:t>{ "field1" : "value1" }</a:t>
-            </a:r>
-          </a:p>
-          <a:p>
-            <a:r>
-              <a:rPr lang="nl-NL" sz="1400" dirty="0">
-                <a:latin typeface="Consolas" panose="020B0609020204030204" pitchFamily="49" charset="0"/>
-                <a:ea typeface="Tahoma" panose="020B0604030504040204" pitchFamily="34" charset="0"/>
-                <a:cs typeface="Tahoma" panose="020B0604030504040204" pitchFamily="34" charset="0"/>
-              </a:rPr>
-              <a:t>{ "delete" : { "_index" : "test", "_id" : "2" } }</a:t>
-            </a:r>
-          </a:p>
-          <a:p>
-            <a:r>
-              <a:rPr lang="nl-NL" sz="1400" dirty="0">
-                <a:latin typeface="Consolas" panose="020B0609020204030204" pitchFamily="49" charset="0"/>
-                <a:ea typeface="Tahoma" panose="020B0604030504040204" pitchFamily="34" charset="0"/>
-                <a:cs typeface="Tahoma" panose="020B0604030504040204" pitchFamily="34" charset="0"/>
-              </a:rPr>
-              <a:t>{ "create" : { "_index" : "test", "_id" : "3" } }</a:t>
-            </a:r>
-          </a:p>
-          <a:p>
-            <a:r>
-              <a:rPr lang="nl-NL" sz="1400" dirty="0">
-                <a:latin typeface="Consolas" panose="020B0609020204030204" pitchFamily="49" charset="0"/>
-                <a:ea typeface="Tahoma" panose="020B0604030504040204" pitchFamily="34" charset="0"/>
-                <a:cs typeface="Tahoma" panose="020B0604030504040204" pitchFamily="34" charset="0"/>
-              </a:rPr>
-              <a:t>{ "field1" : "value3" }</a:t>
-            </a:r>
-          </a:p>
-          <a:p>
-            <a:r>
-              <a:rPr lang="nl-NL" sz="1400" dirty="0">
-                <a:latin typeface="Consolas" panose="020B0609020204030204" pitchFamily="49" charset="0"/>
-                <a:ea typeface="Tahoma" panose="020B0604030504040204" pitchFamily="34" charset="0"/>
-                <a:cs typeface="Tahoma" panose="020B0604030504040204" pitchFamily="34" charset="0"/>
-              </a:rPr>
-              <a:t>{ "update" : {"_id" : "1", "_index" : "test"} }</a:t>
-            </a:r>
-          </a:p>
-          <a:p>
-            <a:r>
-              <a:rPr lang="nl-NL" sz="1400" dirty="0">
-                <a:latin typeface="Consolas" panose="020B0609020204030204" pitchFamily="49" charset="0"/>
-                <a:ea typeface="Tahoma" panose="020B0604030504040204" pitchFamily="34" charset="0"/>
-                <a:cs typeface="Tahoma" panose="020B0604030504040204" pitchFamily="34" charset="0"/>
-              </a:rPr>
-              <a:t>{ "doc" : {"field2" : "value2"} }</a:t>
-            </a:r>
-          </a:p>
-          <a:p>
-            <a:endParaRPr lang="nl-NL" sz="1400" dirty="0">
-              <a:latin typeface="Consolas" panose="020B0609020204030204" pitchFamily="49" charset="0"/>
-              <a:ea typeface="Tahoma" panose="020B0604030504040204" pitchFamily="34" charset="0"/>
-              <a:cs typeface="Tahoma" panose="020B0604030504040204" pitchFamily="34" charset="0"/>
-            </a:endParaRPr>
-          </a:p>
-          <a:p>
-            <a:endParaRPr lang="en-NL" sz="1400" dirty="0">
-              <a:latin typeface="Consolas" panose="020B0609020204030204" pitchFamily="49" charset="0"/>
-              <a:ea typeface="Tahoma" panose="020B0604030504040204" pitchFamily="34" charset="0"/>
-              <a:cs typeface="Tahoma" panose="020B0604030504040204" pitchFamily="34" charset="0"/>
-            </a:endParaRPr>
-          </a:p>
-          <a:p>
-            <a:endParaRPr lang="en-NL" sz="1400" dirty="0" err="1">
-              <a:latin typeface="Consolas" panose="020B0609020204030204" pitchFamily="49" charset="0"/>
-              <a:ea typeface="Tahoma" panose="020B0604030504040204" pitchFamily="34" charset="0"/>
-              <a:cs typeface="Tahoma" panose="020B0604030504040204" pitchFamily="34" charset="0"/>
-            </a:endParaRPr>
-          </a:p>
-        </p:txBody>
-      </p:sp>
-      <p:sp>
-        <p:nvSpPr>
-          <p:cNvPr id="7" name="TextBox 6">
-            <a:extLst>
-              <a:ext uri="{FF2B5EF4-FFF2-40B4-BE49-F238E27FC236}">
-                <a16:creationId xmlns:a16="http://schemas.microsoft.com/office/drawing/2014/main" id="{75E53D16-0AA1-4E2A-8D91-FEDB96E48304}"/>
-              </a:ext>
-            </a:extLst>
-          </p:cNvPr>
-          <p:cNvSpPr txBox="1"/>
-          <p:nvPr/>
-        </p:nvSpPr>
-        <p:spPr>
-          <a:xfrm>
-            <a:off x="749098" y="1249239"/>
-            <a:ext cx="7559997" cy="646331"/>
-          </a:xfrm>
-          <a:prstGeom prst="rect">
-            <a:avLst/>
-          </a:prstGeom>
-          <a:noFill/>
-        </p:spPr>
-        <p:txBody>
-          <a:bodyPr wrap="square" lIns="0" tIns="0" rIns="0" bIns="0" rtlCol="0">
-            <a:spAutoFit/>
-          </a:bodyPr>
-          <a:lstStyle/>
-          <a:p>
-            <a:r>
-              <a:rPr lang="nl-NL" sz="1400" dirty="0">
-                <a:latin typeface="Consolas" panose="020B0609020204030204" pitchFamily="49" charset="0"/>
-                <a:ea typeface="Tahoma" panose="020B0604030504040204" pitchFamily="34" charset="0"/>
-                <a:cs typeface="Tahoma" panose="020B0604030504040204" pitchFamily="34" charset="0"/>
-              </a:rPr>
-              <a:t>POST http://localhost:9200/myindex/_bulk</a:t>
-            </a:r>
-          </a:p>
-          <a:p>
-            <a:endParaRPr lang="en-NL" sz="1400" dirty="0">
-              <a:latin typeface="Consolas" panose="020B0609020204030204" pitchFamily="49" charset="0"/>
-              <a:ea typeface="Tahoma" panose="020B0604030504040204" pitchFamily="34" charset="0"/>
-              <a:cs typeface="Tahoma" panose="020B0604030504040204" pitchFamily="34" charset="0"/>
-            </a:endParaRPr>
-          </a:p>
-          <a:p>
-            <a:endParaRPr lang="en-NL" sz="1400" dirty="0" err="1">
-              <a:latin typeface="Consolas" panose="020B0609020204030204" pitchFamily="49" charset="0"/>
-              <a:ea typeface="Tahoma" panose="020B0604030504040204" pitchFamily="34" charset="0"/>
-              <a:cs typeface="Tahoma" panose="020B0604030504040204" pitchFamily="34" charset="0"/>
-            </a:endParaRPr>
-          </a:p>
-        </p:txBody>
-      </p:sp>
     </p:spTree>
     <p:extLst>
       <p:ext uri="{BB962C8B-B14F-4D97-AF65-F5344CB8AC3E}">
-        <p14:creationId xmlns:p14="http://schemas.microsoft.com/office/powerpoint/2010/main" val="2563402049"/>
+        <p14:creationId xmlns:p14="http://schemas.microsoft.com/office/powerpoint/2010/main" val="683142817"/>
       </p:ext>
     </p:extLst>
   </p:cSld>
@@ -11274,189 +11164,6 @@
       </p:grpSpPr>
       <p:sp>
         <p:nvSpPr>
-          <p:cNvPr id="6" name="Title 5"/>
-          <p:cNvSpPr>
-            <a:spLocks noGrp="1"/>
-          </p:cNvSpPr>
-          <p:nvPr>
-            <p:ph type="title"/>
-          </p:nvPr>
-        </p:nvSpPr>
-        <p:spPr/>
-        <p:txBody>
-          <a:bodyPr/>
-          <a:lstStyle/>
-          <a:p>
-            <a:r>
-              <a:rPr lang="nl-NL" dirty="0"/>
-              <a:t>Queries </a:t>
-            </a:r>
-          </a:p>
-        </p:txBody>
-      </p:sp>
-      <p:sp>
-        <p:nvSpPr>
-          <p:cNvPr id="7" name="Content Placeholder 6"/>
-          <p:cNvSpPr>
-            <a:spLocks noGrp="1"/>
-          </p:cNvSpPr>
-          <p:nvPr>
-            <p:ph idx="1"/>
-          </p:nvPr>
-        </p:nvSpPr>
-        <p:spPr/>
-        <p:txBody>
-          <a:bodyPr/>
-          <a:lstStyle/>
-          <a:p>
-            <a:r>
-              <a:rPr lang="nl-NL" dirty="0"/>
-              <a:t>URL-based or JSON-based requests on the _search REST endpoint</a:t>
-            </a:r>
-          </a:p>
-          <a:p>
-            <a:r>
-              <a:rPr lang="nl-NL" dirty="0"/>
-              <a:t>Search whole cluster or specify index (or type) in the URL</a:t>
-            </a:r>
-          </a:p>
-          <a:p>
-            <a:endParaRPr lang="nl-NL" dirty="0"/>
-          </a:p>
-          <a:p>
-            <a:r>
-              <a:rPr lang="nl-NL" dirty="0"/>
-              <a:t>Common components of request:</a:t>
-            </a:r>
-          </a:p>
-          <a:p>
-            <a:pPr lvl="1"/>
-            <a:r>
-              <a:rPr lang="nl-NL" sz="1400" dirty="0"/>
-              <a:t>query 	- default all</a:t>
-            </a:r>
-          </a:p>
-          <a:p>
-            <a:pPr lvl="1"/>
-            <a:r>
-              <a:rPr lang="nl-NL" sz="1400" dirty="0"/>
-              <a:t>size 	- default 10 </a:t>
-            </a:r>
-          </a:p>
-          <a:p>
-            <a:pPr lvl="1"/>
-            <a:r>
-              <a:rPr lang="nl-NL" sz="1400" dirty="0"/>
-              <a:t>from 	- default 0</a:t>
-            </a:r>
-          </a:p>
-          <a:p>
-            <a:pPr lvl="1"/>
-            <a:r>
-              <a:rPr lang="nl-NL" sz="1400" dirty="0"/>
-              <a:t>_source 	- default all</a:t>
-            </a:r>
-          </a:p>
-          <a:p>
-            <a:pPr lvl="2"/>
-            <a:r>
-              <a:rPr lang="nl-NL" sz="1400" dirty="0"/>
-              <a:t>Specify which fields of the document to return</a:t>
-            </a:r>
-          </a:p>
-          <a:p>
-            <a:pPr lvl="1"/>
-            <a:r>
-              <a:rPr lang="nl-NL" sz="1400" dirty="0"/>
-              <a:t>sort 	- default on score</a:t>
-            </a:r>
-          </a:p>
-          <a:p>
-            <a:pPr lvl="2"/>
-            <a:r>
-              <a:rPr lang="nl-NL" sz="1400" dirty="0"/>
-              <a:t>No score is calculated when score is not included in the sort</a:t>
-            </a:r>
-          </a:p>
-        </p:txBody>
-      </p:sp>
-      <p:sp>
-        <p:nvSpPr>
-          <p:cNvPr id="4" name="Footer Placeholder 3"/>
-          <p:cNvSpPr>
-            <a:spLocks noGrp="1"/>
-          </p:cNvSpPr>
-          <p:nvPr>
-            <p:ph type="ftr" sz="quarter" idx="11"/>
-          </p:nvPr>
-        </p:nvSpPr>
-        <p:spPr/>
-        <p:txBody>
-          <a:bodyPr/>
-          <a:lstStyle/>
-          <a:p>
-            <a:r>
-              <a:rPr lang="nl-NL" dirty="0"/>
-              <a:t>elasticsearch</a:t>
-            </a:r>
-          </a:p>
-        </p:txBody>
-      </p:sp>
-      <p:sp>
-        <p:nvSpPr>
-          <p:cNvPr id="5" name="Slide Number Placeholder 4"/>
-          <p:cNvSpPr>
-            <a:spLocks noGrp="1"/>
-          </p:cNvSpPr>
-          <p:nvPr>
-            <p:ph type="sldNum" sz="quarter" idx="12"/>
-          </p:nvPr>
-        </p:nvSpPr>
-        <p:spPr/>
-        <p:txBody>
-          <a:bodyPr/>
-          <a:lstStyle/>
-          <a:p>
-            <a:fld id="{14F1411D-0280-154F-AEAC-4C20B7AA46B2}" type="slidenum">
-              <a:rPr lang="nl-NL" smtClean="0"/>
-              <a:t>23</a:t>
-            </a:fld>
-            <a:endParaRPr lang="nl-NL"/>
-          </a:p>
-        </p:txBody>
-      </p:sp>
-    </p:spTree>
-    <p:extLst>
-      <p:ext uri="{BB962C8B-B14F-4D97-AF65-F5344CB8AC3E}">
-        <p14:creationId xmlns:p14="http://schemas.microsoft.com/office/powerpoint/2010/main" val="683142817"/>
-      </p:ext>
-    </p:extLst>
-  </p:cSld>
-  <p:clrMapOvr>
-    <a:masterClrMapping/>
-  </p:clrMapOvr>
-</p:sld>
-</file>
-
-<file path=ppt/slides/slide24.xml><?xml version="1.0" encoding="utf-8"?>
-<p:sld xmlns:a="http://schemas.openxmlformats.org/drawingml/2006/main" xmlns:r="http://schemas.openxmlformats.org/officeDocument/2006/relationships" xmlns:p="http://schemas.openxmlformats.org/presentationml/2006/main">
-  <p:cSld>
-    <p:spTree>
-      <p:nvGrpSpPr>
-        <p:cNvPr id="1" name=""/>
-        <p:cNvGrpSpPr/>
-        <p:nvPr/>
-      </p:nvGrpSpPr>
-      <p:grpSpPr>
-        <a:xfrm>
-          <a:off x="0" y="0"/>
-          <a:ext cx="0" cy="0"/>
-          <a:chOff x="0" y="0"/>
-          <a:chExt cx="0" cy="0"/>
-        </a:xfrm>
-      </p:grpSpPr>
-      <p:sp>
-        <p:nvSpPr>
           <p:cNvPr id="2" name="Title 1">
             <a:extLst>
               <a:ext uri="{FF2B5EF4-FFF2-40B4-BE49-F238E27FC236}">
@@ -11643,7 +11350,7 @@
           <a:p>
             <a:fld id="{14F1411D-0280-154F-AEAC-4C20B7AA46B2}" type="slidenum">
               <a:rPr lang="nl-NL" smtClean="0"/>
-              <a:t>24</a:t>
+              <a:t>23</a:t>
             </a:fld>
             <a:endParaRPr lang="nl-NL"/>
           </a:p>
@@ -11692,7 +11399,7 @@
 </p:sld>
 </file>
 
-<file path=ppt/slides/slide25.xml><?xml version="1.0" encoding="utf-8"?>
+<file path=ppt/slides/slide24.xml><?xml version="1.0" encoding="utf-8"?>
 <p:sld xmlns:a="http://schemas.openxmlformats.org/drawingml/2006/main" xmlns:r="http://schemas.openxmlformats.org/officeDocument/2006/relationships" xmlns:p="http://schemas.openxmlformats.org/presentationml/2006/main">
   <p:cSld>
     <p:spTree>
@@ -11876,7 +11583,7 @@
           <a:p>
             <a:fld id="{14F1411D-0280-154F-AEAC-4C20B7AA46B2}" type="slidenum">
               <a:rPr lang="nl-NL" smtClean="0"/>
-              <a:t>25</a:t>
+              <a:t>24</a:t>
             </a:fld>
             <a:endParaRPr lang="nl-NL"/>
           </a:p>
@@ -11925,7 +11632,7 @@
 </p:sld>
 </file>
 
-<file path=ppt/slides/slide26.xml><?xml version="1.0" encoding="utf-8"?>
+<file path=ppt/slides/slide25.xml><?xml version="1.0" encoding="utf-8"?>
 <p:sld xmlns:a="http://schemas.openxmlformats.org/drawingml/2006/main" xmlns:r="http://schemas.openxmlformats.org/officeDocument/2006/relationships" xmlns:p="http://schemas.openxmlformats.org/presentationml/2006/main">
   <p:cSld>
     <p:spTree>
@@ -12119,7 +11826,7 @@
           <a:p>
             <a:fld id="{14F1411D-0280-154F-AEAC-4C20B7AA46B2}" type="slidenum">
               <a:rPr lang="nl-NL" smtClean="0"/>
-              <a:t>26</a:t>
+              <a:t>25</a:t>
             </a:fld>
             <a:endParaRPr lang="nl-NL"/>
           </a:p>
@@ -12196,7 +11903,7 @@
 </p:sld>
 </file>
 
-<file path=ppt/slides/slide27.xml><?xml version="1.0" encoding="utf-8"?>
+<file path=ppt/slides/slide26.xml><?xml version="1.0" encoding="utf-8"?>
 <p:sld xmlns:a="http://schemas.openxmlformats.org/drawingml/2006/main" xmlns:r="http://schemas.openxmlformats.org/officeDocument/2006/relationships" xmlns:p="http://schemas.openxmlformats.org/presentationml/2006/main">
   <p:cSld>
     <p:spTree>
@@ -12420,7 +12127,7 @@
           <a:p>
             <a:fld id="{14F1411D-0280-154F-AEAC-4C20B7AA46B2}" type="slidenum">
               <a:rPr lang="nl-NL" smtClean="0"/>
-              <a:t>27</a:t>
+              <a:t>26</a:t>
             </a:fld>
             <a:endParaRPr lang="nl-NL"/>
           </a:p>
@@ -12497,6 +12204,255 @@
 </p:sld>
 </file>
 
+<file path=ppt/slides/slide27.xml><?xml version="1.0" encoding="utf-8"?>
+<p:sld xmlns:a="http://schemas.openxmlformats.org/drawingml/2006/main" xmlns:r="http://schemas.openxmlformats.org/officeDocument/2006/relationships" xmlns:p="http://schemas.openxmlformats.org/presentationml/2006/main">
+  <p:cSld>
+    <p:spTree>
+      <p:nvGrpSpPr>
+        <p:cNvPr id="1" name=""/>
+        <p:cNvGrpSpPr/>
+        <p:nvPr/>
+      </p:nvGrpSpPr>
+      <p:grpSpPr>
+        <a:xfrm>
+          <a:off x="0" y="0"/>
+          <a:ext cx="0" cy="0"/>
+          <a:chOff x="0" y="0"/>
+          <a:chExt cx="0" cy="0"/>
+        </a:xfrm>
+      </p:grpSpPr>
+      <p:sp>
+        <p:nvSpPr>
+          <p:cNvPr id="2" name="Title 1">
+            <a:extLst>
+              <a:ext uri="{FF2B5EF4-FFF2-40B4-BE49-F238E27FC236}">
+                <a16:creationId xmlns:a16="http://schemas.microsoft.com/office/drawing/2014/main" id="{7E0C864F-8D7E-4A1F-9FBF-8840FD06DD82}"/>
+              </a:ext>
+            </a:extLst>
+          </p:cNvPr>
+          <p:cNvSpPr>
+            <a:spLocks noGrp="1"/>
+          </p:cNvSpPr>
+          <p:nvPr>
+            <p:ph type="title"/>
+          </p:nvPr>
+        </p:nvSpPr>
+        <p:spPr/>
+        <p:txBody>
+          <a:bodyPr/>
+          <a:lstStyle/>
+          <a:p>
+            <a:r>
+              <a:rPr lang="en-GB" dirty="0"/>
+              <a:t>JSON-based queries – compound queries(1)</a:t>
+            </a:r>
+            <a:endParaRPr lang="en-NL" dirty="0"/>
+          </a:p>
+        </p:txBody>
+      </p:sp>
+      <p:sp>
+        <p:nvSpPr>
+          <p:cNvPr id="3" name="Content Placeholder 2">
+            <a:extLst>
+              <a:ext uri="{FF2B5EF4-FFF2-40B4-BE49-F238E27FC236}">
+                <a16:creationId xmlns:a16="http://schemas.microsoft.com/office/drawing/2014/main" id="{2B238913-DCE4-4551-93BE-7D0E5C113D13}"/>
+              </a:ext>
+            </a:extLst>
+          </p:cNvPr>
+          <p:cNvSpPr>
+            <a:spLocks noGrp="1"/>
+          </p:cNvSpPr>
+          <p:nvPr>
+            <p:ph idx="1"/>
+          </p:nvPr>
+        </p:nvSpPr>
+        <p:spPr/>
+        <p:txBody>
+          <a:bodyPr/>
+          <a:lstStyle/>
+          <a:p>
+            <a:r>
+              <a:rPr lang="en-GB" dirty="0"/>
+              <a:t>Wrap other (compound) queries to combine results, change query behaviour or use a filter</a:t>
+            </a:r>
+          </a:p>
+          <a:p>
+            <a:pPr lvl="1"/>
+            <a:r>
+              <a:rPr lang="en-GB" sz="1400" dirty="0"/>
+              <a:t>No score is calculated for results that are filtered out</a:t>
+            </a:r>
+          </a:p>
+          <a:p>
+            <a:pPr lvl="1"/>
+            <a:r>
+              <a:rPr lang="en-GB" sz="1400" dirty="0"/>
+              <a:t>Often used filters are cached by </a:t>
+            </a:r>
+            <a:r>
+              <a:rPr lang="en-GB" sz="1400" dirty="0" err="1"/>
+              <a:t>elasticsearch</a:t>
+            </a:r>
+            <a:endParaRPr lang="en-GB" sz="1400" dirty="0"/>
+          </a:p>
+          <a:p>
+            <a:r>
+              <a:rPr lang="en-GB" dirty="0"/>
+              <a:t>Queries: bool (</a:t>
+            </a:r>
+            <a:r>
+              <a:rPr lang="en-GB" dirty="0" err="1"/>
+              <a:t>boolean</a:t>
+            </a:r>
+            <a:r>
+              <a:rPr lang="en-GB" dirty="0"/>
+              <a:t>), boosting, </a:t>
+            </a:r>
+            <a:r>
+              <a:rPr lang="en-GB" dirty="0" err="1"/>
+              <a:t>constant_score</a:t>
+            </a:r>
+            <a:r>
+              <a:rPr lang="en-GB" dirty="0"/>
+              <a:t>, </a:t>
+            </a:r>
+            <a:r>
+              <a:rPr lang="en-GB" dirty="0" err="1"/>
+              <a:t>dis_max</a:t>
+            </a:r>
+            <a:r>
+              <a:rPr lang="en-GB" dirty="0"/>
+              <a:t> (disjunction max), </a:t>
+            </a:r>
+            <a:r>
+              <a:rPr lang="en-GB" dirty="0" err="1"/>
+              <a:t>function_score</a:t>
+            </a:r>
+            <a:endParaRPr lang="en-GB" dirty="0"/>
+          </a:p>
+          <a:p>
+            <a:endParaRPr lang="en-GB" dirty="0"/>
+          </a:p>
+          <a:p>
+            <a:r>
+              <a:rPr lang="en-GB" dirty="0"/>
+              <a:t>For manipulating scores: boosting, </a:t>
+            </a:r>
+            <a:r>
+              <a:rPr lang="en-GB" dirty="0" err="1"/>
+              <a:t>constant_score</a:t>
+            </a:r>
+            <a:r>
+              <a:rPr lang="en-GB" dirty="0"/>
+              <a:t>, </a:t>
+            </a:r>
+            <a:r>
+              <a:rPr lang="en-GB" dirty="0" err="1"/>
+              <a:t>dis_max</a:t>
+            </a:r>
+            <a:r>
+              <a:rPr lang="en-GB" dirty="0"/>
+              <a:t>, and </a:t>
+            </a:r>
+            <a:r>
+              <a:rPr lang="en-GB" dirty="0" err="1"/>
+              <a:t>function_score</a:t>
+            </a:r>
+            <a:endParaRPr lang="en-GB" dirty="0"/>
+          </a:p>
+          <a:p>
+            <a:endParaRPr lang="en-GB" dirty="0"/>
+          </a:p>
+          <a:p>
+            <a:endParaRPr lang="en-GB" dirty="0"/>
+          </a:p>
+          <a:p>
+            <a:endParaRPr lang="en-GB" dirty="0"/>
+          </a:p>
+          <a:p>
+            <a:endParaRPr lang="en-GB" dirty="0"/>
+          </a:p>
+          <a:p>
+            <a:r>
+              <a:rPr lang="nl-NL" sz="1100" dirty="0">
+                <a:hlinkClick r:id="rId2"/>
+              </a:rPr>
+              <a:t>https://www.elastic.co/guide/en/elasticsearch/reference/current/compound-queries.html</a:t>
+            </a:r>
+            <a:endParaRPr lang="en-GB" sz="1100" dirty="0"/>
+          </a:p>
+        </p:txBody>
+      </p:sp>
+      <p:sp>
+        <p:nvSpPr>
+          <p:cNvPr id="4" name="Footer Placeholder 3">
+            <a:extLst>
+              <a:ext uri="{FF2B5EF4-FFF2-40B4-BE49-F238E27FC236}">
+                <a16:creationId xmlns:a16="http://schemas.microsoft.com/office/drawing/2014/main" id="{F1690C5F-F470-4B05-AB59-CBE30FDE51F0}"/>
+              </a:ext>
+            </a:extLst>
+          </p:cNvPr>
+          <p:cNvSpPr>
+            <a:spLocks noGrp="1"/>
+          </p:cNvSpPr>
+          <p:nvPr>
+            <p:ph type="ftr" sz="quarter" idx="11"/>
+          </p:nvPr>
+        </p:nvSpPr>
+        <p:spPr/>
+        <p:txBody>
+          <a:bodyPr/>
+          <a:lstStyle/>
+          <a:p>
+            <a:r>
+              <a:rPr lang="nl-NL"/>
+              <a:t>elasticsearch</a:t>
+            </a:r>
+          </a:p>
+        </p:txBody>
+      </p:sp>
+      <p:sp>
+        <p:nvSpPr>
+          <p:cNvPr id="5" name="Slide Number Placeholder 4">
+            <a:extLst>
+              <a:ext uri="{FF2B5EF4-FFF2-40B4-BE49-F238E27FC236}">
+                <a16:creationId xmlns:a16="http://schemas.microsoft.com/office/drawing/2014/main" id="{1A34282B-2261-48E1-834B-16C626B887A4}"/>
+              </a:ext>
+            </a:extLst>
+          </p:cNvPr>
+          <p:cNvSpPr>
+            <a:spLocks noGrp="1"/>
+          </p:cNvSpPr>
+          <p:nvPr>
+            <p:ph type="sldNum" sz="quarter" idx="12"/>
+          </p:nvPr>
+        </p:nvSpPr>
+        <p:spPr/>
+        <p:txBody>
+          <a:bodyPr/>
+          <a:lstStyle/>
+          <a:p>
+            <a:fld id="{14F1411D-0280-154F-AEAC-4C20B7AA46B2}" type="slidenum">
+              <a:rPr lang="nl-NL" smtClean="0"/>
+              <a:t>27</a:t>
+            </a:fld>
+            <a:endParaRPr lang="nl-NL"/>
+          </a:p>
+        </p:txBody>
+      </p:sp>
+    </p:spTree>
+    <p:extLst>
+      <p:ext uri="{BB962C8B-B14F-4D97-AF65-F5344CB8AC3E}">
+        <p14:creationId xmlns:p14="http://schemas.microsoft.com/office/powerpoint/2010/main" val="2152417423"/>
+      </p:ext>
+    </p:extLst>
+  </p:cSld>
+  <p:clrMapOvr>
+    <a:masterClrMapping/>
+  </p:clrMapOvr>
+</p:sld>
+</file>
+
 <file path=ppt/slides/slide28.xml><?xml version="1.0" encoding="utf-8"?>
 <p:sld xmlns:a="http://schemas.openxmlformats.org/drawingml/2006/main" xmlns:r="http://schemas.openxmlformats.org/officeDocument/2006/relationships" xmlns:p="http://schemas.openxmlformats.org/presentationml/2006/main">
   <p:cSld>
@@ -12519,255 +12475,6 @@
           <p:cNvPr id="2" name="Title 1">
             <a:extLst>
               <a:ext uri="{FF2B5EF4-FFF2-40B4-BE49-F238E27FC236}">
-                <a16:creationId xmlns:a16="http://schemas.microsoft.com/office/drawing/2014/main" id="{7E0C864F-8D7E-4A1F-9FBF-8840FD06DD82}"/>
-              </a:ext>
-            </a:extLst>
-          </p:cNvPr>
-          <p:cNvSpPr>
-            <a:spLocks noGrp="1"/>
-          </p:cNvSpPr>
-          <p:nvPr>
-            <p:ph type="title"/>
-          </p:nvPr>
-        </p:nvSpPr>
-        <p:spPr/>
-        <p:txBody>
-          <a:bodyPr/>
-          <a:lstStyle/>
-          <a:p>
-            <a:r>
-              <a:rPr lang="en-GB" dirty="0"/>
-              <a:t>JSON-based queries – compound queries(1)</a:t>
-            </a:r>
-            <a:endParaRPr lang="en-NL" dirty="0"/>
-          </a:p>
-        </p:txBody>
-      </p:sp>
-      <p:sp>
-        <p:nvSpPr>
-          <p:cNvPr id="3" name="Content Placeholder 2">
-            <a:extLst>
-              <a:ext uri="{FF2B5EF4-FFF2-40B4-BE49-F238E27FC236}">
-                <a16:creationId xmlns:a16="http://schemas.microsoft.com/office/drawing/2014/main" id="{2B238913-DCE4-4551-93BE-7D0E5C113D13}"/>
-              </a:ext>
-            </a:extLst>
-          </p:cNvPr>
-          <p:cNvSpPr>
-            <a:spLocks noGrp="1"/>
-          </p:cNvSpPr>
-          <p:nvPr>
-            <p:ph idx="1"/>
-          </p:nvPr>
-        </p:nvSpPr>
-        <p:spPr/>
-        <p:txBody>
-          <a:bodyPr/>
-          <a:lstStyle/>
-          <a:p>
-            <a:r>
-              <a:rPr lang="en-GB" dirty="0"/>
-              <a:t>Wrap other (compound) queries to combine results, change query behaviour or use a filter</a:t>
-            </a:r>
-          </a:p>
-          <a:p>
-            <a:pPr lvl="1"/>
-            <a:r>
-              <a:rPr lang="en-GB" sz="1400" dirty="0"/>
-              <a:t>No score is calculated for results that are filtered out</a:t>
-            </a:r>
-          </a:p>
-          <a:p>
-            <a:pPr lvl="1"/>
-            <a:r>
-              <a:rPr lang="en-GB" sz="1400" dirty="0"/>
-              <a:t>Often used filters are cached by </a:t>
-            </a:r>
-            <a:r>
-              <a:rPr lang="en-GB" sz="1400" dirty="0" err="1"/>
-              <a:t>elasticsearch</a:t>
-            </a:r>
-            <a:endParaRPr lang="en-GB" sz="1400" dirty="0"/>
-          </a:p>
-          <a:p>
-            <a:r>
-              <a:rPr lang="en-GB" dirty="0"/>
-              <a:t>Queries: bool (</a:t>
-            </a:r>
-            <a:r>
-              <a:rPr lang="en-GB" dirty="0" err="1"/>
-              <a:t>boolean</a:t>
-            </a:r>
-            <a:r>
-              <a:rPr lang="en-GB" dirty="0"/>
-              <a:t>), boosting, </a:t>
-            </a:r>
-            <a:r>
-              <a:rPr lang="en-GB" dirty="0" err="1"/>
-              <a:t>constant_score</a:t>
-            </a:r>
-            <a:r>
-              <a:rPr lang="en-GB" dirty="0"/>
-              <a:t>, </a:t>
-            </a:r>
-            <a:r>
-              <a:rPr lang="en-GB" dirty="0" err="1"/>
-              <a:t>dis_max</a:t>
-            </a:r>
-            <a:r>
-              <a:rPr lang="en-GB" dirty="0"/>
-              <a:t> (disjunction max), </a:t>
-            </a:r>
-            <a:r>
-              <a:rPr lang="en-GB" dirty="0" err="1"/>
-              <a:t>function_score</a:t>
-            </a:r>
-            <a:endParaRPr lang="en-GB" dirty="0"/>
-          </a:p>
-          <a:p>
-            <a:endParaRPr lang="en-GB" dirty="0"/>
-          </a:p>
-          <a:p>
-            <a:r>
-              <a:rPr lang="en-GB" dirty="0"/>
-              <a:t>For manipulating scores: boosting, </a:t>
-            </a:r>
-            <a:r>
-              <a:rPr lang="en-GB" dirty="0" err="1"/>
-              <a:t>constant_score</a:t>
-            </a:r>
-            <a:r>
-              <a:rPr lang="en-GB" dirty="0"/>
-              <a:t>, </a:t>
-            </a:r>
-            <a:r>
-              <a:rPr lang="en-GB" dirty="0" err="1"/>
-              <a:t>dis_max</a:t>
-            </a:r>
-            <a:r>
-              <a:rPr lang="en-GB" dirty="0"/>
-              <a:t>, and </a:t>
-            </a:r>
-            <a:r>
-              <a:rPr lang="en-GB" dirty="0" err="1"/>
-              <a:t>function_score</a:t>
-            </a:r>
-            <a:endParaRPr lang="en-GB" dirty="0"/>
-          </a:p>
-          <a:p>
-            <a:endParaRPr lang="en-GB" dirty="0"/>
-          </a:p>
-          <a:p>
-            <a:endParaRPr lang="en-GB" dirty="0"/>
-          </a:p>
-          <a:p>
-            <a:endParaRPr lang="en-GB" dirty="0"/>
-          </a:p>
-          <a:p>
-            <a:endParaRPr lang="en-GB" dirty="0"/>
-          </a:p>
-          <a:p>
-            <a:r>
-              <a:rPr lang="nl-NL" sz="1100" dirty="0">
-                <a:hlinkClick r:id="rId2"/>
-              </a:rPr>
-              <a:t>https://www.elastic.co/guide/en/elasticsearch/reference/current/compound-queries.html</a:t>
-            </a:r>
-            <a:endParaRPr lang="en-GB" sz="1100" dirty="0"/>
-          </a:p>
-        </p:txBody>
-      </p:sp>
-      <p:sp>
-        <p:nvSpPr>
-          <p:cNvPr id="4" name="Footer Placeholder 3">
-            <a:extLst>
-              <a:ext uri="{FF2B5EF4-FFF2-40B4-BE49-F238E27FC236}">
-                <a16:creationId xmlns:a16="http://schemas.microsoft.com/office/drawing/2014/main" id="{F1690C5F-F470-4B05-AB59-CBE30FDE51F0}"/>
-              </a:ext>
-            </a:extLst>
-          </p:cNvPr>
-          <p:cNvSpPr>
-            <a:spLocks noGrp="1"/>
-          </p:cNvSpPr>
-          <p:nvPr>
-            <p:ph type="ftr" sz="quarter" idx="11"/>
-          </p:nvPr>
-        </p:nvSpPr>
-        <p:spPr/>
-        <p:txBody>
-          <a:bodyPr/>
-          <a:lstStyle/>
-          <a:p>
-            <a:r>
-              <a:rPr lang="nl-NL"/>
-              <a:t>elasticsearch</a:t>
-            </a:r>
-          </a:p>
-        </p:txBody>
-      </p:sp>
-      <p:sp>
-        <p:nvSpPr>
-          <p:cNvPr id="5" name="Slide Number Placeholder 4">
-            <a:extLst>
-              <a:ext uri="{FF2B5EF4-FFF2-40B4-BE49-F238E27FC236}">
-                <a16:creationId xmlns:a16="http://schemas.microsoft.com/office/drawing/2014/main" id="{1A34282B-2261-48E1-834B-16C626B887A4}"/>
-              </a:ext>
-            </a:extLst>
-          </p:cNvPr>
-          <p:cNvSpPr>
-            <a:spLocks noGrp="1"/>
-          </p:cNvSpPr>
-          <p:nvPr>
-            <p:ph type="sldNum" sz="quarter" idx="12"/>
-          </p:nvPr>
-        </p:nvSpPr>
-        <p:spPr/>
-        <p:txBody>
-          <a:bodyPr/>
-          <a:lstStyle/>
-          <a:p>
-            <a:fld id="{14F1411D-0280-154F-AEAC-4C20B7AA46B2}" type="slidenum">
-              <a:rPr lang="nl-NL" smtClean="0"/>
-              <a:t>28</a:t>
-            </a:fld>
-            <a:endParaRPr lang="nl-NL"/>
-          </a:p>
-        </p:txBody>
-      </p:sp>
-    </p:spTree>
-    <p:extLst>
-      <p:ext uri="{BB962C8B-B14F-4D97-AF65-F5344CB8AC3E}">
-        <p14:creationId xmlns:p14="http://schemas.microsoft.com/office/powerpoint/2010/main" val="2152417423"/>
-      </p:ext>
-    </p:extLst>
-  </p:cSld>
-  <p:clrMapOvr>
-    <a:masterClrMapping/>
-  </p:clrMapOvr>
-</p:sld>
-</file>
-
-<file path=ppt/slides/slide29.xml><?xml version="1.0" encoding="utf-8"?>
-<p:sld xmlns:a="http://schemas.openxmlformats.org/drawingml/2006/main" xmlns:r="http://schemas.openxmlformats.org/officeDocument/2006/relationships" xmlns:p="http://schemas.openxmlformats.org/presentationml/2006/main">
-  <p:cSld>
-    <p:spTree>
-      <p:nvGrpSpPr>
-        <p:cNvPr id="1" name=""/>
-        <p:cNvGrpSpPr/>
-        <p:nvPr/>
-      </p:nvGrpSpPr>
-      <p:grpSpPr>
-        <a:xfrm>
-          <a:off x="0" y="0"/>
-          <a:ext cx="0" cy="0"/>
-          <a:chOff x="0" y="0"/>
-          <a:chExt cx="0" cy="0"/>
-        </a:xfrm>
-      </p:grpSpPr>
-      <p:sp>
-        <p:nvSpPr>
-          <p:cNvPr id="2" name="Title 1">
-            <a:extLst>
-              <a:ext uri="{FF2B5EF4-FFF2-40B4-BE49-F238E27FC236}">
                 <a16:creationId xmlns:a16="http://schemas.microsoft.com/office/drawing/2014/main" id="{E3757799-83EA-4342-8812-939E96764E4D}"/>
               </a:ext>
             </a:extLst>
@@ -12952,7 +12659,7 @@
           <a:p>
             <a:fld id="{14F1411D-0280-154F-AEAC-4C20B7AA46B2}" type="slidenum">
               <a:rPr lang="nl-NL" smtClean="0"/>
-              <a:t>29</a:t>
+              <a:t>28</a:t>
             </a:fld>
             <a:endParaRPr lang="nl-NL"/>
           </a:p>
@@ -13003,6 +12710,201 @@
 </p:sld>
 </file>
 
+<file path=ppt/slides/slide29.xml><?xml version="1.0" encoding="utf-8"?>
+<p:sld xmlns:a="http://schemas.openxmlformats.org/drawingml/2006/main" xmlns:r="http://schemas.openxmlformats.org/officeDocument/2006/relationships" xmlns:p="http://schemas.openxmlformats.org/presentationml/2006/main">
+  <p:cSld>
+    <p:spTree>
+      <p:nvGrpSpPr>
+        <p:cNvPr id="1" name=""/>
+        <p:cNvGrpSpPr/>
+        <p:nvPr/>
+      </p:nvGrpSpPr>
+      <p:grpSpPr>
+        <a:xfrm>
+          <a:off x="0" y="0"/>
+          <a:ext cx="0" cy="0"/>
+          <a:chOff x="0" y="0"/>
+          <a:chExt cx="0" cy="0"/>
+        </a:xfrm>
+      </p:grpSpPr>
+      <p:sp>
+        <p:nvSpPr>
+          <p:cNvPr id="2" name="Title 1">
+            <a:extLst>
+              <a:ext uri="{FF2B5EF4-FFF2-40B4-BE49-F238E27FC236}">
+                <a16:creationId xmlns:a16="http://schemas.microsoft.com/office/drawing/2014/main" id="{1662735F-2B1F-4D0C-AF2E-7A0BE04E0042}"/>
+              </a:ext>
+            </a:extLst>
+          </p:cNvPr>
+          <p:cNvSpPr>
+            <a:spLocks noGrp="1"/>
+          </p:cNvSpPr>
+          <p:nvPr>
+            <p:ph type="title"/>
+          </p:nvPr>
+        </p:nvSpPr>
+        <p:spPr/>
+        <p:txBody>
+          <a:bodyPr/>
+          <a:lstStyle/>
+          <a:p>
+            <a:r>
+              <a:rPr lang="en-GB" dirty="0"/>
+              <a:t>JSON-based queries – other queries </a:t>
+            </a:r>
+            <a:endParaRPr lang="en-NL" dirty="0"/>
+          </a:p>
+        </p:txBody>
+      </p:sp>
+      <p:sp>
+        <p:nvSpPr>
+          <p:cNvPr id="3" name="Content Placeholder 2">
+            <a:extLst>
+              <a:ext uri="{FF2B5EF4-FFF2-40B4-BE49-F238E27FC236}">
+                <a16:creationId xmlns:a16="http://schemas.microsoft.com/office/drawing/2014/main" id="{6483CDA8-7360-461B-A0CE-5F9ED7C1EF07}"/>
+              </a:ext>
+            </a:extLst>
+          </p:cNvPr>
+          <p:cNvSpPr>
+            <a:spLocks noGrp="1"/>
+          </p:cNvSpPr>
+          <p:nvPr>
+            <p:ph idx="1"/>
+          </p:nvPr>
+        </p:nvSpPr>
+        <p:spPr/>
+        <p:txBody>
+          <a:bodyPr/>
+          <a:lstStyle/>
+          <a:p>
+            <a:r>
+              <a:rPr lang="en-GB" dirty="0"/>
+              <a:t>Geo queries: query on geo points or shapes</a:t>
+            </a:r>
+          </a:p>
+          <a:p>
+            <a:r>
+              <a:rPr lang="en-GB" dirty="0"/>
+              <a:t>Shape queries: query two dimensional shapes</a:t>
+            </a:r>
+          </a:p>
+          <a:p>
+            <a:r>
+              <a:rPr lang="en-GB" dirty="0"/>
+              <a:t>Joining queries: query nested data and parent-child relationships</a:t>
+            </a:r>
+          </a:p>
+          <a:p>
+            <a:r>
+              <a:rPr lang="en-GB" dirty="0"/>
+              <a:t>span queries: low-level positional queries, very specific control over order and proximity of terms</a:t>
+            </a:r>
+          </a:p>
+          <a:p>
+            <a:r>
+              <a:rPr lang="en-GB" dirty="0"/>
+              <a:t>Specialized queries: do not fit in other groups</a:t>
+            </a:r>
+          </a:p>
+          <a:p>
+            <a:endParaRPr lang="en-GB" dirty="0"/>
+          </a:p>
+          <a:p>
+            <a:endParaRPr lang="en-GB" dirty="0"/>
+          </a:p>
+          <a:p>
+            <a:endParaRPr lang="en-GB" dirty="0"/>
+          </a:p>
+          <a:p>
+            <a:endParaRPr lang="en-GB" dirty="0"/>
+          </a:p>
+          <a:p>
+            <a:endParaRPr lang="en-GB" dirty="0"/>
+          </a:p>
+          <a:p>
+            <a:endParaRPr lang="en-GB" dirty="0"/>
+          </a:p>
+          <a:p>
+            <a:r>
+              <a:rPr lang="nl-NL" sz="1100" dirty="0">
+                <a:hlinkClick r:id="rId2"/>
+              </a:rPr>
+              <a:t>https://www.elastic.co/guide/en/elasticsearch/reference/current/query-dsl.html</a:t>
+            </a:r>
+            <a:endParaRPr lang="en-GB" sz="1100" dirty="0"/>
+          </a:p>
+        </p:txBody>
+      </p:sp>
+      <p:sp>
+        <p:nvSpPr>
+          <p:cNvPr id="4" name="Footer Placeholder 3">
+            <a:extLst>
+              <a:ext uri="{FF2B5EF4-FFF2-40B4-BE49-F238E27FC236}">
+                <a16:creationId xmlns:a16="http://schemas.microsoft.com/office/drawing/2014/main" id="{3BFE5A87-9EFF-47B0-BE3A-17205E9C81C9}"/>
+              </a:ext>
+            </a:extLst>
+          </p:cNvPr>
+          <p:cNvSpPr>
+            <a:spLocks noGrp="1"/>
+          </p:cNvSpPr>
+          <p:nvPr>
+            <p:ph type="ftr" sz="quarter" idx="11"/>
+          </p:nvPr>
+        </p:nvSpPr>
+        <p:spPr/>
+        <p:txBody>
+          <a:bodyPr/>
+          <a:lstStyle/>
+          <a:p>
+            <a:r>
+              <a:rPr lang="nl-NL"/>
+              <a:t>elasticsearch</a:t>
+            </a:r>
+          </a:p>
+        </p:txBody>
+      </p:sp>
+      <p:sp>
+        <p:nvSpPr>
+          <p:cNvPr id="5" name="Slide Number Placeholder 4">
+            <a:extLst>
+              <a:ext uri="{FF2B5EF4-FFF2-40B4-BE49-F238E27FC236}">
+                <a16:creationId xmlns:a16="http://schemas.microsoft.com/office/drawing/2014/main" id="{D6997ABD-B758-4682-8D8C-D59BDB019EF1}"/>
+              </a:ext>
+            </a:extLst>
+          </p:cNvPr>
+          <p:cNvSpPr>
+            <a:spLocks noGrp="1"/>
+          </p:cNvSpPr>
+          <p:nvPr>
+            <p:ph type="sldNum" sz="quarter" idx="12"/>
+          </p:nvPr>
+        </p:nvSpPr>
+        <p:spPr/>
+        <p:txBody>
+          <a:bodyPr/>
+          <a:lstStyle/>
+          <a:p>
+            <a:fld id="{14F1411D-0280-154F-AEAC-4C20B7AA46B2}" type="slidenum">
+              <a:rPr lang="nl-NL" smtClean="0"/>
+              <a:t>29</a:t>
+            </a:fld>
+            <a:endParaRPr lang="nl-NL"/>
+          </a:p>
+        </p:txBody>
+      </p:sp>
+    </p:spTree>
+    <p:extLst>
+      <p:ext uri="{BB962C8B-B14F-4D97-AF65-F5344CB8AC3E}">
+        <p14:creationId xmlns:p14="http://schemas.microsoft.com/office/powerpoint/2010/main" val="3384597766"/>
+      </p:ext>
+    </p:extLst>
+  </p:cSld>
+  <p:clrMapOvr>
+    <a:masterClrMapping/>
+  </p:clrMapOvr>
+</p:sld>
+</file>
+
 <file path=ppt/slides/slide3.xml><?xml version="1.0" encoding="utf-8"?>
 <p:sld xmlns:a="http://schemas.openxmlformats.org/drawingml/2006/main" xmlns:r="http://schemas.openxmlformats.org/officeDocument/2006/relationships" xmlns:p="http://schemas.openxmlformats.org/presentationml/2006/main">
   <p:cSld>
@@ -13203,201 +13105,6 @@
           <p:cNvPr id="2" name="Title 1">
             <a:extLst>
               <a:ext uri="{FF2B5EF4-FFF2-40B4-BE49-F238E27FC236}">
-                <a16:creationId xmlns:a16="http://schemas.microsoft.com/office/drawing/2014/main" id="{1662735F-2B1F-4D0C-AF2E-7A0BE04E0042}"/>
-              </a:ext>
-            </a:extLst>
-          </p:cNvPr>
-          <p:cNvSpPr>
-            <a:spLocks noGrp="1"/>
-          </p:cNvSpPr>
-          <p:nvPr>
-            <p:ph type="title"/>
-          </p:nvPr>
-        </p:nvSpPr>
-        <p:spPr/>
-        <p:txBody>
-          <a:bodyPr/>
-          <a:lstStyle/>
-          <a:p>
-            <a:r>
-              <a:rPr lang="en-GB" dirty="0"/>
-              <a:t>JSON-based queries – other queries </a:t>
-            </a:r>
-            <a:endParaRPr lang="en-NL" dirty="0"/>
-          </a:p>
-        </p:txBody>
-      </p:sp>
-      <p:sp>
-        <p:nvSpPr>
-          <p:cNvPr id="3" name="Content Placeholder 2">
-            <a:extLst>
-              <a:ext uri="{FF2B5EF4-FFF2-40B4-BE49-F238E27FC236}">
-                <a16:creationId xmlns:a16="http://schemas.microsoft.com/office/drawing/2014/main" id="{6483CDA8-7360-461B-A0CE-5F9ED7C1EF07}"/>
-              </a:ext>
-            </a:extLst>
-          </p:cNvPr>
-          <p:cNvSpPr>
-            <a:spLocks noGrp="1"/>
-          </p:cNvSpPr>
-          <p:nvPr>
-            <p:ph idx="1"/>
-          </p:nvPr>
-        </p:nvSpPr>
-        <p:spPr/>
-        <p:txBody>
-          <a:bodyPr/>
-          <a:lstStyle/>
-          <a:p>
-            <a:r>
-              <a:rPr lang="en-GB" dirty="0"/>
-              <a:t>Geo queries: query on geo points or shapes</a:t>
-            </a:r>
-          </a:p>
-          <a:p>
-            <a:r>
-              <a:rPr lang="en-GB" dirty="0"/>
-              <a:t>Shape queries: query two dimensional shapes</a:t>
-            </a:r>
-          </a:p>
-          <a:p>
-            <a:r>
-              <a:rPr lang="en-GB" dirty="0"/>
-              <a:t>Joining queries: query nested data and parent-child relationships</a:t>
-            </a:r>
-          </a:p>
-          <a:p>
-            <a:r>
-              <a:rPr lang="en-GB" dirty="0"/>
-              <a:t>span queries: low-level positional queries, very specific control over order and proximity of terms</a:t>
-            </a:r>
-          </a:p>
-          <a:p>
-            <a:r>
-              <a:rPr lang="en-GB" dirty="0"/>
-              <a:t>Specialized queries: do not fit in other groups</a:t>
-            </a:r>
-          </a:p>
-          <a:p>
-            <a:endParaRPr lang="en-GB" dirty="0"/>
-          </a:p>
-          <a:p>
-            <a:endParaRPr lang="en-GB" dirty="0"/>
-          </a:p>
-          <a:p>
-            <a:endParaRPr lang="en-GB" dirty="0"/>
-          </a:p>
-          <a:p>
-            <a:endParaRPr lang="en-GB" dirty="0"/>
-          </a:p>
-          <a:p>
-            <a:endParaRPr lang="en-GB" dirty="0"/>
-          </a:p>
-          <a:p>
-            <a:endParaRPr lang="en-GB" dirty="0"/>
-          </a:p>
-          <a:p>
-            <a:r>
-              <a:rPr lang="nl-NL" sz="1100" dirty="0">
-                <a:hlinkClick r:id="rId2"/>
-              </a:rPr>
-              <a:t>https://www.elastic.co/guide/en/elasticsearch/reference/current/query-dsl.html</a:t>
-            </a:r>
-            <a:endParaRPr lang="en-GB" sz="1100" dirty="0"/>
-          </a:p>
-        </p:txBody>
-      </p:sp>
-      <p:sp>
-        <p:nvSpPr>
-          <p:cNvPr id="4" name="Footer Placeholder 3">
-            <a:extLst>
-              <a:ext uri="{FF2B5EF4-FFF2-40B4-BE49-F238E27FC236}">
-                <a16:creationId xmlns:a16="http://schemas.microsoft.com/office/drawing/2014/main" id="{3BFE5A87-9EFF-47B0-BE3A-17205E9C81C9}"/>
-              </a:ext>
-            </a:extLst>
-          </p:cNvPr>
-          <p:cNvSpPr>
-            <a:spLocks noGrp="1"/>
-          </p:cNvSpPr>
-          <p:nvPr>
-            <p:ph type="ftr" sz="quarter" idx="11"/>
-          </p:nvPr>
-        </p:nvSpPr>
-        <p:spPr/>
-        <p:txBody>
-          <a:bodyPr/>
-          <a:lstStyle/>
-          <a:p>
-            <a:r>
-              <a:rPr lang="nl-NL"/>
-              <a:t>elasticsearch</a:t>
-            </a:r>
-          </a:p>
-        </p:txBody>
-      </p:sp>
-      <p:sp>
-        <p:nvSpPr>
-          <p:cNvPr id="5" name="Slide Number Placeholder 4">
-            <a:extLst>
-              <a:ext uri="{FF2B5EF4-FFF2-40B4-BE49-F238E27FC236}">
-                <a16:creationId xmlns:a16="http://schemas.microsoft.com/office/drawing/2014/main" id="{D6997ABD-B758-4682-8D8C-D59BDB019EF1}"/>
-              </a:ext>
-            </a:extLst>
-          </p:cNvPr>
-          <p:cNvSpPr>
-            <a:spLocks noGrp="1"/>
-          </p:cNvSpPr>
-          <p:nvPr>
-            <p:ph type="sldNum" sz="quarter" idx="12"/>
-          </p:nvPr>
-        </p:nvSpPr>
-        <p:spPr/>
-        <p:txBody>
-          <a:bodyPr/>
-          <a:lstStyle/>
-          <a:p>
-            <a:fld id="{14F1411D-0280-154F-AEAC-4C20B7AA46B2}" type="slidenum">
-              <a:rPr lang="nl-NL" smtClean="0"/>
-              <a:t>30</a:t>
-            </a:fld>
-            <a:endParaRPr lang="nl-NL"/>
-          </a:p>
-        </p:txBody>
-      </p:sp>
-    </p:spTree>
-    <p:extLst>
-      <p:ext uri="{BB962C8B-B14F-4D97-AF65-F5344CB8AC3E}">
-        <p14:creationId xmlns:p14="http://schemas.microsoft.com/office/powerpoint/2010/main" val="3384597766"/>
-      </p:ext>
-    </p:extLst>
-  </p:cSld>
-  <p:clrMapOvr>
-    <a:masterClrMapping/>
-  </p:clrMapOvr>
-</p:sld>
-</file>
-
-<file path=ppt/slides/slide31.xml><?xml version="1.0" encoding="utf-8"?>
-<p:sld xmlns:a="http://schemas.openxmlformats.org/drawingml/2006/main" xmlns:r="http://schemas.openxmlformats.org/officeDocument/2006/relationships" xmlns:p="http://schemas.openxmlformats.org/presentationml/2006/main">
-  <p:cSld>
-    <p:spTree>
-      <p:nvGrpSpPr>
-        <p:cNvPr id="1" name=""/>
-        <p:cNvGrpSpPr/>
-        <p:nvPr/>
-      </p:nvGrpSpPr>
-      <p:grpSpPr>
-        <a:xfrm>
-          <a:off x="0" y="0"/>
-          <a:ext cx="0" cy="0"/>
-          <a:chOff x="0" y="0"/>
-          <a:chExt cx="0" cy="0"/>
-        </a:xfrm>
-      </p:grpSpPr>
-      <p:sp>
-        <p:nvSpPr>
-          <p:cNvPr id="2" name="Title 1">
-            <a:extLst>
-              <a:ext uri="{FF2B5EF4-FFF2-40B4-BE49-F238E27FC236}">
                 <a16:creationId xmlns:a16="http://schemas.microsoft.com/office/drawing/2014/main" id="{59E25428-E79C-49D8-A2C4-6BEF87511F34}"/>
               </a:ext>
             </a:extLst>
@@ -13504,7 +13211,7 @@
           <a:p>
             <a:fld id="{14F1411D-0280-154F-AEAC-4C20B7AA46B2}" type="slidenum">
               <a:rPr lang="nl-NL" smtClean="0"/>
-              <a:t>31</a:t>
+              <a:t>30</a:t>
             </a:fld>
             <a:endParaRPr lang="nl-NL"/>
           </a:p>
@@ -13806,6 +13513,178 @@
 </p:sld>
 </file>
 
+<file path=ppt/slides/slide31.xml><?xml version="1.0" encoding="utf-8"?>
+<p:sld xmlns:a="http://schemas.openxmlformats.org/drawingml/2006/main" xmlns:r="http://schemas.openxmlformats.org/officeDocument/2006/relationships" xmlns:p="http://schemas.openxmlformats.org/presentationml/2006/main">
+  <p:cSld>
+    <p:spTree>
+      <p:nvGrpSpPr>
+        <p:cNvPr id="1" name=""/>
+        <p:cNvGrpSpPr/>
+        <p:nvPr/>
+      </p:nvGrpSpPr>
+      <p:grpSpPr>
+        <a:xfrm>
+          <a:off x="0" y="0"/>
+          <a:ext cx="0" cy="0"/>
+          <a:chOff x="0" y="0"/>
+          <a:chExt cx="0" cy="0"/>
+        </a:xfrm>
+      </p:grpSpPr>
+      <p:sp>
+        <p:nvSpPr>
+          <p:cNvPr id="2" name="Title 1">
+            <a:extLst>
+              <a:ext uri="{FF2B5EF4-FFF2-40B4-BE49-F238E27FC236}">
+                <a16:creationId xmlns:a16="http://schemas.microsoft.com/office/drawing/2014/main" id="{8602A742-0C15-489F-9A77-2ECA0F11429F}"/>
+              </a:ext>
+            </a:extLst>
+          </p:cNvPr>
+          <p:cNvSpPr>
+            <a:spLocks noGrp="1"/>
+          </p:cNvSpPr>
+          <p:nvPr>
+            <p:ph type="title"/>
+          </p:nvPr>
+        </p:nvSpPr>
+        <p:spPr/>
+        <p:txBody>
+          <a:bodyPr/>
+          <a:lstStyle/>
+          <a:p>
+            <a:r>
+              <a:rPr lang="en-GB" dirty="0"/>
+              <a:t>Scoring</a:t>
+            </a:r>
+            <a:endParaRPr lang="en-NL" dirty="0"/>
+          </a:p>
+        </p:txBody>
+      </p:sp>
+      <p:sp>
+        <p:nvSpPr>
+          <p:cNvPr id="3" name="Content Placeholder 2">
+            <a:extLst>
+              <a:ext uri="{FF2B5EF4-FFF2-40B4-BE49-F238E27FC236}">
+                <a16:creationId xmlns:a16="http://schemas.microsoft.com/office/drawing/2014/main" id="{6D38AB44-3548-461E-8441-ECD089D829F1}"/>
+              </a:ext>
+            </a:extLst>
+          </p:cNvPr>
+          <p:cNvSpPr>
+            <a:spLocks noGrp="1"/>
+          </p:cNvSpPr>
+          <p:nvPr>
+            <p:ph idx="1"/>
+          </p:nvPr>
+        </p:nvSpPr>
+        <p:spPr/>
+        <p:txBody>
+          <a:bodyPr/>
+          <a:lstStyle/>
+          <a:p>
+            <a:r>
+              <a:rPr lang="en-GB" dirty="0"/>
+              <a:t>The score indicates the relevance of a result</a:t>
+            </a:r>
+          </a:p>
+          <a:p>
+            <a:r>
+              <a:rPr lang="en-GB" dirty="0"/>
+              <a:t>Default scoring: how often a term occurs in the document (term frequency or TF) compared to how often it occurs in all documents (inverse document frequency or IDF)</a:t>
+            </a:r>
+          </a:p>
+          <a:p>
+            <a:r>
+              <a:rPr lang="en-GB" dirty="0"/>
+              <a:t>Can use other scoring method for whole cluster or for just one field</a:t>
+            </a:r>
+          </a:p>
+          <a:p>
+            <a:endParaRPr lang="en-GB" dirty="0"/>
+          </a:p>
+          <a:p>
+            <a:r>
+              <a:rPr lang="en-GB" dirty="0"/>
+              <a:t>Rescoring: resource intensive scoring calculations</a:t>
+            </a:r>
+          </a:p>
+          <a:p>
+            <a:pPr lvl="1"/>
+            <a:r>
+              <a:rPr lang="en-GB" dirty="0"/>
+              <a:t>Only applied to top results, after initial scoring is done</a:t>
+            </a:r>
+          </a:p>
+        </p:txBody>
+      </p:sp>
+      <p:sp>
+        <p:nvSpPr>
+          <p:cNvPr id="4" name="Footer Placeholder 3">
+            <a:extLst>
+              <a:ext uri="{FF2B5EF4-FFF2-40B4-BE49-F238E27FC236}">
+                <a16:creationId xmlns:a16="http://schemas.microsoft.com/office/drawing/2014/main" id="{91853CB0-BCD0-4B16-9D4D-9ECAA1C9E561}"/>
+              </a:ext>
+            </a:extLst>
+          </p:cNvPr>
+          <p:cNvSpPr>
+            <a:spLocks noGrp="1"/>
+          </p:cNvSpPr>
+          <p:nvPr>
+            <p:ph type="ftr" sz="quarter" idx="11"/>
+          </p:nvPr>
+        </p:nvSpPr>
+        <p:spPr/>
+        <p:txBody>
+          <a:bodyPr/>
+          <a:lstStyle/>
+          <a:p>
+            <a:r>
+              <a:rPr lang="nl-NL"/>
+              <a:t>elasticsearch</a:t>
+            </a:r>
+          </a:p>
+        </p:txBody>
+      </p:sp>
+      <p:sp>
+        <p:nvSpPr>
+          <p:cNvPr id="5" name="Slide Number Placeholder 4">
+            <a:extLst>
+              <a:ext uri="{FF2B5EF4-FFF2-40B4-BE49-F238E27FC236}">
+                <a16:creationId xmlns:a16="http://schemas.microsoft.com/office/drawing/2014/main" id="{1ED320EF-EAEE-489F-A386-BA38AB71ECE2}"/>
+              </a:ext>
+            </a:extLst>
+          </p:cNvPr>
+          <p:cNvSpPr>
+            <a:spLocks noGrp="1"/>
+          </p:cNvSpPr>
+          <p:nvPr>
+            <p:ph type="sldNum" sz="quarter" idx="12"/>
+          </p:nvPr>
+        </p:nvSpPr>
+        <p:spPr/>
+        <p:txBody>
+          <a:bodyPr/>
+          <a:lstStyle/>
+          <a:p>
+            <a:fld id="{14F1411D-0280-154F-AEAC-4C20B7AA46B2}" type="slidenum">
+              <a:rPr lang="nl-NL" smtClean="0"/>
+              <a:t>31</a:t>
+            </a:fld>
+            <a:endParaRPr lang="nl-NL"/>
+          </a:p>
+        </p:txBody>
+      </p:sp>
+    </p:spTree>
+    <p:extLst>
+      <p:ext uri="{BB962C8B-B14F-4D97-AF65-F5344CB8AC3E}">
+        <p14:creationId xmlns:p14="http://schemas.microsoft.com/office/powerpoint/2010/main" val="2815328155"/>
+      </p:ext>
+    </p:extLst>
+  </p:cSld>
+  <p:clrMapOvr>
+    <a:masterClrMapping/>
+  </p:clrMapOvr>
+</p:sld>
+</file>
+
 <file path=ppt/slides/slide32.xml><?xml version="1.0" encoding="utf-8"?>
 <p:sld xmlns:a="http://schemas.openxmlformats.org/drawingml/2006/main" xmlns:r="http://schemas.openxmlformats.org/officeDocument/2006/relationships" xmlns:p="http://schemas.openxmlformats.org/presentationml/2006/main">
   <p:cSld>
@@ -13828,7 +13707,7 @@
           <p:cNvPr id="2" name="Title 1">
             <a:extLst>
               <a:ext uri="{FF2B5EF4-FFF2-40B4-BE49-F238E27FC236}">
-                <a16:creationId xmlns:a16="http://schemas.microsoft.com/office/drawing/2014/main" id="{8602A742-0C15-489F-9A77-2ECA0F11429F}"/>
+                <a16:creationId xmlns:a16="http://schemas.microsoft.com/office/drawing/2014/main" id="{0C661C5B-F171-4F19-B641-29A0C774C0EA}"/>
               </a:ext>
             </a:extLst>
           </p:cNvPr>
@@ -13846,7 +13725,7 @@
           <a:p>
             <a:r>
               <a:rPr lang="en-GB" dirty="0"/>
-              <a:t>Scoring</a:t>
+              <a:t>Boosting(1)</a:t>
             </a:r>
             <a:endParaRPr lang="en-NL" dirty="0"/>
           </a:p>
@@ -13857,7 +13736,7 @@
           <p:cNvPr id="3" name="Content Placeholder 2">
             <a:extLst>
               <a:ext uri="{FF2B5EF4-FFF2-40B4-BE49-F238E27FC236}">
-                <a16:creationId xmlns:a16="http://schemas.microsoft.com/office/drawing/2014/main" id="{6D38AB44-3548-461E-8441-ECD089D829F1}"/>
+                <a16:creationId xmlns:a16="http://schemas.microsoft.com/office/drawing/2014/main" id="{025E9466-CE9D-445D-AC79-0BE72AF44377}"/>
               </a:ext>
             </a:extLst>
           </p:cNvPr>
@@ -13875,36 +13754,65 @@
           <a:p>
             <a:r>
               <a:rPr lang="en-GB" dirty="0"/>
-              <a:t>The score indicates the relevance of a result</a:t>
+              <a:t>Boosting: change relevance (score) of documents</a:t>
+            </a:r>
+          </a:p>
+          <a:p>
+            <a:pPr lvl="1"/>
+            <a:r>
+              <a:rPr lang="en-GB" sz="1400" dirty="0"/>
+              <a:t>When indexing (deprecated): can only be altered by re-indexing </a:t>
+            </a:r>
+          </a:p>
+          <a:p>
+            <a:pPr lvl="1"/>
+            <a:r>
+              <a:rPr lang="en-GB" sz="1400" dirty="0"/>
+              <a:t>When querying</a:t>
             </a:r>
           </a:p>
           <a:p>
             <a:r>
               <a:rPr lang="en-GB" dirty="0"/>
-              <a:t>Default scoring: how often a term occurs in the document (term frequency or TF) compared to how often it occurs in all documents (inverse document frequency or IDF)</a:t>
+              <a:t>Boosting is relative</a:t>
             </a:r>
           </a:p>
           <a:p>
             <a:r>
               <a:rPr lang="en-GB" dirty="0"/>
-              <a:t>Can use other scoring method for whole cluster or for just one field</a:t>
-            </a:r>
-          </a:p>
-          <a:p>
-            <a:endParaRPr lang="en-GB" dirty="0"/>
-          </a:p>
-          <a:p>
-            <a:r>
-              <a:rPr lang="en-GB" dirty="0"/>
-              <a:t>Rescoring: resource intensive scoring calculations</a:t>
+              <a:t>By adding </a:t>
+            </a:r>
+            <a:r>
+              <a:rPr lang="nl-NL" dirty="0"/>
+              <a:t>“explain”: true to a query an _explanation is added to the result where the TF and IDF and boosting factors can be found</a:t>
             </a:r>
           </a:p>
           <a:p>
             <a:pPr lvl="1"/>
             <a:r>
-              <a:rPr lang="en-GB" dirty="0"/>
-              <a:t>Only applied to top results, after initial scoring is done</a:t>
-            </a:r>
+              <a:rPr lang="nl-NL" sz="1400" dirty="0"/>
+              <a:t>Resource intensive, use only for debugging</a:t>
+            </a:r>
+          </a:p>
+          <a:p>
+            <a:endParaRPr lang="nl-NL" dirty="0"/>
+          </a:p>
+          <a:p>
+            <a:r>
+              <a:rPr lang="nl-NL" dirty="0"/>
+              <a:t>Can be done in most term-level and full-text queries and all compound queries</a:t>
+            </a:r>
+          </a:p>
+          <a:p>
+            <a:pPr lvl="1"/>
+            <a:r>
+              <a:rPr lang="nl-NL" sz="1400" dirty="0"/>
+              <a:t>Only relevant when combining queries or searching multiple fields</a:t>
+            </a:r>
+            <a:endParaRPr lang="en-GB" sz="1400" dirty="0"/>
+          </a:p>
+          <a:p>
+            <a:endParaRPr lang="en-NL" dirty="0"/>
           </a:p>
         </p:txBody>
       </p:sp>
@@ -13913,7 +13821,7 @@
           <p:cNvPr id="4" name="Footer Placeholder 3">
             <a:extLst>
               <a:ext uri="{FF2B5EF4-FFF2-40B4-BE49-F238E27FC236}">
-                <a16:creationId xmlns:a16="http://schemas.microsoft.com/office/drawing/2014/main" id="{91853CB0-BCD0-4B16-9D4D-9ECAA1C9E561}"/>
+                <a16:creationId xmlns:a16="http://schemas.microsoft.com/office/drawing/2014/main" id="{3F21F476-6764-4B0D-8AB6-FBFF16A8E2B1}"/>
               </a:ext>
             </a:extLst>
           </p:cNvPr>
@@ -13941,7 +13849,7 @@
           <p:cNvPr id="5" name="Slide Number Placeholder 4">
             <a:extLst>
               <a:ext uri="{FF2B5EF4-FFF2-40B4-BE49-F238E27FC236}">
-                <a16:creationId xmlns:a16="http://schemas.microsoft.com/office/drawing/2014/main" id="{1ED320EF-EAEE-489F-A386-BA38AB71ECE2}"/>
+                <a16:creationId xmlns:a16="http://schemas.microsoft.com/office/drawing/2014/main" id="{356553CF-D343-4477-9A21-25B90ECD052F}"/>
               </a:ext>
             </a:extLst>
           </p:cNvPr>
@@ -13968,7 +13876,7 @@
     </p:spTree>
     <p:extLst>
       <p:ext uri="{BB962C8B-B14F-4D97-AF65-F5344CB8AC3E}">
-        <p14:creationId xmlns:p14="http://schemas.microsoft.com/office/powerpoint/2010/main" val="2815328155"/>
+        <p14:creationId xmlns:p14="http://schemas.microsoft.com/office/powerpoint/2010/main" val="2772075307"/>
       </p:ext>
     </p:extLst>
   </p:cSld>
@@ -14000,7 +13908,7 @@
           <p:cNvPr id="2" name="Title 1">
             <a:extLst>
               <a:ext uri="{FF2B5EF4-FFF2-40B4-BE49-F238E27FC236}">
-                <a16:creationId xmlns:a16="http://schemas.microsoft.com/office/drawing/2014/main" id="{0C661C5B-F171-4F19-B641-29A0C774C0EA}"/>
+                <a16:creationId xmlns:a16="http://schemas.microsoft.com/office/drawing/2014/main" id="{55A1B8A9-4134-4893-B9C3-DBC4CA9A639C}"/>
               </a:ext>
             </a:extLst>
           </p:cNvPr>
@@ -14018,103 +13926,49 @@
           <a:p>
             <a:r>
               <a:rPr lang="en-GB" dirty="0"/>
-              <a:t>Boosting(1)</a:t>
+              <a:t>Boosting(2)</a:t>
             </a:r>
             <a:endParaRPr lang="en-NL" dirty="0"/>
           </a:p>
         </p:txBody>
       </p:sp>
-      <p:sp>
-        <p:nvSpPr>
-          <p:cNvPr id="3" name="Content Placeholder 2">
+      <p:pic>
+        <p:nvPicPr>
+          <p:cNvPr id="7" name="Content Placeholder 6">
             <a:extLst>
               <a:ext uri="{FF2B5EF4-FFF2-40B4-BE49-F238E27FC236}">
-                <a16:creationId xmlns:a16="http://schemas.microsoft.com/office/drawing/2014/main" id="{025E9466-CE9D-445D-AC79-0BE72AF44377}"/>
+                <a16:creationId xmlns:a16="http://schemas.microsoft.com/office/drawing/2014/main" id="{9F6A3342-4366-416A-A010-A71799ADF02A}"/>
+              </a:ext>
+              <a:ext uri="{C183D7F6-B498-43B3-948B-1728B52AA6E4}">
+                <adec:decorative xmlns:adec="http://schemas.microsoft.com/office/drawing/2017/decorative" val="1"/>
               </a:ext>
             </a:extLst>
           </p:cNvPr>
-          <p:cNvSpPr>
-            <a:spLocks noGrp="1"/>
-          </p:cNvSpPr>
+          <p:cNvPicPr>
+            <a:picLocks noGrp="1" noChangeAspect="1"/>
+          </p:cNvPicPr>
           <p:nvPr>
             <p:ph idx="1"/>
           </p:nvPr>
-        </p:nvSpPr>
-        <p:spPr/>
-        <p:txBody>
-          <a:bodyPr/>
-          <a:lstStyle/>
-          <a:p>
-            <a:r>
-              <a:rPr lang="en-GB" dirty="0"/>
-              <a:t>Boosting: change relevance (score) of documents</a:t>
-            </a:r>
-          </a:p>
-          <a:p>
-            <a:pPr lvl="1"/>
-            <a:r>
-              <a:rPr lang="en-GB" sz="1400" dirty="0"/>
-              <a:t>When indexing (deprecated): can only be altered by re-indexing </a:t>
-            </a:r>
-          </a:p>
-          <a:p>
-            <a:pPr lvl="1"/>
-            <a:r>
-              <a:rPr lang="en-GB" sz="1400" dirty="0"/>
-              <a:t>When querying</a:t>
-            </a:r>
-          </a:p>
-          <a:p>
-            <a:r>
-              <a:rPr lang="en-GB" dirty="0"/>
-              <a:t>Boosting is relative</a:t>
-            </a:r>
-          </a:p>
-          <a:p>
-            <a:r>
-              <a:rPr lang="en-GB" dirty="0"/>
-              <a:t>By adding </a:t>
-            </a:r>
-            <a:r>
-              <a:rPr lang="nl-NL" dirty="0"/>
-              <a:t>“explain”: true to a query an _explanation is added to the result where the TF and IDF and boosting factors can be found</a:t>
-            </a:r>
-          </a:p>
-          <a:p>
-            <a:pPr lvl="1"/>
-            <a:r>
-              <a:rPr lang="nl-NL" sz="1400" dirty="0"/>
-              <a:t>Resource intensive, use only for debugging</a:t>
-            </a:r>
-          </a:p>
-          <a:p>
-            <a:endParaRPr lang="nl-NL" dirty="0"/>
-          </a:p>
-          <a:p>
-            <a:r>
-              <a:rPr lang="nl-NL" dirty="0"/>
-              <a:t>Can be done in most term-level and full-text queries and all compound queries</a:t>
-            </a:r>
-          </a:p>
-          <a:p>
-            <a:pPr lvl="1"/>
-            <a:r>
-              <a:rPr lang="nl-NL" sz="1400" dirty="0"/>
-              <a:t>Only relevant when combining queries or searching multiple fields</a:t>
-            </a:r>
-            <a:endParaRPr lang="en-GB" sz="1400" dirty="0"/>
-          </a:p>
-          <a:p>
-            <a:endParaRPr lang="en-NL" dirty="0"/>
-          </a:p>
-        </p:txBody>
-      </p:sp>
+        </p:nvPicPr>
+        <p:blipFill rotWithShape="1">
+          <a:blip r:embed="rId2"/>
+          <a:srcRect t="3330" r="24450" b="2670"/>
+          <a:stretch/>
+        </p:blipFill>
+        <p:spPr>
+          <a:xfrm>
+            <a:off x="719999" y="975360"/>
+            <a:ext cx="4454352" cy="3553098"/>
+          </a:xfrm>
+        </p:spPr>
+      </p:pic>
       <p:sp>
         <p:nvSpPr>
           <p:cNvPr id="4" name="Footer Placeholder 3">
             <a:extLst>
               <a:ext uri="{FF2B5EF4-FFF2-40B4-BE49-F238E27FC236}">
-                <a16:creationId xmlns:a16="http://schemas.microsoft.com/office/drawing/2014/main" id="{3F21F476-6764-4B0D-8AB6-FBFF16A8E2B1}"/>
+                <a16:creationId xmlns:a16="http://schemas.microsoft.com/office/drawing/2014/main" id="{2BF3F9E7-7E86-444B-A68A-F81792B95DFF}"/>
               </a:ext>
             </a:extLst>
           </p:cNvPr>
@@ -14142,7 +13996,7 @@
           <p:cNvPr id="5" name="Slide Number Placeholder 4">
             <a:extLst>
               <a:ext uri="{FF2B5EF4-FFF2-40B4-BE49-F238E27FC236}">
-                <a16:creationId xmlns:a16="http://schemas.microsoft.com/office/drawing/2014/main" id="{356553CF-D343-4477-9A21-25B90ECD052F}"/>
+                <a16:creationId xmlns:a16="http://schemas.microsoft.com/office/drawing/2014/main" id="{4AD1042B-6ED7-46E1-858B-6E374DFF8BEF}"/>
               </a:ext>
             </a:extLst>
           </p:cNvPr>
@@ -14169,7 +14023,7 @@
     </p:spTree>
     <p:extLst>
       <p:ext uri="{BB962C8B-B14F-4D97-AF65-F5344CB8AC3E}">
-        <p14:creationId xmlns:p14="http://schemas.microsoft.com/office/powerpoint/2010/main" val="2772075307"/>
+        <p14:creationId xmlns:p14="http://schemas.microsoft.com/office/powerpoint/2010/main" val="4294700896"/>
       </p:ext>
     </p:extLst>
   </p:cSld>
@@ -14201,7 +14055,7 @@
           <p:cNvPr id="2" name="Title 1">
             <a:extLst>
               <a:ext uri="{FF2B5EF4-FFF2-40B4-BE49-F238E27FC236}">
-                <a16:creationId xmlns:a16="http://schemas.microsoft.com/office/drawing/2014/main" id="{55A1B8A9-4134-4893-B9C3-DBC4CA9A639C}"/>
+                <a16:creationId xmlns:a16="http://schemas.microsoft.com/office/drawing/2014/main" id="{2F06F964-04B2-41AD-BD1A-F7ECBD43EA37}"/>
               </a:ext>
             </a:extLst>
           </p:cNvPr>
@@ -14219,49 +14073,121 @@
           <a:p>
             <a:r>
               <a:rPr lang="en-GB" dirty="0"/>
-              <a:t>Boosting(2)</a:t>
+              <a:t>Aggregations(1)</a:t>
             </a:r>
             <a:endParaRPr lang="en-NL" dirty="0"/>
           </a:p>
         </p:txBody>
       </p:sp>
-      <p:pic>
-        <p:nvPicPr>
-          <p:cNvPr id="7" name="Content Placeholder 6">
+      <p:sp>
+        <p:nvSpPr>
+          <p:cNvPr id="3" name="Content Placeholder 2">
             <a:extLst>
               <a:ext uri="{FF2B5EF4-FFF2-40B4-BE49-F238E27FC236}">
-                <a16:creationId xmlns:a16="http://schemas.microsoft.com/office/drawing/2014/main" id="{9F6A3342-4366-416A-A010-A71799ADF02A}"/>
-              </a:ext>
-              <a:ext uri="{C183D7F6-B498-43B3-948B-1728B52AA6E4}">
-                <adec:decorative xmlns:adec="http://schemas.microsoft.com/office/drawing/2017/decorative" val="1"/>
+                <a16:creationId xmlns:a16="http://schemas.microsoft.com/office/drawing/2014/main" id="{EAFEB3ED-D6D2-4CCC-AF40-D782A21E6F2B}"/>
               </a:ext>
             </a:extLst>
           </p:cNvPr>
-          <p:cNvPicPr>
-            <a:picLocks noGrp="1" noChangeAspect="1"/>
-          </p:cNvPicPr>
+          <p:cNvSpPr>
+            <a:spLocks noGrp="1"/>
+          </p:cNvSpPr>
           <p:nvPr>
             <p:ph idx="1"/>
           </p:nvPr>
-        </p:nvPicPr>
-        <p:blipFill rotWithShape="1">
-          <a:blip r:embed="rId2"/>
-          <a:srcRect t="3330" r="24450" b="2670"/>
-          <a:stretch/>
-        </p:blipFill>
+        </p:nvSpPr>
         <p:spPr>
           <a:xfrm>
-            <a:off x="719999" y="975360"/>
-            <a:ext cx="4454352" cy="3553098"/>
+            <a:off x="720004" y="936000"/>
+            <a:ext cx="6797620" cy="3780000"/>
           </a:xfrm>
         </p:spPr>
-      </p:pic>
+        <p:txBody>
+          <a:bodyPr/>
+          <a:lstStyle/>
+          <a:p>
+            <a:r>
+              <a:rPr lang="en-GB" dirty="0"/>
+              <a:t>4 basic types:</a:t>
+            </a:r>
+          </a:p>
+          <a:p>
+            <a:pPr lvl="1"/>
+            <a:r>
+              <a:rPr lang="en-GB" sz="1400" dirty="0"/>
+              <a:t>Bucket: define document sets based on criteria</a:t>
+            </a:r>
+          </a:p>
+          <a:p>
+            <a:pPr lvl="1"/>
+            <a:r>
+              <a:rPr lang="en-GB" sz="1400" dirty="0"/>
+              <a:t>Metrics: compute metrics on values extracted from documents</a:t>
+            </a:r>
+          </a:p>
+          <a:p>
+            <a:pPr lvl="1"/>
+            <a:r>
+              <a:rPr lang="en-GB" sz="1400" dirty="0"/>
+              <a:t>Matrix: operate on multiple fields and produce a matrix result (experimental)</a:t>
+            </a:r>
+          </a:p>
+          <a:p>
+            <a:pPr lvl="1"/>
+            <a:r>
+              <a:rPr lang="en-GB" sz="1400" dirty="0"/>
+              <a:t>Pipeline: work on the output of other aggregations</a:t>
+            </a:r>
+          </a:p>
+          <a:p>
+            <a:pPr lvl="1"/>
+            <a:endParaRPr lang="en-GB" sz="1400" dirty="0"/>
+          </a:p>
+          <a:p>
+            <a:pPr lvl="1"/>
+            <a:endParaRPr lang="en-GB" dirty="0"/>
+          </a:p>
+          <a:p>
+            <a:pPr lvl="1"/>
+            <a:endParaRPr lang="en-GB" dirty="0"/>
+          </a:p>
+          <a:p>
+            <a:r>
+              <a:rPr lang="en-GB" dirty="0"/>
+              <a:t>Values used for aggregations can be extracted by setting a field key or by defining a script to generate the values</a:t>
+            </a:r>
+          </a:p>
+          <a:p>
+            <a:endParaRPr lang="en-GB" sz="1100" dirty="0"/>
+          </a:p>
+          <a:p>
+            <a:endParaRPr lang="en-GB" sz="1100" dirty="0"/>
+          </a:p>
+          <a:p>
+            <a:endParaRPr lang="en-GB" sz="1100" dirty="0"/>
+          </a:p>
+          <a:p>
+            <a:endParaRPr lang="en-GB" sz="1100" dirty="0"/>
+          </a:p>
+          <a:p>
+            <a:r>
+              <a:rPr lang="nl-NL" sz="1100" dirty="0">
+                <a:hlinkClick r:id="rId2"/>
+              </a:rPr>
+              <a:t>https://www.elastic.co/guide/en/elasticsearch/reference/current/search-aggregations.html</a:t>
+            </a:r>
+            <a:endParaRPr lang="en-GB" sz="1100" dirty="0"/>
+          </a:p>
+          <a:p>
+            <a:endParaRPr lang="en-GB" dirty="0"/>
+          </a:p>
+        </p:txBody>
+      </p:sp>
       <p:sp>
         <p:nvSpPr>
           <p:cNvPr id="4" name="Footer Placeholder 3">
             <a:extLst>
               <a:ext uri="{FF2B5EF4-FFF2-40B4-BE49-F238E27FC236}">
-                <a16:creationId xmlns:a16="http://schemas.microsoft.com/office/drawing/2014/main" id="{2BF3F9E7-7E86-444B-A68A-F81792B95DFF}"/>
+                <a16:creationId xmlns:a16="http://schemas.microsoft.com/office/drawing/2014/main" id="{A30C2C35-F1BF-47B6-9712-0AF4EF22AA5A}"/>
               </a:ext>
             </a:extLst>
           </p:cNvPr>
@@ -14289,7 +14215,7 @@
           <p:cNvPr id="5" name="Slide Number Placeholder 4">
             <a:extLst>
               <a:ext uri="{FF2B5EF4-FFF2-40B4-BE49-F238E27FC236}">
-                <a16:creationId xmlns:a16="http://schemas.microsoft.com/office/drawing/2014/main" id="{4AD1042B-6ED7-46E1-858B-6E374DFF8BEF}"/>
+                <a16:creationId xmlns:a16="http://schemas.microsoft.com/office/drawing/2014/main" id="{A971CDCA-E400-4541-B4FD-C23721843BEC}"/>
               </a:ext>
             </a:extLst>
           </p:cNvPr>
@@ -14316,7 +14242,7 @@
     </p:spTree>
     <p:extLst>
       <p:ext uri="{BB962C8B-B14F-4D97-AF65-F5344CB8AC3E}">
-        <p14:creationId xmlns:p14="http://schemas.microsoft.com/office/powerpoint/2010/main" val="4294700896"/>
+        <p14:creationId xmlns:p14="http://schemas.microsoft.com/office/powerpoint/2010/main" val="2422738930"/>
       </p:ext>
     </p:extLst>
   </p:cSld>
@@ -14348,225 +14274,6 @@
           <p:cNvPr id="2" name="Title 1">
             <a:extLst>
               <a:ext uri="{FF2B5EF4-FFF2-40B4-BE49-F238E27FC236}">
-                <a16:creationId xmlns:a16="http://schemas.microsoft.com/office/drawing/2014/main" id="{2F06F964-04B2-41AD-BD1A-F7ECBD43EA37}"/>
-              </a:ext>
-            </a:extLst>
-          </p:cNvPr>
-          <p:cNvSpPr>
-            <a:spLocks noGrp="1"/>
-          </p:cNvSpPr>
-          <p:nvPr>
-            <p:ph type="title"/>
-          </p:nvPr>
-        </p:nvSpPr>
-        <p:spPr/>
-        <p:txBody>
-          <a:bodyPr/>
-          <a:lstStyle/>
-          <a:p>
-            <a:r>
-              <a:rPr lang="en-GB" dirty="0"/>
-              <a:t>Aggregations(1)</a:t>
-            </a:r>
-            <a:endParaRPr lang="en-NL" dirty="0"/>
-          </a:p>
-        </p:txBody>
-      </p:sp>
-      <p:sp>
-        <p:nvSpPr>
-          <p:cNvPr id="3" name="Content Placeholder 2">
-            <a:extLst>
-              <a:ext uri="{FF2B5EF4-FFF2-40B4-BE49-F238E27FC236}">
-                <a16:creationId xmlns:a16="http://schemas.microsoft.com/office/drawing/2014/main" id="{EAFEB3ED-D6D2-4CCC-AF40-D782A21E6F2B}"/>
-              </a:ext>
-            </a:extLst>
-          </p:cNvPr>
-          <p:cNvSpPr>
-            <a:spLocks noGrp="1"/>
-          </p:cNvSpPr>
-          <p:nvPr>
-            <p:ph idx="1"/>
-          </p:nvPr>
-        </p:nvSpPr>
-        <p:spPr>
-          <a:xfrm>
-            <a:off x="720004" y="936000"/>
-            <a:ext cx="6797620" cy="3780000"/>
-          </a:xfrm>
-        </p:spPr>
-        <p:txBody>
-          <a:bodyPr/>
-          <a:lstStyle/>
-          <a:p>
-            <a:r>
-              <a:rPr lang="en-GB" dirty="0"/>
-              <a:t>4 basic types:</a:t>
-            </a:r>
-          </a:p>
-          <a:p>
-            <a:pPr lvl="1"/>
-            <a:r>
-              <a:rPr lang="en-GB" sz="1400" dirty="0"/>
-              <a:t>Bucket: define document sets based on criteria</a:t>
-            </a:r>
-          </a:p>
-          <a:p>
-            <a:pPr lvl="1"/>
-            <a:r>
-              <a:rPr lang="en-GB" sz="1400" dirty="0"/>
-              <a:t>Metrics: compute metrics on values extracted from documents</a:t>
-            </a:r>
-          </a:p>
-          <a:p>
-            <a:pPr lvl="1"/>
-            <a:r>
-              <a:rPr lang="en-GB" sz="1400" dirty="0"/>
-              <a:t>Matrix: operate on multiple fields and produce a matrix result (experimental)</a:t>
-            </a:r>
-          </a:p>
-          <a:p>
-            <a:pPr lvl="1"/>
-            <a:r>
-              <a:rPr lang="en-GB" sz="1400" dirty="0"/>
-              <a:t>Pipeline: work on the output of other aggregations</a:t>
-            </a:r>
-          </a:p>
-          <a:p>
-            <a:pPr lvl="1"/>
-            <a:endParaRPr lang="en-GB" sz="1400" dirty="0"/>
-          </a:p>
-          <a:p>
-            <a:pPr lvl="1"/>
-            <a:endParaRPr lang="en-GB" dirty="0"/>
-          </a:p>
-          <a:p>
-            <a:pPr lvl="1"/>
-            <a:endParaRPr lang="en-GB" dirty="0"/>
-          </a:p>
-          <a:p>
-            <a:r>
-              <a:rPr lang="en-GB" dirty="0"/>
-              <a:t>Values used for aggregations can be extracted by setting a field key or by defining a script to generate the values</a:t>
-            </a:r>
-          </a:p>
-          <a:p>
-            <a:endParaRPr lang="en-GB" sz="1100" dirty="0"/>
-          </a:p>
-          <a:p>
-            <a:endParaRPr lang="en-GB" sz="1100" dirty="0"/>
-          </a:p>
-          <a:p>
-            <a:endParaRPr lang="en-GB" sz="1100" dirty="0"/>
-          </a:p>
-          <a:p>
-            <a:endParaRPr lang="en-GB" sz="1100" dirty="0"/>
-          </a:p>
-          <a:p>
-            <a:r>
-              <a:rPr lang="nl-NL" sz="1100" dirty="0">
-                <a:hlinkClick r:id="rId2"/>
-              </a:rPr>
-              <a:t>https://www.elastic.co/guide/en/elasticsearch/reference/current/search-aggregations.html</a:t>
-            </a:r>
-            <a:endParaRPr lang="en-GB" sz="1100" dirty="0"/>
-          </a:p>
-          <a:p>
-            <a:endParaRPr lang="en-GB" dirty="0"/>
-          </a:p>
-        </p:txBody>
-      </p:sp>
-      <p:sp>
-        <p:nvSpPr>
-          <p:cNvPr id="4" name="Footer Placeholder 3">
-            <a:extLst>
-              <a:ext uri="{FF2B5EF4-FFF2-40B4-BE49-F238E27FC236}">
-                <a16:creationId xmlns:a16="http://schemas.microsoft.com/office/drawing/2014/main" id="{A30C2C35-F1BF-47B6-9712-0AF4EF22AA5A}"/>
-              </a:ext>
-            </a:extLst>
-          </p:cNvPr>
-          <p:cNvSpPr>
-            <a:spLocks noGrp="1"/>
-          </p:cNvSpPr>
-          <p:nvPr>
-            <p:ph type="ftr" sz="quarter" idx="11"/>
-          </p:nvPr>
-        </p:nvSpPr>
-        <p:spPr/>
-        <p:txBody>
-          <a:bodyPr/>
-          <a:lstStyle/>
-          <a:p>
-            <a:r>
-              <a:rPr lang="nl-NL"/>
-              <a:t>elasticsearch</a:t>
-            </a:r>
-          </a:p>
-        </p:txBody>
-      </p:sp>
-      <p:sp>
-        <p:nvSpPr>
-          <p:cNvPr id="5" name="Slide Number Placeholder 4">
-            <a:extLst>
-              <a:ext uri="{FF2B5EF4-FFF2-40B4-BE49-F238E27FC236}">
-                <a16:creationId xmlns:a16="http://schemas.microsoft.com/office/drawing/2014/main" id="{A971CDCA-E400-4541-B4FD-C23721843BEC}"/>
-              </a:ext>
-            </a:extLst>
-          </p:cNvPr>
-          <p:cNvSpPr>
-            <a:spLocks noGrp="1"/>
-          </p:cNvSpPr>
-          <p:nvPr>
-            <p:ph type="sldNum" sz="quarter" idx="12"/>
-          </p:nvPr>
-        </p:nvSpPr>
-        <p:spPr/>
-        <p:txBody>
-          <a:bodyPr/>
-          <a:lstStyle/>
-          <a:p>
-            <a:fld id="{14F1411D-0280-154F-AEAC-4C20B7AA46B2}" type="slidenum">
-              <a:rPr lang="nl-NL" smtClean="0"/>
-              <a:t>35</a:t>
-            </a:fld>
-            <a:endParaRPr lang="nl-NL"/>
-          </a:p>
-        </p:txBody>
-      </p:sp>
-    </p:spTree>
-    <p:extLst>
-      <p:ext uri="{BB962C8B-B14F-4D97-AF65-F5344CB8AC3E}">
-        <p14:creationId xmlns:p14="http://schemas.microsoft.com/office/powerpoint/2010/main" val="2422738930"/>
-      </p:ext>
-    </p:extLst>
-  </p:cSld>
-  <p:clrMapOvr>
-    <a:masterClrMapping/>
-  </p:clrMapOvr>
-</p:sld>
-</file>
-
-<file path=ppt/slides/slide36.xml><?xml version="1.0" encoding="utf-8"?>
-<p:sld xmlns:a="http://schemas.openxmlformats.org/drawingml/2006/main" xmlns:r="http://schemas.openxmlformats.org/officeDocument/2006/relationships" xmlns:p="http://schemas.openxmlformats.org/presentationml/2006/main">
-  <p:cSld>
-    <p:spTree>
-      <p:nvGrpSpPr>
-        <p:cNvPr id="1" name=""/>
-        <p:cNvGrpSpPr/>
-        <p:nvPr/>
-      </p:nvGrpSpPr>
-      <p:grpSpPr>
-        <a:xfrm>
-          <a:off x="0" y="0"/>
-          <a:ext cx="0" cy="0"/>
-          <a:chOff x="0" y="0"/>
-          <a:chExt cx="0" cy="0"/>
-        </a:xfrm>
-      </p:grpSpPr>
-      <p:sp>
-        <p:nvSpPr>
-          <p:cNvPr id="2" name="Title 1">
-            <a:extLst>
-              <a:ext uri="{FF2B5EF4-FFF2-40B4-BE49-F238E27FC236}">
                 <a16:creationId xmlns:a16="http://schemas.microsoft.com/office/drawing/2014/main" id="{0FBBD13C-9B5E-4189-9E78-238477EC36AB}"/>
               </a:ext>
             </a:extLst>
@@ -14754,7 +14461,7 @@
           <a:p>
             <a:fld id="{14F1411D-0280-154F-AEAC-4C20B7AA46B2}" type="slidenum">
               <a:rPr lang="nl-NL" smtClean="0"/>
-              <a:t>36</a:t>
+              <a:t>35</a:t>
             </a:fld>
             <a:endParaRPr lang="nl-NL"/>
           </a:p>
@@ -14802,7 +14509,7 @@
 </p:sld>
 </file>
 
-<file path=ppt/slides/slide37.xml><?xml version="1.0" encoding="utf-8"?>
+<file path=ppt/slides/slide36.xml><?xml version="1.0" encoding="utf-8"?>
 <p:sld xmlns:a="http://schemas.openxmlformats.org/drawingml/2006/main" xmlns:r="http://schemas.openxmlformats.org/officeDocument/2006/relationships" xmlns:p="http://schemas.openxmlformats.org/presentationml/2006/main">
   <p:cSld>
     <p:spTree>
@@ -14985,7 +14692,7 @@
           <a:p>
             <a:fld id="{14F1411D-0280-154F-AEAC-4C20B7AA46B2}" type="slidenum">
               <a:rPr lang="nl-NL" smtClean="0"/>
-              <a:t>37</a:t>
+              <a:t>36</a:t>
             </a:fld>
             <a:endParaRPr lang="nl-NL"/>
           </a:p>
@@ -15062,7 +14769,7 @@
 </p:sld>
 </file>
 
-<file path=ppt/slides/slide38.xml><?xml version="1.0" encoding="utf-8"?>
+<file path=ppt/slides/slide37.xml><?xml version="1.0" encoding="utf-8"?>
 <p:sld xmlns:a="http://schemas.openxmlformats.org/drawingml/2006/main" xmlns:r="http://schemas.openxmlformats.org/officeDocument/2006/relationships" xmlns:p="http://schemas.openxmlformats.org/presentationml/2006/main">
   <p:cSld>
     <p:spTree>
@@ -15241,7 +14948,7 @@
           <a:p>
             <a:fld id="{14F1411D-0280-154F-AEAC-4C20B7AA46B2}" type="slidenum">
               <a:rPr lang="nl-NL" smtClean="0"/>
-              <a:t>38</a:t>
+              <a:t>37</a:t>
             </a:fld>
             <a:endParaRPr lang="nl-NL"/>
           </a:p>
@@ -15318,7 +15025,7 @@
 </p:sld>
 </file>
 
-<file path=ppt/slides/slide39.xml><?xml version="1.0" encoding="utf-8"?>
+<file path=ppt/slides/slide38.xml><?xml version="1.0" encoding="utf-8"?>
 <p:sld xmlns:a="http://schemas.openxmlformats.org/drawingml/2006/main" xmlns:r="http://schemas.openxmlformats.org/officeDocument/2006/relationships" xmlns:p="http://schemas.openxmlformats.org/presentationml/2006/main">
   <p:cSld>
     <p:spTree>
@@ -15506,7 +15213,7 @@
           <a:p>
             <a:fld id="{14F1411D-0280-154F-AEAC-4C20B7AA46B2}" type="slidenum">
               <a:rPr lang="nl-NL" smtClean="0"/>
-              <a:t>39</a:t>
+              <a:t>38</a:t>
             </a:fld>
             <a:endParaRPr lang="nl-NL"/>
           </a:p>
@@ -15656,6 +15363,243 @@
 </p:sld>
 </file>
 
+<file path=ppt/slides/slide39.xml><?xml version="1.0" encoding="utf-8"?>
+<p:sld xmlns:a="http://schemas.openxmlformats.org/drawingml/2006/main" xmlns:r="http://schemas.openxmlformats.org/officeDocument/2006/relationships" xmlns:p="http://schemas.openxmlformats.org/presentationml/2006/main">
+  <p:cSld>
+    <p:spTree>
+      <p:nvGrpSpPr>
+        <p:cNvPr id="1" name=""/>
+        <p:cNvGrpSpPr/>
+        <p:nvPr/>
+      </p:nvGrpSpPr>
+      <p:grpSpPr>
+        <a:xfrm>
+          <a:off x="0" y="0"/>
+          <a:ext cx="0" cy="0"/>
+          <a:chOff x="0" y="0"/>
+          <a:chExt cx="0" cy="0"/>
+        </a:xfrm>
+      </p:grpSpPr>
+      <p:sp>
+        <p:nvSpPr>
+          <p:cNvPr id="2" name="Title 1"/>
+          <p:cNvSpPr>
+            <a:spLocks noGrp="1"/>
+          </p:cNvSpPr>
+          <p:nvPr>
+            <p:ph type="title"/>
+          </p:nvPr>
+        </p:nvSpPr>
+        <p:spPr/>
+        <p:txBody>
+          <a:bodyPr/>
+          <a:lstStyle/>
+          <a:p>
+            <a:r>
+              <a:rPr lang="nl-NL" dirty="0"/>
+              <a:t>Hands-on (19:00 -20:00)</a:t>
+            </a:r>
+          </a:p>
+        </p:txBody>
+      </p:sp>
+      <p:sp>
+        <p:nvSpPr>
+          <p:cNvPr id="3" name="Content Placeholder 2"/>
+          <p:cNvSpPr>
+            <a:spLocks noGrp="1"/>
+          </p:cNvSpPr>
+          <p:nvPr>
+            <p:ph idx="1"/>
+          </p:nvPr>
+        </p:nvSpPr>
+        <p:spPr/>
+        <p:txBody>
+          <a:bodyPr/>
+          <a:lstStyle/>
+          <a:p>
+            <a:r>
+              <a:rPr lang="nl-NL" dirty="0">
+                <a:hlinkClick r:id="rId2">
+                  <a:extLst>
+                    <a:ext uri="{A12FA001-AC4F-418D-AE19-62706E023703}">
+                      <ahyp:hlinkClr xmlns:ahyp="http://schemas.microsoft.com/office/drawing/2018/hyperlinkcolor" val="tx"/>
+                    </a:ext>
+                  </a:extLst>
+                </a:hlinkClick>
+              </a:rPr>
+              <a:t>https://github.com/AMIS-Services/sig-elasticsearch-may2020</a:t>
+            </a:r>
+            <a:endParaRPr lang="nl-NL" dirty="0"/>
+          </a:p>
+          <a:p>
+            <a:endParaRPr lang="nl-NL" dirty="0"/>
+          </a:p>
+          <a:p>
+            <a:r>
+              <a:rPr lang="nl-NL" dirty="0"/>
+              <a:t>Running elasticsearch in docker</a:t>
+            </a:r>
+          </a:p>
+          <a:p>
+            <a:r>
+              <a:rPr lang="nl-NL" dirty="0"/>
+              <a:t>Use of recipes data from </a:t>
+            </a:r>
+            <a:r>
+              <a:rPr lang="nl-NL" dirty="0">
+                <a:hlinkClick r:id="rId3">
+                  <a:extLst>
+                    <a:ext uri="{A12FA001-AC4F-418D-AE19-62706E023703}">
+                      <ahyp:hlinkClr xmlns:ahyp="http://schemas.microsoft.com/office/drawing/2018/hyperlinkcolor" val="tx"/>
+                    </a:ext>
+                  </a:extLst>
+                </a:hlinkClick>
+              </a:rPr>
+              <a:t>https://openrecip.es/</a:t>
+            </a:r>
+            <a:endParaRPr lang="nl-NL" dirty="0"/>
+          </a:p>
+          <a:p>
+            <a:endParaRPr lang="nl-NL" dirty="0"/>
+          </a:p>
+          <a:p>
+            <a:r>
+              <a:rPr lang="nl-NL" dirty="0"/>
+              <a:t>Topics:</a:t>
+            </a:r>
+          </a:p>
+          <a:p>
+            <a:pPr lvl="1"/>
+            <a:r>
+              <a:rPr lang="en-US" sz="1400" dirty="0"/>
+              <a:t>Cluster info and Indexing</a:t>
+            </a:r>
+          </a:p>
+          <a:p>
+            <a:pPr lvl="1"/>
+            <a:r>
+              <a:rPr lang="en-US" sz="1400" dirty="0"/>
+              <a:t>Queries and aggregations</a:t>
+            </a:r>
+          </a:p>
+          <a:p>
+            <a:pPr lvl="1"/>
+            <a:r>
+              <a:rPr lang="en-US" sz="1400" dirty="0"/>
+              <a:t>Connecting to </a:t>
+            </a:r>
+            <a:r>
+              <a:rPr lang="en-US" sz="1400" dirty="0" err="1"/>
+              <a:t>ElasticSearch</a:t>
+            </a:r>
+            <a:r>
+              <a:rPr lang="en-US" sz="1400" dirty="0"/>
+              <a:t> with Node.js</a:t>
+            </a:r>
+          </a:p>
+          <a:p>
+            <a:pPr lvl="1"/>
+            <a:r>
+              <a:rPr lang="en-US" sz="1400" dirty="0"/>
+              <a:t>Connecting to </a:t>
+            </a:r>
+            <a:r>
+              <a:rPr lang="en-US" sz="1400" dirty="0" err="1"/>
+              <a:t>ElasticSearch</a:t>
+            </a:r>
+            <a:r>
+              <a:rPr lang="en-US" sz="1400" dirty="0"/>
+              <a:t> with spring</a:t>
+            </a:r>
+          </a:p>
+          <a:p>
+            <a:endParaRPr lang="nl-NL" dirty="0"/>
+          </a:p>
+        </p:txBody>
+      </p:sp>
+      <p:sp>
+        <p:nvSpPr>
+          <p:cNvPr id="4" name="Footer Placeholder 3"/>
+          <p:cNvSpPr>
+            <a:spLocks noGrp="1"/>
+          </p:cNvSpPr>
+          <p:nvPr>
+            <p:ph type="ftr" sz="quarter" idx="11"/>
+          </p:nvPr>
+        </p:nvSpPr>
+        <p:spPr/>
+        <p:txBody>
+          <a:bodyPr/>
+          <a:lstStyle/>
+          <a:p>
+            <a:r>
+              <a:rPr lang="nl-NL"/>
+              <a:t>elasticsearch</a:t>
+            </a:r>
+          </a:p>
+        </p:txBody>
+      </p:sp>
+      <p:sp>
+        <p:nvSpPr>
+          <p:cNvPr id="5" name="Slide Number Placeholder 4"/>
+          <p:cNvSpPr>
+            <a:spLocks noGrp="1"/>
+          </p:cNvSpPr>
+          <p:nvPr>
+            <p:ph type="sldNum" sz="quarter" idx="12"/>
+          </p:nvPr>
+        </p:nvSpPr>
+        <p:spPr/>
+        <p:txBody>
+          <a:bodyPr/>
+          <a:lstStyle/>
+          <a:p>
+            <a:fld id="{14F1411D-0280-154F-AEAC-4C20B7AA46B2}" type="slidenum">
+              <a:rPr lang="nl-NL" smtClean="0"/>
+              <a:t>39</a:t>
+            </a:fld>
+            <a:endParaRPr lang="nl-NL"/>
+          </a:p>
+        </p:txBody>
+      </p:sp>
+      <p:pic>
+        <p:nvPicPr>
+          <p:cNvPr id="9" name="Picture Placeholder 8"/>
+          <p:cNvPicPr>
+            <a:picLocks noGrp="1" noChangeAspect="1"/>
+          </p:cNvPicPr>
+          <p:nvPr>
+            <p:ph type="pic" idx="13"/>
+          </p:nvPr>
+        </p:nvPicPr>
+        <p:blipFill>
+          <a:blip r:embed="rId4">
+            <a:extLst>
+              <a:ext uri="{28A0092B-C50C-407E-A947-70E740481C1C}">
+                <a14:useLocalDpi xmlns:a14="http://schemas.microsoft.com/office/drawing/2010/main" val="0"/>
+              </a:ext>
+            </a:extLst>
+          </a:blip>
+          <a:srcRect t="1" b="1"/>
+          <a:stretch>
+            <a:fillRect/>
+          </a:stretch>
+        </p:blipFill>
+        <p:spPr/>
+      </p:pic>
+    </p:spTree>
+    <p:extLst>
+      <p:ext uri="{BB962C8B-B14F-4D97-AF65-F5344CB8AC3E}">
+        <p14:creationId xmlns:p14="http://schemas.microsoft.com/office/powerpoint/2010/main" val="235565209"/>
+      </p:ext>
+    </p:extLst>
+  </p:cSld>
+  <p:clrMapOvr>
+    <a:masterClrMapping/>
+  </p:clrMapOvr>
+</p:sld>
+</file>
+
 <file path=ppt/slides/slide4.xml><?xml version="1.0" encoding="utf-8"?>
 <p:sld xmlns:a="http://schemas.openxmlformats.org/drawingml/2006/main" xmlns:r="http://schemas.openxmlformats.org/officeDocument/2006/relationships" xmlns:p="http://schemas.openxmlformats.org/presentationml/2006/main">
   <p:cSld>
@@ -16087,144 +16031,7 @@
       </p:grpSpPr>
       <p:sp>
         <p:nvSpPr>
-          <p:cNvPr id="2" name="Title 1"/>
-          <p:cNvSpPr>
-            <a:spLocks noGrp="1"/>
-          </p:cNvSpPr>
-          <p:nvPr>
-            <p:ph type="title"/>
-          </p:nvPr>
-        </p:nvSpPr>
-        <p:spPr/>
-        <p:txBody>
-          <a:bodyPr/>
-          <a:lstStyle/>
-          <a:p>
-            <a:r>
-              <a:rPr lang="nl-NL" dirty="0"/>
-              <a:t>Hands-on (19:00 -20:00)</a:t>
-            </a:r>
-          </a:p>
-        </p:txBody>
-      </p:sp>
-      <p:sp>
-        <p:nvSpPr>
-          <p:cNvPr id="3" name="Content Placeholder 2"/>
-          <p:cNvSpPr>
-            <a:spLocks noGrp="1"/>
-          </p:cNvSpPr>
-          <p:nvPr>
-            <p:ph idx="1"/>
-          </p:nvPr>
-        </p:nvSpPr>
-        <p:spPr/>
-        <p:txBody>
-          <a:bodyPr/>
-          <a:lstStyle/>
-          <a:p>
-            <a:r>
-              <a:rPr lang="nl-NL" dirty="0">
-                <a:hlinkClick r:id="rId2">
-                  <a:extLst>
-                    <a:ext uri="{A12FA001-AC4F-418D-AE19-62706E023703}">
-                      <ahyp:hlinkClr xmlns:ahyp="http://schemas.microsoft.com/office/drawing/2018/hyperlinkcolor" val="tx"/>
-                    </a:ext>
-                  </a:extLst>
-                </a:hlinkClick>
-              </a:rPr>
-              <a:t>https://github.com/AMIS-Services/sig-elasticsearch-may2020</a:t>
-            </a:r>
-            <a:endParaRPr lang="nl-NL" dirty="0"/>
-          </a:p>
-          <a:p>
-            <a:endParaRPr lang="nl-NL" dirty="0"/>
-          </a:p>
-          <a:p>
-            <a:r>
-              <a:rPr lang="nl-NL" dirty="0"/>
-              <a:t>Running elasticsearch in docker</a:t>
-            </a:r>
-          </a:p>
-          <a:p>
-            <a:r>
-              <a:rPr lang="nl-NL" dirty="0"/>
-              <a:t>Use of recipes data from </a:t>
-            </a:r>
-            <a:r>
-              <a:rPr lang="nl-NL" dirty="0">
-                <a:hlinkClick r:id="rId3">
-                  <a:extLst>
-                    <a:ext uri="{A12FA001-AC4F-418D-AE19-62706E023703}">
-                      <ahyp:hlinkClr xmlns:ahyp="http://schemas.microsoft.com/office/drawing/2018/hyperlinkcolor" val="tx"/>
-                    </a:ext>
-                  </a:extLst>
-                </a:hlinkClick>
-              </a:rPr>
-              <a:t>https://openrecip.es/</a:t>
-            </a:r>
-            <a:endParaRPr lang="nl-NL" dirty="0"/>
-          </a:p>
-          <a:p>
-            <a:endParaRPr lang="nl-NL" dirty="0"/>
-          </a:p>
-          <a:p>
-            <a:r>
-              <a:rPr lang="nl-NL" dirty="0"/>
-              <a:t>Topics:</a:t>
-            </a:r>
-          </a:p>
-          <a:p>
-            <a:pPr lvl="1"/>
-            <a:r>
-              <a:rPr lang="en-US" sz="1400" dirty="0"/>
-              <a:t>Cluster info and Indexing</a:t>
-            </a:r>
-          </a:p>
-          <a:p>
-            <a:pPr lvl="1"/>
-            <a:r>
-              <a:rPr lang="en-US" sz="1400" dirty="0"/>
-              <a:t>Queries and aggregations</a:t>
-            </a:r>
-          </a:p>
-          <a:p>
-            <a:pPr lvl="1"/>
-            <a:r>
-              <a:rPr lang="en-US" sz="1400" dirty="0"/>
-              <a:t>Connecting to </a:t>
-            </a:r>
-            <a:r>
-              <a:rPr lang="en-US" sz="1400" dirty="0" err="1"/>
-              <a:t>ElasticSearch</a:t>
-            </a:r>
-            <a:r>
-              <a:rPr lang="en-US" sz="1400" dirty="0"/>
-              <a:t> with Node.js</a:t>
-            </a:r>
-          </a:p>
-          <a:p>
-            <a:pPr lvl="1"/>
-            <a:r>
-              <a:rPr lang="en-US" sz="1400" dirty="0"/>
-              <a:t>Connecting to </a:t>
-            </a:r>
-            <a:r>
-              <a:rPr lang="en-US" sz="1400" dirty="0" err="1"/>
-              <a:t>ElasticSearch</a:t>
-            </a:r>
-            <a:r>
-              <a:rPr lang="en-US" sz="1400" dirty="0"/>
-              <a:t> with spring</a:t>
-            </a:r>
-          </a:p>
-          <a:p>
-            <a:endParaRPr lang="nl-NL" dirty="0"/>
-          </a:p>
-        </p:txBody>
-      </p:sp>
-      <p:sp>
-        <p:nvSpPr>
-          <p:cNvPr id="4" name="Footer Placeholder 3"/>
+          <p:cNvPr id="2" name="Footer Placeholder 1"/>
           <p:cNvSpPr>
             <a:spLocks noGrp="1"/>
           </p:cNvSpPr>
@@ -16246,7 +16053,7 @@
       </p:sp>
       <p:sp>
         <p:nvSpPr>
-          <p:cNvPr id="5" name="Slide Number Placeholder 4"/>
+          <p:cNvPr id="3" name="Slide Number Placeholder 2"/>
           <p:cNvSpPr>
             <a:spLocks noGrp="1"/>
           </p:cNvSpPr>
@@ -16262,106 +16069,6 @@
             <a:fld id="{14F1411D-0280-154F-AEAC-4C20B7AA46B2}" type="slidenum">
               <a:rPr lang="nl-NL" smtClean="0"/>
               <a:t>40</a:t>
-            </a:fld>
-            <a:endParaRPr lang="nl-NL"/>
-          </a:p>
-        </p:txBody>
-      </p:sp>
-      <p:pic>
-        <p:nvPicPr>
-          <p:cNvPr id="9" name="Picture Placeholder 8"/>
-          <p:cNvPicPr>
-            <a:picLocks noGrp="1" noChangeAspect="1"/>
-          </p:cNvPicPr>
-          <p:nvPr>
-            <p:ph type="pic" idx="13"/>
-          </p:nvPr>
-        </p:nvPicPr>
-        <p:blipFill>
-          <a:blip r:embed="rId4">
-            <a:extLst>
-              <a:ext uri="{28A0092B-C50C-407E-A947-70E740481C1C}">
-                <a14:useLocalDpi xmlns:a14="http://schemas.microsoft.com/office/drawing/2010/main" val="0"/>
-              </a:ext>
-            </a:extLst>
-          </a:blip>
-          <a:srcRect t="1" b="1"/>
-          <a:stretch>
-            <a:fillRect/>
-          </a:stretch>
-        </p:blipFill>
-        <p:spPr/>
-      </p:pic>
-    </p:spTree>
-    <p:extLst>
-      <p:ext uri="{BB962C8B-B14F-4D97-AF65-F5344CB8AC3E}">
-        <p14:creationId xmlns:p14="http://schemas.microsoft.com/office/powerpoint/2010/main" val="235565209"/>
-      </p:ext>
-    </p:extLst>
-  </p:cSld>
-  <p:clrMapOvr>
-    <a:masterClrMapping/>
-  </p:clrMapOvr>
-</p:sld>
-</file>
-
-<file path=ppt/slides/slide41.xml><?xml version="1.0" encoding="utf-8"?>
-<p:sld xmlns:a="http://schemas.openxmlformats.org/drawingml/2006/main" xmlns:r="http://schemas.openxmlformats.org/officeDocument/2006/relationships" xmlns:p="http://schemas.openxmlformats.org/presentationml/2006/main">
-  <p:cSld>
-    <p:spTree>
-      <p:nvGrpSpPr>
-        <p:cNvPr id="1" name=""/>
-        <p:cNvGrpSpPr/>
-        <p:nvPr/>
-      </p:nvGrpSpPr>
-      <p:grpSpPr>
-        <a:xfrm>
-          <a:off x="0" y="0"/>
-          <a:ext cx="0" cy="0"/>
-          <a:chOff x="0" y="0"/>
-          <a:chExt cx="0" cy="0"/>
-        </a:xfrm>
-      </p:grpSpPr>
-      <p:sp>
-        <p:nvSpPr>
-          <p:cNvPr id="2" name="Footer Placeholder 1"/>
-          <p:cNvSpPr>
-            <a:spLocks noGrp="1"/>
-          </p:cNvSpPr>
-          <p:nvPr>
-            <p:ph type="ftr" sz="quarter" idx="11"/>
-          </p:nvPr>
-        </p:nvSpPr>
-        <p:spPr/>
-        <p:txBody>
-          <a:bodyPr/>
-          <a:lstStyle/>
-          <a:p>
-            <a:r>
-              <a:rPr lang="nl-NL"/>
-              <a:t>elasticsearch</a:t>
-            </a:r>
-          </a:p>
-        </p:txBody>
-      </p:sp>
-      <p:sp>
-        <p:nvSpPr>
-          <p:cNvPr id="3" name="Slide Number Placeholder 2"/>
-          <p:cNvSpPr>
-            <a:spLocks noGrp="1"/>
-          </p:cNvSpPr>
-          <p:nvPr>
-            <p:ph type="sldNum" sz="quarter" idx="12"/>
-          </p:nvPr>
-        </p:nvSpPr>
-        <p:spPr/>
-        <p:txBody>
-          <a:bodyPr/>
-          <a:lstStyle/>
-          <a:p>
-            <a:fld id="{14F1411D-0280-154F-AEAC-4C20B7AA46B2}" type="slidenum">
-              <a:rPr lang="nl-NL" smtClean="0"/>
-              <a:t>41</a:t>
             </a:fld>
             <a:endParaRPr lang="nl-NL"/>
           </a:p>
@@ -16956,13 +16663,13 @@
           <a:p>
             <a:r>
               <a:rPr lang="nl-NL" dirty="0"/>
+              <a:t>Index is divided into shards</a:t>
+            </a:r>
+          </a:p>
+          <a:p>
+            <a:r>
+              <a:rPr lang="nl-NL" dirty="0"/>
               <a:t>Settings such as refresh interval, number of shards, number of replica’s</a:t>
-            </a:r>
-          </a:p>
-          <a:p>
-            <a:r>
-              <a:rPr lang="nl-NL" dirty="0"/>
-              <a:t>Index is divided into shards</a:t>
             </a:r>
           </a:p>
           <a:p>
@@ -17065,7 +16772,7 @@
           <a:p>
             <a:r>
               <a:rPr lang="nl-NL" dirty="0"/>
-              <a:t>Types (deprecated)</a:t>
+              <a:t>Index Mapping</a:t>
             </a:r>
           </a:p>
         </p:txBody>
@@ -17092,26 +16799,66 @@
           <a:p>
             <a:r>
               <a:rPr lang="nl-NL" dirty="0"/>
-              <a:t>Container of documents</a:t>
+              <a:t>Definition of how a document and the field it contains are stored and indexed.</a:t>
             </a:r>
           </a:p>
           <a:p>
             <a:r>
               <a:rPr lang="nl-NL" dirty="0"/>
-              <a:t>Index mapping</a:t>
-            </a:r>
-          </a:p>
-          <a:p>
-            <a:r>
-              <a:rPr lang="nl-NL" dirty="0"/>
-              <a:t>Settings such as refresh interval, number of shards, number of replica’s</a:t>
-            </a:r>
-          </a:p>
-          <a:p>
-            <a:r>
-              <a:rPr lang="nl-NL" dirty="0"/>
-              <a:t>Index is divided into shards</a:t>
-            </a:r>
+              <a:t>Types:</a:t>
+            </a:r>
+          </a:p>
+          <a:p>
+            <a:pPr lvl="1"/>
+            <a:r>
+              <a:rPr lang="en-US" dirty="0"/>
+              <a:t>text, keyword, date, long, double, </a:t>
+            </a:r>
+            <a:r>
+              <a:rPr lang="en-US" dirty="0" err="1"/>
+              <a:t>boolean</a:t>
+            </a:r>
+            <a:r>
+              <a:rPr lang="en-US" dirty="0"/>
+              <a:t>, </a:t>
+            </a:r>
+            <a:r>
+              <a:rPr lang="en-US" dirty="0" err="1"/>
+              <a:t>ip</a:t>
+            </a:r>
+            <a:r>
+              <a:rPr lang="en-US" dirty="0"/>
+              <a:t>.</a:t>
+            </a:r>
+          </a:p>
+          <a:p>
+            <a:pPr lvl="1"/>
+            <a:r>
+              <a:rPr lang="en-US" dirty="0"/>
+              <a:t>hierarchical JSON such as object or nested.</a:t>
+            </a:r>
+          </a:p>
+          <a:p>
+            <a:r>
+              <a:rPr lang="en-US" dirty="0"/>
+              <a:t>Inserted documents are not restricted to those fields only</a:t>
+            </a:r>
+          </a:p>
+          <a:p>
+            <a:r>
+              <a:rPr lang="en-US" dirty="0"/>
+              <a:t>Existing mappings can be extended</a:t>
+            </a:r>
+          </a:p>
+          <a:p>
+            <a:r>
+              <a:rPr lang="en-US" dirty="0"/>
+              <a:t>Types can’t be changed</a:t>
+            </a:r>
+            <a:endParaRPr lang="nl-NL" dirty="0"/>
+          </a:p>
+          <a:p>
+            <a:endParaRPr lang="nl-NL" dirty="0"/>
           </a:p>
         </p:txBody>
       </p:sp>
@@ -17163,7 +16910,7 @@
     </p:spTree>
     <p:extLst>
       <p:ext uri="{BB962C8B-B14F-4D97-AF65-F5344CB8AC3E}">
-        <p14:creationId xmlns:p14="http://schemas.microsoft.com/office/powerpoint/2010/main" val="4239904538"/>
+        <p14:creationId xmlns:p14="http://schemas.microsoft.com/office/powerpoint/2010/main" val="3363803786"/>
       </p:ext>
     </p:extLst>
   </p:cSld>
@@ -17192,6 +16939,80 @@
       </p:grpSpPr>
       <p:sp>
         <p:nvSpPr>
+          <p:cNvPr id="4" name="Footer Placeholder 3"/>
+          <p:cNvSpPr>
+            <a:spLocks noGrp="1"/>
+          </p:cNvSpPr>
+          <p:nvPr>
+            <p:ph type="ftr" sz="quarter" idx="11"/>
+          </p:nvPr>
+        </p:nvSpPr>
+        <p:spPr>
+          <a:xfrm>
+            <a:off x="4968000" y="5004000"/>
+            <a:ext cx="3240000" cy="108000"/>
+          </a:xfrm>
+        </p:spPr>
+        <p:txBody>
+          <a:bodyPr anchor="t">
+            <a:normAutofit/>
+          </a:bodyPr>
+          <a:lstStyle/>
+          <a:p>
+            <a:pPr>
+              <a:spcAft>
+                <a:spcPts val="600"/>
+              </a:spcAft>
+            </a:pPr>
+            <a:r>
+              <a:rPr lang="nl-NL"/>
+              <a:t>elasticsearch</a:t>
+            </a:r>
+          </a:p>
+        </p:txBody>
+      </p:sp>
+      <p:sp>
+        <p:nvSpPr>
+          <p:cNvPr id="5" name="Slide Number Placeholder 4"/>
+          <p:cNvSpPr>
+            <a:spLocks noGrp="1"/>
+          </p:cNvSpPr>
+          <p:nvPr>
+            <p:ph type="sldNum" sz="quarter" idx="12"/>
+          </p:nvPr>
+        </p:nvSpPr>
+        <p:spPr>
+          <a:xfrm>
+            <a:off x="8280000" y="5004000"/>
+            <a:ext cx="144000" cy="108000"/>
+          </a:xfrm>
+        </p:spPr>
+        <p:txBody>
+          <a:bodyPr anchor="t">
+            <a:normAutofit/>
+          </a:bodyPr>
+          <a:lstStyle/>
+          <a:p>
+            <a:pPr>
+              <a:spcAft>
+                <a:spcPts val="600"/>
+              </a:spcAft>
+            </a:pPr>
+            <a:fld id="{14F1411D-0280-154F-AEAC-4C20B7AA46B2}" type="slidenum">
+              <a:rPr lang="nl-NL" smtClean="0"/>
+              <a:pPr>
+                <a:spcAft>
+                  <a:spcPts val="600"/>
+                </a:spcAft>
+              </a:pPr>
+              <a:t>9</a:t>
+            </a:fld>
+            <a:endParaRPr lang="nl-NL"/>
+          </a:p>
+        </p:txBody>
+      </p:sp>
+      <p:sp>
+        <p:nvSpPr>
           <p:cNvPr id="2" name="Title 1"/>
           <p:cNvSpPr>
             <a:spLocks noGrp="1"/>
@@ -17200,21 +17021,34 @@
             <p:ph type="title"/>
           </p:nvPr>
         </p:nvSpPr>
-        <p:spPr/>
-        <p:txBody>
-          <a:bodyPr/>
+        <p:spPr>
+          <a:xfrm>
+            <a:off x="719999" y="288000"/>
+            <a:ext cx="6624000" cy="504000"/>
+          </a:xfrm>
+        </p:spPr>
+        <p:txBody>
+          <a:bodyPr anchor="ctr">
+            <a:normAutofit/>
+          </a:bodyPr>
           <a:lstStyle/>
           <a:p>
             <a:r>
               <a:rPr lang="nl-NL" dirty="0"/>
-              <a:t>Index Mapping</a:t>
-            </a:r>
-          </a:p>
-        </p:txBody>
-      </p:sp>
-      <p:sp>
-        <p:nvSpPr>
-          <p:cNvPr id="3" name="Content Placeholder 2"/>
+              <a:t>Cluster</a:t>
+            </a:r>
+          </a:p>
+        </p:txBody>
+      </p:sp>
+      <p:sp>
+        <p:nvSpPr>
+          <p:cNvPr id="10" name="Content Placeholder 4">
+            <a:extLst>
+              <a:ext uri="{FF2B5EF4-FFF2-40B4-BE49-F238E27FC236}">
+                <a16:creationId xmlns:a16="http://schemas.microsoft.com/office/drawing/2014/main" id="{ED1053C5-A906-4812-9B6C-F7E2547B0A7F}"/>
+              </a:ext>
+            </a:extLst>
+          </p:cNvPr>
           <p:cNvSpPr>
             <a:spLocks noGrp="1"/>
           </p:cNvSpPr>
@@ -17225,7 +17059,7 @@
         <p:spPr>
           <a:xfrm>
             <a:off x="720003" y="1224000"/>
-            <a:ext cx="6623999" cy="3491999"/>
+            <a:ext cx="3744993" cy="3491999"/>
           </a:xfrm>
         </p:spPr>
         <p:txBody>
@@ -17233,119 +17067,90 @@
           <a:lstStyle/>
           <a:p>
             <a:r>
-              <a:rPr lang="nl-NL" dirty="0"/>
-              <a:t>Definition of how a document and the field it contains are stored and indexed.</a:t>
-            </a:r>
-          </a:p>
-          <a:p>
-            <a:r>
-              <a:rPr lang="nl-NL" dirty="0"/>
-              <a:t>Types:</a:t>
+              <a:rPr lang="en-US" dirty="0"/>
+              <a:t>Elastic Search always runs in a cluster</a:t>
+            </a:r>
+          </a:p>
+          <a:p>
+            <a:r>
+              <a:rPr lang="en-US" dirty="0"/>
+              <a:t>Cluster is a group of nodes having the same </a:t>
+            </a:r>
+            <a:r>
+              <a:rPr lang="en-US" i="1" dirty="0">
+                <a:latin typeface="Tahoma" panose="020B0604030504040204" pitchFamily="34" charset="0"/>
+                <a:ea typeface="Tahoma" panose="020B0604030504040204" pitchFamily="34" charset="0"/>
+                <a:cs typeface="Tahoma" panose="020B0604030504040204" pitchFamily="34" charset="0"/>
+              </a:rPr>
+              <a:t>cluster.name </a:t>
+            </a:r>
+            <a:r>
+              <a:rPr lang="en-US" dirty="0"/>
+              <a:t>attribute</a:t>
+            </a:r>
+          </a:p>
+          <a:p>
+            <a:r>
+              <a:rPr lang="en-US" dirty="0"/>
+              <a:t>Nodes can be added to/removed from a cluster</a:t>
+            </a:r>
+          </a:p>
+          <a:p>
+            <a:endParaRPr lang="en-US" dirty="0"/>
+          </a:p>
+          <a:p>
+            <a:r>
+              <a:rPr lang="en-US" dirty="0"/>
+              <a:t>Example:</a:t>
             </a:r>
           </a:p>
           <a:p>
             <a:pPr lvl="1"/>
             <a:r>
               <a:rPr lang="en-US" dirty="0"/>
-              <a:t>text, keyword, date, long, double, </a:t>
-            </a:r>
-            <a:r>
-              <a:rPr lang="en-US" dirty="0" err="1"/>
-              <a:t>boolean</a:t>
-            </a:r>
-            <a:r>
-              <a:rPr lang="en-US" dirty="0"/>
-              <a:t>, </a:t>
-            </a:r>
-            <a:r>
-              <a:rPr lang="en-US" dirty="0" err="1"/>
-              <a:t>ip</a:t>
-            </a:r>
-            <a:r>
-              <a:rPr lang="en-US" dirty="0"/>
-              <a:t>.</a:t>
-            </a:r>
-          </a:p>
-          <a:p>
-            <a:pPr lvl="1"/>
-            <a:r>
-              <a:rPr lang="en-US" dirty="0"/>
-              <a:t>hierarchical JSON such as object or nested.</a:t>
-            </a:r>
-          </a:p>
-          <a:p>
-            <a:r>
-              <a:rPr lang="en-US" dirty="0"/>
-              <a:t>Inserted documents are not restricted to those fields only</a:t>
-            </a:r>
-          </a:p>
-          <a:p>
-            <a:r>
-              <a:rPr lang="en-US" dirty="0"/>
-              <a:t>Existing mappings can be extended</a:t>
-            </a:r>
-          </a:p>
-          <a:p>
-            <a:r>
-              <a:rPr lang="en-US" dirty="0"/>
-              <a:t>Types can’t be changed</a:t>
-            </a:r>
-            <a:endParaRPr lang="nl-NL" dirty="0"/>
-          </a:p>
-          <a:p>
-            <a:endParaRPr lang="nl-NL" dirty="0"/>
-          </a:p>
-        </p:txBody>
-      </p:sp>
-      <p:sp>
-        <p:nvSpPr>
-          <p:cNvPr id="4" name="Footer Placeholder 3"/>
-          <p:cNvSpPr>
-            <a:spLocks noGrp="1"/>
-          </p:cNvSpPr>
-          <p:nvPr>
-            <p:ph type="ftr" sz="quarter" idx="11"/>
-          </p:nvPr>
-        </p:nvSpPr>
-        <p:spPr/>
-        <p:txBody>
-          <a:bodyPr/>
-          <a:lstStyle/>
-          <a:p>
-            <a:r>
-              <a:rPr lang="nl-NL"/>
-              <a:t>elasticsearch</a:t>
-            </a:r>
-          </a:p>
-        </p:txBody>
-      </p:sp>
-      <p:sp>
-        <p:nvSpPr>
-          <p:cNvPr id="5" name="Slide Number Placeholder 4"/>
-          <p:cNvSpPr>
-            <a:spLocks noGrp="1"/>
-          </p:cNvSpPr>
-          <p:nvPr>
-            <p:ph type="sldNum" sz="quarter" idx="12"/>
-          </p:nvPr>
-        </p:nvSpPr>
-        <p:spPr/>
-        <p:txBody>
-          <a:bodyPr/>
-          <a:lstStyle/>
-          <a:p>
-            <a:fld id="{14F1411D-0280-154F-AEAC-4C20B7AA46B2}" type="slidenum">
-              <a:rPr lang="nl-NL" smtClean="0"/>
-              <a:t>9</a:t>
-            </a:fld>
-            <a:endParaRPr lang="nl-NL"/>
-          </a:p>
-        </p:txBody>
-      </p:sp>
+              <a:t>1 index: 5 shards, 1 replica</a:t>
+            </a:r>
+          </a:p>
+          <a:p>
+            <a:endParaRPr lang="en-US" dirty="0"/>
+          </a:p>
+        </p:txBody>
+      </p:sp>
+      <p:pic>
+        <p:nvPicPr>
+          <p:cNvPr id="3" name="Picture 2">
+            <a:extLst>
+              <a:ext uri="{FF2B5EF4-FFF2-40B4-BE49-F238E27FC236}">
+                <a16:creationId xmlns:a16="http://schemas.microsoft.com/office/drawing/2014/main" id="{E7BD7C94-6B03-49E3-9590-B928FF5A6D50}"/>
+              </a:ext>
+            </a:extLst>
+          </p:cNvPr>
+          <p:cNvPicPr>
+            <a:picLocks noChangeAspect="1"/>
+          </p:cNvPicPr>
+          <p:nvPr/>
+        </p:nvPicPr>
+        <p:blipFill>
+          <a:blip r:embed="rId3"/>
+          <a:stretch>
+            <a:fillRect/>
+          </a:stretch>
+        </p:blipFill>
+        <p:spPr>
+          <a:xfrm>
+            <a:off x="4679007" y="1326158"/>
+            <a:ext cx="3744993" cy="3287683"/>
+          </a:xfrm>
+          <a:prstGeom prst="rect">
+            <a:avLst/>
+          </a:prstGeom>
+          <a:noFill/>
+        </p:spPr>
+      </p:pic>
     </p:spTree>
     <p:extLst>
       <p:ext uri="{BB962C8B-B14F-4D97-AF65-F5344CB8AC3E}">
-        <p14:creationId xmlns:p14="http://schemas.microsoft.com/office/powerpoint/2010/main" val="3363803786"/>
+        <p14:creationId xmlns:p14="http://schemas.microsoft.com/office/powerpoint/2010/main" val="791809052"/>
       </p:ext>
     </p:extLst>
   </p:cSld>
@@ -17892,12 +17697,6 @@
 </file>
 
 <file path=customXml/item1.xml><?xml version="1.0" encoding="utf-8"?>
-<p:properties xmlns:p="http://schemas.microsoft.com/office/2006/metadata/properties" xmlns:xsi="http://www.w3.org/2001/XMLSchema-instance" xmlns:pc="http://schemas.microsoft.com/office/infopath/2007/PartnerControls">
-  <documentManagement/>
-</p:properties>
-</file>
-
-<file path=customXml/item2.xml><?xml version="1.0" encoding="utf-8"?>
 <ct:contentTypeSchema xmlns:ct="http://schemas.microsoft.com/office/2006/metadata/contentType" xmlns:ma="http://schemas.microsoft.com/office/2006/metadata/properties/metaAttributes" ct:_="" ma:_="" ma:contentTypeName="Document" ma:contentTypeID="0x01010054F6992C941BD0469027D6180034181D" ma:contentTypeVersion="13" ma:contentTypeDescription="Een nieuw document maken." ma:contentTypeScope="" ma:versionID="90bbe2ba6e20fa9a3c78a3adef113cb8">
   <xsd:schema xmlns:xsd="http://www.w3.org/2001/XMLSchema" xmlns:xs="http://www.w3.org/2001/XMLSchema" xmlns:p="http://schemas.microsoft.com/office/2006/metadata/properties" xmlns:ns3="e3854e12-2785-48a6-904c-b41db34ae470" xmlns:ns4="56443775-6c4e-443f-ae5b-8e5d5d05d0db" targetNamespace="http://schemas.microsoft.com/office/2006/metadata/properties" ma:root="true" ma:fieldsID="1a5ce54b376895e28555adf421d9bc35" ns3:_="" ns4:_="">
     <xsd:import namespace="e3854e12-2785-48a6-904c-b41db34ae470"/>
@@ -18120,7 +17919,7 @@
 </ct:contentTypeSchema>
 </file>
 
-<file path=customXml/item3.xml><?xml version="1.0" encoding="utf-8"?>
+<file path=customXml/item2.xml><?xml version="1.0" encoding="utf-8"?>
 <?mso-contentType ?>
 <FormTemplates xmlns="http://schemas.microsoft.com/sharepoint/v3/contenttype/forms">
   <Display>DocumentLibraryForm</Display>
@@ -18129,24 +17928,13 @@
 </FormTemplates>
 </file>
 
-<file path=customXml/itemProps1.xml><?xml version="1.0" encoding="utf-8"?>
-<ds:datastoreItem xmlns:ds="http://schemas.openxmlformats.org/officeDocument/2006/customXml" ds:itemID="{63653586-D9AD-4A7C-AE25-8F164514A81A}">
-  <ds:schemaRefs>
-    <ds:schemaRef ds:uri="http://purl.org/dc/terms/"/>
-    <ds:schemaRef ds:uri="http://schemas.openxmlformats.org/package/2006/metadata/core-properties"/>
-    <ds:schemaRef ds:uri="http://schemas.microsoft.com/office/2006/documentManagement/types"/>
-    <ds:schemaRef ds:uri="http://schemas.microsoft.com/office/infopath/2007/PartnerControls"/>
-    <ds:schemaRef ds:uri="http://purl.org/dc/elements/1.1/"/>
-    <ds:schemaRef ds:uri="http://schemas.microsoft.com/office/2006/metadata/properties"/>
-    <ds:schemaRef ds:uri="56443775-6c4e-443f-ae5b-8e5d5d05d0db"/>
-    <ds:schemaRef ds:uri="e3854e12-2785-48a6-904c-b41db34ae470"/>
-    <ds:schemaRef ds:uri="http://www.w3.org/XML/1998/namespace"/>
-    <ds:schemaRef ds:uri="http://purl.org/dc/dcmitype/"/>
-  </ds:schemaRefs>
-</ds:datastoreItem>
+<file path=customXml/item3.xml><?xml version="1.0" encoding="utf-8"?>
+<p:properties xmlns:p="http://schemas.microsoft.com/office/2006/metadata/properties" xmlns:xsi="http://www.w3.org/2001/XMLSchema-instance" xmlns:pc="http://schemas.microsoft.com/office/infopath/2007/PartnerControls">
+  <documentManagement/>
+</p:properties>
 </file>
 
-<file path=customXml/itemProps2.xml><?xml version="1.0" encoding="utf-8"?>
+<file path=customXml/itemProps1.xml><?xml version="1.0" encoding="utf-8"?>
 <ds:datastoreItem xmlns:ds="http://schemas.openxmlformats.org/officeDocument/2006/customXml" ds:itemID="{2236F168-07DF-4DEE-9141-9703A5EDABA9}">
   <ds:schemaRefs>
     <ds:schemaRef ds:uri="http://schemas.microsoft.com/office/2006/metadata/contentType"/>
@@ -18165,10 +17953,27 @@
 </ds:datastoreItem>
 </file>
 
-<file path=customXml/itemProps3.xml><?xml version="1.0" encoding="utf-8"?>
+<file path=customXml/itemProps2.xml><?xml version="1.0" encoding="utf-8"?>
 <ds:datastoreItem xmlns:ds="http://schemas.openxmlformats.org/officeDocument/2006/customXml" ds:itemID="{15DF2822-16E4-4479-B239-41A079CBB65B}">
   <ds:schemaRefs>
     <ds:schemaRef ds:uri="http://schemas.microsoft.com/sharepoint/v3/contenttype/forms"/>
   </ds:schemaRefs>
 </ds:datastoreItem>
+</file>
+
+<file path=customXml/itemProps3.xml><?xml version="1.0" encoding="utf-8"?>
+<ds:datastoreItem xmlns:ds="http://schemas.openxmlformats.org/officeDocument/2006/customXml" ds:itemID="{63653586-D9AD-4A7C-AE25-8F164514A81A}">
+  <ds:schemaRefs>
+    <ds:schemaRef ds:uri="http://purl.org/dc/terms/"/>
+    <ds:schemaRef ds:uri="http://schemas.openxmlformats.org/package/2006/metadata/core-properties"/>
+    <ds:schemaRef ds:uri="http://schemas.microsoft.com/office/2006/documentManagement/types"/>
+    <ds:schemaRef ds:uri="http://schemas.microsoft.com/office/infopath/2007/PartnerControls"/>
+    <ds:schemaRef ds:uri="http://purl.org/dc/elements/1.1/"/>
+    <ds:schemaRef ds:uri="http://schemas.microsoft.com/office/2006/metadata/properties"/>
+    <ds:schemaRef ds:uri="56443775-6c4e-443f-ae5b-8e5d5d05d0db"/>
+    <ds:schemaRef ds:uri="e3854e12-2785-48a6-904c-b41db34ae470"/>
+    <ds:schemaRef ds:uri="http://www.w3.org/XML/1998/namespace"/>
+    <ds:schemaRef ds:uri="http://purl.org/dc/dcmitype/"/>
+  </ds:schemaRefs>
+</ds:datastoreItem>
 </file>